--- a/Documents/Concur_Presentation.pptx
+++ b/Documents/Concur_Presentation.pptx
@@ -8,7 +8,8 @@
     <p:sldId id="256" r:id="rId2"/>
     <p:sldId id="258" r:id="rId3"/>
     <p:sldId id="259" r:id="rId4"/>
-    <p:sldId id="257" r:id="rId5"/>
+    <p:sldId id="260" r:id="rId5"/>
+    <p:sldId id="257" r:id="rId6"/>
   </p:sldIdLst>
   <p:sldSz cx="9144000" cy="6858000" type="screen4x3"/>
   <p:notesSz cx="6858000" cy="9144000"/>
@@ -3556,50 +3557,89 @@
           <a:p>
             <a:r>
               <a:rPr lang="en-US" dirty="0" smtClean="0"/>
-              <a:t>Project Description</a:t>
-            </a:r>
-          </a:p>
-          <a:p>
+              <a:t>Project </a:t>
+            </a:r>
             <a:r>
               <a:rPr lang="en-US" dirty="0" smtClean="0"/>
-              <a:t>System Design</a:t>
-            </a:r>
+              <a:t>Description				  3 </a:t>
+            </a:r>
+            <a:r>
+              <a:rPr lang="en-US" dirty="0" err="1" smtClean="0"/>
+              <a:t>mins</a:t>
+            </a:r>
+            <a:endParaRPr lang="en-US" dirty="0" smtClean="0"/>
           </a:p>
           <a:p>
             <a:r>
               <a:rPr lang="en-US" dirty="0" smtClean="0"/>
-              <a:t>System Implementation</a:t>
-            </a:r>
+              <a:t>Design &amp; Implementation			  8 </a:t>
+            </a:r>
+            <a:r>
+              <a:rPr lang="en-US" dirty="0" err="1" smtClean="0"/>
+              <a:t>mins</a:t>
+            </a:r>
+            <a:endParaRPr lang="en-US" dirty="0" smtClean="0"/>
           </a:p>
           <a:p>
             <a:r>
               <a:rPr lang="en-US" dirty="0" smtClean="0"/>
-              <a:t>Testing</a:t>
-            </a:r>
-          </a:p>
-          <a:p>
-            <a:r>
-              <a:rPr lang="en-US" smtClean="0"/>
-              <a:t>Demo</a:t>
+              <a:t>Testing					  3 </a:t>
+            </a:r>
+            <a:r>
+              <a:rPr lang="en-US" dirty="0" err="1" smtClean="0"/>
+              <a:t>mins</a:t>
             </a:r>
             <a:endParaRPr lang="en-US" dirty="0" smtClean="0"/>
           </a:p>
           <a:p>
             <a:r>
               <a:rPr lang="en-US" dirty="0" smtClean="0"/>
-              <a:t>Analysis of Results</a:t>
-            </a:r>
+              <a:t>Demo					  7 </a:t>
+            </a:r>
+            <a:r>
+              <a:rPr lang="en-US" dirty="0" err="1" smtClean="0"/>
+              <a:t>mins</a:t>
+            </a:r>
+            <a:endParaRPr lang="en-US" dirty="0" smtClean="0"/>
           </a:p>
           <a:p>
             <a:r>
               <a:rPr lang="en-US" dirty="0" smtClean="0"/>
-              <a:t>Summary</a:t>
-            </a:r>
-          </a:p>
-          <a:p>
+              <a:t>Analysis of </a:t>
+            </a:r>
             <a:r>
               <a:rPr lang="en-US" dirty="0" smtClean="0"/>
-              <a:t>Q&amp;A</a:t>
+              <a:t>Results			  2 </a:t>
+            </a:r>
+            <a:r>
+              <a:rPr lang="en-US" dirty="0" err="1" smtClean="0"/>
+              <a:t>mins</a:t>
+            </a:r>
+            <a:endParaRPr lang="en-US" dirty="0" smtClean="0"/>
+          </a:p>
+          <a:p>
+            <a:r>
+              <a:rPr lang="en-US" dirty="0" smtClean="0"/>
+              <a:t>Summary					  2 </a:t>
+            </a:r>
+            <a:r>
+              <a:rPr lang="en-US" dirty="0" err="1" smtClean="0"/>
+              <a:t>mins</a:t>
+            </a:r>
+            <a:endParaRPr lang="en-US" dirty="0" smtClean="0"/>
+          </a:p>
+          <a:p>
+            <a:r>
+              <a:rPr lang="en-US" dirty="0" smtClean="0"/>
+              <a:t>Q&amp;</a:t>
+            </a:r>
+            <a:r>
+              <a:rPr lang="en-US" dirty="0" smtClean="0"/>
+              <a:t>A						  5 </a:t>
+            </a:r>
+            <a:r>
+              <a:rPr lang="en-US" dirty="0" err="1" smtClean="0"/>
+              <a:t>mins</a:t>
             </a:r>
             <a:endParaRPr lang="en-US" dirty="0"/>
           </a:p>
@@ -3675,8 +3715,27 @@
           <a:p>
             <a:r>
               <a:rPr lang="en-US" dirty="0" smtClean="0"/>
+              <a:t>Time Period:  Winter-Spring 2012</a:t>
+            </a:r>
+            <a:endParaRPr lang="en-US" dirty="0" smtClean="0"/>
+          </a:p>
+          <a:p>
+            <a:r>
+              <a:rPr lang="en-US" dirty="0" smtClean="0"/>
+              <a:t>Faculty Advisor:  Dr. Eric Larson</a:t>
+            </a:r>
+          </a:p>
+          <a:p>
+            <a:endParaRPr lang="en-US" dirty="0" smtClean="0"/>
+          </a:p>
+          <a:p>
+            <a:r>
+              <a:rPr lang="en-US" dirty="0" smtClean="0"/>
               <a:t>Problems addressed</a:t>
             </a:r>
+          </a:p>
+          <a:p>
+            <a:endParaRPr lang="en-US" dirty="0" smtClean="0"/>
           </a:p>
           <a:p>
             <a:r>
@@ -3685,9 +3744,16 @@
             </a:r>
           </a:p>
           <a:p>
+            <a:endParaRPr lang="en-US" dirty="0" smtClean="0"/>
+          </a:p>
+          <a:p>
             <a:r>
               <a:rPr lang="en-US" dirty="0" smtClean="0"/>
-              <a:t>Users and Use Cases</a:t>
+              <a:t>Users </a:t>
+            </a:r>
+            <a:r>
+              <a:rPr lang="en-US" dirty="0" smtClean="0"/>
+              <a:t>and Use Cases</a:t>
             </a:r>
             <a:endParaRPr lang="en-US" dirty="0"/>
           </a:p>
@@ -3707,6 +3773,119 @@
 </file>
 
 <file path=ppt/slides/slide4.xml><?xml version="1.0" encoding="utf-8"?>
+<p:sld xmlns:a="http://schemas.openxmlformats.org/drawingml/2006/main" xmlns:r="http://schemas.openxmlformats.org/officeDocument/2006/relationships" xmlns:p="http://schemas.openxmlformats.org/presentationml/2006/main">
+  <p:cSld>
+    <p:spTree>
+      <p:nvGrpSpPr>
+        <p:cNvPr id="1" name=""/>
+        <p:cNvGrpSpPr/>
+        <p:nvPr/>
+      </p:nvGrpSpPr>
+      <p:grpSpPr>
+        <a:xfrm>
+          <a:off x="0" y="0"/>
+          <a:ext cx="0" cy="0"/>
+          <a:chOff x="0" y="0"/>
+          <a:chExt cx="0" cy="0"/>
+        </a:xfrm>
+      </p:grpSpPr>
+      <p:sp>
+        <p:nvSpPr>
+          <p:cNvPr id="2" name="Title 1"/>
+          <p:cNvSpPr>
+            <a:spLocks noGrp="1"/>
+          </p:cNvSpPr>
+          <p:nvPr>
+            <p:ph type="title"/>
+          </p:nvPr>
+        </p:nvSpPr>
+        <p:spPr/>
+        <p:txBody>
+          <a:bodyPr/>
+          <a:lstStyle/>
+          <a:p>
+            <a:r>
+              <a:rPr lang="en-US" dirty="0" smtClean="0"/>
+              <a:t>Design &amp; Implementation</a:t>
+            </a:r>
+            <a:endParaRPr lang="en-US" dirty="0"/>
+          </a:p>
+        </p:txBody>
+      </p:sp>
+      <p:sp>
+        <p:nvSpPr>
+          <p:cNvPr id="3" name="Content Placeholder 2"/>
+          <p:cNvSpPr>
+            <a:spLocks noGrp="1"/>
+          </p:cNvSpPr>
+          <p:nvPr>
+            <p:ph idx="1"/>
+          </p:nvPr>
+        </p:nvSpPr>
+        <p:spPr/>
+        <p:txBody>
+          <a:bodyPr/>
+          <a:lstStyle/>
+          <a:p>
+            <a:r>
+              <a:rPr lang="en-US" dirty="0" smtClean="0"/>
+              <a:t>User Interface</a:t>
+            </a:r>
+          </a:p>
+          <a:p>
+            <a:r>
+              <a:rPr lang="en-US" dirty="0" smtClean="0"/>
+              <a:t>Functional Decomposition</a:t>
+            </a:r>
+          </a:p>
+          <a:p>
+            <a:r>
+              <a:rPr lang="en-US" dirty="0" smtClean="0"/>
+              <a:t>Sequence Diagrams</a:t>
+            </a:r>
+          </a:p>
+          <a:p>
+            <a:pPr lvl="1"/>
+            <a:r>
+              <a:rPr lang="en-US" dirty="0" smtClean="0"/>
+              <a:t>Testing with Wrapper</a:t>
+            </a:r>
+          </a:p>
+          <a:p>
+            <a:pPr lvl="1"/>
+            <a:r>
+              <a:rPr lang="en-US" dirty="0" smtClean="0"/>
+              <a:t>Testing with Concur</a:t>
+            </a:r>
+          </a:p>
+          <a:p>
+            <a:pPr lvl="1"/>
+            <a:r>
+              <a:rPr lang="en-US" dirty="0" smtClean="0"/>
+              <a:t>Debugging with </a:t>
+            </a:r>
+            <a:r>
+              <a:rPr lang="en-US" smtClean="0"/>
+              <a:t>Log Trail</a:t>
+            </a:r>
+            <a:endParaRPr lang="en-US" dirty="0"/>
+          </a:p>
+        </p:txBody>
+      </p:sp>
+    </p:spTree>
+    <p:extLst>
+      <p:ext uri="{BB962C8B-B14F-4D97-AF65-F5344CB8AC3E}">
+        <p14:creationId xmlns:p14="http://schemas.microsoft.com/office/powerpoint/2010/main" val="2957022519"/>
+      </p:ext>
+    </p:extLst>
+  </p:cSld>
+  <p:clrMapOvr>
+    <a:masterClrMapping/>
+  </p:clrMapOvr>
+</p:sld>
+</file>
+
+<file path=ppt/slides/slide5.xml><?xml version="1.0" encoding="utf-8"?>
 <p:sld xmlns:a="http://schemas.openxmlformats.org/drawingml/2006/main" xmlns:r="http://schemas.openxmlformats.org/officeDocument/2006/relationships" xmlns:p="http://schemas.openxmlformats.org/presentationml/2006/main">
   <p:cSld>
     <p:spTree>

--- a/Documents/Concur_Presentation.pptx
+++ b/Documents/Concur_Presentation.pptx
@@ -4,12 +4,28 @@
   <p:sldMasterIdLst>
     <p:sldMasterId id="2147483960" r:id="rId1"/>
   </p:sldMasterIdLst>
+  <p:notesMasterIdLst>
+    <p:notesMasterId r:id="rId20"/>
+  </p:notesMasterIdLst>
   <p:sldIdLst>
     <p:sldId id="256" r:id="rId2"/>
     <p:sldId id="258" r:id="rId3"/>
     <p:sldId id="259" r:id="rId4"/>
-    <p:sldId id="260" r:id="rId5"/>
-    <p:sldId id="257" r:id="rId6"/>
+    <p:sldId id="266" r:id="rId5"/>
+    <p:sldId id="267" r:id="rId6"/>
+    <p:sldId id="268" r:id="rId7"/>
+    <p:sldId id="260" r:id="rId8"/>
+    <p:sldId id="269" r:id="rId9"/>
+    <p:sldId id="257" r:id="rId10"/>
+    <p:sldId id="272" r:id="rId11"/>
+    <p:sldId id="271" r:id="rId12"/>
+    <p:sldId id="270" r:id="rId13"/>
+    <p:sldId id="273" r:id="rId14"/>
+    <p:sldId id="262" r:id="rId15"/>
+    <p:sldId id="261" r:id="rId16"/>
+    <p:sldId id="263" r:id="rId17"/>
+    <p:sldId id="264" r:id="rId18"/>
+    <p:sldId id="265" r:id="rId19"/>
   </p:sldIdLst>
   <p:sldSz cx="9144000" cy="6858000" type="screen4x3"/>
   <p:notesSz cx="6858000" cy="9144000"/>
@@ -109,6 +125,692 @@
     </a:lvl9pPr>
   </p:defaultTextStyle>
 </p:presentation>
+</file>
+
+<file path=ppt/notesMasters/notesMaster1.xml><?xml version="1.0" encoding="utf-8"?>
+<p:notesMaster xmlns:a="http://schemas.openxmlformats.org/drawingml/2006/main" xmlns:r="http://schemas.openxmlformats.org/officeDocument/2006/relationships" xmlns:p="http://schemas.openxmlformats.org/presentationml/2006/main">
+  <p:cSld>
+    <p:bg>
+      <p:bgRef idx="1001">
+        <a:schemeClr val="bg1"/>
+      </p:bgRef>
+    </p:bg>
+    <p:spTree>
+      <p:nvGrpSpPr>
+        <p:cNvPr id="1" name=""/>
+        <p:cNvGrpSpPr/>
+        <p:nvPr/>
+      </p:nvGrpSpPr>
+      <p:grpSpPr>
+        <a:xfrm>
+          <a:off x="0" y="0"/>
+          <a:ext cx="0" cy="0"/>
+          <a:chOff x="0" y="0"/>
+          <a:chExt cx="0" cy="0"/>
+        </a:xfrm>
+      </p:grpSpPr>
+      <p:sp>
+        <p:nvSpPr>
+          <p:cNvPr id="2" name="Header Placeholder 1"/>
+          <p:cNvSpPr>
+            <a:spLocks noGrp="1"/>
+          </p:cNvSpPr>
+          <p:nvPr>
+            <p:ph type="hdr" sz="quarter"/>
+          </p:nvPr>
+        </p:nvSpPr>
+        <p:spPr>
+          <a:xfrm>
+            <a:off x="0" y="0"/>
+            <a:ext cx="2971800" cy="457200"/>
+          </a:xfrm>
+          <a:prstGeom prst="rect">
+            <a:avLst/>
+          </a:prstGeom>
+        </p:spPr>
+        <p:txBody>
+          <a:bodyPr vert="horz" lIns="91440" tIns="45720" rIns="91440" bIns="45720" rtlCol="0"/>
+          <a:lstStyle>
+            <a:lvl1pPr algn="l">
+              <a:defRPr sz="1200"/>
+            </a:lvl1pPr>
+          </a:lstStyle>
+          <a:p>
+            <a:endParaRPr lang="en-US"/>
+          </a:p>
+        </p:txBody>
+      </p:sp>
+      <p:sp>
+        <p:nvSpPr>
+          <p:cNvPr id="3" name="Date Placeholder 2"/>
+          <p:cNvSpPr>
+            <a:spLocks noGrp="1"/>
+          </p:cNvSpPr>
+          <p:nvPr>
+            <p:ph type="dt" idx="1"/>
+          </p:nvPr>
+        </p:nvSpPr>
+        <p:spPr>
+          <a:xfrm>
+            <a:off x="3884613" y="0"/>
+            <a:ext cx="2971800" cy="457200"/>
+          </a:xfrm>
+          <a:prstGeom prst="rect">
+            <a:avLst/>
+          </a:prstGeom>
+        </p:spPr>
+        <p:txBody>
+          <a:bodyPr vert="horz" lIns="91440" tIns="45720" rIns="91440" bIns="45720" rtlCol="0"/>
+          <a:lstStyle>
+            <a:lvl1pPr algn="r">
+              <a:defRPr sz="1200"/>
+            </a:lvl1pPr>
+          </a:lstStyle>
+          <a:p>
+            <a:fld id="{BE2663A9-2618-6649-B6E3-2D33878C5258}" type="datetimeFigureOut">
+              <a:rPr lang="en-US" smtClean="0"/>
+              <a:t>6/3/12</a:t>
+            </a:fld>
+            <a:endParaRPr lang="en-US"/>
+          </a:p>
+        </p:txBody>
+      </p:sp>
+      <p:sp>
+        <p:nvSpPr>
+          <p:cNvPr id="4" name="Slide Image Placeholder 3"/>
+          <p:cNvSpPr>
+            <a:spLocks noGrp="1" noRot="1" noChangeAspect="1"/>
+          </p:cNvSpPr>
+          <p:nvPr>
+            <p:ph type="sldImg" idx="2"/>
+          </p:nvPr>
+        </p:nvSpPr>
+        <p:spPr>
+          <a:xfrm>
+            <a:off x="1143000" y="685800"/>
+            <a:ext cx="4572000" cy="3429000"/>
+          </a:xfrm>
+          <a:prstGeom prst="rect">
+            <a:avLst/>
+          </a:prstGeom>
+          <a:noFill/>
+          <a:ln w="12700">
+            <a:solidFill>
+              <a:prstClr val="black"/>
+            </a:solidFill>
+          </a:ln>
+        </p:spPr>
+        <p:txBody>
+          <a:bodyPr vert="horz" lIns="91440" tIns="45720" rIns="91440" bIns="45720" rtlCol="0" anchor="ctr"/>
+          <a:lstStyle/>
+          <a:p>
+            <a:endParaRPr lang="en-US"/>
+          </a:p>
+        </p:txBody>
+      </p:sp>
+      <p:sp>
+        <p:nvSpPr>
+          <p:cNvPr id="5" name="Notes Placeholder 4"/>
+          <p:cNvSpPr>
+            <a:spLocks noGrp="1"/>
+          </p:cNvSpPr>
+          <p:nvPr>
+            <p:ph type="body" sz="quarter" idx="3"/>
+          </p:nvPr>
+        </p:nvSpPr>
+        <p:spPr>
+          <a:xfrm>
+            <a:off x="685800" y="4343400"/>
+            <a:ext cx="5486400" cy="4114800"/>
+          </a:xfrm>
+          <a:prstGeom prst="rect">
+            <a:avLst/>
+          </a:prstGeom>
+        </p:spPr>
+        <p:txBody>
+          <a:bodyPr vert="horz" lIns="91440" tIns="45720" rIns="91440" bIns="45720" rtlCol="0"/>
+          <a:lstStyle/>
+          <a:p>
+            <a:pPr lvl="0"/>
+            <a:r>
+              <a:rPr lang="en-US" smtClean="0"/>
+              <a:t>Click to edit Master text styles</a:t>
+            </a:r>
+          </a:p>
+          <a:p>
+            <a:pPr lvl="1"/>
+            <a:r>
+              <a:rPr lang="en-US" smtClean="0"/>
+              <a:t>Second level</a:t>
+            </a:r>
+          </a:p>
+          <a:p>
+            <a:pPr lvl="2"/>
+            <a:r>
+              <a:rPr lang="en-US" smtClean="0"/>
+              <a:t>Third level</a:t>
+            </a:r>
+          </a:p>
+          <a:p>
+            <a:pPr lvl="3"/>
+            <a:r>
+              <a:rPr lang="en-US" smtClean="0"/>
+              <a:t>Fourth level</a:t>
+            </a:r>
+          </a:p>
+          <a:p>
+            <a:pPr lvl="4"/>
+            <a:r>
+              <a:rPr lang="en-US" smtClean="0"/>
+              <a:t>Fifth level</a:t>
+            </a:r>
+            <a:endParaRPr lang="en-US"/>
+          </a:p>
+        </p:txBody>
+      </p:sp>
+      <p:sp>
+        <p:nvSpPr>
+          <p:cNvPr id="6" name="Footer Placeholder 5"/>
+          <p:cNvSpPr>
+            <a:spLocks noGrp="1"/>
+          </p:cNvSpPr>
+          <p:nvPr>
+            <p:ph type="ftr" sz="quarter" idx="4"/>
+          </p:nvPr>
+        </p:nvSpPr>
+        <p:spPr>
+          <a:xfrm>
+            <a:off x="0" y="8685213"/>
+            <a:ext cx="2971800" cy="457200"/>
+          </a:xfrm>
+          <a:prstGeom prst="rect">
+            <a:avLst/>
+          </a:prstGeom>
+        </p:spPr>
+        <p:txBody>
+          <a:bodyPr vert="horz" lIns="91440" tIns="45720" rIns="91440" bIns="45720" rtlCol="0" anchor="b"/>
+          <a:lstStyle>
+            <a:lvl1pPr algn="l">
+              <a:defRPr sz="1200"/>
+            </a:lvl1pPr>
+          </a:lstStyle>
+          <a:p>
+            <a:endParaRPr lang="en-US"/>
+          </a:p>
+        </p:txBody>
+      </p:sp>
+      <p:sp>
+        <p:nvSpPr>
+          <p:cNvPr id="7" name="Slide Number Placeholder 6"/>
+          <p:cNvSpPr>
+            <a:spLocks noGrp="1"/>
+          </p:cNvSpPr>
+          <p:nvPr>
+            <p:ph type="sldNum" sz="quarter" idx="5"/>
+          </p:nvPr>
+        </p:nvSpPr>
+        <p:spPr>
+          <a:xfrm>
+            <a:off x="3884613" y="8685213"/>
+            <a:ext cx="2971800" cy="457200"/>
+          </a:xfrm>
+          <a:prstGeom prst="rect">
+            <a:avLst/>
+          </a:prstGeom>
+        </p:spPr>
+        <p:txBody>
+          <a:bodyPr vert="horz" lIns="91440" tIns="45720" rIns="91440" bIns="45720" rtlCol="0" anchor="b"/>
+          <a:lstStyle>
+            <a:lvl1pPr algn="r">
+              <a:defRPr sz="1200"/>
+            </a:lvl1pPr>
+          </a:lstStyle>
+          <a:p>
+            <a:fld id="{7CBFEC62-47D8-AA45-80EB-A84698F32C4E}" type="slidenum">
+              <a:rPr lang="en-US" smtClean="0"/>
+              <a:t>‹#›</a:t>
+            </a:fld>
+            <a:endParaRPr lang="en-US"/>
+          </a:p>
+        </p:txBody>
+      </p:sp>
+    </p:spTree>
+    <p:extLst>
+      <p:ext uri="{BB962C8B-B14F-4D97-AF65-F5344CB8AC3E}">
+        <p14:creationId xmlns:p14="http://schemas.microsoft.com/office/powerpoint/2010/main" val="3127502609"/>
+      </p:ext>
+    </p:extLst>
+  </p:cSld>
+  <p:clrMap bg1="lt1" tx1="dk1" bg2="lt2" tx2="dk2" accent1="accent1" accent2="accent2" accent3="accent3" accent4="accent4" accent5="accent5" accent6="accent6" hlink="hlink" folHlink="folHlink"/>
+  <p:notesStyle>
+    <a:lvl1pPr marL="0" algn="l" defTabSz="457200" rtl="0" eaLnBrk="1" latinLnBrk="0" hangingPunct="1">
+      <a:defRPr sz="1200" kern="1200">
+        <a:solidFill>
+          <a:schemeClr val="tx1"/>
+        </a:solidFill>
+        <a:latin typeface="+mn-lt"/>
+        <a:ea typeface="+mn-ea"/>
+        <a:cs typeface="+mn-cs"/>
+      </a:defRPr>
+    </a:lvl1pPr>
+    <a:lvl2pPr marL="457200" algn="l" defTabSz="457200" rtl="0" eaLnBrk="1" latinLnBrk="0" hangingPunct="1">
+      <a:defRPr sz="1200" kern="1200">
+        <a:solidFill>
+          <a:schemeClr val="tx1"/>
+        </a:solidFill>
+        <a:latin typeface="+mn-lt"/>
+        <a:ea typeface="+mn-ea"/>
+        <a:cs typeface="+mn-cs"/>
+      </a:defRPr>
+    </a:lvl2pPr>
+    <a:lvl3pPr marL="914400" algn="l" defTabSz="457200" rtl="0" eaLnBrk="1" latinLnBrk="0" hangingPunct="1">
+      <a:defRPr sz="1200" kern="1200">
+        <a:solidFill>
+          <a:schemeClr val="tx1"/>
+        </a:solidFill>
+        <a:latin typeface="+mn-lt"/>
+        <a:ea typeface="+mn-ea"/>
+        <a:cs typeface="+mn-cs"/>
+      </a:defRPr>
+    </a:lvl3pPr>
+    <a:lvl4pPr marL="1371600" algn="l" defTabSz="457200" rtl="0" eaLnBrk="1" latinLnBrk="0" hangingPunct="1">
+      <a:defRPr sz="1200" kern="1200">
+        <a:solidFill>
+          <a:schemeClr val="tx1"/>
+        </a:solidFill>
+        <a:latin typeface="+mn-lt"/>
+        <a:ea typeface="+mn-ea"/>
+        <a:cs typeface="+mn-cs"/>
+      </a:defRPr>
+    </a:lvl4pPr>
+    <a:lvl5pPr marL="1828800" algn="l" defTabSz="457200" rtl="0" eaLnBrk="1" latinLnBrk="0" hangingPunct="1">
+      <a:defRPr sz="1200" kern="1200">
+        <a:solidFill>
+          <a:schemeClr val="tx1"/>
+        </a:solidFill>
+        <a:latin typeface="+mn-lt"/>
+        <a:ea typeface="+mn-ea"/>
+        <a:cs typeface="+mn-cs"/>
+      </a:defRPr>
+    </a:lvl5pPr>
+    <a:lvl6pPr marL="2286000" algn="l" defTabSz="457200" rtl="0" eaLnBrk="1" latinLnBrk="0" hangingPunct="1">
+      <a:defRPr sz="1200" kern="1200">
+        <a:solidFill>
+          <a:schemeClr val="tx1"/>
+        </a:solidFill>
+        <a:latin typeface="+mn-lt"/>
+        <a:ea typeface="+mn-ea"/>
+        <a:cs typeface="+mn-cs"/>
+      </a:defRPr>
+    </a:lvl6pPr>
+    <a:lvl7pPr marL="2743200" algn="l" defTabSz="457200" rtl="0" eaLnBrk="1" latinLnBrk="0" hangingPunct="1">
+      <a:defRPr sz="1200" kern="1200">
+        <a:solidFill>
+          <a:schemeClr val="tx1"/>
+        </a:solidFill>
+        <a:latin typeface="+mn-lt"/>
+        <a:ea typeface="+mn-ea"/>
+        <a:cs typeface="+mn-cs"/>
+      </a:defRPr>
+    </a:lvl7pPr>
+    <a:lvl8pPr marL="3200400" algn="l" defTabSz="457200" rtl="0" eaLnBrk="1" latinLnBrk="0" hangingPunct="1">
+      <a:defRPr sz="1200" kern="1200">
+        <a:solidFill>
+          <a:schemeClr val="tx1"/>
+        </a:solidFill>
+        <a:latin typeface="+mn-lt"/>
+        <a:ea typeface="+mn-ea"/>
+        <a:cs typeface="+mn-cs"/>
+      </a:defRPr>
+    </a:lvl8pPr>
+    <a:lvl9pPr marL="3657600" algn="l" defTabSz="457200" rtl="0" eaLnBrk="1" latinLnBrk="0" hangingPunct="1">
+      <a:defRPr sz="1200" kern="1200">
+        <a:solidFill>
+          <a:schemeClr val="tx1"/>
+        </a:solidFill>
+        <a:latin typeface="+mn-lt"/>
+        <a:ea typeface="+mn-ea"/>
+        <a:cs typeface="+mn-cs"/>
+      </a:defRPr>
+    </a:lvl9pPr>
+  </p:notesStyle>
+</p:notesMaster>
+</file>
+
+<file path=ppt/notesSlides/notesSlide1.xml><?xml version="1.0" encoding="utf-8"?>
+<p:notes xmlns:a="http://schemas.openxmlformats.org/drawingml/2006/main" xmlns:r="http://schemas.openxmlformats.org/officeDocument/2006/relationships" xmlns:p="http://schemas.openxmlformats.org/presentationml/2006/main">
+  <p:cSld>
+    <p:spTree>
+      <p:nvGrpSpPr>
+        <p:cNvPr id="1" name=""/>
+        <p:cNvGrpSpPr/>
+        <p:nvPr/>
+      </p:nvGrpSpPr>
+      <p:grpSpPr>
+        <a:xfrm>
+          <a:off x="0" y="0"/>
+          <a:ext cx="0" cy="0"/>
+          <a:chOff x="0" y="0"/>
+          <a:chExt cx="0" cy="0"/>
+        </a:xfrm>
+      </p:grpSpPr>
+      <p:sp>
+        <p:nvSpPr>
+          <p:cNvPr id="2" name="Slide Image Placeholder 1"/>
+          <p:cNvSpPr>
+            <a:spLocks noGrp="1" noRot="1" noChangeAspect="1"/>
+          </p:cNvSpPr>
+          <p:nvPr>
+            <p:ph type="sldImg"/>
+          </p:nvPr>
+        </p:nvSpPr>
+        <p:spPr/>
+      </p:sp>
+      <p:sp>
+        <p:nvSpPr>
+          <p:cNvPr id="3" name="Notes Placeholder 2"/>
+          <p:cNvSpPr>
+            <a:spLocks noGrp="1"/>
+          </p:cNvSpPr>
+          <p:nvPr>
+            <p:ph type="body" idx="1"/>
+          </p:nvPr>
+        </p:nvSpPr>
+        <p:spPr/>
+        <p:txBody>
+          <a:bodyPr/>
+          <a:lstStyle/>
+          <a:p>
+            <a:endParaRPr lang="en-US" dirty="0"/>
+          </a:p>
+        </p:txBody>
+      </p:sp>
+      <p:sp>
+        <p:nvSpPr>
+          <p:cNvPr id="4" name="Slide Number Placeholder 3"/>
+          <p:cNvSpPr>
+            <a:spLocks noGrp="1"/>
+          </p:cNvSpPr>
+          <p:nvPr>
+            <p:ph type="sldNum" sz="quarter" idx="10"/>
+          </p:nvPr>
+        </p:nvSpPr>
+        <p:spPr/>
+        <p:txBody>
+          <a:bodyPr/>
+          <a:lstStyle/>
+          <a:p>
+            <a:fld id="{7CBFEC62-47D8-AA45-80EB-A84698F32C4E}" type="slidenum">
+              <a:rPr lang="en-US" smtClean="0"/>
+              <a:t>3</a:t>
+            </a:fld>
+            <a:endParaRPr lang="en-US"/>
+          </a:p>
+        </p:txBody>
+      </p:sp>
+    </p:spTree>
+    <p:extLst>
+      <p:ext uri="{BB962C8B-B14F-4D97-AF65-F5344CB8AC3E}">
+        <p14:creationId xmlns:p14="http://schemas.microsoft.com/office/powerpoint/2010/main" val="2856214145"/>
+      </p:ext>
+    </p:extLst>
+  </p:cSld>
+  <p:clrMapOvr>
+    <a:masterClrMapping/>
+  </p:clrMapOvr>
+</p:notes>
+</file>
+
+<file path=ppt/notesSlides/notesSlide2.xml><?xml version="1.0" encoding="utf-8"?>
+<p:notes xmlns:a="http://schemas.openxmlformats.org/drawingml/2006/main" xmlns:r="http://schemas.openxmlformats.org/officeDocument/2006/relationships" xmlns:p="http://schemas.openxmlformats.org/presentationml/2006/main">
+  <p:cSld>
+    <p:spTree>
+      <p:nvGrpSpPr>
+        <p:cNvPr id="1" name=""/>
+        <p:cNvGrpSpPr/>
+        <p:nvPr/>
+      </p:nvGrpSpPr>
+      <p:grpSpPr>
+        <a:xfrm>
+          <a:off x="0" y="0"/>
+          <a:ext cx="0" cy="0"/>
+          <a:chOff x="0" y="0"/>
+          <a:chExt cx="0" cy="0"/>
+        </a:xfrm>
+      </p:grpSpPr>
+      <p:sp>
+        <p:nvSpPr>
+          <p:cNvPr id="2" name="Slide Image Placeholder 1"/>
+          <p:cNvSpPr>
+            <a:spLocks noGrp="1" noRot="1" noChangeAspect="1"/>
+          </p:cNvSpPr>
+          <p:nvPr>
+            <p:ph type="sldImg"/>
+          </p:nvPr>
+        </p:nvSpPr>
+        <p:spPr/>
+      </p:sp>
+      <p:sp>
+        <p:nvSpPr>
+          <p:cNvPr id="3" name="Notes Placeholder 2"/>
+          <p:cNvSpPr>
+            <a:spLocks noGrp="1"/>
+          </p:cNvSpPr>
+          <p:nvPr>
+            <p:ph type="body" idx="1"/>
+          </p:nvPr>
+        </p:nvSpPr>
+        <p:spPr/>
+        <p:txBody>
+          <a:bodyPr/>
+          <a:lstStyle/>
+          <a:p>
+            <a:endParaRPr lang="en-US" dirty="0"/>
+          </a:p>
+        </p:txBody>
+      </p:sp>
+      <p:sp>
+        <p:nvSpPr>
+          <p:cNvPr id="4" name="Slide Number Placeholder 3"/>
+          <p:cNvSpPr>
+            <a:spLocks noGrp="1"/>
+          </p:cNvSpPr>
+          <p:nvPr>
+            <p:ph type="sldNum" sz="quarter" idx="10"/>
+          </p:nvPr>
+        </p:nvSpPr>
+        <p:spPr/>
+        <p:txBody>
+          <a:bodyPr/>
+          <a:lstStyle/>
+          <a:p>
+            <a:fld id="{7CBFEC62-47D8-AA45-80EB-A84698F32C4E}" type="slidenum">
+              <a:rPr lang="en-US" smtClean="0"/>
+              <a:t>5</a:t>
+            </a:fld>
+            <a:endParaRPr lang="en-US"/>
+          </a:p>
+        </p:txBody>
+      </p:sp>
+    </p:spTree>
+    <p:extLst>
+      <p:ext uri="{BB962C8B-B14F-4D97-AF65-F5344CB8AC3E}">
+        <p14:creationId xmlns:p14="http://schemas.microsoft.com/office/powerpoint/2010/main" val="1871693178"/>
+      </p:ext>
+    </p:extLst>
+  </p:cSld>
+  <p:clrMapOvr>
+    <a:masterClrMapping/>
+  </p:clrMapOvr>
+</p:notes>
+</file>
+
+<file path=ppt/notesSlides/notesSlide3.xml><?xml version="1.0" encoding="utf-8"?>
+<p:notes xmlns:a="http://schemas.openxmlformats.org/drawingml/2006/main" xmlns:r="http://schemas.openxmlformats.org/officeDocument/2006/relationships" xmlns:p="http://schemas.openxmlformats.org/presentationml/2006/main">
+  <p:cSld>
+    <p:spTree>
+      <p:nvGrpSpPr>
+        <p:cNvPr id="1" name=""/>
+        <p:cNvGrpSpPr/>
+        <p:nvPr/>
+      </p:nvGrpSpPr>
+      <p:grpSpPr>
+        <a:xfrm>
+          <a:off x="0" y="0"/>
+          <a:ext cx="0" cy="0"/>
+          <a:chOff x="0" y="0"/>
+          <a:chExt cx="0" cy="0"/>
+        </a:xfrm>
+      </p:grpSpPr>
+      <p:sp>
+        <p:nvSpPr>
+          <p:cNvPr id="2" name="Slide Image Placeholder 1"/>
+          <p:cNvSpPr>
+            <a:spLocks noGrp="1" noRot="1" noChangeAspect="1"/>
+          </p:cNvSpPr>
+          <p:nvPr>
+            <p:ph type="sldImg"/>
+          </p:nvPr>
+        </p:nvSpPr>
+        <p:spPr/>
+      </p:sp>
+      <p:sp>
+        <p:nvSpPr>
+          <p:cNvPr id="3" name="Notes Placeholder 2"/>
+          <p:cNvSpPr>
+            <a:spLocks noGrp="1"/>
+          </p:cNvSpPr>
+          <p:nvPr>
+            <p:ph type="body" idx="1"/>
+          </p:nvPr>
+        </p:nvSpPr>
+        <p:spPr/>
+        <p:txBody>
+          <a:bodyPr/>
+          <a:lstStyle/>
+          <a:p>
+            <a:endParaRPr lang="en-US" dirty="0"/>
+          </a:p>
+        </p:txBody>
+      </p:sp>
+      <p:sp>
+        <p:nvSpPr>
+          <p:cNvPr id="4" name="Slide Number Placeholder 3"/>
+          <p:cNvSpPr>
+            <a:spLocks noGrp="1"/>
+          </p:cNvSpPr>
+          <p:nvPr>
+            <p:ph type="sldNum" sz="quarter" idx="10"/>
+          </p:nvPr>
+        </p:nvSpPr>
+        <p:spPr/>
+        <p:txBody>
+          <a:bodyPr/>
+          <a:lstStyle/>
+          <a:p>
+            <a:fld id="{7CBFEC62-47D8-AA45-80EB-A84698F32C4E}" type="slidenum">
+              <a:rPr lang="en-US" smtClean="0"/>
+              <a:t>6</a:t>
+            </a:fld>
+            <a:endParaRPr lang="en-US"/>
+          </a:p>
+        </p:txBody>
+      </p:sp>
+    </p:spTree>
+    <p:extLst>
+      <p:ext uri="{BB962C8B-B14F-4D97-AF65-F5344CB8AC3E}">
+        <p14:creationId xmlns:p14="http://schemas.microsoft.com/office/powerpoint/2010/main" val="1871693178"/>
+      </p:ext>
+    </p:extLst>
+  </p:cSld>
+  <p:clrMapOvr>
+    <a:masterClrMapping/>
+  </p:clrMapOvr>
+</p:notes>
+</file>
+
+<file path=ppt/notesSlides/notesSlide4.xml><?xml version="1.0" encoding="utf-8"?>
+<p:notes xmlns:a="http://schemas.openxmlformats.org/drawingml/2006/main" xmlns:r="http://schemas.openxmlformats.org/officeDocument/2006/relationships" xmlns:p="http://schemas.openxmlformats.org/presentationml/2006/main">
+  <p:cSld>
+    <p:spTree>
+      <p:nvGrpSpPr>
+        <p:cNvPr id="1" name=""/>
+        <p:cNvGrpSpPr/>
+        <p:nvPr/>
+      </p:nvGrpSpPr>
+      <p:grpSpPr>
+        <a:xfrm>
+          <a:off x="0" y="0"/>
+          <a:ext cx="0" cy="0"/>
+          <a:chOff x="0" y="0"/>
+          <a:chExt cx="0" cy="0"/>
+        </a:xfrm>
+      </p:grpSpPr>
+      <p:sp>
+        <p:nvSpPr>
+          <p:cNvPr id="2" name="Slide Image Placeholder 1"/>
+          <p:cNvSpPr>
+            <a:spLocks noGrp="1" noRot="1" noChangeAspect="1"/>
+          </p:cNvSpPr>
+          <p:nvPr>
+            <p:ph type="sldImg"/>
+          </p:nvPr>
+        </p:nvSpPr>
+        <p:spPr/>
+      </p:sp>
+      <p:sp>
+        <p:nvSpPr>
+          <p:cNvPr id="3" name="Notes Placeholder 2"/>
+          <p:cNvSpPr>
+            <a:spLocks noGrp="1"/>
+          </p:cNvSpPr>
+          <p:nvPr>
+            <p:ph type="body" idx="1"/>
+          </p:nvPr>
+        </p:nvSpPr>
+        <p:spPr/>
+        <p:txBody>
+          <a:bodyPr/>
+          <a:lstStyle/>
+          <a:p>
+            <a:endParaRPr lang="en-US" dirty="0"/>
+          </a:p>
+        </p:txBody>
+      </p:sp>
+      <p:sp>
+        <p:nvSpPr>
+          <p:cNvPr id="4" name="Slide Number Placeholder 3"/>
+          <p:cNvSpPr>
+            <a:spLocks noGrp="1"/>
+          </p:cNvSpPr>
+          <p:nvPr>
+            <p:ph type="sldNum" sz="quarter" idx="10"/>
+          </p:nvPr>
+        </p:nvSpPr>
+        <p:spPr/>
+        <p:txBody>
+          <a:bodyPr/>
+          <a:lstStyle/>
+          <a:p>
+            <a:fld id="{7CBFEC62-47D8-AA45-80EB-A84698F32C4E}" type="slidenum">
+              <a:rPr lang="en-US" smtClean="0"/>
+              <a:t>9</a:t>
+            </a:fld>
+            <a:endParaRPr lang="en-US"/>
+          </a:p>
+        </p:txBody>
+      </p:sp>
+    </p:spTree>
+    <p:extLst>
+      <p:ext uri="{BB962C8B-B14F-4D97-AF65-F5344CB8AC3E}">
+        <p14:creationId xmlns:p14="http://schemas.microsoft.com/office/powerpoint/2010/main" val="2925395708"/>
+      </p:ext>
+    </p:extLst>
+  </p:cSld>
+  <p:clrMapOvr>
+    <a:masterClrMapping/>
+  </p:clrMapOvr>
+</p:notes>
 </file>
 
 <file path=ppt/slideLayouts/slideLayout1.xml><?xml version="1.0" encoding="utf-8"?>
@@ -3500,6 +4202,1996 @@
 </p:sld>
 </file>
 
+<file path=ppt/slides/slide10.xml><?xml version="1.0" encoding="utf-8"?>
+<p:sld xmlns:a="http://schemas.openxmlformats.org/drawingml/2006/main" xmlns:r="http://schemas.openxmlformats.org/officeDocument/2006/relationships" xmlns:p="http://schemas.openxmlformats.org/presentationml/2006/main">
+  <p:cSld>
+    <p:spTree>
+      <p:nvGrpSpPr>
+        <p:cNvPr id="1" name=""/>
+        <p:cNvGrpSpPr/>
+        <p:nvPr/>
+      </p:nvGrpSpPr>
+      <p:grpSpPr>
+        <a:xfrm>
+          <a:off x="0" y="0"/>
+          <a:ext cx="0" cy="0"/>
+          <a:chOff x="0" y="0"/>
+          <a:chExt cx="0" cy="0"/>
+        </a:xfrm>
+      </p:grpSpPr>
+      <p:sp>
+        <p:nvSpPr>
+          <p:cNvPr id="2" name="Title 1"/>
+          <p:cNvSpPr>
+            <a:spLocks noGrp="1"/>
+          </p:cNvSpPr>
+          <p:nvPr>
+            <p:ph type="title"/>
+          </p:nvPr>
+        </p:nvSpPr>
+        <p:spPr/>
+        <p:txBody>
+          <a:bodyPr/>
+          <a:lstStyle/>
+          <a:p>
+            <a:r>
+              <a:rPr lang="en-US" dirty="0" smtClean="0"/>
+              <a:t>Data Flow Diagram</a:t>
+            </a:r>
+            <a:endParaRPr lang="en-US" dirty="0"/>
+          </a:p>
+        </p:txBody>
+      </p:sp>
+      <p:sp>
+        <p:nvSpPr>
+          <p:cNvPr id="3" name="Content Placeholder 2"/>
+          <p:cNvSpPr>
+            <a:spLocks noGrp="1"/>
+          </p:cNvSpPr>
+          <p:nvPr>
+            <p:ph idx="1"/>
+          </p:nvPr>
+        </p:nvSpPr>
+        <p:spPr/>
+        <p:txBody>
+          <a:bodyPr/>
+          <a:lstStyle/>
+          <a:p>
+            <a:r>
+              <a:rPr lang="en-US" dirty="0" smtClean="0"/>
+              <a:t>TODO:  Insert diagram</a:t>
+            </a:r>
+            <a:endParaRPr lang="en-US" dirty="0"/>
+          </a:p>
+        </p:txBody>
+      </p:sp>
+    </p:spTree>
+    <p:extLst>
+      <p:ext uri="{BB962C8B-B14F-4D97-AF65-F5344CB8AC3E}">
+        <p14:creationId xmlns:p14="http://schemas.microsoft.com/office/powerpoint/2010/main" val="1650327307"/>
+      </p:ext>
+    </p:extLst>
+  </p:cSld>
+  <p:clrMapOvr>
+    <a:masterClrMapping/>
+  </p:clrMapOvr>
+</p:sld>
+</file>
+
+<file path=ppt/slides/slide11.xml><?xml version="1.0" encoding="utf-8"?>
+<p:sld xmlns:a="http://schemas.openxmlformats.org/drawingml/2006/main" xmlns:r="http://schemas.openxmlformats.org/officeDocument/2006/relationships" xmlns:p="http://schemas.openxmlformats.org/presentationml/2006/main">
+  <p:cSld>
+    <p:spTree>
+      <p:nvGrpSpPr>
+        <p:cNvPr id="1" name=""/>
+        <p:cNvGrpSpPr/>
+        <p:nvPr/>
+      </p:nvGrpSpPr>
+      <p:grpSpPr>
+        <a:xfrm>
+          <a:off x="0" y="0"/>
+          <a:ext cx="0" cy="0"/>
+          <a:chOff x="0" y="0"/>
+          <a:chExt cx="0" cy="0"/>
+        </a:xfrm>
+      </p:grpSpPr>
+      <p:sp>
+        <p:nvSpPr>
+          <p:cNvPr id="2" name="Title 1"/>
+          <p:cNvSpPr>
+            <a:spLocks noGrp="1"/>
+          </p:cNvSpPr>
+          <p:nvPr>
+            <p:ph type="title"/>
+          </p:nvPr>
+        </p:nvSpPr>
+        <p:spPr/>
+        <p:txBody>
+          <a:bodyPr/>
+          <a:lstStyle/>
+          <a:p>
+            <a:r>
+              <a:rPr lang="en-US" dirty="0" smtClean="0"/>
+              <a:t>Project Files</a:t>
+            </a:r>
+            <a:endParaRPr lang="en-US" dirty="0"/>
+          </a:p>
+        </p:txBody>
+      </p:sp>
+      <p:graphicFrame>
+        <p:nvGraphicFramePr>
+          <p:cNvPr id="8" name="Table 7"/>
+          <p:cNvGraphicFramePr>
+            <a:graphicFrameLocks noGrp="1"/>
+          </p:cNvGraphicFramePr>
+          <p:nvPr>
+            <p:extLst>
+              <p:ext uri="{D42A27DB-BD31-4B8C-83A1-F6EECF244321}">
+                <p14:modId xmlns:p14="http://schemas.microsoft.com/office/powerpoint/2010/main" val="516227119"/>
+              </p:ext>
+            </p:extLst>
+          </p:nvPr>
+        </p:nvGraphicFramePr>
+        <p:xfrm>
+          <a:off x="245624" y="4583029"/>
+          <a:ext cx="1796927" cy="1582669"/>
+        </p:xfrm>
+        <a:graphic>
+          <a:graphicData uri="http://schemas.openxmlformats.org/drawingml/2006/table">
+            <a:tbl>
+              <a:tblPr firstRow="1" bandRow="1">
+                <a:tableStyleId>{5C22544A-7EE6-4342-B048-85BDC9FD1C3A}</a:tableStyleId>
+              </a:tblPr>
+              <a:tblGrid>
+                <a:gridCol w="1796927"/>
+              </a:tblGrid>
+              <a:tr h="309483">
+                <a:tc>
+                  <a:txBody>
+                    <a:bodyPr/>
+                    <a:lstStyle/>
+                    <a:p>
+                      <a:pPr algn="ctr"/>
+                      <a:r>
+                        <a:rPr lang="en-US" dirty="0" err="1" smtClean="0"/>
+                        <a:t>Wrapper.py</a:t>
+                      </a:r>
+                      <a:endParaRPr lang="en-US" dirty="0"/>
+                    </a:p>
+                  </a:txBody>
+                  <a:tcPr/>
+                </a:tc>
+              </a:tr>
+              <a:tr h="576829">
+                <a:tc>
+                  <a:txBody>
+                    <a:bodyPr/>
+                    <a:lstStyle/>
+                    <a:p>
+                      <a:pPr marL="0" indent="0">
+                        <a:buFontTx/>
+                        <a:buNone/>
+                      </a:pPr>
+                      <a:r>
+                        <a:rPr lang="en-US" sz="1200" dirty="0" smtClean="0"/>
+                        <a:t>-  </a:t>
+                      </a:r>
+                      <a:r>
+                        <a:rPr lang="en-US" sz="1200" dirty="0" err="1" smtClean="0"/>
+                        <a:t>numRuns</a:t>
+                      </a:r>
+                      <a:endParaRPr lang="en-US" sz="1200" dirty="0" smtClean="0"/>
+                    </a:p>
+                    <a:p>
+                      <a:pPr marL="0" indent="0">
+                        <a:buFontTx/>
+                        <a:buNone/>
+                      </a:pPr>
+                      <a:r>
+                        <a:rPr lang="en-US" sz="1200" dirty="0" smtClean="0"/>
+                        <a:t>-  </a:t>
+                      </a:r>
+                      <a:r>
+                        <a:rPr lang="en-US" sz="1200" dirty="0" err="1" smtClean="0"/>
+                        <a:t>numThreads</a:t>
+                      </a:r>
+                      <a:endParaRPr lang="en-US" sz="1200" dirty="0" smtClean="0"/>
+                    </a:p>
+                    <a:p>
+                      <a:pPr marL="0" indent="0">
+                        <a:buFontTx/>
+                        <a:buNone/>
+                      </a:pPr>
+                      <a:r>
+                        <a:rPr lang="en-US" sz="1200" dirty="0" smtClean="0"/>
+                        <a:t>-  </a:t>
+                      </a:r>
+                      <a:r>
+                        <a:rPr lang="en-US" sz="1200" dirty="0" err="1" smtClean="0"/>
+                        <a:t>numRounds</a:t>
+                      </a:r>
+                      <a:endParaRPr lang="en-US" sz="1200" dirty="0"/>
+                    </a:p>
+                  </a:txBody>
+                  <a:tcPr/>
+                </a:tc>
+              </a:tr>
+              <a:tr h="576829">
+                <a:tc>
+                  <a:txBody>
+                    <a:bodyPr/>
+                    <a:lstStyle/>
+                    <a:p>
+                      <a:pPr marL="0" indent="0">
+                        <a:buFontTx/>
+                        <a:buNone/>
+                      </a:pPr>
+                      <a:r>
+                        <a:rPr lang="en-US" sz="1200" dirty="0" smtClean="0"/>
+                        <a:t>- </a:t>
+                      </a:r>
+                      <a:r>
+                        <a:rPr lang="en-US" sz="1200" dirty="0" err="1" smtClean="0"/>
+                        <a:t>runConcur</a:t>
+                      </a:r>
+                      <a:r>
+                        <a:rPr lang="en-US" sz="1200" dirty="0" smtClean="0"/>
+                        <a:t> (…)</a:t>
+                      </a:r>
+                      <a:endParaRPr lang="en-US" sz="1200" dirty="0"/>
+                    </a:p>
+                  </a:txBody>
+                  <a:tcPr/>
+                </a:tc>
+              </a:tr>
+            </a:tbl>
+          </a:graphicData>
+        </a:graphic>
+      </p:graphicFrame>
+      <p:graphicFrame>
+        <p:nvGraphicFramePr>
+          <p:cNvPr id="9" name="Table 8"/>
+          <p:cNvGraphicFramePr>
+            <a:graphicFrameLocks noGrp="1"/>
+          </p:cNvGraphicFramePr>
+          <p:nvPr>
+            <p:extLst>
+              <p:ext uri="{D42A27DB-BD31-4B8C-83A1-F6EECF244321}">
+                <p14:modId xmlns:p14="http://schemas.microsoft.com/office/powerpoint/2010/main" val="908943603"/>
+              </p:ext>
+            </p:extLst>
+          </p:nvPr>
+        </p:nvGraphicFramePr>
+        <p:xfrm>
+          <a:off x="245624" y="1915743"/>
+          <a:ext cx="2439885" cy="2026468"/>
+        </p:xfrm>
+        <a:graphic>
+          <a:graphicData uri="http://schemas.openxmlformats.org/drawingml/2006/table">
+            <a:tbl>
+              <a:tblPr firstRow="1" bandRow="1">
+                <a:tableStyleId>{5C22544A-7EE6-4342-B048-85BDC9FD1C3A}</a:tableStyleId>
+              </a:tblPr>
+              <a:tblGrid>
+                <a:gridCol w="2439885"/>
+              </a:tblGrid>
+              <a:tr h="321036">
+                <a:tc>
+                  <a:txBody>
+                    <a:bodyPr/>
+                    <a:lstStyle/>
+                    <a:p>
+                      <a:pPr algn="ctr"/>
+                      <a:r>
+                        <a:rPr lang="en-US" dirty="0" err="1" smtClean="0"/>
+                        <a:t>Main.c</a:t>
+                      </a:r>
+                      <a:endParaRPr lang="en-US" dirty="0"/>
+                    </a:p>
+                  </a:txBody>
+                  <a:tcPr/>
+                </a:tc>
+              </a:tr>
+              <a:tr h="882848">
+                <a:tc>
+                  <a:txBody>
+                    <a:bodyPr/>
+                    <a:lstStyle/>
+                    <a:p>
+                      <a:r>
+                        <a:rPr lang="en-US" sz="1200" dirty="0" smtClean="0"/>
+                        <a:t>-  </a:t>
+                      </a:r>
+                      <a:r>
+                        <a:rPr lang="en-US" sz="1200" dirty="0" err="1" smtClean="0"/>
+                        <a:t>numThreads</a:t>
+                      </a:r>
+                      <a:endParaRPr lang="en-US" sz="1200" dirty="0" smtClean="0"/>
+                    </a:p>
+                    <a:p>
+                      <a:r>
+                        <a:rPr lang="en-US" sz="1200" dirty="0" smtClean="0"/>
+                        <a:t>-  </a:t>
+                      </a:r>
+                      <a:r>
+                        <a:rPr lang="en-US" sz="1200" dirty="0" err="1" smtClean="0"/>
+                        <a:t>numRounds</a:t>
+                      </a:r>
+                      <a:endParaRPr lang="en-US" sz="1200" dirty="0" smtClean="0"/>
+                    </a:p>
+                    <a:p>
+                      <a:r>
+                        <a:rPr lang="en-US" sz="1200" dirty="0" smtClean="0"/>
+                        <a:t>-  </a:t>
+                      </a:r>
+                      <a:r>
+                        <a:rPr lang="en-US" sz="1200" dirty="0" err="1" smtClean="0"/>
+                        <a:t>schedMode</a:t>
+                      </a:r>
+                      <a:endParaRPr lang="en-US" sz="1200" dirty="0" smtClean="0"/>
+                    </a:p>
+                    <a:p>
+                      <a:r>
+                        <a:rPr lang="en-US" sz="1200" dirty="0" smtClean="0"/>
+                        <a:t>-  </a:t>
+                      </a:r>
+                      <a:r>
+                        <a:rPr lang="en-US" sz="1200" dirty="0" err="1" smtClean="0"/>
+                        <a:t>logMode</a:t>
+                      </a:r>
+                      <a:endParaRPr lang="en-US" sz="1200" dirty="0" smtClean="0"/>
+                    </a:p>
+                    <a:p>
+                      <a:r>
+                        <a:rPr lang="en-US" sz="1200" dirty="0" smtClean="0"/>
+                        <a:t>-  seed</a:t>
+                      </a:r>
+                      <a:endParaRPr lang="en-US" sz="1200" dirty="0"/>
+                    </a:p>
+                  </a:txBody>
+                  <a:tcPr/>
+                </a:tc>
+              </a:tr>
+              <a:tr h="654868">
+                <a:tc>
+                  <a:txBody>
+                    <a:bodyPr/>
+                    <a:lstStyle/>
+                    <a:p>
+                      <a:r>
+                        <a:rPr lang="en-US" sz="1200" dirty="0" smtClean="0"/>
+                        <a:t>-  </a:t>
+                      </a:r>
+                      <a:r>
+                        <a:rPr lang="en-US" sz="1200" dirty="0" err="1" smtClean="0"/>
+                        <a:t>int</a:t>
+                      </a:r>
+                      <a:r>
+                        <a:rPr lang="en-US" sz="1200" dirty="0" smtClean="0"/>
+                        <a:t> main</a:t>
+                      </a:r>
+                      <a:r>
+                        <a:rPr lang="en-US" sz="1200" baseline="0" dirty="0" smtClean="0"/>
+                        <a:t> (</a:t>
+                      </a:r>
+                      <a:r>
+                        <a:rPr lang="en-US" sz="1200" baseline="0" dirty="0" err="1" smtClean="0"/>
+                        <a:t>int</a:t>
+                      </a:r>
+                      <a:r>
+                        <a:rPr lang="en-US" sz="1200" baseline="0" dirty="0" smtClean="0"/>
+                        <a:t> </a:t>
+                      </a:r>
+                      <a:r>
+                        <a:rPr lang="en-US" sz="1200" baseline="0" dirty="0" err="1" smtClean="0"/>
+                        <a:t>argc</a:t>
+                      </a:r>
+                      <a:r>
+                        <a:rPr lang="en-US" sz="1200" baseline="0" dirty="0" smtClean="0"/>
+                        <a:t>, char* </a:t>
+                      </a:r>
+                      <a:r>
+                        <a:rPr lang="en-US" sz="1200" baseline="0" dirty="0" err="1" smtClean="0"/>
+                        <a:t>argv</a:t>
+                      </a:r>
+                      <a:r>
+                        <a:rPr lang="en-US" sz="1200" baseline="0" dirty="0" smtClean="0"/>
+                        <a:t>[])</a:t>
+                      </a:r>
+                    </a:p>
+                    <a:p>
+                      <a:r>
+                        <a:rPr lang="en-US" sz="1200" baseline="0" dirty="0" smtClean="0"/>
+                        <a:t>-  void *</a:t>
+                      </a:r>
+                      <a:r>
+                        <a:rPr lang="en-US" sz="1200" baseline="0" dirty="0" err="1" smtClean="0"/>
+                        <a:t>threadStart</a:t>
+                      </a:r>
+                      <a:r>
+                        <a:rPr lang="en-US" sz="1200" baseline="0" dirty="0" smtClean="0"/>
+                        <a:t> (void *</a:t>
+                      </a:r>
+                      <a:r>
+                        <a:rPr lang="en-US" sz="1200" baseline="0" dirty="0" err="1" smtClean="0"/>
+                        <a:t>param</a:t>
+                      </a:r>
+                      <a:r>
+                        <a:rPr lang="en-US" sz="1200" baseline="0" dirty="0" smtClean="0"/>
+                        <a:t>)</a:t>
+                      </a:r>
+                      <a:endParaRPr lang="en-US" sz="1200" dirty="0"/>
+                    </a:p>
+                  </a:txBody>
+                  <a:tcPr/>
+                </a:tc>
+              </a:tr>
+            </a:tbl>
+          </a:graphicData>
+        </a:graphic>
+      </p:graphicFrame>
+      <p:graphicFrame>
+        <p:nvGraphicFramePr>
+          <p:cNvPr id="10" name="Table 9"/>
+          <p:cNvGraphicFramePr>
+            <a:graphicFrameLocks noGrp="1"/>
+          </p:cNvGraphicFramePr>
+          <p:nvPr>
+            <p:extLst>
+              <p:ext uri="{D42A27DB-BD31-4B8C-83A1-F6EECF244321}">
+                <p14:modId xmlns:p14="http://schemas.microsoft.com/office/powerpoint/2010/main" val="3441608482"/>
+              </p:ext>
+            </p:extLst>
+          </p:nvPr>
+        </p:nvGraphicFramePr>
+        <p:xfrm>
+          <a:off x="2986656" y="1907500"/>
+          <a:ext cx="2342298" cy="2091101"/>
+        </p:xfrm>
+        <a:graphic>
+          <a:graphicData uri="http://schemas.openxmlformats.org/drawingml/2006/table">
+            <a:tbl>
+              <a:tblPr firstRow="1" bandRow="1">
+                <a:tableStyleId>{5C22544A-7EE6-4342-B048-85BDC9FD1C3A}</a:tableStyleId>
+              </a:tblPr>
+              <a:tblGrid>
+                <a:gridCol w="2342298"/>
+              </a:tblGrid>
+              <a:tr h="492454">
+                <a:tc>
+                  <a:txBody>
+                    <a:bodyPr/>
+                    <a:lstStyle/>
+                    <a:p>
+                      <a:pPr algn="ctr"/>
+                      <a:r>
+                        <a:rPr lang="en-US" dirty="0" err="1" smtClean="0"/>
+                        <a:t>Sections.c</a:t>
+                      </a:r>
+                      <a:endParaRPr lang="en-US" dirty="0"/>
+                    </a:p>
+                  </a:txBody>
+                  <a:tcPr/>
+                </a:tc>
+              </a:tr>
+              <a:tr h="481444">
+                <a:tc>
+                  <a:txBody>
+                    <a:bodyPr/>
+                    <a:lstStyle/>
+                    <a:p>
+                      <a:r>
+                        <a:rPr lang="en-US" sz="1200" dirty="0" smtClean="0"/>
+                        <a:t>-  &lt;global</a:t>
+                      </a:r>
+                      <a:r>
+                        <a:rPr lang="en-US" sz="1200" baseline="0" dirty="0" smtClean="0"/>
+                        <a:t> variables, locks, </a:t>
+                      </a:r>
+                      <a:r>
+                        <a:rPr lang="en-US" sz="1200" baseline="0" dirty="0" err="1" smtClean="0"/>
+                        <a:t>mutexes</a:t>
+                      </a:r>
+                      <a:r>
+                        <a:rPr lang="en-US" sz="1200" baseline="0" dirty="0" smtClean="0"/>
+                        <a:t>, etc.&gt;</a:t>
+                      </a:r>
+                      <a:endParaRPr lang="en-US" sz="1200" dirty="0"/>
+                    </a:p>
+                  </a:txBody>
+                  <a:tcPr/>
+                </a:tc>
+              </a:tr>
+              <a:tr h="1117203">
+                <a:tc>
+                  <a:txBody>
+                    <a:bodyPr/>
+                    <a:lstStyle/>
+                    <a:p>
+                      <a:r>
+                        <a:rPr lang="en-US" sz="1200" dirty="0" smtClean="0"/>
+                        <a:t>+  </a:t>
+                      </a:r>
+                      <a:r>
+                        <a:rPr lang="en-US" sz="1200" dirty="0" err="1" smtClean="0"/>
+                        <a:t>initGlobals</a:t>
+                      </a:r>
+                      <a:r>
+                        <a:rPr lang="en-US" sz="1200" dirty="0" smtClean="0"/>
+                        <a:t> ()</a:t>
+                      </a:r>
+                    </a:p>
+                    <a:p>
+                      <a:r>
+                        <a:rPr lang="en-US" sz="1200" dirty="0" smtClean="0"/>
+                        <a:t>+  void </a:t>
+                      </a:r>
+                      <a:r>
+                        <a:rPr lang="en-US" sz="1200" dirty="0" err="1" smtClean="0"/>
+                        <a:t>entrySection</a:t>
+                      </a:r>
+                      <a:r>
+                        <a:rPr lang="en-US" sz="1200" dirty="0" smtClean="0"/>
+                        <a:t> (</a:t>
+                      </a:r>
+                      <a:r>
+                        <a:rPr lang="en-US" sz="1200" dirty="0" err="1" smtClean="0"/>
+                        <a:t>int</a:t>
+                      </a:r>
+                      <a:r>
+                        <a:rPr lang="en-US" sz="1200" dirty="0" smtClean="0"/>
+                        <a:t> id)</a:t>
+                      </a:r>
+                    </a:p>
+                    <a:p>
+                      <a:r>
+                        <a:rPr lang="en-US" sz="1200" dirty="0" smtClean="0"/>
+                        <a:t>+  void </a:t>
+                      </a:r>
+                      <a:r>
+                        <a:rPr lang="en-US" sz="1200" dirty="0" err="1" smtClean="0"/>
+                        <a:t>criticalSection</a:t>
+                      </a:r>
+                      <a:r>
+                        <a:rPr lang="en-US" sz="1200" dirty="0" smtClean="0"/>
+                        <a:t> (</a:t>
+                      </a:r>
+                      <a:r>
+                        <a:rPr lang="en-US" sz="1200" dirty="0" err="1" smtClean="0"/>
+                        <a:t>int</a:t>
+                      </a:r>
+                      <a:r>
+                        <a:rPr lang="en-US" sz="1200" dirty="0" smtClean="0"/>
+                        <a:t> id)</a:t>
+                      </a:r>
+                    </a:p>
+                    <a:p>
+                      <a:r>
+                        <a:rPr lang="en-US" sz="1200" dirty="0" smtClean="0"/>
+                        <a:t>+  void </a:t>
+                      </a:r>
+                      <a:r>
+                        <a:rPr lang="en-US" sz="1200" dirty="0" err="1" smtClean="0"/>
+                        <a:t>exitSection</a:t>
+                      </a:r>
+                      <a:r>
+                        <a:rPr lang="en-US" sz="1200" dirty="0" smtClean="0"/>
+                        <a:t> (</a:t>
+                      </a:r>
+                      <a:r>
+                        <a:rPr lang="en-US" sz="1200" dirty="0" err="1" smtClean="0"/>
+                        <a:t>int</a:t>
+                      </a:r>
+                      <a:r>
+                        <a:rPr lang="en-US" sz="1200" dirty="0" smtClean="0"/>
+                        <a:t> id)</a:t>
+                      </a:r>
+                    </a:p>
+                    <a:p>
+                      <a:r>
+                        <a:rPr lang="en-US" sz="1200" dirty="0" smtClean="0"/>
+                        <a:t>+  void </a:t>
+                      </a:r>
+                      <a:r>
+                        <a:rPr lang="en-US" sz="1200" dirty="0" err="1" smtClean="0"/>
+                        <a:t>remainderSection</a:t>
+                      </a:r>
+                      <a:r>
+                        <a:rPr lang="en-US" sz="1200" dirty="0" smtClean="0"/>
+                        <a:t> (</a:t>
+                      </a:r>
+                      <a:r>
+                        <a:rPr lang="en-US" sz="1200" dirty="0" err="1" smtClean="0"/>
+                        <a:t>int</a:t>
+                      </a:r>
+                      <a:r>
+                        <a:rPr lang="en-US" sz="1200" dirty="0" smtClean="0"/>
+                        <a:t> id)</a:t>
+                      </a:r>
+                      <a:endParaRPr lang="en-US" sz="1200" dirty="0"/>
+                    </a:p>
+                  </a:txBody>
+                  <a:tcPr/>
+                </a:tc>
+              </a:tr>
+            </a:tbl>
+          </a:graphicData>
+        </a:graphic>
+      </p:graphicFrame>
+      <p:graphicFrame>
+        <p:nvGraphicFramePr>
+          <p:cNvPr id="11" name="Table 10"/>
+          <p:cNvGraphicFramePr>
+            <a:graphicFrameLocks noGrp="1"/>
+          </p:cNvGraphicFramePr>
+          <p:nvPr>
+            <p:extLst>
+              <p:ext uri="{D42A27DB-BD31-4B8C-83A1-F6EECF244321}">
+                <p14:modId xmlns:p14="http://schemas.microsoft.com/office/powerpoint/2010/main" val="600606982"/>
+              </p:ext>
+            </p:extLst>
+          </p:nvPr>
+        </p:nvGraphicFramePr>
+        <p:xfrm>
+          <a:off x="5667993" y="1915744"/>
+          <a:ext cx="3313976" cy="2082858"/>
+        </p:xfrm>
+        <a:graphic>
+          <a:graphicData uri="http://schemas.openxmlformats.org/drawingml/2006/table">
+            <a:tbl>
+              <a:tblPr firstRow="1" bandRow="1">
+                <a:tableStyleId>{5C22544A-7EE6-4342-B048-85BDC9FD1C3A}</a:tableStyleId>
+              </a:tblPr>
+              <a:tblGrid>
+                <a:gridCol w="3313976"/>
+              </a:tblGrid>
+              <a:tr h="479264">
+                <a:tc>
+                  <a:txBody>
+                    <a:bodyPr/>
+                    <a:lstStyle/>
+                    <a:p>
+                      <a:pPr algn="ctr"/>
+                      <a:r>
+                        <a:rPr lang="en-US" dirty="0" err="1" smtClean="0"/>
+                        <a:t>Scheduler.cpp</a:t>
+                      </a:r>
+                      <a:endParaRPr lang="en-US" dirty="0"/>
+                    </a:p>
+                  </a:txBody>
+                  <a:tcPr/>
+                </a:tc>
+              </a:tr>
+              <a:tr h="384685">
+                <a:tc>
+                  <a:txBody>
+                    <a:bodyPr/>
+                    <a:lstStyle/>
+                    <a:p>
+                      <a:endParaRPr lang="en-US" sz="1200" dirty="0"/>
+                    </a:p>
+                  </a:txBody>
+                  <a:tcPr/>
+                </a:tc>
+              </a:tr>
+              <a:tr h="1218909">
+                <a:tc>
+                  <a:txBody>
+                    <a:bodyPr/>
+                    <a:lstStyle/>
+                    <a:p>
+                      <a:r>
+                        <a:rPr lang="en-US" sz="1200" dirty="0" smtClean="0"/>
+                        <a:t>+ </a:t>
+                      </a:r>
+                      <a:r>
+                        <a:rPr lang="en-US" sz="1200" baseline="0" dirty="0" smtClean="0"/>
+                        <a:t> </a:t>
+                      </a:r>
+                      <a:r>
+                        <a:rPr lang="en-US" sz="1200" baseline="0" dirty="0" err="1" smtClean="0"/>
+                        <a:t>mutexLock</a:t>
+                      </a:r>
+                      <a:r>
+                        <a:rPr lang="en-US" sz="1200" baseline="0" dirty="0" smtClean="0"/>
+                        <a:t> (</a:t>
+                      </a:r>
+                      <a:r>
+                        <a:rPr lang="en-US" sz="1200" baseline="0" dirty="0" err="1" smtClean="0"/>
+                        <a:t>int</a:t>
+                      </a:r>
+                      <a:r>
+                        <a:rPr lang="en-US" sz="1200" baseline="0" dirty="0" smtClean="0"/>
+                        <a:t> id, </a:t>
+                      </a:r>
+                      <a:r>
+                        <a:rPr lang="en-US" sz="1200" baseline="0" dirty="0" err="1" smtClean="0"/>
+                        <a:t>pthread_mutex_t</a:t>
+                      </a:r>
+                      <a:r>
+                        <a:rPr lang="en-US" sz="1200" baseline="0" dirty="0" smtClean="0"/>
+                        <a:t> lock)</a:t>
+                      </a:r>
+                    </a:p>
+                    <a:p>
+                      <a:pPr marL="0" marR="0" indent="0" algn="l" defTabSz="914400" rtl="0" eaLnBrk="1" fontAlgn="auto" latinLnBrk="0" hangingPunct="1">
+                        <a:lnSpc>
+                          <a:spcPct val="100000"/>
+                        </a:lnSpc>
+                        <a:spcBef>
+                          <a:spcPts val="0"/>
+                        </a:spcBef>
+                        <a:spcAft>
+                          <a:spcPts val="0"/>
+                        </a:spcAft>
+                        <a:buClrTx/>
+                        <a:buSzTx/>
+                        <a:buFontTx/>
+                        <a:buNone/>
+                        <a:tabLst/>
+                        <a:defRPr/>
+                      </a:pPr>
+                      <a:r>
+                        <a:rPr lang="en-US" sz="1200" baseline="0" dirty="0" smtClean="0"/>
+                        <a:t>+  </a:t>
+                      </a:r>
+                      <a:r>
+                        <a:rPr lang="en-US" sz="1200" baseline="0" dirty="0" err="1" smtClean="0"/>
+                        <a:t>mutexUnlock</a:t>
+                      </a:r>
+                      <a:r>
+                        <a:rPr lang="en-US" sz="1200" baseline="0" dirty="0" smtClean="0"/>
+                        <a:t> (</a:t>
+                      </a:r>
+                      <a:r>
+                        <a:rPr lang="en-US" sz="1200" baseline="0" dirty="0" err="1" smtClean="0"/>
+                        <a:t>int</a:t>
+                      </a:r>
+                      <a:r>
+                        <a:rPr lang="en-US" sz="1200" baseline="0" dirty="0" smtClean="0"/>
+                        <a:t> id, </a:t>
+                      </a:r>
+                      <a:r>
+                        <a:rPr lang="en-US" sz="1200" baseline="0" dirty="0" err="1" smtClean="0"/>
+                        <a:t>pthread_mutex_t</a:t>
+                      </a:r>
+                      <a:r>
+                        <a:rPr lang="en-US" sz="1200" baseline="0" dirty="0" smtClean="0"/>
+                        <a:t> lock)</a:t>
+                      </a:r>
+                    </a:p>
+                    <a:p>
+                      <a:pPr marL="0" marR="0" indent="0" algn="l" defTabSz="914400" rtl="0" eaLnBrk="1" fontAlgn="auto" latinLnBrk="0" hangingPunct="1">
+                        <a:lnSpc>
+                          <a:spcPct val="100000"/>
+                        </a:lnSpc>
+                        <a:spcBef>
+                          <a:spcPts val="0"/>
+                        </a:spcBef>
+                        <a:spcAft>
+                          <a:spcPts val="0"/>
+                        </a:spcAft>
+                        <a:buClrTx/>
+                        <a:buSzTx/>
+                        <a:buFontTx/>
+                        <a:buNone/>
+                        <a:tabLst/>
+                        <a:defRPr/>
+                      </a:pPr>
+                      <a:r>
+                        <a:rPr lang="en-US" sz="1200" baseline="0" dirty="0" smtClean="0"/>
+                        <a:t>+  </a:t>
+                      </a:r>
+                      <a:r>
+                        <a:rPr lang="en-US" sz="1200" baseline="0" dirty="0" err="1" smtClean="0"/>
+                        <a:t>semWait</a:t>
+                      </a:r>
+                      <a:r>
+                        <a:rPr lang="en-US" sz="1200" baseline="0" dirty="0" smtClean="0"/>
+                        <a:t> (</a:t>
+                      </a:r>
+                      <a:r>
+                        <a:rPr lang="en-US" sz="1200" baseline="0" dirty="0" err="1" smtClean="0"/>
+                        <a:t>int</a:t>
+                      </a:r>
+                      <a:r>
+                        <a:rPr lang="en-US" sz="1200" baseline="0" dirty="0" smtClean="0"/>
+                        <a:t> id, </a:t>
+                      </a:r>
+                      <a:r>
+                        <a:rPr lang="en-US" sz="1200" baseline="0" dirty="0" err="1" smtClean="0"/>
+                        <a:t>sem_t</a:t>
+                      </a:r>
+                      <a:r>
+                        <a:rPr lang="en-US" sz="1200" baseline="0" dirty="0" smtClean="0"/>
+                        <a:t> </a:t>
+                      </a:r>
+                      <a:r>
+                        <a:rPr lang="en-US" sz="1200" baseline="0" dirty="0" err="1" smtClean="0"/>
+                        <a:t>sem</a:t>
+                      </a:r>
+                      <a:r>
+                        <a:rPr lang="en-US" sz="1200" baseline="0" dirty="0" smtClean="0"/>
+                        <a:t>)</a:t>
+                      </a:r>
+                    </a:p>
+                    <a:p>
+                      <a:pPr marL="0" marR="0" indent="0" algn="l" defTabSz="914400" rtl="0" eaLnBrk="1" fontAlgn="auto" latinLnBrk="0" hangingPunct="1">
+                        <a:lnSpc>
+                          <a:spcPct val="100000"/>
+                        </a:lnSpc>
+                        <a:spcBef>
+                          <a:spcPts val="0"/>
+                        </a:spcBef>
+                        <a:spcAft>
+                          <a:spcPts val="0"/>
+                        </a:spcAft>
+                        <a:buClrTx/>
+                        <a:buSzTx/>
+                        <a:buFontTx/>
+                        <a:buNone/>
+                        <a:tabLst/>
+                        <a:defRPr/>
+                      </a:pPr>
+                      <a:r>
+                        <a:rPr lang="en-US" sz="1200" baseline="0" dirty="0" smtClean="0"/>
+                        <a:t>+  </a:t>
+                      </a:r>
+                      <a:r>
+                        <a:rPr lang="en-US" sz="1200" baseline="0" dirty="0" err="1" smtClean="0"/>
+                        <a:t>semPost</a:t>
+                      </a:r>
+                      <a:r>
+                        <a:rPr lang="en-US" sz="1200" baseline="0" dirty="0" smtClean="0"/>
+                        <a:t> (</a:t>
+                      </a:r>
+                      <a:r>
+                        <a:rPr lang="en-US" sz="1200" baseline="0" dirty="0" err="1" smtClean="0"/>
+                        <a:t>int</a:t>
+                      </a:r>
+                      <a:r>
+                        <a:rPr lang="en-US" sz="1200" baseline="0" dirty="0" smtClean="0"/>
+                        <a:t> id, </a:t>
+                      </a:r>
+                      <a:r>
+                        <a:rPr lang="en-US" sz="1200" baseline="0" dirty="0" err="1" smtClean="0"/>
+                        <a:t>sem_t</a:t>
+                      </a:r>
+                      <a:r>
+                        <a:rPr lang="en-US" sz="1200" baseline="0" dirty="0" smtClean="0"/>
+                        <a:t> </a:t>
+                      </a:r>
+                      <a:r>
+                        <a:rPr lang="en-US" sz="1200" baseline="0" dirty="0" err="1" smtClean="0"/>
+                        <a:t>sem</a:t>
+                      </a:r>
+                      <a:r>
+                        <a:rPr lang="en-US" sz="1200" baseline="0" dirty="0" smtClean="0"/>
+                        <a:t>)</a:t>
+                      </a:r>
+                    </a:p>
+                    <a:p>
+                      <a:pPr marL="0" marR="0" indent="0" algn="l" defTabSz="914400" rtl="0" eaLnBrk="1" fontAlgn="auto" latinLnBrk="0" hangingPunct="1">
+                        <a:lnSpc>
+                          <a:spcPct val="100000"/>
+                        </a:lnSpc>
+                        <a:spcBef>
+                          <a:spcPts val="0"/>
+                        </a:spcBef>
+                        <a:spcAft>
+                          <a:spcPts val="0"/>
+                        </a:spcAft>
+                        <a:buClrTx/>
+                        <a:buSzTx/>
+                        <a:buFontTx/>
+                        <a:buNone/>
+                        <a:tabLst/>
+                        <a:defRPr/>
+                      </a:pPr>
+                      <a:r>
+                        <a:rPr lang="en-US" sz="1200" dirty="0" smtClean="0"/>
+                        <a:t>+  </a:t>
+                      </a:r>
+                      <a:r>
+                        <a:rPr lang="en-US" sz="1200" dirty="0" err="1" smtClean="0"/>
+                        <a:t>invokeScheduler</a:t>
+                      </a:r>
+                      <a:r>
+                        <a:rPr lang="en-US" sz="1200" baseline="0" dirty="0" smtClean="0"/>
+                        <a:t> (</a:t>
+                      </a:r>
+                      <a:r>
+                        <a:rPr lang="en-US" sz="1200" baseline="0" dirty="0" err="1" smtClean="0"/>
+                        <a:t>int</a:t>
+                      </a:r>
+                      <a:r>
+                        <a:rPr lang="en-US" sz="1200" baseline="0" dirty="0" smtClean="0"/>
+                        <a:t> id, </a:t>
+                      </a:r>
+                      <a:r>
+                        <a:rPr lang="en-US" sz="1200" baseline="0" dirty="0" err="1" smtClean="0"/>
+                        <a:t>int</a:t>
+                      </a:r>
+                      <a:r>
+                        <a:rPr lang="en-US" sz="1200" baseline="0" dirty="0" smtClean="0"/>
+                        <a:t> </a:t>
+                      </a:r>
+                      <a:r>
+                        <a:rPr lang="en-US" sz="1200" baseline="0" dirty="0" err="1" smtClean="0"/>
+                        <a:t>lineNum</a:t>
+                      </a:r>
+                      <a:r>
+                        <a:rPr lang="en-US" sz="1200" baseline="0" dirty="0" smtClean="0"/>
+                        <a:t>)</a:t>
+                      </a:r>
+                    </a:p>
+                    <a:p>
+                      <a:pPr marL="0" marR="0" indent="0" algn="l" defTabSz="914400" rtl="0" eaLnBrk="1" fontAlgn="auto" latinLnBrk="0" hangingPunct="1">
+                        <a:lnSpc>
+                          <a:spcPct val="100000"/>
+                        </a:lnSpc>
+                        <a:spcBef>
+                          <a:spcPts val="0"/>
+                        </a:spcBef>
+                        <a:spcAft>
+                          <a:spcPts val="0"/>
+                        </a:spcAft>
+                        <a:buClrTx/>
+                        <a:buSzTx/>
+                        <a:buFontTx/>
+                        <a:buNone/>
+                        <a:tabLst/>
+                        <a:defRPr/>
+                      </a:pPr>
+                      <a:r>
+                        <a:rPr lang="en-US" sz="1200" baseline="0" dirty="0" smtClean="0"/>
+                        <a:t>+  </a:t>
+                      </a:r>
+                      <a:r>
+                        <a:rPr lang="en-US" sz="1200" baseline="0" dirty="0" err="1" smtClean="0"/>
+                        <a:t>pauseThread</a:t>
+                      </a:r>
+                      <a:r>
+                        <a:rPr lang="en-US" sz="1200" baseline="0" dirty="0" smtClean="0"/>
+                        <a:t> (</a:t>
+                      </a:r>
+                      <a:r>
+                        <a:rPr lang="en-US" sz="1200" baseline="0" dirty="0" err="1" smtClean="0"/>
+                        <a:t>int</a:t>
+                      </a:r>
+                      <a:r>
+                        <a:rPr lang="en-US" sz="1200" baseline="0" dirty="0" smtClean="0"/>
+                        <a:t> id)</a:t>
+                      </a:r>
+                    </a:p>
+                  </a:txBody>
+                  <a:tcPr/>
+                </a:tc>
+              </a:tr>
+            </a:tbl>
+          </a:graphicData>
+        </a:graphic>
+      </p:graphicFrame>
+      <p:graphicFrame>
+        <p:nvGraphicFramePr>
+          <p:cNvPr id="12" name="Table 11"/>
+          <p:cNvGraphicFramePr>
+            <a:graphicFrameLocks noGrp="1"/>
+          </p:cNvGraphicFramePr>
+          <p:nvPr>
+            <p:extLst>
+              <p:ext uri="{D42A27DB-BD31-4B8C-83A1-F6EECF244321}">
+                <p14:modId xmlns:p14="http://schemas.microsoft.com/office/powerpoint/2010/main" val="3307631917"/>
+              </p:ext>
+            </p:extLst>
+          </p:nvPr>
+        </p:nvGraphicFramePr>
+        <p:xfrm>
+          <a:off x="6823674" y="4583029"/>
+          <a:ext cx="1438863" cy="1165252"/>
+        </p:xfrm>
+        <a:graphic>
+          <a:graphicData uri="http://schemas.openxmlformats.org/drawingml/2006/table">
+            <a:tbl>
+              <a:tblPr firstRow="1" bandRow="1">
+                <a:tableStyleId>{5C22544A-7EE6-4342-B048-85BDC9FD1C3A}</a:tableStyleId>
+              </a:tblPr>
+              <a:tblGrid>
+                <a:gridCol w="1438863"/>
+              </a:tblGrid>
+              <a:tr h="452162">
+                <a:tc>
+                  <a:txBody>
+                    <a:bodyPr/>
+                    <a:lstStyle/>
+                    <a:p>
+                      <a:pPr algn="ctr"/>
+                      <a:r>
+                        <a:rPr lang="en-US" dirty="0" err="1" smtClean="0"/>
+                        <a:t>output.txt</a:t>
+                      </a:r>
+                      <a:endParaRPr lang="en-US" dirty="0"/>
+                    </a:p>
+                  </a:txBody>
+                  <a:tcPr/>
+                </a:tc>
+              </a:tr>
+              <a:tr h="713090">
+                <a:tc>
+                  <a:txBody>
+                    <a:bodyPr/>
+                    <a:lstStyle/>
+                    <a:p>
+                      <a:pPr marL="0" indent="0">
+                        <a:buFontTx/>
+                        <a:buNone/>
+                      </a:pPr>
+                      <a:endParaRPr lang="en-US" sz="1200" dirty="0"/>
+                    </a:p>
+                  </a:txBody>
+                  <a:tcPr/>
+                </a:tc>
+              </a:tr>
+            </a:tbl>
+          </a:graphicData>
+        </a:graphic>
+      </p:graphicFrame>
+      <p:graphicFrame>
+        <p:nvGraphicFramePr>
+          <p:cNvPr id="13" name="Table 12"/>
+          <p:cNvGraphicFramePr>
+            <a:graphicFrameLocks noGrp="1"/>
+          </p:cNvGraphicFramePr>
+          <p:nvPr>
+            <p:extLst>
+              <p:ext uri="{D42A27DB-BD31-4B8C-83A1-F6EECF244321}">
+                <p14:modId xmlns:p14="http://schemas.microsoft.com/office/powerpoint/2010/main" val="960872664"/>
+              </p:ext>
+            </p:extLst>
+          </p:nvPr>
+        </p:nvGraphicFramePr>
+        <p:xfrm>
+          <a:off x="2986656" y="4583029"/>
+          <a:ext cx="1438863" cy="1165252"/>
+        </p:xfrm>
+        <a:graphic>
+          <a:graphicData uri="http://schemas.openxmlformats.org/drawingml/2006/table">
+            <a:tbl>
+              <a:tblPr firstRow="1" bandRow="1">
+                <a:tableStyleId>{5C22544A-7EE6-4342-B048-85BDC9FD1C3A}</a:tableStyleId>
+              </a:tblPr>
+              <a:tblGrid>
+                <a:gridCol w="1438863"/>
+              </a:tblGrid>
+              <a:tr h="452162">
+                <a:tc>
+                  <a:txBody>
+                    <a:bodyPr/>
+                    <a:lstStyle/>
+                    <a:p>
+                      <a:pPr algn="ctr"/>
+                      <a:r>
+                        <a:rPr lang="en-US" dirty="0" err="1" smtClean="0"/>
+                        <a:t>Makefile</a:t>
+                      </a:r>
+                      <a:endParaRPr lang="en-US" dirty="0"/>
+                    </a:p>
+                  </a:txBody>
+                  <a:tcPr/>
+                </a:tc>
+              </a:tr>
+              <a:tr h="713090">
+                <a:tc>
+                  <a:txBody>
+                    <a:bodyPr/>
+                    <a:lstStyle/>
+                    <a:p>
+                      <a:pPr marL="0" indent="0">
+                        <a:buFontTx/>
+                        <a:buNone/>
+                      </a:pPr>
+                      <a:endParaRPr lang="en-US" sz="1200" dirty="0"/>
+                    </a:p>
+                  </a:txBody>
+                  <a:tcPr/>
+                </a:tc>
+              </a:tr>
+            </a:tbl>
+          </a:graphicData>
+        </a:graphic>
+      </p:graphicFrame>
+      <p:graphicFrame>
+        <p:nvGraphicFramePr>
+          <p:cNvPr id="14" name="Table 13"/>
+          <p:cNvGraphicFramePr>
+            <a:graphicFrameLocks noGrp="1"/>
+          </p:cNvGraphicFramePr>
+          <p:nvPr>
+            <p:extLst>
+              <p:ext uri="{D42A27DB-BD31-4B8C-83A1-F6EECF244321}">
+                <p14:modId xmlns:p14="http://schemas.microsoft.com/office/powerpoint/2010/main" val="908305717"/>
+              </p:ext>
+            </p:extLst>
+          </p:nvPr>
+        </p:nvGraphicFramePr>
+        <p:xfrm>
+          <a:off x="4948561" y="4583029"/>
+          <a:ext cx="1438863" cy="1165252"/>
+        </p:xfrm>
+        <a:graphic>
+          <a:graphicData uri="http://schemas.openxmlformats.org/drawingml/2006/table">
+            <a:tbl>
+              <a:tblPr firstRow="1" bandRow="1">
+                <a:tableStyleId>{5C22544A-7EE6-4342-B048-85BDC9FD1C3A}</a:tableStyleId>
+              </a:tblPr>
+              <a:tblGrid>
+                <a:gridCol w="1438863"/>
+              </a:tblGrid>
+              <a:tr h="452162">
+                <a:tc>
+                  <a:txBody>
+                    <a:bodyPr/>
+                    <a:lstStyle/>
+                    <a:p>
+                      <a:pPr algn="ctr"/>
+                      <a:r>
+                        <a:rPr lang="en-US" dirty="0" smtClean="0"/>
+                        <a:t>SUDS</a:t>
+                      </a:r>
+                      <a:endParaRPr lang="en-US" dirty="0"/>
+                    </a:p>
+                  </a:txBody>
+                  <a:tcPr/>
+                </a:tc>
+              </a:tr>
+              <a:tr h="713090">
+                <a:tc>
+                  <a:txBody>
+                    <a:bodyPr/>
+                    <a:lstStyle/>
+                    <a:p>
+                      <a:pPr marL="0" indent="0">
+                        <a:buFontTx/>
+                        <a:buNone/>
+                      </a:pPr>
+                      <a:endParaRPr lang="en-US" sz="1200" dirty="0"/>
+                    </a:p>
+                  </a:txBody>
+                  <a:tcPr/>
+                </a:tc>
+              </a:tr>
+            </a:tbl>
+          </a:graphicData>
+        </a:graphic>
+      </p:graphicFrame>
+    </p:spTree>
+    <p:extLst>
+      <p:ext uri="{BB962C8B-B14F-4D97-AF65-F5344CB8AC3E}">
+        <p14:creationId xmlns:p14="http://schemas.microsoft.com/office/powerpoint/2010/main" val="3525320254"/>
+      </p:ext>
+    </p:extLst>
+  </p:cSld>
+  <p:clrMapOvr>
+    <a:masterClrMapping/>
+  </p:clrMapOvr>
+  <p:timing>
+    <p:tnLst>
+      <p:par>
+        <p:cTn xmlns:p14="http://schemas.microsoft.com/office/powerpoint/2010/main" id="1" dur="indefinite" restart="never" nodeType="tmRoot"/>
+      </p:par>
+    </p:tnLst>
+  </p:timing>
+</p:sld>
+</file>
+
+<file path=ppt/slides/slide12.xml><?xml version="1.0" encoding="utf-8"?>
+<p:sld xmlns:a="http://schemas.openxmlformats.org/drawingml/2006/main" xmlns:r="http://schemas.openxmlformats.org/officeDocument/2006/relationships" xmlns:p="http://schemas.openxmlformats.org/presentationml/2006/main">
+  <p:cSld>
+    <p:spTree>
+      <p:nvGrpSpPr>
+        <p:cNvPr id="1" name=""/>
+        <p:cNvGrpSpPr/>
+        <p:nvPr/>
+      </p:nvGrpSpPr>
+      <p:grpSpPr>
+        <a:xfrm>
+          <a:off x="0" y="0"/>
+          <a:ext cx="0" cy="0"/>
+          <a:chOff x="0" y="0"/>
+          <a:chExt cx="0" cy="0"/>
+        </a:xfrm>
+      </p:grpSpPr>
+      <p:sp>
+        <p:nvSpPr>
+          <p:cNvPr id="2" name="Title 1"/>
+          <p:cNvSpPr>
+            <a:spLocks noGrp="1"/>
+          </p:cNvSpPr>
+          <p:nvPr>
+            <p:ph type="title"/>
+          </p:nvPr>
+        </p:nvSpPr>
+        <p:spPr/>
+        <p:txBody>
+          <a:bodyPr>
+            <a:normAutofit fontScale="90000"/>
+          </a:bodyPr>
+          <a:lstStyle/>
+          <a:p>
+            <a:r>
+              <a:rPr lang="en-US" dirty="0" smtClean="0"/>
+              <a:t>Steps</a:t>
+            </a:r>
+            <a:r>
+              <a:rPr lang="en-US" dirty="0" smtClean="0"/>
+              <a:t> to Detect Synchronization Bugs</a:t>
+            </a:r>
+            <a:endParaRPr lang="en-US" dirty="0"/>
+          </a:p>
+        </p:txBody>
+      </p:sp>
+      <p:sp>
+        <p:nvSpPr>
+          <p:cNvPr id="3" name="Content Placeholder 2"/>
+          <p:cNvSpPr>
+            <a:spLocks noGrp="1"/>
+          </p:cNvSpPr>
+          <p:nvPr>
+            <p:ph idx="1"/>
+          </p:nvPr>
+        </p:nvSpPr>
+        <p:spPr/>
+        <p:txBody>
+          <a:bodyPr/>
+          <a:lstStyle/>
+          <a:p>
+            <a:r>
+              <a:rPr lang="en-US" dirty="0" smtClean="0"/>
+              <a:t>1.  Make project</a:t>
+            </a:r>
+          </a:p>
+          <a:p>
+            <a:r>
+              <a:rPr lang="en-US" dirty="0" smtClean="0"/>
+              <a:t>2.  Run program multiple times with Wrapper</a:t>
+            </a:r>
+          </a:p>
+          <a:p>
+            <a:r>
+              <a:rPr lang="en-US" dirty="0" smtClean="0"/>
+              <a:t>3.  Notice status of each test run.</a:t>
+            </a:r>
+          </a:p>
+          <a:p>
+            <a:endParaRPr lang="en-US" dirty="0"/>
+          </a:p>
+          <a:p>
+            <a:r>
+              <a:rPr lang="en-US" dirty="0" smtClean="0"/>
+              <a:t>TODO:  Insert screen shot illustrating these steps</a:t>
+            </a:r>
+            <a:endParaRPr lang="en-US" dirty="0"/>
+          </a:p>
+        </p:txBody>
+      </p:sp>
+    </p:spTree>
+    <p:extLst>
+      <p:ext uri="{BB962C8B-B14F-4D97-AF65-F5344CB8AC3E}">
+        <p14:creationId xmlns:p14="http://schemas.microsoft.com/office/powerpoint/2010/main" val="1223745600"/>
+      </p:ext>
+    </p:extLst>
+  </p:cSld>
+  <p:clrMapOvr>
+    <a:masterClrMapping/>
+  </p:clrMapOvr>
+  <p:timing>
+    <p:tnLst>
+      <p:par>
+        <p:cTn xmlns:p14="http://schemas.microsoft.com/office/powerpoint/2010/main" id="1" dur="indefinite" restart="never" nodeType="tmRoot"/>
+      </p:par>
+    </p:tnLst>
+  </p:timing>
+</p:sld>
+</file>
+
+<file path=ppt/slides/slide13.xml><?xml version="1.0" encoding="utf-8"?>
+<p:sld xmlns:a="http://schemas.openxmlformats.org/drawingml/2006/main" xmlns:r="http://schemas.openxmlformats.org/officeDocument/2006/relationships" xmlns:p="http://schemas.openxmlformats.org/presentationml/2006/main">
+  <p:cSld>
+    <p:spTree>
+      <p:nvGrpSpPr>
+        <p:cNvPr id="1" name=""/>
+        <p:cNvGrpSpPr/>
+        <p:nvPr/>
+      </p:nvGrpSpPr>
+      <p:grpSpPr>
+        <a:xfrm>
+          <a:off x="0" y="0"/>
+          <a:ext cx="0" cy="0"/>
+          <a:chOff x="0" y="0"/>
+          <a:chExt cx="0" cy="0"/>
+        </a:xfrm>
+      </p:grpSpPr>
+      <p:sp>
+        <p:nvSpPr>
+          <p:cNvPr id="2" name="Title 1"/>
+          <p:cNvSpPr>
+            <a:spLocks noGrp="1"/>
+          </p:cNvSpPr>
+          <p:nvPr>
+            <p:ph type="title"/>
+          </p:nvPr>
+        </p:nvSpPr>
+        <p:spPr/>
+        <p:txBody>
+          <a:bodyPr>
+            <a:normAutofit fontScale="90000"/>
+          </a:bodyPr>
+          <a:lstStyle/>
+          <a:p>
+            <a:r>
+              <a:rPr lang="en-US" dirty="0" smtClean="0"/>
+              <a:t>Steps to Remove Synchronization Bug</a:t>
+            </a:r>
+            <a:endParaRPr lang="en-US" dirty="0"/>
+          </a:p>
+        </p:txBody>
+      </p:sp>
+      <p:sp>
+        <p:nvSpPr>
+          <p:cNvPr id="3" name="Content Placeholder 2"/>
+          <p:cNvSpPr>
+            <a:spLocks noGrp="1"/>
+          </p:cNvSpPr>
+          <p:nvPr>
+            <p:ph idx="1"/>
+          </p:nvPr>
+        </p:nvSpPr>
+        <p:spPr/>
+        <p:txBody>
+          <a:bodyPr/>
+          <a:lstStyle/>
+          <a:p>
+            <a:r>
+              <a:rPr lang="en-US" dirty="0" smtClean="0"/>
+              <a:t>1.  Run Concur with same parameters as failed test run, but with logging turned on</a:t>
+            </a:r>
+          </a:p>
+          <a:p>
+            <a:pPr lvl="1"/>
+            <a:r>
+              <a:rPr lang="en-US" dirty="0" smtClean="0"/>
+              <a:t>Use random mode for quick results</a:t>
+            </a:r>
+          </a:p>
+          <a:p>
+            <a:pPr lvl="1"/>
+            <a:r>
+              <a:rPr lang="en-US" dirty="0" smtClean="0"/>
+              <a:t>Use interactive mode to step step through execution and examine status in real time</a:t>
+            </a:r>
+          </a:p>
+          <a:p>
+            <a:r>
+              <a:rPr lang="en-US" dirty="0" smtClean="0"/>
+              <a:t>2.  After run fails, examine log trail for specific error</a:t>
+            </a:r>
+          </a:p>
+          <a:p>
+            <a:r>
+              <a:rPr lang="en-US" dirty="0" smtClean="0"/>
+              <a:t>3.  Correct the error</a:t>
+            </a:r>
+          </a:p>
+          <a:p>
+            <a:endParaRPr lang="en-US" dirty="0" smtClean="0"/>
+          </a:p>
+          <a:p>
+            <a:r>
+              <a:rPr lang="en-US" dirty="0" smtClean="0"/>
+              <a:t>Repeat steps 1-3 until bug is removed and test run passes.</a:t>
+            </a:r>
+          </a:p>
+          <a:p>
+            <a:endParaRPr lang="en-US" dirty="0"/>
+          </a:p>
+        </p:txBody>
+      </p:sp>
+    </p:spTree>
+    <p:extLst>
+      <p:ext uri="{BB962C8B-B14F-4D97-AF65-F5344CB8AC3E}">
+        <p14:creationId xmlns:p14="http://schemas.microsoft.com/office/powerpoint/2010/main" val="2968243062"/>
+      </p:ext>
+    </p:extLst>
+  </p:cSld>
+  <p:clrMapOvr>
+    <a:masterClrMapping/>
+  </p:clrMapOvr>
+</p:sld>
+</file>
+
+<file path=ppt/slides/slide14.xml><?xml version="1.0" encoding="utf-8"?>
+<p:sld xmlns:a="http://schemas.openxmlformats.org/drawingml/2006/main" xmlns:r="http://schemas.openxmlformats.org/officeDocument/2006/relationships" xmlns:p="http://schemas.openxmlformats.org/presentationml/2006/main">
+  <p:cSld>
+    <p:spTree>
+      <p:nvGrpSpPr>
+        <p:cNvPr id="1" name=""/>
+        <p:cNvGrpSpPr/>
+        <p:nvPr/>
+      </p:nvGrpSpPr>
+      <p:grpSpPr>
+        <a:xfrm>
+          <a:off x="0" y="0"/>
+          <a:ext cx="0" cy="0"/>
+          <a:chOff x="0" y="0"/>
+          <a:chExt cx="0" cy="0"/>
+        </a:xfrm>
+      </p:grpSpPr>
+      <p:sp>
+        <p:nvSpPr>
+          <p:cNvPr id="2" name="Title 1"/>
+          <p:cNvSpPr>
+            <a:spLocks noGrp="1"/>
+          </p:cNvSpPr>
+          <p:nvPr>
+            <p:ph type="title"/>
+          </p:nvPr>
+        </p:nvSpPr>
+        <p:spPr/>
+        <p:txBody>
+          <a:bodyPr/>
+          <a:lstStyle/>
+          <a:p>
+            <a:r>
+              <a:rPr lang="en-US" dirty="0" smtClean="0"/>
+              <a:t>Demo</a:t>
+            </a:r>
+            <a:endParaRPr lang="en-US" dirty="0"/>
+          </a:p>
+        </p:txBody>
+      </p:sp>
+      <p:sp>
+        <p:nvSpPr>
+          <p:cNvPr id="3" name="Content Placeholder 2"/>
+          <p:cNvSpPr>
+            <a:spLocks noGrp="1"/>
+          </p:cNvSpPr>
+          <p:nvPr>
+            <p:ph idx="1"/>
+          </p:nvPr>
+        </p:nvSpPr>
+        <p:spPr/>
+        <p:txBody>
+          <a:bodyPr/>
+          <a:lstStyle/>
+          <a:p>
+            <a:r>
+              <a:rPr lang="en-US" dirty="0" smtClean="0"/>
+              <a:t>1.  Run Wrapper that shows a failed test run.</a:t>
+            </a:r>
+          </a:p>
+          <a:p>
+            <a:r>
+              <a:rPr lang="en-US" dirty="0" smtClean="0"/>
+              <a:t>2.  Run Concur with same inputs from failed test run, but with Logging turned on.</a:t>
+            </a:r>
+          </a:p>
+          <a:p>
+            <a:r>
+              <a:rPr lang="en-US" dirty="0" smtClean="0"/>
+              <a:t>3.  After reproducing the failed test run, open the Log Trail to examine the error.</a:t>
+            </a:r>
+          </a:p>
+          <a:p>
+            <a:r>
+              <a:rPr lang="en-US" dirty="0"/>
+              <a:t>A</a:t>
+            </a:r>
+            <a:r>
+              <a:rPr lang="en-US" dirty="0" smtClean="0"/>
+              <a:t>dditional steps for the user:</a:t>
+            </a:r>
+          </a:p>
+          <a:p>
+            <a:r>
+              <a:rPr lang="en-US" dirty="0" smtClean="0"/>
+              <a:t>4.  Open </a:t>
+            </a:r>
+            <a:r>
+              <a:rPr lang="en-US" dirty="0" err="1" smtClean="0"/>
+              <a:t>sections.c</a:t>
+            </a:r>
+            <a:r>
+              <a:rPr lang="en-US" dirty="0" smtClean="0"/>
+              <a:t> to see where error occurred.</a:t>
+            </a:r>
+          </a:p>
+          <a:p>
+            <a:r>
+              <a:rPr lang="en-US" dirty="0" smtClean="0"/>
+              <a:t>5.  Correct error and rerun Concur with same inputs.</a:t>
+            </a:r>
+          </a:p>
+          <a:p>
+            <a:r>
+              <a:rPr lang="en-US" dirty="0" smtClean="0"/>
+              <a:t>Additional things to demo:</a:t>
+            </a:r>
+          </a:p>
+          <a:p>
+            <a:r>
+              <a:rPr lang="en-US" dirty="0" smtClean="0"/>
+              <a:t>-  Interactive mode</a:t>
+            </a:r>
+          </a:p>
+          <a:p>
+            <a:endParaRPr lang="en-US" dirty="0"/>
+          </a:p>
+        </p:txBody>
+      </p:sp>
+    </p:spTree>
+    <p:extLst>
+      <p:ext uri="{BB962C8B-B14F-4D97-AF65-F5344CB8AC3E}">
+        <p14:creationId xmlns:p14="http://schemas.microsoft.com/office/powerpoint/2010/main" val="1837042302"/>
+      </p:ext>
+    </p:extLst>
+  </p:cSld>
+  <p:clrMapOvr>
+    <a:masterClrMapping/>
+  </p:clrMapOvr>
+</p:sld>
+</file>
+
+<file path=ppt/slides/slide15.xml><?xml version="1.0" encoding="utf-8"?>
+<p:sld xmlns:a="http://schemas.openxmlformats.org/drawingml/2006/main" xmlns:r="http://schemas.openxmlformats.org/officeDocument/2006/relationships" xmlns:p="http://schemas.openxmlformats.org/presentationml/2006/main">
+  <p:cSld>
+    <p:spTree>
+      <p:nvGrpSpPr>
+        <p:cNvPr id="1" name=""/>
+        <p:cNvGrpSpPr/>
+        <p:nvPr/>
+      </p:nvGrpSpPr>
+      <p:grpSpPr>
+        <a:xfrm>
+          <a:off x="0" y="0"/>
+          <a:ext cx="0" cy="0"/>
+          <a:chOff x="0" y="0"/>
+          <a:chExt cx="0" cy="0"/>
+        </a:xfrm>
+      </p:grpSpPr>
+      <p:sp>
+        <p:nvSpPr>
+          <p:cNvPr id="2" name="Title 1"/>
+          <p:cNvSpPr>
+            <a:spLocks noGrp="1"/>
+          </p:cNvSpPr>
+          <p:nvPr>
+            <p:ph type="title"/>
+          </p:nvPr>
+        </p:nvSpPr>
+        <p:spPr/>
+        <p:txBody>
+          <a:bodyPr/>
+          <a:lstStyle/>
+          <a:p>
+            <a:r>
+              <a:rPr lang="en-US" dirty="0" smtClean="0"/>
+              <a:t>Testing Strategy</a:t>
+            </a:r>
+            <a:endParaRPr lang="en-US" dirty="0"/>
+          </a:p>
+        </p:txBody>
+      </p:sp>
+      <p:sp>
+        <p:nvSpPr>
+          <p:cNvPr id="3" name="Content Placeholder 2"/>
+          <p:cNvSpPr>
+            <a:spLocks noGrp="1"/>
+          </p:cNvSpPr>
+          <p:nvPr>
+            <p:ph idx="1"/>
+          </p:nvPr>
+        </p:nvSpPr>
+        <p:spPr/>
+        <p:txBody>
+          <a:bodyPr/>
+          <a:lstStyle/>
+          <a:p>
+            <a:r>
+              <a:rPr lang="en-US" dirty="0" smtClean="0"/>
+              <a:t>Created test plan, test specification and executed test cases that verifies system meets functional requirements.</a:t>
+            </a:r>
+          </a:p>
+          <a:p>
+            <a:r>
+              <a:rPr lang="en-US" dirty="0"/>
+              <a:t>T</a:t>
+            </a:r>
+            <a:r>
+              <a:rPr lang="en-US" dirty="0" smtClean="0"/>
+              <a:t>ested with three </a:t>
+            </a:r>
+            <a:r>
+              <a:rPr lang="en-US" dirty="0" err="1" smtClean="0"/>
+              <a:t>sections.c</a:t>
+            </a:r>
+            <a:r>
+              <a:rPr lang="en-US" dirty="0" smtClean="0"/>
+              <a:t> files for Unisex Bathroom problem.</a:t>
+            </a:r>
+          </a:p>
+          <a:p>
+            <a:r>
+              <a:rPr lang="en-US" dirty="0" smtClean="0"/>
+              <a:t>TODO:  ADD MORE</a:t>
+            </a:r>
+            <a:endParaRPr lang="en-US" dirty="0"/>
+          </a:p>
+        </p:txBody>
+      </p:sp>
+    </p:spTree>
+    <p:extLst>
+      <p:ext uri="{BB962C8B-B14F-4D97-AF65-F5344CB8AC3E}">
+        <p14:creationId xmlns:p14="http://schemas.microsoft.com/office/powerpoint/2010/main" val="489042661"/>
+      </p:ext>
+    </p:extLst>
+  </p:cSld>
+  <p:clrMapOvr>
+    <a:masterClrMapping/>
+  </p:clrMapOvr>
+  <p:timing>
+    <p:tnLst>
+      <p:par>
+        <p:cTn xmlns:p14="http://schemas.microsoft.com/office/powerpoint/2010/main" id="1" dur="indefinite" restart="never" nodeType="tmRoot"/>
+      </p:par>
+    </p:tnLst>
+  </p:timing>
+</p:sld>
+</file>
+
+<file path=ppt/slides/slide16.xml><?xml version="1.0" encoding="utf-8"?>
+<p:sld xmlns:a="http://schemas.openxmlformats.org/drawingml/2006/main" xmlns:r="http://schemas.openxmlformats.org/officeDocument/2006/relationships" xmlns:p="http://schemas.openxmlformats.org/presentationml/2006/main">
+  <p:cSld>
+    <p:spTree>
+      <p:nvGrpSpPr>
+        <p:cNvPr id="1" name=""/>
+        <p:cNvGrpSpPr/>
+        <p:nvPr/>
+      </p:nvGrpSpPr>
+      <p:grpSpPr>
+        <a:xfrm>
+          <a:off x="0" y="0"/>
+          <a:ext cx="0" cy="0"/>
+          <a:chOff x="0" y="0"/>
+          <a:chExt cx="0" cy="0"/>
+        </a:xfrm>
+      </p:grpSpPr>
+      <p:sp>
+        <p:nvSpPr>
+          <p:cNvPr id="2" name="Title 1"/>
+          <p:cNvSpPr>
+            <a:spLocks noGrp="1"/>
+          </p:cNvSpPr>
+          <p:nvPr>
+            <p:ph type="title"/>
+          </p:nvPr>
+        </p:nvSpPr>
+        <p:spPr/>
+        <p:txBody>
+          <a:bodyPr/>
+          <a:lstStyle/>
+          <a:p>
+            <a:r>
+              <a:rPr lang="en-US" dirty="0" smtClean="0"/>
+              <a:t>Analysis of Results</a:t>
+            </a:r>
+            <a:endParaRPr lang="en-US" dirty="0"/>
+          </a:p>
+        </p:txBody>
+      </p:sp>
+      <p:sp>
+        <p:nvSpPr>
+          <p:cNvPr id="3" name="Content Placeholder 2"/>
+          <p:cNvSpPr>
+            <a:spLocks noGrp="1"/>
+          </p:cNvSpPr>
+          <p:nvPr>
+            <p:ph idx="1"/>
+          </p:nvPr>
+        </p:nvSpPr>
+        <p:spPr/>
+        <p:txBody>
+          <a:bodyPr/>
+          <a:lstStyle/>
+          <a:p>
+            <a:r>
+              <a:rPr lang="en-US" dirty="0" smtClean="0"/>
+              <a:t>Errors encountered and approach to address</a:t>
+            </a:r>
+          </a:p>
+          <a:p>
+            <a:pPr marL="182880" lvl="1"/>
+            <a:r>
+              <a:rPr lang="en-US" sz="2400" dirty="0"/>
+              <a:t>Outstanding Errors</a:t>
+            </a:r>
+          </a:p>
+          <a:p>
+            <a:r>
+              <a:rPr lang="en-US" dirty="0" smtClean="0"/>
+              <a:t>Pros/cons of design/implementation</a:t>
+            </a:r>
+            <a:endParaRPr lang="en-US" dirty="0" smtClean="0"/>
+          </a:p>
+          <a:p>
+            <a:r>
+              <a:rPr lang="en-US" dirty="0" smtClean="0"/>
+              <a:t>Questions to answer:</a:t>
+            </a:r>
+          </a:p>
+          <a:p>
+            <a:pPr lvl="1"/>
+            <a:r>
+              <a:rPr lang="en-US" dirty="0"/>
+              <a:t>Verification:  </a:t>
+            </a:r>
+            <a:r>
+              <a:rPr lang="en-US" dirty="0" smtClean="0"/>
+              <a:t>Does </a:t>
+            </a:r>
+            <a:r>
+              <a:rPr lang="en-US" dirty="0"/>
+              <a:t>the system satisfy the functional requirements?</a:t>
+            </a:r>
+            <a:endParaRPr lang="en-US" dirty="0" smtClean="0"/>
+          </a:p>
+          <a:p>
+            <a:pPr lvl="1"/>
+            <a:endParaRPr lang="en-US" dirty="0"/>
+          </a:p>
+          <a:p>
+            <a:pPr lvl="1"/>
+            <a:r>
+              <a:rPr lang="en-US" dirty="0" smtClean="0"/>
+              <a:t>Validation</a:t>
+            </a:r>
+            <a:r>
+              <a:rPr lang="en-US" dirty="0"/>
+              <a:t>:  Does the system meet the customer’s needs</a:t>
+            </a:r>
+            <a:r>
+              <a:rPr lang="en-US" dirty="0" smtClean="0"/>
+              <a:t>?</a:t>
+            </a:r>
+          </a:p>
+          <a:p>
+            <a:pPr lvl="2"/>
+            <a:r>
+              <a:rPr lang="en-US" dirty="0" smtClean="0"/>
+              <a:t>Does the system help the user find concurrency errors?</a:t>
+            </a:r>
+          </a:p>
+          <a:p>
+            <a:pPr lvl="2"/>
+            <a:r>
+              <a:rPr lang="en-US" dirty="0" smtClean="0"/>
+              <a:t>Does the system allow the user to reproduce test run results?</a:t>
+            </a:r>
+          </a:p>
+          <a:p>
+            <a:pPr lvl="2"/>
+            <a:r>
+              <a:rPr lang="en-US" dirty="0" smtClean="0"/>
+              <a:t>Does the system help the user debug the application?</a:t>
+            </a:r>
+          </a:p>
+          <a:p>
+            <a:pPr lvl="2"/>
+            <a:endParaRPr lang="en-US" dirty="0" smtClean="0"/>
+          </a:p>
+        </p:txBody>
+      </p:sp>
+    </p:spTree>
+    <p:extLst>
+      <p:ext uri="{BB962C8B-B14F-4D97-AF65-F5344CB8AC3E}">
+        <p14:creationId xmlns:p14="http://schemas.microsoft.com/office/powerpoint/2010/main" val="4230760184"/>
+      </p:ext>
+    </p:extLst>
+  </p:cSld>
+  <p:clrMapOvr>
+    <a:masterClrMapping/>
+  </p:clrMapOvr>
+</p:sld>
+</file>
+
+<file path=ppt/slides/slide17.xml><?xml version="1.0" encoding="utf-8"?>
+<p:sld xmlns:a="http://schemas.openxmlformats.org/drawingml/2006/main" xmlns:r="http://schemas.openxmlformats.org/officeDocument/2006/relationships" xmlns:p="http://schemas.openxmlformats.org/presentationml/2006/main">
+  <p:cSld>
+    <p:spTree>
+      <p:nvGrpSpPr>
+        <p:cNvPr id="1" name=""/>
+        <p:cNvGrpSpPr/>
+        <p:nvPr/>
+      </p:nvGrpSpPr>
+      <p:grpSpPr>
+        <a:xfrm>
+          <a:off x="0" y="0"/>
+          <a:ext cx="0" cy="0"/>
+          <a:chOff x="0" y="0"/>
+          <a:chExt cx="0" cy="0"/>
+        </a:xfrm>
+      </p:grpSpPr>
+      <p:sp>
+        <p:nvSpPr>
+          <p:cNvPr id="2" name="Title 1"/>
+          <p:cNvSpPr>
+            <a:spLocks noGrp="1"/>
+          </p:cNvSpPr>
+          <p:nvPr>
+            <p:ph type="title"/>
+          </p:nvPr>
+        </p:nvSpPr>
+        <p:spPr/>
+        <p:txBody>
+          <a:bodyPr/>
+          <a:lstStyle/>
+          <a:p>
+            <a:r>
+              <a:rPr lang="en-US" dirty="0" smtClean="0"/>
+              <a:t>Summary</a:t>
+            </a:r>
+            <a:endParaRPr lang="en-US" dirty="0"/>
+          </a:p>
+        </p:txBody>
+      </p:sp>
+      <p:sp>
+        <p:nvSpPr>
+          <p:cNvPr id="3" name="Content Placeholder 2"/>
+          <p:cNvSpPr>
+            <a:spLocks noGrp="1"/>
+          </p:cNvSpPr>
+          <p:nvPr>
+            <p:ph idx="1"/>
+          </p:nvPr>
+        </p:nvSpPr>
+        <p:spPr/>
+        <p:txBody>
+          <a:bodyPr/>
+          <a:lstStyle/>
+          <a:p>
+            <a:r>
+              <a:rPr lang="en-US" dirty="0" smtClean="0"/>
+              <a:t>Summary of project</a:t>
+            </a:r>
+          </a:p>
+          <a:p>
+            <a:r>
+              <a:rPr lang="en-US" dirty="0" smtClean="0"/>
+              <a:t>Technologies used:</a:t>
+            </a:r>
+          </a:p>
+          <a:p>
+            <a:pPr lvl="1"/>
+            <a:r>
+              <a:rPr lang="en-US" dirty="0" smtClean="0"/>
+              <a:t>C, C++, Python</a:t>
+            </a:r>
+          </a:p>
+          <a:p>
+            <a:pPr lvl="1"/>
+            <a:r>
+              <a:rPr lang="en-US" dirty="0" err="1"/>
+              <a:t>p</a:t>
+            </a:r>
+            <a:r>
+              <a:rPr lang="en-US" dirty="0" err="1" smtClean="0"/>
+              <a:t>threads</a:t>
+            </a:r>
+            <a:r>
+              <a:rPr lang="en-US" dirty="0" smtClean="0"/>
+              <a:t> library, signals</a:t>
+            </a:r>
+            <a:endParaRPr lang="en-US" dirty="0" smtClean="0"/>
+          </a:p>
+          <a:p>
+            <a:r>
+              <a:rPr lang="en-US" dirty="0" smtClean="0"/>
+              <a:t>Lessons </a:t>
+            </a:r>
+            <a:r>
+              <a:rPr lang="en-US" dirty="0" smtClean="0"/>
+              <a:t>Learned</a:t>
+            </a:r>
+          </a:p>
+          <a:p>
+            <a:endParaRPr lang="en-US" dirty="0"/>
+          </a:p>
+        </p:txBody>
+      </p:sp>
+    </p:spTree>
+    <p:extLst>
+      <p:ext uri="{BB962C8B-B14F-4D97-AF65-F5344CB8AC3E}">
+        <p14:creationId xmlns:p14="http://schemas.microsoft.com/office/powerpoint/2010/main" val="1047564871"/>
+      </p:ext>
+    </p:extLst>
+  </p:cSld>
+  <p:clrMapOvr>
+    <a:masterClrMapping/>
+  </p:clrMapOvr>
+</p:sld>
+</file>
+
+<file path=ppt/slides/slide18.xml><?xml version="1.0" encoding="utf-8"?>
+<p:sld xmlns:a="http://schemas.openxmlformats.org/drawingml/2006/main" xmlns:r="http://schemas.openxmlformats.org/officeDocument/2006/relationships" xmlns:p="http://schemas.openxmlformats.org/presentationml/2006/main">
+  <p:cSld>
+    <p:spTree>
+      <p:nvGrpSpPr>
+        <p:cNvPr id="1" name=""/>
+        <p:cNvGrpSpPr/>
+        <p:nvPr/>
+      </p:nvGrpSpPr>
+      <p:grpSpPr>
+        <a:xfrm>
+          <a:off x="0" y="0"/>
+          <a:ext cx="0" cy="0"/>
+          <a:chOff x="0" y="0"/>
+          <a:chExt cx="0" cy="0"/>
+        </a:xfrm>
+      </p:grpSpPr>
+      <p:sp>
+        <p:nvSpPr>
+          <p:cNvPr id="2" name="Title 1"/>
+          <p:cNvSpPr>
+            <a:spLocks noGrp="1"/>
+          </p:cNvSpPr>
+          <p:nvPr>
+            <p:ph type="title"/>
+          </p:nvPr>
+        </p:nvSpPr>
+        <p:spPr/>
+        <p:txBody>
+          <a:bodyPr/>
+          <a:lstStyle/>
+          <a:p>
+            <a:r>
+              <a:rPr lang="en-US" dirty="0" smtClean="0"/>
+              <a:t>Questions &amp; Answers</a:t>
+            </a:r>
+            <a:endParaRPr lang="en-US" dirty="0"/>
+          </a:p>
+        </p:txBody>
+      </p:sp>
+      <p:sp>
+        <p:nvSpPr>
+          <p:cNvPr id="3" name="Content Placeholder 2"/>
+          <p:cNvSpPr>
+            <a:spLocks noGrp="1"/>
+          </p:cNvSpPr>
+          <p:nvPr>
+            <p:ph idx="1"/>
+          </p:nvPr>
+        </p:nvSpPr>
+        <p:spPr/>
+        <p:txBody>
+          <a:bodyPr/>
+          <a:lstStyle/>
+          <a:p>
+            <a:endParaRPr lang="en-US"/>
+          </a:p>
+        </p:txBody>
+      </p:sp>
+    </p:spTree>
+    <p:extLst>
+      <p:ext uri="{BB962C8B-B14F-4D97-AF65-F5344CB8AC3E}">
+        <p14:creationId xmlns:p14="http://schemas.microsoft.com/office/powerpoint/2010/main" val="1057507752"/>
+      </p:ext>
+    </p:extLst>
+  </p:cSld>
+  <p:clrMapOvr>
+    <a:masterClrMapping/>
+  </p:clrMapOvr>
+</p:sld>
+</file>
+
 <file path=ppt/slides/slide2.xml><?xml version="1.0" encoding="utf-8"?>
 <p:sld xmlns:a="http://schemas.openxmlformats.org/drawingml/2006/main" xmlns:r="http://schemas.openxmlformats.org/officeDocument/2006/relationships" xmlns:p="http://schemas.openxmlformats.org/presentationml/2006/main">
   <p:cSld>
@@ -3557,11 +6249,7 @@
           <a:p>
             <a:r>
               <a:rPr lang="en-US" dirty="0" smtClean="0"/>
-              <a:t>Project </a:t>
-            </a:r>
-            <a:r>
-              <a:rPr lang="en-US" dirty="0" smtClean="0"/>
-              <a:t>Description				  3 </a:t>
+              <a:t>Project Description				  3 </a:t>
             </a:r>
             <a:r>
               <a:rPr lang="en-US" dirty="0" err="1" smtClean="0"/>
@@ -3605,11 +6293,7 @@
           <a:p>
             <a:r>
               <a:rPr lang="en-US" dirty="0" smtClean="0"/>
-              <a:t>Analysis of </a:t>
-            </a:r>
-            <a:r>
-              <a:rPr lang="en-US" dirty="0" smtClean="0"/>
-              <a:t>Results			  2 </a:t>
+              <a:t>Analysis of Results			  2 </a:t>
             </a:r>
             <a:r>
               <a:rPr lang="en-US" dirty="0" err="1" smtClean="0"/>
@@ -3631,11 +6315,7 @@
           <a:p>
             <a:r>
               <a:rPr lang="en-US" dirty="0" smtClean="0"/>
-              <a:t>Q&amp;</a:t>
-            </a:r>
-            <a:r>
-              <a:rPr lang="en-US" dirty="0" smtClean="0"/>
-              <a:t>A						  5 </a:t>
+              <a:t>Q&amp;A						  5 </a:t>
             </a:r>
             <a:r>
               <a:rPr lang="en-US" dirty="0" err="1" smtClean="0"/>
@@ -3692,7 +6372,7 @@
           <a:p>
             <a:r>
               <a:rPr lang="en-US" dirty="0" smtClean="0"/>
-              <a:t>Project Description</a:t>
+              <a:t>Project Description – 1 of 4</a:t>
             </a:r>
             <a:endParaRPr lang="en-US" dirty="0"/>
           </a:p>
@@ -3717,45 +6397,64 @@
               <a:rPr lang="en-US" dirty="0" smtClean="0"/>
               <a:t>Time Period:  Winter-Spring 2012</a:t>
             </a:r>
+          </a:p>
+          <a:p>
+            <a:r>
+              <a:rPr lang="en-US" dirty="0" smtClean="0"/>
+              <a:t>Faculty Advisor:  Dr. Eric Larson</a:t>
+            </a:r>
+          </a:p>
+          <a:p>
             <a:endParaRPr lang="en-US" dirty="0" smtClean="0"/>
           </a:p>
           <a:p>
             <a:r>
               <a:rPr lang="en-US" dirty="0" smtClean="0"/>
-              <a:t>Faculty Advisor:  Dr. Eric Larson</a:t>
-            </a:r>
-          </a:p>
-          <a:p>
+              <a:t>Problem addressed:</a:t>
+            </a:r>
+          </a:p>
+          <a:p>
+            <a:pPr lvl="1"/>
+            <a:r>
+              <a:rPr lang="en-US" dirty="0" smtClean="0"/>
+              <a:t>Students have insufficient resources to adequately determine if their multithreaded program is free from deadlock and/or race conditions. </a:t>
+            </a:r>
+            <a:r>
+              <a:rPr lang="en-US" dirty="0"/>
+              <a:t>Testing alone is insufficient because many conditions require specific schedules that are not exercised.  This leads to the need of a tool that assists students in finding and removing synchronization bugs. </a:t>
+            </a:r>
             <a:endParaRPr lang="en-US" dirty="0" smtClean="0"/>
           </a:p>
           <a:p>
             <a:r>
-              <a:rPr lang="en-US" dirty="0" smtClean="0"/>
-              <a:t>Problems addressed</a:t>
+              <a:rPr lang="en-US" dirty="0"/>
+              <a:t>Solution </a:t>
+            </a:r>
+            <a:r>
+              <a:rPr lang="en-US" dirty="0">
+                <a:sym typeface="Wingdings"/>
+              </a:rPr>
+              <a:t></a:t>
+            </a:r>
+            <a:r>
+              <a:rPr lang="en-US" dirty="0"/>
+              <a:t>  Build a testing a debugging </a:t>
+            </a:r>
+            <a:r>
+              <a:rPr lang="en-US" dirty="0" smtClean="0"/>
+              <a:t>tool </a:t>
+            </a:r>
+            <a:r>
+              <a:rPr lang="en-US" dirty="0"/>
+              <a:t>for multithreaded programs involving synchronization</a:t>
+            </a:r>
+            <a:r>
+              <a:rPr lang="en-US" dirty="0" smtClean="0"/>
+              <a:t>.</a:t>
             </a:r>
           </a:p>
           <a:p>
             <a:endParaRPr lang="en-US" dirty="0" smtClean="0"/>
-          </a:p>
-          <a:p>
-            <a:r>
-              <a:rPr lang="en-US" dirty="0" smtClean="0"/>
-              <a:t>System Requirements</a:t>
-            </a:r>
-          </a:p>
-          <a:p>
-            <a:endParaRPr lang="en-US" dirty="0" smtClean="0"/>
-          </a:p>
-          <a:p>
-            <a:r>
-              <a:rPr lang="en-US" dirty="0" smtClean="0"/>
-              <a:t>Users </a:t>
-            </a:r>
-            <a:r>
-              <a:rPr lang="en-US" dirty="0" smtClean="0"/>
-              <a:t>and Use Cases</a:t>
-            </a:r>
-            <a:endParaRPr lang="en-US" dirty="0"/>
           </a:p>
         </p:txBody>
       </p:sp>
@@ -3806,7 +6505,7 @@
           <a:p>
             <a:r>
               <a:rPr lang="en-US" dirty="0" smtClean="0"/>
-              <a:t>Design &amp; Implementation</a:t>
+              <a:t>Project Description – 2 of 4</a:t>
             </a:r>
             <a:endParaRPr lang="en-US" dirty="0"/>
           </a:p>
@@ -3829,45 +6528,127 @@
           <a:p>
             <a:r>
               <a:rPr lang="en-US" dirty="0" smtClean="0"/>
-              <a:t>User Interface</a:t>
-            </a:r>
-          </a:p>
-          <a:p>
-            <a:r>
-              <a:rPr lang="en-US" dirty="0" smtClean="0"/>
-              <a:t>Functional Decomposition</a:t>
-            </a:r>
-          </a:p>
-          <a:p>
-            <a:r>
-              <a:rPr lang="en-US" dirty="0" smtClean="0"/>
-              <a:t>Sequence Diagrams</a:t>
+              <a:t>Goals:</a:t>
             </a:r>
           </a:p>
           <a:p>
             <a:pPr lvl="1"/>
             <a:r>
               <a:rPr lang="en-US" dirty="0" smtClean="0"/>
-              <a:t>Testing with Wrapper</a:t>
-            </a:r>
+              <a:t>1.  Allow </a:t>
+            </a:r>
+            <a:r>
+              <a:rPr lang="en-US" dirty="0"/>
+              <a:t>a student to test his or her multithreaded program for correctness (i.e. detect bugs) </a:t>
+            </a:r>
+            <a:endParaRPr lang="en-US" dirty="0" smtClean="0"/>
           </a:p>
           <a:p>
             <a:pPr lvl="1"/>
             <a:r>
               <a:rPr lang="en-US" dirty="0" smtClean="0"/>
-              <a:t>Testing with Concur</a:t>
+              <a:t>2. </a:t>
+            </a:r>
+            <a:r>
+              <a:rPr lang="en-US" dirty="0"/>
+              <a:t>H</a:t>
+            </a:r>
+            <a:r>
+              <a:rPr lang="en-US" dirty="0" smtClean="0"/>
+              <a:t>elp </a:t>
+            </a:r>
+            <a:r>
+              <a:rPr lang="en-US" dirty="0"/>
+              <a:t>a student debug the program when an error is present </a:t>
+            </a:r>
+            <a:endParaRPr lang="en-US" dirty="0" smtClean="0"/>
+          </a:p>
+          <a:p>
+            <a:endParaRPr lang="en-US" dirty="0"/>
+          </a:p>
+          <a:p>
+            <a:r>
+              <a:rPr lang="en-US" dirty="0" smtClean="0"/>
+              <a:t>Concur:  a test framework for multithreaded applications provides </a:t>
+            </a:r>
+            <a:r>
+              <a:rPr lang="en-US" dirty="0"/>
+              <a:t>an environment in which the </a:t>
+            </a:r>
+            <a:r>
+              <a:rPr lang="en-US" dirty="0" smtClean="0"/>
+              <a:t>user:</a:t>
             </a:r>
           </a:p>
           <a:p>
             <a:pPr lvl="1"/>
             <a:r>
               <a:rPr lang="en-US" dirty="0" smtClean="0"/>
-              <a:t>Debugging with </a:t>
-            </a:r>
-            <a:r>
-              <a:rPr lang="en-US" smtClean="0"/>
-              <a:t>Log Trail</a:t>
-            </a:r>
+              <a:t>has </a:t>
+            </a:r>
+            <a:r>
+              <a:rPr lang="en-US" dirty="0"/>
+              <a:t>more control over thread </a:t>
+            </a:r>
+            <a:r>
+              <a:rPr lang="en-US" dirty="0" smtClean="0"/>
+              <a:t>selection (scheduling, acquire lock, use semaphore)</a:t>
+            </a:r>
+          </a:p>
+          <a:p>
+            <a:pPr lvl="1"/>
+            <a:r>
+              <a:rPr lang="en-US" dirty="0"/>
+              <a:t>c</a:t>
+            </a:r>
+            <a:r>
+              <a:rPr lang="en-US" dirty="0" smtClean="0"/>
+              <a:t>an view </a:t>
+            </a:r>
+            <a:r>
+              <a:rPr lang="en-US" dirty="0"/>
+              <a:t>the current state of each thread, lock and </a:t>
+            </a:r>
+            <a:r>
+              <a:rPr lang="en-US" dirty="0" smtClean="0"/>
+              <a:t>semaphore</a:t>
+            </a:r>
+          </a:p>
+          <a:p>
+            <a:pPr lvl="1"/>
+            <a:r>
+              <a:rPr lang="en-US" dirty="0" smtClean="0"/>
+              <a:t>can detect </a:t>
+            </a:r>
+            <a:r>
+              <a:rPr lang="en-US" dirty="0"/>
+              <a:t>synchronization errors such as </a:t>
+            </a:r>
+            <a:r>
+              <a:rPr lang="en-US" dirty="0" smtClean="0"/>
+              <a:t>deadlocks</a:t>
+            </a:r>
+          </a:p>
+          <a:p>
+            <a:pPr lvl="1"/>
+            <a:r>
+              <a:rPr lang="en-US" dirty="0" smtClean="0"/>
+              <a:t>can reproduce </a:t>
+            </a:r>
+            <a:r>
+              <a:rPr lang="en-US" dirty="0"/>
+              <a:t>test </a:t>
+            </a:r>
+            <a:r>
+              <a:rPr lang="en-US" dirty="0" smtClean="0"/>
+              <a:t>results</a:t>
+            </a:r>
+            <a:endParaRPr lang="en-US" dirty="0"/>
+          </a:p>
+          <a:p>
+            <a:endParaRPr lang="en-US" dirty="0"/>
+          </a:p>
+          <a:p>
             <a:endParaRPr lang="en-US" dirty="0"/>
           </a:p>
         </p:txBody>
@@ -3875,7 +6656,7 @@
     </p:spTree>
     <p:extLst>
       <p:ext uri="{BB962C8B-B14F-4D97-AF65-F5344CB8AC3E}">
-        <p14:creationId xmlns:p14="http://schemas.microsoft.com/office/powerpoint/2010/main" val="2957022519"/>
+        <p14:creationId xmlns:p14="http://schemas.microsoft.com/office/powerpoint/2010/main" val="1502921269"/>
       </p:ext>
     </p:extLst>
   </p:cSld>
@@ -3919,12 +6700,1642 @@
           <a:p>
             <a:r>
               <a:rPr lang="en-US" dirty="0" smtClean="0"/>
+              <a:t>Project Description – 3 of 4</a:t>
+            </a:r>
+            <a:endParaRPr lang="en-US" dirty="0"/>
+          </a:p>
+        </p:txBody>
+      </p:sp>
+      <p:sp>
+        <p:nvSpPr>
+          <p:cNvPr id="3" name="Content Placeholder 2"/>
+          <p:cNvSpPr>
+            <a:spLocks noGrp="1"/>
+          </p:cNvSpPr>
+          <p:nvPr>
+            <p:ph idx="1"/>
+          </p:nvPr>
+        </p:nvSpPr>
+        <p:spPr/>
+        <p:txBody>
+          <a:bodyPr/>
+          <a:lstStyle/>
+          <a:p>
+            <a:pPr marL="182880" lvl="1"/>
+            <a:r>
+              <a:rPr lang="en-US" sz="2400" dirty="0" smtClean="0"/>
+              <a:t>Functional </a:t>
+            </a:r>
+            <a:r>
+              <a:rPr lang="en-US" sz="2400" dirty="0"/>
+              <a:t>Requirements</a:t>
+            </a:r>
+          </a:p>
+          <a:p>
+            <a:endParaRPr lang="en-US" dirty="0" smtClean="0"/>
+          </a:p>
+          <a:p>
+            <a:endParaRPr lang="en-US" dirty="0"/>
+          </a:p>
+          <a:p>
+            <a:endParaRPr lang="en-US" dirty="0" smtClean="0"/>
+          </a:p>
+          <a:p>
+            <a:endParaRPr lang="en-US" dirty="0"/>
+          </a:p>
+          <a:p>
+            <a:endParaRPr lang="en-US" dirty="0" smtClean="0"/>
+          </a:p>
+          <a:p>
+            <a:pPr marL="0" indent="0">
+              <a:buNone/>
+            </a:pPr>
+            <a:endParaRPr lang="en-US" dirty="0" smtClean="0"/>
+          </a:p>
+        </p:txBody>
+      </p:sp>
+      <p:graphicFrame>
+        <p:nvGraphicFramePr>
+          <p:cNvPr id="4" name="Table 3"/>
+          <p:cNvGraphicFramePr>
+            <a:graphicFrameLocks noGrp="1"/>
+          </p:cNvGraphicFramePr>
+          <p:nvPr>
+            <p:extLst>
+              <p:ext uri="{D42A27DB-BD31-4B8C-83A1-F6EECF244321}">
+                <p14:modId xmlns:p14="http://schemas.microsoft.com/office/powerpoint/2010/main" val="2068782387"/>
+              </p:ext>
+            </p:extLst>
+          </p:nvPr>
+        </p:nvGraphicFramePr>
+        <p:xfrm>
+          <a:off x="457200" y="2349577"/>
+          <a:ext cx="8229600" cy="3521591"/>
+        </p:xfrm>
+        <a:graphic>
+          <a:graphicData uri="http://schemas.openxmlformats.org/drawingml/2006/table">
+            <a:tbl>
+              <a:tblPr firstRow="1" bandRow="1">
+                <a:tableStyleId>{5C22544A-7EE6-4342-B048-85BDC9FD1C3A}</a:tableStyleId>
+              </a:tblPr>
+              <a:tblGrid>
+                <a:gridCol w="710783"/>
+                <a:gridCol w="3435910"/>
+                <a:gridCol w="4082907"/>
+              </a:tblGrid>
+              <a:tr h="473591">
+                <a:tc>
+                  <a:txBody>
+                    <a:bodyPr/>
+                    <a:lstStyle/>
+                    <a:p>
+                      <a:pPr algn="ctr"/>
+                      <a:r>
+                        <a:rPr lang="en-US" sz="1600" dirty="0" smtClean="0"/>
+                        <a:t>ID</a:t>
+                      </a:r>
+                      <a:endParaRPr lang="en-US" sz="1600" dirty="0"/>
+                    </a:p>
+                  </a:txBody>
+                  <a:tcPr/>
+                </a:tc>
+                <a:tc>
+                  <a:txBody>
+                    <a:bodyPr/>
+                    <a:lstStyle/>
+                    <a:p>
+                      <a:pPr algn="ctr"/>
+                      <a:r>
+                        <a:rPr lang="en-US" sz="1600" dirty="0" smtClean="0"/>
+                        <a:t>Title</a:t>
+                      </a:r>
+                      <a:endParaRPr lang="en-US" sz="1600" dirty="0"/>
+                    </a:p>
+                  </a:txBody>
+                  <a:tcPr/>
+                </a:tc>
+                <a:tc>
+                  <a:txBody>
+                    <a:bodyPr/>
+                    <a:lstStyle/>
+                    <a:p>
+                      <a:pPr algn="ctr"/>
+                      <a:r>
+                        <a:rPr lang="en-US" sz="1600" dirty="0" smtClean="0"/>
+                        <a:t>Description</a:t>
+                      </a:r>
+                      <a:endParaRPr lang="en-US" sz="1600" dirty="0"/>
+                    </a:p>
+                  </a:txBody>
+                  <a:tcPr/>
+                </a:tc>
+              </a:tr>
+              <a:tr h="473591">
+                <a:tc>
+                  <a:txBody>
+                    <a:bodyPr/>
+                    <a:lstStyle/>
+                    <a:p>
+                      <a:r>
+                        <a:rPr lang="en-US" sz="1600" dirty="0" smtClean="0"/>
+                        <a:t>F01</a:t>
+                      </a:r>
+                      <a:endParaRPr lang="en-US" sz="1600" dirty="0"/>
+                    </a:p>
+                  </a:txBody>
+                  <a:tcPr/>
+                </a:tc>
+                <a:tc>
+                  <a:txBody>
+                    <a:bodyPr/>
+                    <a:lstStyle/>
+                    <a:p>
+                      <a:r>
+                        <a:rPr lang="en-US" sz="1600" dirty="0" smtClean="0"/>
+                        <a:t>Random mode for thread</a:t>
+                      </a:r>
+                      <a:r>
+                        <a:rPr lang="en-US" sz="1600" baseline="0" dirty="0" smtClean="0"/>
+                        <a:t> selection</a:t>
+                      </a:r>
+                      <a:endParaRPr lang="en-US" sz="1600" dirty="0"/>
+                    </a:p>
+                  </a:txBody>
+                  <a:tcPr/>
+                </a:tc>
+                <a:tc>
+                  <a:txBody>
+                    <a:bodyPr/>
+                    <a:lstStyle/>
+                    <a:p>
+                      <a:r>
+                        <a:rPr lang="en-US" sz="1600" kern="1200" dirty="0" smtClean="0">
+                          <a:solidFill>
+                            <a:schemeClr val="dk1"/>
+                          </a:solidFill>
+                          <a:effectLst/>
+                          <a:latin typeface="+mn-lt"/>
+                          <a:ea typeface="+mn-ea"/>
+                          <a:cs typeface="+mn-cs"/>
+                        </a:rPr>
+                        <a:t>Concur shall support a random mode for thread selection in which threads are automatically and randomly selected.</a:t>
+                      </a:r>
+                      <a:r>
+                        <a:rPr lang="en-US" sz="1600" dirty="0" smtClean="0">
+                          <a:effectLst/>
+                        </a:rPr>
+                        <a:t> </a:t>
+                      </a:r>
+                      <a:endParaRPr lang="en-US" sz="1600" dirty="0"/>
+                    </a:p>
+                  </a:txBody>
+                  <a:tcPr/>
+                </a:tc>
+              </a:tr>
+              <a:tr h="473591">
+                <a:tc>
+                  <a:txBody>
+                    <a:bodyPr/>
+                    <a:lstStyle/>
+                    <a:p>
+                      <a:r>
+                        <a:rPr lang="en-US" sz="1600" dirty="0" smtClean="0"/>
+                        <a:t>F02</a:t>
+                      </a:r>
+                      <a:endParaRPr lang="en-US" sz="1600" dirty="0"/>
+                    </a:p>
+                  </a:txBody>
+                  <a:tcPr/>
+                </a:tc>
+                <a:tc>
+                  <a:txBody>
+                    <a:bodyPr/>
+                    <a:lstStyle/>
+                    <a:p>
+                      <a:r>
+                        <a:rPr lang="en-US" sz="1600" dirty="0" smtClean="0"/>
+                        <a:t>Interactive mode for thread</a:t>
+                      </a:r>
+                      <a:r>
+                        <a:rPr lang="en-US" sz="1600" baseline="0" dirty="0" smtClean="0"/>
+                        <a:t> selection</a:t>
+                      </a:r>
+                      <a:endParaRPr lang="en-US" sz="1600" dirty="0"/>
+                    </a:p>
+                  </a:txBody>
+                  <a:tcPr/>
+                </a:tc>
+                <a:tc>
+                  <a:txBody>
+                    <a:bodyPr/>
+                    <a:lstStyle/>
+                    <a:p>
+                      <a:r>
+                        <a:rPr lang="en-US" sz="1600" kern="1200" dirty="0" smtClean="0">
+                          <a:solidFill>
+                            <a:schemeClr val="dk1"/>
+                          </a:solidFill>
+                          <a:effectLst/>
+                          <a:latin typeface="+mn-lt"/>
+                          <a:ea typeface="+mn-ea"/>
+                          <a:cs typeface="+mn-cs"/>
+                        </a:rPr>
+                        <a:t>Concur shall support an interactive mode for thread</a:t>
+                      </a:r>
+                      <a:r>
+                        <a:rPr lang="en-US" sz="1600" kern="1200" baseline="0" dirty="0" smtClean="0">
+                          <a:solidFill>
+                            <a:schemeClr val="dk1"/>
+                          </a:solidFill>
+                          <a:effectLst/>
+                          <a:latin typeface="+mn-lt"/>
+                          <a:ea typeface="+mn-ea"/>
+                          <a:cs typeface="+mn-cs"/>
+                        </a:rPr>
+                        <a:t> selection</a:t>
+                      </a:r>
+                      <a:r>
+                        <a:rPr lang="en-US" sz="1600" kern="1200" dirty="0" smtClean="0">
+                          <a:solidFill>
+                            <a:schemeClr val="dk1"/>
+                          </a:solidFill>
+                          <a:effectLst/>
+                          <a:latin typeface="+mn-lt"/>
+                          <a:ea typeface="+mn-ea"/>
+                          <a:cs typeface="+mn-cs"/>
+                        </a:rPr>
+                        <a:t> in which the user will choose which thread</a:t>
+                      </a:r>
+                      <a:r>
+                        <a:rPr lang="en-US" sz="1600" kern="1200" baseline="0" dirty="0" smtClean="0">
+                          <a:solidFill>
+                            <a:schemeClr val="dk1"/>
+                          </a:solidFill>
+                          <a:effectLst/>
+                          <a:latin typeface="+mn-lt"/>
+                          <a:ea typeface="+mn-ea"/>
+                          <a:cs typeface="+mn-cs"/>
+                        </a:rPr>
+                        <a:t> is selected</a:t>
+                      </a:r>
+                      <a:r>
+                        <a:rPr lang="en-US" sz="1600" kern="1200" dirty="0" smtClean="0">
+                          <a:solidFill>
+                            <a:schemeClr val="dk1"/>
+                          </a:solidFill>
+                          <a:effectLst/>
+                          <a:latin typeface="+mn-lt"/>
+                          <a:ea typeface="+mn-ea"/>
+                          <a:cs typeface="+mn-cs"/>
+                        </a:rPr>
+                        <a:t>.</a:t>
+                      </a:r>
+                      <a:endParaRPr lang="en-US" sz="1600" dirty="0"/>
+                    </a:p>
+                  </a:txBody>
+                  <a:tcPr/>
+                </a:tc>
+              </a:tr>
+              <a:tr h="473591">
+                <a:tc>
+                  <a:txBody>
+                    <a:bodyPr/>
+                    <a:lstStyle/>
+                    <a:p>
+                      <a:r>
+                        <a:rPr lang="en-US" sz="1600" dirty="0" smtClean="0"/>
+                        <a:t>F03</a:t>
+                      </a:r>
+                      <a:endParaRPr lang="en-US" sz="1600" dirty="0"/>
+                    </a:p>
+                  </a:txBody>
+                  <a:tcPr/>
+                </a:tc>
+                <a:tc>
+                  <a:txBody>
+                    <a:bodyPr/>
+                    <a:lstStyle/>
+                    <a:p>
+                      <a:r>
+                        <a:rPr lang="en-US" sz="1600" dirty="0" smtClean="0"/>
+                        <a:t>Log trail</a:t>
+                      </a:r>
+                      <a:endParaRPr lang="en-US" sz="1600" dirty="0"/>
+                    </a:p>
+                  </a:txBody>
+                  <a:tcPr/>
+                </a:tc>
+                <a:tc>
+                  <a:txBody>
+                    <a:bodyPr/>
+                    <a:lstStyle/>
+                    <a:p>
+                      <a:r>
+                        <a:rPr lang="en-US" sz="1600" kern="1200" dirty="0" smtClean="0">
+                          <a:solidFill>
+                            <a:schemeClr val="dk1"/>
+                          </a:solidFill>
+                          <a:effectLst/>
+                          <a:latin typeface="+mn-lt"/>
+                          <a:ea typeface="+mn-ea"/>
+                          <a:cs typeface="+mn-cs"/>
+                        </a:rPr>
+                        <a:t>Concur shall provide information regarding</a:t>
+                      </a:r>
+                      <a:r>
+                        <a:rPr lang="en-US" sz="1600" kern="1200" baseline="0" dirty="0" smtClean="0">
+                          <a:solidFill>
+                            <a:schemeClr val="dk1"/>
+                          </a:solidFill>
+                          <a:effectLst/>
+                          <a:latin typeface="+mn-lt"/>
+                          <a:ea typeface="+mn-ea"/>
+                          <a:cs typeface="+mn-cs"/>
+                        </a:rPr>
+                        <a:t> program execution</a:t>
+                      </a:r>
+                      <a:r>
+                        <a:rPr lang="en-US" sz="1600" kern="1200" dirty="0" smtClean="0">
+                          <a:solidFill>
+                            <a:schemeClr val="dk1"/>
+                          </a:solidFill>
+                          <a:effectLst/>
+                          <a:latin typeface="+mn-lt"/>
+                          <a:ea typeface="+mn-ea"/>
+                          <a:cs typeface="+mn-cs"/>
+                        </a:rPr>
+                        <a:t>.</a:t>
+                      </a:r>
+                      <a:endParaRPr lang="en-US" sz="1600" dirty="0"/>
+                    </a:p>
+                  </a:txBody>
+                  <a:tcPr/>
+                </a:tc>
+              </a:tr>
+              <a:tr h="473591">
+                <a:tc>
+                  <a:txBody>
+                    <a:bodyPr/>
+                    <a:lstStyle/>
+                    <a:p>
+                      <a:r>
+                        <a:rPr lang="en-US" sz="1600" dirty="0" smtClean="0"/>
+                        <a:t>F04</a:t>
+                      </a:r>
+                      <a:endParaRPr lang="en-US" sz="1600" dirty="0"/>
+                    </a:p>
+                  </a:txBody>
+                  <a:tcPr/>
+                </a:tc>
+                <a:tc>
+                  <a:txBody>
+                    <a:bodyPr/>
+                    <a:lstStyle/>
+                    <a:p>
+                      <a:r>
+                        <a:rPr lang="en-US" sz="1600" dirty="0" smtClean="0"/>
+                        <a:t>Thread,</a:t>
+                      </a:r>
+                      <a:r>
+                        <a:rPr lang="en-US" sz="1600" baseline="0" dirty="0" smtClean="0"/>
+                        <a:t> lock, and semaphore status</a:t>
+                      </a:r>
+                      <a:endParaRPr lang="en-US" sz="1600" dirty="0"/>
+                    </a:p>
+                  </a:txBody>
+                  <a:tcPr/>
+                </a:tc>
+                <a:tc>
+                  <a:txBody>
+                    <a:bodyPr/>
+                    <a:lstStyle/>
+                    <a:p>
+                      <a:r>
+                        <a:rPr lang="en-US" sz="1600" kern="1200" dirty="0" smtClean="0">
+                          <a:solidFill>
+                            <a:schemeClr val="dk1"/>
+                          </a:solidFill>
+                          <a:effectLst/>
+                          <a:latin typeface="+mn-lt"/>
+                          <a:ea typeface="+mn-ea"/>
+                          <a:cs typeface="+mn-cs"/>
+                        </a:rPr>
+                        <a:t>Concur shall provide current state of each thread, lock, and semaphore when in interactive mode.</a:t>
+                      </a:r>
+                      <a:r>
+                        <a:rPr lang="en-US" sz="1600" dirty="0" smtClean="0">
+                          <a:effectLst/>
+                        </a:rPr>
+                        <a:t> </a:t>
+                      </a:r>
+                      <a:endParaRPr lang="en-US" sz="1600" dirty="0"/>
+                    </a:p>
+                  </a:txBody>
+                  <a:tcPr/>
+                </a:tc>
+              </a:tr>
+            </a:tbl>
+          </a:graphicData>
+        </a:graphic>
+      </p:graphicFrame>
+    </p:spTree>
+    <p:extLst>
+      <p:ext uri="{BB962C8B-B14F-4D97-AF65-F5344CB8AC3E}">
+        <p14:creationId xmlns:p14="http://schemas.microsoft.com/office/powerpoint/2010/main" val="1610274343"/>
+      </p:ext>
+    </p:extLst>
+  </p:cSld>
+  <p:clrMapOvr>
+    <a:masterClrMapping/>
+  </p:clrMapOvr>
+</p:sld>
+</file>
+
+<file path=ppt/slides/slide6.xml><?xml version="1.0" encoding="utf-8"?>
+<p:sld xmlns:a="http://schemas.openxmlformats.org/drawingml/2006/main" xmlns:r="http://schemas.openxmlformats.org/officeDocument/2006/relationships" xmlns:p="http://schemas.openxmlformats.org/presentationml/2006/main">
+  <p:cSld>
+    <p:spTree>
+      <p:nvGrpSpPr>
+        <p:cNvPr id="1" name=""/>
+        <p:cNvGrpSpPr/>
+        <p:nvPr/>
+      </p:nvGrpSpPr>
+      <p:grpSpPr>
+        <a:xfrm>
+          <a:off x="0" y="0"/>
+          <a:ext cx="0" cy="0"/>
+          <a:chOff x="0" y="0"/>
+          <a:chExt cx="0" cy="0"/>
+        </a:xfrm>
+      </p:grpSpPr>
+      <p:sp>
+        <p:nvSpPr>
+          <p:cNvPr id="2" name="Title 1"/>
+          <p:cNvSpPr>
+            <a:spLocks noGrp="1"/>
+          </p:cNvSpPr>
+          <p:nvPr>
+            <p:ph type="title"/>
+          </p:nvPr>
+        </p:nvSpPr>
+        <p:spPr/>
+        <p:txBody>
+          <a:bodyPr/>
+          <a:lstStyle/>
+          <a:p>
+            <a:r>
+              <a:rPr lang="en-US" dirty="0" smtClean="0"/>
+              <a:t>Project Description – 4 of 4</a:t>
+            </a:r>
+            <a:endParaRPr lang="en-US" dirty="0"/>
+          </a:p>
+        </p:txBody>
+      </p:sp>
+      <p:sp>
+        <p:nvSpPr>
+          <p:cNvPr id="3" name="Content Placeholder 2"/>
+          <p:cNvSpPr>
+            <a:spLocks noGrp="1"/>
+          </p:cNvSpPr>
+          <p:nvPr>
+            <p:ph idx="1"/>
+          </p:nvPr>
+        </p:nvSpPr>
+        <p:spPr/>
+        <p:txBody>
+          <a:bodyPr>
+            <a:normAutofit/>
+          </a:bodyPr>
+          <a:lstStyle/>
+          <a:p>
+            <a:pPr marL="182880" lvl="1"/>
+            <a:r>
+              <a:rPr lang="en-US" sz="2400" dirty="0" smtClean="0"/>
+              <a:t>Non-Functional Requirements</a:t>
+            </a:r>
+            <a:endParaRPr lang="en-US" sz="2400" dirty="0"/>
+          </a:p>
+        </p:txBody>
+      </p:sp>
+      <p:graphicFrame>
+        <p:nvGraphicFramePr>
+          <p:cNvPr id="6" name="Table 5"/>
+          <p:cNvGraphicFramePr>
+            <a:graphicFrameLocks noGrp="1"/>
+          </p:cNvGraphicFramePr>
+          <p:nvPr>
+            <p:extLst>
+              <p:ext uri="{D42A27DB-BD31-4B8C-83A1-F6EECF244321}">
+                <p14:modId xmlns:p14="http://schemas.microsoft.com/office/powerpoint/2010/main" val="1424816925"/>
+              </p:ext>
+            </p:extLst>
+          </p:nvPr>
+        </p:nvGraphicFramePr>
+        <p:xfrm>
+          <a:off x="457200" y="2456544"/>
+          <a:ext cx="8229600" cy="1999893"/>
+        </p:xfrm>
+        <a:graphic>
+          <a:graphicData uri="http://schemas.openxmlformats.org/drawingml/2006/table">
+            <a:tbl>
+              <a:tblPr firstRow="1" bandRow="1">
+                <a:tableStyleId>{5C22544A-7EE6-4342-B048-85BDC9FD1C3A}</a:tableStyleId>
+              </a:tblPr>
+              <a:tblGrid>
+                <a:gridCol w="694458"/>
+                <a:gridCol w="3452235"/>
+                <a:gridCol w="4082907"/>
+              </a:tblGrid>
+              <a:tr h="473591">
+                <a:tc>
+                  <a:txBody>
+                    <a:bodyPr/>
+                    <a:lstStyle/>
+                    <a:p>
+                      <a:pPr algn="ctr"/>
+                      <a:r>
+                        <a:rPr lang="en-US" sz="1600" dirty="0" smtClean="0"/>
+                        <a:t>ID</a:t>
+                      </a:r>
+                      <a:endParaRPr lang="en-US" sz="1600" dirty="0"/>
+                    </a:p>
+                  </a:txBody>
+                  <a:tcPr/>
+                </a:tc>
+                <a:tc>
+                  <a:txBody>
+                    <a:bodyPr/>
+                    <a:lstStyle/>
+                    <a:p>
+                      <a:pPr algn="ctr"/>
+                      <a:r>
+                        <a:rPr lang="en-US" sz="1600" dirty="0" smtClean="0"/>
+                        <a:t>Title</a:t>
+                      </a:r>
+                      <a:endParaRPr lang="en-US" sz="1600" dirty="0"/>
+                    </a:p>
+                  </a:txBody>
+                  <a:tcPr/>
+                </a:tc>
+                <a:tc>
+                  <a:txBody>
+                    <a:bodyPr/>
+                    <a:lstStyle/>
+                    <a:p>
+                      <a:pPr algn="ctr"/>
+                      <a:r>
+                        <a:rPr lang="en-US" sz="1600" dirty="0" smtClean="0"/>
+                        <a:t>Description</a:t>
+                      </a:r>
+                      <a:endParaRPr lang="en-US" sz="1600" dirty="0"/>
+                    </a:p>
+                  </a:txBody>
+                  <a:tcPr/>
+                </a:tc>
+              </a:tr>
+              <a:tr h="473591">
+                <a:tc>
+                  <a:txBody>
+                    <a:bodyPr/>
+                    <a:lstStyle/>
+                    <a:p>
+                      <a:r>
+                        <a:rPr lang="en-US" sz="1600" dirty="0" smtClean="0"/>
+                        <a:t>NF01</a:t>
+                      </a:r>
+                      <a:endParaRPr lang="en-US" sz="1600" dirty="0"/>
+                    </a:p>
+                  </a:txBody>
+                  <a:tcPr/>
+                </a:tc>
+                <a:tc>
+                  <a:txBody>
+                    <a:bodyPr/>
+                    <a:lstStyle/>
+                    <a:p>
+                      <a:r>
+                        <a:rPr lang="en-US" sz="1600" dirty="0" smtClean="0"/>
+                        <a:t>Usability</a:t>
+                      </a:r>
+                      <a:endParaRPr lang="en-US" sz="1600" dirty="0"/>
+                    </a:p>
+                  </a:txBody>
+                  <a:tcPr/>
+                </a:tc>
+                <a:tc>
+                  <a:txBody>
+                    <a:bodyPr/>
+                    <a:lstStyle/>
+                    <a:p>
+                      <a:r>
+                        <a:rPr lang="en-US" sz="1600" kern="1200" dirty="0" smtClean="0">
+                          <a:solidFill>
+                            <a:schemeClr val="dk1"/>
+                          </a:solidFill>
+                          <a:effectLst/>
+                          <a:latin typeface="+mn-lt"/>
+                          <a:ea typeface="+mn-ea"/>
+                          <a:cs typeface="+mn-cs"/>
+                        </a:rPr>
+                        <a:t>Concur shall be usable for the intended users.</a:t>
+                      </a:r>
+                      <a:r>
+                        <a:rPr lang="en-US" sz="1600" dirty="0" smtClean="0">
+                          <a:effectLst/>
+                        </a:rPr>
+                        <a:t> </a:t>
+                      </a:r>
+                      <a:endParaRPr lang="en-US" sz="1600" dirty="0"/>
+                    </a:p>
+                  </a:txBody>
+                  <a:tcPr/>
+                </a:tc>
+              </a:tr>
+              <a:tr h="473591">
+                <a:tc>
+                  <a:txBody>
+                    <a:bodyPr/>
+                    <a:lstStyle/>
+                    <a:p>
+                      <a:r>
+                        <a:rPr lang="en-US" sz="1600" dirty="0" smtClean="0"/>
+                        <a:t>NF02</a:t>
+                      </a:r>
+                      <a:endParaRPr lang="en-US" sz="1600" dirty="0"/>
+                    </a:p>
+                  </a:txBody>
+                  <a:tcPr/>
+                </a:tc>
+                <a:tc>
+                  <a:txBody>
+                    <a:bodyPr/>
+                    <a:lstStyle/>
+                    <a:p>
+                      <a:r>
+                        <a:rPr lang="en-US" sz="1600" dirty="0" smtClean="0"/>
+                        <a:t>Maintainability</a:t>
+                      </a:r>
+                      <a:endParaRPr lang="en-US" sz="1600" dirty="0"/>
+                    </a:p>
+                  </a:txBody>
+                  <a:tcPr/>
+                </a:tc>
+                <a:tc>
+                  <a:txBody>
+                    <a:bodyPr/>
+                    <a:lstStyle/>
+                    <a:p>
+                      <a:pPr marL="0" marR="0">
+                        <a:spcBef>
+                          <a:spcPts val="0"/>
+                        </a:spcBef>
+                        <a:spcAft>
+                          <a:spcPts val="0"/>
+                        </a:spcAft>
+                      </a:pPr>
+                      <a:r>
+                        <a:rPr lang="en-US" sz="1600" dirty="0">
+                          <a:effectLst/>
+                          <a:latin typeface="+mn-lt"/>
+                          <a:ea typeface="ＭＳ 明朝"/>
+                          <a:cs typeface="Times New Roman"/>
+                        </a:rPr>
+                        <a:t>Concur shall be </a:t>
+                      </a:r>
+                      <a:r>
+                        <a:rPr lang="en-US" sz="1600" dirty="0" smtClean="0">
+                          <a:effectLst/>
+                          <a:latin typeface="+mn-lt"/>
+                          <a:ea typeface="ＭＳ 明朝"/>
+                          <a:cs typeface="Times New Roman"/>
+                        </a:rPr>
+                        <a:t>maintainable.</a:t>
+                      </a:r>
+                      <a:endParaRPr lang="en-US" sz="1600" dirty="0">
+                        <a:effectLst/>
+                        <a:latin typeface="+mn-lt"/>
+                        <a:ea typeface="ＭＳ 明朝"/>
+                        <a:cs typeface="Times New Roman"/>
+                      </a:endParaRPr>
+                    </a:p>
+                  </a:txBody>
+                  <a:tcPr marL="68580" marR="68580" marT="0" marB="0"/>
+                </a:tc>
+              </a:tr>
+              <a:tr h="473591">
+                <a:tc>
+                  <a:txBody>
+                    <a:bodyPr/>
+                    <a:lstStyle/>
+                    <a:p>
+                      <a:r>
+                        <a:rPr lang="en-US" sz="1600" dirty="0" smtClean="0"/>
+                        <a:t>NF03</a:t>
+                      </a:r>
+                      <a:endParaRPr lang="en-US" sz="1600" dirty="0"/>
+                    </a:p>
+                  </a:txBody>
+                  <a:tcPr/>
+                </a:tc>
+                <a:tc>
+                  <a:txBody>
+                    <a:bodyPr/>
+                    <a:lstStyle/>
+                    <a:p>
+                      <a:r>
+                        <a:rPr lang="en-US" sz="1600" dirty="0" smtClean="0"/>
+                        <a:t>Extensibility</a:t>
+                      </a:r>
+                      <a:endParaRPr lang="en-US" sz="1600" dirty="0"/>
+                    </a:p>
+                  </a:txBody>
+                  <a:tcPr/>
+                </a:tc>
+                <a:tc>
+                  <a:txBody>
+                    <a:bodyPr/>
+                    <a:lstStyle/>
+                    <a:p>
+                      <a:r>
+                        <a:rPr lang="en-US" sz="1600" kern="1200" dirty="0" smtClean="0">
+                          <a:solidFill>
+                            <a:schemeClr val="dk1"/>
+                          </a:solidFill>
+                          <a:effectLst/>
+                          <a:latin typeface="+mn-lt"/>
+                          <a:ea typeface="+mn-ea"/>
+                          <a:cs typeface="+mn-cs"/>
+                        </a:rPr>
+                        <a:t>Concur shall be extensible.</a:t>
+                      </a:r>
+                      <a:endParaRPr lang="en-US" sz="1600" dirty="0"/>
+                    </a:p>
+                  </a:txBody>
+                  <a:tcPr/>
+                </a:tc>
+              </a:tr>
+            </a:tbl>
+          </a:graphicData>
+        </a:graphic>
+      </p:graphicFrame>
+    </p:spTree>
+    <p:extLst>
+      <p:ext uri="{BB962C8B-B14F-4D97-AF65-F5344CB8AC3E}">
+        <p14:creationId xmlns:p14="http://schemas.microsoft.com/office/powerpoint/2010/main" val="57810070"/>
+      </p:ext>
+    </p:extLst>
+  </p:cSld>
+  <p:clrMapOvr>
+    <a:masterClrMapping/>
+  </p:clrMapOvr>
+</p:sld>
+</file>
+
+<file path=ppt/slides/slide7.xml><?xml version="1.0" encoding="utf-8"?>
+<p:sld xmlns:a="http://schemas.openxmlformats.org/drawingml/2006/main" xmlns:r="http://schemas.openxmlformats.org/officeDocument/2006/relationships" xmlns:p="http://schemas.openxmlformats.org/presentationml/2006/main">
+  <p:cSld>
+    <p:spTree>
+      <p:nvGrpSpPr>
+        <p:cNvPr id="1" name=""/>
+        <p:cNvGrpSpPr/>
+        <p:nvPr/>
+      </p:nvGrpSpPr>
+      <p:grpSpPr>
+        <a:xfrm>
+          <a:off x="0" y="0"/>
+          <a:ext cx="0" cy="0"/>
+          <a:chOff x="0" y="0"/>
+          <a:chExt cx="0" cy="0"/>
+        </a:xfrm>
+      </p:grpSpPr>
+      <p:sp>
+        <p:nvSpPr>
+          <p:cNvPr id="2" name="Title 1"/>
+          <p:cNvSpPr>
+            <a:spLocks noGrp="1"/>
+          </p:cNvSpPr>
+          <p:nvPr>
+            <p:ph type="title"/>
+          </p:nvPr>
+        </p:nvSpPr>
+        <p:spPr/>
+        <p:txBody>
+          <a:bodyPr/>
+          <a:lstStyle/>
+          <a:p>
+            <a:r>
+              <a:rPr lang="en-US" dirty="0" smtClean="0"/>
+              <a:t>Design &amp; Implementation</a:t>
+            </a:r>
+            <a:endParaRPr lang="en-US" dirty="0"/>
+          </a:p>
+        </p:txBody>
+      </p:sp>
+      <p:sp>
+        <p:nvSpPr>
+          <p:cNvPr id="3" name="Content Placeholder 2"/>
+          <p:cNvSpPr>
+            <a:spLocks noGrp="1"/>
+          </p:cNvSpPr>
+          <p:nvPr>
+            <p:ph idx="1"/>
+          </p:nvPr>
+        </p:nvSpPr>
+        <p:spPr/>
+        <p:txBody>
+          <a:bodyPr/>
+          <a:lstStyle/>
+          <a:p>
+            <a:r>
+              <a:rPr lang="en-US" dirty="0" smtClean="0"/>
+              <a:t>Use </a:t>
+            </a:r>
+            <a:r>
+              <a:rPr lang="en-US" dirty="0" smtClean="0"/>
+              <a:t>Cases</a:t>
+            </a:r>
+            <a:endParaRPr lang="en-US" dirty="0" smtClean="0"/>
+          </a:p>
+          <a:p>
+            <a:r>
+              <a:rPr lang="en-US" dirty="0" smtClean="0"/>
+              <a:t>Functional </a:t>
+            </a:r>
+            <a:r>
+              <a:rPr lang="en-US" dirty="0" smtClean="0"/>
+              <a:t>Decomposition</a:t>
+            </a:r>
+          </a:p>
+          <a:p>
+            <a:r>
+              <a:rPr lang="en-US" dirty="0" smtClean="0"/>
+              <a:t>Data Flow Diagram</a:t>
+            </a:r>
+          </a:p>
+          <a:p>
+            <a:r>
+              <a:rPr lang="en-US" dirty="0" smtClean="0"/>
+              <a:t>Project Files</a:t>
+            </a:r>
+            <a:endParaRPr lang="en-US" dirty="0" smtClean="0"/>
+          </a:p>
+          <a:p>
+            <a:r>
+              <a:rPr lang="en-US" dirty="0" smtClean="0"/>
+              <a:t>Usage:</a:t>
+            </a:r>
+            <a:endParaRPr lang="en-US" dirty="0" smtClean="0"/>
+          </a:p>
+          <a:p>
+            <a:pPr lvl="1"/>
+            <a:r>
+              <a:rPr lang="en-US" dirty="0" smtClean="0"/>
+              <a:t>Steps to detect synchronization bugs</a:t>
+            </a:r>
+            <a:endParaRPr lang="en-US" dirty="0" smtClean="0"/>
+          </a:p>
+          <a:p>
+            <a:pPr lvl="1"/>
+            <a:r>
+              <a:rPr lang="en-US" dirty="0" smtClean="0"/>
+              <a:t>Steps to remove synchronization bugs</a:t>
+            </a:r>
+            <a:endParaRPr lang="en-US" dirty="0" smtClean="0"/>
+          </a:p>
+        </p:txBody>
+      </p:sp>
+    </p:spTree>
+    <p:extLst>
+      <p:ext uri="{BB962C8B-B14F-4D97-AF65-F5344CB8AC3E}">
+        <p14:creationId xmlns:p14="http://schemas.microsoft.com/office/powerpoint/2010/main" val="2957022519"/>
+      </p:ext>
+    </p:extLst>
+  </p:cSld>
+  <p:clrMapOvr>
+    <a:masterClrMapping/>
+  </p:clrMapOvr>
+</p:sld>
+</file>
+
+<file path=ppt/slides/slide8.xml><?xml version="1.0" encoding="utf-8"?>
+<p:sld xmlns:a="http://schemas.openxmlformats.org/drawingml/2006/main" xmlns:r="http://schemas.openxmlformats.org/officeDocument/2006/relationships" xmlns:p="http://schemas.openxmlformats.org/presentationml/2006/main">
+  <p:cSld>
+    <p:spTree>
+      <p:nvGrpSpPr>
+        <p:cNvPr id="1" name=""/>
+        <p:cNvGrpSpPr/>
+        <p:nvPr/>
+      </p:nvGrpSpPr>
+      <p:grpSpPr>
+        <a:xfrm>
+          <a:off x="0" y="0"/>
+          <a:ext cx="0" cy="0"/>
+          <a:chOff x="0" y="0"/>
+          <a:chExt cx="0" cy="0"/>
+        </a:xfrm>
+      </p:grpSpPr>
+      <p:sp>
+        <p:nvSpPr>
+          <p:cNvPr id="2" name="Title 1"/>
+          <p:cNvSpPr>
+            <a:spLocks noGrp="1"/>
+          </p:cNvSpPr>
+          <p:nvPr>
+            <p:ph type="title"/>
+          </p:nvPr>
+        </p:nvSpPr>
+        <p:spPr/>
+        <p:txBody>
+          <a:bodyPr/>
+          <a:lstStyle/>
+          <a:p>
+            <a:r>
+              <a:rPr lang="en-US" dirty="0" smtClean="0"/>
+              <a:t>Use Cases</a:t>
+            </a:r>
+            <a:endParaRPr lang="en-US" dirty="0"/>
+          </a:p>
+        </p:txBody>
+      </p:sp>
+      <p:pic>
+        <p:nvPicPr>
+          <p:cNvPr id="6" name="Picture 5"/>
+          <p:cNvPicPr>
+            <a:picLocks noChangeAspect="1"/>
+          </p:cNvPicPr>
+          <p:nvPr/>
+        </p:nvPicPr>
+        <p:blipFill rotWithShape="1">
+          <a:blip r:embed="rId2"/>
+          <a:srcRect b="4593"/>
+          <a:stretch/>
+        </p:blipFill>
+        <p:spPr>
+          <a:xfrm>
+            <a:off x="1827896" y="1728124"/>
+            <a:ext cx="4635697" cy="4255673"/>
+          </a:xfrm>
+          <a:prstGeom prst="rect">
+            <a:avLst/>
+          </a:prstGeom>
+        </p:spPr>
+      </p:pic>
+    </p:spTree>
+    <p:extLst>
+      <p:ext uri="{BB962C8B-B14F-4D97-AF65-F5344CB8AC3E}">
+        <p14:creationId xmlns:p14="http://schemas.microsoft.com/office/powerpoint/2010/main" val="700137664"/>
+      </p:ext>
+    </p:extLst>
+  </p:cSld>
+  <p:clrMapOvr>
+    <a:masterClrMapping/>
+  </p:clrMapOvr>
+</p:sld>
+</file>
+
+<file path=ppt/slides/slide9.xml><?xml version="1.0" encoding="utf-8"?>
+<p:sld xmlns:a="http://schemas.openxmlformats.org/drawingml/2006/main" xmlns:r="http://schemas.openxmlformats.org/officeDocument/2006/relationships" xmlns:p="http://schemas.openxmlformats.org/presentationml/2006/main">
+  <p:cSld>
+    <p:spTree>
+      <p:nvGrpSpPr>
+        <p:cNvPr id="1" name=""/>
+        <p:cNvGrpSpPr/>
+        <p:nvPr/>
+      </p:nvGrpSpPr>
+      <p:grpSpPr>
+        <a:xfrm>
+          <a:off x="0" y="0"/>
+          <a:ext cx="0" cy="0"/>
+          <a:chOff x="0" y="0"/>
+          <a:chExt cx="0" cy="0"/>
+        </a:xfrm>
+      </p:grpSpPr>
+      <p:sp>
+        <p:nvSpPr>
+          <p:cNvPr id="2" name="Title 1"/>
+          <p:cNvSpPr>
+            <a:spLocks noGrp="1"/>
+          </p:cNvSpPr>
+          <p:nvPr>
+            <p:ph type="title"/>
+          </p:nvPr>
+        </p:nvSpPr>
+        <p:spPr/>
+        <p:txBody>
+          <a:bodyPr/>
+          <a:lstStyle/>
+          <a:p>
+            <a:r>
+              <a:rPr lang="en-US" dirty="0" smtClean="0"/>
               <a:t>Functional Decomposition</a:t>
             </a:r>
             <a:endParaRPr lang="en-US" dirty="0"/>
           </a:p>
         </p:txBody>
       </p:sp>
+      <p:sp>
+        <p:nvSpPr>
+          <p:cNvPr id="3" name="Rectangle 2"/>
+          <p:cNvSpPr/>
+          <p:nvPr/>
+        </p:nvSpPr>
+        <p:spPr>
+          <a:xfrm>
+            <a:off x="3530601" y="1937134"/>
+            <a:ext cx="1998134" cy="524933"/>
+          </a:xfrm>
+          <a:prstGeom prst="rect">
+            <a:avLst/>
+          </a:prstGeom>
+        </p:spPr>
+        <p:style>
+          <a:lnRef idx="1">
+            <a:schemeClr val="accent1"/>
+          </a:lnRef>
+          <a:fillRef idx="3">
+            <a:schemeClr val="accent1"/>
+          </a:fillRef>
+          <a:effectRef idx="2">
+            <a:schemeClr val="accent1"/>
+          </a:effectRef>
+          <a:fontRef idx="minor">
+            <a:schemeClr val="lt1"/>
+          </a:fontRef>
+        </p:style>
+        <p:txBody>
+          <a:bodyPr rtlCol="0" anchor="ctr"/>
+          <a:lstStyle/>
+          <a:p>
+            <a:pPr algn="ctr"/>
+            <a:r>
+              <a:rPr lang="en-US" sz="1600" dirty="0" smtClean="0"/>
+              <a:t>Concur </a:t>
+            </a:r>
+          </a:p>
+          <a:p>
+            <a:pPr algn="ctr"/>
+            <a:r>
+              <a:rPr lang="en-US" sz="1600" dirty="0" smtClean="0"/>
+              <a:t>Test Framework</a:t>
+            </a:r>
+            <a:endParaRPr lang="en-US" sz="1600" dirty="0"/>
+          </a:p>
+        </p:txBody>
+      </p:sp>
+      <p:sp>
+        <p:nvSpPr>
+          <p:cNvPr id="4" name="Rectangle 3"/>
+          <p:cNvSpPr/>
+          <p:nvPr/>
+        </p:nvSpPr>
+        <p:spPr>
+          <a:xfrm>
+            <a:off x="457200" y="3324499"/>
+            <a:ext cx="1388534" cy="524933"/>
+          </a:xfrm>
+          <a:prstGeom prst="rect">
+            <a:avLst/>
+          </a:prstGeom>
+        </p:spPr>
+        <p:style>
+          <a:lnRef idx="1">
+            <a:schemeClr val="accent1"/>
+          </a:lnRef>
+          <a:fillRef idx="3">
+            <a:schemeClr val="accent1"/>
+          </a:fillRef>
+          <a:effectRef idx="2">
+            <a:schemeClr val="accent1"/>
+          </a:effectRef>
+          <a:fontRef idx="minor">
+            <a:schemeClr val="lt1"/>
+          </a:fontRef>
+        </p:style>
+        <p:txBody>
+          <a:bodyPr rtlCol="0" anchor="ctr"/>
+          <a:lstStyle/>
+          <a:p>
+            <a:pPr algn="ctr"/>
+            <a:r>
+              <a:rPr lang="en-US" sz="1600" dirty="0" smtClean="0"/>
+              <a:t>Wrapper</a:t>
+            </a:r>
+            <a:endParaRPr lang="en-US" sz="1600" dirty="0"/>
+          </a:p>
+        </p:txBody>
+      </p:sp>
+      <p:sp>
+        <p:nvSpPr>
+          <p:cNvPr id="5" name="Rectangle 4"/>
+          <p:cNvSpPr/>
+          <p:nvPr/>
+        </p:nvSpPr>
+        <p:spPr>
+          <a:xfrm>
+            <a:off x="2142067" y="3324499"/>
+            <a:ext cx="1388534" cy="524933"/>
+          </a:xfrm>
+          <a:prstGeom prst="rect">
+            <a:avLst/>
+          </a:prstGeom>
+        </p:spPr>
+        <p:style>
+          <a:lnRef idx="1">
+            <a:schemeClr val="accent1"/>
+          </a:lnRef>
+          <a:fillRef idx="3">
+            <a:schemeClr val="accent1"/>
+          </a:fillRef>
+          <a:effectRef idx="2">
+            <a:schemeClr val="accent1"/>
+          </a:effectRef>
+          <a:fontRef idx="minor">
+            <a:schemeClr val="lt1"/>
+          </a:fontRef>
+        </p:style>
+        <p:txBody>
+          <a:bodyPr rtlCol="0" anchor="ctr"/>
+          <a:lstStyle/>
+          <a:p>
+            <a:pPr algn="ctr"/>
+            <a:r>
+              <a:rPr lang="en-US" sz="1600" dirty="0" smtClean="0"/>
+              <a:t>Concur Application</a:t>
+            </a:r>
+            <a:endParaRPr lang="en-US" sz="1600" dirty="0"/>
+          </a:p>
+        </p:txBody>
+      </p:sp>
+      <p:sp>
+        <p:nvSpPr>
+          <p:cNvPr id="6" name="Rectangle 5"/>
+          <p:cNvSpPr/>
+          <p:nvPr/>
+        </p:nvSpPr>
+        <p:spPr>
+          <a:xfrm>
+            <a:off x="7188201" y="3324499"/>
+            <a:ext cx="1625600" cy="524933"/>
+          </a:xfrm>
+          <a:prstGeom prst="rect">
+            <a:avLst/>
+          </a:prstGeom>
+        </p:spPr>
+        <p:style>
+          <a:lnRef idx="1">
+            <a:schemeClr val="accent1"/>
+          </a:lnRef>
+          <a:fillRef idx="3">
+            <a:schemeClr val="accent1"/>
+          </a:fillRef>
+          <a:effectRef idx="2">
+            <a:schemeClr val="accent1"/>
+          </a:effectRef>
+          <a:fontRef idx="minor">
+            <a:schemeClr val="lt1"/>
+          </a:fontRef>
+        </p:style>
+        <p:txBody>
+          <a:bodyPr rtlCol="0" anchor="ctr"/>
+          <a:lstStyle/>
+          <a:p>
+            <a:pPr algn="ctr"/>
+            <a:r>
+              <a:rPr lang="en-US" sz="1600" dirty="0" smtClean="0"/>
+              <a:t>Instrumentation Tool</a:t>
+            </a:r>
+            <a:endParaRPr lang="en-US" sz="1600" dirty="0"/>
+          </a:p>
+        </p:txBody>
+      </p:sp>
+      <p:sp>
+        <p:nvSpPr>
+          <p:cNvPr id="7" name="Rectangle 6"/>
+          <p:cNvSpPr/>
+          <p:nvPr/>
+        </p:nvSpPr>
+        <p:spPr>
+          <a:xfrm>
+            <a:off x="5528735" y="3324499"/>
+            <a:ext cx="1388534" cy="524933"/>
+          </a:xfrm>
+          <a:prstGeom prst="rect">
+            <a:avLst/>
+          </a:prstGeom>
+        </p:spPr>
+        <p:style>
+          <a:lnRef idx="1">
+            <a:schemeClr val="accent1"/>
+          </a:lnRef>
+          <a:fillRef idx="3">
+            <a:schemeClr val="accent1"/>
+          </a:fillRef>
+          <a:effectRef idx="2">
+            <a:schemeClr val="accent1"/>
+          </a:effectRef>
+          <a:fontRef idx="minor">
+            <a:schemeClr val="lt1"/>
+          </a:fontRef>
+        </p:style>
+        <p:txBody>
+          <a:bodyPr rtlCol="0" anchor="ctr"/>
+          <a:lstStyle/>
+          <a:p>
+            <a:pPr algn="ctr"/>
+            <a:r>
+              <a:rPr lang="en-US" sz="1600" dirty="0" smtClean="0"/>
+              <a:t>Logging</a:t>
+            </a:r>
+            <a:endParaRPr lang="en-US" sz="1600" dirty="0"/>
+          </a:p>
+        </p:txBody>
+      </p:sp>
+      <p:sp>
+        <p:nvSpPr>
+          <p:cNvPr id="8" name="Rectangle 7"/>
+          <p:cNvSpPr/>
+          <p:nvPr/>
+        </p:nvSpPr>
+        <p:spPr>
+          <a:xfrm>
+            <a:off x="3826935" y="3324499"/>
+            <a:ext cx="1388534" cy="524933"/>
+          </a:xfrm>
+          <a:prstGeom prst="rect">
+            <a:avLst/>
+          </a:prstGeom>
+        </p:spPr>
+        <p:style>
+          <a:lnRef idx="1">
+            <a:schemeClr val="accent1"/>
+          </a:lnRef>
+          <a:fillRef idx="3">
+            <a:schemeClr val="accent1"/>
+          </a:fillRef>
+          <a:effectRef idx="2">
+            <a:schemeClr val="accent1"/>
+          </a:effectRef>
+          <a:fontRef idx="minor">
+            <a:schemeClr val="lt1"/>
+          </a:fontRef>
+        </p:style>
+        <p:txBody>
+          <a:bodyPr rtlCol="0" anchor="ctr"/>
+          <a:lstStyle/>
+          <a:p>
+            <a:pPr algn="ctr"/>
+            <a:r>
+              <a:rPr lang="en-US" sz="1600" dirty="0" smtClean="0"/>
+              <a:t>Scheduler</a:t>
+            </a:r>
+            <a:endParaRPr lang="en-US" sz="1600" dirty="0"/>
+          </a:p>
+        </p:txBody>
+      </p:sp>
+      <p:sp>
+        <p:nvSpPr>
+          <p:cNvPr id="9" name="Rectangle 8"/>
+          <p:cNvSpPr/>
+          <p:nvPr/>
+        </p:nvSpPr>
+        <p:spPr>
+          <a:xfrm>
+            <a:off x="1151467" y="4734455"/>
+            <a:ext cx="1388534" cy="524933"/>
+          </a:xfrm>
+          <a:prstGeom prst="rect">
+            <a:avLst/>
+          </a:prstGeom>
+        </p:spPr>
+        <p:style>
+          <a:lnRef idx="1">
+            <a:schemeClr val="accent1"/>
+          </a:lnRef>
+          <a:fillRef idx="3">
+            <a:schemeClr val="accent1"/>
+          </a:fillRef>
+          <a:effectRef idx="2">
+            <a:schemeClr val="accent1"/>
+          </a:effectRef>
+          <a:fontRef idx="minor">
+            <a:schemeClr val="lt1"/>
+          </a:fontRef>
+        </p:style>
+        <p:txBody>
+          <a:bodyPr rtlCol="0" anchor="ctr"/>
+          <a:lstStyle/>
+          <a:p>
+            <a:pPr algn="ctr"/>
+            <a:r>
+              <a:rPr lang="en-US" sz="1600" dirty="0" smtClean="0"/>
+              <a:t>Main Driver</a:t>
+            </a:r>
+            <a:endParaRPr lang="en-US" sz="1600" dirty="0"/>
+          </a:p>
+        </p:txBody>
+      </p:sp>
+      <p:sp>
+        <p:nvSpPr>
+          <p:cNvPr id="10" name="Rectangle 9"/>
+          <p:cNvSpPr/>
+          <p:nvPr/>
+        </p:nvSpPr>
+        <p:spPr>
+          <a:xfrm>
+            <a:off x="2987008" y="4746805"/>
+            <a:ext cx="1388534" cy="524933"/>
+          </a:xfrm>
+          <a:prstGeom prst="rect">
+            <a:avLst/>
+          </a:prstGeom>
+        </p:spPr>
+        <p:style>
+          <a:lnRef idx="1">
+            <a:schemeClr val="accent1"/>
+          </a:lnRef>
+          <a:fillRef idx="3">
+            <a:schemeClr val="accent1"/>
+          </a:fillRef>
+          <a:effectRef idx="2">
+            <a:schemeClr val="accent1"/>
+          </a:effectRef>
+          <a:fontRef idx="minor">
+            <a:schemeClr val="lt1"/>
+          </a:fontRef>
+        </p:style>
+        <p:txBody>
+          <a:bodyPr rtlCol="0" anchor="ctr"/>
+          <a:lstStyle/>
+          <a:p>
+            <a:pPr algn="ctr"/>
+            <a:r>
+              <a:rPr lang="en-US" sz="1600" dirty="0" smtClean="0"/>
+              <a:t>Sections</a:t>
+            </a:r>
+            <a:endParaRPr lang="en-US" sz="1600" dirty="0"/>
+          </a:p>
+        </p:txBody>
+      </p:sp>
+      <p:cxnSp>
+        <p:nvCxnSpPr>
+          <p:cNvPr id="13" name="Elbow Connector 12"/>
+          <p:cNvCxnSpPr>
+            <a:stCxn id="3" idx="2"/>
+            <a:endCxn id="4" idx="0"/>
+          </p:cNvCxnSpPr>
+          <p:nvPr/>
+        </p:nvCxnSpPr>
+        <p:spPr>
+          <a:xfrm rot="5400000">
+            <a:off x="2409352" y="1204183"/>
+            <a:ext cx="862432" cy="3378201"/>
+          </a:xfrm>
+          <a:prstGeom prst="bentConnector3">
+            <a:avLst/>
+          </a:prstGeom>
+          <a:ln>
+            <a:tailEnd type="arrow"/>
+          </a:ln>
+        </p:spPr>
+        <p:style>
+          <a:lnRef idx="2">
+            <a:schemeClr val="accent1"/>
+          </a:lnRef>
+          <a:fillRef idx="0">
+            <a:schemeClr val="accent1"/>
+          </a:fillRef>
+          <a:effectRef idx="1">
+            <a:schemeClr val="accent1"/>
+          </a:effectRef>
+          <a:fontRef idx="minor">
+            <a:schemeClr val="tx1"/>
+          </a:fontRef>
+        </p:style>
+      </p:cxnSp>
+      <p:cxnSp>
+        <p:nvCxnSpPr>
+          <p:cNvPr id="15" name="Elbow Connector 14"/>
+          <p:cNvCxnSpPr>
+            <a:stCxn id="3" idx="2"/>
+            <a:endCxn id="5" idx="0"/>
+          </p:cNvCxnSpPr>
+          <p:nvPr/>
+        </p:nvCxnSpPr>
+        <p:spPr>
+          <a:xfrm rot="5400000">
+            <a:off x="3251785" y="2046616"/>
+            <a:ext cx="862432" cy="1693334"/>
+          </a:xfrm>
+          <a:prstGeom prst="bentConnector3">
+            <a:avLst>
+              <a:gd name="adj1" fmla="val 50000"/>
+            </a:avLst>
+          </a:prstGeom>
+          <a:ln>
+            <a:tailEnd type="arrow"/>
+          </a:ln>
+        </p:spPr>
+        <p:style>
+          <a:lnRef idx="2">
+            <a:schemeClr val="accent1"/>
+          </a:lnRef>
+          <a:fillRef idx="0">
+            <a:schemeClr val="accent1"/>
+          </a:fillRef>
+          <a:effectRef idx="1">
+            <a:schemeClr val="accent1"/>
+          </a:effectRef>
+          <a:fontRef idx="minor">
+            <a:schemeClr val="tx1"/>
+          </a:fontRef>
+        </p:style>
+      </p:cxnSp>
+      <p:cxnSp>
+        <p:nvCxnSpPr>
+          <p:cNvPr id="18" name="Elbow Connector 17"/>
+          <p:cNvCxnSpPr>
+            <a:stCxn id="3" idx="2"/>
+            <a:endCxn id="8" idx="0"/>
+          </p:cNvCxnSpPr>
+          <p:nvPr/>
+        </p:nvCxnSpPr>
+        <p:spPr>
+          <a:xfrm rot="5400000">
+            <a:off x="4094219" y="2889050"/>
+            <a:ext cx="862432" cy="8466"/>
+          </a:xfrm>
+          <a:prstGeom prst="bentConnector3">
+            <a:avLst/>
+          </a:prstGeom>
+          <a:ln>
+            <a:tailEnd type="arrow"/>
+          </a:ln>
+        </p:spPr>
+        <p:style>
+          <a:lnRef idx="2">
+            <a:schemeClr val="accent1"/>
+          </a:lnRef>
+          <a:fillRef idx="0">
+            <a:schemeClr val="accent1"/>
+          </a:fillRef>
+          <a:effectRef idx="1">
+            <a:schemeClr val="accent1"/>
+          </a:effectRef>
+          <a:fontRef idx="minor">
+            <a:schemeClr val="tx1"/>
+          </a:fontRef>
+        </p:style>
+      </p:cxnSp>
+      <p:cxnSp>
+        <p:nvCxnSpPr>
+          <p:cNvPr id="21" name="Elbow Connector 20"/>
+          <p:cNvCxnSpPr>
+            <a:stCxn id="3" idx="2"/>
+            <a:endCxn id="7" idx="0"/>
+          </p:cNvCxnSpPr>
+          <p:nvPr/>
+        </p:nvCxnSpPr>
+        <p:spPr>
+          <a:xfrm rot="16200000" flipH="1">
+            <a:off x="4945119" y="2046616"/>
+            <a:ext cx="862432" cy="1693334"/>
+          </a:xfrm>
+          <a:prstGeom prst="bentConnector3">
+            <a:avLst>
+              <a:gd name="adj1" fmla="val 50000"/>
+            </a:avLst>
+          </a:prstGeom>
+          <a:ln>
+            <a:tailEnd type="arrow"/>
+          </a:ln>
+        </p:spPr>
+        <p:style>
+          <a:lnRef idx="2">
+            <a:schemeClr val="accent1"/>
+          </a:lnRef>
+          <a:fillRef idx="0">
+            <a:schemeClr val="accent1"/>
+          </a:fillRef>
+          <a:effectRef idx="1">
+            <a:schemeClr val="accent1"/>
+          </a:effectRef>
+          <a:fontRef idx="minor">
+            <a:schemeClr val="tx1"/>
+          </a:fontRef>
+        </p:style>
+      </p:cxnSp>
+      <p:cxnSp>
+        <p:nvCxnSpPr>
+          <p:cNvPr id="24" name="Elbow Connector 23"/>
+          <p:cNvCxnSpPr>
+            <a:stCxn id="3" idx="2"/>
+            <a:endCxn id="6" idx="0"/>
+          </p:cNvCxnSpPr>
+          <p:nvPr/>
+        </p:nvCxnSpPr>
+        <p:spPr>
+          <a:xfrm rot="16200000" flipH="1">
+            <a:off x="5834118" y="1157616"/>
+            <a:ext cx="862432" cy="3471333"/>
+          </a:xfrm>
+          <a:prstGeom prst="bentConnector3">
+            <a:avLst>
+              <a:gd name="adj1" fmla="val 50000"/>
+            </a:avLst>
+          </a:prstGeom>
+          <a:ln>
+            <a:tailEnd type="arrow"/>
+          </a:ln>
+        </p:spPr>
+        <p:style>
+          <a:lnRef idx="2">
+            <a:schemeClr val="accent1"/>
+          </a:lnRef>
+          <a:fillRef idx="0">
+            <a:schemeClr val="accent1"/>
+          </a:fillRef>
+          <a:effectRef idx="1">
+            <a:schemeClr val="accent1"/>
+          </a:effectRef>
+          <a:fontRef idx="minor">
+            <a:schemeClr val="tx1"/>
+          </a:fontRef>
+        </p:style>
+      </p:cxnSp>
+      <p:cxnSp>
+        <p:nvCxnSpPr>
+          <p:cNvPr id="27" name="Elbow Connector 26"/>
+          <p:cNvCxnSpPr>
+            <a:stCxn id="5" idx="2"/>
+            <a:endCxn id="9" idx="0"/>
+          </p:cNvCxnSpPr>
+          <p:nvPr/>
+        </p:nvCxnSpPr>
+        <p:spPr>
+          <a:xfrm rot="5400000">
+            <a:off x="1898523" y="3796643"/>
+            <a:ext cx="885023" cy="990600"/>
+          </a:xfrm>
+          <a:prstGeom prst="bentConnector3">
+            <a:avLst>
+              <a:gd name="adj1" fmla="val 50000"/>
+            </a:avLst>
+          </a:prstGeom>
+          <a:ln>
+            <a:tailEnd type="arrow"/>
+          </a:ln>
+        </p:spPr>
+        <p:style>
+          <a:lnRef idx="2">
+            <a:schemeClr val="accent1"/>
+          </a:lnRef>
+          <a:fillRef idx="0">
+            <a:schemeClr val="accent1"/>
+          </a:fillRef>
+          <a:effectRef idx="1">
+            <a:schemeClr val="accent1"/>
+          </a:effectRef>
+          <a:fontRef idx="minor">
+            <a:schemeClr val="tx1"/>
+          </a:fontRef>
+        </p:style>
+      </p:cxnSp>
+      <p:cxnSp>
+        <p:nvCxnSpPr>
+          <p:cNvPr id="30" name="Elbow Connector 29"/>
+          <p:cNvCxnSpPr>
+            <a:stCxn id="5" idx="2"/>
+            <a:endCxn id="10" idx="0"/>
+          </p:cNvCxnSpPr>
+          <p:nvPr/>
+        </p:nvCxnSpPr>
+        <p:spPr>
+          <a:xfrm rot="16200000" flipH="1">
+            <a:off x="2810118" y="3875647"/>
+            <a:ext cx="897373" cy="844941"/>
+          </a:xfrm>
+          <a:prstGeom prst="bentConnector3">
+            <a:avLst/>
+          </a:prstGeom>
+          <a:ln>
+            <a:tailEnd type="arrow"/>
+          </a:ln>
+        </p:spPr>
+        <p:style>
+          <a:lnRef idx="2">
+            <a:schemeClr val="accent1"/>
+          </a:lnRef>
+          <a:fillRef idx="0">
+            <a:schemeClr val="accent1"/>
+          </a:fillRef>
+          <a:effectRef idx="1">
+            <a:schemeClr val="accent1"/>
+          </a:effectRef>
+          <a:fontRef idx="minor">
+            <a:schemeClr val="tx1"/>
+          </a:fontRef>
+        </p:style>
+      </p:cxnSp>
     </p:spTree>
     <p:extLst>
       <p:ext uri="{BB962C8B-B14F-4D97-AF65-F5344CB8AC3E}">
@@ -3935,6 +8346,13 @@
   <p:clrMapOvr>
     <a:masterClrMapping/>
   </p:clrMapOvr>
+  <p:timing>
+    <p:tnLst>
+      <p:par>
+        <p:cTn xmlns:p14="http://schemas.microsoft.com/office/powerpoint/2010/main" id="1" dur="indefinite" restart="never" nodeType="tmRoot"/>
+      </p:par>
+    </p:tnLst>
+  </p:timing>
 </p:sld>
 </file>
 
@@ -4224,4 +8642,324 @@
   <a:objectDefaults/>
   <a:extraClrSchemeLst/>
 </a:theme>
+</file>
+
+<file path=ppt/theme/theme2.xml><?xml version="1.0" encoding="utf-8"?>
+<a:theme xmlns:a="http://schemas.openxmlformats.org/drawingml/2006/main" name="Office Theme">
+  <a:themeElements>
+    <a:clrScheme name="Office">
+      <a:dk1>
+        <a:sysClr val="windowText" lastClr="000000"/>
+      </a:dk1>
+      <a:lt1>
+        <a:sysClr val="window" lastClr="FFFFFF"/>
+      </a:lt1>
+      <a:dk2>
+        <a:srgbClr val="1F497D"/>
+      </a:dk2>
+      <a:lt2>
+        <a:srgbClr val="EEECE1"/>
+      </a:lt2>
+      <a:accent1>
+        <a:srgbClr val="4F81BD"/>
+      </a:accent1>
+      <a:accent2>
+        <a:srgbClr val="C0504D"/>
+      </a:accent2>
+      <a:accent3>
+        <a:srgbClr val="9BBB59"/>
+      </a:accent3>
+      <a:accent4>
+        <a:srgbClr val="8064A2"/>
+      </a:accent4>
+      <a:accent5>
+        <a:srgbClr val="4BACC6"/>
+      </a:accent5>
+      <a:accent6>
+        <a:srgbClr val="F79646"/>
+      </a:accent6>
+      <a:hlink>
+        <a:srgbClr val="0000FF"/>
+      </a:hlink>
+      <a:folHlink>
+        <a:srgbClr val="800080"/>
+      </a:folHlink>
+    </a:clrScheme>
+    <a:fontScheme name="Office">
+      <a:majorFont>
+        <a:latin typeface="Calibri"/>
+        <a:ea typeface=""/>
+        <a:cs typeface=""/>
+        <a:font script="Jpan" typeface="ＭＳ Ｐゴシック"/>
+        <a:font script="Hang" typeface="맑은 고딕"/>
+        <a:font script="Hans" typeface="宋体"/>
+        <a:font script="Hant" typeface="新細明體"/>
+        <a:font script="Arab" typeface="Times New Roman"/>
+        <a:font script="Hebr" typeface="Times New Roman"/>
+        <a:font script="Thai" typeface="Angsana New"/>
+        <a:font script="Ethi" typeface="Nyala"/>
+        <a:font script="Beng" typeface="Vrinda"/>
+        <a:font script="Gujr" typeface="Shruti"/>
+        <a:font script="Khmr" typeface="MoolBoran"/>
+        <a:font script="Knda" typeface="Tunga"/>
+        <a:font script="Guru" typeface="Raavi"/>
+        <a:font script="Cans" typeface="Euphemia"/>
+        <a:font script="Cher" typeface="Plantagenet Cherokee"/>
+        <a:font script="Yiii" typeface="Microsoft Yi Baiti"/>
+        <a:font script="Tibt" typeface="Microsoft Himalaya"/>
+        <a:font script="Thaa" typeface="MV Boli"/>
+        <a:font script="Deva" typeface="Mangal"/>
+        <a:font script="Telu" typeface="Gautami"/>
+        <a:font script="Taml" typeface="Latha"/>
+        <a:font script="Syrc" typeface="Estrangelo Edessa"/>
+        <a:font script="Orya" typeface="Kalinga"/>
+        <a:font script="Mlym" typeface="Kartika"/>
+        <a:font script="Laoo" typeface="DokChampa"/>
+        <a:font script="Sinh" typeface="Iskoola Pota"/>
+        <a:font script="Mong" typeface="Mongolian Baiti"/>
+        <a:font script="Viet" typeface="Times New Roman"/>
+        <a:font script="Uigh" typeface="Microsoft Uighur"/>
+        <a:font script="Geor" typeface="Sylfaen"/>
+      </a:majorFont>
+      <a:minorFont>
+        <a:latin typeface="Calibri"/>
+        <a:ea typeface=""/>
+        <a:cs typeface=""/>
+        <a:font script="Jpan" typeface="ＭＳ Ｐゴシック"/>
+        <a:font script="Hang" typeface="맑은 고딕"/>
+        <a:font script="Hans" typeface="宋体"/>
+        <a:font script="Hant" typeface="新細明體"/>
+        <a:font script="Arab" typeface="Arial"/>
+        <a:font script="Hebr" typeface="Arial"/>
+        <a:font script="Thai" typeface="Cordia New"/>
+        <a:font script="Ethi" typeface="Nyala"/>
+        <a:font script="Beng" typeface="Vrinda"/>
+        <a:font script="Gujr" typeface="Shruti"/>
+        <a:font script="Khmr" typeface="DaunPenh"/>
+        <a:font script="Knda" typeface="Tunga"/>
+        <a:font script="Guru" typeface="Raavi"/>
+        <a:font script="Cans" typeface="Euphemia"/>
+        <a:font script="Cher" typeface="Plantagenet Cherokee"/>
+        <a:font script="Yiii" typeface="Microsoft Yi Baiti"/>
+        <a:font script="Tibt" typeface="Microsoft Himalaya"/>
+        <a:font script="Thaa" typeface="MV Boli"/>
+        <a:font script="Deva" typeface="Mangal"/>
+        <a:font script="Telu" typeface="Gautami"/>
+        <a:font script="Taml" typeface="Latha"/>
+        <a:font script="Syrc" typeface="Estrangelo Edessa"/>
+        <a:font script="Orya" typeface="Kalinga"/>
+        <a:font script="Mlym" typeface="Kartika"/>
+        <a:font script="Laoo" typeface="DokChampa"/>
+        <a:font script="Sinh" typeface="Iskoola Pota"/>
+        <a:font script="Mong" typeface="Mongolian Baiti"/>
+        <a:font script="Viet" typeface="Arial"/>
+        <a:font script="Uigh" typeface="Microsoft Uighur"/>
+        <a:font script="Geor" typeface="Sylfaen"/>
+      </a:minorFont>
+    </a:fontScheme>
+    <a:fmtScheme name="Office">
+      <a:fillStyleLst>
+        <a:solidFill>
+          <a:schemeClr val="phClr"/>
+        </a:solidFill>
+        <a:gradFill rotWithShape="1">
+          <a:gsLst>
+            <a:gs pos="0">
+              <a:schemeClr val="phClr">
+                <a:tint val="50000"/>
+                <a:satMod val="300000"/>
+              </a:schemeClr>
+            </a:gs>
+            <a:gs pos="35000">
+              <a:schemeClr val="phClr">
+                <a:tint val="37000"/>
+                <a:satMod val="300000"/>
+              </a:schemeClr>
+            </a:gs>
+            <a:gs pos="100000">
+              <a:schemeClr val="phClr">
+                <a:tint val="15000"/>
+                <a:satMod val="350000"/>
+              </a:schemeClr>
+            </a:gs>
+          </a:gsLst>
+          <a:lin ang="16200000" scaled="1"/>
+        </a:gradFill>
+        <a:gradFill rotWithShape="1">
+          <a:gsLst>
+            <a:gs pos="0">
+              <a:schemeClr val="phClr">
+                <a:tint val="100000"/>
+                <a:shade val="100000"/>
+                <a:satMod val="130000"/>
+              </a:schemeClr>
+            </a:gs>
+            <a:gs pos="100000">
+              <a:schemeClr val="phClr">
+                <a:tint val="50000"/>
+                <a:shade val="100000"/>
+                <a:satMod val="350000"/>
+              </a:schemeClr>
+            </a:gs>
+          </a:gsLst>
+          <a:lin ang="16200000" scaled="0"/>
+        </a:gradFill>
+      </a:fillStyleLst>
+      <a:lnStyleLst>
+        <a:ln w="9525" cap="flat" cmpd="sng" algn="ctr">
+          <a:solidFill>
+            <a:schemeClr val="phClr">
+              <a:shade val="95000"/>
+              <a:satMod val="105000"/>
+            </a:schemeClr>
+          </a:solidFill>
+          <a:prstDash val="solid"/>
+        </a:ln>
+        <a:ln w="25400" cap="flat" cmpd="sng" algn="ctr">
+          <a:solidFill>
+            <a:schemeClr val="phClr"/>
+          </a:solidFill>
+          <a:prstDash val="solid"/>
+        </a:ln>
+        <a:ln w="38100" cap="flat" cmpd="sng" algn="ctr">
+          <a:solidFill>
+            <a:schemeClr val="phClr"/>
+          </a:solidFill>
+          <a:prstDash val="solid"/>
+        </a:ln>
+      </a:lnStyleLst>
+      <a:effectStyleLst>
+        <a:effectStyle>
+          <a:effectLst>
+            <a:outerShdw blurRad="40000" dist="20000" dir="5400000" rotWithShape="0">
+              <a:srgbClr val="000000">
+                <a:alpha val="38000"/>
+              </a:srgbClr>
+            </a:outerShdw>
+          </a:effectLst>
+        </a:effectStyle>
+        <a:effectStyle>
+          <a:effectLst>
+            <a:outerShdw blurRad="40000" dist="23000" dir="5400000" rotWithShape="0">
+              <a:srgbClr val="000000">
+                <a:alpha val="35000"/>
+              </a:srgbClr>
+            </a:outerShdw>
+          </a:effectLst>
+        </a:effectStyle>
+        <a:effectStyle>
+          <a:effectLst>
+            <a:outerShdw blurRad="40000" dist="23000" dir="5400000" rotWithShape="0">
+              <a:srgbClr val="000000">
+                <a:alpha val="35000"/>
+              </a:srgbClr>
+            </a:outerShdw>
+          </a:effectLst>
+          <a:scene3d>
+            <a:camera prst="orthographicFront">
+              <a:rot lat="0" lon="0" rev="0"/>
+            </a:camera>
+            <a:lightRig rig="threePt" dir="t">
+              <a:rot lat="0" lon="0" rev="1200000"/>
+            </a:lightRig>
+          </a:scene3d>
+          <a:sp3d>
+            <a:bevelT w="63500" h="25400"/>
+          </a:sp3d>
+        </a:effectStyle>
+      </a:effectStyleLst>
+      <a:bgFillStyleLst>
+        <a:solidFill>
+          <a:schemeClr val="phClr"/>
+        </a:solidFill>
+        <a:gradFill rotWithShape="1">
+          <a:gsLst>
+            <a:gs pos="0">
+              <a:schemeClr val="phClr">
+                <a:tint val="40000"/>
+                <a:satMod val="350000"/>
+              </a:schemeClr>
+            </a:gs>
+            <a:gs pos="40000">
+              <a:schemeClr val="phClr">
+                <a:tint val="45000"/>
+                <a:shade val="99000"/>
+                <a:satMod val="350000"/>
+              </a:schemeClr>
+            </a:gs>
+            <a:gs pos="100000">
+              <a:schemeClr val="phClr">
+                <a:shade val="20000"/>
+                <a:satMod val="255000"/>
+              </a:schemeClr>
+            </a:gs>
+          </a:gsLst>
+          <a:path path="circle">
+            <a:fillToRect l="50000" t="-80000" r="50000" b="180000"/>
+          </a:path>
+        </a:gradFill>
+        <a:gradFill rotWithShape="1">
+          <a:gsLst>
+            <a:gs pos="0">
+              <a:schemeClr val="phClr">
+                <a:tint val="80000"/>
+                <a:satMod val="300000"/>
+              </a:schemeClr>
+            </a:gs>
+            <a:gs pos="100000">
+              <a:schemeClr val="phClr">
+                <a:shade val="30000"/>
+                <a:satMod val="200000"/>
+              </a:schemeClr>
+            </a:gs>
+          </a:gsLst>
+          <a:path path="circle">
+            <a:fillToRect l="50000" t="50000" r="50000" b="50000"/>
+          </a:path>
+        </a:gradFill>
+      </a:bgFillStyleLst>
+    </a:fmtScheme>
+  </a:themeElements>
+  <a:objectDefaults>
+    <a:spDef>
+      <a:spPr/>
+      <a:bodyPr/>
+      <a:lstStyle/>
+      <a:style>
+        <a:lnRef idx="1">
+          <a:schemeClr val="accent1"/>
+        </a:lnRef>
+        <a:fillRef idx="3">
+          <a:schemeClr val="accent1"/>
+        </a:fillRef>
+        <a:effectRef idx="2">
+          <a:schemeClr val="accent1"/>
+        </a:effectRef>
+        <a:fontRef idx="minor">
+          <a:schemeClr val="lt1"/>
+        </a:fontRef>
+      </a:style>
+    </a:spDef>
+    <a:lnDef>
+      <a:spPr/>
+      <a:bodyPr/>
+      <a:lstStyle/>
+      <a:style>
+        <a:lnRef idx="2">
+          <a:schemeClr val="accent1"/>
+        </a:lnRef>
+        <a:fillRef idx="0">
+          <a:schemeClr val="accent1"/>
+        </a:fillRef>
+        <a:effectRef idx="1">
+          <a:schemeClr val="accent1"/>
+        </a:effectRef>
+        <a:fontRef idx="minor">
+          <a:schemeClr val="tx1"/>
+        </a:fontRef>
+      </a:style>
+    </a:lnDef>
+  </a:objectDefaults>
+  <a:extraClrSchemeLst/>
+</a:theme>
 </file>
--- a/Documents/Concur_Presentation.pptx
+++ b/Documents/Concur_Presentation.pptx
@@ -5420,11 +5420,7 @@
           <a:p>
             <a:r>
               <a:rPr lang="en-US" dirty="0" smtClean="0"/>
-              <a:t>Steps</a:t>
-            </a:r>
-            <a:r>
-              <a:rPr lang="en-US" dirty="0" smtClean="0"/>
-              <a:t> to Detect Synchronization Bugs</a:t>
+              <a:t>Steps to Detect Synchronization Bugs</a:t>
             </a:r>
             <a:endParaRPr lang="en-US" dirty="0"/>
           </a:p>
@@ -5920,7 +5916,6 @@
               <a:rPr lang="en-US" dirty="0" smtClean="0"/>
               <a:t>Pros/cons of design/implementation</a:t>
             </a:r>
-            <a:endParaRPr lang="en-US" dirty="0" smtClean="0"/>
           </a:p>
           <a:p>
             <a:r>
@@ -6090,16 +6085,11 @@
               <a:rPr lang="en-US" dirty="0" smtClean="0"/>
               <a:t> library, signals</a:t>
             </a:r>
-            <a:endParaRPr lang="en-US" dirty="0" smtClean="0"/>
           </a:p>
           <a:p>
             <a:r>
               <a:rPr lang="en-US" dirty="0" smtClean="0"/>
-              <a:t>Lessons </a:t>
-            </a:r>
-            <a:r>
-              <a:rPr lang="en-US" dirty="0" smtClean="0"/>
-              <a:t>Learned</a:t>
+              <a:t>Lessons Learned</a:t>
             </a:r>
           </a:p>
           <a:p>
@@ -6270,19 +6260,23 @@
           </a:p>
           <a:p>
             <a:r>
+              <a:rPr lang="en-US" dirty="0"/>
+              <a:t>Demo					  7 </a:t>
+            </a:r>
+            <a:r>
+              <a:rPr lang="en-US" dirty="0" err="1"/>
+              <a:t>mins</a:t>
+            </a:r>
+            <a:endParaRPr lang="en-US" dirty="0"/>
+          </a:p>
+          <a:p>
+            <a:r>
               <a:rPr lang="en-US" dirty="0" smtClean="0"/>
-              <a:t>Testing					  3 </a:t>
-            </a:r>
-            <a:r>
-              <a:rPr lang="en-US" dirty="0" err="1" smtClean="0"/>
-              <a:t>mins</a:t>
-            </a:r>
-            <a:endParaRPr lang="en-US" dirty="0" smtClean="0"/>
-          </a:p>
-          <a:p>
+              <a:t>Testing</a:t>
+            </a:r>
             <a:r>
               <a:rPr lang="en-US" dirty="0" smtClean="0"/>
-              <a:t>Demo					  7 </a:t>
+              <a:t>					  3 </a:t>
             </a:r>
             <a:r>
               <a:rPr lang="en-US" dirty="0" err="1" smtClean="0"/>
@@ -7548,22 +7542,13 @@
           <a:p>
             <a:r>
               <a:rPr lang="en-US" dirty="0" smtClean="0"/>
-              <a:t>Use </a:t>
-            </a:r>
+              <a:t>Use Cases</a:t>
+            </a:r>
+          </a:p>
+          <a:p>
             <a:r>
               <a:rPr lang="en-US" dirty="0" smtClean="0"/>
-              <a:t>Cases</a:t>
-            </a:r>
-            <a:endParaRPr lang="en-US" dirty="0" smtClean="0"/>
-          </a:p>
-          <a:p>
-            <a:r>
-              <a:rPr lang="en-US" dirty="0" smtClean="0"/>
-              <a:t>Functional </a:t>
-            </a:r>
-            <a:r>
-              <a:rPr lang="en-US" dirty="0" smtClean="0"/>
-              <a:t>Decomposition</a:t>
+              <a:t>Functional Decomposition</a:t>
             </a:r>
           </a:p>
           <a:p>
@@ -7577,14 +7562,12 @@
               <a:rPr lang="en-US" dirty="0" smtClean="0"/>
               <a:t>Project Files</a:t>
             </a:r>
-            <a:endParaRPr lang="en-US" dirty="0" smtClean="0"/>
           </a:p>
           <a:p>
             <a:r>
               <a:rPr lang="en-US" dirty="0" smtClean="0"/>
               <a:t>Usage:</a:t>
             </a:r>
-            <a:endParaRPr lang="en-US" dirty="0" smtClean="0"/>
           </a:p>
           <a:p>
             <a:pPr lvl="1"/>
@@ -7592,7 +7575,6 @@
               <a:rPr lang="en-US" dirty="0" smtClean="0"/>
               <a:t>Steps to detect synchronization bugs</a:t>
             </a:r>
-            <a:endParaRPr lang="en-US" dirty="0" smtClean="0"/>
           </a:p>
           <a:p>
             <a:pPr lvl="1"/>
@@ -7600,7 +7582,6 @@
               <a:rPr lang="en-US" dirty="0" smtClean="0"/>
               <a:t>Steps to remove synchronization bugs</a:t>
             </a:r>
-            <a:endParaRPr lang="en-US" dirty="0" smtClean="0"/>
           </a:p>
         </p:txBody>
       </p:sp>

--- a/Documents/Concur_Presentation.pptx
+++ b/Documents/Concur_Presentation.pptx
@@ -5,27 +5,32 @@
     <p:sldMasterId id="2147483960" r:id="rId1"/>
   </p:sldMasterIdLst>
   <p:notesMasterIdLst>
-    <p:notesMasterId r:id="rId20"/>
+    <p:notesMasterId r:id="rId25"/>
   </p:notesMasterIdLst>
   <p:sldIdLst>
     <p:sldId id="256" r:id="rId2"/>
     <p:sldId id="258" r:id="rId3"/>
-    <p:sldId id="259" r:id="rId4"/>
-    <p:sldId id="266" r:id="rId5"/>
-    <p:sldId id="267" r:id="rId6"/>
-    <p:sldId id="268" r:id="rId7"/>
-    <p:sldId id="260" r:id="rId8"/>
-    <p:sldId id="269" r:id="rId9"/>
-    <p:sldId id="257" r:id="rId10"/>
-    <p:sldId id="272" r:id="rId11"/>
-    <p:sldId id="271" r:id="rId12"/>
-    <p:sldId id="270" r:id="rId13"/>
-    <p:sldId id="273" r:id="rId14"/>
-    <p:sldId id="262" r:id="rId15"/>
-    <p:sldId id="261" r:id="rId16"/>
-    <p:sldId id="263" r:id="rId17"/>
-    <p:sldId id="264" r:id="rId18"/>
-    <p:sldId id="265" r:id="rId19"/>
+    <p:sldId id="280" r:id="rId4"/>
+    <p:sldId id="281" r:id="rId5"/>
+    <p:sldId id="259" r:id="rId6"/>
+    <p:sldId id="266" r:id="rId7"/>
+    <p:sldId id="275" r:id="rId8"/>
+    <p:sldId id="286" r:id="rId9"/>
+    <p:sldId id="287" r:id="rId10"/>
+    <p:sldId id="284" r:id="rId11"/>
+    <p:sldId id="272" r:id="rId12"/>
+    <p:sldId id="282" r:id="rId13"/>
+    <p:sldId id="283" r:id="rId14"/>
+    <p:sldId id="270" r:id="rId15"/>
+    <p:sldId id="262" r:id="rId16"/>
+    <p:sldId id="261" r:id="rId17"/>
+    <p:sldId id="263" r:id="rId18"/>
+    <p:sldId id="264" r:id="rId19"/>
+    <p:sldId id="265" r:id="rId20"/>
+    <p:sldId id="274" r:id="rId21"/>
+    <p:sldId id="276" r:id="rId22"/>
+    <p:sldId id="277" r:id="rId23"/>
+    <p:sldId id="285" r:id="rId24"/>
   </p:sldIdLst>
   <p:sldSz cx="9144000" cy="6858000" type="screen4x3"/>
   <p:notesSz cx="6858000" cy="9144000"/>
@@ -209,7 +214,7 @@
           <a:p>
             <a:fld id="{BE2663A9-2618-6649-B6E3-2D33878C5258}" type="datetimeFigureOut">
               <a:rPr lang="en-US" smtClean="0"/>
-              <a:t>6/3/12</a:t>
+              <a:t>6/5/12</a:t>
             </a:fld>
             <a:endParaRPr lang="en-US"/>
           </a:p>
@@ -542,7 +547,7 @@
           <a:p>
             <a:fld id="{7CBFEC62-47D8-AA45-80EB-A84698F32C4E}" type="slidenum">
               <a:rPr lang="en-US" smtClean="0"/>
-              <a:t>3</a:t>
+              <a:t>5</a:t>
             </a:fld>
             <a:endParaRPr lang="en-US"/>
           </a:p>
@@ -626,7 +631,7 @@
           <a:p>
             <a:fld id="{7CBFEC62-47D8-AA45-80EB-A84698F32C4E}" type="slidenum">
               <a:rPr lang="en-US" smtClean="0"/>
-              <a:t>5</a:t>
+              <a:t>7</a:t>
             </a:fld>
             <a:endParaRPr lang="en-US"/>
           </a:p>
@@ -635,7 +640,7 @@
     </p:spTree>
     <p:extLst>
       <p:ext uri="{BB962C8B-B14F-4D97-AF65-F5344CB8AC3E}">
-        <p14:creationId xmlns:p14="http://schemas.microsoft.com/office/powerpoint/2010/main" val="1871693178"/>
+        <p14:creationId xmlns:p14="http://schemas.microsoft.com/office/powerpoint/2010/main" val="2925395708"/>
       </p:ext>
     </p:extLst>
   </p:cSld>
@@ -710,7 +715,7 @@
           <a:p>
             <a:fld id="{7CBFEC62-47D8-AA45-80EB-A84698F32C4E}" type="slidenum">
               <a:rPr lang="en-US" smtClean="0"/>
-              <a:t>6</a:t>
+              <a:t>21</a:t>
             </a:fld>
             <a:endParaRPr lang="en-US"/>
           </a:p>
@@ -794,7 +799,7 @@
           <a:p>
             <a:fld id="{7CBFEC62-47D8-AA45-80EB-A84698F32C4E}" type="slidenum">
               <a:rPr lang="en-US" smtClean="0"/>
-              <a:t>9</a:t>
+              <a:t>22</a:t>
             </a:fld>
             <a:endParaRPr lang="en-US"/>
           </a:p>
@@ -803,7 +808,7 @@
     </p:spTree>
     <p:extLst>
       <p:ext uri="{BB962C8B-B14F-4D97-AF65-F5344CB8AC3E}">
-        <p14:creationId xmlns:p14="http://schemas.microsoft.com/office/powerpoint/2010/main" val="2925395708"/>
+        <p14:creationId xmlns:p14="http://schemas.microsoft.com/office/powerpoint/2010/main" val="1871693178"/>
       </p:ext>
     </p:extLst>
   </p:cSld>
@@ -1001,7 +1006,7 @@
           <a:p>
             <a:fld id="{C8A432C8-69A7-458B-9684-2BFA64B31948}" type="datetime2">
               <a:rPr lang="en-US" smtClean="0"/>
-              <a:t>Sunday, June 3, 12</a:t>
+              <a:t>Tuesday, June 5, 12</a:t>
             </a:fld>
             <a:endParaRPr lang="en-US"/>
           </a:p>
@@ -1203,7 +1208,7 @@
           <a:p>
             <a:fld id="{8CC057FC-95B6-4D89-AFDA-ABA33EE921E5}" type="datetime2">
               <a:rPr lang="en-US" smtClean="0"/>
-              <a:t>Sunday, June 3, 12</a:t>
+              <a:t>Tuesday, June 5, 12</a:t>
             </a:fld>
             <a:endParaRPr lang="en-US"/>
           </a:p>
@@ -1380,7 +1385,7 @@
           <a:p>
             <a:fld id="{EC4549AC-EB31-477F-92A9-B1988E232878}" type="datetime2">
               <a:rPr lang="en-US" smtClean="0"/>
-              <a:t>Sunday, June 3, 12</a:t>
+              <a:t>Tuesday, June 5, 12</a:t>
             </a:fld>
             <a:endParaRPr lang="en-US"/>
           </a:p>
@@ -1547,7 +1552,7 @@
           <a:p>
             <a:fld id="{6396A3A3-94A6-4E5B-AF39-173ACA3E61CC}" type="datetime2">
               <a:rPr lang="en-US" smtClean="0"/>
-              <a:t>Sunday, June 3, 12</a:t>
+              <a:t>Tuesday, June 5, 12</a:t>
             </a:fld>
             <a:endParaRPr lang="en-US"/>
           </a:p>
@@ -1797,7 +1802,7 @@
           <a:p>
             <a:fld id="{9933D019-A32C-4EAD-B8E6-DBDA699692FD}" type="datetime2">
               <a:rPr lang="en-US" smtClean="0"/>
-              <a:t>Sunday, June 3, 12</a:t>
+              <a:t>Tuesday, June 5, 12</a:t>
             </a:fld>
             <a:endParaRPr lang="en-US"/>
           </a:p>
@@ -2117,7 +2122,7 @@
           <a:p>
             <a:fld id="{CCEBA98F-560C-4997-81C4-81D4D9187EAB}" type="datetime2">
               <a:rPr lang="en-US" smtClean="0"/>
-              <a:t>Sunday, June 3, 12</a:t>
+              <a:t>Tuesday, June 5, 12</a:t>
             </a:fld>
             <a:endParaRPr lang="en-US"/>
           </a:p>
@@ -2585,7 +2590,7 @@
           <a:p>
             <a:fld id="{150972B2-CA5C-437D-87D0-8081271A9E4B}" type="datetime2">
               <a:rPr lang="en-US" smtClean="0"/>
-              <a:t>Sunday, June 3, 12</a:t>
+              <a:t>Tuesday, June 5, 12</a:t>
             </a:fld>
             <a:endParaRPr lang="en-US"/>
           </a:p>
@@ -2735,7 +2740,7 @@
           <a:p>
             <a:fld id="{79CD4847-11EF-4466-A8AD-85CDB7B49118}" type="datetime2">
               <a:rPr lang="en-US" smtClean="0"/>
-              <a:t>Sunday, June 3, 12</a:t>
+              <a:t>Tuesday, June 5, 12</a:t>
             </a:fld>
             <a:endParaRPr lang="en-US"/>
           </a:p>
@@ -2827,7 +2832,7 @@
           <a:p>
             <a:fld id="{F168457A-3AB9-4880-8A0C-9F8524491207}" type="datetime2">
               <a:rPr lang="en-US" smtClean="0"/>
-              <a:t>Sunday, June 3, 12</a:t>
+              <a:t>Tuesday, June 5, 12</a:t>
             </a:fld>
             <a:endParaRPr lang="en-US"/>
           </a:p>
@@ -3103,7 +3108,7 @@
           <a:p>
             <a:fld id="{3FE976D3-5B7F-4300-ABED-C91F1B2AE209}" type="datetime2">
               <a:rPr lang="en-US" smtClean="0"/>
-              <a:t>Sunday, June 3, 12</a:t>
+              <a:t>Tuesday, June 5, 12</a:t>
             </a:fld>
             <a:endParaRPr lang="en-US"/>
           </a:p>
@@ -3410,7 +3415,7 @@
           <a:p>
             <a:fld id="{EBDC1E59-17DD-41CE-97CA-624A472382D4}" type="datetime2">
               <a:rPr lang="en-US" smtClean="0"/>
-              <a:t>Sunday, June 3, 12</a:t>
+              <a:t>Tuesday, June 5, 12</a:t>
             </a:fld>
             <a:endParaRPr lang="en-US"/>
           </a:p>
@@ -3710,7 +3715,7 @@
           <a:p>
             <a:fld id="{A80CB818-7379-467D-8E76-EF9D9074A26C}" type="datetime2">
               <a:rPr lang="en-US" smtClean="0"/>
-              <a:t>Sunday, June 3, 12</a:t>
+              <a:t>Tuesday, June 5, 12</a:t>
             </a:fld>
             <a:endParaRPr lang="en-US" dirty="0"/>
           </a:p>
@@ -4171,8 +4176,23 @@
           <a:p>
             <a:r>
               <a:rPr lang="en-US" sz="2000" dirty="0" smtClean="0"/>
-              <a:t>Rochelle Palting</a:t>
-            </a:r>
+              <a:t>Rochelle </a:t>
+            </a:r>
+            <a:r>
+              <a:rPr lang="en-US" sz="2000" dirty="0" smtClean="0"/>
+              <a:t>Palting</a:t>
+            </a:r>
+          </a:p>
+          <a:p>
+            <a:r>
+              <a:rPr lang="en-US" sz="2000" dirty="0" smtClean="0"/>
+              <a:t>Faculty Advisor:  Dr</a:t>
+            </a:r>
+            <a:r>
+              <a:rPr lang="en-US" sz="2000" dirty="0" smtClean="0"/>
+              <a:t>. Eric Larson</a:t>
+            </a:r>
+            <a:endParaRPr lang="en-US" sz="2000" dirty="0" smtClean="0"/>
           </a:p>
           <a:p>
             <a:r>
@@ -4183,7 +4203,15 @@
           <a:p>
             <a:r>
               <a:rPr lang="en-US" sz="2000" dirty="0" smtClean="0"/>
-              <a:t>Seattle University, Spring 2012</a:t>
+              <a:t>Seattle University, </a:t>
+            </a:r>
+            <a:r>
+              <a:rPr lang="en-US" sz="2000" dirty="0" smtClean="0"/>
+              <a:t>Winter – Spring </a:t>
+            </a:r>
+            <a:r>
+              <a:rPr lang="en-US" sz="2000" dirty="0" smtClean="0"/>
+              <a:t>2012</a:t>
             </a:r>
             <a:endParaRPr lang="en-US" sz="2000" dirty="0"/>
           </a:p>
@@ -4199,6 +4227,13 @@
   <p:clrMapOvr>
     <a:masterClrMapping/>
   </p:clrMapOvr>
+  <p:timing>
+    <p:tnLst>
+      <p:par>
+        <p:cTn xmlns:p14="http://schemas.microsoft.com/office/powerpoint/2010/main" id="1" dur="indefinite" restart="never" nodeType="tmRoot"/>
+      </p:par>
+    </p:tnLst>
+  </p:timing>
 </p:sld>
 </file>
 
@@ -4257,24 +4292,27 @@
           <a:bodyPr/>
           <a:lstStyle/>
           <a:p>
-            <a:r>
-              <a:rPr lang="en-US" dirty="0" smtClean="0"/>
-              <a:t>TODO:  Insert diagram</a:t>
-            </a:r>
-            <a:endParaRPr lang="en-US" dirty="0"/>
+            <a:endParaRPr lang="en-US"/>
           </a:p>
         </p:txBody>
       </p:sp>
     </p:spTree>
     <p:extLst>
       <p:ext uri="{BB962C8B-B14F-4D97-AF65-F5344CB8AC3E}">
-        <p14:creationId xmlns:p14="http://schemas.microsoft.com/office/powerpoint/2010/main" val="1650327307"/>
+        <p14:creationId xmlns:p14="http://schemas.microsoft.com/office/powerpoint/2010/main" val="1355387551"/>
       </p:ext>
     </p:extLst>
   </p:cSld>
   <p:clrMapOvr>
     <a:masterClrMapping/>
   </p:clrMapOvr>
+  <p:timing>
+    <p:tnLst>
+      <p:par>
+        <p:cTn xmlns:p14="http://schemas.microsoft.com/office/powerpoint/2010/main" id="1" dur="indefinite" restart="never" nodeType="tmRoot"/>
+      </p:par>
+    </p:tnLst>
+  </p:timing>
 </p:sld>
 </file>
 
@@ -4312,6 +4350,2233 @@
           <a:p>
             <a:r>
               <a:rPr lang="en-US" dirty="0" smtClean="0"/>
+              <a:t>Concur – Deadlock Detection</a:t>
+            </a:r>
+            <a:endParaRPr lang="en-US" dirty="0"/>
+          </a:p>
+        </p:txBody>
+      </p:sp>
+      <p:sp>
+        <p:nvSpPr>
+          <p:cNvPr id="3" name="Content Placeholder 2"/>
+          <p:cNvSpPr>
+            <a:spLocks noGrp="1"/>
+          </p:cNvSpPr>
+          <p:nvPr>
+            <p:ph idx="1"/>
+          </p:nvPr>
+        </p:nvSpPr>
+        <p:spPr/>
+        <p:txBody>
+          <a:bodyPr/>
+          <a:lstStyle/>
+          <a:p>
+            <a:r>
+              <a:rPr lang="en-US" dirty="0" smtClean="0"/>
+              <a:t>Thread, lock, and semaphore status is maintained throughout program execution</a:t>
+            </a:r>
+          </a:p>
+          <a:p>
+            <a:r>
+              <a:rPr lang="en-US" dirty="0" smtClean="0"/>
+              <a:t>States are written to the log file and show traceability</a:t>
+            </a:r>
+            <a:endParaRPr lang="en-US" dirty="0"/>
+          </a:p>
+        </p:txBody>
+      </p:sp>
+    </p:spTree>
+    <p:extLst>
+      <p:ext uri="{BB962C8B-B14F-4D97-AF65-F5344CB8AC3E}">
+        <p14:creationId xmlns:p14="http://schemas.microsoft.com/office/powerpoint/2010/main" val="1650327307"/>
+      </p:ext>
+    </p:extLst>
+  </p:cSld>
+  <p:clrMapOvr>
+    <a:masterClrMapping/>
+  </p:clrMapOvr>
+  <p:timing>
+    <p:tnLst>
+      <p:par>
+        <p:cTn xmlns:p14="http://schemas.microsoft.com/office/powerpoint/2010/main" id="1" dur="indefinite" restart="never" nodeType="tmRoot"/>
+      </p:par>
+    </p:tnLst>
+  </p:timing>
+</p:sld>
+</file>
+
+<file path=ppt/slides/slide12.xml><?xml version="1.0" encoding="utf-8"?>
+<p:sld xmlns:a="http://schemas.openxmlformats.org/drawingml/2006/main" xmlns:r="http://schemas.openxmlformats.org/officeDocument/2006/relationships" xmlns:p="http://schemas.openxmlformats.org/presentationml/2006/main">
+  <p:cSld>
+    <p:spTree>
+      <p:nvGrpSpPr>
+        <p:cNvPr id="1" name=""/>
+        <p:cNvGrpSpPr/>
+        <p:nvPr/>
+      </p:nvGrpSpPr>
+      <p:grpSpPr>
+        <a:xfrm>
+          <a:off x="0" y="0"/>
+          <a:ext cx="0" cy="0"/>
+          <a:chOff x="0" y="0"/>
+          <a:chExt cx="0" cy="0"/>
+        </a:xfrm>
+      </p:grpSpPr>
+      <p:sp>
+        <p:nvSpPr>
+          <p:cNvPr id="2" name="Title 1"/>
+          <p:cNvSpPr>
+            <a:spLocks noGrp="1"/>
+          </p:cNvSpPr>
+          <p:nvPr>
+            <p:ph type="title"/>
+          </p:nvPr>
+        </p:nvSpPr>
+        <p:spPr/>
+        <p:txBody>
+          <a:bodyPr>
+            <a:normAutofit fontScale="90000"/>
+          </a:bodyPr>
+          <a:lstStyle/>
+          <a:p>
+            <a:r>
+              <a:rPr lang="en-US" dirty="0" smtClean="0"/>
+              <a:t>Concur – Controlled Thread Management</a:t>
+            </a:r>
+            <a:endParaRPr lang="en-US" dirty="0"/>
+          </a:p>
+        </p:txBody>
+      </p:sp>
+      <p:sp>
+        <p:nvSpPr>
+          <p:cNvPr id="3" name="Content Placeholder 2"/>
+          <p:cNvSpPr>
+            <a:spLocks noGrp="1"/>
+          </p:cNvSpPr>
+          <p:nvPr>
+            <p:ph idx="1"/>
+          </p:nvPr>
+        </p:nvSpPr>
+        <p:spPr/>
+        <p:txBody>
+          <a:bodyPr/>
+          <a:lstStyle/>
+          <a:p>
+            <a:r>
+              <a:rPr lang="en-US" dirty="0" smtClean="0"/>
+              <a:t>Scheduler only permits one thread to run at a time; the other threads wait until they’re signaled to wake up</a:t>
+            </a:r>
+          </a:p>
+          <a:p>
+            <a:r>
+              <a:rPr lang="en-US" dirty="0" err="1" smtClean="0"/>
+              <a:t>Mutex</a:t>
+            </a:r>
+            <a:r>
+              <a:rPr lang="en-US" dirty="0" smtClean="0"/>
+              <a:t> lock/unlock:  next waiting thread to acquire lock is controlled</a:t>
+            </a:r>
+          </a:p>
+          <a:p>
+            <a:r>
+              <a:rPr lang="en-US" dirty="0" smtClean="0"/>
+              <a:t>Semaphore wait/signal:  next waiting thread to use semaphore is controlled</a:t>
+            </a:r>
+            <a:endParaRPr lang="en-US" dirty="0"/>
+          </a:p>
+        </p:txBody>
+      </p:sp>
+    </p:spTree>
+    <p:extLst>
+      <p:ext uri="{BB962C8B-B14F-4D97-AF65-F5344CB8AC3E}">
+        <p14:creationId xmlns:p14="http://schemas.microsoft.com/office/powerpoint/2010/main" val="2889591585"/>
+      </p:ext>
+    </p:extLst>
+  </p:cSld>
+  <p:clrMapOvr>
+    <a:masterClrMapping/>
+  </p:clrMapOvr>
+  <p:timing>
+    <p:tnLst>
+      <p:par>
+        <p:cTn xmlns:p14="http://schemas.microsoft.com/office/powerpoint/2010/main" id="1" dur="indefinite" restart="never" nodeType="tmRoot"/>
+      </p:par>
+    </p:tnLst>
+  </p:timing>
+</p:sld>
+</file>
+
+<file path=ppt/slides/slide13.xml><?xml version="1.0" encoding="utf-8"?>
+<p:sld xmlns:a="http://schemas.openxmlformats.org/drawingml/2006/main" xmlns:r="http://schemas.openxmlformats.org/officeDocument/2006/relationships" xmlns:p="http://schemas.openxmlformats.org/presentationml/2006/main">
+  <p:cSld>
+    <p:spTree>
+      <p:nvGrpSpPr>
+        <p:cNvPr id="1" name=""/>
+        <p:cNvGrpSpPr/>
+        <p:nvPr/>
+      </p:nvGrpSpPr>
+      <p:grpSpPr>
+        <a:xfrm>
+          <a:off x="0" y="0"/>
+          <a:ext cx="0" cy="0"/>
+          <a:chOff x="0" y="0"/>
+          <a:chExt cx="0" cy="0"/>
+        </a:xfrm>
+      </p:grpSpPr>
+      <p:sp>
+        <p:nvSpPr>
+          <p:cNvPr id="2" name="Title 1"/>
+          <p:cNvSpPr>
+            <a:spLocks noGrp="1"/>
+          </p:cNvSpPr>
+          <p:nvPr>
+            <p:ph type="title"/>
+          </p:nvPr>
+        </p:nvSpPr>
+        <p:spPr/>
+        <p:txBody>
+          <a:bodyPr>
+            <a:normAutofit fontScale="90000"/>
+          </a:bodyPr>
+          <a:lstStyle/>
+          <a:p>
+            <a:r>
+              <a:rPr lang="en-US" dirty="0" smtClean="0"/>
+              <a:t>Concur – Increased Schedule Coverage</a:t>
+            </a:r>
+            <a:endParaRPr lang="en-US" dirty="0"/>
+          </a:p>
+        </p:txBody>
+      </p:sp>
+      <p:sp>
+        <p:nvSpPr>
+          <p:cNvPr id="3" name="Content Placeholder 2"/>
+          <p:cNvSpPr>
+            <a:spLocks noGrp="1"/>
+          </p:cNvSpPr>
+          <p:nvPr>
+            <p:ph idx="1"/>
+          </p:nvPr>
+        </p:nvSpPr>
+        <p:spPr/>
+        <p:txBody>
+          <a:bodyPr/>
+          <a:lstStyle/>
+          <a:p>
+            <a:r>
+              <a:rPr lang="en-US" dirty="0" smtClean="0"/>
+              <a:t>Wrapper – allows the user to run their program many times </a:t>
+            </a:r>
+          </a:p>
+          <a:p>
+            <a:r>
+              <a:rPr lang="en-US" dirty="0" smtClean="0"/>
+              <a:t>A random mode increases schedule variety</a:t>
+            </a:r>
+          </a:p>
+          <a:p>
+            <a:r>
+              <a:rPr lang="en-US" dirty="0" smtClean="0"/>
+              <a:t>An interactive mode gives the use complete control over thread schedule, lock acquisition, and semaphore usage</a:t>
+            </a:r>
+            <a:endParaRPr lang="en-US" dirty="0"/>
+          </a:p>
+        </p:txBody>
+      </p:sp>
+    </p:spTree>
+    <p:extLst>
+      <p:ext uri="{BB962C8B-B14F-4D97-AF65-F5344CB8AC3E}">
+        <p14:creationId xmlns:p14="http://schemas.microsoft.com/office/powerpoint/2010/main" val="3812929673"/>
+      </p:ext>
+    </p:extLst>
+  </p:cSld>
+  <p:clrMapOvr>
+    <a:masterClrMapping/>
+  </p:clrMapOvr>
+  <p:timing>
+    <p:tnLst>
+      <p:par>
+        <p:cTn xmlns:p14="http://schemas.microsoft.com/office/powerpoint/2010/main" id="1" dur="indefinite" restart="never" nodeType="tmRoot"/>
+      </p:par>
+    </p:tnLst>
+  </p:timing>
+</p:sld>
+</file>
+
+<file path=ppt/slides/slide14.xml><?xml version="1.0" encoding="utf-8"?>
+<p:sld xmlns:a="http://schemas.openxmlformats.org/drawingml/2006/main" xmlns:r="http://schemas.openxmlformats.org/officeDocument/2006/relationships" xmlns:p="http://schemas.openxmlformats.org/presentationml/2006/main">
+  <p:cSld>
+    <p:spTree>
+      <p:nvGrpSpPr>
+        <p:cNvPr id="1" name=""/>
+        <p:cNvGrpSpPr/>
+        <p:nvPr/>
+      </p:nvGrpSpPr>
+      <p:grpSpPr>
+        <a:xfrm>
+          <a:off x="0" y="0"/>
+          <a:ext cx="0" cy="0"/>
+          <a:chOff x="0" y="0"/>
+          <a:chExt cx="0" cy="0"/>
+        </a:xfrm>
+      </p:grpSpPr>
+      <p:sp>
+        <p:nvSpPr>
+          <p:cNvPr id="2" name="Title 1"/>
+          <p:cNvSpPr>
+            <a:spLocks noGrp="1"/>
+          </p:cNvSpPr>
+          <p:nvPr>
+            <p:ph type="title"/>
+          </p:nvPr>
+        </p:nvSpPr>
+        <p:spPr/>
+        <p:txBody>
+          <a:bodyPr>
+            <a:normAutofit/>
+          </a:bodyPr>
+          <a:lstStyle/>
+          <a:p>
+            <a:r>
+              <a:rPr lang="en-US" dirty="0" smtClean="0"/>
+              <a:t>Steps to </a:t>
+            </a:r>
+            <a:r>
+              <a:rPr lang="en-US" dirty="0" smtClean="0"/>
+              <a:t>Test &amp; Debug</a:t>
+            </a:r>
+            <a:endParaRPr lang="en-US" dirty="0"/>
+          </a:p>
+        </p:txBody>
+      </p:sp>
+      <p:sp>
+        <p:nvSpPr>
+          <p:cNvPr id="3" name="Content Placeholder 2"/>
+          <p:cNvSpPr>
+            <a:spLocks noGrp="1"/>
+          </p:cNvSpPr>
+          <p:nvPr>
+            <p:ph idx="1"/>
+          </p:nvPr>
+        </p:nvSpPr>
+        <p:spPr/>
+        <p:txBody>
+          <a:bodyPr>
+            <a:normAutofit fontScale="92500" lnSpcReduction="10000"/>
+          </a:bodyPr>
+          <a:lstStyle/>
+          <a:p>
+            <a:r>
+              <a:rPr lang="en-US" dirty="0" smtClean="0"/>
+              <a:t>1.  Make project</a:t>
+            </a:r>
+          </a:p>
+          <a:p>
+            <a:r>
+              <a:rPr lang="en-US" dirty="0" smtClean="0"/>
+              <a:t>2.  </a:t>
+            </a:r>
+            <a:r>
+              <a:rPr lang="en-US" dirty="0" smtClean="0"/>
+              <a:t>Use Wrapper to execute multiple test runs</a:t>
+            </a:r>
+            <a:endParaRPr lang="en-US" dirty="0" smtClean="0"/>
+          </a:p>
+          <a:p>
+            <a:r>
+              <a:rPr lang="en-US" dirty="0" smtClean="0"/>
+              <a:t>3.  Notice status </a:t>
+            </a:r>
+            <a:r>
+              <a:rPr lang="en-US" dirty="0" smtClean="0"/>
+              <a:t>at end of</a:t>
+            </a:r>
+            <a:r>
+              <a:rPr lang="en-US" dirty="0" smtClean="0"/>
+              <a:t> </a:t>
+            </a:r>
+            <a:r>
+              <a:rPr lang="en-US" dirty="0" smtClean="0"/>
+              <a:t>each test run</a:t>
+            </a:r>
+            <a:r>
+              <a:rPr lang="en-US" dirty="0" smtClean="0"/>
+              <a:t>.   </a:t>
+            </a:r>
+          </a:p>
+          <a:p>
+            <a:pPr lvl="1"/>
+            <a:r>
+              <a:rPr lang="en-US" dirty="0" smtClean="0"/>
+              <a:t>(proceed to next step if run failed)</a:t>
+            </a:r>
+          </a:p>
+          <a:p>
+            <a:r>
+              <a:rPr lang="en-US" dirty="0" smtClean="0"/>
+              <a:t>4.  </a:t>
+            </a:r>
+            <a:r>
+              <a:rPr lang="en-US" dirty="0"/>
+              <a:t>Run Concur with same parameters as failed test run, but with logging turned on</a:t>
+            </a:r>
+          </a:p>
+          <a:p>
+            <a:pPr lvl="1"/>
+            <a:r>
+              <a:rPr lang="en-US" dirty="0"/>
+              <a:t>Use random mode for </a:t>
+            </a:r>
+            <a:r>
+              <a:rPr lang="en-US" dirty="0" smtClean="0"/>
+              <a:t>faster </a:t>
+            </a:r>
+            <a:r>
+              <a:rPr lang="en-US" dirty="0"/>
+              <a:t>results</a:t>
+            </a:r>
+          </a:p>
+          <a:p>
+            <a:pPr lvl="1"/>
+            <a:r>
+              <a:rPr lang="en-US" dirty="0"/>
+              <a:t>Use interactive mode to </a:t>
+            </a:r>
+            <a:r>
+              <a:rPr lang="en-US" dirty="0" smtClean="0"/>
+              <a:t>step </a:t>
+            </a:r>
+            <a:r>
+              <a:rPr lang="en-US" dirty="0"/>
+              <a:t>through execution and examine status in real time</a:t>
+            </a:r>
+          </a:p>
+          <a:p>
+            <a:r>
+              <a:rPr lang="en-US" dirty="0" smtClean="0"/>
+              <a:t>5.  </a:t>
+            </a:r>
+            <a:r>
+              <a:rPr lang="en-US" dirty="0"/>
+              <a:t>After run fails, examine log trail for specific error</a:t>
+            </a:r>
+          </a:p>
+          <a:p>
+            <a:r>
+              <a:rPr lang="en-US" dirty="0" smtClean="0"/>
+              <a:t>6.  Update solution with fix to error</a:t>
+            </a:r>
+            <a:endParaRPr lang="en-US" dirty="0"/>
+          </a:p>
+          <a:p>
+            <a:endParaRPr lang="en-US" dirty="0"/>
+          </a:p>
+          <a:p>
+            <a:r>
+              <a:rPr lang="en-US" dirty="0"/>
+              <a:t>Repeat steps </a:t>
+            </a:r>
+            <a:r>
+              <a:rPr lang="en-US" dirty="0" smtClean="0"/>
+              <a:t>4-6 </a:t>
+            </a:r>
+            <a:r>
+              <a:rPr lang="en-US" dirty="0"/>
+              <a:t>until bug is removed and test run passes.</a:t>
+            </a:r>
+          </a:p>
+          <a:p>
+            <a:endParaRPr lang="en-US" dirty="0" smtClean="0"/>
+          </a:p>
+          <a:p>
+            <a:endParaRPr lang="en-US" dirty="0"/>
+          </a:p>
+        </p:txBody>
+      </p:sp>
+    </p:spTree>
+    <p:extLst>
+      <p:ext uri="{BB962C8B-B14F-4D97-AF65-F5344CB8AC3E}">
+        <p14:creationId xmlns:p14="http://schemas.microsoft.com/office/powerpoint/2010/main" val="1223745600"/>
+      </p:ext>
+    </p:extLst>
+  </p:cSld>
+  <p:clrMapOvr>
+    <a:masterClrMapping/>
+  </p:clrMapOvr>
+  <p:timing>
+    <p:tnLst>
+      <p:par>
+        <p:cTn xmlns:p14="http://schemas.microsoft.com/office/powerpoint/2010/main" id="1" dur="indefinite" restart="never" nodeType="tmRoot"/>
+      </p:par>
+    </p:tnLst>
+  </p:timing>
+</p:sld>
+</file>
+
+<file path=ppt/slides/slide15.xml><?xml version="1.0" encoding="utf-8"?>
+<p:sld xmlns:a="http://schemas.openxmlformats.org/drawingml/2006/main" xmlns:r="http://schemas.openxmlformats.org/officeDocument/2006/relationships" xmlns:p="http://schemas.openxmlformats.org/presentationml/2006/main">
+  <p:cSld>
+    <p:spTree>
+      <p:nvGrpSpPr>
+        <p:cNvPr id="1" name=""/>
+        <p:cNvGrpSpPr/>
+        <p:nvPr/>
+      </p:nvGrpSpPr>
+      <p:grpSpPr>
+        <a:xfrm>
+          <a:off x="0" y="0"/>
+          <a:ext cx="0" cy="0"/>
+          <a:chOff x="0" y="0"/>
+          <a:chExt cx="0" cy="0"/>
+        </a:xfrm>
+      </p:grpSpPr>
+      <p:sp>
+        <p:nvSpPr>
+          <p:cNvPr id="2" name="Title 1"/>
+          <p:cNvSpPr>
+            <a:spLocks noGrp="1"/>
+          </p:cNvSpPr>
+          <p:nvPr>
+            <p:ph type="title"/>
+          </p:nvPr>
+        </p:nvSpPr>
+        <p:spPr/>
+        <p:txBody>
+          <a:bodyPr/>
+          <a:lstStyle/>
+          <a:p>
+            <a:r>
+              <a:rPr lang="en-US" dirty="0" smtClean="0"/>
+              <a:t>Demo</a:t>
+            </a:r>
+            <a:endParaRPr lang="en-US" dirty="0"/>
+          </a:p>
+        </p:txBody>
+      </p:sp>
+      <p:sp>
+        <p:nvSpPr>
+          <p:cNvPr id="3" name="Content Placeholder 2"/>
+          <p:cNvSpPr>
+            <a:spLocks noGrp="1"/>
+          </p:cNvSpPr>
+          <p:nvPr>
+            <p:ph idx="1"/>
+          </p:nvPr>
+        </p:nvSpPr>
+        <p:spPr/>
+        <p:txBody>
+          <a:bodyPr/>
+          <a:lstStyle/>
+          <a:p>
+            <a:r>
+              <a:rPr lang="en-US" dirty="0" smtClean="0"/>
+              <a:t>1.  Run Wrapper that shows a failed test run.</a:t>
+            </a:r>
+          </a:p>
+          <a:p>
+            <a:r>
+              <a:rPr lang="en-US" dirty="0" smtClean="0"/>
+              <a:t>2.  Run Concur with same inputs from failed test run, but with Logging turned on.</a:t>
+            </a:r>
+          </a:p>
+          <a:p>
+            <a:r>
+              <a:rPr lang="en-US" dirty="0" smtClean="0"/>
+              <a:t>3.  After reproducing the failed test run, open the Log Trail to examine the error.</a:t>
+            </a:r>
+          </a:p>
+          <a:p>
+            <a:r>
+              <a:rPr lang="en-US" dirty="0"/>
+              <a:t>A</a:t>
+            </a:r>
+            <a:r>
+              <a:rPr lang="en-US" dirty="0" smtClean="0"/>
+              <a:t>dditional steps for the user:</a:t>
+            </a:r>
+          </a:p>
+          <a:p>
+            <a:r>
+              <a:rPr lang="en-US" dirty="0" smtClean="0"/>
+              <a:t>4.  Open </a:t>
+            </a:r>
+            <a:r>
+              <a:rPr lang="en-US" dirty="0" err="1" smtClean="0"/>
+              <a:t>sections.c</a:t>
+            </a:r>
+            <a:r>
+              <a:rPr lang="en-US" dirty="0" smtClean="0"/>
+              <a:t> to see where error occurred.</a:t>
+            </a:r>
+          </a:p>
+          <a:p>
+            <a:r>
+              <a:rPr lang="en-US" dirty="0" smtClean="0"/>
+              <a:t>5.  Correct error and rerun Concur with same inputs.</a:t>
+            </a:r>
+          </a:p>
+          <a:p>
+            <a:r>
+              <a:rPr lang="en-US" dirty="0" smtClean="0"/>
+              <a:t>Additional things to demo:</a:t>
+            </a:r>
+          </a:p>
+          <a:p>
+            <a:r>
+              <a:rPr lang="en-US" dirty="0" smtClean="0"/>
+              <a:t>-  Interactive mode</a:t>
+            </a:r>
+          </a:p>
+          <a:p>
+            <a:endParaRPr lang="en-US" dirty="0"/>
+          </a:p>
+        </p:txBody>
+      </p:sp>
+    </p:spTree>
+    <p:extLst>
+      <p:ext uri="{BB962C8B-B14F-4D97-AF65-F5344CB8AC3E}">
+        <p14:creationId xmlns:p14="http://schemas.microsoft.com/office/powerpoint/2010/main" val="1837042302"/>
+      </p:ext>
+    </p:extLst>
+  </p:cSld>
+  <p:clrMapOvr>
+    <a:masterClrMapping/>
+  </p:clrMapOvr>
+  <p:timing>
+    <p:tnLst>
+      <p:par>
+        <p:cTn xmlns:p14="http://schemas.microsoft.com/office/powerpoint/2010/main" id="1" dur="indefinite" restart="never" nodeType="tmRoot"/>
+      </p:par>
+    </p:tnLst>
+  </p:timing>
+</p:sld>
+</file>
+
+<file path=ppt/slides/slide16.xml><?xml version="1.0" encoding="utf-8"?>
+<p:sld xmlns:a="http://schemas.openxmlformats.org/drawingml/2006/main" xmlns:r="http://schemas.openxmlformats.org/officeDocument/2006/relationships" xmlns:p="http://schemas.openxmlformats.org/presentationml/2006/main">
+  <p:cSld>
+    <p:spTree>
+      <p:nvGrpSpPr>
+        <p:cNvPr id="1" name=""/>
+        <p:cNvGrpSpPr/>
+        <p:nvPr/>
+      </p:nvGrpSpPr>
+      <p:grpSpPr>
+        <a:xfrm>
+          <a:off x="0" y="0"/>
+          <a:ext cx="0" cy="0"/>
+          <a:chOff x="0" y="0"/>
+          <a:chExt cx="0" cy="0"/>
+        </a:xfrm>
+      </p:grpSpPr>
+      <p:sp>
+        <p:nvSpPr>
+          <p:cNvPr id="2" name="Title 1"/>
+          <p:cNvSpPr>
+            <a:spLocks noGrp="1"/>
+          </p:cNvSpPr>
+          <p:nvPr>
+            <p:ph type="title"/>
+          </p:nvPr>
+        </p:nvSpPr>
+        <p:spPr/>
+        <p:txBody>
+          <a:bodyPr/>
+          <a:lstStyle/>
+          <a:p>
+            <a:r>
+              <a:rPr lang="en-US" dirty="0" smtClean="0"/>
+              <a:t>Testing </a:t>
+            </a:r>
+            <a:r>
+              <a:rPr lang="en-US" dirty="0" smtClean="0"/>
+              <a:t>&amp; Analysis</a:t>
+            </a:r>
+            <a:endParaRPr lang="en-US" dirty="0"/>
+          </a:p>
+        </p:txBody>
+      </p:sp>
+      <p:sp>
+        <p:nvSpPr>
+          <p:cNvPr id="3" name="Content Placeholder 2"/>
+          <p:cNvSpPr>
+            <a:spLocks noGrp="1"/>
+          </p:cNvSpPr>
+          <p:nvPr>
+            <p:ph idx="1"/>
+          </p:nvPr>
+        </p:nvSpPr>
+        <p:spPr/>
+        <p:txBody>
+          <a:bodyPr/>
+          <a:lstStyle/>
+          <a:p>
+            <a:r>
+              <a:rPr lang="en-US" dirty="0" smtClean="0"/>
+              <a:t>Tested </a:t>
+            </a:r>
+            <a:r>
+              <a:rPr lang="en-US" dirty="0" smtClean="0"/>
+              <a:t>with three </a:t>
+            </a:r>
+            <a:r>
+              <a:rPr lang="en-US" dirty="0" smtClean="0"/>
+              <a:t>student submissions from Fall 2011 </a:t>
+            </a:r>
+            <a:r>
+              <a:rPr lang="en-US" dirty="0" smtClean="0"/>
+              <a:t>for </a:t>
+            </a:r>
+            <a:r>
+              <a:rPr lang="en-US" dirty="0" smtClean="0"/>
+              <a:t>the Unisex </a:t>
+            </a:r>
+            <a:r>
+              <a:rPr lang="en-US" dirty="0" smtClean="0"/>
+              <a:t>Bathroom problem.</a:t>
+            </a:r>
+          </a:p>
+          <a:p>
+            <a:r>
+              <a:rPr lang="en-US" dirty="0"/>
+              <a:t>s</a:t>
+            </a:r>
+            <a:r>
+              <a:rPr lang="en-US" dirty="0" smtClean="0"/>
+              <a:t>ections1.c</a:t>
+            </a:r>
+          </a:p>
+          <a:p>
+            <a:r>
+              <a:rPr lang="en-US" dirty="0"/>
+              <a:t>s</a:t>
+            </a:r>
+            <a:r>
+              <a:rPr lang="en-US" dirty="0" smtClean="0"/>
+              <a:t>ections2.c</a:t>
+            </a:r>
+          </a:p>
+          <a:p>
+            <a:r>
+              <a:rPr lang="en-US" dirty="0"/>
+              <a:t>s</a:t>
+            </a:r>
+            <a:r>
+              <a:rPr lang="en-US" dirty="0" smtClean="0"/>
+              <a:t>ections3.c</a:t>
+            </a:r>
+          </a:p>
+          <a:p>
+            <a:r>
+              <a:rPr lang="en-US" dirty="0"/>
+              <a:t>s</a:t>
+            </a:r>
+            <a:r>
+              <a:rPr lang="en-US" dirty="0" smtClean="0"/>
+              <a:t>ections4.c</a:t>
+            </a:r>
+            <a:endParaRPr lang="en-US" dirty="0"/>
+          </a:p>
+        </p:txBody>
+      </p:sp>
+    </p:spTree>
+    <p:extLst>
+      <p:ext uri="{BB962C8B-B14F-4D97-AF65-F5344CB8AC3E}">
+        <p14:creationId xmlns:p14="http://schemas.microsoft.com/office/powerpoint/2010/main" val="489042661"/>
+      </p:ext>
+    </p:extLst>
+  </p:cSld>
+  <p:clrMapOvr>
+    <a:masterClrMapping/>
+  </p:clrMapOvr>
+  <p:timing>
+    <p:tnLst>
+      <p:par>
+        <p:cTn xmlns:p14="http://schemas.microsoft.com/office/powerpoint/2010/main" id="1" dur="indefinite" restart="never" nodeType="tmRoot"/>
+      </p:par>
+    </p:tnLst>
+  </p:timing>
+</p:sld>
+</file>
+
+<file path=ppt/slides/slide17.xml><?xml version="1.0" encoding="utf-8"?>
+<p:sld xmlns:a="http://schemas.openxmlformats.org/drawingml/2006/main" xmlns:r="http://schemas.openxmlformats.org/officeDocument/2006/relationships" xmlns:p="http://schemas.openxmlformats.org/presentationml/2006/main">
+  <p:cSld>
+    <p:spTree>
+      <p:nvGrpSpPr>
+        <p:cNvPr id="1" name=""/>
+        <p:cNvGrpSpPr/>
+        <p:nvPr/>
+      </p:nvGrpSpPr>
+      <p:grpSpPr>
+        <a:xfrm>
+          <a:off x="0" y="0"/>
+          <a:ext cx="0" cy="0"/>
+          <a:chOff x="0" y="0"/>
+          <a:chExt cx="0" cy="0"/>
+        </a:xfrm>
+      </p:grpSpPr>
+      <p:sp>
+        <p:nvSpPr>
+          <p:cNvPr id="2" name="Title 1"/>
+          <p:cNvSpPr>
+            <a:spLocks noGrp="1"/>
+          </p:cNvSpPr>
+          <p:nvPr>
+            <p:ph type="title"/>
+          </p:nvPr>
+        </p:nvSpPr>
+        <p:spPr/>
+        <p:txBody>
+          <a:bodyPr/>
+          <a:lstStyle/>
+          <a:p>
+            <a:r>
+              <a:rPr lang="en-US" dirty="0" smtClean="0"/>
+              <a:t>Future Work</a:t>
+            </a:r>
+            <a:endParaRPr lang="en-US" dirty="0"/>
+          </a:p>
+        </p:txBody>
+      </p:sp>
+      <p:sp>
+        <p:nvSpPr>
+          <p:cNvPr id="3" name="Content Placeholder 2"/>
+          <p:cNvSpPr>
+            <a:spLocks noGrp="1"/>
+          </p:cNvSpPr>
+          <p:nvPr>
+            <p:ph idx="1"/>
+          </p:nvPr>
+        </p:nvSpPr>
+        <p:spPr/>
+        <p:txBody>
+          <a:bodyPr/>
+          <a:lstStyle/>
+          <a:p>
+            <a:r>
+              <a:rPr lang="en-US" dirty="0" smtClean="0"/>
+              <a:t>Errors encountered and approach to address</a:t>
+            </a:r>
+          </a:p>
+          <a:p>
+            <a:pPr marL="182880" lvl="1"/>
+            <a:r>
+              <a:rPr lang="en-US" sz="2400" dirty="0"/>
+              <a:t>Outstanding Errors</a:t>
+            </a:r>
+          </a:p>
+          <a:p>
+            <a:r>
+              <a:rPr lang="en-US" dirty="0" smtClean="0"/>
+              <a:t>Pros/cons of design/implementation</a:t>
+            </a:r>
+          </a:p>
+          <a:p>
+            <a:r>
+              <a:rPr lang="en-US" dirty="0" smtClean="0"/>
+              <a:t>Questions to answer:</a:t>
+            </a:r>
+          </a:p>
+          <a:p>
+            <a:pPr lvl="1"/>
+            <a:r>
+              <a:rPr lang="en-US" dirty="0"/>
+              <a:t>Verification:  </a:t>
+            </a:r>
+            <a:r>
+              <a:rPr lang="en-US" dirty="0" smtClean="0"/>
+              <a:t>Does </a:t>
+            </a:r>
+            <a:r>
+              <a:rPr lang="en-US" dirty="0"/>
+              <a:t>the system satisfy the functional requirements?</a:t>
+            </a:r>
+            <a:endParaRPr lang="en-US" dirty="0" smtClean="0"/>
+          </a:p>
+          <a:p>
+            <a:pPr lvl="1"/>
+            <a:endParaRPr lang="en-US" dirty="0"/>
+          </a:p>
+          <a:p>
+            <a:pPr lvl="1"/>
+            <a:r>
+              <a:rPr lang="en-US" dirty="0" smtClean="0"/>
+              <a:t>Validation</a:t>
+            </a:r>
+            <a:r>
+              <a:rPr lang="en-US" dirty="0"/>
+              <a:t>:  Does the system meet the customer’s needs</a:t>
+            </a:r>
+            <a:r>
+              <a:rPr lang="en-US" dirty="0" smtClean="0"/>
+              <a:t>?</a:t>
+            </a:r>
+          </a:p>
+          <a:p>
+            <a:pPr lvl="2"/>
+            <a:r>
+              <a:rPr lang="en-US" dirty="0" smtClean="0"/>
+              <a:t>Does the system help the user find concurrency errors?</a:t>
+            </a:r>
+          </a:p>
+          <a:p>
+            <a:pPr lvl="2"/>
+            <a:r>
+              <a:rPr lang="en-US" dirty="0" smtClean="0"/>
+              <a:t>Does the system allow the user to reproduce test run results?</a:t>
+            </a:r>
+          </a:p>
+          <a:p>
+            <a:pPr lvl="2"/>
+            <a:r>
+              <a:rPr lang="en-US" dirty="0" smtClean="0"/>
+              <a:t>Does the system help the user debug the application?</a:t>
+            </a:r>
+          </a:p>
+          <a:p>
+            <a:pPr lvl="2"/>
+            <a:endParaRPr lang="en-US" dirty="0" smtClean="0"/>
+          </a:p>
+        </p:txBody>
+      </p:sp>
+    </p:spTree>
+    <p:extLst>
+      <p:ext uri="{BB962C8B-B14F-4D97-AF65-F5344CB8AC3E}">
+        <p14:creationId xmlns:p14="http://schemas.microsoft.com/office/powerpoint/2010/main" val="4230760184"/>
+      </p:ext>
+    </p:extLst>
+  </p:cSld>
+  <p:clrMapOvr>
+    <a:masterClrMapping/>
+  </p:clrMapOvr>
+  <p:timing>
+    <p:tnLst>
+      <p:par>
+        <p:cTn xmlns:p14="http://schemas.microsoft.com/office/powerpoint/2010/main" id="1" dur="indefinite" restart="never" nodeType="tmRoot"/>
+      </p:par>
+    </p:tnLst>
+  </p:timing>
+</p:sld>
+</file>
+
+<file path=ppt/slides/slide18.xml><?xml version="1.0" encoding="utf-8"?>
+<p:sld xmlns:a="http://schemas.openxmlformats.org/drawingml/2006/main" xmlns:r="http://schemas.openxmlformats.org/officeDocument/2006/relationships" xmlns:p="http://schemas.openxmlformats.org/presentationml/2006/main">
+  <p:cSld>
+    <p:spTree>
+      <p:nvGrpSpPr>
+        <p:cNvPr id="1" name=""/>
+        <p:cNvGrpSpPr/>
+        <p:nvPr/>
+      </p:nvGrpSpPr>
+      <p:grpSpPr>
+        <a:xfrm>
+          <a:off x="0" y="0"/>
+          <a:ext cx="0" cy="0"/>
+          <a:chOff x="0" y="0"/>
+          <a:chExt cx="0" cy="0"/>
+        </a:xfrm>
+      </p:grpSpPr>
+      <p:sp>
+        <p:nvSpPr>
+          <p:cNvPr id="2" name="Title 1"/>
+          <p:cNvSpPr>
+            <a:spLocks noGrp="1"/>
+          </p:cNvSpPr>
+          <p:nvPr>
+            <p:ph type="title"/>
+          </p:nvPr>
+        </p:nvSpPr>
+        <p:spPr/>
+        <p:txBody>
+          <a:bodyPr/>
+          <a:lstStyle/>
+          <a:p>
+            <a:r>
+              <a:rPr lang="en-US" dirty="0" smtClean="0"/>
+              <a:t>Summary</a:t>
+            </a:r>
+            <a:endParaRPr lang="en-US" dirty="0"/>
+          </a:p>
+        </p:txBody>
+      </p:sp>
+      <p:sp>
+        <p:nvSpPr>
+          <p:cNvPr id="3" name="Content Placeholder 2"/>
+          <p:cNvSpPr>
+            <a:spLocks noGrp="1"/>
+          </p:cNvSpPr>
+          <p:nvPr>
+            <p:ph idx="1"/>
+          </p:nvPr>
+        </p:nvSpPr>
+        <p:spPr/>
+        <p:txBody>
+          <a:bodyPr/>
+          <a:lstStyle/>
+          <a:p>
+            <a:r>
+              <a:rPr lang="en-US" dirty="0" smtClean="0"/>
+              <a:t>Concur helps students test &amp; debug multithreaded programs by providing an environment with:</a:t>
+            </a:r>
+          </a:p>
+          <a:p>
+            <a:pPr lvl="1"/>
+            <a:r>
+              <a:rPr lang="en-US" dirty="0" smtClean="0"/>
+              <a:t>More deterministic thread management</a:t>
+            </a:r>
+          </a:p>
+          <a:p>
+            <a:pPr lvl="1"/>
+            <a:r>
+              <a:rPr lang="en-US" dirty="0" smtClean="0"/>
+              <a:t>Deadlock detection</a:t>
+            </a:r>
+            <a:endParaRPr lang="en-US" dirty="0" smtClean="0"/>
+          </a:p>
+          <a:p>
+            <a:pPr lvl="1"/>
+            <a:r>
+              <a:rPr lang="en-US" dirty="0" smtClean="0"/>
+              <a:t>Increased test case coverage</a:t>
+            </a:r>
+            <a:endParaRPr lang="en-US" dirty="0" smtClean="0"/>
+          </a:p>
+          <a:p>
+            <a:pPr marL="0" indent="0">
+              <a:buNone/>
+            </a:pPr>
+            <a:endParaRPr lang="en-US" dirty="0" smtClean="0"/>
+          </a:p>
+          <a:p>
+            <a:endParaRPr lang="en-US" dirty="0"/>
+          </a:p>
+        </p:txBody>
+      </p:sp>
+    </p:spTree>
+    <p:extLst>
+      <p:ext uri="{BB962C8B-B14F-4D97-AF65-F5344CB8AC3E}">
+        <p14:creationId xmlns:p14="http://schemas.microsoft.com/office/powerpoint/2010/main" val="1047564871"/>
+      </p:ext>
+    </p:extLst>
+  </p:cSld>
+  <p:clrMapOvr>
+    <a:masterClrMapping/>
+  </p:clrMapOvr>
+  <p:timing>
+    <p:tnLst>
+      <p:par>
+        <p:cTn xmlns:p14="http://schemas.microsoft.com/office/powerpoint/2010/main" id="1" dur="indefinite" restart="never" nodeType="tmRoot"/>
+      </p:par>
+    </p:tnLst>
+  </p:timing>
+</p:sld>
+</file>
+
+<file path=ppt/slides/slide19.xml><?xml version="1.0" encoding="utf-8"?>
+<p:sld xmlns:a="http://schemas.openxmlformats.org/drawingml/2006/main" xmlns:r="http://schemas.openxmlformats.org/officeDocument/2006/relationships" xmlns:p="http://schemas.openxmlformats.org/presentationml/2006/main">
+  <p:cSld>
+    <p:spTree>
+      <p:nvGrpSpPr>
+        <p:cNvPr id="1" name=""/>
+        <p:cNvGrpSpPr/>
+        <p:nvPr/>
+      </p:nvGrpSpPr>
+      <p:grpSpPr>
+        <a:xfrm>
+          <a:off x="0" y="0"/>
+          <a:ext cx="0" cy="0"/>
+          <a:chOff x="0" y="0"/>
+          <a:chExt cx="0" cy="0"/>
+        </a:xfrm>
+      </p:grpSpPr>
+      <p:sp>
+        <p:nvSpPr>
+          <p:cNvPr id="2" name="Title 1"/>
+          <p:cNvSpPr>
+            <a:spLocks noGrp="1"/>
+          </p:cNvSpPr>
+          <p:nvPr>
+            <p:ph type="title"/>
+          </p:nvPr>
+        </p:nvSpPr>
+        <p:spPr/>
+        <p:txBody>
+          <a:bodyPr/>
+          <a:lstStyle/>
+          <a:p>
+            <a:r>
+              <a:rPr lang="en-US" dirty="0" smtClean="0"/>
+              <a:t>Questions &amp; Answers</a:t>
+            </a:r>
+            <a:endParaRPr lang="en-US" dirty="0"/>
+          </a:p>
+        </p:txBody>
+      </p:sp>
+      <p:sp>
+        <p:nvSpPr>
+          <p:cNvPr id="3" name="Content Placeholder 2"/>
+          <p:cNvSpPr>
+            <a:spLocks noGrp="1"/>
+          </p:cNvSpPr>
+          <p:nvPr>
+            <p:ph idx="1"/>
+          </p:nvPr>
+        </p:nvSpPr>
+        <p:spPr/>
+        <p:txBody>
+          <a:bodyPr/>
+          <a:lstStyle/>
+          <a:p>
+            <a:endParaRPr lang="en-US"/>
+          </a:p>
+        </p:txBody>
+      </p:sp>
+    </p:spTree>
+    <p:extLst>
+      <p:ext uri="{BB962C8B-B14F-4D97-AF65-F5344CB8AC3E}">
+        <p14:creationId xmlns:p14="http://schemas.microsoft.com/office/powerpoint/2010/main" val="1057507752"/>
+      </p:ext>
+    </p:extLst>
+  </p:cSld>
+  <p:clrMapOvr>
+    <a:masterClrMapping/>
+  </p:clrMapOvr>
+  <p:timing>
+    <p:tnLst>
+      <p:par>
+        <p:cTn xmlns:p14="http://schemas.microsoft.com/office/powerpoint/2010/main" id="1" dur="indefinite" restart="never" nodeType="tmRoot"/>
+      </p:par>
+    </p:tnLst>
+  </p:timing>
+</p:sld>
+</file>
+
+<file path=ppt/slides/slide2.xml><?xml version="1.0" encoding="utf-8"?>
+<p:sld xmlns:a="http://schemas.openxmlformats.org/drawingml/2006/main" xmlns:r="http://schemas.openxmlformats.org/officeDocument/2006/relationships" xmlns:p="http://schemas.openxmlformats.org/presentationml/2006/main">
+  <p:cSld>
+    <p:spTree>
+      <p:nvGrpSpPr>
+        <p:cNvPr id="1" name=""/>
+        <p:cNvGrpSpPr/>
+        <p:nvPr/>
+      </p:nvGrpSpPr>
+      <p:grpSpPr>
+        <a:xfrm>
+          <a:off x="0" y="0"/>
+          <a:ext cx="0" cy="0"/>
+          <a:chOff x="0" y="0"/>
+          <a:chExt cx="0" cy="0"/>
+        </a:xfrm>
+      </p:grpSpPr>
+      <p:sp>
+        <p:nvSpPr>
+          <p:cNvPr id="2" name="Title 1"/>
+          <p:cNvSpPr>
+            <a:spLocks noGrp="1"/>
+          </p:cNvSpPr>
+          <p:nvPr>
+            <p:ph type="title"/>
+          </p:nvPr>
+        </p:nvSpPr>
+        <p:spPr/>
+        <p:txBody>
+          <a:bodyPr/>
+          <a:lstStyle/>
+          <a:p>
+            <a:r>
+              <a:rPr lang="en-US" dirty="0" smtClean="0"/>
+              <a:t>Overview</a:t>
+            </a:r>
+            <a:endParaRPr lang="en-US" dirty="0"/>
+          </a:p>
+        </p:txBody>
+      </p:sp>
+      <p:sp>
+        <p:nvSpPr>
+          <p:cNvPr id="3" name="Content Placeholder 2"/>
+          <p:cNvSpPr>
+            <a:spLocks noGrp="1"/>
+          </p:cNvSpPr>
+          <p:nvPr>
+            <p:ph idx="1"/>
+          </p:nvPr>
+        </p:nvSpPr>
+        <p:spPr/>
+        <p:txBody>
+          <a:bodyPr/>
+          <a:lstStyle/>
+          <a:p>
+            <a:r>
+              <a:rPr lang="en-US" dirty="0" smtClean="0"/>
+              <a:t>Problem Space</a:t>
+            </a:r>
+            <a:r>
+              <a:rPr lang="en-US" dirty="0"/>
+              <a:t> </a:t>
+            </a:r>
+            <a:r>
+              <a:rPr lang="en-US" dirty="0" smtClean="0"/>
+              <a:t>&amp; Solution</a:t>
+            </a:r>
+            <a:r>
+              <a:rPr lang="en-US" dirty="0" smtClean="0"/>
+              <a:t>		  3 </a:t>
+            </a:r>
+            <a:r>
+              <a:rPr lang="en-US" dirty="0" err="1" smtClean="0"/>
+              <a:t>mins</a:t>
+            </a:r>
+            <a:endParaRPr lang="en-US" dirty="0" smtClean="0"/>
+          </a:p>
+          <a:p>
+            <a:r>
+              <a:rPr lang="en-US" dirty="0" smtClean="0"/>
+              <a:t>Design &amp; Implementation			  8 </a:t>
+            </a:r>
+            <a:r>
+              <a:rPr lang="en-US" dirty="0" err="1" smtClean="0"/>
+              <a:t>mins</a:t>
+            </a:r>
+            <a:endParaRPr lang="en-US" dirty="0" smtClean="0"/>
+          </a:p>
+          <a:p>
+            <a:r>
+              <a:rPr lang="en-US" dirty="0"/>
+              <a:t>Demo					  7 </a:t>
+            </a:r>
+            <a:r>
+              <a:rPr lang="en-US" dirty="0" err="1"/>
+              <a:t>mins</a:t>
+            </a:r>
+            <a:endParaRPr lang="en-US" dirty="0"/>
+          </a:p>
+          <a:p>
+            <a:r>
+              <a:rPr lang="en-US" dirty="0" smtClean="0"/>
+              <a:t>Test &amp; Analysis</a:t>
+            </a:r>
+            <a:r>
+              <a:rPr lang="en-US" dirty="0" smtClean="0"/>
+              <a:t>			</a:t>
+            </a:r>
+            <a:r>
+              <a:rPr lang="en-US" dirty="0"/>
+              <a:t>	</a:t>
+            </a:r>
+            <a:endParaRPr lang="en-US" dirty="0" smtClean="0"/>
+          </a:p>
+          <a:p>
+            <a:r>
+              <a:rPr lang="en-US" dirty="0" smtClean="0"/>
+              <a:t>Future Work</a:t>
+            </a:r>
+            <a:endParaRPr lang="en-US" dirty="0" smtClean="0"/>
+          </a:p>
+          <a:p>
+            <a:r>
+              <a:rPr lang="en-US" dirty="0" smtClean="0"/>
+              <a:t>Summary					  2 </a:t>
+            </a:r>
+            <a:r>
+              <a:rPr lang="en-US" dirty="0" err="1" smtClean="0"/>
+              <a:t>mins</a:t>
+            </a:r>
+            <a:endParaRPr lang="en-US" dirty="0" smtClean="0"/>
+          </a:p>
+          <a:p>
+            <a:r>
+              <a:rPr lang="en-US" dirty="0" smtClean="0"/>
+              <a:t>Q&amp;A						  5 </a:t>
+            </a:r>
+            <a:r>
+              <a:rPr lang="en-US" dirty="0" err="1" smtClean="0"/>
+              <a:t>mins</a:t>
+            </a:r>
+            <a:endParaRPr lang="en-US" dirty="0"/>
+          </a:p>
+        </p:txBody>
+      </p:sp>
+    </p:spTree>
+    <p:extLst>
+      <p:ext uri="{BB962C8B-B14F-4D97-AF65-F5344CB8AC3E}">
+        <p14:creationId xmlns:p14="http://schemas.microsoft.com/office/powerpoint/2010/main" val="2081550029"/>
+      </p:ext>
+    </p:extLst>
+  </p:cSld>
+  <p:clrMapOvr>
+    <a:masterClrMapping/>
+  </p:clrMapOvr>
+  <p:timing>
+    <p:tnLst>
+      <p:par>
+        <p:cTn xmlns:p14="http://schemas.microsoft.com/office/powerpoint/2010/main" id="1" dur="indefinite" restart="never" nodeType="tmRoot"/>
+      </p:par>
+    </p:tnLst>
+  </p:timing>
+</p:sld>
+</file>
+
+<file path=ppt/slides/slide20.xml><?xml version="1.0" encoding="utf-8"?>
+<p:sld xmlns:a="http://schemas.openxmlformats.org/drawingml/2006/main" xmlns:r="http://schemas.openxmlformats.org/officeDocument/2006/relationships" xmlns:p="http://schemas.openxmlformats.org/presentationml/2006/main">
+  <p:cSld>
+    <p:spTree>
+      <p:nvGrpSpPr>
+        <p:cNvPr id="1" name=""/>
+        <p:cNvGrpSpPr/>
+        <p:nvPr/>
+      </p:nvGrpSpPr>
+      <p:grpSpPr>
+        <a:xfrm>
+          <a:off x="0" y="0"/>
+          <a:ext cx="0" cy="0"/>
+          <a:chOff x="0" y="0"/>
+          <a:chExt cx="0" cy="0"/>
+        </a:xfrm>
+      </p:grpSpPr>
+      <p:sp>
+        <p:nvSpPr>
+          <p:cNvPr id="2" name="Title 1"/>
+          <p:cNvSpPr>
+            <a:spLocks noGrp="1"/>
+          </p:cNvSpPr>
+          <p:nvPr>
+            <p:ph type="title"/>
+          </p:nvPr>
+        </p:nvSpPr>
+        <p:spPr>
+          <a:xfrm>
+            <a:off x="457200" y="2176803"/>
+            <a:ext cx="8229600" cy="990600"/>
+          </a:xfrm>
+        </p:spPr>
+        <p:txBody>
+          <a:bodyPr/>
+          <a:lstStyle/>
+          <a:p>
+            <a:pPr algn="ctr"/>
+            <a:r>
+              <a:rPr lang="en-US" dirty="0" smtClean="0"/>
+              <a:t>Backup Slides Beyond this Point</a:t>
+            </a:r>
+            <a:endParaRPr lang="en-US" dirty="0"/>
+          </a:p>
+        </p:txBody>
+      </p:sp>
+    </p:spTree>
+    <p:extLst>
+      <p:ext uri="{BB962C8B-B14F-4D97-AF65-F5344CB8AC3E}">
+        <p14:creationId xmlns:p14="http://schemas.microsoft.com/office/powerpoint/2010/main" val="1023839591"/>
+      </p:ext>
+    </p:extLst>
+  </p:cSld>
+  <p:clrMapOvr>
+    <a:masterClrMapping/>
+  </p:clrMapOvr>
+  <p:timing>
+    <p:tnLst>
+      <p:par>
+        <p:cTn xmlns:p14="http://schemas.microsoft.com/office/powerpoint/2010/main" id="1" dur="indefinite" restart="never" nodeType="tmRoot"/>
+      </p:par>
+    </p:tnLst>
+  </p:timing>
+</p:sld>
+</file>
+
+<file path=ppt/slides/slide21.xml><?xml version="1.0" encoding="utf-8"?>
+<p:sld xmlns:a="http://schemas.openxmlformats.org/drawingml/2006/main" xmlns:r="http://schemas.openxmlformats.org/officeDocument/2006/relationships" xmlns:p="http://schemas.openxmlformats.org/presentationml/2006/main">
+  <p:cSld>
+    <p:spTree>
+      <p:nvGrpSpPr>
+        <p:cNvPr id="1" name=""/>
+        <p:cNvGrpSpPr/>
+        <p:nvPr/>
+      </p:nvGrpSpPr>
+      <p:grpSpPr>
+        <a:xfrm>
+          <a:off x="0" y="0"/>
+          <a:ext cx="0" cy="0"/>
+          <a:chOff x="0" y="0"/>
+          <a:chExt cx="0" cy="0"/>
+        </a:xfrm>
+      </p:grpSpPr>
+      <p:sp>
+        <p:nvSpPr>
+          <p:cNvPr id="2" name="Title 1"/>
+          <p:cNvSpPr>
+            <a:spLocks noGrp="1"/>
+          </p:cNvSpPr>
+          <p:nvPr>
+            <p:ph type="title"/>
+          </p:nvPr>
+        </p:nvSpPr>
+        <p:spPr/>
+        <p:txBody>
+          <a:bodyPr/>
+          <a:lstStyle/>
+          <a:p>
+            <a:r>
+              <a:rPr lang="en-US" dirty="0" smtClean="0"/>
+              <a:t>Requirements – 1 of 2</a:t>
+            </a:r>
+            <a:endParaRPr lang="en-US" dirty="0"/>
+          </a:p>
+        </p:txBody>
+      </p:sp>
+      <p:sp>
+        <p:nvSpPr>
+          <p:cNvPr id="3" name="Content Placeholder 2"/>
+          <p:cNvSpPr>
+            <a:spLocks noGrp="1"/>
+          </p:cNvSpPr>
+          <p:nvPr>
+            <p:ph idx="1"/>
+          </p:nvPr>
+        </p:nvSpPr>
+        <p:spPr/>
+        <p:txBody>
+          <a:bodyPr/>
+          <a:lstStyle/>
+          <a:p>
+            <a:pPr marL="182880" lvl="1"/>
+            <a:r>
+              <a:rPr lang="en-US" sz="2400" dirty="0" smtClean="0"/>
+              <a:t>Functional </a:t>
+            </a:r>
+            <a:r>
+              <a:rPr lang="en-US" sz="2400" dirty="0"/>
+              <a:t>Requirements</a:t>
+            </a:r>
+          </a:p>
+          <a:p>
+            <a:endParaRPr lang="en-US" dirty="0" smtClean="0"/>
+          </a:p>
+          <a:p>
+            <a:endParaRPr lang="en-US" dirty="0"/>
+          </a:p>
+          <a:p>
+            <a:endParaRPr lang="en-US" dirty="0" smtClean="0"/>
+          </a:p>
+          <a:p>
+            <a:endParaRPr lang="en-US" dirty="0"/>
+          </a:p>
+          <a:p>
+            <a:endParaRPr lang="en-US" dirty="0" smtClean="0"/>
+          </a:p>
+          <a:p>
+            <a:pPr marL="0" indent="0">
+              <a:buNone/>
+            </a:pPr>
+            <a:endParaRPr lang="en-US" dirty="0" smtClean="0"/>
+          </a:p>
+        </p:txBody>
+      </p:sp>
+      <p:graphicFrame>
+        <p:nvGraphicFramePr>
+          <p:cNvPr id="4" name="Table 3"/>
+          <p:cNvGraphicFramePr>
+            <a:graphicFrameLocks noGrp="1"/>
+          </p:cNvGraphicFramePr>
+          <p:nvPr>
+            <p:extLst>
+              <p:ext uri="{D42A27DB-BD31-4B8C-83A1-F6EECF244321}">
+                <p14:modId xmlns:p14="http://schemas.microsoft.com/office/powerpoint/2010/main" val="42365621"/>
+              </p:ext>
+            </p:extLst>
+          </p:nvPr>
+        </p:nvGraphicFramePr>
+        <p:xfrm>
+          <a:off x="457200" y="2349577"/>
+          <a:ext cx="8229600" cy="3521591"/>
+        </p:xfrm>
+        <a:graphic>
+          <a:graphicData uri="http://schemas.openxmlformats.org/drawingml/2006/table">
+            <a:tbl>
+              <a:tblPr firstRow="1" bandRow="1">
+                <a:tableStyleId>{5C22544A-7EE6-4342-B048-85BDC9FD1C3A}</a:tableStyleId>
+              </a:tblPr>
+              <a:tblGrid>
+                <a:gridCol w="710783"/>
+                <a:gridCol w="3435910"/>
+                <a:gridCol w="4082907"/>
+              </a:tblGrid>
+              <a:tr h="473591">
+                <a:tc>
+                  <a:txBody>
+                    <a:bodyPr/>
+                    <a:lstStyle/>
+                    <a:p>
+                      <a:pPr algn="ctr"/>
+                      <a:r>
+                        <a:rPr lang="en-US" sz="1600" dirty="0" smtClean="0"/>
+                        <a:t>ID</a:t>
+                      </a:r>
+                      <a:endParaRPr lang="en-US" sz="1600" dirty="0"/>
+                    </a:p>
+                  </a:txBody>
+                  <a:tcPr/>
+                </a:tc>
+                <a:tc>
+                  <a:txBody>
+                    <a:bodyPr/>
+                    <a:lstStyle/>
+                    <a:p>
+                      <a:pPr algn="ctr"/>
+                      <a:r>
+                        <a:rPr lang="en-US" sz="1600" dirty="0" smtClean="0"/>
+                        <a:t>Title</a:t>
+                      </a:r>
+                      <a:endParaRPr lang="en-US" sz="1600" dirty="0"/>
+                    </a:p>
+                  </a:txBody>
+                  <a:tcPr/>
+                </a:tc>
+                <a:tc>
+                  <a:txBody>
+                    <a:bodyPr/>
+                    <a:lstStyle/>
+                    <a:p>
+                      <a:pPr algn="ctr"/>
+                      <a:r>
+                        <a:rPr lang="en-US" sz="1600" dirty="0" smtClean="0"/>
+                        <a:t>Description</a:t>
+                      </a:r>
+                      <a:endParaRPr lang="en-US" sz="1600" dirty="0"/>
+                    </a:p>
+                  </a:txBody>
+                  <a:tcPr/>
+                </a:tc>
+              </a:tr>
+              <a:tr h="473591">
+                <a:tc>
+                  <a:txBody>
+                    <a:bodyPr/>
+                    <a:lstStyle/>
+                    <a:p>
+                      <a:r>
+                        <a:rPr lang="en-US" sz="1600" dirty="0" smtClean="0"/>
+                        <a:t>F01</a:t>
+                      </a:r>
+                      <a:endParaRPr lang="en-US" sz="1600" dirty="0"/>
+                    </a:p>
+                  </a:txBody>
+                  <a:tcPr/>
+                </a:tc>
+                <a:tc>
+                  <a:txBody>
+                    <a:bodyPr/>
+                    <a:lstStyle/>
+                    <a:p>
+                      <a:r>
+                        <a:rPr lang="en-US" sz="1600" dirty="0" smtClean="0"/>
+                        <a:t>Random mode for thread</a:t>
+                      </a:r>
+                      <a:r>
+                        <a:rPr lang="en-US" sz="1600" baseline="0" dirty="0" smtClean="0"/>
+                        <a:t> selection</a:t>
+                      </a:r>
+                      <a:endParaRPr lang="en-US" sz="1600" dirty="0"/>
+                    </a:p>
+                  </a:txBody>
+                  <a:tcPr/>
+                </a:tc>
+                <a:tc>
+                  <a:txBody>
+                    <a:bodyPr/>
+                    <a:lstStyle/>
+                    <a:p>
+                      <a:r>
+                        <a:rPr lang="en-US" sz="1600" kern="1200" dirty="0" smtClean="0">
+                          <a:solidFill>
+                            <a:schemeClr val="dk1"/>
+                          </a:solidFill>
+                          <a:effectLst/>
+                          <a:latin typeface="+mn-lt"/>
+                          <a:ea typeface="+mn-ea"/>
+                          <a:cs typeface="+mn-cs"/>
+                        </a:rPr>
+                        <a:t>Concur shall support a random mode for thread selection in which threads are automatically and randomly selected.</a:t>
+                      </a:r>
+                      <a:r>
+                        <a:rPr lang="en-US" sz="1600" dirty="0" smtClean="0">
+                          <a:effectLst/>
+                        </a:rPr>
+                        <a:t> </a:t>
+                      </a:r>
+                      <a:endParaRPr lang="en-US" sz="1600" dirty="0"/>
+                    </a:p>
+                  </a:txBody>
+                  <a:tcPr/>
+                </a:tc>
+              </a:tr>
+              <a:tr h="473591">
+                <a:tc>
+                  <a:txBody>
+                    <a:bodyPr/>
+                    <a:lstStyle/>
+                    <a:p>
+                      <a:r>
+                        <a:rPr lang="en-US" sz="1600" dirty="0" smtClean="0"/>
+                        <a:t>F02</a:t>
+                      </a:r>
+                      <a:endParaRPr lang="en-US" sz="1600" dirty="0"/>
+                    </a:p>
+                  </a:txBody>
+                  <a:tcPr/>
+                </a:tc>
+                <a:tc>
+                  <a:txBody>
+                    <a:bodyPr/>
+                    <a:lstStyle/>
+                    <a:p>
+                      <a:r>
+                        <a:rPr lang="en-US" sz="1600" dirty="0" smtClean="0"/>
+                        <a:t>Interactive mode for thread</a:t>
+                      </a:r>
+                      <a:r>
+                        <a:rPr lang="en-US" sz="1600" baseline="0" dirty="0" smtClean="0"/>
+                        <a:t> selection</a:t>
+                      </a:r>
+                      <a:endParaRPr lang="en-US" sz="1600" dirty="0"/>
+                    </a:p>
+                  </a:txBody>
+                  <a:tcPr/>
+                </a:tc>
+                <a:tc>
+                  <a:txBody>
+                    <a:bodyPr/>
+                    <a:lstStyle/>
+                    <a:p>
+                      <a:r>
+                        <a:rPr lang="en-US" sz="1600" kern="1200" dirty="0" smtClean="0">
+                          <a:solidFill>
+                            <a:schemeClr val="dk1"/>
+                          </a:solidFill>
+                          <a:effectLst/>
+                          <a:latin typeface="+mn-lt"/>
+                          <a:ea typeface="+mn-ea"/>
+                          <a:cs typeface="+mn-cs"/>
+                        </a:rPr>
+                        <a:t>Concur shall support an interactive mode for thread</a:t>
+                      </a:r>
+                      <a:r>
+                        <a:rPr lang="en-US" sz="1600" kern="1200" baseline="0" dirty="0" smtClean="0">
+                          <a:solidFill>
+                            <a:schemeClr val="dk1"/>
+                          </a:solidFill>
+                          <a:effectLst/>
+                          <a:latin typeface="+mn-lt"/>
+                          <a:ea typeface="+mn-ea"/>
+                          <a:cs typeface="+mn-cs"/>
+                        </a:rPr>
+                        <a:t> selection</a:t>
+                      </a:r>
+                      <a:r>
+                        <a:rPr lang="en-US" sz="1600" kern="1200" dirty="0" smtClean="0">
+                          <a:solidFill>
+                            <a:schemeClr val="dk1"/>
+                          </a:solidFill>
+                          <a:effectLst/>
+                          <a:latin typeface="+mn-lt"/>
+                          <a:ea typeface="+mn-ea"/>
+                          <a:cs typeface="+mn-cs"/>
+                        </a:rPr>
+                        <a:t> in which the user will choose which thread</a:t>
+                      </a:r>
+                      <a:r>
+                        <a:rPr lang="en-US" sz="1600" kern="1200" baseline="0" dirty="0" smtClean="0">
+                          <a:solidFill>
+                            <a:schemeClr val="dk1"/>
+                          </a:solidFill>
+                          <a:effectLst/>
+                          <a:latin typeface="+mn-lt"/>
+                          <a:ea typeface="+mn-ea"/>
+                          <a:cs typeface="+mn-cs"/>
+                        </a:rPr>
+                        <a:t> is selected</a:t>
+                      </a:r>
+                      <a:r>
+                        <a:rPr lang="en-US" sz="1600" kern="1200" dirty="0" smtClean="0">
+                          <a:solidFill>
+                            <a:schemeClr val="dk1"/>
+                          </a:solidFill>
+                          <a:effectLst/>
+                          <a:latin typeface="+mn-lt"/>
+                          <a:ea typeface="+mn-ea"/>
+                          <a:cs typeface="+mn-cs"/>
+                        </a:rPr>
+                        <a:t>.</a:t>
+                      </a:r>
+                      <a:endParaRPr lang="en-US" sz="1600" dirty="0"/>
+                    </a:p>
+                  </a:txBody>
+                  <a:tcPr/>
+                </a:tc>
+              </a:tr>
+              <a:tr h="473591">
+                <a:tc>
+                  <a:txBody>
+                    <a:bodyPr/>
+                    <a:lstStyle/>
+                    <a:p>
+                      <a:r>
+                        <a:rPr lang="en-US" sz="1600" dirty="0" smtClean="0"/>
+                        <a:t>F03</a:t>
+                      </a:r>
+                      <a:endParaRPr lang="en-US" sz="1600" dirty="0"/>
+                    </a:p>
+                  </a:txBody>
+                  <a:tcPr/>
+                </a:tc>
+                <a:tc>
+                  <a:txBody>
+                    <a:bodyPr/>
+                    <a:lstStyle/>
+                    <a:p>
+                      <a:r>
+                        <a:rPr lang="en-US" sz="1600" dirty="0" smtClean="0"/>
+                        <a:t>Log trail</a:t>
+                      </a:r>
+                      <a:endParaRPr lang="en-US" sz="1600" dirty="0"/>
+                    </a:p>
+                  </a:txBody>
+                  <a:tcPr/>
+                </a:tc>
+                <a:tc>
+                  <a:txBody>
+                    <a:bodyPr/>
+                    <a:lstStyle/>
+                    <a:p>
+                      <a:r>
+                        <a:rPr lang="en-US" sz="1600" kern="1200" dirty="0" smtClean="0">
+                          <a:solidFill>
+                            <a:schemeClr val="dk1"/>
+                          </a:solidFill>
+                          <a:effectLst/>
+                          <a:latin typeface="+mn-lt"/>
+                          <a:ea typeface="+mn-ea"/>
+                          <a:cs typeface="+mn-cs"/>
+                        </a:rPr>
+                        <a:t>Concur shall provide information regarding</a:t>
+                      </a:r>
+                      <a:r>
+                        <a:rPr lang="en-US" sz="1600" kern="1200" baseline="0" dirty="0" smtClean="0">
+                          <a:solidFill>
+                            <a:schemeClr val="dk1"/>
+                          </a:solidFill>
+                          <a:effectLst/>
+                          <a:latin typeface="+mn-lt"/>
+                          <a:ea typeface="+mn-ea"/>
+                          <a:cs typeface="+mn-cs"/>
+                        </a:rPr>
+                        <a:t> program execution</a:t>
+                      </a:r>
+                      <a:r>
+                        <a:rPr lang="en-US" sz="1600" kern="1200" dirty="0" smtClean="0">
+                          <a:solidFill>
+                            <a:schemeClr val="dk1"/>
+                          </a:solidFill>
+                          <a:effectLst/>
+                          <a:latin typeface="+mn-lt"/>
+                          <a:ea typeface="+mn-ea"/>
+                          <a:cs typeface="+mn-cs"/>
+                        </a:rPr>
+                        <a:t>.</a:t>
+                      </a:r>
+                      <a:endParaRPr lang="en-US" sz="1600" dirty="0"/>
+                    </a:p>
+                  </a:txBody>
+                  <a:tcPr/>
+                </a:tc>
+              </a:tr>
+              <a:tr h="473591">
+                <a:tc>
+                  <a:txBody>
+                    <a:bodyPr/>
+                    <a:lstStyle/>
+                    <a:p>
+                      <a:r>
+                        <a:rPr lang="en-US" sz="1600" dirty="0" smtClean="0"/>
+                        <a:t>F04</a:t>
+                      </a:r>
+                      <a:endParaRPr lang="en-US" sz="1600" dirty="0"/>
+                    </a:p>
+                  </a:txBody>
+                  <a:tcPr/>
+                </a:tc>
+                <a:tc>
+                  <a:txBody>
+                    <a:bodyPr/>
+                    <a:lstStyle/>
+                    <a:p>
+                      <a:r>
+                        <a:rPr lang="en-US" sz="1600" dirty="0" smtClean="0"/>
+                        <a:t>Thread,</a:t>
+                      </a:r>
+                      <a:r>
+                        <a:rPr lang="en-US" sz="1600" baseline="0" dirty="0" smtClean="0"/>
+                        <a:t> lock, and semaphore status</a:t>
+                      </a:r>
+                      <a:endParaRPr lang="en-US" sz="1600" dirty="0"/>
+                    </a:p>
+                  </a:txBody>
+                  <a:tcPr/>
+                </a:tc>
+                <a:tc>
+                  <a:txBody>
+                    <a:bodyPr/>
+                    <a:lstStyle/>
+                    <a:p>
+                      <a:r>
+                        <a:rPr lang="en-US" sz="1600" kern="1200" dirty="0" smtClean="0">
+                          <a:solidFill>
+                            <a:schemeClr val="dk1"/>
+                          </a:solidFill>
+                          <a:effectLst/>
+                          <a:latin typeface="+mn-lt"/>
+                          <a:ea typeface="+mn-ea"/>
+                          <a:cs typeface="+mn-cs"/>
+                        </a:rPr>
+                        <a:t>Concur shall provide current state of each thread, lock, and semaphore when in interactive mode.</a:t>
+                      </a:r>
+                      <a:r>
+                        <a:rPr lang="en-US" sz="1600" dirty="0" smtClean="0">
+                          <a:effectLst/>
+                        </a:rPr>
+                        <a:t> </a:t>
+                      </a:r>
+                      <a:endParaRPr lang="en-US" sz="1600" dirty="0"/>
+                    </a:p>
+                  </a:txBody>
+                  <a:tcPr/>
+                </a:tc>
+              </a:tr>
+            </a:tbl>
+          </a:graphicData>
+        </a:graphic>
+      </p:graphicFrame>
+    </p:spTree>
+    <p:extLst>
+      <p:ext uri="{BB962C8B-B14F-4D97-AF65-F5344CB8AC3E}">
+        <p14:creationId xmlns:p14="http://schemas.microsoft.com/office/powerpoint/2010/main" val="3574104351"/>
+      </p:ext>
+    </p:extLst>
+  </p:cSld>
+  <p:clrMapOvr>
+    <a:masterClrMapping/>
+  </p:clrMapOvr>
+  <p:timing>
+    <p:tnLst>
+      <p:par>
+        <p:cTn xmlns:p14="http://schemas.microsoft.com/office/powerpoint/2010/main" id="1" dur="indefinite" restart="never" nodeType="tmRoot"/>
+      </p:par>
+    </p:tnLst>
+  </p:timing>
+</p:sld>
+</file>
+
+<file path=ppt/slides/slide22.xml><?xml version="1.0" encoding="utf-8"?>
+<p:sld xmlns:a="http://schemas.openxmlformats.org/drawingml/2006/main" xmlns:r="http://schemas.openxmlformats.org/officeDocument/2006/relationships" xmlns:p="http://schemas.openxmlformats.org/presentationml/2006/main">
+  <p:cSld>
+    <p:spTree>
+      <p:nvGrpSpPr>
+        <p:cNvPr id="1" name=""/>
+        <p:cNvGrpSpPr/>
+        <p:nvPr/>
+      </p:nvGrpSpPr>
+      <p:grpSpPr>
+        <a:xfrm>
+          <a:off x="0" y="0"/>
+          <a:ext cx="0" cy="0"/>
+          <a:chOff x="0" y="0"/>
+          <a:chExt cx="0" cy="0"/>
+        </a:xfrm>
+      </p:grpSpPr>
+      <p:sp>
+        <p:nvSpPr>
+          <p:cNvPr id="2" name="Title 1"/>
+          <p:cNvSpPr>
+            <a:spLocks noGrp="1"/>
+          </p:cNvSpPr>
+          <p:nvPr>
+            <p:ph type="title"/>
+          </p:nvPr>
+        </p:nvSpPr>
+        <p:spPr/>
+        <p:txBody>
+          <a:bodyPr/>
+          <a:lstStyle/>
+          <a:p>
+            <a:r>
+              <a:rPr lang="en-US" dirty="0" smtClean="0"/>
+              <a:t>Requirements </a:t>
+            </a:r>
+            <a:r>
+              <a:rPr lang="en-US" dirty="0" smtClean="0"/>
+              <a:t>– </a:t>
+            </a:r>
+            <a:r>
+              <a:rPr lang="en-US" dirty="0"/>
+              <a:t>2</a:t>
+            </a:r>
+            <a:r>
+              <a:rPr lang="en-US" dirty="0" smtClean="0"/>
+              <a:t> </a:t>
+            </a:r>
+            <a:r>
+              <a:rPr lang="en-US" dirty="0" smtClean="0"/>
+              <a:t>of </a:t>
+            </a:r>
+            <a:r>
+              <a:rPr lang="en-US" dirty="0" smtClean="0"/>
+              <a:t>2</a:t>
+            </a:r>
+            <a:endParaRPr lang="en-US" dirty="0"/>
+          </a:p>
+        </p:txBody>
+      </p:sp>
+      <p:sp>
+        <p:nvSpPr>
+          <p:cNvPr id="3" name="Content Placeholder 2"/>
+          <p:cNvSpPr>
+            <a:spLocks noGrp="1"/>
+          </p:cNvSpPr>
+          <p:nvPr>
+            <p:ph idx="1"/>
+          </p:nvPr>
+        </p:nvSpPr>
+        <p:spPr/>
+        <p:txBody>
+          <a:bodyPr>
+            <a:normAutofit/>
+          </a:bodyPr>
+          <a:lstStyle/>
+          <a:p>
+            <a:pPr marL="182880" lvl="1"/>
+            <a:r>
+              <a:rPr lang="en-US" sz="2400" dirty="0" smtClean="0"/>
+              <a:t>Non-Functional Requirements</a:t>
+            </a:r>
+            <a:endParaRPr lang="en-US" sz="2400" dirty="0"/>
+          </a:p>
+        </p:txBody>
+      </p:sp>
+      <p:graphicFrame>
+        <p:nvGraphicFramePr>
+          <p:cNvPr id="6" name="Table 5"/>
+          <p:cNvGraphicFramePr>
+            <a:graphicFrameLocks noGrp="1"/>
+          </p:cNvGraphicFramePr>
+          <p:nvPr>
+            <p:extLst>
+              <p:ext uri="{D42A27DB-BD31-4B8C-83A1-F6EECF244321}">
+                <p14:modId xmlns:p14="http://schemas.microsoft.com/office/powerpoint/2010/main" val="2114934227"/>
+              </p:ext>
+            </p:extLst>
+          </p:nvPr>
+        </p:nvGraphicFramePr>
+        <p:xfrm>
+          <a:off x="457200" y="2456544"/>
+          <a:ext cx="8229600" cy="1999893"/>
+        </p:xfrm>
+        <a:graphic>
+          <a:graphicData uri="http://schemas.openxmlformats.org/drawingml/2006/table">
+            <a:tbl>
+              <a:tblPr firstRow="1" bandRow="1">
+                <a:tableStyleId>{5C22544A-7EE6-4342-B048-85BDC9FD1C3A}</a:tableStyleId>
+              </a:tblPr>
+              <a:tblGrid>
+                <a:gridCol w="694458"/>
+                <a:gridCol w="3452235"/>
+                <a:gridCol w="4082907"/>
+              </a:tblGrid>
+              <a:tr h="473591">
+                <a:tc>
+                  <a:txBody>
+                    <a:bodyPr/>
+                    <a:lstStyle/>
+                    <a:p>
+                      <a:pPr algn="ctr"/>
+                      <a:r>
+                        <a:rPr lang="en-US" sz="1600" dirty="0" smtClean="0"/>
+                        <a:t>ID</a:t>
+                      </a:r>
+                      <a:endParaRPr lang="en-US" sz="1600" dirty="0"/>
+                    </a:p>
+                  </a:txBody>
+                  <a:tcPr/>
+                </a:tc>
+                <a:tc>
+                  <a:txBody>
+                    <a:bodyPr/>
+                    <a:lstStyle/>
+                    <a:p>
+                      <a:pPr algn="ctr"/>
+                      <a:r>
+                        <a:rPr lang="en-US" sz="1600" dirty="0" smtClean="0"/>
+                        <a:t>Title</a:t>
+                      </a:r>
+                      <a:endParaRPr lang="en-US" sz="1600" dirty="0"/>
+                    </a:p>
+                  </a:txBody>
+                  <a:tcPr/>
+                </a:tc>
+                <a:tc>
+                  <a:txBody>
+                    <a:bodyPr/>
+                    <a:lstStyle/>
+                    <a:p>
+                      <a:pPr algn="ctr"/>
+                      <a:r>
+                        <a:rPr lang="en-US" sz="1600" dirty="0" smtClean="0"/>
+                        <a:t>Description</a:t>
+                      </a:r>
+                      <a:endParaRPr lang="en-US" sz="1600" dirty="0"/>
+                    </a:p>
+                  </a:txBody>
+                  <a:tcPr/>
+                </a:tc>
+              </a:tr>
+              <a:tr h="473591">
+                <a:tc>
+                  <a:txBody>
+                    <a:bodyPr/>
+                    <a:lstStyle/>
+                    <a:p>
+                      <a:r>
+                        <a:rPr lang="en-US" sz="1600" dirty="0" smtClean="0"/>
+                        <a:t>NF01</a:t>
+                      </a:r>
+                      <a:endParaRPr lang="en-US" sz="1600" dirty="0"/>
+                    </a:p>
+                  </a:txBody>
+                  <a:tcPr/>
+                </a:tc>
+                <a:tc>
+                  <a:txBody>
+                    <a:bodyPr/>
+                    <a:lstStyle/>
+                    <a:p>
+                      <a:r>
+                        <a:rPr lang="en-US" sz="1600" dirty="0" smtClean="0"/>
+                        <a:t>Usability</a:t>
+                      </a:r>
+                      <a:endParaRPr lang="en-US" sz="1600" dirty="0"/>
+                    </a:p>
+                  </a:txBody>
+                  <a:tcPr/>
+                </a:tc>
+                <a:tc>
+                  <a:txBody>
+                    <a:bodyPr/>
+                    <a:lstStyle/>
+                    <a:p>
+                      <a:r>
+                        <a:rPr lang="en-US" sz="1600" kern="1200" dirty="0" smtClean="0">
+                          <a:solidFill>
+                            <a:schemeClr val="dk1"/>
+                          </a:solidFill>
+                          <a:effectLst/>
+                          <a:latin typeface="+mn-lt"/>
+                          <a:ea typeface="+mn-ea"/>
+                          <a:cs typeface="+mn-cs"/>
+                        </a:rPr>
+                        <a:t>Concur shall be usable for the intended users.</a:t>
+                      </a:r>
+                      <a:r>
+                        <a:rPr lang="en-US" sz="1600" dirty="0" smtClean="0">
+                          <a:effectLst/>
+                        </a:rPr>
+                        <a:t> </a:t>
+                      </a:r>
+                      <a:endParaRPr lang="en-US" sz="1600" dirty="0"/>
+                    </a:p>
+                  </a:txBody>
+                  <a:tcPr/>
+                </a:tc>
+              </a:tr>
+              <a:tr h="473591">
+                <a:tc>
+                  <a:txBody>
+                    <a:bodyPr/>
+                    <a:lstStyle/>
+                    <a:p>
+                      <a:r>
+                        <a:rPr lang="en-US" sz="1600" dirty="0" smtClean="0"/>
+                        <a:t>NF02</a:t>
+                      </a:r>
+                      <a:endParaRPr lang="en-US" sz="1600" dirty="0"/>
+                    </a:p>
+                  </a:txBody>
+                  <a:tcPr/>
+                </a:tc>
+                <a:tc>
+                  <a:txBody>
+                    <a:bodyPr/>
+                    <a:lstStyle/>
+                    <a:p>
+                      <a:r>
+                        <a:rPr lang="en-US" sz="1600" dirty="0" smtClean="0"/>
+                        <a:t>Maintainability</a:t>
+                      </a:r>
+                      <a:endParaRPr lang="en-US" sz="1600" dirty="0"/>
+                    </a:p>
+                  </a:txBody>
+                  <a:tcPr/>
+                </a:tc>
+                <a:tc>
+                  <a:txBody>
+                    <a:bodyPr/>
+                    <a:lstStyle/>
+                    <a:p>
+                      <a:pPr marL="0" marR="0">
+                        <a:spcBef>
+                          <a:spcPts val="0"/>
+                        </a:spcBef>
+                        <a:spcAft>
+                          <a:spcPts val="0"/>
+                        </a:spcAft>
+                      </a:pPr>
+                      <a:r>
+                        <a:rPr lang="en-US" sz="1600" dirty="0">
+                          <a:effectLst/>
+                          <a:latin typeface="+mn-lt"/>
+                          <a:ea typeface="ＭＳ 明朝"/>
+                          <a:cs typeface="Times New Roman"/>
+                        </a:rPr>
+                        <a:t>Concur shall be </a:t>
+                      </a:r>
+                      <a:r>
+                        <a:rPr lang="en-US" sz="1600" dirty="0" smtClean="0">
+                          <a:effectLst/>
+                          <a:latin typeface="+mn-lt"/>
+                          <a:ea typeface="ＭＳ 明朝"/>
+                          <a:cs typeface="Times New Roman"/>
+                        </a:rPr>
+                        <a:t>maintainable.</a:t>
+                      </a:r>
+                      <a:endParaRPr lang="en-US" sz="1600" dirty="0">
+                        <a:effectLst/>
+                        <a:latin typeface="+mn-lt"/>
+                        <a:ea typeface="ＭＳ 明朝"/>
+                        <a:cs typeface="Times New Roman"/>
+                      </a:endParaRPr>
+                    </a:p>
+                  </a:txBody>
+                  <a:tcPr marL="68580" marR="68580" marT="0" marB="0"/>
+                </a:tc>
+              </a:tr>
+              <a:tr h="473591">
+                <a:tc>
+                  <a:txBody>
+                    <a:bodyPr/>
+                    <a:lstStyle/>
+                    <a:p>
+                      <a:r>
+                        <a:rPr lang="en-US" sz="1600" dirty="0" smtClean="0"/>
+                        <a:t>NF03</a:t>
+                      </a:r>
+                      <a:endParaRPr lang="en-US" sz="1600" dirty="0"/>
+                    </a:p>
+                  </a:txBody>
+                  <a:tcPr/>
+                </a:tc>
+                <a:tc>
+                  <a:txBody>
+                    <a:bodyPr/>
+                    <a:lstStyle/>
+                    <a:p>
+                      <a:r>
+                        <a:rPr lang="en-US" sz="1600" dirty="0" smtClean="0"/>
+                        <a:t>Extensibility</a:t>
+                      </a:r>
+                      <a:endParaRPr lang="en-US" sz="1600" dirty="0"/>
+                    </a:p>
+                  </a:txBody>
+                  <a:tcPr/>
+                </a:tc>
+                <a:tc>
+                  <a:txBody>
+                    <a:bodyPr/>
+                    <a:lstStyle/>
+                    <a:p>
+                      <a:r>
+                        <a:rPr lang="en-US" sz="1600" kern="1200" dirty="0" smtClean="0">
+                          <a:solidFill>
+                            <a:schemeClr val="dk1"/>
+                          </a:solidFill>
+                          <a:effectLst/>
+                          <a:latin typeface="+mn-lt"/>
+                          <a:ea typeface="+mn-ea"/>
+                          <a:cs typeface="+mn-cs"/>
+                        </a:rPr>
+                        <a:t>Concur shall be extensible.</a:t>
+                      </a:r>
+                      <a:endParaRPr lang="en-US" sz="1600" dirty="0"/>
+                    </a:p>
+                  </a:txBody>
+                  <a:tcPr/>
+                </a:tc>
+              </a:tr>
+            </a:tbl>
+          </a:graphicData>
+        </a:graphic>
+      </p:graphicFrame>
+    </p:spTree>
+    <p:extLst>
+      <p:ext uri="{BB962C8B-B14F-4D97-AF65-F5344CB8AC3E}">
+        <p14:creationId xmlns:p14="http://schemas.microsoft.com/office/powerpoint/2010/main" val="771113974"/>
+      </p:ext>
+    </p:extLst>
+  </p:cSld>
+  <p:clrMapOvr>
+    <a:masterClrMapping/>
+  </p:clrMapOvr>
+  <p:timing>
+    <p:tnLst>
+      <p:par>
+        <p:cTn xmlns:p14="http://schemas.microsoft.com/office/powerpoint/2010/main" id="1" dur="indefinite" restart="never" nodeType="tmRoot"/>
+      </p:par>
+    </p:tnLst>
+  </p:timing>
+</p:sld>
+</file>
+
+<file path=ppt/slides/slide23.xml><?xml version="1.0" encoding="utf-8"?>
+<p:sld xmlns:a="http://schemas.openxmlformats.org/drawingml/2006/main" xmlns:r="http://schemas.openxmlformats.org/officeDocument/2006/relationships" xmlns:p="http://schemas.openxmlformats.org/presentationml/2006/main">
+  <p:cSld>
+    <p:spTree>
+      <p:nvGrpSpPr>
+        <p:cNvPr id="1" name=""/>
+        <p:cNvGrpSpPr/>
+        <p:nvPr/>
+      </p:nvGrpSpPr>
+      <p:grpSpPr>
+        <a:xfrm>
+          <a:off x="0" y="0"/>
+          <a:ext cx="0" cy="0"/>
+          <a:chOff x="0" y="0"/>
+          <a:chExt cx="0" cy="0"/>
+        </a:xfrm>
+      </p:grpSpPr>
+      <p:sp>
+        <p:nvSpPr>
+          <p:cNvPr id="2" name="Title 1"/>
+          <p:cNvSpPr>
+            <a:spLocks noGrp="1"/>
+          </p:cNvSpPr>
+          <p:nvPr>
+            <p:ph type="title"/>
+          </p:nvPr>
+        </p:nvSpPr>
+        <p:spPr/>
+        <p:txBody>
+          <a:bodyPr/>
+          <a:lstStyle/>
+          <a:p>
+            <a:r>
+              <a:rPr lang="en-US" dirty="0" smtClean="0"/>
               <a:t>Project Files</a:t>
             </a:r>
             <a:endParaRPr lang="en-US" dirty="0"/>
@@ -4327,7 +6592,7 @@
           <p:nvPr>
             <p:extLst>
               <p:ext uri="{D42A27DB-BD31-4B8C-83A1-F6EECF244321}">
-                <p14:modId xmlns:p14="http://schemas.microsoft.com/office/powerpoint/2010/main" val="516227119"/>
+                <p14:modId xmlns:p14="http://schemas.microsoft.com/office/powerpoint/2010/main" val="4047715874"/>
               </p:ext>
             </p:extLst>
           </p:nvPr>
@@ -4457,7 +6722,7 @@
           <p:nvPr>
             <p:extLst>
               <p:ext uri="{D42A27DB-BD31-4B8C-83A1-F6EECF244321}">
-                <p14:modId xmlns:p14="http://schemas.microsoft.com/office/powerpoint/2010/main" val="908943603"/>
+                <p14:modId xmlns:p14="http://schemas.microsoft.com/office/powerpoint/2010/main" val="1933864633"/>
               </p:ext>
             </p:extLst>
           </p:nvPr>
@@ -4639,7 +6904,7 @@
           <p:nvPr>
             <p:extLst>
               <p:ext uri="{D42A27DB-BD31-4B8C-83A1-F6EECF244321}">
-                <p14:modId xmlns:p14="http://schemas.microsoft.com/office/powerpoint/2010/main" val="3441608482"/>
+                <p14:modId xmlns:p14="http://schemas.microsoft.com/office/powerpoint/2010/main" val="2444526062"/>
               </p:ext>
             </p:extLst>
           </p:nvPr>
@@ -4827,7 +7092,7 @@
           <p:nvPr>
             <p:extLst>
               <p:ext uri="{D42A27DB-BD31-4B8C-83A1-F6EECF244321}">
-                <p14:modId xmlns:p14="http://schemas.microsoft.com/office/powerpoint/2010/main" val="600606982"/>
+                <p14:modId xmlns:p14="http://schemas.microsoft.com/office/powerpoint/2010/main" val="2022608081"/>
               </p:ext>
             </p:extLst>
           </p:nvPr>
@@ -5181,7 +7446,7 @@
           <p:nvPr>
             <p:extLst>
               <p:ext uri="{D42A27DB-BD31-4B8C-83A1-F6EECF244321}">
-                <p14:modId xmlns:p14="http://schemas.microsoft.com/office/powerpoint/2010/main" val="3307631917"/>
+                <p14:modId xmlns:p14="http://schemas.microsoft.com/office/powerpoint/2010/main" val="1722615196"/>
               </p:ext>
             </p:extLst>
           </p:nvPr>
@@ -5245,7 +7510,7 @@
           <p:nvPr>
             <p:extLst>
               <p:ext uri="{D42A27DB-BD31-4B8C-83A1-F6EECF244321}">
-                <p14:modId xmlns:p14="http://schemas.microsoft.com/office/powerpoint/2010/main" val="960872664"/>
+                <p14:modId xmlns:p14="http://schemas.microsoft.com/office/powerpoint/2010/main" val="4073197085"/>
               </p:ext>
             </p:extLst>
           </p:nvPr>
@@ -5309,7 +7574,7 @@
           <p:nvPr>
             <p:extLst>
               <p:ext uri="{D42A27DB-BD31-4B8C-83A1-F6EECF244321}">
-                <p14:modId xmlns:p14="http://schemas.microsoft.com/office/powerpoint/2010/main" val="908305717"/>
+                <p14:modId xmlns:p14="http://schemas.microsoft.com/office/powerpoint/2010/main" val="1971507643"/>
               </p:ext>
             </p:extLst>
           </p:nvPr>
@@ -5367,7 +7632,7 @@
     </p:spTree>
     <p:extLst>
       <p:ext uri="{BB962C8B-B14F-4D97-AF65-F5344CB8AC3E}">
-        <p14:creationId xmlns:p14="http://schemas.microsoft.com/office/powerpoint/2010/main" val="3525320254"/>
+        <p14:creationId xmlns:p14="http://schemas.microsoft.com/office/powerpoint/2010/main" val="2962116097"/>
       </p:ext>
     </p:extLst>
   </p:cSld>
@@ -5381,954 +7646,6 @@
       </p:par>
     </p:tnLst>
   </p:timing>
-</p:sld>
-</file>
-
-<file path=ppt/slides/slide12.xml><?xml version="1.0" encoding="utf-8"?>
-<p:sld xmlns:a="http://schemas.openxmlformats.org/drawingml/2006/main" xmlns:r="http://schemas.openxmlformats.org/officeDocument/2006/relationships" xmlns:p="http://schemas.openxmlformats.org/presentationml/2006/main">
-  <p:cSld>
-    <p:spTree>
-      <p:nvGrpSpPr>
-        <p:cNvPr id="1" name=""/>
-        <p:cNvGrpSpPr/>
-        <p:nvPr/>
-      </p:nvGrpSpPr>
-      <p:grpSpPr>
-        <a:xfrm>
-          <a:off x="0" y="0"/>
-          <a:ext cx="0" cy="0"/>
-          <a:chOff x="0" y="0"/>
-          <a:chExt cx="0" cy="0"/>
-        </a:xfrm>
-      </p:grpSpPr>
-      <p:sp>
-        <p:nvSpPr>
-          <p:cNvPr id="2" name="Title 1"/>
-          <p:cNvSpPr>
-            <a:spLocks noGrp="1"/>
-          </p:cNvSpPr>
-          <p:nvPr>
-            <p:ph type="title"/>
-          </p:nvPr>
-        </p:nvSpPr>
-        <p:spPr/>
-        <p:txBody>
-          <a:bodyPr>
-            <a:normAutofit fontScale="90000"/>
-          </a:bodyPr>
-          <a:lstStyle/>
-          <a:p>
-            <a:r>
-              <a:rPr lang="en-US" dirty="0" smtClean="0"/>
-              <a:t>Steps to Detect Synchronization Bugs</a:t>
-            </a:r>
-            <a:endParaRPr lang="en-US" dirty="0"/>
-          </a:p>
-        </p:txBody>
-      </p:sp>
-      <p:sp>
-        <p:nvSpPr>
-          <p:cNvPr id="3" name="Content Placeholder 2"/>
-          <p:cNvSpPr>
-            <a:spLocks noGrp="1"/>
-          </p:cNvSpPr>
-          <p:nvPr>
-            <p:ph idx="1"/>
-          </p:nvPr>
-        </p:nvSpPr>
-        <p:spPr/>
-        <p:txBody>
-          <a:bodyPr/>
-          <a:lstStyle/>
-          <a:p>
-            <a:r>
-              <a:rPr lang="en-US" dirty="0" smtClean="0"/>
-              <a:t>1.  Make project</a:t>
-            </a:r>
-          </a:p>
-          <a:p>
-            <a:r>
-              <a:rPr lang="en-US" dirty="0" smtClean="0"/>
-              <a:t>2.  Run program multiple times with Wrapper</a:t>
-            </a:r>
-          </a:p>
-          <a:p>
-            <a:r>
-              <a:rPr lang="en-US" dirty="0" smtClean="0"/>
-              <a:t>3.  Notice status of each test run.</a:t>
-            </a:r>
-          </a:p>
-          <a:p>
-            <a:endParaRPr lang="en-US" dirty="0"/>
-          </a:p>
-          <a:p>
-            <a:r>
-              <a:rPr lang="en-US" dirty="0" smtClean="0"/>
-              <a:t>TODO:  Insert screen shot illustrating these steps</a:t>
-            </a:r>
-            <a:endParaRPr lang="en-US" dirty="0"/>
-          </a:p>
-        </p:txBody>
-      </p:sp>
-    </p:spTree>
-    <p:extLst>
-      <p:ext uri="{BB962C8B-B14F-4D97-AF65-F5344CB8AC3E}">
-        <p14:creationId xmlns:p14="http://schemas.microsoft.com/office/powerpoint/2010/main" val="1223745600"/>
-      </p:ext>
-    </p:extLst>
-  </p:cSld>
-  <p:clrMapOvr>
-    <a:masterClrMapping/>
-  </p:clrMapOvr>
-  <p:timing>
-    <p:tnLst>
-      <p:par>
-        <p:cTn xmlns:p14="http://schemas.microsoft.com/office/powerpoint/2010/main" id="1" dur="indefinite" restart="never" nodeType="tmRoot"/>
-      </p:par>
-    </p:tnLst>
-  </p:timing>
-</p:sld>
-</file>
-
-<file path=ppt/slides/slide13.xml><?xml version="1.0" encoding="utf-8"?>
-<p:sld xmlns:a="http://schemas.openxmlformats.org/drawingml/2006/main" xmlns:r="http://schemas.openxmlformats.org/officeDocument/2006/relationships" xmlns:p="http://schemas.openxmlformats.org/presentationml/2006/main">
-  <p:cSld>
-    <p:spTree>
-      <p:nvGrpSpPr>
-        <p:cNvPr id="1" name=""/>
-        <p:cNvGrpSpPr/>
-        <p:nvPr/>
-      </p:nvGrpSpPr>
-      <p:grpSpPr>
-        <a:xfrm>
-          <a:off x="0" y="0"/>
-          <a:ext cx="0" cy="0"/>
-          <a:chOff x="0" y="0"/>
-          <a:chExt cx="0" cy="0"/>
-        </a:xfrm>
-      </p:grpSpPr>
-      <p:sp>
-        <p:nvSpPr>
-          <p:cNvPr id="2" name="Title 1"/>
-          <p:cNvSpPr>
-            <a:spLocks noGrp="1"/>
-          </p:cNvSpPr>
-          <p:nvPr>
-            <p:ph type="title"/>
-          </p:nvPr>
-        </p:nvSpPr>
-        <p:spPr/>
-        <p:txBody>
-          <a:bodyPr>
-            <a:normAutofit fontScale="90000"/>
-          </a:bodyPr>
-          <a:lstStyle/>
-          <a:p>
-            <a:r>
-              <a:rPr lang="en-US" dirty="0" smtClean="0"/>
-              <a:t>Steps to Remove Synchronization Bug</a:t>
-            </a:r>
-            <a:endParaRPr lang="en-US" dirty="0"/>
-          </a:p>
-        </p:txBody>
-      </p:sp>
-      <p:sp>
-        <p:nvSpPr>
-          <p:cNvPr id="3" name="Content Placeholder 2"/>
-          <p:cNvSpPr>
-            <a:spLocks noGrp="1"/>
-          </p:cNvSpPr>
-          <p:nvPr>
-            <p:ph idx="1"/>
-          </p:nvPr>
-        </p:nvSpPr>
-        <p:spPr/>
-        <p:txBody>
-          <a:bodyPr/>
-          <a:lstStyle/>
-          <a:p>
-            <a:r>
-              <a:rPr lang="en-US" dirty="0" smtClean="0"/>
-              <a:t>1.  Run Concur with same parameters as failed test run, but with logging turned on</a:t>
-            </a:r>
-          </a:p>
-          <a:p>
-            <a:pPr lvl="1"/>
-            <a:r>
-              <a:rPr lang="en-US" dirty="0" smtClean="0"/>
-              <a:t>Use random mode for quick results</a:t>
-            </a:r>
-          </a:p>
-          <a:p>
-            <a:pPr lvl="1"/>
-            <a:r>
-              <a:rPr lang="en-US" dirty="0" smtClean="0"/>
-              <a:t>Use interactive mode to step step through execution and examine status in real time</a:t>
-            </a:r>
-          </a:p>
-          <a:p>
-            <a:r>
-              <a:rPr lang="en-US" dirty="0" smtClean="0"/>
-              <a:t>2.  After run fails, examine log trail for specific error</a:t>
-            </a:r>
-          </a:p>
-          <a:p>
-            <a:r>
-              <a:rPr lang="en-US" dirty="0" smtClean="0"/>
-              <a:t>3.  Correct the error</a:t>
-            </a:r>
-          </a:p>
-          <a:p>
-            <a:endParaRPr lang="en-US" dirty="0" smtClean="0"/>
-          </a:p>
-          <a:p>
-            <a:r>
-              <a:rPr lang="en-US" dirty="0" smtClean="0"/>
-              <a:t>Repeat steps 1-3 until bug is removed and test run passes.</a:t>
-            </a:r>
-          </a:p>
-          <a:p>
-            <a:endParaRPr lang="en-US" dirty="0"/>
-          </a:p>
-        </p:txBody>
-      </p:sp>
-    </p:spTree>
-    <p:extLst>
-      <p:ext uri="{BB962C8B-B14F-4D97-AF65-F5344CB8AC3E}">
-        <p14:creationId xmlns:p14="http://schemas.microsoft.com/office/powerpoint/2010/main" val="2968243062"/>
-      </p:ext>
-    </p:extLst>
-  </p:cSld>
-  <p:clrMapOvr>
-    <a:masterClrMapping/>
-  </p:clrMapOvr>
-</p:sld>
-</file>
-
-<file path=ppt/slides/slide14.xml><?xml version="1.0" encoding="utf-8"?>
-<p:sld xmlns:a="http://schemas.openxmlformats.org/drawingml/2006/main" xmlns:r="http://schemas.openxmlformats.org/officeDocument/2006/relationships" xmlns:p="http://schemas.openxmlformats.org/presentationml/2006/main">
-  <p:cSld>
-    <p:spTree>
-      <p:nvGrpSpPr>
-        <p:cNvPr id="1" name=""/>
-        <p:cNvGrpSpPr/>
-        <p:nvPr/>
-      </p:nvGrpSpPr>
-      <p:grpSpPr>
-        <a:xfrm>
-          <a:off x="0" y="0"/>
-          <a:ext cx="0" cy="0"/>
-          <a:chOff x="0" y="0"/>
-          <a:chExt cx="0" cy="0"/>
-        </a:xfrm>
-      </p:grpSpPr>
-      <p:sp>
-        <p:nvSpPr>
-          <p:cNvPr id="2" name="Title 1"/>
-          <p:cNvSpPr>
-            <a:spLocks noGrp="1"/>
-          </p:cNvSpPr>
-          <p:nvPr>
-            <p:ph type="title"/>
-          </p:nvPr>
-        </p:nvSpPr>
-        <p:spPr/>
-        <p:txBody>
-          <a:bodyPr/>
-          <a:lstStyle/>
-          <a:p>
-            <a:r>
-              <a:rPr lang="en-US" dirty="0" smtClean="0"/>
-              <a:t>Demo</a:t>
-            </a:r>
-            <a:endParaRPr lang="en-US" dirty="0"/>
-          </a:p>
-        </p:txBody>
-      </p:sp>
-      <p:sp>
-        <p:nvSpPr>
-          <p:cNvPr id="3" name="Content Placeholder 2"/>
-          <p:cNvSpPr>
-            <a:spLocks noGrp="1"/>
-          </p:cNvSpPr>
-          <p:nvPr>
-            <p:ph idx="1"/>
-          </p:nvPr>
-        </p:nvSpPr>
-        <p:spPr/>
-        <p:txBody>
-          <a:bodyPr/>
-          <a:lstStyle/>
-          <a:p>
-            <a:r>
-              <a:rPr lang="en-US" dirty="0" smtClean="0"/>
-              <a:t>1.  Run Wrapper that shows a failed test run.</a:t>
-            </a:r>
-          </a:p>
-          <a:p>
-            <a:r>
-              <a:rPr lang="en-US" dirty="0" smtClean="0"/>
-              <a:t>2.  Run Concur with same inputs from failed test run, but with Logging turned on.</a:t>
-            </a:r>
-          </a:p>
-          <a:p>
-            <a:r>
-              <a:rPr lang="en-US" dirty="0" smtClean="0"/>
-              <a:t>3.  After reproducing the failed test run, open the Log Trail to examine the error.</a:t>
-            </a:r>
-          </a:p>
-          <a:p>
-            <a:r>
-              <a:rPr lang="en-US" dirty="0"/>
-              <a:t>A</a:t>
-            </a:r>
-            <a:r>
-              <a:rPr lang="en-US" dirty="0" smtClean="0"/>
-              <a:t>dditional steps for the user:</a:t>
-            </a:r>
-          </a:p>
-          <a:p>
-            <a:r>
-              <a:rPr lang="en-US" dirty="0" smtClean="0"/>
-              <a:t>4.  Open </a:t>
-            </a:r>
-            <a:r>
-              <a:rPr lang="en-US" dirty="0" err="1" smtClean="0"/>
-              <a:t>sections.c</a:t>
-            </a:r>
-            <a:r>
-              <a:rPr lang="en-US" dirty="0" smtClean="0"/>
-              <a:t> to see where error occurred.</a:t>
-            </a:r>
-          </a:p>
-          <a:p>
-            <a:r>
-              <a:rPr lang="en-US" dirty="0" smtClean="0"/>
-              <a:t>5.  Correct error and rerun Concur with same inputs.</a:t>
-            </a:r>
-          </a:p>
-          <a:p>
-            <a:r>
-              <a:rPr lang="en-US" dirty="0" smtClean="0"/>
-              <a:t>Additional things to demo:</a:t>
-            </a:r>
-          </a:p>
-          <a:p>
-            <a:r>
-              <a:rPr lang="en-US" dirty="0" smtClean="0"/>
-              <a:t>-  Interactive mode</a:t>
-            </a:r>
-          </a:p>
-          <a:p>
-            <a:endParaRPr lang="en-US" dirty="0"/>
-          </a:p>
-        </p:txBody>
-      </p:sp>
-    </p:spTree>
-    <p:extLst>
-      <p:ext uri="{BB962C8B-B14F-4D97-AF65-F5344CB8AC3E}">
-        <p14:creationId xmlns:p14="http://schemas.microsoft.com/office/powerpoint/2010/main" val="1837042302"/>
-      </p:ext>
-    </p:extLst>
-  </p:cSld>
-  <p:clrMapOvr>
-    <a:masterClrMapping/>
-  </p:clrMapOvr>
-</p:sld>
-</file>
-
-<file path=ppt/slides/slide15.xml><?xml version="1.0" encoding="utf-8"?>
-<p:sld xmlns:a="http://schemas.openxmlformats.org/drawingml/2006/main" xmlns:r="http://schemas.openxmlformats.org/officeDocument/2006/relationships" xmlns:p="http://schemas.openxmlformats.org/presentationml/2006/main">
-  <p:cSld>
-    <p:spTree>
-      <p:nvGrpSpPr>
-        <p:cNvPr id="1" name=""/>
-        <p:cNvGrpSpPr/>
-        <p:nvPr/>
-      </p:nvGrpSpPr>
-      <p:grpSpPr>
-        <a:xfrm>
-          <a:off x="0" y="0"/>
-          <a:ext cx="0" cy="0"/>
-          <a:chOff x="0" y="0"/>
-          <a:chExt cx="0" cy="0"/>
-        </a:xfrm>
-      </p:grpSpPr>
-      <p:sp>
-        <p:nvSpPr>
-          <p:cNvPr id="2" name="Title 1"/>
-          <p:cNvSpPr>
-            <a:spLocks noGrp="1"/>
-          </p:cNvSpPr>
-          <p:nvPr>
-            <p:ph type="title"/>
-          </p:nvPr>
-        </p:nvSpPr>
-        <p:spPr/>
-        <p:txBody>
-          <a:bodyPr/>
-          <a:lstStyle/>
-          <a:p>
-            <a:r>
-              <a:rPr lang="en-US" dirty="0" smtClean="0"/>
-              <a:t>Testing Strategy</a:t>
-            </a:r>
-            <a:endParaRPr lang="en-US" dirty="0"/>
-          </a:p>
-        </p:txBody>
-      </p:sp>
-      <p:sp>
-        <p:nvSpPr>
-          <p:cNvPr id="3" name="Content Placeholder 2"/>
-          <p:cNvSpPr>
-            <a:spLocks noGrp="1"/>
-          </p:cNvSpPr>
-          <p:nvPr>
-            <p:ph idx="1"/>
-          </p:nvPr>
-        </p:nvSpPr>
-        <p:spPr/>
-        <p:txBody>
-          <a:bodyPr/>
-          <a:lstStyle/>
-          <a:p>
-            <a:r>
-              <a:rPr lang="en-US" dirty="0" smtClean="0"/>
-              <a:t>Created test plan, test specification and executed test cases that verifies system meets functional requirements.</a:t>
-            </a:r>
-          </a:p>
-          <a:p>
-            <a:r>
-              <a:rPr lang="en-US" dirty="0"/>
-              <a:t>T</a:t>
-            </a:r>
-            <a:r>
-              <a:rPr lang="en-US" dirty="0" smtClean="0"/>
-              <a:t>ested with three </a:t>
-            </a:r>
-            <a:r>
-              <a:rPr lang="en-US" dirty="0" err="1" smtClean="0"/>
-              <a:t>sections.c</a:t>
-            </a:r>
-            <a:r>
-              <a:rPr lang="en-US" dirty="0" smtClean="0"/>
-              <a:t> files for Unisex Bathroom problem.</a:t>
-            </a:r>
-          </a:p>
-          <a:p>
-            <a:r>
-              <a:rPr lang="en-US" dirty="0" smtClean="0"/>
-              <a:t>TODO:  ADD MORE</a:t>
-            </a:r>
-            <a:endParaRPr lang="en-US" dirty="0"/>
-          </a:p>
-        </p:txBody>
-      </p:sp>
-    </p:spTree>
-    <p:extLst>
-      <p:ext uri="{BB962C8B-B14F-4D97-AF65-F5344CB8AC3E}">
-        <p14:creationId xmlns:p14="http://schemas.microsoft.com/office/powerpoint/2010/main" val="489042661"/>
-      </p:ext>
-    </p:extLst>
-  </p:cSld>
-  <p:clrMapOvr>
-    <a:masterClrMapping/>
-  </p:clrMapOvr>
-  <p:timing>
-    <p:tnLst>
-      <p:par>
-        <p:cTn xmlns:p14="http://schemas.microsoft.com/office/powerpoint/2010/main" id="1" dur="indefinite" restart="never" nodeType="tmRoot"/>
-      </p:par>
-    </p:tnLst>
-  </p:timing>
-</p:sld>
-</file>
-
-<file path=ppt/slides/slide16.xml><?xml version="1.0" encoding="utf-8"?>
-<p:sld xmlns:a="http://schemas.openxmlformats.org/drawingml/2006/main" xmlns:r="http://schemas.openxmlformats.org/officeDocument/2006/relationships" xmlns:p="http://schemas.openxmlformats.org/presentationml/2006/main">
-  <p:cSld>
-    <p:spTree>
-      <p:nvGrpSpPr>
-        <p:cNvPr id="1" name=""/>
-        <p:cNvGrpSpPr/>
-        <p:nvPr/>
-      </p:nvGrpSpPr>
-      <p:grpSpPr>
-        <a:xfrm>
-          <a:off x="0" y="0"/>
-          <a:ext cx="0" cy="0"/>
-          <a:chOff x="0" y="0"/>
-          <a:chExt cx="0" cy="0"/>
-        </a:xfrm>
-      </p:grpSpPr>
-      <p:sp>
-        <p:nvSpPr>
-          <p:cNvPr id="2" name="Title 1"/>
-          <p:cNvSpPr>
-            <a:spLocks noGrp="1"/>
-          </p:cNvSpPr>
-          <p:nvPr>
-            <p:ph type="title"/>
-          </p:nvPr>
-        </p:nvSpPr>
-        <p:spPr/>
-        <p:txBody>
-          <a:bodyPr/>
-          <a:lstStyle/>
-          <a:p>
-            <a:r>
-              <a:rPr lang="en-US" dirty="0" smtClean="0"/>
-              <a:t>Analysis of Results</a:t>
-            </a:r>
-            <a:endParaRPr lang="en-US" dirty="0"/>
-          </a:p>
-        </p:txBody>
-      </p:sp>
-      <p:sp>
-        <p:nvSpPr>
-          <p:cNvPr id="3" name="Content Placeholder 2"/>
-          <p:cNvSpPr>
-            <a:spLocks noGrp="1"/>
-          </p:cNvSpPr>
-          <p:nvPr>
-            <p:ph idx="1"/>
-          </p:nvPr>
-        </p:nvSpPr>
-        <p:spPr/>
-        <p:txBody>
-          <a:bodyPr/>
-          <a:lstStyle/>
-          <a:p>
-            <a:r>
-              <a:rPr lang="en-US" dirty="0" smtClean="0"/>
-              <a:t>Errors encountered and approach to address</a:t>
-            </a:r>
-          </a:p>
-          <a:p>
-            <a:pPr marL="182880" lvl="1"/>
-            <a:r>
-              <a:rPr lang="en-US" sz="2400" dirty="0"/>
-              <a:t>Outstanding Errors</a:t>
-            </a:r>
-          </a:p>
-          <a:p>
-            <a:r>
-              <a:rPr lang="en-US" dirty="0" smtClean="0"/>
-              <a:t>Pros/cons of design/implementation</a:t>
-            </a:r>
-          </a:p>
-          <a:p>
-            <a:r>
-              <a:rPr lang="en-US" dirty="0" smtClean="0"/>
-              <a:t>Questions to answer:</a:t>
-            </a:r>
-          </a:p>
-          <a:p>
-            <a:pPr lvl="1"/>
-            <a:r>
-              <a:rPr lang="en-US" dirty="0"/>
-              <a:t>Verification:  </a:t>
-            </a:r>
-            <a:r>
-              <a:rPr lang="en-US" dirty="0" smtClean="0"/>
-              <a:t>Does </a:t>
-            </a:r>
-            <a:r>
-              <a:rPr lang="en-US" dirty="0"/>
-              <a:t>the system satisfy the functional requirements?</a:t>
-            </a:r>
-            <a:endParaRPr lang="en-US" dirty="0" smtClean="0"/>
-          </a:p>
-          <a:p>
-            <a:pPr lvl="1"/>
-            <a:endParaRPr lang="en-US" dirty="0"/>
-          </a:p>
-          <a:p>
-            <a:pPr lvl="1"/>
-            <a:r>
-              <a:rPr lang="en-US" dirty="0" smtClean="0"/>
-              <a:t>Validation</a:t>
-            </a:r>
-            <a:r>
-              <a:rPr lang="en-US" dirty="0"/>
-              <a:t>:  Does the system meet the customer’s needs</a:t>
-            </a:r>
-            <a:r>
-              <a:rPr lang="en-US" dirty="0" smtClean="0"/>
-              <a:t>?</a:t>
-            </a:r>
-          </a:p>
-          <a:p>
-            <a:pPr lvl="2"/>
-            <a:r>
-              <a:rPr lang="en-US" dirty="0" smtClean="0"/>
-              <a:t>Does the system help the user find concurrency errors?</a:t>
-            </a:r>
-          </a:p>
-          <a:p>
-            <a:pPr lvl="2"/>
-            <a:r>
-              <a:rPr lang="en-US" dirty="0" smtClean="0"/>
-              <a:t>Does the system allow the user to reproduce test run results?</a:t>
-            </a:r>
-          </a:p>
-          <a:p>
-            <a:pPr lvl="2"/>
-            <a:r>
-              <a:rPr lang="en-US" dirty="0" smtClean="0"/>
-              <a:t>Does the system help the user debug the application?</a:t>
-            </a:r>
-          </a:p>
-          <a:p>
-            <a:pPr lvl="2"/>
-            <a:endParaRPr lang="en-US" dirty="0" smtClean="0"/>
-          </a:p>
-        </p:txBody>
-      </p:sp>
-    </p:spTree>
-    <p:extLst>
-      <p:ext uri="{BB962C8B-B14F-4D97-AF65-F5344CB8AC3E}">
-        <p14:creationId xmlns:p14="http://schemas.microsoft.com/office/powerpoint/2010/main" val="4230760184"/>
-      </p:ext>
-    </p:extLst>
-  </p:cSld>
-  <p:clrMapOvr>
-    <a:masterClrMapping/>
-  </p:clrMapOvr>
-</p:sld>
-</file>
-
-<file path=ppt/slides/slide17.xml><?xml version="1.0" encoding="utf-8"?>
-<p:sld xmlns:a="http://schemas.openxmlformats.org/drawingml/2006/main" xmlns:r="http://schemas.openxmlformats.org/officeDocument/2006/relationships" xmlns:p="http://schemas.openxmlformats.org/presentationml/2006/main">
-  <p:cSld>
-    <p:spTree>
-      <p:nvGrpSpPr>
-        <p:cNvPr id="1" name=""/>
-        <p:cNvGrpSpPr/>
-        <p:nvPr/>
-      </p:nvGrpSpPr>
-      <p:grpSpPr>
-        <a:xfrm>
-          <a:off x="0" y="0"/>
-          <a:ext cx="0" cy="0"/>
-          <a:chOff x="0" y="0"/>
-          <a:chExt cx="0" cy="0"/>
-        </a:xfrm>
-      </p:grpSpPr>
-      <p:sp>
-        <p:nvSpPr>
-          <p:cNvPr id="2" name="Title 1"/>
-          <p:cNvSpPr>
-            <a:spLocks noGrp="1"/>
-          </p:cNvSpPr>
-          <p:nvPr>
-            <p:ph type="title"/>
-          </p:nvPr>
-        </p:nvSpPr>
-        <p:spPr/>
-        <p:txBody>
-          <a:bodyPr/>
-          <a:lstStyle/>
-          <a:p>
-            <a:r>
-              <a:rPr lang="en-US" dirty="0" smtClean="0"/>
-              <a:t>Summary</a:t>
-            </a:r>
-            <a:endParaRPr lang="en-US" dirty="0"/>
-          </a:p>
-        </p:txBody>
-      </p:sp>
-      <p:sp>
-        <p:nvSpPr>
-          <p:cNvPr id="3" name="Content Placeholder 2"/>
-          <p:cNvSpPr>
-            <a:spLocks noGrp="1"/>
-          </p:cNvSpPr>
-          <p:nvPr>
-            <p:ph idx="1"/>
-          </p:nvPr>
-        </p:nvSpPr>
-        <p:spPr/>
-        <p:txBody>
-          <a:bodyPr/>
-          <a:lstStyle/>
-          <a:p>
-            <a:r>
-              <a:rPr lang="en-US" dirty="0" smtClean="0"/>
-              <a:t>Summary of project</a:t>
-            </a:r>
-          </a:p>
-          <a:p>
-            <a:r>
-              <a:rPr lang="en-US" dirty="0" smtClean="0"/>
-              <a:t>Technologies used:</a:t>
-            </a:r>
-          </a:p>
-          <a:p>
-            <a:pPr lvl="1"/>
-            <a:r>
-              <a:rPr lang="en-US" dirty="0" smtClean="0"/>
-              <a:t>C, C++, Python</a:t>
-            </a:r>
-          </a:p>
-          <a:p>
-            <a:pPr lvl="1"/>
-            <a:r>
-              <a:rPr lang="en-US" dirty="0" err="1"/>
-              <a:t>p</a:t>
-            </a:r>
-            <a:r>
-              <a:rPr lang="en-US" dirty="0" err="1" smtClean="0"/>
-              <a:t>threads</a:t>
-            </a:r>
-            <a:r>
-              <a:rPr lang="en-US" dirty="0" smtClean="0"/>
-              <a:t> library, signals</a:t>
-            </a:r>
-          </a:p>
-          <a:p>
-            <a:r>
-              <a:rPr lang="en-US" dirty="0" smtClean="0"/>
-              <a:t>Lessons Learned</a:t>
-            </a:r>
-          </a:p>
-          <a:p>
-            <a:endParaRPr lang="en-US" dirty="0"/>
-          </a:p>
-        </p:txBody>
-      </p:sp>
-    </p:spTree>
-    <p:extLst>
-      <p:ext uri="{BB962C8B-B14F-4D97-AF65-F5344CB8AC3E}">
-        <p14:creationId xmlns:p14="http://schemas.microsoft.com/office/powerpoint/2010/main" val="1047564871"/>
-      </p:ext>
-    </p:extLst>
-  </p:cSld>
-  <p:clrMapOvr>
-    <a:masterClrMapping/>
-  </p:clrMapOvr>
-</p:sld>
-</file>
-
-<file path=ppt/slides/slide18.xml><?xml version="1.0" encoding="utf-8"?>
-<p:sld xmlns:a="http://schemas.openxmlformats.org/drawingml/2006/main" xmlns:r="http://schemas.openxmlformats.org/officeDocument/2006/relationships" xmlns:p="http://schemas.openxmlformats.org/presentationml/2006/main">
-  <p:cSld>
-    <p:spTree>
-      <p:nvGrpSpPr>
-        <p:cNvPr id="1" name=""/>
-        <p:cNvGrpSpPr/>
-        <p:nvPr/>
-      </p:nvGrpSpPr>
-      <p:grpSpPr>
-        <a:xfrm>
-          <a:off x="0" y="0"/>
-          <a:ext cx="0" cy="0"/>
-          <a:chOff x="0" y="0"/>
-          <a:chExt cx="0" cy="0"/>
-        </a:xfrm>
-      </p:grpSpPr>
-      <p:sp>
-        <p:nvSpPr>
-          <p:cNvPr id="2" name="Title 1"/>
-          <p:cNvSpPr>
-            <a:spLocks noGrp="1"/>
-          </p:cNvSpPr>
-          <p:nvPr>
-            <p:ph type="title"/>
-          </p:nvPr>
-        </p:nvSpPr>
-        <p:spPr/>
-        <p:txBody>
-          <a:bodyPr/>
-          <a:lstStyle/>
-          <a:p>
-            <a:r>
-              <a:rPr lang="en-US" dirty="0" smtClean="0"/>
-              <a:t>Questions &amp; Answers</a:t>
-            </a:r>
-            <a:endParaRPr lang="en-US" dirty="0"/>
-          </a:p>
-        </p:txBody>
-      </p:sp>
-      <p:sp>
-        <p:nvSpPr>
-          <p:cNvPr id="3" name="Content Placeholder 2"/>
-          <p:cNvSpPr>
-            <a:spLocks noGrp="1"/>
-          </p:cNvSpPr>
-          <p:nvPr>
-            <p:ph idx="1"/>
-          </p:nvPr>
-        </p:nvSpPr>
-        <p:spPr/>
-        <p:txBody>
-          <a:bodyPr/>
-          <a:lstStyle/>
-          <a:p>
-            <a:endParaRPr lang="en-US"/>
-          </a:p>
-        </p:txBody>
-      </p:sp>
-    </p:spTree>
-    <p:extLst>
-      <p:ext uri="{BB962C8B-B14F-4D97-AF65-F5344CB8AC3E}">
-        <p14:creationId xmlns:p14="http://schemas.microsoft.com/office/powerpoint/2010/main" val="1057507752"/>
-      </p:ext>
-    </p:extLst>
-  </p:cSld>
-  <p:clrMapOvr>
-    <a:masterClrMapping/>
-  </p:clrMapOvr>
-</p:sld>
-</file>
-
-<file path=ppt/slides/slide2.xml><?xml version="1.0" encoding="utf-8"?>
-<p:sld xmlns:a="http://schemas.openxmlformats.org/drawingml/2006/main" xmlns:r="http://schemas.openxmlformats.org/officeDocument/2006/relationships" xmlns:p="http://schemas.openxmlformats.org/presentationml/2006/main">
-  <p:cSld>
-    <p:spTree>
-      <p:nvGrpSpPr>
-        <p:cNvPr id="1" name=""/>
-        <p:cNvGrpSpPr/>
-        <p:nvPr/>
-      </p:nvGrpSpPr>
-      <p:grpSpPr>
-        <a:xfrm>
-          <a:off x="0" y="0"/>
-          <a:ext cx="0" cy="0"/>
-          <a:chOff x="0" y="0"/>
-          <a:chExt cx="0" cy="0"/>
-        </a:xfrm>
-      </p:grpSpPr>
-      <p:sp>
-        <p:nvSpPr>
-          <p:cNvPr id="2" name="Title 1"/>
-          <p:cNvSpPr>
-            <a:spLocks noGrp="1"/>
-          </p:cNvSpPr>
-          <p:nvPr>
-            <p:ph type="title"/>
-          </p:nvPr>
-        </p:nvSpPr>
-        <p:spPr/>
-        <p:txBody>
-          <a:bodyPr/>
-          <a:lstStyle/>
-          <a:p>
-            <a:r>
-              <a:rPr lang="en-US" dirty="0" smtClean="0"/>
-              <a:t>Overview</a:t>
-            </a:r>
-            <a:endParaRPr lang="en-US" dirty="0"/>
-          </a:p>
-        </p:txBody>
-      </p:sp>
-      <p:sp>
-        <p:nvSpPr>
-          <p:cNvPr id="3" name="Content Placeholder 2"/>
-          <p:cNvSpPr>
-            <a:spLocks noGrp="1"/>
-          </p:cNvSpPr>
-          <p:nvPr>
-            <p:ph idx="1"/>
-          </p:nvPr>
-        </p:nvSpPr>
-        <p:spPr/>
-        <p:txBody>
-          <a:bodyPr/>
-          <a:lstStyle/>
-          <a:p>
-            <a:r>
-              <a:rPr lang="en-US" dirty="0" smtClean="0"/>
-              <a:t>Project Description				  3 </a:t>
-            </a:r>
-            <a:r>
-              <a:rPr lang="en-US" dirty="0" err="1" smtClean="0"/>
-              <a:t>mins</a:t>
-            </a:r>
-            <a:endParaRPr lang="en-US" dirty="0" smtClean="0"/>
-          </a:p>
-          <a:p>
-            <a:r>
-              <a:rPr lang="en-US" dirty="0" smtClean="0"/>
-              <a:t>Design &amp; Implementation			  8 </a:t>
-            </a:r>
-            <a:r>
-              <a:rPr lang="en-US" dirty="0" err="1" smtClean="0"/>
-              <a:t>mins</a:t>
-            </a:r>
-            <a:endParaRPr lang="en-US" dirty="0" smtClean="0"/>
-          </a:p>
-          <a:p>
-            <a:r>
-              <a:rPr lang="en-US" dirty="0"/>
-              <a:t>Demo					  7 </a:t>
-            </a:r>
-            <a:r>
-              <a:rPr lang="en-US" dirty="0" err="1"/>
-              <a:t>mins</a:t>
-            </a:r>
-            <a:endParaRPr lang="en-US" dirty="0"/>
-          </a:p>
-          <a:p>
-            <a:r>
-              <a:rPr lang="en-US" dirty="0" smtClean="0"/>
-              <a:t>Testing</a:t>
-            </a:r>
-            <a:r>
-              <a:rPr lang="en-US" dirty="0" smtClean="0"/>
-              <a:t>					  3 </a:t>
-            </a:r>
-            <a:r>
-              <a:rPr lang="en-US" dirty="0" err="1" smtClean="0"/>
-              <a:t>mins</a:t>
-            </a:r>
-            <a:endParaRPr lang="en-US" dirty="0" smtClean="0"/>
-          </a:p>
-          <a:p>
-            <a:r>
-              <a:rPr lang="en-US" dirty="0" smtClean="0"/>
-              <a:t>Analysis of Results			  2 </a:t>
-            </a:r>
-            <a:r>
-              <a:rPr lang="en-US" dirty="0" err="1" smtClean="0"/>
-              <a:t>mins</a:t>
-            </a:r>
-            <a:endParaRPr lang="en-US" dirty="0" smtClean="0"/>
-          </a:p>
-          <a:p>
-            <a:r>
-              <a:rPr lang="en-US" dirty="0" smtClean="0"/>
-              <a:t>Summary					  2 </a:t>
-            </a:r>
-            <a:r>
-              <a:rPr lang="en-US" dirty="0" err="1" smtClean="0"/>
-              <a:t>mins</a:t>
-            </a:r>
-            <a:endParaRPr lang="en-US" dirty="0" smtClean="0"/>
-          </a:p>
-          <a:p>
-            <a:r>
-              <a:rPr lang="en-US" dirty="0" smtClean="0"/>
-              <a:t>Q&amp;A						  5 </a:t>
-            </a:r>
-            <a:r>
-              <a:rPr lang="en-US" dirty="0" err="1" smtClean="0"/>
-              <a:t>mins</a:t>
-            </a:r>
-            <a:endParaRPr lang="en-US" dirty="0"/>
-          </a:p>
-        </p:txBody>
-      </p:sp>
-    </p:spTree>
-    <p:extLst>
-      <p:ext uri="{BB962C8B-B14F-4D97-AF65-F5344CB8AC3E}">
-        <p14:creationId xmlns:p14="http://schemas.microsoft.com/office/powerpoint/2010/main" val="2081550029"/>
-      </p:ext>
-    </p:extLst>
-  </p:cSld>
-  <p:clrMapOvr>
-    <a:masterClrMapping/>
-  </p:clrMapOvr>
 </p:sld>
 </file>
 
@@ -6361,107 +7678,436 @@
         </p:nvSpPr>
         <p:spPr/>
         <p:txBody>
-          <a:bodyPr/>
+          <a:bodyPr>
+            <a:noAutofit/>
+          </a:bodyPr>
           <a:lstStyle/>
           <a:p>
             <a:r>
-              <a:rPr lang="en-US" dirty="0" smtClean="0"/>
-              <a:t>Project Description – 1 of 4</a:t>
-            </a:r>
-            <a:endParaRPr lang="en-US" dirty="0"/>
+              <a:rPr lang="en-US" sz="3400" dirty="0" smtClean="0"/>
+              <a:t>Scenario – James’ Homework Assignment</a:t>
+            </a:r>
+            <a:endParaRPr lang="en-US" sz="3400" dirty="0"/>
           </a:p>
         </p:txBody>
       </p:sp>
-      <p:sp>
-        <p:nvSpPr>
-          <p:cNvPr id="3" name="Content Placeholder 2"/>
-          <p:cNvSpPr>
-            <a:spLocks noGrp="1"/>
-          </p:cNvSpPr>
-          <p:nvPr>
-            <p:ph idx="1"/>
-          </p:nvPr>
-        </p:nvSpPr>
-        <p:spPr/>
+      <p:sp useBgFill="1">
+        <p:nvSpPr>
+          <p:cNvPr id="4" name="Rectangle 3"/>
+          <p:cNvSpPr/>
+          <p:nvPr/>
+        </p:nvSpPr>
+        <p:spPr>
+          <a:xfrm>
+            <a:off x="1003199" y="2219875"/>
+            <a:ext cx="2378364" cy="3347147"/>
+          </a:xfrm>
+          <a:prstGeom prst="rect">
+            <a:avLst/>
+          </a:prstGeom>
+        </p:spPr>
+        <p:style>
+          <a:lnRef idx="1">
+            <a:schemeClr val="accent1"/>
+          </a:lnRef>
+          <a:fillRef idx="3">
+            <a:schemeClr val="accent1"/>
+          </a:fillRef>
+          <a:effectRef idx="2">
+            <a:schemeClr val="accent1"/>
+          </a:effectRef>
+          <a:fontRef idx="minor">
+            <a:schemeClr val="lt1"/>
+          </a:fontRef>
+        </p:style>
         <p:txBody>
-          <a:bodyPr/>
+          <a:bodyPr rtlCol="0" anchor="t" anchorCtr="0"/>
           <a:lstStyle/>
           <a:p>
-            <a:r>
-              <a:rPr lang="en-US" dirty="0" smtClean="0"/>
-              <a:t>Time Period:  Winter-Spring 2012</a:t>
-            </a:r>
-          </a:p>
-          <a:p>
-            <a:r>
-              <a:rPr lang="en-US" dirty="0" smtClean="0"/>
-              <a:t>Faculty Advisor:  Dr. Eric Larson</a:t>
-            </a:r>
-          </a:p>
-          <a:p>
-            <a:endParaRPr lang="en-US" dirty="0" smtClean="0"/>
-          </a:p>
-          <a:p>
-            <a:r>
-              <a:rPr lang="en-US" dirty="0" smtClean="0"/>
-              <a:t>Problem addressed:</a:t>
-            </a:r>
-          </a:p>
-          <a:p>
-            <a:pPr lvl="1"/>
-            <a:r>
-              <a:rPr lang="en-US" dirty="0" smtClean="0"/>
-              <a:t>Students have insufficient resources to adequately determine if their multithreaded program is free from deadlock and/or race conditions. </a:t>
-            </a:r>
-            <a:r>
-              <a:rPr lang="en-US" dirty="0"/>
-              <a:t>Testing alone is insufficient because many conditions require specific schedules that are not exercised.  This leads to the need of a tool that assists students in finding and removing synchronization bugs. </a:t>
-            </a:r>
-            <a:endParaRPr lang="en-US" dirty="0" smtClean="0"/>
-          </a:p>
-          <a:p>
-            <a:r>
-              <a:rPr lang="en-US" dirty="0"/>
-              <a:t>Solution </a:t>
-            </a:r>
-            <a:r>
-              <a:rPr lang="en-US" dirty="0">
-                <a:sym typeface="Wingdings"/>
+            <a:pPr algn="ctr"/>
+            <a:r>
+              <a:rPr lang="en-US" sz="1200" dirty="0" smtClean="0">
+                <a:solidFill>
+                  <a:srgbClr val="292934"/>
+                </a:solidFill>
               </a:rPr>
-              <a:t></a:t>
-            </a:r>
-            <a:r>
-              <a:rPr lang="en-US" dirty="0"/>
-              <a:t>  Build a testing a debugging </a:t>
-            </a:r>
-            <a:r>
-              <a:rPr lang="en-US" dirty="0" smtClean="0"/>
-              <a:t>tool </a:t>
-            </a:r>
-            <a:r>
-              <a:rPr lang="en-US" dirty="0"/>
-              <a:t>for multithreaded programs involving synchronization</a:t>
-            </a:r>
-            <a:r>
-              <a:rPr lang="en-US" dirty="0" smtClean="0"/>
+              <a:t>Unisex Bathroom Problem</a:t>
+            </a:r>
+            <a:r>
+              <a:rPr lang="en-US" sz="1200" dirty="0">
+                <a:solidFill>
+                  <a:srgbClr val="292934"/>
+                </a:solidFill>
+              </a:rPr>
+              <a:t>:</a:t>
+            </a:r>
+          </a:p>
+          <a:p>
+            <a:endParaRPr lang="en-US" sz="1200" dirty="0" smtClean="0">
+              <a:solidFill>
+                <a:srgbClr val="292934"/>
+              </a:solidFill>
+            </a:endParaRPr>
+          </a:p>
+          <a:p>
+            <a:r>
+              <a:rPr lang="en-US" sz="1200" dirty="0" smtClean="0">
+                <a:solidFill>
+                  <a:srgbClr val="292934"/>
+                </a:solidFill>
+              </a:rPr>
+              <a:t>An </a:t>
+            </a:r>
+            <a:r>
+              <a:rPr lang="en-US" sz="1200" dirty="0">
+                <a:solidFill>
+                  <a:srgbClr val="292934"/>
+                </a:solidFill>
+              </a:rPr>
+              <a:t>office contains a single restroom that has many toilets.  The restroom can be used by both men and women but not at the same time. </a:t>
+            </a:r>
+          </a:p>
+          <a:p>
+            <a:r>
+              <a:rPr lang="en-US" sz="1200" dirty="0">
+                <a:solidFill>
+                  <a:srgbClr val="292934"/>
+                </a:solidFill>
+              </a:rPr>
+              <a:t>Develop a solution using locks and/or semaphores that allows any number of men or any number of women, but not both, in the restroom at the same time.  The solution must implement the required mutual exclusion and avoid deadlock.  However, the solution does not need to be fair</a:t>
+            </a:r>
+            <a:r>
+              <a:rPr lang="en-US" sz="1200" dirty="0" smtClean="0">
+                <a:solidFill>
+                  <a:srgbClr val="292934"/>
+                </a:solidFill>
+              </a:rPr>
               <a:t>.</a:t>
             </a:r>
-          </a:p>
-          <a:p>
-            <a:endParaRPr lang="en-US" dirty="0" smtClean="0"/>
+            <a:endParaRPr lang="en-US" sz="1200" dirty="0">
+              <a:solidFill>
+                <a:srgbClr val="292934"/>
+              </a:solidFill>
+            </a:endParaRPr>
+          </a:p>
+        </p:txBody>
+      </p:sp>
+      <p:sp useBgFill="1">
+        <p:nvSpPr>
+          <p:cNvPr id="9" name="Rectangle 8"/>
+          <p:cNvSpPr/>
+          <p:nvPr/>
+        </p:nvSpPr>
+        <p:spPr>
+          <a:xfrm>
+            <a:off x="4587801" y="2542009"/>
+            <a:ext cx="2378364" cy="2597782"/>
+          </a:xfrm>
+          <a:prstGeom prst="rect">
+            <a:avLst/>
+          </a:prstGeom>
+        </p:spPr>
+        <p:style>
+          <a:lnRef idx="1">
+            <a:schemeClr val="accent1"/>
+          </a:lnRef>
+          <a:fillRef idx="3">
+            <a:schemeClr val="accent1"/>
+          </a:fillRef>
+          <a:effectRef idx="2">
+            <a:schemeClr val="accent1"/>
+          </a:effectRef>
+          <a:fontRef idx="minor">
+            <a:schemeClr val="lt1"/>
+          </a:fontRef>
+        </p:style>
+        <p:txBody>
+          <a:bodyPr rtlCol="0" anchor="t" anchorCtr="0"/>
+          <a:lstStyle/>
+          <a:p>
+            <a:r>
+              <a:rPr lang="en-US" sz="1200" dirty="0" smtClean="0">
+                <a:solidFill>
+                  <a:srgbClr val="292934"/>
+                </a:solidFill>
+              </a:rPr>
+              <a:t>// global variables</a:t>
+            </a:r>
+          </a:p>
+          <a:p>
+            <a:r>
+              <a:rPr lang="en-US" sz="1200" dirty="0">
+                <a:solidFill>
+                  <a:srgbClr val="292934"/>
+                </a:solidFill>
+              </a:rPr>
+              <a:t>l</a:t>
+            </a:r>
+            <a:r>
+              <a:rPr lang="en-US" sz="1200" dirty="0" smtClean="0">
+                <a:solidFill>
+                  <a:srgbClr val="292934"/>
+                </a:solidFill>
+              </a:rPr>
+              <a:t>ock…</a:t>
+            </a:r>
+          </a:p>
+          <a:p>
+            <a:r>
+              <a:rPr lang="en-US" sz="1200" dirty="0">
+                <a:solidFill>
+                  <a:srgbClr val="292934"/>
+                </a:solidFill>
+              </a:rPr>
+              <a:t>s</a:t>
+            </a:r>
+            <a:r>
+              <a:rPr lang="en-US" sz="1200" dirty="0" smtClean="0">
+                <a:solidFill>
+                  <a:srgbClr val="292934"/>
+                </a:solidFill>
+              </a:rPr>
+              <a:t>emaphore…</a:t>
+            </a:r>
+            <a:endParaRPr lang="en-US" sz="1200" dirty="0">
+              <a:solidFill>
+                <a:srgbClr val="292934"/>
+              </a:solidFill>
+            </a:endParaRPr>
+          </a:p>
+          <a:p>
+            <a:r>
+              <a:rPr lang="en-US" sz="1200" dirty="0" smtClean="0">
+                <a:solidFill>
+                  <a:srgbClr val="292934"/>
+                </a:solidFill>
+              </a:rPr>
+              <a:t>…</a:t>
+            </a:r>
+          </a:p>
+          <a:p>
+            <a:r>
+              <a:rPr lang="en-US" sz="1200" dirty="0" err="1" smtClean="0">
+                <a:solidFill>
+                  <a:srgbClr val="292934"/>
+                </a:solidFill>
+              </a:rPr>
+              <a:t>personDrink</a:t>
+            </a:r>
+            <a:r>
+              <a:rPr lang="en-US" sz="1200" dirty="0" smtClean="0">
+                <a:solidFill>
+                  <a:srgbClr val="292934"/>
+                </a:solidFill>
+              </a:rPr>
+              <a:t>() {…}</a:t>
+            </a:r>
+          </a:p>
+          <a:p>
+            <a:endParaRPr lang="en-US" sz="1200" dirty="0">
+              <a:solidFill>
+                <a:srgbClr val="292934"/>
+              </a:solidFill>
+            </a:endParaRPr>
+          </a:p>
+          <a:p>
+            <a:r>
+              <a:rPr lang="en-US" sz="1200" dirty="0" err="1" smtClean="0">
+                <a:solidFill>
+                  <a:srgbClr val="292934"/>
+                </a:solidFill>
+              </a:rPr>
+              <a:t>personEnterRestroom</a:t>
+            </a:r>
+            <a:r>
+              <a:rPr lang="en-US" sz="1200" dirty="0" smtClean="0">
+                <a:solidFill>
+                  <a:srgbClr val="292934"/>
+                </a:solidFill>
+              </a:rPr>
+              <a:t>() {…}</a:t>
+            </a:r>
+          </a:p>
+          <a:p>
+            <a:endParaRPr lang="en-US" sz="1200" dirty="0" smtClean="0">
+              <a:solidFill>
+                <a:srgbClr val="292934"/>
+              </a:solidFill>
+            </a:endParaRPr>
+          </a:p>
+          <a:p>
+            <a:r>
+              <a:rPr lang="en-US" sz="1200" dirty="0" err="1" smtClean="0">
+                <a:solidFill>
+                  <a:srgbClr val="292934"/>
+                </a:solidFill>
+              </a:rPr>
+              <a:t>personUseRestroom</a:t>
+            </a:r>
+            <a:r>
+              <a:rPr lang="en-US" sz="1200" dirty="0" smtClean="0">
+                <a:solidFill>
+                  <a:srgbClr val="292934"/>
+                </a:solidFill>
+              </a:rPr>
+              <a:t>() {…}</a:t>
+            </a:r>
+          </a:p>
+          <a:p>
+            <a:endParaRPr lang="en-US" sz="1200" dirty="0" smtClean="0">
+              <a:solidFill>
+                <a:srgbClr val="292934"/>
+              </a:solidFill>
+            </a:endParaRPr>
+          </a:p>
+          <a:p>
+            <a:r>
+              <a:rPr lang="en-US" sz="1200" dirty="0" err="1" smtClean="0">
+                <a:solidFill>
+                  <a:srgbClr val="292934"/>
+                </a:solidFill>
+              </a:rPr>
+              <a:t>personLeaveRestroom</a:t>
+            </a:r>
+            <a:r>
+              <a:rPr lang="en-US" sz="1200" dirty="0" smtClean="0">
+                <a:solidFill>
+                  <a:srgbClr val="292934"/>
+                </a:solidFill>
+              </a:rPr>
+              <a:t>() {…}</a:t>
+            </a:r>
+            <a:endParaRPr lang="en-US" sz="1200" dirty="0">
+              <a:solidFill>
+                <a:srgbClr val="292934"/>
+              </a:solidFill>
+            </a:endParaRPr>
+          </a:p>
+        </p:txBody>
+      </p:sp>
+      <p:sp useBgFill="1">
+        <p:nvSpPr>
+          <p:cNvPr id="10" name="Rectangle 9"/>
+          <p:cNvSpPr/>
+          <p:nvPr/>
+        </p:nvSpPr>
+        <p:spPr>
+          <a:xfrm>
+            <a:off x="4587801" y="2219875"/>
+            <a:ext cx="2378364" cy="322134"/>
+          </a:xfrm>
+          <a:prstGeom prst="rect">
+            <a:avLst/>
+          </a:prstGeom>
+          <a:ln>
+            <a:noFill/>
+          </a:ln>
+          <a:effectLst/>
+        </p:spPr>
+        <p:style>
+          <a:lnRef idx="1">
+            <a:schemeClr val="accent1"/>
+          </a:lnRef>
+          <a:fillRef idx="3">
+            <a:schemeClr val="accent1"/>
+          </a:fillRef>
+          <a:effectRef idx="2">
+            <a:schemeClr val="accent1"/>
+          </a:effectRef>
+          <a:fontRef idx="minor">
+            <a:schemeClr val="lt1"/>
+          </a:fontRef>
+        </p:style>
+        <p:txBody>
+          <a:bodyPr rtlCol="0" anchor="t" anchorCtr="0"/>
+          <a:lstStyle/>
+          <a:p>
+            <a:r>
+              <a:rPr lang="en-US" sz="1200" dirty="0" smtClean="0">
+                <a:solidFill>
+                  <a:srgbClr val="292934"/>
+                </a:solidFill>
+              </a:rPr>
+              <a:t>hw.1.cpp</a:t>
+            </a:r>
+            <a:endParaRPr lang="en-US" sz="1200" dirty="0">
+              <a:solidFill>
+                <a:srgbClr val="292934"/>
+              </a:solidFill>
+            </a:endParaRPr>
+          </a:p>
+        </p:txBody>
+      </p:sp>
+      <p:sp useBgFill="1">
+        <p:nvSpPr>
+          <p:cNvPr id="15" name="Rectangle 14"/>
+          <p:cNvSpPr/>
+          <p:nvPr/>
+        </p:nvSpPr>
+        <p:spPr>
+          <a:xfrm>
+            <a:off x="4587801" y="5567022"/>
+            <a:ext cx="2378364" cy="322134"/>
+          </a:xfrm>
+          <a:prstGeom prst="rect">
+            <a:avLst/>
+          </a:prstGeom>
+          <a:ln>
+            <a:noFill/>
+          </a:ln>
+          <a:effectLst/>
+        </p:spPr>
+        <p:style>
+          <a:lnRef idx="1">
+            <a:schemeClr val="accent1"/>
+          </a:lnRef>
+          <a:fillRef idx="3">
+            <a:schemeClr val="accent1"/>
+          </a:fillRef>
+          <a:effectRef idx="2">
+            <a:schemeClr val="accent1"/>
+          </a:effectRef>
+          <a:fontRef idx="minor">
+            <a:schemeClr val="lt1"/>
+          </a:fontRef>
+        </p:style>
+        <p:txBody>
+          <a:bodyPr rtlCol="0" anchor="t" anchorCtr="0"/>
+          <a:lstStyle/>
+          <a:p>
+            <a:r>
+              <a:rPr lang="en-US" sz="1600" dirty="0" smtClean="0">
+                <a:solidFill>
+                  <a:srgbClr val="292934"/>
+                </a:solidFill>
+              </a:rPr>
+              <a:t>Ready to test!</a:t>
+            </a:r>
+            <a:endParaRPr lang="en-US" sz="1600" dirty="0">
+              <a:solidFill>
+                <a:srgbClr val="292934"/>
+              </a:solidFill>
+            </a:endParaRPr>
           </a:p>
         </p:txBody>
       </p:sp>
     </p:spTree>
     <p:extLst>
       <p:ext uri="{BB962C8B-B14F-4D97-AF65-F5344CB8AC3E}">
-        <p14:creationId xmlns:p14="http://schemas.microsoft.com/office/powerpoint/2010/main" val="4182939760"/>
+        <p14:creationId xmlns:p14="http://schemas.microsoft.com/office/powerpoint/2010/main" val="3868172381"/>
       </p:ext>
     </p:extLst>
   </p:cSld>
   <p:clrMapOvr>
     <a:masterClrMapping/>
   </p:clrMapOvr>
+  <p:timing>
+    <p:tnLst>
+      <p:par>
+        <p:cTn xmlns:p14="http://schemas.microsoft.com/office/powerpoint/2010/main" id="1" dur="indefinite" restart="never" nodeType="tmRoot"/>
+      </p:par>
+    </p:tnLst>
+  </p:timing>
 </p:sld>
 </file>
 
@@ -6494,14 +8140,16 @@
         </p:nvSpPr>
         <p:spPr/>
         <p:txBody>
-          <a:bodyPr/>
+          <a:bodyPr>
+            <a:normAutofit/>
+          </a:bodyPr>
           <a:lstStyle/>
           <a:p>
             <a:r>
-              <a:rPr lang="en-US" dirty="0" smtClean="0"/>
-              <a:t>Project Description – 2 of 4</a:t>
-            </a:r>
-            <a:endParaRPr lang="en-US" dirty="0"/>
+              <a:rPr lang="en-US" sz="3400" dirty="0" smtClean="0"/>
+              <a:t>Scenario – James’ Test &amp; Debug Process</a:t>
+            </a:r>
+            <a:endParaRPr lang="en-US" sz="3400" dirty="0"/>
           </a:p>
         </p:txBody>
       </p:sp>
@@ -6515,148 +8163,1806 @@
             <p:ph idx="1"/>
           </p:nvPr>
         </p:nvSpPr>
-        <p:spPr/>
+        <p:spPr>
+          <a:xfrm>
+            <a:off x="457200" y="1600200"/>
+            <a:ext cx="3495358" cy="322077"/>
+          </a:xfrm>
+        </p:spPr>
         <p:txBody>
-          <a:bodyPr/>
+          <a:bodyPr>
+            <a:normAutofit lnSpcReduction="10000"/>
+          </a:bodyPr>
           <a:lstStyle/>
           <a:p>
             <a:r>
-              <a:rPr lang="en-US" dirty="0" smtClean="0"/>
-              <a:t>Goals:</a:t>
-            </a:r>
-          </a:p>
-          <a:p>
-            <a:pPr lvl="1"/>
-            <a:r>
-              <a:rPr lang="en-US" dirty="0" smtClean="0"/>
-              <a:t>1.  Allow </a:t>
-            </a:r>
-            <a:r>
-              <a:rPr lang="en-US" dirty="0"/>
-              <a:t>a student to test his or her multithreaded program for correctness (i.e. detect bugs) </a:t>
-            </a:r>
-            <a:endParaRPr lang="en-US" dirty="0" smtClean="0"/>
-          </a:p>
-          <a:p>
-            <a:pPr lvl="1"/>
-            <a:r>
-              <a:rPr lang="en-US" dirty="0" smtClean="0"/>
-              <a:t>2. </a:t>
-            </a:r>
-            <a:r>
-              <a:rPr lang="en-US" dirty="0"/>
-              <a:t>H</a:t>
-            </a:r>
-            <a:r>
-              <a:rPr lang="en-US" dirty="0" smtClean="0"/>
-              <a:t>elp </a:t>
-            </a:r>
-            <a:r>
-              <a:rPr lang="en-US" dirty="0"/>
-              <a:t>a student debug the program when an error is present </a:t>
-            </a:r>
-            <a:endParaRPr lang="en-US" dirty="0" smtClean="0"/>
-          </a:p>
-          <a:p>
-            <a:endParaRPr lang="en-US" dirty="0"/>
-          </a:p>
-          <a:p>
-            <a:r>
-              <a:rPr lang="en-US" dirty="0" smtClean="0"/>
-              <a:t>Concur:  a test framework for multithreaded applications provides </a:t>
-            </a:r>
-            <a:r>
-              <a:rPr lang="en-US" dirty="0"/>
-              <a:t>an environment in which the </a:t>
-            </a:r>
-            <a:r>
-              <a:rPr lang="en-US" dirty="0" smtClean="0"/>
-              <a:t>user:</a:t>
-            </a:r>
-          </a:p>
-          <a:p>
-            <a:pPr lvl="1"/>
-            <a:r>
-              <a:rPr lang="en-US" dirty="0" smtClean="0"/>
-              <a:t>has </a:t>
-            </a:r>
-            <a:r>
-              <a:rPr lang="en-US" dirty="0"/>
-              <a:t>more control over thread </a:t>
-            </a:r>
-            <a:r>
-              <a:rPr lang="en-US" dirty="0" smtClean="0"/>
-              <a:t>selection (scheduling, acquire lock, use semaphore)</a:t>
-            </a:r>
-          </a:p>
-          <a:p>
-            <a:pPr lvl="1"/>
-            <a:r>
-              <a:rPr lang="en-US" dirty="0"/>
-              <a:t>c</a:t>
-            </a:r>
-            <a:r>
-              <a:rPr lang="en-US" dirty="0" smtClean="0"/>
-              <a:t>an view </a:t>
-            </a:r>
-            <a:r>
-              <a:rPr lang="en-US" dirty="0"/>
-              <a:t>the current state of each thread, lock and </a:t>
-            </a:r>
-            <a:r>
-              <a:rPr lang="en-US" dirty="0" smtClean="0"/>
-              <a:t>semaphore</a:t>
-            </a:r>
-          </a:p>
-          <a:p>
-            <a:pPr lvl="1"/>
-            <a:r>
-              <a:rPr lang="en-US" dirty="0" smtClean="0"/>
-              <a:t>can detect </a:t>
-            </a:r>
-            <a:r>
-              <a:rPr lang="en-US" dirty="0"/>
-              <a:t>synchronization errors such as </a:t>
-            </a:r>
-            <a:r>
-              <a:rPr lang="en-US" dirty="0" smtClean="0"/>
-              <a:t>deadlocks</a:t>
-            </a:r>
-          </a:p>
-          <a:p>
-            <a:pPr lvl="1"/>
-            <a:r>
-              <a:rPr lang="en-US" dirty="0" smtClean="0"/>
-              <a:t>can reproduce </a:t>
-            </a:r>
-            <a:r>
-              <a:rPr lang="en-US" dirty="0"/>
-              <a:t>test </a:t>
-            </a:r>
-            <a:r>
-              <a:rPr lang="en-US" dirty="0" smtClean="0"/>
-              <a:t>results</a:t>
-            </a:r>
-            <a:endParaRPr lang="en-US" dirty="0"/>
-          </a:p>
-          <a:p>
-            <a:endParaRPr lang="en-US" dirty="0"/>
-          </a:p>
-          <a:p>
-            <a:endParaRPr lang="en-US" dirty="0"/>
+              <a:rPr lang="en-US" sz="1600" dirty="0" smtClean="0"/>
+              <a:t>Detect Mutual Exclusion Violation</a:t>
+            </a:r>
+          </a:p>
+        </p:txBody>
+      </p:sp>
+      <p:cxnSp>
+        <p:nvCxnSpPr>
+          <p:cNvPr id="9" name="Straight Connector 8"/>
+          <p:cNvCxnSpPr/>
+          <p:nvPr/>
+        </p:nvCxnSpPr>
+        <p:spPr>
+          <a:xfrm>
+            <a:off x="4569774" y="1721177"/>
+            <a:ext cx="11870" cy="4904506"/>
+          </a:xfrm>
+          <a:prstGeom prst="line">
+            <a:avLst/>
+          </a:prstGeom>
+        </p:spPr>
+        <p:style>
+          <a:lnRef idx="2">
+            <a:schemeClr val="accent1"/>
+          </a:lnRef>
+          <a:fillRef idx="0">
+            <a:schemeClr val="accent1"/>
+          </a:fillRef>
+          <a:effectRef idx="1">
+            <a:schemeClr val="accent1"/>
+          </a:effectRef>
+          <a:fontRef idx="minor">
+            <a:schemeClr val="tx1"/>
+          </a:fontRef>
+        </p:style>
+      </p:cxnSp>
+      <p:grpSp>
+        <p:nvGrpSpPr>
+          <p:cNvPr id="55" name="Group 54"/>
+          <p:cNvGrpSpPr/>
+          <p:nvPr/>
+        </p:nvGrpSpPr>
+        <p:grpSpPr>
+          <a:xfrm>
+            <a:off x="457200" y="1904828"/>
+            <a:ext cx="3792096" cy="3257100"/>
+            <a:chOff x="457200" y="1904828"/>
+            <a:chExt cx="3792096" cy="3257100"/>
+          </a:xfrm>
+        </p:grpSpPr>
+        <p:sp>
+          <p:nvSpPr>
+            <p:cNvPr id="6" name="TextBox 5"/>
+            <p:cNvSpPr txBox="1"/>
+            <p:nvPr/>
+          </p:nvSpPr>
+          <p:spPr>
+            <a:xfrm>
+              <a:off x="2682529" y="2968452"/>
+              <a:ext cx="1566767" cy="1015663"/>
+            </a:xfrm>
+            <a:prstGeom prst="rect">
+              <a:avLst/>
+            </a:prstGeom>
+            <a:noFill/>
+          </p:spPr>
+          <p:txBody>
+            <a:bodyPr wrap="square" rtlCol="0">
+              <a:spAutoFit/>
+            </a:bodyPr>
+            <a:lstStyle/>
+            <a:p>
+              <a:r>
+                <a:rPr lang="en-US" sz="1200" dirty="0" smtClean="0"/>
+                <a:t>A checker goes through the output and checks for mutual exclusion violations</a:t>
+              </a:r>
+            </a:p>
+          </p:txBody>
+        </p:sp>
+        <p:grpSp>
+          <p:nvGrpSpPr>
+            <p:cNvPr id="54" name="Group 53"/>
+            <p:cNvGrpSpPr/>
+            <p:nvPr/>
+          </p:nvGrpSpPr>
+          <p:grpSpPr>
+            <a:xfrm>
+              <a:off x="457200" y="1904828"/>
+              <a:ext cx="2225330" cy="3257100"/>
+              <a:chOff x="457200" y="1904828"/>
+              <a:chExt cx="2225330" cy="3257100"/>
+            </a:xfrm>
+          </p:grpSpPr>
+          <p:sp useBgFill="1">
+            <p:nvSpPr>
+              <p:cNvPr id="7" name="Rectangle 6"/>
+              <p:cNvSpPr/>
+              <p:nvPr/>
+            </p:nvSpPr>
+            <p:spPr>
+              <a:xfrm>
+                <a:off x="457200" y="1904828"/>
+                <a:ext cx="1775691" cy="3257100"/>
+              </a:xfrm>
+              <a:prstGeom prst="rect">
+                <a:avLst/>
+              </a:prstGeom>
+            </p:spPr>
+            <p:style>
+              <a:lnRef idx="1">
+                <a:schemeClr val="accent1"/>
+              </a:lnRef>
+              <a:fillRef idx="3">
+                <a:schemeClr val="accent1"/>
+              </a:fillRef>
+              <a:effectRef idx="2">
+                <a:schemeClr val="accent1"/>
+              </a:effectRef>
+              <a:fontRef idx="minor">
+                <a:schemeClr val="lt1"/>
+              </a:fontRef>
+            </p:style>
+            <p:txBody>
+              <a:bodyPr rtlCol="0" anchor="t" anchorCtr="0"/>
+              <a:lstStyle/>
+              <a:p>
+                <a:pPr algn="ctr"/>
+                <a:r>
+                  <a:rPr lang="en-US" sz="1000" dirty="0" smtClean="0">
+                    <a:solidFill>
+                      <a:srgbClr val="292934"/>
+                    </a:solidFill>
+                  </a:rPr>
+                  <a:t>Output</a:t>
+                </a:r>
+                <a:endParaRPr lang="en-US" sz="1000" dirty="0">
+                  <a:solidFill>
+                    <a:srgbClr val="292934"/>
+                  </a:solidFill>
+                </a:endParaRPr>
+              </a:p>
+              <a:p>
+                <a:endParaRPr lang="en-US" sz="1000" dirty="0" smtClean="0">
+                  <a:solidFill>
+                    <a:srgbClr val="292934"/>
+                  </a:solidFill>
+                </a:endParaRPr>
+              </a:p>
+              <a:p>
+                <a:r>
+                  <a:rPr lang="en-US" sz="1000" dirty="0">
+                    <a:solidFill>
+                      <a:srgbClr val="292934"/>
+                    </a:solidFill>
+                  </a:rPr>
+                  <a:t>Number of people: 4</a:t>
+                </a:r>
+              </a:p>
+              <a:p>
+                <a:r>
+                  <a:rPr lang="en-US" sz="1000" dirty="0">
+                    <a:solidFill>
+                      <a:srgbClr val="292934"/>
+                    </a:solidFill>
+                  </a:rPr>
+                  <a:t>Drink: 0 (female)</a:t>
+                </a:r>
+              </a:p>
+              <a:p>
+                <a:r>
+                  <a:rPr lang="en-US" sz="1000" dirty="0">
+                    <a:solidFill>
+                      <a:srgbClr val="292934"/>
+                    </a:solidFill>
+                  </a:rPr>
+                  <a:t>Drink: 1 (male)</a:t>
+                </a:r>
+              </a:p>
+              <a:p>
+                <a:r>
+                  <a:rPr lang="en-US" sz="1000" dirty="0">
+                    <a:solidFill>
+                      <a:srgbClr val="292934"/>
+                    </a:solidFill>
+                  </a:rPr>
+                  <a:t>Drink: 2 (female)</a:t>
+                </a:r>
+              </a:p>
+              <a:p>
+                <a:r>
+                  <a:rPr lang="en-US" sz="1000" dirty="0">
+                    <a:solidFill>
+                      <a:srgbClr val="292934"/>
+                    </a:solidFill>
+                  </a:rPr>
+                  <a:t>Drink: 3 (male)</a:t>
+                </a:r>
+              </a:p>
+              <a:p>
+                <a:r>
+                  <a:rPr lang="en-US" sz="1000" dirty="0">
+                    <a:solidFill>
+                      <a:srgbClr val="FF0000"/>
+                    </a:solidFill>
+                  </a:rPr>
+                  <a:t>Enter: 0 (female)</a:t>
+                </a:r>
+              </a:p>
+              <a:p>
+                <a:r>
+                  <a:rPr lang="en-US" sz="1000" dirty="0">
+                    <a:solidFill>
+                      <a:srgbClr val="FF0000"/>
+                    </a:solidFill>
+                  </a:rPr>
+                  <a:t>Using: 0 (female)</a:t>
+                </a:r>
+              </a:p>
+              <a:p>
+                <a:r>
+                  <a:rPr lang="en-US" sz="1000" dirty="0">
+                    <a:solidFill>
+                      <a:srgbClr val="FF0000"/>
+                    </a:solidFill>
+                  </a:rPr>
+                  <a:t>Enter: 2 (female)</a:t>
+                </a:r>
+              </a:p>
+              <a:p>
+                <a:r>
+                  <a:rPr lang="en-US" sz="1000" dirty="0">
+                    <a:solidFill>
+                      <a:srgbClr val="FF0000"/>
+                    </a:solidFill>
+                  </a:rPr>
+                  <a:t>Using: 2 (female)</a:t>
+                </a:r>
+              </a:p>
+              <a:p>
+                <a:r>
+                  <a:rPr lang="en-US" sz="1000" dirty="0">
+                    <a:solidFill>
+                      <a:srgbClr val="FF0000"/>
+                    </a:solidFill>
+                  </a:rPr>
+                  <a:t>Enter: 1 (male)</a:t>
+                </a:r>
+              </a:p>
+              <a:p>
+                <a:r>
+                  <a:rPr lang="en-US" sz="1000" dirty="0">
+                    <a:solidFill>
+                      <a:srgbClr val="FF0000"/>
+                    </a:solidFill>
+                  </a:rPr>
+                  <a:t>Enter: 3 (male)</a:t>
+                </a:r>
+              </a:p>
+              <a:p>
+                <a:r>
+                  <a:rPr lang="en-US" sz="1000" dirty="0">
+                    <a:solidFill>
+                      <a:srgbClr val="292934"/>
+                    </a:solidFill>
+                  </a:rPr>
+                  <a:t>Leave: 2 (female)</a:t>
+                </a:r>
+              </a:p>
+              <a:p>
+                <a:r>
+                  <a:rPr lang="en-US" sz="1000" dirty="0">
+                    <a:solidFill>
+                      <a:srgbClr val="292934"/>
+                    </a:solidFill>
+                  </a:rPr>
+                  <a:t>Drink: 2 (female)</a:t>
+                </a:r>
+              </a:p>
+              <a:p>
+                <a:r>
+                  <a:rPr lang="en-US" sz="1000" dirty="0">
+                    <a:solidFill>
+                      <a:srgbClr val="292934"/>
+                    </a:solidFill>
+                  </a:rPr>
+                  <a:t>Leave: 0 (female)</a:t>
+                </a:r>
+              </a:p>
+              <a:p>
+                <a:r>
+                  <a:rPr lang="en-US" sz="1000" dirty="0">
+                    <a:solidFill>
+                      <a:srgbClr val="292934"/>
+                    </a:solidFill>
+                  </a:rPr>
+                  <a:t>Drink: 0 (female)</a:t>
+                </a:r>
+              </a:p>
+              <a:p>
+                <a:r>
+                  <a:rPr lang="en-US" sz="1000" dirty="0">
+                    <a:solidFill>
+                      <a:srgbClr val="292934"/>
+                    </a:solidFill>
+                  </a:rPr>
+                  <a:t>Using: 1 (male)</a:t>
+                </a:r>
+              </a:p>
+              <a:p>
+                <a:r>
+                  <a:rPr lang="en-US" sz="1000" dirty="0">
+                    <a:solidFill>
+                      <a:srgbClr val="292934"/>
+                    </a:solidFill>
+                  </a:rPr>
+                  <a:t>Using: 3 (male)</a:t>
+                </a:r>
+              </a:p>
+              <a:p>
+                <a:r>
+                  <a:rPr lang="en-US" sz="1000" dirty="0">
+                    <a:solidFill>
+                      <a:srgbClr val="292934"/>
+                    </a:solidFill>
+                  </a:rPr>
+                  <a:t>…</a:t>
+                </a:r>
+              </a:p>
+              <a:p>
+                <a:r>
+                  <a:rPr lang="en-US" sz="1000" dirty="0">
+                    <a:solidFill>
+                      <a:srgbClr val="292934"/>
+                    </a:solidFill>
+                  </a:rPr>
+                  <a:t>All done!</a:t>
+                </a:r>
+              </a:p>
+            </p:txBody>
+          </p:sp>
+          <p:sp>
+            <p:nvSpPr>
+              <p:cNvPr id="11" name="Right Brace 10"/>
+              <p:cNvSpPr/>
+              <p:nvPr/>
+            </p:nvSpPr>
+            <p:spPr>
+              <a:xfrm>
+                <a:off x="1543041" y="3032108"/>
+                <a:ext cx="1139489" cy="901894"/>
+              </a:xfrm>
+              <a:prstGeom prst="rightBrace">
+                <a:avLst/>
+              </a:prstGeom>
+            </p:spPr>
+            <p:style>
+              <a:lnRef idx="2">
+                <a:schemeClr val="accent1"/>
+              </a:lnRef>
+              <a:fillRef idx="0">
+                <a:schemeClr val="accent1"/>
+              </a:fillRef>
+              <a:effectRef idx="1">
+                <a:schemeClr val="accent1"/>
+              </a:effectRef>
+              <a:fontRef idx="minor">
+                <a:schemeClr val="tx1"/>
+              </a:fontRef>
+            </p:style>
+            <p:txBody>
+              <a:bodyPr rtlCol="0" anchor="ctr"/>
+              <a:lstStyle/>
+              <a:p>
+                <a:pPr algn="ctr"/>
+                <a:endParaRPr lang="en-US"/>
+              </a:p>
+            </p:txBody>
+          </p:sp>
+        </p:grpSp>
+      </p:grpSp>
+      <p:grpSp>
+        <p:nvGrpSpPr>
+          <p:cNvPr id="56" name="Group 55"/>
+          <p:cNvGrpSpPr/>
+          <p:nvPr/>
+        </p:nvGrpSpPr>
+        <p:grpSpPr>
+          <a:xfrm>
+            <a:off x="457200" y="5393472"/>
+            <a:ext cx="3621509" cy="881415"/>
+            <a:chOff x="457200" y="5393472"/>
+            <a:chExt cx="3621509" cy="881415"/>
+          </a:xfrm>
+        </p:grpSpPr>
+        <p:sp>
+          <p:nvSpPr>
+            <p:cNvPr id="8" name="TextBox 7"/>
+            <p:cNvSpPr txBox="1"/>
+            <p:nvPr/>
+          </p:nvSpPr>
+          <p:spPr>
+            <a:xfrm>
+              <a:off x="2682530" y="5628556"/>
+              <a:ext cx="1396179" cy="646331"/>
+            </a:xfrm>
+            <a:prstGeom prst="rect">
+              <a:avLst/>
+            </a:prstGeom>
+            <a:noFill/>
+          </p:spPr>
+          <p:txBody>
+            <a:bodyPr wrap="square" rtlCol="0">
+              <a:spAutoFit/>
+            </a:bodyPr>
+            <a:lstStyle/>
+            <a:p>
+              <a:r>
+                <a:rPr lang="en-US" sz="1200" dirty="0" smtClean="0"/>
+                <a:t>If the program hangs, it </a:t>
+              </a:r>
+              <a:r>
+                <a:rPr lang="en-US" sz="1200" i="1" dirty="0" smtClean="0"/>
+                <a:t>may</a:t>
+              </a:r>
+              <a:r>
+                <a:rPr lang="en-US" sz="1200" dirty="0" smtClean="0"/>
+                <a:t> be due to a deadlock</a:t>
+              </a:r>
+              <a:endParaRPr lang="en-US" sz="1200" dirty="0"/>
+            </a:p>
+          </p:txBody>
+        </p:sp>
+        <p:sp useBgFill="1">
+          <p:nvSpPr>
+            <p:cNvPr id="12" name="Rectangle 11"/>
+            <p:cNvSpPr/>
+            <p:nvPr/>
+          </p:nvSpPr>
+          <p:spPr>
+            <a:xfrm>
+              <a:off x="457200" y="5728986"/>
+              <a:ext cx="1863520" cy="465406"/>
+            </a:xfrm>
+            <a:prstGeom prst="rect">
+              <a:avLst/>
+            </a:prstGeom>
+          </p:spPr>
+          <p:style>
+            <a:lnRef idx="1">
+              <a:schemeClr val="accent1"/>
+            </a:lnRef>
+            <a:fillRef idx="3">
+              <a:schemeClr val="accent1"/>
+            </a:fillRef>
+            <a:effectRef idx="2">
+              <a:schemeClr val="accent1"/>
+            </a:effectRef>
+            <a:fontRef idx="minor">
+              <a:schemeClr val="lt1"/>
+            </a:fontRef>
+          </p:style>
+          <p:txBody>
+            <a:bodyPr rtlCol="0" anchor="t" anchorCtr="0"/>
+            <a:lstStyle/>
+            <a:p>
+              <a:r>
+                <a:rPr lang="en-US" sz="1200" dirty="0" smtClean="0">
+                  <a:solidFill>
+                    <a:srgbClr val="292934"/>
+                  </a:solidFill>
+                </a:rPr>
+                <a:t>james@cs1 &gt; ./hw1 4 2 </a:t>
+              </a:r>
+            </a:p>
+            <a:p>
+              <a:r>
+                <a:rPr lang="en-US" sz="1200" dirty="0" smtClean="0">
+                  <a:solidFill>
+                    <a:srgbClr val="292934"/>
+                  </a:solidFill>
+                </a:rPr>
+                <a:t>james@cs1 &gt; _</a:t>
+              </a:r>
+              <a:endParaRPr lang="en-US" sz="1200" dirty="0">
+                <a:solidFill>
+                  <a:srgbClr val="292934"/>
+                </a:solidFill>
+              </a:endParaRPr>
+            </a:p>
+          </p:txBody>
+        </p:sp>
+        <p:sp>
+          <p:nvSpPr>
+            <p:cNvPr id="45" name="Content Placeholder 2"/>
+            <p:cNvSpPr txBox="1">
+              <a:spLocks/>
+            </p:cNvSpPr>
+            <p:nvPr/>
+          </p:nvSpPr>
+          <p:spPr>
+            <a:xfrm>
+              <a:off x="467324" y="5393472"/>
+              <a:ext cx="3495358" cy="312117"/>
+            </a:xfrm>
+            <a:prstGeom prst="rect">
+              <a:avLst/>
+            </a:prstGeom>
+          </p:spPr>
+          <p:txBody>
+            <a:bodyPr vert="horz" lIns="91440" tIns="45720" rIns="91440" bIns="45720" rtlCol="0">
+              <a:normAutofit lnSpcReduction="10000"/>
+            </a:bodyPr>
+            <a:lstStyle>
+              <a:lvl1pPr marL="182880" indent="-182880" algn="l" defTabSz="914400" rtl="0" eaLnBrk="1" latinLnBrk="0" hangingPunct="1">
+                <a:spcBef>
+                  <a:spcPct val="20000"/>
+                </a:spcBef>
+                <a:buClr>
+                  <a:schemeClr val="accent1"/>
+                </a:buClr>
+                <a:buSzPct val="85000"/>
+                <a:buFont typeface="Arial" pitchFamily="34" charset="0"/>
+                <a:buChar char="•"/>
+                <a:defRPr sz="2400" kern="1200">
+                  <a:solidFill>
+                    <a:schemeClr val="tx1"/>
+                  </a:solidFill>
+                  <a:latin typeface="+mn-lt"/>
+                  <a:ea typeface="+mn-ea"/>
+                  <a:cs typeface="+mn-cs"/>
+                </a:defRPr>
+              </a:lvl1pPr>
+              <a:lvl2pPr marL="457200" indent="-182880" algn="l" defTabSz="914400" rtl="0" eaLnBrk="1" latinLnBrk="0" hangingPunct="1">
+                <a:spcBef>
+                  <a:spcPct val="20000"/>
+                </a:spcBef>
+                <a:buClr>
+                  <a:schemeClr val="accent1"/>
+                </a:buClr>
+                <a:buSzPct val="85000"/>
+                <a:buFont typeface="Arial" pitchFamily="34" charset="0"/>
+                <a:buChar char="•"/>
+                <a:defRPr sz="2000" kern="1200">
+                  <a:solidFill>
+                    <a:schemeClr val="tx1"/>
+                  </a:solidFill>
+                  <a:latin typeface="+mn-lt"/>
+                  <a:ea typeface="+mn-ea"/>
+                  <a:cs typeface="+mn-cs"/>
+                </a:defRPr>
+              </a:lvl2pPr>
+              <a:lvl3pPr marL="731520" indent="-182880" algn="l" defTabSz="914400" rtl="0" eaLnBrk="1" latinLnBrk="0" hangingPunct="1">
+                <a:spcBef>
+                  <a:spcPct val="20000"/>
+                </a:spcBef>
+                <a:buClr>
+                  <a:schemeClr val="accent1"/>
+                </a:buClr>
+                <a:buSzPct val="90000"/>
+                <a:buFont typeface="Arial" pitchFamily="34" charset="0"/>
+                <a:buChar char="•"/>
+                <a:defRPr sz="1800" kern="1200">
+                  <a:solidFill>
+                    <a:schemeClr val="tx1"/>
+                  </a:solidFill>
+                  <a:latin typeface="+mn-lt"/>
+                  <a:ea typeface="+mn-ea"/>
+                  <a:cs typeface="+mn-cs"/>
+                </a:defRPr>
+              </a:lvl3pPr>
+              <a:lvl4pPr marL="1005840" indent="-182880" algn="l" defTabSz="914400" rtl="0" eaLnBrk="1" latinLnBrk="0" hangingPunct="1">
+                <a:spcBef>
+                  <a:spcPct val="20000"/>
+                </a:spcBef>
+                <a:buClr>
+                  <a:schemeClr val="accent1"/>
+                </a:buClr>
+                <a:buFont typeface="Arial" pitchFamily="34" charset="0"/>
+                <a:buChar char="•"/>
+                <a:defRPr sz="1600" kern="1200">
+                  <a:solidFill>
+                    <a:schemeClr val="tx1"/>
+                  </a:solidFill>
+                  <a:latin typeface="+mn-lt"/>
+                  <a:ea typeface="+mn-ea"/>
+                  <a:cs typeface="+mn-cs"/>
+                </a:defRPr>
+              </a:lvl4pPr>
+              <a:lvl5pPr marL="1188720" indent="-137160" algn="l" defTabSz="914400" rtl="0" eaLnBrk="1" latinLnBrk="0" hangingPunct="1">
+                <a:spcBef>
+                  <a:spcPct val="20000"/>
+                </a:spcBef>
+                <a:buClr>
+                  <a:schemeClr val="accent1"/>
+                </a:buClr>
+                <a:buSzPct val="100000"/>
+                <a:buFont typeface="Arial" pitchFamily="34" charset="0"/>
+                <a:buChar char="•"/>
+                <a:defRPr sz="1400" kern="1200" baseline="0">
+                  <a:solidFill>
+                    <a:schemeClr val="tx1"/>
+                  </a:solidFill>
+                  <a:latin typeface="+mn-lt"/>
+                  <a:ea typeface="+mn-ea"/>
+                  <a:cs typeface="+mn-cs"/>
+                </a:defRPr>
+              </a:lvl5pPr>
+              <a:lvl6pPr marL="1371600" indent="-182880" algn="l" defTabSz="914400" rtl="0" eaLnBrk="1" latinLnBrk="0" hangingPunct="1">
+                <a:spcBef>
+                  <a:spcPct val="20000"/>
+                </a:spcBef>
+                <a:buClr>
+                  <a:schemeClr val="accent1"/>
+                </a:buClr>
+                <a:buFont typeface="Arial" pitchFamily="34" charset="0"/>
+                <a:buChar char="•"/>
+                <a:defRPr sz="1300" kern="1200">
+                  <a:solidFill>
+                    <a:schemeClr val="tx1"/>
+                  </a:solidFill>
+                  <a:latin typeface="+mn-lt"/>
+                  <a:ea typeface="+mn-ea"/>
+                  <a:cs typeface="+mn-cs"/>
+                </a:defRPr>
+              </a:lvl6pPr>
+              <a:lvl7pPr marL="1554480" indent="-182880" algn="l" defTabSz="914400" rtl="0" eaLnBrk="1" latinLnBrk="0" hangingPunct="1">
+                <a:spcBef>
+                  <a:spcPct val="20000"/>
+                </a:spcBef>
+                <a:buClr>
+                  <a:schemeClr val="accent1"/>
+                </a:buClr>
+                <a:buFont typeface="Arial" pitchFamily="34" charset="0"/>
+                <a:buChar char="•"/>
+                <a:defRPr sz="1300" kern="1200">
+                  <a:solidFill>
+                    <a:schemeClr val="tx1"/>
+                  </a:solidFill>
+                  <a:latin typeface="+mn-lt"/>
+                  <a:ea typeface="+mn-ea"/>
+                  <a:cs typeface="+mn-cs"/>
+                </a:defRPr>
+              </a:lvl7pPr>
+              <a:lvl8pPr marL="1737360" indent="-182880" algn="l" defTabSz="914400" rtl="0" eaLnBrk="1" latinLnBrk="0" hangingPunct="1">
+                <a:spcBef>
+                  <a:spcPct val="20000"/>
+                </a:spcBef>
+                <a:buClr>
+                  <a:schemeClr val="accent1"/>
+                </a:buClr>
+                <a:buFont typeface="Arial" pitchFamily="34" charset="0"/>
+                <a:buChar char="•"/>
+                <a:defRPr sz="1300" kern="1200">
+                  <a:solidFill>
+                    <a:schemeClr val="tx1"/>
+                  </a:solidFill>
+                  <a:latin typeface="+mn-lt"/>
+                  <a:ea typeface="+mn-ea"/>
+                  <a:cs typeface="+mn-cs"/>
+                </a:defRPr>
+              </a:lvl8pPr>
+              <a:lvl9pPr marL="1920240" indent="-182880" algn="l" defTabSz="914400" rtl="0" eaLnBrk="1" latinLnBrk="0" hangingPunct="1">
+                <a:spcBef>
+                  <a:spcPct val="20000"/>
+                </a:spcBef>
+                <a:buClr>
+                  <a:schemeClr val="accent1"/>
+                </a:buClr>
+                <a:buFont typeface="Arial" pitchFamily="34" charset="0"/>
+                <a:buChar char="•"/>
+                <a:defRPr sz="1300" kern="1200">
+                  <a:solidFill>
+                    <a:schemeClr val="tx1"/>
+                  </a:solidFill>
+                  <a:latin typeface="+mn-lt"/>
+                  <a:ea typeface="+mn-ea"/>
+                  <a:cs typeface="+mn-cs"/>
+                </a:defRPr>
+              </a:lvl9pPr>
+            </a:lstStyle>
+            <a:p>
+              <a:r>
+                <a:rPr lang="en-US" sz="1600" dirty="0" smtClean="0"/>
+                <a:t>Detect Deadlock</a:t>
+              </a:r>
+              <a:endParaRPr lang="en-US" sz="1600" dirty="0" smtClean="0"/>
+            </a:p>
+          </p:txBody>
+        </p:sp>
+        <p:cxnSp>
+          <p:nvCxnSpPr>
+            <p:cNvPr id="47" name="Straight Arrow Connector 46"/>
+            <p:cNvCxnSpPr>
+              <a:stCxn id="8" idx="1"/>
+            </p:cNvCxnSpPr>
+            <p:nvPr/>
+          </p:nvCxnSpPr>
+          <p:spPr>
+            <a:xfrm flipH="1">
+              <a:off x="2030261" y="5951722"/>
+              <a:ext cx="652269" cy="125553"/>
+            </a:xfrm>
+            <a:prstGeom prst="straightConnector1">
+              <a:avLst/>
+            </a:prstGeom>
+            <a:ln>
+              <a:tailEnd type="arrow"/>
+            </a:ln>
+          </p:spPr>
+          <p:style>
+            <a:lnRef idx="2">
+              <a:schemeClr val="accent1"/>
+            </a:lnRef>
+            <a:fillRef idx="0">
+              <a:schemeClr val="accent1"/>
+            </a:fillRef>
+            <a:effectRef idx="1">
+              <a:schemeClr val="accent1"/>
+            </a:effectRef>
+            <a:fontRef idx="minor">
+              <a:schemeClr val="tx1"/>
+            </a:fontRef>
+          </p:style>
+        </p:cxnSp>
+      </p:grpSp>
+      <p:grpSp>
+        <p:nvGrpSpPr>
+          <p:cNvPr id="53" name="Group 52"/>
+          <p:cNvGrpSpPr/>
+          <p:nvPr/>
+        </p:nvGrpSpPr>
+        <p:grpSpPr>
+          <a:xfrm>
+            <a:off x="4721063" y="1756128"/>
+            <a:ext cx="4098011" cy="2818406"/>
+            <a:chOff x="4721063" y="1550416"/>
+            <a:chExt cx="4098011" cy="2818406"/>
+          </a:xfrm>
+        </p:grpSpPr>
+        <p:grpSp>
+          <p:nvGrpSpPr>
+            <p:cNvPr id="48" name="Group 47"/>
+            <p:cNvGrpSpPr/>
+            <p:nvPr/>
+          </p:nvGrpSpPr>
+          <p:grpSpPr>
+            <a:xfrm>
+              <a:off x="4721063" y="1721177"/>
+              <a:ext cx="4098011" cy="2647645"/>
+              <a:chOff x="4875403" y="3837485"/>
+              <a:chExt cx="4098011" cy="2647645"/>
+            </a:xfrm>
+          </p:grpSpPr>
+          <p:sp useBgFill="1">
+            <p:nvSpPr>
+              <p:cNvPr id="37" name="Rectangle 36"/>
+              <p:cNvSpPr/>
+              <p:nvPr/>
+            </p:nvSpPr>
+            <p:spPr>
+              <a:xfrm>
+                <a:off x="5582982" y="6199393"/>
+                <a:ext cx="1187087" cy="210498"/>
+              </a:xfrm>
+              <a:prstGeom prst="rect">
+                <a:avLst/>
+              </a:prstGeom>
+              <a:ln>
+                <a:noFill/>
+              </a:ln>
+              <a:effectLst/>
+            </p:spPr>
+            <p:style>
+              <a:lnRef idx="1">
+                <a:schemeClr val="accent1"/>
+              </a:lnRef>
+              <a:fillRef idx="3">
+                <a:schemeClr val="accent1"/>
+              </a:fillRef>
+              <a:effectRef idx="2">
+                <a:schemeClr val="accent1"/>
+              </a:effectRef>
+              <a:fontRef idx="minor">
+                <a:schemeClr val="lt1"/>
+              </a:fontRef>
+            </p:style>
+            <p:txBody>
+              <a:bodyPr rtlCol="0" anchor="t" anchorCtr="0"/>
+              <a:lstStyle/>
+              <a:p>
+                <a:r>
+                  <a:rPr lang="en-US" sz="1200" dirty="0">
+                    <a:solidFill>
+                      <a:srgbClr val="292934"/>
+                    </a:solidFill>
+                  </a:rPr>
+                  <a:t>r</a:t>
+                </a:r>
+                <a:r>
+                  <a:rPr lang="en-US" sz="1200" dirty="0" smtClean="0">
+                    <a:solidFill>
+                      <a:srgbClr val="292934"/>
+                    </a:solidFill>
+                  </a:rPr>
+                  <a:t>un test</a:t>
+                </a:r>
+                <a:endParaRPr lang="en-US" sz="1200" dirty="0">
+                  <a:solidFill>
+                    <a:srgbClr val="292934"/>
+                  </a:solidFill>
+                </a:endParaRPr>
+              </a:p>
+            </p:txBody>
+          </p:sp>
+          <p:sp useBgFill="1">
+            <p:nvSpPr>
+              <p:cNvPr id="14" name="Oval 13"/>
+              <p:cNvSpPr/>
+              <p:nvPr/>
+            </p:nvSpPr>
+            <p:spPr>
+              <a:xfrm>
+                <a:off x="4875403" y="5329713"/>
+                <a:ext cx="1230006" cy="747562"/>
+              </a:xfrm>
+              <a:prstGeom prst="ellipse">
+                <a:avLst/>
+              </a:prstGeom>
+            </p:spPr>
+            <p:style>
+              <a:lnRef idx="1">
+                <a:schemeClr val="accent1"/>
+              </a:lnRef>
+              <a:fillRef idx="3">
+                <a:schemeClr val="accent1"/>
+              </a:fillRef>
+              <a:effectRef idx="2">
+                <a:schemeClr val="accent1"/>
+              </a:effectRef>
+              <a:fontRef idx="minor">
+                <a:schemeClr val="lt1"/>
+              </a:fontRef>
+            </p:style>
+            <p:txBody>
+              <a:bodyPr rtlCol="0" anchor="ctr"/>
+              <a:lstStyle/>
+              <a:p>
+                <a:pPr algn="ctr"/>
+                <a:r>
+                  <a:rPr lang="en-US" sz="1200" dirty="0" smtClean="0">
+                    <a:solidFill>
+                      <a:srgbClr val="292934"/>
+                    </a:solidFill>
+                  </a:rPr>
+                  <a:t>Mutual Exclusion Violation</a:t>
+                </a:r>
+                <a:endParaRPr lang="en-US" sz="1200" dirty="0">
+                  <a:solidFill>
+                    <a:srgbClr val="292934"/>
+                  </a:solidFill>
+                </a:endParaRPr>
+              </a:p>
+            </p:txBody>
+          </p:sp>
+          <p:sp useBgFill="1">
+            <p:nvSpPr>
+              <p:cNvPr id="15" name="Oval 14"/>
+              <p:cNvSpPr/>
+              <p:nvPr/>
+            </p:nvSpPr>
+            <p:spPr>
+              <a:xfrm>
+                <a:off x="7743408" y="5246622"/>
+                <a:ext cx="1230006" cy="747562"/>
+              </a:xfrm>
+              <a:prstGeom prst="ellipse">
+                <a:avLst/>
+              </a:prstGeom>
+            </p:spPr>
+            <p:style>
+              <a:lnRef idx="1">
+                <a:schemeClr val="accent1"/>
+              </a:lnRef>
+              <a:fillRef idx="3">
+                <a:schemeClr val="accent1"/>
+              </a:fillRef>
+              <a:effectRef idx="2">
+                <a:schemeClr val="accent1"/>
+              </a:effectRef>
+              <a:fontRef idx="minor">
+                <a:schemeClr val="lt1"/>
+              </a:fontRef>
+            </p:style>
+            <p:txBody>
+              <a:bodyPr rtlCol="0" anchor="ctr"/>
+              <a:lstStyle/>
+              <a:p>
+                <a:pPr algn="ctr"/>
+                <a:r>
+                  <a:rPr lang="en-US" sz="1200" dirty="0" smtClean="0">
+                    <a:solidFill>
+                      <a:srgbClr val="292934"/>
+                    </a:solidFill>
+                  </a:rPr>
+                  <a:t>Deadlock</a:t>
+                </a:r>
+                <a:endParaRPr lang="en-US" sz="1200" dirty="0">
+                  <a:solidFill>
+                    <a:srgbClr val="292934"/>
+                  </a:solidFill>
+                </a:endParaRPr>
+              </a:p>
+            </p:txBody>
+          </p:sp>
+          <p:sp useBgFill="1">
+            <p:nvSpPr>
+              <p:cNvPr id="16" name="Oval 15"/>
+              <p:cNvSpPr/>
+              <p:nvPr/>
+            </p:nvSpPr>
+            <p:spPr>
+              <a:xfrm>
+                <a:off x="6285977" y="5246622"/>
+                <a:ext cx="1230006" cy="747562"/>
+              </a:xfrm>
+              <a:prstGeom prst="ellipse">
+                <a:avLst/>
+              </a:prstGeom>
+            </p:spPr>
+            <p:style>
+              <a:lnRef idx="1">
+                <a:schemeClr val="accent1"/>
+              </a:lnRef>
+              <a:fillRef idx="3">
+                <a:schemeClr val="accent1"/>
+              </a:fillRef>
+              <a:effectRef idx="2">
+                <a:schemeClr val="accent1"/>
+              </a:effectRef>
+              <a:fontRef idx="minor">
+                <a:schemeClr val="lt1"/>
+              </a:fontRef>
+            </p:style>
+            <p:txBody>
+              <a:bodyPr rtlCol="0" anchor="ctr"/>
+              <a:lstStyle/>
+              <a:p>
+                <a:pPr algn="ctr"/>
+                <a:r>
+                  <a:rPr lang="en-US" sz="1200" dirty="0" smtClean="0">
+                    <a:solidFill>
+                      <a:srgbClr val="292934"/>
+                    </a:solidFill>
+                  </a:rPr>
+                  <a:t>No Error Observed</a:t>
+                </a:r>
+                <a:endParaRPr lang="en-US" sz="1200" dirty="0">
+                  <a:solidFill>
+                    <a:srgbClr val="292934"/>
+                  </a:solidFill>
+                </a:endParaRPr>
+              </a:p>
+            </p:txBody>
+          </p:sp>
+          <p:sp useBgFill="1">
+            <p:nvSpPr>
+              <p:cNvPr id="17" name="Oval 16"/>
+              <p:cNvSpPr/>
+              <p:nvPr/>
+            </p:nvSpPr>
+            <p:spPr>
+              <a:xfrm>
+                <a:off x="6155065" y="3837485"/>
+                <a:ext cx="1230006" cy="747562"/>
+              </a:xfrm>
+              <a:prstGeom prst="ellipse">
+                <a:avLst/>
+              </a:prstGeom>
+            </p:spPr>
+            <p:style>
+              <a:lnRef idx="1">
+                <a:schemeClr val="accent1"/>
+              </a:lnRef>
+              <a:fillRef idx="3">
+                <a:schemeClr val="accent1"/>
+              </a:fillRef>
+              <a:effectRef idx="2">
+                <a:schemeClr val="accent1"/>
+              </a:effectRef>
+              <a:fontRef idx="minor">
+                <a:schemeClr val="lt1"/>
+              </a:fontRef>
+            </p:style>
+            <p:txBody>
+              <a:bodyPr rtlCol="0" anchor="ctr"/>
+              <a:lstStyle/>
+              <a:p>
+                <a:pPr algn="ctr"/>
+                <a:r>
+                  <a:rPr lang="en-US" sz="1200" dirty="0" smtClean="0">
+                    <a:solidFill>
+                      <a:srgbClr val="292934"/>
+                    </a:solidFill>
+                  </a:rPr>
+                  <a:t>Ready to Test</a:t>
+                </a:r>
+                <a:endParaRPr lang="en-US" sz="1200" dirty="0">
+                  <a:solidFill>
+                    <a:srgbClr val="292934"/>
+                  </a:solidFill>
+                </a:endParaRPr>
+              </a:p>
+            </p:txBody>
+          </p:sp>
+          <p:cxnSp>
+            <p:nvCxnSpPr>
+              <p:cNvPr id="19" name="Curved Connector 18"/>
+              <p:cNvCxnSpPr>
+                <a:stCxn id="17" idx="2"/>
+                <a:endCxn id="14" idx="1"/>
+              </p:cNvCxnSpPr>
+              <p:nvPr/>
+            </p:nvCxnSpPr>
+            <p:spPr>
+              <a:xfrm rot="10800000" flipV="1">
+                <a:off x="5055533" y="4211265"/>
+                <a:ext cx="1099532" cy="1227925"/>
+              </a:xfrm>
+              <a:prstGeom prst="curvedConnector2">
+                <a:avLst/>
+              </a:prstGeom>
+              <a:ln>
+                <a:tailEnd type="arrow"/>
+              </a:ln>
+            </p:spPr>
+            <p:style>
+              <a:lnRef idx="2">
+                <a:schemeClr val="accent1"/>
+              </a:lnRef>
+              <a:fillRef idx="0">
+                <a:schemeClr val="accent1"/>
+              </a:fillRef>
+              <a:effectRef idx="1">
+                <a:schemeClr val="accent1"/>
+              </a:effectRef>
+              <a:fontRef idx="minor">
+                <a:schemeClr val="tx1"/>
+              </a:fontRef>
+            </p:style>
+          </p:cxnSp>
+          <p:cxnSp>
+            <p:nvCxnSpPr>
+              <p:cNvPr id="21" name="Curved Connector 20"/>
+              <p:cNvCxnSpPr>
+                <a:stCxn id="17" idx="6"/>
+                <a:endCxn id="15" idx="7"/>
+              </p:cNvCxnSpPr>
+              <p:nvPr/>
+            </p:nvCxnSpPr>
+            <p:spPr>
+              <a:xfrm>
+                <a:off x="7385071" y="4211266"/>
+                <a:ext cx="1408213" cy="1144834"/>
+              </a:xfrm>
+              <a:prstGeom prst="curvedConnector2">
+                <a:avLst/>
+              </a:prstGeom>
+              <a:ln>
+                <a:tailEnd type="arrow"/>
+              </a:ln>
+            </p:spPr>
+            <p:style>
+              <a:lnRef idx="2">
+                <a:schemeClr val="accent1"/>
+              </a:lnRef>
+              <a:fillRef idx="0">
+                <a:schemeClr val="accent1"/>
+              </a:fillRef>
+              <a:effectRef idx="1">
+                <a:schemeClr val="accent1"/>
+              </a:effectRef>
+              <a:fontRef idx="minor">
+                <a:schemeClr val="tx1"/>
+              </a:fontRef>
+            </p:style>
+          </p:cxnSp>
+          <p:cxnSp>
+            <p:nvCxnSpPr>
+              <p:cNvPr id="24" name="Curved Connector 23"/>
+              <p:cNvCxnSpPr>
+                <a:stCxn id="14" idx="0"/>
+                <a:endCxn id="17" idx="3"/>
+              </p:cNvCxnSpPr>
+              <p:nvPr/>
+            </p:nvCxnSpPr>
+            <p:spPr>
+              <a:xfrm rot="5400000" flipH="1" flipV="1">
+                <a:off x="5485728" y="4480247"/>
+                <a:ext cx="854144" cy="844789"/>
+              </a:xfrm>
+              <a:prstGeom prst="curvedConnector3">
+                <a:avLst>
+                  <a:gd name="adj1" fmla="val 50000"/>
+                </a:avLst>
+              </a:prstGeom>
+              <a:ln>
+                <a:prstDash val="sysDot"/>
+                <a:tailEnd type="arrow"/>
+              </a:ln>
+            </p:spPr>
+            <p:style>
+              <a:lnRef idx="2">
+                <a:schemeClr val="accent1"/>
+              </a:lnRef>
+              <a:fillRef idx="0">
+                <a:schemeClr val="accent1"/>
+              </a:fillRef>
+              <a:effectRef idx="1">
+                <a:schemeClr val="accent1"/>
+              </a:effectRef>
+              <a:fontRef idx="minor">
+                <a:schemeClr val="tx1"/>
+              </a:fontRef>
+            </p:style>
+          </p:cxnSp>
+          <p:cxnSp>
+            <p:nvCxnSpPr>
+              <p:cNvPr id="27" name="Curved Connector 26"/>
+              <p:cNvCxnSpPr>
+                <a:stCxn id="15" idx="0"/>
+                <a:endCxn id="17" idx="5"/>
+              </p:cNvCxnSpPr>
+              <p:nvPr/>
+            </p:nvCxnSpPr>
+            <p:spPr>
+              <a:xfrm rot="16200000" flipV="1">
+                <a:off x="7396150" y="4284361"/>
+                <a:ext cx="771053" cy="1153470"/>
+              </a:xfrm>
+              <a:prstGeom prst="curvedConnector3">
+                <a:avLst>
+                  <a:gd name="adj1" fmla="val 50000"/>
+                </a:avLst>
+              </a:prstGeom>
+              <a:ln>
+                <a:prstDash val="sysDot"/>
+                <a:tailEnd type="arrow"/>
+              </a:ln>
+            </p:spPr>
+            <p:style>
+              <a:lnRef idx="2">
+                <a:schemeClr val="accent1"/>
+              </a:lnRef>
+              <a:fillRef idx="0">
+                <a:schemeClr val="accent1"/>
+              </a:fillRef>
+              <a:effectRef idx="1">
+                <a:schemeClr val="accent1"/>
+              </a:effectRef>
+              <a:fontRef idx="minor">
+                <a:schemeClr val="tx1"/>
+              </a:fontRef>
+            </p:style>
+          </p:cxnSp>
+          <p:cxnSp>
+            <p:nvCxnSpPr>
+              <p:cNvPr id="30" name="Curved Connector 29"/>
+              <p:cNvCxnSpPr>
+                <a:stCxn id="17" idx="4"/>
+                <a:endCxn id="16" idx="1"/>
+              </p:cNvCxnSpPr>
+              <p:nvPr/>
+            </p:nvCxnSpPr>
+            <p:spPr>
+              <a:xfrm rot="5400000">
+                <a:off x="6232562" y="4818593"/>
+                <a:ext cx="771053" cy="303961"/>
+              </a:xfrm>
+              <a:prstGeom prst="curvedConnector3">
+                <a:avLst>
+                  <a:gd name="adj1" fmla="val 50000"/>
+                </a:avLst>
+              </a:prstGeom>
+              <a:ln>
+                <a:tailEnd type="arrow"/>
+              </a:ln>
+            </p:spPr>
+            <p:style>
+              <a:lnRef idx="2">
+                <a:schemeClr val="accent1"/>
+              </a:lnRef>
+              <a:fillRef idx="0">
+                <a:schemeClr val="accent1"/>
+              </a:fillRef>
+              <a:effectRef idx="1">
+                <a:schemeClr val="accent1"/>
+              </a:effectRef>
+              <a:fontRef idx="minor">
+                <a:schemeClr val="tx1"/>
+              </a:fontRef>
+            </p:style>
+          </p:cxnSp>
+          <p:cxnSp>
+            <p:nvCxnSpPr>
+              <p:cNvPr id="33" name="Curved Connector 32"/>
+              <p:cNvCxnSpPr>
+                <a:stCxn id="16" idx="7"/>
+                <a:endCxn id="17" idx="4"/>
+              </p:cNvCxnSpPr>
+              <p:nvPr/>
+            </p:nvCxnSpPr>
+            <p:spPr>
+              <a:xfrm rot="16200000" flipV="1">
+                <a:off x="6667435" y="4687681"/>
+                <a:ext cx="771053" cy="565785"/>
+              </a:xfrm>
+              <a:prstGeom prst="curvedConnector3">
+                <a:avLst>
+                  <a:gd name="adj1" fmla="val 50000"/>
+                </a:avLst>
+              </a:prstGeom>
+              <a:ln>
+                <a:prstDash val="sysDot"/>
+                <a:tailEnd type="arrow"/>
+              </a:ln>
+            </p:spPr>
+            <p:style>
+              <a:lnRef idx="2">
+                <a:schemeClr val="accent1"/>
+              </a:lnRef>
+              <a:fillRef idx="0">
+                <a:schemeClr val="accent1"/>
+              </a:fillRef>
+              <a:effectRef idx="1">
+                <a:schemeClr val="accent1"/>
+              </a:effectRef>
+              <a:fontRef idx="minor">
+                <a:schemeClr val="tx1"/>
+              </a:fontRef>
+            </p:style>
+          </p:cxnSp>
+          <p:cxnSp>
+            <p:nvCxnSpPr>
+              <p:cNvPr id="38" name="Curved Connector 37"/>
+              <p:cNvCxnSpPr/>
+              <p:nvPr/>
+            </p:nvCxnSpPr>
+            <p:spPr>
+              <a:xfrm flipV="1">
+                <a:off x="5041539" y="6356479"/>
+                <a:ext cx="564535" cy="106821"/>
+              </a:xfrm>
+              <a:prstGeom prst="curvedConnector3">
+                <a:avLst>
+                  <a:gd name="adj1" fmla="val 50000"/>
+                </a:avLst>
+              </a:prstGeom>
+              <a:ln>
+                <a:tailEnd type="arrow"/>
+              </a:ln>
+            </p:spPr>
+            <p:style>
+              <a:lnRef idx="2">
+                <a:schemeClr val="accent1"/>
+              </a:lnRef>
+              <a:fillRef idx="0">
+                <a:schemeClr val="accent1"/>
+              </a:fillRef>
+              <a:effectRef idx="1">
+                <a:schemeClr val="accent1"/>
+              </a:effectRef>
+              <a:fontRef idx="minor">
+                <a:schemeClr val="tx1"/>
+              </a:fontRef>
+            </p:style>
+          </p:cxnSp>
+          <p:sp useBgFill="1">
+            <p:nvSpPr>
+              <p:cNvPr id="43" name="Rectangle 42"/>
+              <p:cNvSpPr/>
+              <p:nvPr/>
+            </p:nvSpPr>
+            <p:spPr>
+              <a:xfrm>
+                <a:off x="7266612" y="6221223"/>
+                <a:ext cx="1187087" cy="210498"/>
+              </a:xfrm>
+              <a:prstGeom prst="rect">
+                <a:avLst/>
+              </a:prstGeom>
+              <a:ln>
+                <a:noFill/>
+              </a:ln>
+              <a:effectLst/>
+            </p:spPr>
+            <p:style>
+              <a:lnRef idx="1">
+                <a:schemeClr val="accent1"/>
+              </a:lnRef>
+              <a:fillRef idx="3">
+                <a:schemeClr val="accent1"/>
+              </a:fillRef>
+              <a:effectRef idx="2">
+                <a:schemeClr val="accent1"/>
+              </a:effectRef>
+              <a:fontRef idx="minor">
+                <a:schemeClr val="lt1"/>
+              </a:fontRef>
+            </p:style>
+            <p:txBody>
+              <a:bodyPr rtlCol="0" anchor="t" anchorCtr="0"/>
+              <a:lstStyle/>
+              <a:p>
+                <a:r>
+                  <a:rPr lang="en-US" sz="1200" dirty="0">
+                    <a:solidFill>
+                      <a:srgbClr val="292934"/>
+                    </a:solidFill>
+                  </a:rPr>
+                  <a:t>u</a:t>
+                </a:r>
+                <a:r>
+                  <a:rPr lang="en-US" sz="1200" dirty="0" smtClean="0">
+                    <a:solidFill>
+                      <a:srgbClr val="292934"/>
+                    </a:solidFill>
+                  </a:rPr>
+                  <a:t>pdate code</a:t>
+                </a:r>
+                <a:endParaRPr lang="en-US" sz="1200" dirty="0">
+                  <a:solidFill>
+                    <a:srgbClr val="292934"/>
+                  </a:solidFill>
+                </a:endParaRPr>
+              </a:p>
+            </p:txBody>
+          </p:sp>
+          <p:cxnSp>
+            <p:nvCxnSpPr>
+              <p:cNvPr id="44" name="Curved Connector 43"/>
+              <p:cNvCxnSpPr/>
+              <p:nvPr/>
+            </p:nvCxnSpPr>
+            <p:spPr>
+              <a:xfrm flipV="1">
+                <a:off x="6725169" y="6378309"/>
+                <a:ext cx="564535" cy="106821"/>
+              </a:xfrm>
+              <a:prstGeom prst="curvedConnector3">
+                <a:avLst>
+                  <a:gd name="adj1" fmla="val 50000"/>
+                </a:avLst>
+              </a:prstGeom>
+              <a:ln>
+                <a:prstDash val="sysDot"/>
+                <a:tailEnd type="arrow"/>
+              </a:ln>
+            </p:spPr>
+            <p:style>
+              <a:lnRef idx="2">
+                <a:schemeClr val="accent1"/>
+              </a:lnRef>
+              <a:fillRef idx="0">
+                <a:schemeClr val="accent1"/>
+              </a:fillRef>
+              <a:effectRef idx="1">
+                <a:schemeClr val="accent1"/>
+              </a:effectRef>
+              <a:fontRef idx="minor">
+                <a:schemeClr val="tx1"/>
+              </a:fontRef>
+            </p:style>
+          </p:cxnSp>
+        </p:grpSp>
+        <p:sp>
+          <p:nvSpPr>
+            <p:cNvPr id="49" name="Oval 48"/>
+            <p:cNvSpPr/>
+            <p:nvPr/>
+          </p:nvSpPr>
+          <p:spPr>
+            <a:xfrm>
+              <a:off x="5768803" y="1550416"/>
+              <a:ext cx="77063" cy="99567"/>
+            </a:xfrm>
+            <a:prstGeom prst="ellipse">
+              <a:avLst/>
+            </a:prstGeom>
+          </p:spPr>
+          <p:style>
+            <a:lnRef idx="1">
+              <a:schemeClr val="accent1"/>
+            </a:lnRef>
+            <a:fillRef idx="3">
+              <a:schemeClr val="accent1"/>
+            </a:fillRef>
+            <a:effectRef idx="2">
+              <a:schemeClr val="accent1"/>
+            </a:effectRef>
+            <a:fontRef idx="minor">
+              <a:schemeClr val="lt1"/>
+            </a:fontRef>
+          </p:style>
+          <p:txBody>
+            <a:bodyPr rtlCol="0" anchor="ctr"/>
+            <a:lstStyle/>
+            <a:p>
+              <a:pPr algn="ctr"/>
+              <a:endParaRPr lang="en-US"/>
+            </a:p>
+          </p:txBody>
+        </p:sp>
+        <p:cxnSp>
+          <p:nvCxnSpPr>
+            <p:cNvPr id="51" name="Straight Arrow Connector 50"/>
+            <p:cNvCxnSpPr>
+              <a:stCxn id="49" idx="5"/>
+            </p:cNvCxnSpPr>
+            <p:nvPr/>
+          </p:nvCxnSpPr>
+          <p:spPr>
+            <a:xfrm>
+              <a:off x="5834580" y="1635402"/>
+              <a:ext cx="369675" cy="209834"/>
+            </a:xfrm>
+            <a:prstGeom prst="straightConnector1">
+              <a:avLst/>
+            </a:prstGeom>
+            <a:ln>
+              <a:tailEnd type="arrow"/>
+            </a:ln>
+          </p:spPr>
+          <p:style>
+            <a:lnRef idx="2">
+              <a:schemeClr val="accent1"/>
+            </a:lnRef>
+            <a:fillRef idx="0">
+              <a:schemeClr val="accent1"/>
+            </a:fillRef>
+            <a:effectRef idx="1">
+              <a:schemeClr val="accent1"/>
+            </a:effectRef>
+            <a:fontRef idx="minor">
+              <a:schemeClr val="tx1"/>
+            </a:fontRef>
+          </p:style>
+        </p:cxnSp>
+      </p:grpSp>
+      <p:sp>
+        <p:nvSpPr>
+          <p:cNvPr id="57" name="TextBox 56"/>
+          <p:cNvSpPr txBox="1"/>
+          <p:nvPr/>
+        </p:nvSpPr>
+        <p:spPr>
+          <a:xfrm>
+            <a:off x="4981742" y="5161928"/>
+            <a:ext cx="3705058" cy="1323439"/>
+          </a:xfrm>
+          <a:prstGeom prst="rect">
+            <a:avLst/>
+          </a:prstGeom>
+          <a:noFill/>
+        </p:spPr>
+        <p:txBody>
+          <a:bodyPr wrap="square" rtlCol="0">
+            <a:spAutoFit/>
+          </a:bodyPr>
+          <a:lstStyle/>
+          <a:p>
+            <a:r>
+              <a:rPr lang="en-US" sz="1600" dirty="0" smtClean="0"/>
+              <a:t>Challenges:</a:t>
+            </a:r>
+          </a:p>
+          <a:p>
+            <a:pPr marL="285750" indent="-285750">
+              <a:buFont typeface="Wingdings" charset="0"/>
+              <a:buChar char="à"/>
+            </a:pPr>
+            <a:r>
+              <a:rPr lang="en-US" sz="1600" dirty="0">
+                <a:sym typeface="Wingdings"/>
+              </a:rPr>
+              <a:t>i</a:t>
+            </a:r>
+            <a:r>
+              <a:rPr lang="en-US" sz="1600" dirty="0" smtClean="0">
+                <a:sym typeface="Wingdings"/>
+              </a:rPr>
+              <a:t>dentifying deadlocks</a:t>
+            </a:r>
+          </a:p>
+          <a:p>
+            <a:pPr marL="285750" indent="-285750">
+              <a:buFont typeface="Wingdings" charset="0"/>
+              <a:buChar char="à"/>
+            </a:pPr>
+            <a:r>
+              <a:rPr lang="en-US" sz="1600" dirty="0" smtClean="0">
+                <a:sym typeface="Wingdings"/>
+              </a:rPr>
+              <a:t>reproducing test runs</a:t>
+            </a:r>
+          </a:p>
+          <a:p>
+            <a:pPr marL="285750" indent="-285750">
+              <a:buFont typeface="Wingdings" charset="0"/>
+              <a:buChar char="à"/>
+            </a:pPr>
+            <a:r>
+              <a:rPr lang="en-US" sz="1600" dirty="0">
+                <a:sym typeface="Wingdings"/>
+              </a:rPr>
+              <a:t>a</a:t>
+            </a:r>
+            <a:r>
+              <a:rPr lang="en-US" sz="1600" dirty="0" smtClean="0">
+                <a:sym typeface="Wingdings"/>
+              </a:rPr>
+              <a:t>chieving high schedule coverage </a:t>
+            </a:r>
+          </a:p>
+          <a:p>
+            <a:pPr marL="285750" indent="-285750">
+              <a:buFont typeface="Wingdings" charset="0"/>
+              <a:buChar char="à"/>
+            </a:pPr>
+            <a:endParaRPr lang="en-US" sz="1600" dirty="0"/>
           </a:p>
         </p:txBody>
       </p:sp>
     </p:spTree>
     <p:extLst>
       <p:ext uri="{BB962C8B-B14F-4D97-AF65-F5344CB8AC3E}">
-        <p14:creationId xmlns:p14="http://schemas.microsoft.com/office/powerpoint/2010/main" val="1502921269"/>
+        <p14:creationId xmlns:p14="http://schemas.microsoft.com/office/powerpoint/2010/main" val="259593073"/>
       </p:ext>
     </p:extLst>
   </p:cSld>
   <p:clrMapOvr>
     <a:masterClrMapping/>
   </p:clrMapOvr>
+  <p:timing>
+    <p:tnLst>
+      <p:par>
+        <p:cTn xmlns:p14="http://schemas.microsoft.com/office/powerpoint/2010/main" id="1" dur="indefinite" restart="never" nodeType="tmRoot">
+          <p:childTnLst>
+            <p:seq concurrent="1" nextAc="seek">
+              <p:cTn id="2" dur="indefinite" nodeType="mainSeq">
+                <p:childTnLst>
+                  <p:par>
+                    <p:cTn id="3" fill="hold">
+                      <p:stCondLst>
+                        <p:cond delay="indefinite"/>
+                      </p:stCondLst>
+                      <p:childTnLst>
+                        <p:par>
+                          <p:cTn id="4" fill="hold">
+                            <p:stCondLst>
+                              <p:cond delay="0"/>
+                            </p:stCondLst>
+                            <p:childTnLst>
+                              <p:par>
+                                <p:cTn id="5" presetID="1" presetClass="entr" presetSubtype="0" fill="hold" nodeType="clickEffect">
+                                  <p:stCondLst>
+                                    <p:cond delay="0"/>
+                                  </p:stCondLst>
+                                  <p:childTnLst>
+                                    <p:set>
+                                      <p:cBhvr>
+                                        <p:cTn id="6" dur="1" fill="hold">
+                                          <p:stCondLst>
+                                            <p:cond delay="0"/>
+                                          </p:stCondLst>
+                                        </p:cTn>
+                                        <p:tgtEl>
+                                          <p:spTgt spid="55"/>
+                                        </p:tgtEl>
+                                        <p:attrNameLst>
+                                          <p:attrName>style.visibility</p:attrName>
+                                        </p:attrNameLst>
+                                      </p:cBhvr>
+                                      <p:to>
+                                        <p:strVal val="visible"/>
+                                      </p:to>
+                                    </p:set>
+                                  </p:childTnLst>
+                                </p:cTn>
+                              </p:par>
+                              <p:par>
+                                <p:cTn id="7" presetID="1" presetClass="entr" presetSubtype="0" fill="hold" grpId="0" nodeType="withEffect">
+                                  <p:stCondLst>
+                                    <p:cond delay="0"/>
+                                  </p:stCondLst>
+                                  <p:childTnLst>
+                                    <p:set>
+                                      <p:cBhvr>
+                                        <p:cTn id="8" dur="1" fill="hold">
+                                          <p:stCondLst>
+                                            <p:cond delay="0"/>
+                                          </p:stCondLst>
+                                        </p:cTn>
+                                        <p:tgtEl>
+                                          <p:spTgt spid="3">
+                                            <p:txEl>
+                                              <p:pRg st="0" end="0"/>
+                                            </p:txEl>
+                                          </p:spTgt>
+                                        </p:tgtEl>
+                                        <p:attrNameLst>
+                                          <p:attrName>style.visibility</p:attrName>
+                                        </p:attrNameLst>
+                                      </p:cBhvr>
+                                      <p:to>
+                                        <p:strVal val="visible"/>
+                                      </p:to>
+                                    </p:set>
+                                  </p:childTnLst>
+                                </p:cTn>
+                              </p:par>
+                            </p:childTnLst>
+                          </p:cTn>
+                        </p:par>
+                      </p:childTnLst>
+                    </p:cTn>
+                  </p:par>
+                  <p:par>
+                    <p:cTn id="9" fill="hold">
+                      <p:stCondLst>
+                        <p:cond delay="indefinite"/>
+                      </p:stCondLst>
+                      <p:childTnLst>
+                        <p:par>
+                          <p:cTn id="10" fill="hold">
+                            <p:stCondLst>
+                              <p:cond delay="0"/>
+                            </p:stCondLst>
+                            <p:childTnLst>
+                              <p:par>
+                                <p:cTn id="11" presetID="1" presetClass="entr" presetSubtype="0" fill="hold" nodeType="clickEffect">
+                                  <p:stCondLst>
+                                    <p:cond delay="0"/>
+                                  </p:stCondLst>
+                                  <p:childTnLst>
+                                    <p:set>
+                                      <p:cBhvr>
+                                        <p:cTn id="12" dur="1" fill="hold">
+                                          <p:stCondLst>
+                                            <p:cond delay="0"/>
+                                          </p:stCondLst>
+                                        </p:cTn>
+                                        <p:tgtEl>
+                                          <p:spTgt spid="56"/>
+                                        </p:tgtEl>
+                                        <p:attrNameLst>
+                                          <p:attrName>style.visibility</p:attrName>
+                                        </p:attrNameLst>
+                                      </p:cBhvr>
+                                      <p:to>
+                                        <p:strVal val="visible"/>
+                                      </p:to>
+                                    </p:set>
+                                  </p:childTnLst>
+                                </p:cTn>
+                              </p:par>
+                            </p:childTnLst>
+                          </p:cTn>
+                        </p:par>
+                      </p:childTnLst>
+                    </p:cTn>
+                  </p:par>
+                  <p:par>
+                    <p:cTn id="13" fill="hold">
+                      <p:stCondLst>
+                        <p:cond delay="indefinite"/>
+                      </p:stCondLst>
+                      <p:childTnLst>
+                        <p:par>
+                          <p:cTn id="14" fill="hold">
+                            <p:stCondLst>
+                              <p:cond delay="0"/>
+                            </p:stCondLst>
+                            <p:childTnLst>
+                              <p:par>
+                                <p:cTn id="15" presetID="1" presetClass="entr" presetSubtype="0" fill="hold" nodeType="clickEffect">
+                                  <p:stCondLst>
+                                    <p:cond delay="0"/>
+                                  </p:stCondLst>
+                                  <p:childTnLst>
+                                    <p:set>
+                                      <p:cBhvr>
+                                        <p:cTn id="16" dur="1" fill="hold">
+                                          <p:stCondLst>
+                                            <p:cond delay="0"/>
+                                          </p:stCondLst>
+                                        </p:cTn>
+                                        <p:tgtEl>
+                                          <p:spTgt spid="53"/>
+                                        </p:tgtEl>
+                                        <p:attrNameLst>
+                                          <p:attrName>style.visibility</p:attrName>
+                                        </p:attrNameLst>
+                                      </p:cBhvr>
+                                      <p:to>
+                                        <p:strVal val="visible"/>
+                                      </p:to>
+                                    </p:set>
+                                  </p:childTnLst>
+                                </p:cTn>
+                              </p:par>
+                            </p:childTnLst>
+                          </p:cTn>
+                        </p:par>
+                      </p:childTnLst>
+                    </p:cTn>
+                  </p:par>
+                  <p:par>
+                    <p:cTn id="17" fill="hold">
+                      <p:stCondLst>
+                        <p:cond delay="indefinite"/>
+                      </p:stCondLst>
+                      <p:childTnLst>
+                        <p:par>
+                          <p:cTn id="18" fill="hold">
+                            <p:stCondLst>
+                              <p:cond delay="0"/>
+                            </p:stCondLst>
+                            <p:childTnLst>
+                              <p:par>
+                                <p:cTn id="19" presetID="1" presetClass="entr" presetSubtype="0" fill="hold" grpId="0" nodeType="clickEffect">
+                                  <p:stCondLst>
+                                    <p:cond delay="0"/>
+                                  </p:stCondLst>
+                                  <p:childTnLst>
+                                    <p:set>
+                                      <p:cBhvr>
+                                        <p:cTn id="20" dur="1" fill="hold">
+                                          <p:stCondLst>
+                                            <p:cond delay="0"/>
+                                          </p:stCondLst>
+                                        </p:cTn>
+                                        <p:tgtEl>
+                                          <p:spTgt spid="57"/>
+                                        </p:tgtEl>
+                                        <p:attrNameLst>
+                                          <p:attrName>style.visibility</p:attrName>
+                                        </p:attrNameLst>
+                                      </p:cBhvr>
+                                      <p:to>
+                                        <p:strVal val="visible"/>
+                                      </p:to>
+                                    </p:set>
+                                  </p:childTnLst>
+                                </p:cTn>
+                              </p:par>
+                            </p:childTnLst>
+                          </p:cTn>
+                        </p:par>
+                      </p:childTnLst>
+                    </p:cTn>
+                  </p:par>
+                </p:childTnLst>
+              </p:cTn>
+              <p:prevCondLst>
+                <p:cond evt="onPrev" delay="0">
+                  <p:tgtEl>
+                    <p:sldTgt/>
+                  </p:tgtEl>
+                </p:cond>
+              </p:prevCondLst>
+              <p:nextCondLst>
+                <p:cond evt="onNext" delay="0">
+                  <p:tgtEl>
+                    <p:sldTgt/>
+                  </p:tgtEl>
+                </p:cond>
+              </p:nextCondLst>
+            </p:seq>
+          </p:childTnLst>
+        </p:cTn>
+      </p:par>
+    </p:tnLst>
+    <p:bldLst>
+      <p:bldP spid="3" grpId="0" build="p"/>
+      <p:bldP spid="57" grpId="0"/>
+    </p:bldLst>
+  </p:timing>
 </p:sld>
 </file>
 
@@ -6694,7 +10000,7 @@
           <a:p>
             <a:r>
               <a:rPr lang="en-US" dirty="0" smtClean="0"/>
-              <a:t>Project Description – 3 of 4</a:t>
+              <a:t>Problem &amp; Proposed Solution</a:t>
             </a:r>
             <a:endParaRPr lang="en-US" dirty="0"/>
           </a:p>
@@ -6712,436 +10018,86 @@
         </p:nvSpPr>
         <p:spPr/>
         <p:txBody>
-          <a:bodyPr/>
+          <a:bodyPr>
+            <a:normAutofit/>
+          </a:bodyPr>
           <a:lstStyle/>
           <a:p>
-            <a:pPr marL="182880" lvl="1"/>
-            <a:r>
-              <a:rPr lang="en-US" sz="2400" dirty="0" smtClean="0"/>
-              <a:t>Functional </a:t>
-            </a:r>
-            <a:r>
-              <a:rPr lang="en-US" sz="2400" dirty="0"/>
-              <a:t>Requirements</a:t>
-            </a:r>
-          </a:p>
-          <a:p>
+            <a:r>
+              <a:rPr lang="en-US" dirty="0" smtClean="0"/>
+              <a:t>Problem space:</a:t>
+            </a:r>
             <a:endParaRPr lang="en-US" dirty="0" smtClean="0"/>
           </a:p>
           <a:p>
-            <a:endParaRPr lang="en-US" dirty="0"/>
-          </a:p>
-          <a:p>
+            <a:pPr lvl="1"/>
+            <a:r>
+              <a:rPr lang="en-US" dirty="0" smtClean="0"/>
+              <a:t>Students have insufficient resources to adequately determine if their multithreaded program is free from deadlock and/or race conditions. </a:t>
+            </a:r>
+            <a:r>
+              <a:rPr lang="en-US" dirty="0" smtClean="0"/>
+              <a:t> Testing </a:t>
+            </a:r>
+            <a:r>
+              <a:rPr lang="en-US" dirty="0"/>
+              <a:t>alone is insufficient because many conditions require specific schedules that are not exercised.  This leads to the need of a tool that assists students in finding and removing synchronization bugs. </a:t>
+            </a:r>
             <a:endParaRPr lang="en-US" dirty="0" smtClean="0"/>
           </a:p>
           <a:p>
-            <a:endParaRPr lang="en-US" dirty="0"/>
-          </a:p>
-          <a:p>
+            <a:pPr lvl="1"/>
             <a:endParaRPr lang="en-US" dirty="0" smtClean="0"/>
           </a:p>
           <a:p>
-            <a:pPr marL="0" indent="0">
-              <a:buNone/>
-            </a:pPr>
+            <a:r>
+              <a:rPr lang="en-US" dirty="0" smtClean="0"/>
+              <a:t>Solution:</a:t>
+            </a:r>
+          </a:p>
+          <a:p>
+            <a:pPr lvl="1"/>
+            <a:r>
+              <a:rPr lang="en-US" dirty="0" smtClean="0"/>
+              <a:t>Build </a:t>
+            </a:r>
+            <a:r>
+              <a:rPr lang="en-US" dirty="0"/>
+              <a:t>a testing a debugging </a:t>
+            </a:r>
+            <a:r>
+              <a:rPr lang="en-US" dirty="0" smtClean="0"/>
+              <a:t>tool </a:t>
+            </a:r>
+            <a:r>
+              <a:rPr lang="en-US" dirty="0"/>
+              <a:t>for multithreaded programs involving </a:t>
+            </a:r>
+            <a:r>
+              <a:rPr lang="en-US" dirty="0" smtClean="0"/>
+              <a:t>synchronization</a:t>
+            </a:r>
             <a:endParaRPr lang="en-US" dirty="0" smtClean="0"/>
           </a:p>
         </p:txBody>
       </p:sp>
-      <p:graphicFrame>
-        <p:nvGraphicFramePr>
-          <p:cNvPr id="4" name="Table 3"/>
-          <p:cNvGraphicFramePr>
-            <a:graphicFrameLocks noGrp="1"/>
-          </p:cNvGraphicFramePr>
-          <p:nvPr>
-            <p:extLst>
-              <p:ext uri="{D42A27DB-BD31-4B8C-83A1-F6EECF244321}">
-                <p14:modId xmlns:p14="http://schemas.microsoft.com/office/powerpoint/2010/main" val="2068782387"/>
-              </p:ext>
-            </p:extLst>
-          </p:nvPr>
-        </p:nvGraphicFramePr>
-        <p:xfrm>
-          <a:off x="457200" y="2349577"/>
-          <a:ext cx="8229600" cy="3521591"/>
-        </p:xfrm>
-        <a:graphic>
-          <a:graphicData uri="http://schemas.openxmlformats.org/drawingml/2006/table">
-            <a:tbl>
-              <a:tblPr firstRow="1" bandRow="1">
-                <a:tableStyleId>{5C22544A-7EE6-4342-B048-85BDC9FD1C3A}</a:tableStyleId>
-              </a:tblPr>
-              <a:tblGrid>
-                <a:gridCol w="710783"/>
-                <a:gridCol w="3435910"/>
-                <a:gridCol w="4082907"/>
-              </a:tblGrid>
-              <a:tr h="473591">
-                <a:tc>
-                  <a:txBody>
-                    <a:bodyPr/>
-                    <a:lstStyle/>
-                    <a:p>
-                      <a:pPr algn="ctr"/>
-                      <a:r>
-                        <a:rPr lang="en-US" sz="1600" dirty="0" smtClean="0"/>
-                        <a:t>ID</a:t>
-                      </a:r>
-                      <a:endParaRPr lang="en-US" sz="1600" dirty="0"/>
-                    </a:p>
-                  </a:txBody>
-                  <a:tcPr/>
-                </a:tc>
-                <a:tc>
-                  <a:txBody>
-                    <a:bodyPr/>
-                    <a:lstStyle/>
-                    <a:p>
-                      <a:pPr algn="ctr"/>
-                      <a:r>
-                        <a:rPr lang="en-US" sz="1600" dirty="0" smtClean="0"/>
-                        <a:t>Title</a:t>
-                      </a:r>
-                      <a:endParaRPr lang="en-US" sz="1600" dirty="0"/>
-                    </a:p>
-                  </a:txBody>
-                  <a:tcPr/>
-                </a:tc>
-                <a:tc>
-                  <a:txBody>
-                    <a:bodyPr/>
-                    <a:lstStyle/>
-                    <a:p>
-                      <a:pPr algn="ctr"/>
-                      <a:r>
-                        <a:rPr lang="en-US" sz="1600" dirty="0" smtClean="0"/>
-                        <a:t>Description</a:t>
-                      </a:r>
-                      <a:endParaRPr lang="en-US" sz="1600" dirty="0"/>
-                    </a:p>
-                  </a:txBody>
-                  <a:tcPr/>
-                </a:tc>
-              </a:tr>
-              <a:tr h="473591">
-                <a:tc>
-                  <a:txBody>
-                    <a:bodyPr/>
-                    <a:lstStyle/>
-                    <a:p>
-                      <a:r>
-                        <a:rPr lang="en-US" sz="1600" dirty="0" smtClean="0"/>
-                        <a:t>F01</a:t>
-                      </a:r>
-                      <a:endParaRPr lang="en-US" sz="1600" dirty="0"/>
-                    </a:p>
-                  </a:txBody>
-                  <a:tcPr/>
-                </a:tc>
-                <a:tc>
-                  <a:txBody>
-                    <a:bodyPr/>
-                    <a:lstStyle/>
-                    <a:p>
-                      <a:r>
-                        <a:rPr lang="en-US" sz="1600" dirty="0" smtClean="0"/>
-                        <a:t>Random mode for thread</a:t>
-                      </a:r>
-                      <a:r>
-                        <a:rPr lang="en-US" sz="1600" baseline="0" dirty="0" smtClean="0"/>
-                        <a:t> selection</a:t>
-                      </a:r>
-                      <a:endParaRPr lang="en-US" sz="1600" dirty="0"/>
-                    </a:p>
-                  </a:txBody>
-                  <a:tcPr/>
-                </a:tc>
-                <a:tc>
-                  <a:txBody>
-                    <a:bodyPr/>
-                    <a:lstStyle/>
-                    <a:p>
-                      <a:r>
-                        <a:rPr lang="en-US" sz="1600" kern="1200" dirty="0" smtClean="0">
-                          <a:solidFill>
-                            <a:schemeClr val="dk1"/>
-                          </a:solidFill>
-                          <a:effectLst/>
-                          <a:latin typeface="+mn-lt"/>
-                          <a:ea typeface="+mn-ea"/>
-                          <a:cs typeface="+mn-cs"/>
-                        </a:rPr>
-                        <a:t>Concur shall support a random mode for thread selection in which threads are automatically and randomly selected.</a:t>
-                      </a:r>
-                      <a:r>
-                        <a:rPr lang="en-US" sz="1600" dirty="0" smtClean="0">
-                          <a:effectLst/>
-                        </a:rPr>
-                        <a:t> </a:t>
-                      </a:r>
-                      <a:endParaRPr lang="en-US" sz="1600" dirty="0"/>
-                    </a:p>
-                  </a:txBody>
-                  <a:tcPr/>
-                </a:tc>
-              </a:tr>
-              <a:tr h="473591">
-                <a:tc>
-                  <a:txBody>
-                    <a:bodyPr/>
-                    <a:lstStyle/>
-                    <a:p>
-                      <a:r>
-                        <a:rPr lang="en-US" sz="1600" dirty="0" smtClean="0"/>
-                        <a:t>F02</a:t>
-                      </a:r>
-                      <a:endParaRPr lang="en-US" sz="1600" dirty="0"/>
-                    </a:p>
-                  </a:txBody>
-                  <a:tcPr/>
-                </a:tc>
-                <a:tc>
-                  <a:txBody>
-                    <a:bodyPr/>
-                    <a:lstStyle/>
-                    <a:p>
-                      <a:r>
-                        <a:rPr lang="en-US" sz="1600" dirty="0" smtClean="0"/>
-                        <a:t>Interactive mode for thread</a:t>
-                      </a:r>
-                      <a:r>
-                        <a:rPr lang="en-US" sz="1600" baseline="0" dirty="0" smtClean="0"/>
-                        <a:t> selection</a:t>
-                      </a:r>
-                      <a:endParaRPr lang="en-US" sz="1600" dirty="0"/>
-                    </a:p>
-                  </a:txBody>
-                  <a:tcPr/>
-                </a:tc>
-                <a:tc>
-                  <a:txBody>
-                    <a:bodyPr/>
-                    <a:lstStyle/>
-                    <a:p>
-                      <a:r>
-                        <a:rPr lang="en-US" sz="1600" kern="1200" dirty="0" smtClean="0">
-                          <a:solidFill>
-                            <a:schemeClr val="dk1"/>
-                          </a:solidFill>
-                          <a:effectLst/>
-                          <a:latin typeface="+mn-lt"/>
-                          <a:ea typeface="+mn-ea"/>
-                          <a:cs typeface="+mn-cs"/>
-                        </a:rPr>
-                        <a:t>Concur shall support an interactive mode for thread</a:t>
-                      </a:r>
-                      <a:r>
-                        <a:rPr lang="en-US" sz="1600" kern="1200" baseline="0" dirty="0" smtClean="0">
-                          <a:solidFill>
-                            <a:schemeClr val="dk1"/>
-                          </a:solidFill>
-                          <a:effectLst/>
-                          <a:latin typeface="+mn-lt"/>
-                          <a:ea typeface="+mn-ea"/>
-                          <a:cs typeface="+mn-cs"/>
-                        </a:rPr>
-                        <a:t> selection</a:t>
-                      </a:r>
-                      <a:r>
-                        <a:rPr lang="en-US" sz="1600" kern="1200" dirty="0" smtClean="0">
-                          <a:solidFill>
-                            <a:schemeClr val="dk1"/>
-                          </a:solidFill>
-                          <a:effectLst/>
-                          <a:latin typeface="+mn-lt"/>
-                          <a:ea typeface="+mn-ea"/>
-                          <a:cs typeface="+mn-cs"/>
-                        </a:rPr>
-                        <a:t> in which the user will choose which thread</a:t>
-                      </a:r>
-                      <a:r>
-                        <a:rPr lang="en-US" sz="1600" kern="1200" baseline="0" dirty="0" smtClean="0">
-                          <a:solidFill>
-                            <a:schemeClr val="dk1"/>
-                          </a:solidFill>
-                          <a:effectLst/>
-                          <a:latin typeface="+mn-lt"/>
-                          <a:ea typeface="+mn-ea"/>
-                          <a:cs typeface="+mn-cs"/>
-                        </a:rPr>
-                        <a:t> is selected</a:t>
-                      </a:r>
-                      <a:r>
-                        <a:rPr lang="en-US" sz="1600" kern="1200" dirty="0" smtClean="0">
-                          <a:solidFill>
-                            <a:schemeClr val="dk1"/>
-                          </a:solidFill>
-                          <a:effectLst/>
-                          <a:latin typeface="+mn-lt"/>
-                          <a:ea typeface="+mn-ea"/>
-                          <a:cs typeface="+mn-cs"/>
-                        </a:rPr>
-                        <a:t>.</a:t>
-                      </a:r>
-                      <a:endParaRPr lang="en-US" sz="1600" dirty="0"/>
-                    </a:p>
-                  </a:txBody>
-                  <a:tcPr/>
-                </a:tc>
-              </a:tr>
-              <a:tr h="473591">
-                <a:tc>
-                  <a:txBody>
-                    <a:bodyPr/>
-                    <a:lstStyle/>
-                    <a:p>
-                      <a:r>
-                        <a:rPr lang="en-US" sz="1600" dirty="0" smtClean="0"/>
-                        <a:t>F03</a:t>
-                      </a:r>
-                      <a:endParaRPr lang="en-US" sz="1600" dirty="0"/>
-                    </a:p>
-                  </a:txBody>
-                  <a:tcPr/>
-                </a:tc>
-                <a:tc>
-                  <a:txBody>
-                    <a:bodyPr/>
-                    <a:lstStyle/>
-                    <a:p>
-                      <a:r>
-                        <a:rPr lang="en-US" sz="1600" dirty="0" smtClean="0"/>
-                        <a:t>Log trail</a:t>
-                      </a:r>
-                      <a:endParaRPr lang="en-US" sz="1600" dirty="0"/>
-                    </a:p>
-                  </a:txBody>
-                  <a:tcPr/>
-                </a:tc>
-                <a:tc>
-                  <a:txBody>
-                    <a:bodyPr/>
-                    <a:lstStyle/>
-                    <a:p>
-                      <a:r>
-                        <a:rPr lang="en-US" sz="1600" kern="1200" dirty="0" smtClean="0">
-                          <a:solidFill>
-                            <a:schemeClr val="dk1"/>
-                          </a:solidFill>
-                          <a:effectLst/>
-                          <a:latin typeface="+mn-lt"/>
-                          <a:ea typeface="+mn-ea"/>
-                          <a:cs typeface="+mn-cs"/>
-                        </a:rPr>
-                        <a:t>Concur shall provide information regarding</a:t>
-                      </a:r>
-                      <a:r>
-                        <a:rPr lang="en-US" sz="1600" kern="1200" baseline="0" dirty="0" smtClean="0">
-                          <a:solidFill>
-                            <a:schemeClr val="dk1"/>
-                          </a:solidFill>
-                          <a:effectLst/>
-                          <a:latin typeface="+mn-lt"/>
-                          <a:ea typeface="+mn-ea"/>
-                          <a:cs typeface="+mn-cs"/>
-                        </a:rPr>
-                        <a:t> program execution</a:t>
-                      </a:r>
-                      <a:r>
-                        <a:rPr lang="en-US" sz="1600" kern="1200" dirty="0" smtClean="0">
-                          <a:solidFill>
-                            <a:schemeClr val="dk1"/>
-                          </a:solidFill>
-                          <a:effectLst/>
-                          <a:latin typeface="+mn-lt"/>
-                          <a:ea typeface="+mn-ea"/>
-                          <a:cs typeface="+mn-cs"/>
-                        </a:rPr>
-                        <a:t>.</a:t>
-                      </a:r>
-                      <a:endParaRPr lang="en-US" sz="1600" dirty="0"/>
-                    </a:p>
-                  </a:txBody>
-                  <a:tcPr/>
-                </a:tc>
-              </a:tr>
-              <a:tr h="473591">
-                <a:tc>
-                  <a:txBody>
-                    <a:bodyPr/>
-                    <a:lstStyle/>
-                    <a:p>
-                      <a:r>
-                        <a:rPr lang="en-US" sz="1600" dirty="0" smtClean="0"/>
-                        <a:t>F04</a:t>
-                      </a:r>
-                      <a:endParaRPr lang="en-US" sz="1600" dirty="0"/>
-                    </a:p>
-                  </a:txBody>
-                  <a:tcPr/>
-                </a:tc>
-                <a:tc>
-                  <a:txBody>
-                    <a:bodyPr/>
-                    <a:lstStyle/>
-                    <a:p>
-                      <a:r>
-                        <a:rPr lang="en-US" sz="1600" dirty="0" smtClean="0"/>
-                        <a:t>Thread,</a:t>
-                      </a:r>
-                      <a:r>
-                        <a:rPr lang="en-US" sz="1600" baseline="0" dirty="0" smtClean="0"/>
-                        <a:t> lock, and semaphore status</a:t>
-                      </a:r>
-                      <a:endParaRPr lang="en-US" sz="1600" dirty="0"/>
-                    </a:p>
-                  </a:txBody>
-                  <a:tcPr/>
-                </a:tc>
-                <a:tc>
-                  <a:txBody>
-                    <a:bodyPr/>
-                    <a:lstStyle/>
-                    <a:p>
-                      <a:r>
-                        <a:rPr lang="en-US" sz="1600" kern="1200" dirty="0" smtClean="0">
-                          <a:solidFill>
-                            <a:schemeClr val="dk1"/>
-                          </a:solidFill>
-                          <a:effectLst/>
-                          <a:latin typeface="+mn-lt"/>
-                          <a:ea typeface="+mn-ea"/>
-                          <a:cs typeface="+mn-cs"/>
-                        </a:rPr>
-                        <a:t>Concur shall provide current state of each thread, lock, and semaphore when in interactive mode.</a:t>
-                      </a:r>
-                      <a:r>
-                        <a:rPr lang="en-US" sz="1600" dirty="0" smtClean="0">
-                          <a:effectLst/>
-                        </a:rPr>
-                        <a:t> </a:t>
-                      </a:r>
-                      <a:endParaRPr lang="en-US" sz="1600" dirty="0"/>
-                    </a:p>
-                  </a:txBody>
-                  <a:tcPr/>
-                </a:tc>
-              </a:tr>
-            </a:tbl>
-          </a:graphicData>
-        </a:graphic>
-      </p:graphicFrame>
     </p:spTree>
     <p:extLst>
       <p:ext uri="{BB962C8B-B14F-4D97-AF65-F5344CB8AC3E}">
-        <p14:creationId xmlns:p14="http://schemas.microsoft.com/office/powerpoint/2010/main" val="1610274343"/>
+        <p14:creationId xmlns:p14="http://schemas.microsoft.com/office/powerpoint/2010/main" val="4182939760"/>
       </p:ext>
     </p:extLst>
   </p:cSld>
   <p:clrMapOvr>
     <a:masterClrMapping/>
   </p:clrMapOvr>
+  <p:timing>
+    <p:tnLst>
+      <p:par>
+        <p:cTn xmlns:p14="http://schemas.microsoft.com/office/powerpoint/2010/main" id="1" dur="indefinite" restart="never" nodeType="tmRoot"/>
+      </p:par>
+    </p:tnLst>
+  </p:timing>
 </p:sld>
 </file>
 
@@ -7174,12 +10130,14 @@
         </p:nvSpPr>
         <p:spPr/>
         <p:txBody>
-          <a:bodyPr/>
+          <a:bodyPr>
+            <a:normAutofit/>
+          </a:bodyPr>
           <a:lstStyle/>
           <a:p>
             <a:r>
               <a:rPr lang="en-US" dirty="0" smtClean="0"/>
-              <a:t>Project Description – 4 of 4</a:t>
+              <a:t>Proposed Solution:  Concur</a:t>
             </a:r>
             <a:endParaRPr lang="en-US" dirty="0"/>
           </a:p>
@@ -7195,452 +10153,113 @@
             <p:ph idx="1"/>
           </p:nvPr>
         </p:nvSpPr>
-        <p:spPr/>
+        <p:spPr>
+          <a:xfrm>
+            <a:off x="457200" y="2566998"/>
+            <a:ext cx="8229600" cy="2253950"/>
+          </a:xfrm>
+        </p:spPr>
         <p:txBody>
           <a:bodyPr>
-            <a:normAutofit/>
+            <a:normAutofit lnSpcReduction="10000"/>
           </a:bodyPr>
           <a:lstStyle/>
           <a:p>
-            <a:pPr marL="182880" lvl="1"/>
-            <a:r>
-              <a:rPr lang="en-US" sz="2400" dirty="0" smtClean="0"/>
-              <a:t>Non-Functional Requirements</a:t>
-            </a:r>
-            <a:endParaRPr lang="en-US" sz="2400" dirty="0"/>
-          </a:p>
-        </p:txBody>
-      </p:sp>
-      <p:graphicFrame>
-        <p:nvGraphicFramePr>
-          <p:cNvPr id="6" name="Table 5"/>
-          <p:cNvGraphicFramePr>
-            <a:graphicFrameLocks noGrp="1"/>
-          </p:cNvGraphicFramePr>
-          <p:nvPr>
-            <p:extLst>
-              <p:ext uri="{D42A27DB-BD31-4B8C-83A1-F6EECF244321}">
-                <p14:modId xmlns:p14="http://schemas.microsoft.com/office/powerpoint/2010/main" val="1424816925"/>
-              </p:ext>
-            </p:extLst>
-          </p:nvPr>
-        </p:nvGraphicFramePr>
-        <p:xfrm>
-          <a:off x="457200" y="2456544"/>
-          <a:ext cx="8229600" cy="1999893"/>
-        </p:xfrm>
-        <a:graphic>
-          <a:graphicData uri="http://schemas.openxmlformats.org/drawingml/2006/table">
-            <a:tbl>
-              <a:tblPr firstRow="1" bandRow="1">
-                <a:tableStyleId>{5C22544A-7EE6-4342-B048-85BDC9FD1C3A}</a:tableStyleId>
-              </a:tblPr>
-              <a:tblGrid>
-                <a:gridCol w="694458"/>
-                <a:gridCol w="3452235"/>
-                <a:gridCol w="4082907"/>
-              </a:tblGrid>
-              <a:tr h="473591">
-                <a:tc>
-                  <a:txBody>
-                    <a:bodyPr/>
-                    <a:lstStyle/>
-                    <a:p>
-                      <a:pPr algn="ctr"/>
-                      <a:r>
-                        <a:rPr lang="en-US" sz="1600" dirty="0" smtClean="0"/>
-                        <a:t>ID</a:t>
-                      </a:r>
-                      <a:endParaRPr lang="en-US" sz="1600" dirty="0"/>
-                    </a:p>
-                  </a:txBody>
-                  <a:tcPr/>
-                </a:tc>
-                <a:tc>
-                  <a:txBody>
-                    <a:bodyPr/>
-                    <a:lstStyle/>
-                    <a:p>
-                      <a:pPr algn="ctr"/>
-                      <a:r>
-                        <a:rPr lang="en-US" sz="1600" dirty="0" smtClean="0"/>
-                        <a:t>Title</a:t>
-                      </a:r>
-                      <a:endParaRPr lang="en-US" sz="1600" dirty="0"/>
-                    </a:p>
-                  </a:txBody>
-                  <a:tcPr/>
-                </a:tc>
-                <a:tc>
-                  <a:txBody>
-                    <a:bodyPr/>
-                    <a:lstStyle/>
-                    <a:p>
-                      <a:pPr algn="ctr"/>
-                      <a:r>
-                        <a:rPr lang="en-US" sz="1600" dirty="0" smtClean="0"/>
-                        <a:t>Description</a:t>
-                      </a:r>
-                      <a:endParaRPr lang="en-US" sz="1600" dirty="0"/>
-                    </a:p>
-                  </a:txBody>
-                  <a:tcPr/>
-                </a:tc>
-              </a:tr>
-              <a:tr h="473591">
-                <a:tc>
-                  <a:txBody>
-                    <a:bodyPr/>
-                    <a:lstStyle/>
-                    <a:p>
-                      <a:r>
-                        <a:rPr lang="en-US" sz="1600" dirty="0" smtClean="0"/>
-                        <a:t>NF01</a:t>
-                      </a:r>
-                      <a:endParaRPr lang="en-US" sz="1600" dirty="0"/>
-                    </a:p>
-                  </a:txBody>
-                  <a:tcPr/>
-                </a:tc>
-                <a:tc>
-                  <a:txBody>
-                    <a:bodyPr/>
-                    <a:lstStyle/>
-                    <a:p>
-                      <a:r>
-                        <a:rPr lang="en-US" sz="1600" dirty="0" smtClean="0"/>
-                        <a:t>Usability</a:t>
-                      </a:r>
-                      <a:endParaRPr lang="en-US" sz="1600" dirty="0"/>
-                    </a:p>
-                  </a:txBody>
-                  <a:tcPr/>
-                </a:tc>
-                <a:tc>
-                  <a:txBody>
-                    <a:bodyPr/>
-                    <a:lstStyle/>
-                    <a:p>
-                      <a:r>
-                        <a:rPr lang="en-US" sz="1600" kern="1200" dirty="0" smtClean="0">
-                          <a:solidFill>
-                            <a:schemeClr val="dk1"/>
-                          </a:solidFill>
-                          <a:effectLst/>
-                          <a:latin typeface="+mn-lt"/>
-                          <a:ea typeface="+mn-ea"/>
-                          <a:cs typeface="+mn-cs"/>
-                        </a:rPr>
-                        <a:t>Concur shall be usable for the intended users.</a:t>
-                      </a:r>
-                      <a:r>
-                        <a:rPr lang="en-US" sz="1600" dirty="0" smtClean="0">
-                          <a:effectLst/>
-                        </a:rPr>
-                        <a:t> </a:t>
-                      </a:r>
-                      <a:endParaRPr lang="en-US" sz="1600" dirty="0"/>
-                    </a:p>
-                  </a:txBody>
-                  <a:tcPr/>
-                </a:tc>
-              </a:tr>
-              <a:tr h="473591">
-                <a:tc>
-                  <a:txBody>
-                    <a:bodyPr/>
-                    <a:lstStyle/>
-                    <a:p>
-                      <a:r>
-                        <a:rPr lang="en-US" sz="1600" dirty="0" smtClean="0"/>
-                        <a:t>NF02</a:t>
-                      </a:r>
-                      <a:endParaRPr lang="en-US" sz="1600" dirty="0"/>
-                    </a:p>
-                  </a:txBody>
-                  <a:tcPr/>
-                </a:tc>
-                <a:tc>
-                  <a:txBody>
-                    <a:bodyPr/>
-                    <a:lstStyle/>
-                    <a:p>
-                      <a:r>
-                        <a:rPr lang="en-US" sz="1600" dirty="0" smtClean="0"/>
-                        <a:t>Maintainability</a:t>
-                      </a:r>
-                      <a:endParaRPr lang="en-US" sz="1600" dirty="0"/>
-                    </a:p>
-                  </a:txBody>
-                  <a:tcPr/>
-                </a:tc>
-                <a:tc>
-                  <a:txBody>
-                    <a:bodyPr/>
-                    <a:lstStyle/>
-                    <a:p>
-                      <a:pPr marL="0" marR="0">
-                        <a:spcBef>
-                          <a:spcPts val="0"/>
-                        </a:spcBef>
-                        <a:spcAft>
-                          <a:spcPts val="0"/>
-                        </a:spcAft>
-                      </a:pPr>
-                      <a:r>
-                        <a:rPr lang="en-US" sz="1600" dirty="0">
-                          <a:effectLst/>
-                          <a:latin typeface="+mn-lt"/>
-                          <a:ea typeface="ＭＳ 明朝"/>
-                          <a:cs typeface="Times New Roman"/>
-                        </a:rPr>
-                        <a:t>Concur shall be </a:t>
-                      </a:r>
-                      <a:r>
-                        <a:rPr lang="en-US" sz="1600" dirty="0" smtClean="0">
-                          <a:effectLst/>
-                          <a:latin typeface="+mn-lt"/>
-                          <a:ea typeface="ＭＳ 明朝"/>
-                          <a:cs typeface="Times New Roman"/>
-                        </a:rPr>
-                        <a:t>maintainable.</a:t>
-                      </a:r>
-                      <a:endParaRPr lang="en-US" sz="1600" dirty="0">
-                        <a:effectLst/>
-                        <a:latin typeface="+mn-lt"/>
-                        <a:ea typeface="ＭＳ 明朝"/>
-                        <a:cs typeface="Times New Roman"/>
-                      </a:endParaRPr>
-                    </a:p>
-                  </a:txBody>
-                  <a:tcPr marL="68580" marR="68580" marT="0" marB="0"/>
-                </a:tc>
-              </a:tr>
-              <a:tr h="473591">
-                <a:tc>
-                  <a:txBody>
-                    <a:bodyPr/>
-                    <a:lstStyle/>
-                    <a:p>
-                      <a:r>
-                        <a:rPr lang="en-US" sz="1600" dirty="0" smtClean="0"/>
-                        <a:t>NF03</a:t>
-                      </a:r>
-                      <a:endParaRPr lang="en-US" sz="1600" dirty="0"/>
-                    </a:p>
-                  </a:txBody>
-                  <a:tcPr/>
-                </a:tc>
-                <a:tc>
-                  <a:txBody>
-                    <a:bodyPr/>
-                    <a:lstStyle/>
-                    <a:p>
-                      <a:r>
-                        <a:rPr lang="en-US" sz="1600" dirty="0" smtClean="0"/>
-                        <a:t>Extensibility</a:t>
-                      </a:r>
-                      <a:endParaRPr lang="en-US" sz="1600" dirty="0"/>
-                    </a:p>
-                  </a:txBody>
-                  <a:tcPr/>
-                </a:tc>
-                <a:tc>
-                  <a:txBody>
-                    <a:bodyPr/>
-                    <a:lstStyle/>
-                    <a:p>
-                      <a:r>
-                        <a:rPr lang="en-US" sz="1600" kern="1200" dirty="0" smtClean="0">
-                          <a:solidFill>
-                            <a:schemeClr val="dk1"/>
-                          </a:solidFill>
-                          <a:effectLst/>
-                          <a:latin typeface="+mn-lt"/>
-                          <a:ea typeface="+mn-ea"/>
-                          <a:cs typeface="+mn-cs"/>
-                        </a:rPr>
-                        <a:t>Concur shall be extensible.</a:t>
-                      </a:r>
-                      <a:endParaRPr lang="en-US" sz="1600" dirty="0"/>
-                    </a:p>
-                  </a:txBody>
-                  <a:tcPr/>
-                </a:tc>
-              </a:tr>
-            </a:tbl>
-          </a:graphicData>
-        </a:graphic>
-      </p:graphicFrame>
-    </p:spTree>
-    <p:extLst>
-      <p:ext uri="{BB962C8B-B14F-4D97-AF65-F5344CB8AC3E}">
-        <p14:creationId xmlns:p14="http://schemas.microsoft.com/office/powerpoint/2010/main" val="57810070"/>
-      </p:ext>
-    </p:extLst>
-  </p:cSld>
-  <p:clrMapOvr>
-    <a:masterClrMapping/>
-  </p:clrMapOvr>
-</p:sld>
-</file>
-
-<file path=ppt/slides/slide7.xml><?xml version="1.0" encoding="utf-8"?>
-<p:sld xmlns:a="http://schemas.openxmlformats.org/drawingml/2006/main" xmlns:r="http://schemas.openxmlformats.org/officeDocument/2006/relationships" xmlns:p="http://schemas.openxmlformats.org/presentationml/2006/main">
-  <p:cSld>
-    <p:spTree>
-      <p:nvGrpSpPr>
-        <p:cNvPr id="1" name=""/>
-        <p:cNvGrpSpPr/>
-        <p:nvPr/>
-      </p:nvGrpSpPr>
-      <p:grpSpPr>
-        <a:xfrm>
-          <a:off x="0" y="0"/>
-          <a:ext cx="0" cy="0"/>
-          <a:chOff x="0" y="0"/>
-          <a:chExt cx="0" cy="0"/>
-        </a:xfrm>
-      </p:grpSpPr>
-      <p:sp>
-        <p:nvSpPr>
-          <p:cNvPr id="2" name="Title 1"/>
-          <p:cNvSpPr>
-            <a:spLocks noGrp="1"/>
-          </p:cNvSpPr>
-          <p:nvPr>
-            <p:ph type="title"/>
-          </p:nvPr>
-        </p:nvSpPr>
-        <p:spPr/>
-        <p:txBody>
-          <a:bodyPr/>
-          <a:lstStyle/>
-          <a:p>
             <a:r>
               <a:rPr lang="en-US" dirty="0" smtClean="0"/>
-              <a:t>Design &amp; Implementation</a:t>
-            </a:r>
-            <a:endParaRPr lang="en-US" dirty="0"/>
-          </a:p>
-        </p:txBody>
-      </p:sp>
-      <p:sp>
-        <p:nvSpPr>
-          <p:cNvPr id="3" name="Content Placeholder 2"/>
-          <p:cNvSpPr>
-            <a:spLocks noGrp="1"/>
-          </p:cNvSpPr>
-          <p:nvPr>
-            <p:ph idx="1"/>
-          </p:nvPr>
-        </p:nvSpPr>
-        <p:spPr/>
-        <p:txBody>
-          <a:bodyPr/>
-          <a:lstStyle/>
-          <a:p>
+              <a:t>Goals</a:t>
+            </a:r>
+            <a:r>
+              <a:rPr lang="en-US" dirty="0"/>
+              <a:t>:  </a:t>
+            </a:r>
+          </a:p>
+          <a:p>
+            <a:pPr lvl="1"/>
+            <a:r>
+              <a:rPr lang="en-US" dirty="0"/>
+              <a:t>1.  Allow a student to test his or her </a:t>
+            </a:r>
+            <a:endParaRPr lang="en-US" dirty="0" smtClean="0"/>
+          </a:p>
+          <a:p>
+            <a:pPr marL="274320" lvl="1" indent="0">
+              <a:buNone/>
+            </a:pPr>
+            <a:r>
+              <a:rPr lang="en-US" dirty="0"/>
+              <a:t> </a:t>
+            </a:r>
             <a:r>
               <a:rPr lang="en-US" dirty="0" smtClean="0"/>
-              <a:t>Use Cases</a:t>
-            </a:r>
-          </a:p>
-          <a:p>
+              <a:t>      multithreaded </a:t>
+            </a:r>
+            <a:r>
+              <a:rPr lang="en-US" dirty="0"/>
+              <a:t>program for </a:t>
+            </a:r>
+            <a:endParaRPr lang="en-US" dirty="0" smtClean="0"/>
+          </a:p>
+          <a:p>
+            <a:pPr marL="274320" lvl="1" indent="0">
+              <a:buNone/>
+            </a:pPr>
+            <a:r>
+              <a:rPr lang="en-US" dirty="0"/>
+              <a:t> </a:t>
+            </a:r>
             <a:r>
               <a:rPr lang="en-US" dirty="0" smtClean="0"/>
-              <a:t>Functional Decomposition</a:t>
-            </a:r>
-          </a:p>
-          <a:p>
+              <a:t>      correctness </a:t>
+            </a:r>
+            <a:r>
+              <a:rPr lang="en-US" dirty="0"/>
+              <a:t>(i.e. detect bugs) </a:t>
+            </a:r>
+          </a:p>
+          <a:p>
+            <a:pPr lvl="1"/>
+            <a:r>
+              <a:rPr lang="en-US" dirty="0"/>
+              <a:t>2. </a:t>
+            </a:r>
             <a:r>
               <a:rPr lang="en-US" dirty="0" smtClean="0"/>
-              <a:t>Data Flow Diagram</a:t>
-            </a:r>
-          </a:p>
-          <a:p>
+              <a:t> Help </a:t>
+            </a:r>
+            <a:r>
+              <a:rPr lang="en-US" dirty="0"/>
+              <a:t>a student debug the program </a:t>
+            </a:r>
+            <a:endParaRPr lang="en-US" dirty="0" smtClean="0"/>
+          </a:p>
+          <a:p>
+            <a:pPr marL="274320" lvl="1" indent="0">
+              <a:buNone/>
+            </a:pPr>
+            <a:r>
+              <a:rPr lang="en-US" dirty="0"/>
+              <a:t> </a:t>
+            </a:r>
             <a:r>
               <a:rPr lang="en-US" dirty="0" smtClean="0"/>
-              <a:t>Project Files</a:t>
-            </a:r>
-          </a:p>
-          <a:p>
+              <a:t>      when </a:t>
+            </a:r>
+            <a:r>
+              <a:rPr lang="en-US" dirty="0"/>
+              <a:t>an error is </a:t>
+            </a:r>
             <a:r>
               <a:rPr lang="en-US" dirty="0" smtClean="0"/>
-              <a:t>Usage:</a:t>
-            </a:r>
-          </a:p>
-          <a:p>
-            <a:pPr lvl="1"/>
-            <a:r>
-              <a:rPr lang="en-US" dirty="0" smtClean="0"/>
-              <a:t>Steps to detect synchronization bugs</a:t>
-            </a:r>
-          </a:p>
-          <a:p>
-            <a:pPr lvl="1"/>
-            <a:r>
-              <a:rPr lang="en-US" dirty="0" smtClean="0"/>
-              <a:t>Steps to remove synchronization bugs</a:t>
-            </a:r>
-          </a:p>
-        </p:txBody>
-      </p:sp>
-    </p:spTree>
-    <p:extLst>
-      <p:ext uri="{BB962C8B-B14F-4D97-AF65-F5344CB8AC3E}">
-        <p14:creationId xmlns:p14="http://schemas.microsoft.com/office/powerpoint/2010/main" val="2957022519"/>
-      </p:ext>
-    </p:extLst>
-  </p:cSld>
-  <p:clrMapOvr>
-    <a:masterClrMapping/>
-  </p:clrMapOvr>
-</p:sld>
-</file>
-
-<file path=ppt/slides/slide8.xml><?xml version="1.0" encoding="utf-8"?>
-<p:sld xmlns:a="http://schemas.openxmlformats.org/drawingml/2006/main" xmlns:r="http://schemas.openxmlformats.org/officeDocument/2006/relationships" xmlns:p="http://schemas.openxmlformats.org/presentationml/2006/main">
-  <p:cSld>
-    <p:spTree>
-      <p:nvGrpSpPr>
-        <p:cNvPr id="1" name=""/>
-        <p:cNvGrpSpPr/>
-        <p:nvPr/>
-      </p:nvGrpSpPr>
-      <p:grpSpPr>
-        <a:xfrm>
-          <a:off x="0" y="0"/>
-          <a:ext cx="0" cy="0"/>
-          <a:chOff x="0" y="0"/>
-          <a:chExt cx="0" cy="0"/>
-        </a:xfrm>
-      </p:grpSpPr>
-      <p:sp>
-        <p:nvSpPr>
-          <p:cNvPr id="2" name="Title 1"/>
-          <p:cNvSpPr>
-            <a:spLocks noGrp="1"/>
-          </p:cNvSpPr>
-          <p:nvPr>
-            <p:ph type="title"/>
-          </p:nvPr>
-        </p:nvSpPr>
-        <p:spPr/>
-        <p:txBody>
-          <a:bodyPr/>
-          <a:lstStyle/>
-          <a:p>
-            <a:r>
-              <a:rPr lang="en-US" dirty="0" smtClean="0"/>
-              <a:t>Use Cases</a:t>
-            </a:r>
-            <a:endParaRPr lang="en-US" dirty="0"/>
+              <a:t>present</a:t>
+            </a:r>
+            <a:endParaRPr lang="en-US" dirty="0" smtClean="0"/>
           </a:p>
         </p:txBody>
       </p:sp>
       <p:pic>
         <p:nvPicPr>
-          <p:cNvPr id="6" name="Picture 5"/>
+          <p:cNvPr id="4" name="Picture 3"/>
           <p:cNvPicPr>
             <a:picLocks noChangeAspect="1"/>
           </p:cNvPicPr>
@@ -7653,28 +10272,776 @@
         </p:blipFill>
         <p:spPr>
           <a:xfrm>
-            <a:off x="1827896" y="1728124"/>
-            <a:ext cx="4635697" cy="4255673"/>
+            <a:off x="5446823" y="2229433"/>
+            <a:ext cx="3042373" cy="2792965"/>
           </a:xfrm>
           <a:prstGeom prst="rect">
             <a:avLst/>
           </a:prstGeom>
         </p:spPr>
       </p:pic>
+      <p:sp>
+        <p:nvSpPr>
+          <p:cNvPr id="5" name="Content Placeholder 2"/>
+          <p:cNvSpPr txBox="1">
+            <a:spLocks/>
+          </p:cNvSpPr>
+          <p:nvPr/>
+        </p:nvSpPr>
+        <p:spPr>
+          <a:xfrm>
+            <a:off x="609600" y="4906122"/>
+            <a:ext cx="8229600" cy="1723277"/>
+          </a:xfrm>
+          <a:prstGeom prst="rect">
+            <a:avLst/>
+          </a:prstGeom>
+        </p:spPr>
+        <p:txBody>
+          <a:bodyPr vert="horz" lIns="91440" tIns="45720" rIns="91440" bIns="45720" rtlCol="0">
+            <a:normAutofit/>
+          </a:bodyPr>
+          <a:lstStyle>
+            <a:lvl1pPr marL="182880" indent="-182880" algn="l" defTabSz="914400" rtl="0" eaLnBrk="1" latinLnBrk="0" hangingPunct="1">
+              <a:spcBef>
+                <a:spcPct val="20000"/>
+              </a:spcBef>
+              <a:buClr>
+                <a:schemeClr val="accent1"/>
+              </a:buClr>
+              <a:buSzPct val="85000"/>
+              <a:buFont typeface="Arial" pitchFamily="34" charset="0"/>
+              <a:buChar char="•"/>
+              <a:defRPr sz="2400" kern="1200">
+                <a:solidFill>
+                  <a:schemeClr val="tx1"/>
+                </a:solidFill>
+                <a:latin typeface="+mn-lt"/>
+                <a:ea typeface="+mn-ea"/>
+                <a:cs typeface="+mn-cs"/>
+              </a:defRPr>
+            </a:lvl1pPr>
+            <a:lvl2pPr marL="457200" indent="-182880" algn="l" defTabSz="914400" rtl="0" eaLnBrk="1" latinLnBrk="0" hangingPunct="1">
+              <a:spcBef>
+                <a:spcPct val="20000"/>
+              </a:spcBef>
+              <a:buClr>
+                <a:schemeClr val="accent1"/>
+              </a:buClr>
+              <a:buSzPct val="85000"/>
+              <a:buFont typeface="Arial" pitchFamily="34" charset="0"/>
+              <a:buChar char="•"/>
+              <a:defRPr sz="2000" kern="1200">
+                <a:solidFill>
+                  <a:schemeClr val="tx1"/>
+                </a:solidFill>
+                <a:latin typeface="+mn-lt"/>
+                <a:ea typeface="+mn-ea"/>
+                <a:cs typeface="+mn-cs"/>
+              </a:defRPr>
+            </a:lvl2pPr>
+            <a:lvl3pPr marL="731520" indent="-182880" algn="l" defTabSz="914400" rtl="0" eaLnBrk="1" latinLnBrk="0" hangingPunct="1">
+              <a:spcBef>
+                <a:spcPct val="20000"/>
+              </a:spcBef>
+              <a:buClr>
+                <a:schemeClr val="accent1"/>
+              </a:buClr>
+              <a:buSzPct val="90000"/>
+              <a:buFont typeface="Arial" pitchFamily="34" charset="0"/>
+              <a:buChar char="•"/>
+              <a:defRPr sz="1800" kern="1200">
+                <a:solidFill>
+                  <a:schemeClr val="tx1"/>
+                </a:solidFill>
+                <a:latin typeface="+mn-lt"/>
+                <a:ea typeface="+mn-ea"/>
+                <a:cs typeface="+mn-cs"/>
+              </a:defRPr>
+            </a:lvl3pPr>
+            <a:lvl4pPr marL="1005840" indent="-182880" algn="l" defTabSz="914400" rtl="0" eaLnBrk="1" latinLnBrk="0" hangingPunct="1">
+              <a:spcBef>
+                <a:spcPct val="20000"/>
+              </a:spcBef>
+              <a:buClr>
+                <a:schemeClr val="accent1"/>
+              </a:buClr>
+              <a:buFont typeface="Arial" pitchFamily="34" charset="0"/>
+              <a:buChar char="•"/>
+              <a:defRPr sz="1600" kern="1200">
+                <a:solidFill>
+                  <a:schemeClr val="tx1"/>
+                </a:solidFill>
+                <a:latin typeface="+mn-lt"/>
+                <a:ea typeface="+mn-ea"/>
+                <a:cs typeface="+mn-cs"/>
+              </a:defRPr>
+            </a:lvl4pPr>
+            <a:lvl5pPr marL="1188720" indent="-137160" algn="l" defTabSz="914400" rtl="0" eaLnBrk="1" latinLnBrk="0" hangingPunct="1">
+              <a:spcBef>
+                <a:spcPct val="20000"/>
+              </a:spcBef>
+              <a:buClr>
+                <a:schemeClr val="accent1"/>
+              </a:buClr>
+              <a:buSzPct val="100000"/>
+              <a:buFont typeface="Arial" pitchFamily="34" charset="0"/>
+              <a:buChar char="•"/>
+              <a:defRPr sz="1400" kern="1200" baseline="0">
+                <a:solidFill>
+                  <a:schemeClr val="tx1"/>
+                </a:solidFill>
+                <a:latin typeface="+mn-lt"/>
+                <a:ea typeface="+mn-ea"/>
+                <a:cs typeface="+mn-cs"/>
+              </a:defRPr>
+            </a:lvl5pPr>
+            <a:lvl6pPr marL="1371600" indent="-182880" algn="l" defTabSz="914400" rtl="0" eaLnBrk="1" latinLnBrk="0" hangingPunct="1">
+              <a:spcBef>
+                <a:spcPct val="20000"/>
+              </a:spcBef>
+              <a:buClr>
+                <a:schemeClr val="accent1"/>
+              </a:buClr>
+              <a:buFont typeface="Arial" pitchFamily="34" charset="0"/>
+              <a:buChar char="•"/>
+              <a:defRPr sz="1300" kern="1200">
+                <a:solidFill>
+                  <a:schemeClr val="tx1"/>
+                </a:solidFill>
+                <a:latin typeface="+mn-lt"/>
+                <a:ea typeface="+mn-ea"/>
+                <a:cs typeface="+mn-cs"/>
+              </a:defRPr>
+            </a:lvl6pPr>
+            <a:lvl7pPr marL="1554480" indent="-182880" algn="l" defTabSz="914400" rtl="0" eaLnBrk="1" latinLnBrk="0" hangingPunct="1">
+              <a:spcBef>
+                <a:spcPct val="20000"/>
+              </a:spcBef>
+              <a:buClr>
+                <a:schemeClr val="accent1"/>
+              </a:buClr>
+              <a:buFont typeface="Arial" pitchFamily="34" charset="0"/>
+              <a:buChar char="•"/>
+              <a:defRPr sz="1300" kern="1200">
+                <a:solidFill>
+                  <a:schemeClr val="tx1"/>
+                </a:solidFill>
+                <a:latin typeface="+mn-lt"/>
+                <a:ea typeface="+mn-ea"/>
+                <a:cs typeface="+mn-cs"/>
+              </a:defRPr>
+            </a:lvl7pPr>
+            <a:lvl8pPr marL="1737360" indent="-182880" algn="l" defTabSz="914400" rtl="0" eaLnBrk="1" latinLnBrk="0" hangingPunct="1">
+              <a:spcBef>
+                <a:spcPct val="20000"/>
+              </a:spcBef>
+              <a:buClr>
+                <a:schemeClr val="accent1"/>
+              </a:buClr>
+              <a:buFont typeface="Arial" pitchFamily="34" charset="0"/>
+              <a:buChar char="•"/>
+              <a:defRPr sz="1300" kern="1200">
+                <a:solidFill>
+                  <a:schemeClr val="tx1"/>
+                </a:solidFill>
+                <a:latin typeface="+mn-lt"/>
+                <a:ea typeface="+mn-ea"/>
+                <a:cs typeface="+mn-cs"/>
+              </a:defRPr>
+            </a:lvl8pPr>
+            <a:lvl9pPr marL="1920240" indent="-182880" algn="l" defTabSz="914400" rtl="0" eaLnBrk="1" latinLnBrk="0" hangingPunct="1">
+              <a:spcBef>
+                <a:spcPct val="20000"/>
+              </a:spcBef>
+              <a:buClr>
+                <a:schemeClr val="accent1"/>
+              </a:buClr>
+              <a:buFont typeface="Arial" pitchFamily="34" charset="0"/>
+              <a:buChar char="•"/>
+              <a:defRPr sz="1300" kern="1200">
+                <a:solidFill>
+                  <a:schemeClr val="tx1"/>
+                </a:solidFill>
+                <a:latin typeface="+mn-lt"/>
+                <a:ea typeface="+mn-ea"/>
+                <a:cs typeface="+mn-cs"/>
+              </a:defRPr>
+            </a:lvl9pPr>
+          </a:lstStyle>
+          <a:p>
+            <a:pPr marL="0" indent="0">
+              <a:buNone/>
+            </a:pPr>
+            <a:r>
+              <a:rPr lang="en-US" sz="2000" dirty="0" smtClean="0"/>
+              <a:t>*  </a:t>
+            </a:r>
+            <a:r>
+              <a:rPr lang="en-US" dirty="0" smtClean="0"/>
+              <a:t>Key Features:</a:t>
+            </a:r>
+          </a:p>
+          <a:p>
+            <a:pPr marL="274320" lvl="1" indent="0">
+              <a:buFont typeface="Arial" pitchFamily="34" charset="0"/>
+              <a:buNone/>
+            </a:pPr>
+            <a:r>
+              <a:rPr lang="en-US" dirty="0" smtClean="0"/>
+              <a:t>*  Deadlock detection</a:t>
+            </a:r>
+          </a:p>
+          <a:p>
+            <a:pPr marL="274320" lvl="1" indent="0">
+              <a:buFont typeface="Arial" pitchFamily="34" charset="0"/>
+              <a:buNone/>
+            </a:pPr>
+            <a:r>
+              <a:rPr lang="en-US" dirty="0" smtClean="0"/>
+              <a:t>*  Controlled thread management</a:t>
+            </a:r>
+          </a:p>
+          <a:p>
+            <a:pPr marL="274320" lvl="1" indent="0">
+              <a:buFont typeface="Arial" pitchFamily="34" charset="0"/>
+              <a:buNone/>
+            </a:pPr>
+            <a:r>
+              <a:rPr lang="en-US" dirty="0" smtClean="0"/>
+              <a:t>*  Increased schedule coverage</a:t>
+            </a:r>
+          </a:p>
+          <a:p>
+            <a:endParaRPr lang="en-US" dirty="0"/>
+          </a:p>
+        </p:txBody>
+      </p:sp>
+      <p:sp>
+        <p:nvSpPr>
+          <p:cNvPr id="9" name="Content Placeholder 2"/>
+          <p:cNvSpPr txBox="1">
+            <a:spLocks/>
+          </p:cNvSpPr>
+          <p:nvPr/>
+        </p:nvSpPr>
+        <p:spPr>
+          <a:xfrm>
+            <a:off x="457200" y="1698935"/>
+            <a:ext cx="8229600" cy="724956"/>
+          </a:xfrm>
+          <a:prstGeom prst="rect">
+            <a:avLst/>
+          </a:prstGeom>
+        </p:spPr>
+        <p:txBody>
+          <a:bodyPr vert="horz" lIns="91440" tIns="45720" rIns="91440" bIns="45720" rtlCol="0">
+            <a:normAutofit fontScale="92500" lnSpcReduction="10000"/>
+          </a:bodyPr>
+          <a:lstStyle>
+            <a:lvl1pPr marL="182880" indent="-182880" algn="l" defTabSz="914400" rtl="0" eaLnBrk="1" latinLnBrk="0" hangingPunct="1">
+              <a:spcBef>
+                <a:spcPct val="20000"/>
+              </a:spcBef>
+              <a:buClr>
+                <a:schemeClr val="accent1"/>
+              </a:buClr>
+              <a:buSzPct val="85000"/>
+              <a:buFont typeface="Arial" pitchFamily="34" charset="0"/>
+              <a:buChar char="•"/>
+              <a:defRPr sz="2400" kern="1200">
+                <a:solidFill>
+                  <a:schemeClr val="tx1"/>
+                </a:solidFill>
+                <a:latin typeface="+mn-lt"/>
+                <a:ea typeface="+mn-ea"/>
+                <a:cs typeface="+mn-cs"/>
+              </a:defRPr>
+            </a:lvl1pPr>
+            <a:lvl2pPr marL="457200" indent="-182880" algn="l" defTabSz="914400" rtl="0" eaLnBrk="1" latinLnBrk="0" hangingPunct="1">
+              <a:spcBef>
+                <a:spcPct val="20000"/>
+              </a:spcBef>
+              <a:buClr>
+                <a:schemeClr val="accent1"/>
+              </a:buClr>
+              <a:buSzPct val="85000"/>
+              <a:buFont typeface="Arial" pitchFamily="34" charset="0"/>
+              <a:buChar char="•"/>
+              <a:defRPr sz="2000" kern="1200">
+                <a:solidFill>
+                  <a:schemeClr val="tx1"/>
+                </a:solidFill>
+                <a:latin typeface="+mn-lt"/>
+                <a:ea typeface="+mn-ea"/>
+                <a:cs typeface="+mn-cs"/>
+              </a:defRPr>
+            </a:lvl2pPr>
+            <a:lvl3pPr marL="731520" indent="-182880" algn="l" defTabSz="914400" rtl="0" eaLnBrk="1" latinLnBrk="0" hangingPunct="1">
+              <a:spcBef>
+                <a:spcPct val="20000"/>
+              </a:spcBef>
+              <a:buClr>
+                <a:schemeClr val="accent1"/>
+              </a:buClr>
+              <a:buSzPct val="90000"/>
+              <a:buFont typeface="Arial" pitchFamily="34" charset="0"/>
+              <a:buChar char="•"/>
+              <a:defRPr sz="1800" kern="1200">
+                <a:solidFill>
+                  <a:schemeClr val="tx1"/>
+                </a:solidFill>
+                <a:latin typeface="+mn-lt"/>
+                <a:ea typeface="+mn-ea"/>
+                <a:cs typeface="+mn-cs"/>
+              </a:defRPr>
+            </a:lvl3pPr>
+            <a:lvl4pPr marL="1005840" indent="-182880" algn="l" defTabSz="914400" rtl="0" eaLnBrk="1" latinLnBrk="0" hangingPunct="1">
+              <a:spcBef>
+                <a:spcPct val="20000"/>
+              </a:spcBef>
+              <a:buClr>
+                <a:schemeClr val="accent1"/>
+              </a:buClr>
+              <a:buFont typeface="Arial" pitchFamily="34" charset="0"/>
+              <a:buChar char="•"/>
+              <a:defRPr sz="1600" kern="1200">
+                <a:solidFill>
+                  <a:schemeClr val="tx1"/>
+                </a:solidFill>
+                <a:latin typeface="+mn-lt"/>
+                <a:ea typeface="+mn-ea"/>
+                <a:cs typeface="+mn-cs"/>
+              </a:defRPr>
+            </a:lvl4pPr>
+            <a:lvl5pPr marL="1188720" indent="-137160" algn="l" defTabSz="914400" rtl="0" eaLnBrk="1" latinLnBrk="0" hangingPunct="1">
+              <a:spcBef>
+                <a:spcPct val="20000"/>
+              </a:spcBef>
+              <a:buClr>
+                <a:schemeClr val="accent1"/>
+              </a:buClr>
+              <a:buSzPct val="100000"/>
+              <a:buFont typeface="Arial" pitchFamily="34" charset="0"/>
+              <a:buChar char="•"/>
+              <a:defRPr sz="1400" kern="1200" baseline="0">
+                <a:solidFill>
+                  <a:schemeClr val="tx1"/>
+                </a:solidFill>
+                <a:latin typeface="+mn-lt"/>
+                <a:ea typeface="+mn-ea"/>
+                <a:cs typeface="+mn-cs"/>
+              </a:defRPr>
+            </a:lvl5pPr>
+            <a:lvl6pPr marL="1371600" indent="-182880" algn="l" defTabSz="914400" rtl="0" eaLnBrk="1" latinLnBrk="0" hangingPunct="1">
+              <a:spcBef>
+                <a:spcPct val="20000"/>
+              </a:spcBef>
+              <a:buClr>
+                <a:schemeClr val="accent1"/>
+              </a:buClr>
+              <a:buFont typeface="Arial" pitchFamily="34" charset="0"/>
+              <a:buChar char="•"/>
+              <a:defRPr sz="1300" kern="1200">
+                <a:solidFill>
+                  <a:schemeClr val="tx1"/>
+                </a:solidFill>
+                <a:latin typeface="+mn-lt"/>
+                <a:ea typeface="+mn-ea"/>
+                <a:cs typeface="+mn-cs"/>
+              </a:defRPr>
+            </a:lvl6pPr>
+            <a:lvl7pPr marL="1554480" indent="-182880" algn="l" defTabSz="914400" rtl="0" eaLnBrk="1" latinLnBrk="0" hangingPunct="1">
+              <a:spcBef>
+                <a:spcPct val="20000"/>
+              </a:spcBef>
+              <a:buClr>
+                <a:schemeClr val="accent1"/>
+              </a:buClr>
+              <a:buFont typeface="Arial" pitchFamily="34" charset="0"/>
+              <a:buChar char="•"/>
+              <a:defRPr sz="1300" kern="1200">
+                <a:solidFill>
+                  <a:schemeClr val="tx1"/>
+                </a:solidFill>
+                <a:latin typeface="+mn-lt"/>
+                <a:ea typeface="+mn-ea"/>
+                <a:cs typeface="+mn-cs"/>
+              </a:defRPr>
+            </a:lvl7pPr>
+            <a:lvl8pPr marL="1737360" indent="-182880" algn="l" defTabSz="914400" rtl="0" eaLnBrk="1" latinLnBrk="0" hangingPunct="1">
+              <a:spcBef>
+                <a:spcPct val="20000"/>
+              </a:spcBef>
+              <a:buClr>
+                <a:schemeClr val="accent1"/>
+              </a:buClr>
+              <a:buFont typeface="Arial" pitchFamily="34" charset="0"/>
+              <a:buChar char="•"/>
+              <a:defRPr sz="1300" kern="1200">
+                <a:solidFill>
+                  <a:schemeClr val="tx1"/>
+                </a:solidFill>
+                <a:latin typeface="+mn-lt"/>
+                <a:ea typeface="+mn-ea"/>
+                <a:cs typeface="+mn-cs"/>
+              </a:defRPr>
+            </a:lvl8pPr>
+            <a:lvl9pPr marL="1920240" indent="-182880" algn="l" defTabSz="914400" rtl="0" eaLnBrk="1" latinLnBrk="0" hangingPunct="1">
+              <a:spcBef>
+                <a:spcPct val="20000"/>
+              </a:spcBef>
+              <a:buClr>
+                <a:schemeClr val="accent1"/>
+              </a:buClr>
+              <a:buFont typeface="Arial" pitchFamily="34" charset="0"/>
+              <a:buChar char="•"/>
+              <a:defRPr sz="1300" kern="1200">
+                <a:solidFill>
+                  <a:schemeClr val="tx1"/>
+                </a:solidFill>
+                <a:latin typeface="+mn-lt"/>
+                <a:ea typeface="+mn-ea"/>
+                <a:cs typeface="+mn-cs"/>
+              </a:defRPr>
+            </a:lvl9pPr>
+          </a:lstStyle>
+          <a:p>
+            <a:r>
+              <a:rPr lang="en-US" sz="2600" dirty="0" smtClean="0"/>
+              <a:t>Concur</a:t>
+            </a:r>
+            <a:r>
+              <a:rPr lang="en-US" dirty="0" smtClean="0"/>
+              <a:t>:  A testing and debugging tool for multithreaded programs involving synchronization</a:t>
+            </a:r>
+          </a:p>
+        </p:txBody>
+      </p:sp>
     </p:spTree>
     <p:extLst>
       <p:ext uri="{BB962C8B-B14F-4D97-AF65-F5344CB8AC3E}">
-        <p14:creationId xmlns:p14="http://schemas.microsoft.com/office/powerpoint/2010/main" val="700137664"/>
+        <p14:creationId xmlns:p14="http://schemas.microsoft.com/office/powerpoint/2010/main" val="1502921269"/>
       </p:ext>
     </p:extLst>
   </p:cSld>
   <p:clrMapOvr>
     <a:masterClrMapping/>
   </p:clrMapOvr>
+  <p:timing>
+    <p:tnLst>
+      <p:par>
+        <p:cTn xmlns:p14="http://schemas.microsoft.com/office/powerpoint/2010/main" id="1" dur="indefinite" restart="never" nodeType="tmRoot">
+          <p:childTnLst>
+            <p:seq concurrent="1" nextAc="seek">
+              <p:cTn id="2" dur="indefinite" nodeType="mainSeq">
+                <p:childTnLst>
+                  <p:par>
+                    <p:cTn id="3" fill="hold">
+                      <p:stCondLst>
+                        <p:cond delay="indefinite"/>
+                      </p:stCondLst>
+                      <p:childTnLst>
+                        <p:par>
+                          <p:cTn id="4" fill="hold">
+                            <p:stCondLst>
+                              <p:cond delay="0"/>
+                            </p:stCondLst>
+                            <p:childTnLst>
+                              <p:par>
+                                <p:cTn id="5" presetID="1" presetClass="entr" presetSubtype="0" fill="hold" grpId="0" nodeType="clickEffect">
+                                  <p:stCondLst>
+                                    <p:cond delay="0"/>
+                                  </p:stCondLst>
+                                  <p:childTnLst>
+                                    <p:set>
+                                      <p:cBhvr>
+                                        <p:cTn id="6" dur="1" fill="hold">
+                                          <p:stCondLst>
+                                            <p:cond delay="0"/>
+                                          </p:stCondLst>
+                                        </p:cTn>
+                                        <p:tgtEl>
+                                          <p:spTgt spid="3">
+                                            <p:txEl>
+                                              <p:pRg st="0" end="0"/>
+                                            </p:txEl>
+                                          </p:spTgt>
+                                        </p:tgtEl>
+                                        <p:attrNameLst>
+                                          <p:attrName>style.visibility</p:attrName>
+                                        </p:attrNameLst>
+                                      </p:cBhvr>
+                                      <p:to>
+                                        <p:strVal val="visible"/>
+                                      </p:to>
+                                    </p:set>
+                                  </p:childTnLst>
+                                </p:cTn>
+                              </p:par>
+                              <p:par>
+                                <p:cTn id="7" presetID="1" presetClass="entr" presetSubtype="0" fill="hold" grpId="0" nodeType="withEffect">
+                                  <p:stCondLst>
+                                    <p:cond delay="0"/>
+                                  </p:stCondLst>
+                                  <p:childTnLst>
+                                    <p:set>
+                                      <p:cBhvr>
+                                        <p:cTn id="8" dur="1" fill="hold">
+                                          <p:stCondLst>
+                                            <p:cond delay="0"/>
+                                          </p:stCondLst>
+                                        </p:cTn>
+                                        <p:tgtEl>
+                                          <p:spTgt spid="3">
+                                            <p:txEl>
+                                              <p:pRg st="1" end="1"/>
+                                            </p:txEl>
+                                          </p:spTgt>
+                                        </p:tgtEl>
+                                        <p:attrNameLst>
+                                          <p:attrName>style.visibility</p:attrName>
+                                        </p:attrNameLst>
+                                      </p:cBhvr>
+                                      <p:to>
+                                        <p:strVal val="visible"/>
+                                      </p:to>
+                                    </p:set>
+                                  </p:childTnLst>
+                                </p:cTn>
+                              </p:par>
+                              <p:par>
+                                <p:cTn id="9" presetID="1" presetClass="entr" presetSubtype="0" fill="hold" grpId="0" nodeType="withEffect">
+                                  <p:stCondLst>
+                                    <p:cond delay="0"/>
+                                  </p:stCondLst>
+                                  <p:childTnLst>
+                                    <p:set>
+                                      <p:cBhvr>
+                                        <p:cTn id="10" dur="1" fill="hold">
+                                          <p:stCondLst>
+                                            <p:cond delay="0"/>
+                                          </p:stCondLst>
+                                        </p:cTn>
+                                        <p:tgtEl>
+                                          <p:spTgt spid="3">
+                                            <p:txEl>
+                                              <p:pRg st="2" end="2"/>
+                                            </p:txEl>
+                                          </p:spTgt>
+                                        </p:tgtEl>
+                                        <p:attrNameLst>
+                                          <p:attrName>style.visibility</p:attrName>
+                                        </p:attrNameLst>
+                                      </p:cBhvr>
+                                      <p:to>
+                                        <p:strVal val="visible"/>
+                                      </p:to>
+                                    </p:set>
+                                  </p:childTnLst>
+                                </p:cTn>
+                              </p:par>
+                              <p:par>
+                                <p:cTn id="11" presetID="1" presetClass="entr" presetSubtype="0" fill="hold" grpId="0" nodeType="withEffect">
+                                  <p:stCondLst>
+                                    <p:cond delay="0"/>
+                                  </p:stCondLst>
+                                  <p:childTnLst>
+                                    <p:set>
+                                      <p:cBhvr>
+                                        <p:cTn id="12" dur="1" fill="hold">
+                                          <p:stCondLst>
+                                            <p:cond delay="0"/>
+                                          </p:stCondLst>
+                                        </p:cTn>
+                                        <p:tgtEl>
+                                          <p:spTgt spid="3">
+                                            <p:txEl>
+                                              <p:pRg st="3" end="3"/>
+                                            </p:txEl>
+                                          </p:spTgt>
+                                        </p:tgtEl>
+                                        <p:attrNameLst>
+                                          <p:attrName>style.visibility</p:attrName>
+                                        </p:attrNameLst>
+                                      </p:cBhvr>
+                                      <p:to>
+                                        <p:strVal val="visible"/>
+                                      </p:to>
+                                    </p:set>
+                                  </p:childTnLst>
+                                </p:cTn>
+                              </p:par>
+                              <p:par>
+                                <p:cTn id="13" presetID="1" presetClass="entr" presetSubtype="0" fill="hold" grpId="0" nodeType="withEffect">
+                                  <p:stCondLst>
+                                    <p:cond delay="0"/>
+                                  </p:stCondLst>
+                                  <p:childTnLst>
+                                    <p:set>
+                                      <p:cBhvr>
+                                        <p:cTn id="14" dur="1" fill="hold">
+                                          <p:stCondLst>
+                                            <p:cond delay="0"/>
+                                          </p:stCondLst>
+                                        </p:cTn>
+                                        <p:tgtEl>
+                                          <p:spTgt spid="3">
+                                            <p:txEl>
+                                              <p:pRg st="4" end="4"/>
+                                            </p:txEl>
+                                          </p:spTgt>
+                                        </p:tgtEl>
+                                        <p:attrNameLst>
+                                          <p:attrName>style.visibility</p:attrName>
+                                        </p:attrNameLst>
+                                      </p:cBhvr>
+                                      <p:to>
+                                        <p:strVal val="visible"/>
+                                      </p:to>
+                                    </p:set>
+                                  </p:childTnLst>
+                                </p:cTn>
+                              </p:par>
+                              <p:par>
+                                <p:cTn id="15" presetID="1" presetClass="entr" presetSubtype="0" fill="hold" grpId="0" nodeType="withEffect">
+                                  <p:stCondLst>
+                                    <p:cond delay="0"/>
+                                  </p:stCondLst>
+                                  <p:childTnLst>
+                                    <p:set>
+                                      <p:cBhvr>
+                                        <p:cTn id="16" dur="1" fill="hold">
+                                          <p:stCondLst>
+                                            <p:cond delay="0"/>
+                                          </p:stCondLst>
+                                        </p:cTn>
+                                        <p:tgtEl>
+                                          <p:spTgt spid="3">
+                                            <p:txEl>
+                                              <p:pRg st="5" end="5"/>
+                                            </p:txEl>
+                                          </p:spTgt>
+                                        </p:tgtEl>
+                                        <p:attrNameLst>
+                                          <p:attrName>style.visibility</p:attrName>
+                                        </p:attrNameLst>
+                                      </p:cBhvr>
+                                      <p:to>
+                                        <p:strVal val="visible"/>
+                                      </p:to>
+                                    </p:set>
+                                  </p:childTnLst>
+                                </p:cTn>
+                              </p:par>
+                              <p:par>
+                                <p:cTn id="17" presetID="1" presetClass="entr" presetSubtype="0" fill="hold" nodeType="withEffect">
+                                  <p:stCondLst>
+                                    <p:cond delay="0"/>
+                                  </p:stCondLst>
+                                  <p:childTnLst>
+                                    <p:set>
+                                      <p:cBhvr>
+                                        <p:cTn id="18" dur="1" fill="hold">
+                                          <p:stCondLst>
+                                            <p:cond delay="0"/>
+                                          </p:stCondLst>
+                                        </p:cTn>
+                                        <p:tgtEl>
+                                          <p:spTgt spid="4"/>
+                                        </p:tgtEl>
+                                        <p:attrNameLst>
+                                          <p:attrName>style.visibility</p:attrName>
+                                        </p:attrNameLst>
+                                      </p:cBhvr>
+                                      <p:to>
+                                        <p:strVal val="visible"/>
+                                      </p:to>
+                                    </p:set>
+                                  </p:childTnLst>
+                                </p:cTn>
+                              </p:par>
+                            </p:childTnLst>
+                          </p:cTn>
+                        </p:par>
+                      </p:childTnLst>
+                    </p:cTn>
+                  </p:par>
+                  <p:par>
+                    <p:cTn id="19" fill="hold">
+                      <p:stCondLst>
+                        <p:cond delay="indefinite"/>
+                      </p:stCondLst>
+                      <p:childTnLst>
+                        <p:par>
+                          <p:cTn id="20" fill="hold">
+                            <p:stCondLst>
+                              <p:cond delay="0"/>
+                            </p:stCondLst>
+                            <p:childTnLst>
+                              <p:par>
+                                <p:cTn id="21" presetID="1" presetClass="entr" presetSubtype="0" fill="hold" grpId="0" nodeType="clickEffect">
+                                  <p:stCondLst>
+                                    <p:cond delay="0"/>
+                                  </p:stCondLst>
+                                  <p:childTnLst>
+                                    <p:set>
+                                      <p:cBhvr>
+                                        <p:cTn id="22" dur="1" fill="hold">
+                                          <p:stCondLst>
+                                            <p:cond delay="0"/>
+                                          </p:stCondLst>
+                                        </p:cTn>
+                                        <p:tgtEl>
+                                          <p:spTgt spid="5"/>
+                                        </p:tgtEl>
+                                        <p:attrNameLst>
+                                          <p:attrName>style.visibility</p:attrName>
+                                        </p:attrNameLst>
+                                      </p:cBhvr>
+                                      <p:to>
+                                        <p:strVal val="visible"/>
+                                      </p:to>
+                                    </p:set>
+                                  </p:childTnLst>
+                                </p:cTn>
+                              </p:par>
+                            </p:childTnLst>
+                          </p:cTn>
+                        </p:par>
+                      </p:childTnLst>
+                    </p:cTn>
+                  </p:par>
+                </p:childTnLst>
+              </p:cTn>
+              <p:prevCondLst>
+                <p:cond evt="onPrev" delay="0">
+                  <p:tgtEl>
+                    <p:sldTgt/>
+                  </p:tgtEl>
+                </p:cond>
+              </p:prevCondLst>
+              <p:nextCondLst>
+                <p:cond evt="onNext" delay="0">
+                  <p:tgtEl>
+                    <p:sldTgt/>
+                  </p:tgtEl>
+                </p:cond>
+              </p:nextCondLst>
+            </p:seq>
+          </p:childTnLst>
+        </p:cTn>
+      </p:par>
+    </p:tnLst>
+    <p:bldLst>
+      <p:bldP spid="3" grpId="0" build="p"/>
+      <p:bldP spid="5" grpId="0"/>
+    </p:bldLst>
+  </p:timing>
 </p:sld>
 </file>
 
-<file path=ppt/slides/slide9.xml><?xml version="1.0" encoding="utf-8"?>
+<file path=ppt/slides/slide7.xml><?xml version="1.0" encoding="utf-8"?>
 <p:sld xmlns:a="http://schemas.openxmlformats.org/drawingml/2006/main" xmlns:r="http://schemas.openxmlformats.org/officeDocument/2006/relationships" xmlns:p="http://schemas.openxmlformats.org/presentationml/2006/main">
   <p:cSld>
     <p:spTree>
@@ -7765,14 +11132,14 @@
       </p:sp>
       <p:sp>
         <p:nvSpPr>
-          <p:cNvPr id="4" name="Rectangle 3"/>
+          <p:cNvPr id="8" name="Rectangle 7"/>
           <p:cNvSpPr/>
           <p:nvPr/>
         </p:nvSpPr>
         <p:spPr>
           <a:xfrm>
-            <a:off x="457200" y="3324499"/>
-            <a:ext cx="1388534" cy="524933"/>
+            <a:off x="4685548" y="3345794"/>
+            <a:ext cx="1225565" cy="524933"/>
           </a:xfrm>
           <a:prstGeom prst="rect">
             <a:avLst/>
@@ -7799,277 +11166,172 @@
             <a:pPr algn="ctr"/>
             <a:r>
               <a:rPr lang="en-US" sz="1600" dirty="0" smtClean="0"/>
-              <a:t>Wrapper</a:t>
-            </a:r>
-            <a:endParaRPr lang="en-US" sz="1600" dirty="0"/>
+              <a:t>Scheduler</a:t>
+            </a:r>
+          </a:p>
+          <a:p>
+            <a:pPr algn="ctr"/>
+            <a:r>
+              <a:rPr lang="en-US" sz="1400" dirty="0" err="1">
+                <a:solidFill>
+                  <a:srgbClr val="292934"/>
+                </a:solidFill>
+              </a:rPr>
+              <a:t>s</a:t>
+            </a:r>
+            <a:r>
+              <a:rPr lang="en-US" sz="1400" dirty="0" err="1" smtClean="0">
+                <a:solidFill>
+                  <a:srgbClr val="292934"/>
+                </a:solidFill>
+              </a:rPr>
+              <a:t>ched.cpp</a:t>
+            </a:r>
+            <a:endParaRPr lang="en-US" sz="1400" dirty="0">
+              <a:solidFill>
+                <a:srgbClr val="292934"/>
+              </a:solidFill>
+            </a:endParaRPr>
           </a:p>
         </p:txBody>
       </p:sp>
-      <p:sp>
-        <p:nvSpPr>
-          <p:cNvPr id="5" name="Rectangle 4"/>
-          <p:cNvSpPr/>
+      <p:grpSp>
+        <p:nvGrpSpPr>
+          <p:cNvPr id="40" name="Group 39"/>
+          <p:cNvGrpSpPr/>
           <p:nvPr/>
-        </p:nvSpPr>
-        <p:spPr>
+        </p:nvGrpSpPr>
+        <p:grpSpPr>
           <a:xfrm>
-            <a:off x="2142067" y="3324499"/>
-            <a:ext cx="1388534" cy="524933"/>
+            <a:off x="4529669" y="2462066"/>
+            <a:ext cx="4355439" cy="1408661"/>
+            <a:chOff x="4529669" y="2462066"/>
+            <a:chExt cx="4355439" cy="1408661"/>
           </a:xfrm>
-          <a:prstGeom prst="rect">
-            <a:avLst/>
-          </a:prstGeom>
-        </p:spPr>
-        <p:style>
-          <a:lnRef idx="1">
-            <a:schemeClr val="accent1"/>
-          </a:lnRef>
-          <a:fillRef idx="3">
-            <a:schemeClr val="accent1"/>
-          </a:fillRef>
-          <a:effectRef idx="2">
-            <a:schemeClr val="accent1"/>
-          </a:effectRef>
-          <a:fontRef idx="minor">
-            <a:schemeClr val="lt1"/>
-          </a:fontRef>
-        </p:style>
-        <p:txBody>
-          <a:bodyPr rtlCol="0" anchor="ctr"/>
-          <a:lstStyle/>
-          <a:p>
-            <a:pPr algn="ctr"/>
-            <a:r>
-              <a:rPr lang="en-US" sz="1600" dirty="0" smtClean="0"/>
-              <a:t>Concur Application</a:t>
-            </a:r>
-            <a:endParaRPr lang="en-US" sz="1600" dirty="0"/>
-          </a:p>
-        </p:txBody>
-      </p:sp>
-      <p:sp>
-        <p:nvSpPr>
-          <p:cNvPr id="6" name="Rectangle 5"/>
-          <p:cNvSpPr/>
-          <p:nvPr/>
-        </p:nvSpPr>
-        <p:spPr>
-          <a:xfrm>
-            <a:off x="7188201" y="3324499"/>
-            <a:ext cx="1625600" cy="524933"/>
-          </a:xfrm>
-          <a:prstGeom prst="rect">
-            <a:avLst/>
-          </a:prstGeom>
-        </p:spPr>
-        <p:style>
-          <a:lnRef idx="1">
-            <a:schemeClr val="accent1"/>
-          </a:lnRef>
-          <a:fillRef idx="3">
-            <a:schemeClr val="accent1"/>
-          </a:fillRef>
-          <a:effectRef idx="2">
-            <a:schemeClr val="accent1"/>
-          </a:effectRef>
-          <a:fontRef idx="minor">
-            <a:schemeClr val="lt1"/>
-          </a:fontRef>
-        </p:style>
-        <p:txBody>
-          <a:bodyPr rtlCol="0" anchor="ctr"/>
-          <a:lstStyle/>
-          <a:p>
-            <a:pPr algn="ctr"/>
-            <a:r>
-              <a:rPr lang="en-US" sz="1600" dirty="0" smtClean="0"/>
-              <a:t>Instrumentation Tool</a:t>
-            </a:r>
-            <a:endParaRPr lang="en-US" sz="1600" dirty="0"/>
-          </a:p>
-        </p:txBody>
-      </p:sp>
-      <p:sp>
-        <p:nvSpPr>
-          <p:cNvPr id="7" name="Rectangle 6"/>
-          <p:cNvSpPr/>
-          <p:nvPr/>
-        </p:nvSpPr>
-        <p:spPr>
-          <a:xfrm>
-            <a:off x="5528735" y="3324499"/>
-            <a:ext cx="1388534" cy="524933"/>
-          </a:xfrm>
-          <a:prstGeom prst="rect">
-            <a:avLst/>
-          </a:prstGeom>
-        </p:spPr>
-        <p:style>
-          <a:lnRef idx="1">
-            <a:schemeClr val="accent1"/>
-          </a:lnRef>
-          <a:fillRef idx="3">
-            <a:schemeClr val="accent1"/>
-          </a:fillRef>
-          <a:effectRef idx="2">
-            <a:schemeClr val="accent1"/>
-          </a:effectRef>
-          <a:fontRef idx="minor">
-            <a:schemeClr val="lt1"/>
-          </a:fontRef>
-        </p:style>
-        <p:txBody>
-          <a:bodyPr rtlCol="0" anchor="ctr"/>
-          <a:lstStyle/>
-          <a:p>
-            <a:pPr algn="ctr"/>
-            <a:r>
-              <a:rPr lang="en-US" sz="1600" dirty="0" smtClean="0"/>
-              <a:t>Logging</a:t>
-            </a:r>
-            <a:endParaRPr lang="en-US" sz="1600" dirty="0"/>
-          </a:p>
-        </p:txBody>
-      </p:sp>
-      <p:sp>
-        <p:nvSpPr>
-          <p:cNvPr id="8" name="Rectangle 7"/>
-          <p:cNvSpPr/>
-          <p:nvPr/>
-        </p:nvSpPr>
-        <p:spPr>
-          <a:xfrm>
-            <a:off x="3826935" y="3324499"/>
-            <a:ext cx="1388534" cy="524933"/>
-          </a:xfrm>
-          <a:prstGeom prst="rect">
-            <a:avLst/>
-          </a:prstGeom>
-        </p:spPr>
-        <p:style>
-          <a:lnRef idx="1">
-            <a:schemeClr val="accent1"/>
-          </a:lnRef>
-          <a:fillRef idx="3">
-            <a:schemeClr val="accent1"/>
-          </a:fillRef>
-          <a:effectRef idx="2">
-            <a:schemeClr val="accent1"/>
-          </a:effectRef>
-          <a:fontRef idx="minor">
-            <a:schemeClr val="lt1"/>
-          </a:fontRef>
-        </p:style>
-        <p:txBody>
-          <a:bodyPr rtlCol="0" anchor="ctr"/>
-          <a:lstStyle/>
-          <a:p>
-            <a:pPr algn="ctr"/>
-            <a:r>
-              <a:rPr lang="en-US" sz="1600" dirty="0" smtClean="0"/>
-              <a:t>Scheduler</a:t>
-            </a:r>
-            <a:endParaRPr lang="en-US" sz="1600" dirty="0"/>
-          </a:p>
-        </p:txBody>
-      </p:sp>
-      <p:sp>
-        <p:nvSpPr>
-          <p:cNvPr id="9" name="Rectangle 8"/>
-          <p:cNvSpPr/>
-          <p:nvPr/>
-        </p:nvSpPr>
-        <p:spPr>
-          <a:xfrm>
-            <a:off x="1151467" y="4734455"/>
-            <a:ext cx="1388534" cy="524933"/>
-          </a:xfrm>
-          <a:prstGeom prst="rect">
-            <a:avLst/>
-          </a:prstGeom>
-        </p:spPr>
-        <p:style>
-          <a:lnRef idx="1">
-            <a:schemeClr val="accent1"/>
-          </a:lnRef>
-          <a:fillRef idx="3">
-            <a:schemeClr val="accent1"/>
-          </a:fillRef>
-          <a:effectRef idx="2">
-            <a:schemeClr val="accent1"/>
-          </a:effectRef>
-          <a:fontRef idx="minor">
-            <a:schemeClr val="lt1"/>
-          </a:fontRef>
-        </p:style>
-        <p:txBody>
-          <a:bodyPr rtlCol="0" anchor="ctr"/>
-          <a:lstStyle/>
-          <a:p>
-            <a:pPr algn="ctr"/>
-            <a:r>
-              <a:rPr lang="en-US" sz="1600" dirty="0" smtClean="0"/>
-              <a:t>Main Driver</a:t>
-            </a:r>
-            <a:endParaRPr lang="en-US" sz="1600" dirty="0"/>
-          </a:p>
-        </p:txBody>
-      </p:sp>
-      <p:sp>
-        <p:nvSpPr>
-          <p:cNvPr id="10" name="Rectangle 9"/>
-          <p:cNvSpPr/>
-          <p:nvPr/>
-        </p:nvSpPr>
-        <p:spPr>
-          <a:xfrm>
-            <a:off x="2987008" y="4746805"/>
-            <a:ext cx="1388534" cy="524933"/>
-          </a:xfrm>
-          <a:prstGeom prst="rect">
-            <a:avLst/>
-          </a:prstGeom>
-        </p:spPr>
-        <p:style>
-          <a:lnRef idx="1">
-            <a:schemeClr val="accent1"/>
-          </a:lnRef>
-          <a:fillRef idx="3">
-            <a:schemeClr val="accent1"/>
-          </a:fillRef>
-          <a:effectRef idx="2">
-            <a:schemeClr val="accent1"/>
-          </a:effectRef>
-          <a:fontRef idx="minor">
-            <a:schemeClr val="lt1"/>
-          </a:fontRef>
-        </p:style>
-        <p:txBody>
-          <a:bodyPr rtlCol="0" anchor="ctr"/>
-          <a:lstStyle/>
-          <a:p>
-            <a:pPr algn="ctr"/>
-            <a:r>
-              <a:rPr lang="en-US" sz="1600" dirty="0" smtClean="0"/>
-              <a:t>Sections</a:t>
-            </a:r>
-            <a:endParaRPr lang="en-US" sz="1600" dirty="0"/>
-          </a:p>
-        </p:txBody>
-      </p:sp>
+        </p:grpSpPr>
+        <p:sp>
+          <p:nvSpPr>
+            <p:cNvPr id="4" name="Rectangle 3"/>
+            <p:cNvSpPr/>
+            <p:nvPr/>
+          </p:nvSpPr>
+          <p:spPr>
+            <a:xfrm>
+              <a:off x="7594416" y="3345794"/>
+              <a:ext cx="1290692" cy="524933"/>
+            </a:xfrm>
+            <a:prstGeom prst="rect">
+              <a:avLst/>
+            </a:prstGeom>
+          </p:spPr>
+          <p:style>
+            <a:lnRef idx="1">
+              <a:schemeClr val="accent1"/>
+            </a:lnRef>
+            <a:fillRef idx="3">
+              <a:schemeClr val="accent1"/>
+            </a:fillRef>
+            <a:effectRef idx="2">
+              <a:schemeClr val="accent1"/>
+            </a:effectRef>
+            <a:fontRef idx="minor">
+              <a:schemeClr val="lt1"/>
+            </a:fontRef>
+          </p:style>
+          <p:txBody>
+            <a:bodyPr rtlCol="0" anchor="ctr"/>
+            <a:lstStyle/>
+            <a:p>
+              <a:pPr algn="ctr"/>
+              <a:r>
+                <a:rPr lang="en-US" sz="1600" dirty="0" smtClean="0"/>
+                <a:t>Wrapper</a:t>
+              </a:r>
+            </a:p>
+            <a:p>
+              <a:pPr algn="ctr"/>
+              <a:r>
+                <a:rPr lang="en-US" sz="1400" dirty="0">
+                  <a:solidFill>
+                    <a:schemeClr val="tx1"/>
+                  </a:solidFill>
+                </a:rPr>
+                <a:t>r</a:t>
+              </a:r>
+              <a:r>
+                <a:rPr lang="en-US" sz="1400" dirty="0" smtClean="0">
+                  <a:solidFill>
+                    <a:schemeClr val="tx1"/>
+                  </a:solidFill>
+                </a:rPr>
+                <a:t>un-</a:t>
+              </a:r>
+              <a:r>
+                <a:rPr lang="en-US" sz="1400" dirty="0" err="1" smtClean="0">
+                  <a:solidFill>
+                    <a:schemeClr val="tx1"/>
+                  </a:solidFill>
+                </a:rPr>
+                <a:t>concur.py</a:t>
+              </a:r>
+              <a:endParaRPr lang="en-US" sz="1400" dirty="0">
+                <a:solidFill>
+                  <a:schemeClr val="tx1"/>
+                </a:solidFill>
+              </a:endParaRPr>
+            </a:p>
+          </p:txBody>
+        </p:sp>
+        <p:cxnSp>
+          <p:nvCxnSpPr>
+            <p:cNvPr id="13" name="Elbow Connector 12"/>
+            <p:cNvCxnSpPr>
+              <a:stCxn id="3" idx="2"/>
+              <a:endCxn id="4" idx="0"/>
+            </p:cNvCxnSpPr>
+            <p:nvPr/>
+          </p:nvCxnSpPr>
+          <p:spPr>
+            <a:xfrm rot="16200000" flipH="1">
+              <a:off x="5942852" y="1048883"/>
+              <a:ext cx="883727" cy="3710094"/>
+            </a:xfrm>
+            <a:prstGeom prst="bentConnector3">
+              <a:avLst/>
+            </a:prstGeom>
+            <a:ln>
+              <a:tailEnd type="arrow"/>
+            </a:ln>
+          </p:spPr>
+          <p:style>
+            <a:lnRef idx="2">
+              <a:schemeClr val="accent1"/>
+            </a:lnRef>
+            <a:fillRef idx="0">
+              <a:schemeClr val="accent1"/>
+            </a:fillRef>
+            <a:effectRef idx="1">
+              <a:schemeClr val="accent1"/>
+            </a:effectRef>
+            <a:fontRef idx="minor">
+              <a:schemeClr val="tx1"/>
+            </a:fontRef>
+          </p:style>
+        </p:cxnSp>
+      </p:grpSp>
       <p:cxnSp>
         <p:nvCxnSpPr>
-          <p:cNvPr id="13" name="Elbow Connector 12"/>
+          <p:cNvPr id="18" name="Elbow Connector 17"/>
           <p:cNvCxnSpPr>
             <a:stCxn id="3" idx="2"/>
-            <a:endCxn id="4" idx="0"/>
+            <a:endCxn id="8" idx="0"/>
           </p:cNvCxnSpPr>
           <p:nvPr/>
         </p:nvCxnSpPr>
         <p:spPr>
-          <a:xfrm rot="5400000">
-            <a:off x="2409352" y="1204183"/>
-            <a:ext cx="862432" cy="3378201"/>
+          <a:xfrm rot="16200000" flipH="1">
+            <a:off x="4472136" y="2519598"/>
+            <a:ext cx="883727" cy="768663"/>
           </a:xfrm>
           <a:prstGeom prst="bentConnector3">
             <a:avLst/>
@@ -8093,234 +11355,1157 @@
           </a:fontRef>
         </p:style>
       </p:cxnSp>
-      <p:cxnSp>
-        <p:nvCxnSpPr>
-          <p:cNvPr id="15" name="Elbow Connector 14"/>
-          <p:cNvCxnSpPr>
-            <a:stCxn id="3" idx="2"/>
-            <a:endCxn id="5" idx="0"/>
-          </p:cNvCxnSpPr>
+      <p:grpSp>
+        <p:nvGrpSpPr>
+          <p:cNvPr id="39" name="Group 38"/>
+          <p:cNvGrpSpPr/>
           <p:nvPr/>
-        </p:nvCxnSpPr>
-        <p:spPr>
-          <a:xfrm rot="5400000">
-            <a:off x="3251785" y="2046616"/>
-            <a:ext cx="862432" cy="1693334"/>
+        </p:nvGrpSpPr>
+        <p:grpSpPr>
+          <a:xfrm>
+            <a:off x="4529668" y="2462066"/>
+            <a:ext cx="2802712" cy="1399719"/>
+            <a:chOff x="4529668" y="2462066"/>
+            <a:chExt cx="2802712" cy="1399719"/>
           </a:xfrm>
-          <a:prstGeom prst="bentConnector3">
-            <a:avLst>
-              <a:gd name="adj1" fmla="val 50000"/>
-            </a:avLst>
-          </a:prstGeom>
-          <a:ln>
-            <a:tailEnd type="arrow"/>
-          </a:ln>
-        </p:spPr>
-        <p:style>
-          <a:lnRef idx="2">
-            <a:schemeClr val="accent1"/>
-          </a:lnRef>
-          <a:fillRef idx="0">
-            <a:schemeClr val="accent1"/>
-          </a:fillRef>
-          <a:effectRef idx="1">
-            <a:schemeClr val="accent1"/>
-          </a:effectRef>
-          <a:fontRef idx="minor">
-            <a:schemeClr val="tx1"/>
-          </a:fontRef>
-        </p:style>
-      </p:cxnSp>
-      <p:cxnSp>
-        <p:nvCxnSpPr>
-          <p:cNvPr id="18" name="Elbow Connector 17"/>
-          <p:cNvCxnSpPr>
-            <a:stCxn id="3" idx="2"/>
-            <a:endCxn id="8" idx="0"/>
-          </p:cNvCxnSpPr>
+        </p:grpSpPr>
+        <p:sp>
+          <p:nvSpPr>
+            <p:cNvPr id="7" name="Rectangle 6"/>
+            <p:cNvSpPr/>
+            <p:nvPr/>
+          </p:nvSpPr>
+          <p:spPr>
+            <a:xfrm>
+              <a:off x="6224589" y="3336852"/>
+              <a:ext cx="1107791" cy="524933"/>
+            </a:xfrm>
+            <a:prstGeom prst="rect">
+              <a:avLst/>
+            </a:prstGeom>
+          </p:spPr>
+          <p:style>
+            <a:lnRef idx="1">
+              <a:schemeClr val="accent1"/>
+            </a:lnRef>
+            <a:fillRef idx="3">
+              <a:schemeClr val="accent1"/>
+            </a:fillRef>
+            <a:effectRef idx="2">
+              <a:schemeClr val="accent1"/>
+            </a:effectRef>
+            <a:fontRef idx="minor">
+              <a:schemeClr val="lt1"/>
+            </a:fontRef>
+          </p:style>
+          <p:txBody>
+            <a:bodyPr rtlCol="0" anchor="ctr"/>
+            <a:lstStyle/>
+            <a:p>
+              <a:pPr algn="ctr"/>
+              <a:r>
+                <a:rPr lang="en-US" sz="1600" dirty="0" smtClean="0"/>
+                <a:t>Logging</a:t>
+              </a:r>
+            </a:p>
+            <a:p>
+              <a:pPr algn="ctr"/>
+              <a:r>
+                <a:rPr lang="en-US" sz="1400" dirty="0" err="1">
+                  <a:solidFill>
+                    <a:srgbClr val="292934"/>
+                  </a:solidFill>
+                </a:rPr>
+                <a:t>l</a:t>
+              </a:r>
+              <a:r>
+                <a:rPr lang="en-US" sz="1400" dirty="0" err="1" smtClean="0">
+                  <a:solidFill>
+                    <a:srgbClr val="292934"/>
+                  </a:solidFill>
+                </a:rPr>
+                <a:t>ogger.cpp</a:t>
+              </a:r>
+              <a:endParaRPr lang="en-US" sz="1400" dirty="0">
+                <a:solidFill>
+                  <a:srgbClr val="292934"/>
+                </a:solidFill>
+              </a:endParaRPr>
+            </a:p>
+          </p:txBody>
+        </p:sp>
+        <p:cxnSp>
+          <p:nvCxnSpPr>
+            <p:cNvPr id="21" name="Elbow Connector 20"/>
+            <p:cNvCxnSpPr>
+              <a:stCxn id="3" idx="2"/>
+              <a:endCxn id="7" idx="0"/>
+            </p:cNvCxnSpPr>
+            <p:nvPr/>
+          </p:nvCxnSpPr>
+          <p:spPr>
+            <a:xfrm rot="16200000" flipH="1">
+              <a:off x="5216684" y="1775050"/>
+              <a:ext cx="874785" cy="2248817"/>
+            </a:xfrm>
+            <a:prstGeom prst="bentConnector3">
+              <a:avLst>
+                <a:gd name="adj1" fmla="val 50000"/>
+              </a:avLst>
+            </a:prstGeom>
+            <a:ln>
+              <a:tailEnd type="arrow"/>
+            </a:ln>
+          </p:spPr>
+          <p:style>
+            <a:lnRef idx="2">
+              <a:schemeClr val="accent1"/>
+            </a:lnRef>
+            <a:fillRef idx="0">
+              <a:schemeClr val="accent1"/>
+            </a:fillRef>
+            <a:effectRef idx="1">
+              <a:schemeClr val="accent1"/>
+            </a:effectRef>
+            <a:fontRef idx="minor">
+              <a:schemeClr val="tx1"/>
+            </a:fontRef>
+          </p:style>
+        </p:cxnSp>
+      </p:grpSp>
+      <p:grpSp>
+        <p:nvGrpSpPr>
+          <p:cNvPr id="12" name="Group 11"/>
+          <p:cNvGrpSpPr/>
           <p:nvPr/>
-        </p:nvCxnSpPr>
-        <p:spPr>
-          <a:xfrm rot="5400000">
-            <a:off x="4094219" y="2889050"/>
-            <a:ext cx="862432" cy="8466"/>
+        </p:nvGrpSpPr>
+        <p:grpSpPr>
+          <a:xfrm>
+            <a:off x="2315496" y="2462067"/>
+            <a:ext cx="2214172" cy="1399716"/>
+            <a:chOff x="6759425" y="2449715"/>
+            <a:chExt cx="2214172" cy="1399716"/>
           </a:xfrm>
-          <a:prstGeom prst="bentConnector3">
-            <a:avLst/>
-          </a:prstGeom>
-          <a:ln>
-            <a:tailEnd type="arrow"/>
-          </a:ln>
-        </p:spPr>
-        <p:style>
-          <a:lnRef idx="2">
-            <a:schemeClr val="accent1"/>
-          </a:lnRef>
-          <a:fillRef idx="0">
-            <a:schemeClr val="accent1"/>
-          </a:fillRef>
-          <a:effectRef idx="1">
-            <a:schemeClr val="accent1"/>
-          </a:effectRef>
-          <a:fontRef idx="minor">
-            <a:schemeClr val="tx1"/>
-          </a:fontRef>
-        </p:style>
-      </p:cxnSp>
-      <p:cxnSp>
-        <p:nvCxnSpPr>
-          <p:cNvPr id="21" name="Elbow Connector 20"/>
-          <p:cNvCxnSpPr>
-            <a:stCxn id="3" idx="2"/>
-            <a:endCxn id="7" idx="0"/>
-          </p:cNvCxnSpPr>
+        </p:grpSpPr>
+        <p:sp>
+          <p:nvSpPr>
+            <p:cNvPr id="6" name="Rectangle 5"/>
+            <p:cNvSpPr/>
+            <p:nvPr/>
+          </p:nvSpPr>
+          <p:spPr>
+            <a:xfrm>
+              <a:off x="6759425" y="3324499"/>
+              <a:ext cx="2054376" cy="524932"/>
+            </a:xfrm>
+            <a:prstGeom prst="rect">
+              <a:avLst/>
+            </a:prstGeom>
+          </p:spPr>
+          <p:style>
+            <a:lnRef idx="1">
+              <a:schemeClr val="accent1"/>
+            </a:lnRef>
+            <a:fillRef idx="3">
+              <a:schemeClr val="accent1"/>
+            </a:fillRef>
+            <a:effectRef idx="2">
+              <a:schemeClr val="accent1"/>
+            </a:effectRef>
+            <a:fontRef idx="minor">
+              <a:schemeClr val="lt1"/>
+            </a:fontRef>
+          </p:style>
+          <p:txBody>
+            <a:bodyPr rtlCol="0" anchor="ctr"/>
+            <a:lstStyle/>
+            <a:p>
+              <a:pPr algn="ctr"/>
+              <a:r>
+                <a:rPr lang="en-US" sz="1600" dirty="0" smtClean="0"/>
+                <a:t>Instrumentation Tool</a:t>
+              </a:r>
+            </a:p>
+            <a:p>
+              <a:pPr algn="ctr"/>
+              <a:r>
+                <a:rPr lang="en-US" sz="1400" dirty="0" smtClean="0">
+                  <a:solidFill>
+                    <a:srgbClr val="292934"/>
+                  </a:solidFill>
+                </a:rPr>
+                <a:t>SUDS</a:t>
+              </a:r>
+              <a:endParaRPr lang="en-US" sz="1400" dirty="0">
+                <a:solidFill>
+                  <a:srgbClr val="292934"/>
+                </a:solidFill>
+              </a:endParaRPr>
+            </a:p>
+          </p:txBody>
+        </p:sp>
+        <p:cxnSp>
+          <p:nvCxnSpPr>
+            <p:cNvPr id="24" name="Elbow Connector 23"/>
+            <p:cNvCxnSpPr>
+              <a:stCxn id="3" idx="2"/>
+              <a:endCxn id="6" idx="0"/>
+            </p:cNvCxnSpPr>
+            <p:nvPr/>
+          </p:nvCxnSpPr>
+          <p:spPr>
+            <a:xfrm rot="5400000">
+              <a:off x="7942713" y="2293615"/>
+              <a:ext cx="874784" cy="1186984"/>
+            </a:xfrm>
+            <a:prstGeom prst="bentConnector3">
+              <a:avLst>
+                <a:gd name="adj1" fmla="val 50000"/>
+              </a:avLst>
+            </a:prstGeom>
+            <a:ln>
+              <a:tailEnd type="arrow"/>
+            </a:ln>
+          </p:spPr>
+          <p:style>
+            <a:lnRef idx="2">
+              <a:schemeClr val="accent1"/>
+            </a:lnRef>
+            <a:fillRef idx="0">
+              <a:schemeClr val="accent1"/>
+            </a:fillRef>
+            <a:effectRef idx="1">
+              <a:schemeClr val="accent1"/>
+            </a:effectRef>
+            <a:fontRef idx="minor">
+              <a:schemeClr val="tx1"/>
+            </a:fontRef>
+          </p:style>
+        </p:cxnSp>
+      </p:grpSp>
+      <p:grpSp>
+        <p:nvGrpSpPr>
+          <p:cNvPr id="14" name="Group 13"/>
+          <p:cNvGrpSpPr/>
           <p:nvPr/>
-        </p:nvCxnSpPr>
-        <p:spPr>
-          <a:xfrm rot="16200000" flipH="1">
-            <a:off x="4945119" y="2046616"/>
-            <a:ext cx="862432" cy="1693334"/>
+        </p:nvGrpSpPr>
+        <p:grpSpPr>
+          <a:xfrm>
+            <a:off x="152400" y="2462067"/>
+            <a:ext cx="4377268" cy="2809671"/>
+            <a:chOff x="1151467" y="2462067"/>
+            <a:chExt cx="4377268" cy="2809671"/>
           </a:xfrm>
-          <a:prstGeom prst="bentConnector3">
-            <a:avLst>
-              <a:gd name="adj1" fmla="val 50000"/>
-            </a:avLst>
-          </a:prstGeom>
-          <a:ln>
-            <a:tailEnd type="arrow"/>
-          </a:ln>
-        </p:spPr>
-        <p:style>
-          <a:lnRef idx="2">
-            <a:schemeClr val="accent1"/>
-          </a:lnRef>
-          <a:fillRef idx="0">
-            <a:schemeClr val="accent1"/>
-          </a:fillRef>
-          <a:effectRef idx="1">
-            <a:schemeClr val="accent1"/>
-          </a:effectRef>
-          <a:fontRef idx="minor">
-            <a:schemeClr val="tx1"/>
-          </a:fontRef>
-        </p:style>
-      </p:cxnSp>
-      <p:cxnSp>
-        <p:nvCxnSpPr>
-          <p:cNvPr id="24" name="Elbow Connector 23"/>
-          <p:cNvCxnSpPr>
-            <a:stCxn id="3" idx="2"/>
-            <a:endCxn id="6" idx="0"/>
-          </p:cNvCxnSpPr>
-          <p:nvPr/>
-        </p:nvCxnSpPr>
-        <p:spPr>
-          <a:xfrm rot="16200000" flipH="1">
-            <a:off x="5834118" y="1157616"/>
-            <a:ext cx="862432" cy="3471333"/>
-          </a:xfrm>
-          <a:prstGeom prst="bentConnector3">
-            <a:avLst>
-              <a:gd name="adj1" fmla="val 50000"/>
-            </a:avLst>
-          </a:prstGeom>
-          <a:ln>
-            <a:tailEnd type="arrow"/>
-          </a:ln>
-        </p:spPr>
-        <p:style>
-          <a:lnRef idx="2">
-            <a:schemeClr val="accent1"/>
-          </a:lnRef>
-          <a:fillRef idx="0">
-            <a:schemeClr val="accent1"/>
-          </a:fillRef>
-          <a:effectRef idx="1">
-            <a:schemeClr val="accent1"/>
-          </a:effectRef>
-          <a:fontRef idx="minor">
-            <a:schemeClr val="tx1"/>
-          </a:fontRef>
-        </p:style>
-      </p:cxnSp>
-      <p:cxnSp>
-        <p:nvCxnSpPr>
-          <p:cNvPr id="27" name="Elbow Connector 26"/>
-          <p:cNvCxnSpPr>
-            <a:stCxn id="5" idx="2"/>
-            <a:endCxn id="9" idx="0"/>
-          </p:cNvCxnSpPr>
-          <p:nvPr/>
-        </p:nvCxnSpPr>
-        <p:spPr>
-          <a:xfrm rot="5400000">
-            <a:off x="1898523" y="3796643"/>
-            <a:ext cx="885023" cy="990600"/>
-          </a:xfrm>
-          <a:prstGeom prst="bentConnector3">
-            <a:avLst>
-              <a:gd name="adj1" fmla="val 50000"/>
-            </a:avLst>
-          </a:prstGeom>
-          <a:ln>
-            <a:tailEnd type="arrow"/>
-          </a:ln>
-        </p:spPr>
-        <p:style>
-          <a:lnRef idx="2">
-            <a:schemeClr val="accent1"/>
-          </a:lnRef>
-          <a:fillRef idx="0">
-            <a:schemeClr val="accent1"/>
-          </a:fillRef>
-          <a:effectRef idx="1">
-            <a:schemeClr val="accent1"/>
-          </a:effectRef>
-          <a:fontRef idx="minor">
-            <a:schemeClr val="tx1"/>
-          </a:fontRef>
-        </p:style>
-      </p:cxnSp>
-      <p:cxnSp>
-        <p:nvCxnSpPr>
-          <p:cNvPr id="30" name="Elbow Connector 29"/>
-          <p:cNvCxnSpPr>
-            <a:stCxn id="5" idx="2"/>
-            <a:endCxn id="10" idx="0"/>
-          </p:cNvCxnSpPr>
-          <p:nvPr/>
-        </p:nvCxnSpPr>
-        <p:spPr>
-          <a:xfrm rot="16200000" flipH="1">
-            <a:off x="2810118" y="3875647"/>
-            <a:ext cx="897373" cy="844941"/>
-          </a:xfrm>
-          <a:prstGeom prst="bentConnector3">
-            <a:avLst/>
-          </a:prstGeom>
-          <a:ln>
-            <a:tailEnd type="arrow"/>
-          </a:ln>
-        </p:spPr>
-        <p:style>
-          <a:lnRef idx="2">
-            <a:schemeClr val="accent1"/>
-          </a:lnRef>
-          <a:fillRef idx="0">
-            <a:schemeClr val="accent1"/>
-          </a:fillRef>
-          <a:effectRef idx="1">
-            <a:schemeClr val="accent1"/>
-          </a:effectRef>
-          <a:fontRef idx="minor">
-            <a:schemeClr val="tx1"/>
-          </a:fontRef>
-        </p:style>
-      </p:cxnSp>
+        </p:grpSpPr>
+        <p:grpSp>
+          <p:nvGrpSpPr>
+            <p:cNvPr id="11" name="Group 10"/>
+            <p:cNvGrpSpPr/>
+            <p:nvPr/>
+          </p:nvGrpSpPr>
+          <p:grpSpPr>
+            <a:xfrm>
+              <a:off x="1151467" y="2462067"/>
+              <a:ext cx="4377268" cy="2809671"/>
+              <a:chOff x="1151467" y="2462067"/>
+              <a:chExt cx="4377268" cy="2809671"/>
+            </a:xfrm>
+          </p:grpSpPr>
+          <p:sp>
+            <p:nvSpPr>
+              <p:cNvPr id="5" name="Rectangle 4"/>
+              <p:cNvSpPr/>
+              <p:nvPr/>
+            </p:nvSpPr>
+            <p:spPr>
+              <a:xfrm>
+                <a:off x="1756190" y="3324499"/>
+                <a:ext cx="1230818" cy="524933"/>
+              </a:xfrm>
+              <a:prstGeom prst="rect">
+                <a:avLst/>
+              </a:prstGeom>
+            </p:spPr>
+            <p:style>
+              <a:lnRef idx="1">
+                <a:schemeClr val="accent1"/>
+              </a:lnRef>
+              <a:fillRef idx="3">
+                <a:schemeClr val="accent1"/>
+              </a:fillRef>
+              <a:effectRef idx="2">
+                <a:schemeClr val="accent1"/>
+              </a:effectRef>
+              <a:fontRef idx="minor">
+                <a:schemeClr val="lt1"/>
+              </a:fontRef>
+            </p:style>
+            <p:txBody>
+              <a:bodyPr rtlCol="0" anchor="ctr"/>
+              <a:lstStyle/>
+              <a:p>
+                <a:pPr algn="ctr"/>
+                <a:r>
+                  <a:rPr lang="en-US" sz="1600" dirty="0" smtClean="0"/>
+                  <a:t>Concur Application</a:t>
+                </a:r>
+                <a:endParaRPr lang="en-US" sz="1600" dirty="0"/>
+              </a:p>
+            </p:txBody>
+          </p:sp>
+          <p:sp>
+            <p:nvSpPr>
+              <p:cNvPr id="9" name="Rectangle 8"/>
+              <p:cNvSpPr/>
+              <p:nvPr/>
+            </p:nvSpPr>
+            <p:spPr>
+              <a:xfrm>
+                <a:off x="1151467" y="4734455"/>
+                <a:ext cx="956641" cy="524933"/>
+              </a:xfrm>
+              <a:prstGeom prst="rect">
+                <a:avLst/>
+              </a:prstGeom>
+            </p:spPr>
+            <p:style>
+              <a:lnRef idx="1">
+                <a:schemeClr val="accent1"/>
+              </a:lnRef>
+              <a:fillRef idx="3">
+                <a:schemeClr val="accent1"/>
+              </a:fillRef>
+              <a:effectRef idx="2">
+                <a:schemeClr val="accent1"/>
+              </a:effectRef>
+              <a:fontRef idx="minor">
+                <a:schemeClr val="lt1"/>
+              </a:fontRef>
+            </p:style>
+            <p:txBody>
+              <a:bodyPr rtlCol="0" anchor="ctr"/>
+              <a:lstStyle/>
+              <a:p>
+                <a:pPr algn="ctr"/>
+                <a:r>
+                  <a:rPr lang="en-US" sz="1600" dirty="0" smtClean="0"/>
+                  <a:t>Driver</a:t>
+                </a:r>
+              </a:p>
+              <a:p>
+                <a:pPr algn="ctr"/>
+                <a:r>
+                  <a:rPr lang="en-US" sz="1400" dirty="0" err="1">
+                    <a:solidFill>
+                      <a:srgbClr val="292934"/>
+                    </a:solidFill>
+                  </a:rPr>
+                  <a:t>m</a:t>
+                </a:r>
+                <a:r>
+                  <a:rPr lang="en-US" sz="1400" dirty="0" err="1" smtClean="0">
+                    <a:solidFill>
+                      <a:srgbClr val="292934"/>
+                    </a:solidFill>
+                  </a:rPr>
+                  <a:t>ain.c</a:t>
+                </a:r>
+                <a:endParaRPr lang="en-US" sz="1400" dirty="0">
+                  <a:solidFill>
+                    <a:srgbClr val="292934"/>
+                  </a:solidFill>
+                </a:endParaRPr>
+              </a:p>
+            </p:txBody>
+          </p:sp>
+          <p:sp>
+            <p:nvSpPr>
+              <p:cNvPr id="10" name="Rectangle 9"/>
+              <p:cNvSpPr/>
+              <p:nvPr/>
+            </p:nvSpPr>
+            <p:spPr>
+              <a:xfrm>
+                <a:off x="2647140" y="4746805"/>
+                <a:ext cx="1124529" cy="524933"/>
+              </a:xfrm>
+              <a:prstGeom prst="rect">
+                <a:avLst/>
+              </a:prstGeom>
+            </p:spPr>
+            <p:style>
+              <a:lnRef idx="1">
+                <a:schemeClr val="accent1"/>
+              </a:lnRef>
+              <a:fillRef idx="3">
+                <a:schemeClr val="accent1"/>
+              </a:fillRef>
+              <a:effectRef idx="2">
+                <a:schemeClr val="accent1"/>
+              </a:effectRef>
+              <a:fontRef idx="minor">
+                <a:schemeClr val="lt1"/>
+              </a:fontRef>
+            </p:style>
+            <p:txBody>
+              <a:bodyPr rtlCol="0" anchor="ctr"/>
+              <a:lstStyle/>
+              <a:p>
+                <a:pPr algn="ctr"/>
+                <a:r>
+                  <a:rPr lang="en-US" sz="1600" dirty="0" smtClean="0"/>
+                  <a:t>Program</a:t>
+                </a:r>
+              </a:p>
+              <a:p>
+                <a:pPr algn="ctr"/>
+                <a:r>
+                  <a:rPr lang="en-US" sz="1400" dirty="0" err="1">
+                    <a:solidFill>
+                      <a:srgbClr val="292934"/>
+                    </a:solidFill>
+                  </a:rPr>
+                  <a:t>s</a:t>
+                </a:r>
+                <a:r>
+                  <a:rPr lang="en-US" sz="1400" dirty="0" err="1" smtClean="0">
+                    <a:solidFill>
+                      <a:srgbClr val="292934"/>
+                    </a:solidFill>
+                  </a:rPr>
+                  <a:t>ections.c</a:t>
+                </a:r>
+                <a:endParaRPr lang="en-US" sz="1400" dirty="0">
+                  <a:solidFill>
+                    <a:srgbClr val="292934"/>
+                  </a:solidFill>
+                </a:endParaRPr>
+              </a:p>
+            </p:txBody>
+          </p:sp>
+          <p:cxnSp>
+            <p:nvCxnSpPr>
+              <p:cNvPr id="15" name="Elbow Connector 14"/>
+              <p:cNvCxnSpPr>
+                <a:stCxn id="3" idx="2"/>
+                <a:endCxn id="5" idx="0"/>
+              </p:cNvCxnSpPr>
+              <p:nvPr/>
+            </p:nvCxnSpPr>
+            <p:spPr>
+              <a:xfrm rot="5400000">
+                <a:off x="3518951" y="1314715"/>
+                <a:ext cx="862432" cy="3157136"/>
+              </a:xfrm>
+              <a:prstGeom prst="bentConnector3">
+                <a:avLst>
+                  <a:gd name="adj1" fmla="val 50000"/>
+                </a:avLst>
+              </a:prstGeom>
+              <a:ln>
+                <a:tailEnd type="arrow"/>
+              </a:ln>
+            </p:spPr>
+            <p:style>
+              <a:lnRef idx="2">
+                <a:schemeClr val="accent1"/>
+              </a:lnRef>
+              <a:fillRef idx="0">
+                <a:schemeClr val="accent1"/>
+              </a:fillRef>
+              <a:effectRef idx="1">
+                <a:schemeClr val="accent1"/>
+              </a:effectRef>
+              <a:fontRef idx="minor">
+                <a:schemeClr val="tx1"/>
+              </a:fontRef>
+            </p:style>
+          </p:cxnSp>
+          <p:cxnSp>
+            <p:nvCxnSpPr>
+              <p:cNvPr id="27" name="Elbow Connector 26"/>
+              <p:cNvCxnSpPr>
+                <a:stCxn id="5" idx="2"/>
+                <a:endCxn id="9" idx="0"/>
+              </p:cNvCxnSpPr>
+              <p:nvPr/>
+            </p:nvCxnSpPr>
+            <p:spPr>
+              <a:xfrm rot="5400000">
+                <a:off x="1558183" y="3921038"/>
+                <a:ext cx="885023" cy="741811"/>
+              </a:xfrm>
+              <a:prstGeom prst="bentConnector3">
+                <a:avLst>
+                  <a:gd name="adj1" fmla="val 50000"/>
+                </a:avLst>
+              </a:prstGeom>
+              <a:ln>
+                <a:tailEnd type="arrow"/>
+              </a:ln>
+            </p:spPr>
+            <p:style>
+              <a:lnRef idx="2">
+                <a:schemeClr val="accent1"/>
+              </a:lnRef>
+              <a:fillRef idx="0">
+                <a:schemeClr val="accent1"/>
+              </a:fillRef>
+              <a:effectRef idx="1">
+                <a:schemeClr val="accent1"/>
+              </a:effectRef>
+              <a:fontRef idx="minor">
+                <a:schemeClr val="tx1"/>
+              </a:fontRef>
+            </p:style>
+          </p:cxnSp>
+        </p:grpSp>
+        <p:cxnSp>
+          <p:nvCxnSpPr>
+            <p:cNvPr id="30" name="Elbow Connector 29"/>
+            <p:cNvCxnSpPr>
+              <a:stCxn id="5" idx="2"/>
+              <a:endCxn id="10" idx="0"/>
+            </p:cNvCxnSpPr>
+            <p:nvPr/>
+          </p:nvCxnSpPr>
+          <p:spPr>
+            <a:xfrm rot="16200000" flipH="1">
+              <a:off x="2341816" y="3879215"/>
+              <a:ext cx="897373" cy="837806"/>
+            </a:xfrm>
+            <a:prstGeom prst="bentConnector3">
+              <a:avLst/>
+            </a:prstGeom>
+            <a:ln>
+              <a:tailEnd type="arrow"/>
+            </a:ln>
+          </p:spPr>
+          <p:style>
+            <a:lnRef idx="2">
+              <a:schemeClr val="accent1"/>
+            </a:lnRef>
+            <a:fillRef idx="0">
+              <a:schemeClr val="accent1"/>
+            </a:fillRef>
+            <a:effectRef idx="1">
+              <a:schemeClr val="accent1"/>
+            </a:effectRef>
+            <a:fontRef idx="minor">
+              <a:schemeClr val="tx1"/>
+            </a:fontRef>
+          </p:style>
+        </p:cxnSp>
+      </p:grpSp>
     </p:spTree>
     <p:extLst>
       <p:ext uri="{BB962C8B-B14F-4D97-AF65-F5344CB8AC3E}">
-        <p14:creationId xmlns:p14="http://schemas.microsoft.com/office/powerpoint/2010/main" val="1617187742"/>
+        <p14:creationId xmlns:p14="http://schemas.microsoft.com/office/powerpoint/2010/main" val="204694368"/>
+      </p:ext>
+    </p:extLst>
+  </p:cSld>
+  <p:clrMapOvr>
+    <a:masterClrMapping/>
+  </p:clrMapOvr>
+  <p:timing>
+    <p:tnLst>
+      <p:par>
+        <p:cTn xmlns:p14="http://schemas.microsoft.com/office/powerpoint/2010/main" id="1" dur="indefinite" restart="never" nodeType="tmRoot">
+          <p:childTnLst>
+            <p:seq concurrent="1" nextAc="seek">
+              <p:cTn id="2" dur="indefinite" nodeType="mainSeq">
+                <p:childTnLst>
+                  <p:par>
+                    <p:cTn id="3" fill="hold">
+                      <p:stCondLst>
+                        <p:cond delay="indefinite"/>
+                      </p:stCondLst>
+                      <p:childTnLst>
+                        <p:par>
+                          <p:cTn id="4" fill="hold">
+                            <p:stCondLst>
+                              <p:cond delay="0"/>
+                            </p:stCondLst>
+                            <p:childTnLst>
+                              <p:par>
+                                <p:cTn id="5" presetID="1" presetClass="entr" presetSubtype="0" fill="hold" nodeType="clickEffect">
+                                  <p:stCondLst>
+                                    <p:cond delay="0"/>
+                                  </p:stCondLst>
+                                  <p:childTnLst>
+                                    <p:set>
+                                      <p:cBhvr>
+                                        <p:cTn id="6" dur="1" fill="hold">
+                                          <p:stCondLst>
+                                            <p:cond delay="0"/>
+                                          </p:stCondLst>
+                                        </p:cTn>
+                                        <p:tgtEl>
+                                          <p:spTgt spid="14"/>
+                                        </p:tgtEl>
+                                        <p:attrNameLst>
+                                          <p:attrName>style.visibility</p:attrName>
+                                        </p:attrNameLst>
+                                      </p:cBhvr>
+                                      <p:to>
+                                        <p:strVal val="visible"/>
+                                      </p:to>
+                                    </p:set>
+                                  </p:childTnLst>
+                                </p:cTn>
+                              </p:par>
+                            </p:childTnLst>
+                          </p:cTn>
+                        </p:par>
+                      </p:childTnLst>
+                    </p:cTn>
+                  </p:par>
+                  <p:par>
+                    <p:cTn id="7" fill="hold">
+                      <p:stCondLst>
+                        <p:cond delay="indefinite"/>
+                      </p:stCondLst>
+                      <p:childTnLst>
+                        <p:par>
+                          <p:cTn id="8" fill="hold">
+                            <p:stCondLst>
+                              <p:cond delay="0"/>
+                            </p:stCondLst>
+                            <p:childTnLst>
+                              <p:par>
+                                <p:cTn id="9" presetID="1" presetClass="entr" presetSubtype="0" fill="hold" nodeType="clickEffect">
+                                  <p:stCondLst>
+                                    <p:cond delay="0"/>
+                                  </p:stCondLst>
+                                  <p:childTnLst>
+                                    <p:set>
+                                      <p:cBhvr>
+                                        <p:cTn id="10" dur="1" fill="hold">
+                                          <p:stCondLst>
+                                            <p:cond delay="0"/>
+                                          </p:stCondLst>
+                                        </p:cTn>
+                                        <p:tgtEl>
+                                          <p:spTgt spid="12"/>
+                                        </p:tgtEl>
+                                        <p:attrNameLst>
+                                          <p:attrName>style.visibility</p:attrName>
+                                        </p:attrNameLst>
+                                      </p:cBhvr>
+                                      <p:to>
+                                        <p:strVal val="visible"/>
+                                      </p:to>
+                                    </p:set>
+                                  </p:childTnLst>
+                                </p:cTn>
+                              </p:par>
+                            </p:childTnLst>
+                          </p:cTn>
+                        </p:par>
+                      </p:childTnLst>
+                    </p:cTn>
+                  </p:par>
+                  <p:par>
+                    <p:cTn id="11" fill="hold">
+                      <p:stCondLst>
+                        <p:cond delay="indefinite"/>
+                      </p:stCondLst>
+                      <p:childTnLst>
+                        <p:par>
+                          <p:cTn id="12" fill="hold">
+                            <p:stCondLst>
+                              <p:cond delay="0"/>
+                            </p:stCondLst>
+                            <p:childTnLst>
+                              <p:par>
+                                <p:cTn id="13" presetID="1" presetClass="entr" presetSubtype="0" fill="hold" grpId="0" nodeType="clickEffect">
+                                  <p:stCondLst>
+                                    <p:cond delay="0"/>
+                                  </p:stCondLst>
+                                  <p:childTnLst>
+                                    <p:set>
+                                      <p:cBhvr>
+                                        <p:cTn id="14" dur="1" fill="hold">
+                                          <p:stCondLst>
+                                            <p:cond delay="0"/>
+                                          </p:stCondLst>
+                                        </p:cTn>
+                                        <p:tgtEl>
+                                          <p:spTgt spid="8"/>
+                                        </p:tgtEl>
+                                        <p:attrNameLst>
+                                          <p:attrName>style.visibility</p:attrName>
+                                        </p:attrNameLst>
+                                      </p:cBhvr>
+                                      <p:to>
+                                        <p:strVal val="visible"/>
+                                      </p:to>
+                                    </p:set>
+                                  </p:childTnLst>
+                                </p:cTn>
+                              </p:par>
+                              <p:par>
+                                <p:cTn id="15" presetID="1" presetClass="entr" presetSubtype="0" fill="hold" nodeType="withEffect">
+                                  <p:stCondLst>
+                                    <p:cond delay="0"/>
+                                  </p:stCondLst>
+                                  <p:childTnLst>
+                                    <p:set>
+                                      <p:cBhvr>
+                                        <p:cTn id="16" dur="1" fill="hold">
+                                          <p:stCondLst>
+                                            <p:cond delay="0"/>
+                                          </p:stCondLst>
+                                        </p:cTn>
+                                        <p:tgtEl>
+                                          <p:spTgt spid="18"/>
+                                        </p:tgtEl>
+                                        <p:attrNameLst>
+                                          <p:attrName>style.visibility</p:attrName>
+                                        </p:attrNameLst>
+                                      </p:cBhvr>
+                                      <p:to>
+                                        <p:strVal val="visible"/>
+                                      </p:to>
+                                    </p:set>
+                                  </p:childTnLst>
+                                </p:cTn>
+                              </p:par>
+                            </p:childTnLst>
+                          </p:cTn>
+                        </p:par>
+                      </p:childTnLst>
+                    </p:cTn>
+                  </p:par>
+                  <p:par>
+                    <p:cTn id="17" fill="hold">
+                      <p:stCondLst>
+                        <p:cond delay="indefinite"/>
+                      </p:stCondLst>
+                      <p:childTnLst>
+                        <p:par>
+                          <p:cTn id="18" fill="hold">
+                            <p:stCondLst>
+                              <p:cond delay="0"/>
+                            </p:stCondLst>
+                            <p:childTnLst>
+                              <p:par>
+                                <p:cTn id="19" presetID="1" presetClass="entr" presetSubtype="0" fill="hold" nodeType="clickEffect">
+                                  <p:stCondLst>
+                                    <p:cond delay="0"/>
+                                  </p:stCondLst>
+                                  <p:childTnLst>
+                                    <p:set>
+                                      <p:cBhvr>
+                                        <p:cTn id="20" dur="1" fill="hold">
+                                          <p:stCondLst>
+                                            <p:cond delay="0"/>
+                                          </p:stCondLst>
+                                        </p:cTn>
+                                        <p:tgtEl>
+                                          <p:spTgt spid="39"/>
+                                        </p:tgtEl>
+                                        <p:attrNameLst>
+                                          <p:attrName>style.visibility</p:attrName>
+                                        </p:attrNameLst>
+                                      </p:cBhvr>
+                                      <p:to>
+                                        <p:strVal val="visible"/>
+                                      </p:to>
+                                    </p:set>
+                                  </p:childTnLst>
+                                </p:cTn>
+                              </p:par>
+                            </p:childTnLst>
+                          </p:cTn>
+                        </p:par>
+                      </p:childTnLst>
+                    </p:cTn>
+                  </p:par>
+                  <p:par>
+                    <p:cTn id="21" fill="hold">
+                      <p:stCondLst>
+                        <p:cond delay="indefinite"/>
+                      </p:stCondLst>
+                      <p:childTnLst>
+                        <p:par>
+                          <p:cTn id="22" fill="hold">
+                            <p:stCondLst>
+                              <p:cond delay="0"/>
+                            </p:stCondLst>
+                            <p:childTnLst>
+                              <p:par>
+                                <p:cTn id="23" presetID="1" presetClass="entr" presetSubtype="0" fill="hold" nodeType="clickEffect">
+                                  <p:stCondLst>
+                                    <p:cond delay="0"/>
+                                  </p:stCondLst>
+                                  <p:childTnLst>
+                                    <p:set>
+                                      <p:cBhvr>
+                                        <p:cTn id="24" dur="1" fill="hold">
+                                          <p:stCondLst>
+                                            <p:cond delay="0"/>
+                                          </p:stCondLst>
+                                        </p:cTn>
+                                        <p:tgtEl>
+                                          <p:spTgt spid="40"/>
+                                        </p:tgtEl>
+                                        <p:attrNameLst>
+                                          <p:attrName>style.visibility</p:attrName>
+                                        </p:attrNameLst>
+                                      </p:cBhvr>
+                                      <p:to>
+                                        <p:strVal val="visible"/>
+                                      </p:to>
+                                    </p:set>
+                                  </p:childTnLst>
+                                </p:cTn>
+                              </p:par>
+                            </p:childTnLst>
+                          </p:cTn>
+                        </p:par>
+                      </p:childTnLst>
+                    </p:cTn>
+                  </p:par>
+                </p:childTnLst>
+              </p:cTn>
+              <p:prevCondLst>
+                <p:cond evt="onPrev" delay="0">
+                  <p:tgtEl>
+                    <p:sldTgt/>
+                  </p:tgtEl>
+                </p:cond>
+              </p:prevCondLst>
+              <p:nextCondLst>
+                <p:cond evt="onNext" delay="0">
+                  <p:tgtEl>
+                    <p:sldTgt/>
+                  </p:tgtEl>
+                </p:cond>
+              </p:nextCondLst>
+            </p:seq>
+          </p:childTnLst>
+        </p:cTn>
+      </p:par>
+    </p:tnLst>
+    <p:bldLst>
+      <p:bldP spid="8" grpId="0" animBg="1"/>
+    </p:bldLst>
+  </p:timing>
+</p:sld>
+</file>
+
+<file path=ppt/slides/slide8.xml><?xml version="1.0" encoding="utf-8"?>
+<p:sld xmlns:a="http://schemas.openxmlformats.org/drawingml/2006/main" xmlns:r="http://schemas.openxmlformats.org/officeDocument/2006/relationships" xmlns:p="http://schemas.openxmlformats.org/presentationml/2006/main">
+  <p:cSld>
+    <p:spTree>
+      <p:nvGrpSpPr>
+        <p:cNvPr id="1" name=""/>
+        <p:cNvGrpSpPr/>
+        <p:nvPr/>
+      </p:nvGrpSpPr>
+      <p:grpSpPr>
+        <a:xfrm>
+          <a:off x="0" y="0"/>
+          <a:ext cx="0" cy="0"/>
+          <a:chOff x="0" y="0"/>
+          <a:chExt cx="0" cy="0"/>
+        </a:xfrm>
+      </p:grpSpPr>
+      <p:sp>
+        <p:nvSpPr>
+          <p:cNvPr id="2" name="Title 1"/>
+          <p:cNvSpPr>
+            <a:spLocks noGrp="1"/>
+          </p:cNvSpPr>
+          <p:nvPr>
+            <p:ph type="title"/>
+          </p:nvPr>
+        </p:nvSpPr>
+        <p:spPr/>
+        <p:txBody>
+          <a:bodyPr/>
+          <a:lstStyle/>
+          <a:p>
+            <a:r>
+              <a:rPr lang="en-US" dirty="0" smtClean="0"/>
+              <a:t>Concur – Scheduler</a:t>
+            </a:r>
+            <a:endParaRPr lang="en-US" dirty="0"/>
+          </a:p>
+        </p:txBody>
+      </p:sp>
+      <p:sp>
+        <p:nvSpPr>
+          <p:cNvPr id="3" name="Content Placeholder 2"/>
+          <p:cNvSpPr>
+            <a:spLocks noGrp="1"/>
+          </p:cNvSpPr>
+          <p:nvPr>
+            <p:ph idx="1"/>
+          </p:nvPr>
+        </p:nvSpPr>
+        <p:spPr/>
+        <p:txBody>
+          <a:bodyPr/>
+          <a:lstStyle/>
+          <a:p>
+            <a:r>
+              <a:rPr lang="en-US" dirty="0" smtClean="0"/>
+              <a:t>Data structures</a:t>
+            </a:r>
+          </a:p>
+          <a:p>
+            <a:pPr lvl="1"/>
+            <a:r>
+              <a:rPr lang="en-US" dirty="0" smtClean="0"/>
+              <a:t>Thread[ ] </a:t>
+            </a:r>
+            <a:r>
+              <a:rPr lang="en-US" dirty="0" err="1" smtClean="0"/>
+              <a:t>threadArray</a:t>
+            </a:r>
+            <a:r>
+              <a:rPr lang="en-US" dirty="0" smtClean="0"/>
+              <a:t>;</a:t>
+            </a:r>
+          </a:p>
+          <a:p>
+            <a:pPr lvl="1"/>
+            <a:endParaRPr lang="en-US" dirty="0"/>
+          </a:p>
+          <a:p>
+            <a:pPr lvl="1"/>
+            <a:endParaRPr lang="en-US" dirty="0" smtClean="0"/>
+          </a:p>
+          <a:p>
+            <a:pPr lvl="1"/>
+            <a:r>
+              <a:rPr lang="en-US" dirty="0" smtClean="0"/>
+              <a:t>Lock[ ] </a:t>
+            </a:r>
+            <a:r>
+              <a:rPr lang="en-US" dirty="0" err="1" smtClean="0"/>
+              <a:t>lockArray</a:t>
+            </a:r>
+            <a:r>
+              <a:rPr lang="en-US" dirty="0" smtClean="0"/>
+              <a:t>;</a:t>
+            </a:r>
+          </a:p>
+          <a:p>
+            <a:pPr lvl="1"/>
+            <a:endParaRPr lang="en-US" dirty="0"/>
+          </a:p>
+          <a:p>
+            <a:pPr lvl="1"/>
+            <a:endParaRPr lang="en-US" dirty="0" smtClean="0"/>
+          </a:p>
+          <a:p>
+            <a:pPr lvl="1"/>
+            <a:r>
+              <a:rPr lang="en-US" dirty="0" smtClean="0"/>
+              <a:t>Semaphore[ ] </a:t>
+            </a:r>
+            <a:r>
+              <a:rPr lang="en-US" dirty="0" err="1" smtClean="0"/>
+              <a:t>semArray</a:t>
+            </a:r>
+            <a:r>
+              <a:rPr lang="en-US" dirty="0" smtClean="0"/>
+              <a:t>;</a:t>
+            </a:r>
+          </a:p>
+          <a:p>
+            <a:pPr lvl="1"/>
+            <a:endParaRPr lang="en-US" dirty="0" smtClean="0"/>
+          </a:p>
+          <a:p>
+            <a:pPr lvl="1"/>
+            <a:endParaRPr lang="en-US" dirty="0"/>
+          </a:p>
+          <a:p>
+            <a:pPr lvl="1"/>
+            <a:r>
+              <a:rPr lang="en-US" dirty="0" err="1" smtClean="0"/>
+              <a:t>ThreadNode</a:t>
+            </a:r>
+            <a:r>
+              <a:rPr lang="en-US" dirty="0" smtClean="0"/>
+              <a:t>* </a:t>
+            </a:r>
+            <a:r>
+              <a:rPr lang="en-US" dirty="0" err="1" smtClean="0"/>
+              <a:t>readyTheads</a:t>
+            </a:r>
+            <a:r>
+              <a:rPr lang="en-US" dirty="0" smtClean="0"/>
+              <a:t>;</a:t>
+            </a:r>
+          </a:p>
+        </p:txBody>
+      </p:sp>
+    </p:spTree>
+    <p:extLst>
+      <p:ext uri="{BB962C8B-B14F-4D97-AF65-F5344CB8AC3E}">
+        <p14:creationId xmlns:p14="http://schemas.microsoft.com/office/powerpoint/2010/main" val="899555419"/>
+      </p:ext>
+    </p:extLst>
+  </p:cSld>
+  <p:clrMapOvr>
+    <a:masterClrMapping/>
+  </p:clrMapOvr>
+  <p:timing>
+    <p:tnLst>
+      <p:par>
+        <p:cTn xmlns:p14="http://schemas.microsoft.com/office/powerpoint/2010/main" id="1" dur="indefinite" restart="never" nodeType="tmRoot"/>
+      </p:par>
+    </p:tnLst>
+  </p:timing>
+</p:sld>
+</file>
+
+<file path=ppt/slides/slide9.xml><?xml version="1.0" encoding="utf-8"?>
+<p:sld xmlns:a="http://schemas.openxmlformats.org/drawingml/2006/main" xmlns:r="http://schemas.openxmlformats.org/officeDocument/2006/relationships" xmlns:p="http://schemas.openxmlformats.org/presentationml/2006/main">
+  <p:cSld>
+    <p:spTree>
+      <p:nvGrpSpPr>
+        <p:cNvPr id="1" name=""/>
+        <p:cNvGrpSpPr/>
+        <p:nvPr/>
+      </p:nvGrpSpPr>
+      <p:grpSpPr>
+        <a:xfrm>
+          <a:off x="0" y="0"/>
+          <a:ext cx="0" cy="0"/>
+          <a:chOff x="0" y="0"/>
+          <a:chExt cx="0" cy="0"/>
+        </a:xfrm>
+      </p:grpSpPr>
+      <p:sp>
+        <p:nvSpPr>
+          <p:cNvPr id="2" name="Title 1"/>
+          <p:cNvSpPr>
+            <a:spLocks noGrp="1"/>
+          </p:cNvSpPr>
+          <p:nvPr>
+            <p:ph type="title"/>
+          </p:nvPr>
+        </p:nvSpPr>
+        <p:spPr/>
+        <p:txBody>
+          <a:bodyPr/>
+          <a:lstStyle/>
+          <a:p>
+            <a:r>
+              <a:rPr lang="en-US" dirty="0" smtClean="0"/>
+              <a:t>Concur – Scheduler</a:t>
+            </a:r>
+            <a:endParaRPr lang="en-US" dirty="0"/>
+          </a:p>
+        </p:txBody>
+      </p:sp>
+      <p:sp>
+        <p:nvSpPr>
+          <p:cNvPr id="3" name="Content Placeholder 2"/>
+          <p:cNvSpPr>
+            <a:spLocks noGrp="1"/>
+          </p:cNvSpPr>
+          <p:nvPr>
+            <p:ph idx="1"/>
+          </p:nvPr>
+        </p:nvSpPr>
+        <p:spPr/>
+        <p:txBody>
+          <a:bodyPr/>
+          <a:lstStyle/>
+          <a:p>
+            <a:r>
+              <a:rPr lang="en-US" dirty="0" smtClean="0"/>
+              <a:t>Functions called from </a:t>
+            </a:r>
+            <a:r>
+              <a:rPr lang="en-US" dirty="0" err="1" smtClean="0"/>
+              <a:t>sections.c</a:t>
+            </a:r>
+            <a:r>
+              <a:rPr lang="en-US" dirty="0" smtClean="0"/>
+              <a:t> (student’s solution)</a:t>
+            </a:r>
+          </a:p>
+          <a:p>
+            <a:pPr lvl="1"/>
+            <a:r>
+              <a:rPr lang="en-US" dirty="0" err="1" smtClean="0"/>
+              <a:t>initializeThreads</a:t>
+            </a:r>
+            <a:r>
+              <a:rPr lang="en-US" dirty="0" smtClean="0"/>
+              <a:t>() – all threads pause (wait) except for one thread</a:t>
+            </a:r>
+          </a:p>
+          <a:p>
+            <a:pPr lvl="1"/>
+            <a:r>
+              <a:rPr lang="en-US" dirty="0" err="1" smtClean="0"/>
+              <a:t>invokeScheduler</a:t>
+            </a:r>
+            <a:r>
+              <a:rPr lang="en-US" dirty="0" smtClean="0"/>
+              <a:t>() – handles context switch; puts current thread to “sleep” and signals the next thread to run</a:t>
+            </a:r>
+          </a:p>
+          <a:p>
+            <a:pPr lvl="1"/>
+            <a:r>
+              <a:rPr lang="en-US" dirty="0" err="1" smtClean="0"/>
+              <a:t>mutexLock</a:t>
+            </a:r>
+            <a:r>
+              <a:rPr lang="en-US" dirty="0" smtClean="0"/>
+              <a:t>() – sets a lock to a thread, or adds thread to waiting list</a:t>
+            </a:r>
+          </a:p>
+          <a:p>
+            <a:pPr lvl="1"/>
+            <a:r>
+              <a:rPr lang="en-US" dirty="0" err="1" smtClean="0"/>
+              <a:t>mutexUnlock</a:t>
+            </a:r>
+            <a:r>
+              <a:rPr lang="en-US" dirty="0" smtClean="0"/>
+              <a:t>() – releases lock; reassigns to a waiting thread</a:t>
+            </a:r>
+          </a:p>
+          <a:p>
+            <a:pPr lvl="1"/>
+            <a:r>
+              <a:rPr lang="en-US" dirty="0" err="1" smtClean="0"/>
+              <a:t>semWait</a:t>
+            </a:r>
+            <a:r>
+              <a:rPr lang="en-US" dirty="0" smtClean="0"/>
+              <a:t>() – uses semaphore or gets added to wait list</a:t>
+            </a:r>
+          </a:p>
+          <a:p>
+            <a:pPr lvl="1"/>
+            <a:r>
+              <a:rPr lang="en-US" dirty="0" err="1" smtClean="0"/>
+              <a:t>semPost</a:t>
+            </a:r>
+            <a:r>
+              <a:rPr lang="en-US" dirty="0" smtClean="0"/>
+              <a:t>() – releases semaphore; reassigns to a waiting thread</a:t>
+            </a:r>
+            <a:endParaRPr lang="en-US" dirty="0"/>
+          </a:p>
+        </p:txBody>
+      </p:sp>
+    </p:spTree>
+    <p:extLst>
+      <p:ext uri="{BB962C8B-B14F-4D97-AF65-F5344CB8AC3E}">
+        <p14:creationId xmlns:p14="http://schemas.microsoft.com/office/powerpoint/2010/main" val="3518893149"/>
       </p:ext>
     </p:extLst>
   </p:cSld>

--- a/Documents/Concur_Presentation.pptx
+++ b/Documents/Concur_Presentation.pptx
@@ -5,7 +5,7 @@
     <p:sldMasterId id="2147483960" r:id="rId1"/>
   </p:sldMasterIdLst>
   <p:notesMasterIdLst>
-    <p:notesMasterId r:id="rId25"/>
+    <p:notesMasterId r:id="rId24"/>
   </p:notesMasterIdLst>
   <p:sldIdLst>
     <p:sldId id="256" r:id="rId2"/>
@@ -15,22 +15,21 @@
     <p:sldId id="259" r:id="rId6"/>
     <p:sldId id="266" r:id="rId7"/>
     <p:sldId id="275" r:id="rId8"/>
-    <p:sldId id="286" r:id="rId9"/>
+    <p:sldId id="288" r:id="rId9"/>
     <p:sldId id="287" r:id="rId10"/>
-    <p:sldId id="284" r:id="rId11"/>
-    <p:sldId id="272" r:id="rId12"/>
-    <p:sldId id="282" r:id="rId13"/>
-    <p:sldId id="283" r:id="rId14"/>
-    <p:sldId id="270" r:id="rId15"/>
-    <p:sldId id="262" r:id="rId16"/>
-    <p:sldId id="261" r:id="rId17"/>
-    <p:sldId id="263" r:id="rId18"/>
-    <p:sldId id="264" r:id="rId19"/>
-    <p:sldId id="265" r:id="rId20"/>
-    <p:sldId id="274" r:id="rId21"/>
-    <p:sldId id="276" r:id="rId22"/>
-    <p:sldId id="277" r:id="rId23"/>
-    <p:sldId id="285" r:id="rId24"/>
+    <p:sldId id="286" r:id="rId11"/>
+    <p:sldId id="270" r:id="rId12"/>
+    <p:sldId id="262" r:id="rId13"/>
+    <p:sldId id="261" r:id="rId14"/>
+    <p:sldId id="272" r:id="rId15"/>
+    <p:sldId id="263" r:id="rId16"/>
+    <p:sldId id="264" r:id="rId17"/>
+    <p:sldId id="265" r:id="rId18"/>
+    <p:sldId id="274" r:id="rId19"/>
+    <p:sldId id="276" r:id="rId20"/>
+    <p:sldId id="277" r:id="rId21"/>
+    <p:sldId id="285" r:id="rId22"/>
+    <p:sldId id="289" r:id="rId23"/>
   </p:sldIdLst>
   <p:sldSz cx="9144000" cy="6858000" type="screen4x3"/>
   <p:notesSz cx="6858000" cy="9144000"/>
@@ -214,7 +213,7 @@
           <a:p>
             <a:fld id="{BE2663A9-2618-6649-B6E3-2D33878C5258}" type="datetimeFigureOut">
               <a:rPr lang="en-US" smtClean="0"/>
-              <a:t>6/5/12</a:t>
+              <a:t>6/6/12</a:t>
             </a:fld>
             <a:endParaRPr lang="en-US"/>
           </a:p>
@@ -610,6 +609,74 @@
           <a:bodyPr/>
           <a:lstStyle/>
           <a:p>
+            <a:r>
+              <a:rPr lang="en-US" dirty="0" err="1" smtClean="0"/>
+              <a:t>sections.c</a:t>
+            </a:r>
+            <a:r>
+              <a:rPr lang="en-US" dirty="0" smtClean="0"/>
+              <a:t> – student’s solution implementation</a:t>
+            </a:r>
+          </a:p>
+          <a:p>
+            <a:r>
+              <a:rPr lang="en-US" dirty="0" err="1" smtClean="0"/>
+              <a:t>main.c</a:t>
+            </a:r>
+            <a:r>
+              <a:rPr lang="en-US" dirty="0" smtClean="0"/>
+              <a:t> – driver program</a:t>
+            </a:r>
+          </a:p>
+          <a:p>
+            <a:pPr marL="0" marR="0" indent="0" algn="l" defTabSz="457200" rtl="0" eaLnBrk="1" fontAlgn="auto" latinLnBrk="0" hangingPunct="1">
+              <a:lnSpc>
+                <a:spcPct val="100000"/>
+              </a:lnSpc>
+              <a:spcBef>
+                <a:spcPts val="0"/>
+              </a:spcBef>
+              <a:spcAft>
+                <a:spcPts val="0"/>
+              </a:spcAft>
+              <a:buClrTx/>
+              <a:buSzTx/>
+              <a:buFontTx/>
+              <a:buNone/>
+              <a:tabLst/>
+              <a:defRPr/>
+            </a:pPr>
+            <a:r>
+              <a:rPr lang="en-US" dirty="0" smtClean="0"/>
+              <a:t>SUDS – a C source code instrumentation tool that allows the programmer to direct how and where instrumentation is added to the program</a:t>
+            </a:r>
+          </a:p>
+          <a:p>
+            <a:endParaRPr lang="en-US" dirty="0" smtClean="0"/>
+          </a:p>
+          <a:p>
+            <a:r>
+              <a:rPr lang="en-US" dirty="0" smtClean="0"/>
+              <a:t>Scheduler</a:t>
+            </a:r>
+            <a:r>
+              <a:rPr lang="en-US" baseline="0" dirty="0" smtClean="0"/>
+              <a:t> – along with the lock/semaphore routines, server as a library to control and debug multithreaded applications</a:t>
+            </a:r>
+            <a:endParaRPr lang="en-US" dirty="0" smtClean="0"/>
+          </a:p>
+          <a:p>
+            <a:r>
+              <a:rPr lang="en-US" dirty="0" smtClean="0"/>
+              <a:t>Wrapper – allows the user to the the program several times to enable several</a:t>
+            </a:r>
+            <a:r>
+              <a:rPr lang="en-US" baseline="0" dirty="0" smtClean="0"/>
+              <a:t> randomly produced schedules</a:t>
+            </a:r>
+            <a:endParaRPr lang="en-US" dirty="0" smtClean="0"/>
+          </a:p>
+          <a:p>
             <a:endParaRPr lang="en-US" dirty="0"/>
           </a:p>
         </p:txBody>
@@ -694,6 +761,69 @@
           <a:bodyPr/>
           <a:lstStyle/>
           <a:p>
+            <a:r>
+              <a:rPr lang="en-US" dirty="0" err="1" smtClean="0"/>
+              <a:t>sections.c</a:t>
+            </a:r>
+            <a:r>
+              <a:rPr lang="en-US" dirty="0" smtClean="0"/>
+              <a:t> – student’s solution implementation</a:t>
+            </a:r>
+          </a:p>
+          <a:p>
+            <a:r>
+              <a:rPr lang="en-US" dirty="0" err="1" smtClean="0"/>
+              <a:t>main.c</a:t>
+            </a:r>
+            <a:r>
+              <a:rPr lang="en-US" dirty="0" smtClean="0"/>
+              <a:t> – driver program</a:t>
+            </a:r>
+          </a:p>
+          <a:p>
+            <a:r>
+              <a:rPr lang="en-US" dirty="0" smtClean="0"/>
+              <a:t>Scheduler</a:t>
+            </a:r>
+          </a:p>
+          <a:p>
+            <a:pPr lvl="1"/>
+            <a:r>
+              <a:rPr lang="en-US" dirty="0" err="1" smtClean="0"/>
+              <a:t>sched.cpp</a:t>
+            </a:r>
+            <a:endParaRPr lang="en-US" dirty="0" smtClean="0"/>
+          </a:p>
+          <a:p>
+            <a:r>
+              <a:rPr lang="en-US" dirty="0" smtClean="0"/>
+              <a:t>Error Detection</a:t>
+            </a:r>
+          </a:p>
+          <a:p>
+            <a:pPr lvl="1"/>
+            <a:r>
+              <a:rPr lang="en-US" dirty="0" smtClean="0"/>
+              <a:t>Deadlock detection</a:t>
+            </a:r>
+          </a:p>
+          <a:p>
+            <a:r>
+              <a:rPr lang="en-US" dirty="0" smtClean="0"/>
+              <a:t>Logging</a:t>
+            </a:r>
+          </a:p>
+          <a:p>
+            <a:pPr lvl="1"/>
+            <a:endParaRPr lang="en-US" dirty="0" smtClean="0"/>
+          </a:p>
+          <a:p>
+            <a:r>
+              <a:rPr lang="en-US" dirty="0" smtClean="0"/>
+              <a:t>Wrapper</a:t>
+            </a:r>
+          </a:p>
+          <a:p>
             <a:endParaRPr lang="en-US" dirty="0"/>
           </a:p>
         </p:txBody>
@@ -715,7 +845,7 @@
           <a:p>
             <a:fld id="{7CBFEC62-47D8-AA45-80EB-A84698F32C4E}" type="slidenum">
               <a:rPr lang="en-US" smtClean="0"/>
-              <a:t>21</a:t>
+              <a:t>8</a:t>
             </a:fld>
             <a:endParaRPr lang="en-US"/>
           </a:p>
@@ -724,7 +854,7 @@
     </p:spTree>
     <p:extLst>
       <p:ext uri="{BB962C8B-B14F-4D97-AF65-F5344CB8AC3E}">
-        <p14:creationId xmlns:p14="http://schemas.microsoft.com/office/powerpoint/2010/main" val="1871693178"/>
+        <p14:creationId xmlns:p14="http://schemas.microsoft.com/office/powerpoint/2010/main" val="489505825"/>
       </p:ext>
     </p:extLst>
   </p:cSld>
@@ -799,7 +929,91 @@
           <a:p>
             <a:fld id="{7CBFEC62-47D8-AA45-80EB-A84698F32C4E}" type="slidenum">
               <a:rPr lang="en-US" smtClean="0"/>
-              <a:t>22</a:t>
+              <a:t>19</a:t>
+            </a:fld>
+            <a:endParaRPr lang="en-US"/>
+          </a:p>
+        </p:txBody>
+      </p:sp>
+    </p:spTree>
+    <p:extLst>
+      <p:ext uri="{BB962C8B-B14F-4D97-AF65-F5344CB8AC3E}">
+        <p14:creationId xmlns:p14="http://schemas.microsoft.com/office/powerpoint/2010/main" val="1871693178"/>
+      </p:ext>
+    </p:extLst>
+  </p:cSld>
+  <p:clrMapOvr>
+    <a:masterClrMapping/>
+  </p:clrMapOvr>
+</p:notes>
+</file>
+
+<file path=ppt/notesSlides/notesSlide5.xml><?xml version="1.0" encoding="utf-8"?>
+<p:notes xmlns:a="http://schemas.openxmlformats.org/drawingml/2006/main" xmlns:r="http://schemas.openxmlformats.org/officeDocument/2006/relationships" xmlns:p="http://schemas.openxmlformats.org/presentationml/2006/main">
+  <p:cSld>
+    <p:spTree>
+      <p:nvGrpSpPr>
+        <p:cNvPr id="1" name=""/>
+        <p:cNvGrpSpPr/>
+        <p:nvPr/>
+      </p:nvGrpSpPr>
+      <p:grpSpPr>
+        <a:xfrm>
+          <a:off x="0" y="0"/>
+          <a:ext cx="0" cy="0"/>
+          <a:chOff x="0" y="0"/>
+          <a:chExt cx="0" cy="0"/>
+        </a:xfrm>
+      </p:grpSpPr>
+      <p:sp>
+        <p:nvSpPr>
+          <p:cNvPr id="2" name="Slide Image Placeholder 1"/>
+          <p:cNvSpPr>
+            <a:spLocks noGrp="1" noRot="1" noChangeAspect="1"/>
+          </p:cNvSpPr>
+          <p:nvPr>
+            <p:ph type="sldImg"/>
+          </p:nvPr>
+        </p:nvSpPr>
+        <p:spPr/>
+      </p:sp>
+      <p:sp>
+        <p:nvSpPr>
+          <p:cNvPr id="3" name="Notes Placeholder 2"/>
+          <p:cNvSpPr>
+            <a:spLocks noGrp="1"/>
+          </p:cNvSpPr>
+          <p:nvPr>
+            <p:ph type="body" idx="1"/>
+          </p:nvPr>
+        </p:nvSpPr>
+        <p:spPr/>
+        <p:txBody>
+          <a:bodyPr/>
+          <a:lstStyle/>
+          <a:p>
+            <a:endParaRPr lang="en-US" dirty="0"/>
+          </a:p>
+        </p:txBody>
+      </p:sp>
+      <p:sp>
+        <p:nvSpPr>
+          <p:cNvPr id="4" name="Slide Number Placeholder 3"/>
+          <p:cNvSpPr>
+            <a:spLocks noGrp="1"/>
+          </p:cNvSpPr>
+          <p:nvPr>
+            <p:ph type="sldNum" sz="quarter" idx="10"/>
+          </p:nvPr>
+        </p:nvSpPr>
+        <p:spPr/>
+        <p:txBody>
+          <a:bodyPr/>
+          <a:lstStyle/>
+          <a:p>
+            <a:fld id="{7CBFEC62-47D8-AA45-80EB-A84698F32C4E}" type="slidenum">
+              <a:rPr lang="en-US" smtClean="0"/>
+              <a:t>20</a:t>
             </a:fld>
             <a:endParaRPr lang="en-US"/>
           </a:p>
@@ -1006,7 +1220,7 @@
           <a:p>
             <a:fld id="{C8A432C8-69A7-458B-9684-2BFA64B31948}" type="datetime2">
               <a:rPr lang="en-US" smtClean="0"/>
-              <a:t>Tuesday, June 5, 12</a:t>
+              <a:t>Wednesday, June 6, 12</a:t>
             </a:fld>
             <a:endParaRPr lang="en-US"/>
           </a:p>
@@ -1208,7 +1422,7 @@
           <a:p>
             <a:fld id="{8CC057FC-95B6-4D89-AFDA-ABA33EE921E5}" type="datetime2">
               <a:rPr lang="en-US" smtClean="0"/>
-              <a:t>Tuesday, June 5, 12</a:t>
+              <a:t>Wednesday, June 6, 12</a:t>
             </a:fld>
             <a:endParaRPr lang="en-US"/>
           </a:p>
@@ -1385,7 +1599,7 @@
           <a:p>
             <a:fld id="{EC4549AC-EB31-477F-92A9-B1988E232878}" type="datetime2">
               <a:rPr lang="en-US" smtClean="0"/>
-              <a:t>Tuesday, June 5, 12</a:t>
+              <a:t>Wednesday, June 6, 12</a:t>
             </a:fld>
             <a:endParaRPr lang="en-US"/>
           </a:p>
@@ -1552,7 +1766,7 @@
           <a:p>
             <a:fld id="{6396A3A3-94A6-4E5B-AF39-173ACA3E61CC}" type="datetime2">
               <a:rPr lang="en-US" smtClean="0"/>
-              <a:t>Tuesday, June 5, 12</a:t>
+              <a:t>Wednesday, June 6, 12</a:t>
             </a:fld>
             <a:endParaRPr lang="en-US"/>
           </a:p>
@@ -1802,7 +2016,7 @@
           <a:p>
             <a:fld id="{9933D019-A32C-4EAD-B8E6-DBDA699692FD}" type="datetime2">
               <a:rPr lang="en-US" smtClean="0"/>
-              <a:t>Tuesday, June 5, 12</a:t>
+              <a:t>Wednesday, June 6, 12</a:t>
             </a:fld>
             <a:endParaRPr lang="en-US"/>
           </a:p>
@@ -2122,7 +2336,7 @@
           <a:p>
             <a:fld id="{CCEBA98F-560C-4997-81C4-81D4D9187EAB}" type="datetime2">
               <a:rPr lang="en-US" smtClean="0"/>
-              <a:t>Tuesday, June 5, 12</a:t>
+              <a:t>Wednesday, June 6, 12</a:t>
             </a:fld>
             <a:endParaRPr lang="en-US"/>
           </a:p>
@@ -2590,7 +2804,7 @@
           <a:p>
             <a:fld id="{150972B2-CA5C-437D-87D0-8081271A9E4B}" type="datetime2">
               <a:rPr lang="en-US" smtClean="0"/>
-              <a:t>Tuesday, June 5, 12</a:t>
+              <a:t>Wednesday, June 6, 12</a:t>
             </a:fld>
             <a:endParaRPr lang="en-US"/>
           </a:p>
@@ -2740,7 +2954,7 @@
           <a:p>
             <a:fld id="{79CD4847-11EF-4466-A8AD-85CDB7B49118}" type="datetime2">
               <a:rPr lang="en-US" smtClean="0"/>
-              <a:t>Tuesday, June 5, 12</a:t>
+              <a:t>Wednesday, June 6, 12</a:t>
             </a:fld>
             <a:endParaRPr lang="en-US"/>
           </a:p>
@@ -2832,7 +3046,7 @@
           <a:p>
             <a:fld id="{F168457A-3AB9-4880-8A0C-9F8524491207}" type="datetime2">
               <a:rPr lang="en-US" smtClean="0"/>
-              <a:t>Tuesday, June 5, 12</a:t>
+              <a:t>Wednesday, June 6, 12</a:t>
             </a:fld>
             <a:endParaRPr lang="en-US"/>
           </a:p>
@@ -3108,7 +3322,7 @@
           <a:p>
             <a:fld id="{3FE976D3-5B7F-4300-ABED-C91F1B2AE209}" type="datetime2">
               <a:rPr lang="en-US" smtClean="0"/>
-              <a:t>Tuesday, June 5, 12</a:t>
+              <a:t>Wednesday, June 6, 12</a:t>
             </a:fld>
             <a:endParaRPr lang="en-US"/>
           </a:p>
@@ -3415,7 +3629,7 @@
           <a:p>
             <a:fld id="{EBDC1E59-17DD-41CE-97CA-624A472382D4}" type="datetime2">
               <a:rPr lang="en-US" smtClean="0"/>
-              <a:t>Tuesday, June 5, 12</a:t>
+              <a:t>Wednesday, June 6, 12</a:t>
             </a:fld>
             <a:endParaRPr lang="en-US"/>
           </a:p>
@@ -3715,7 +3929,7 @@
           <a:p>
             <a:fld id="{A80CB818-7379-467D-8E76-EF9D9074A26C}" type="datetime2">
               <a:rPr lang="en-US" smtClean="0"/>
-              <a:t>Tuesday, June 5, 12</a:t>
+              <a:t>Wednesday, June 6, 12</a:t>
             </a:fld>
             <a:endParaRPr lang="en-US" dirty="0"/>
           </a:p>
@@ -4176,23 +4390,14 @@
           <a:p>
             <a:r>
               <a:rPr lang="en-US" sz="2000" dirty="0" smtClean="0"/>
-              <a:t>Rochelle </a:t>
-            </a:r>
+              <a:t>Rochelle Palting</a:t>
+            </a:r>
+          </a:p>
+          <a:p>
             <a:r>
               <a:rPr lang="en-US" sz="2000" dirty="0" smtClean="0"/>
-              <a:t>Palting</a:t>
-            </a:r>
-          </a:p>
-          <a:p>
-            <a:r>
-              <a:rPr lang="en-US" sz="2000" dirty="0" smtClean="0"/>
-              <a:t>Faculty Advisor:  Dr</a:t>
-            </a:r>
-            <a:r>
-              <a:rPr lang="en-US" sz="2000" dirty="0" smtClean="0"/>
-              <a:t>. Eric Larson</a:t>
-            </a:r>
-            <a:endParaRPr lang="en-US" sz="2000" dirty="0" smtClean="0"/>
+              <a:t>Faculty Advisor:  Dr. Eric Larson</a:t>
+            </a:r>
           </a:p>
           <a:p>
             <a:r>
@@ -4203,15 +4408,7 @@
           <a:p>
             <a:r>
               <a:rPr lang="en-US" sz="2000" dirty="0" smtClean="0"/>
-              <a:t>Seattle University, </a:t>
-            </a:r>
-            <a:r>
-              <a:rPr lang="en-US" sz="2000" dirty="0" smtClean="0"/>
-              <a:t>Winter – Spring </a:t>
-            </a:r>
-            <a:r>
-              <a:rPr lang="en-US" sz="2000" dirty="0" smtClean="0"/>
-              <a:t>2012</a:t>
+              <a:t>Seattle University, Winter – Spring 2012</a:t>
             </a:r>
             <a:endParaRPr lang="en-US" sz="2000" dirty="0"/>
           </a:p>
@@ -4271,7 +4468,7 @@
           <a:p>
             <a:r>
               <a:rPr lang="en-US" dirty="0" smtClean="0"/>
-              <a:t>Data Flow Diagram</a:t>
+              <a:t>Scheduler – Data Structures</a:t>
             </a:r>
             <a:endParaRPr lang="en-US" dirty="0"/>
           </a:p>
@@ -4289,17 +4486,116 @@
         </p:nvSpPr>
         <p:spPr/>
         <p:txBody>
-          <a:bodyPr/>
+          <a:bodyPr>
+            <a:normAutofit/>
+          </a:bodyPr>
           <a:lstStyle/>
           <a:p>
-            <a:endParaRPr lang="en-US"/>
+            <a:r>
+              <a:rPr lang="en-US" dirty="0" smtClean="0"/>
+              <a:t>Data </a:t>
+            </a:r>
+            <a:r>
+              <a:rPr lang="en-US" dirty="0" smtClean="0"/>
+              <a:t>structures</a:t>
+            </a:r>
+          </a:p>
+          <a:p>
+            <a:pPr lvl="1"/>
+            <a:r>
+              <a:rPr lang="en-US" dirty="0" smtClean="0"/>
+              <a:t>Array of threads</a:t>
+            </a:r>
+          </a:p>
+          <a:p>
+            <a:pPr lvl="2"/>
+            <a:r>
+              <a:rPr lang="en-US" dirty="0" smtClean="0"/>
+              <a:t>State:  Ready | Running | Waiting | Completed</a:t>
+            </a:r>
+          </a:p>
+          <a:p>
+            <a:pPr lvl="2"/>
+            <a:r>
+              <a:rPr lang="en-US" dirty="0" smtClean="0"/>
+              <a:t>Waiting name:  &lt;lock name&gt; | &lt;semaphore name&gt;</a:t>
+            </a:r>
+          </a:p>
+          <a:p>
+            <a:pPr lvl="1"/>
+            <a:r>
+              <a:rPr lang="en-US" dirty="0" smtClean="0"/>
+              <a:t>Array of locks</a:t>
+            </a:r>
+          </a:p>
+          <a:p>
+            <a:pPr lvl="2"/>
+            <a:r>
+              <a:rPr lang="en-US" dirty="0" smtClean="0"/>
+              <a:t>Name</a:t>
+            </a:r>
+          </a:p>
+          <a:p>
+            <a:pPr lvl="2"/>
+            <a:r>
+              <a:rPr lang="en-US" dirty="0" err="1" smtClean="0"/>
+              <a:t>isLocked</a:t>
+            </a:r>
+            <a:r>
+              <a:rPr lang="en-US" dirty="0" smtClean="0"/>
+              <a:t>: True | False</a:t>
+            </a:r>
+          </a:p>
+          <a:p>
+            <a:pPr lvl="2"/>
+            <a:r>
+              <a:rPr lang="en-US" dirty="0" smtClean="0"/>
+              <a:t>Holding thread</a:t>
+            </a:r>
+          </a:p>
+          <a:p>
+            <a:pPr lvl="2"/>
+            <a:r>
+              <a:rPr lang="en-US" dirty="0" smtClean="0"/>
+              <a:t>List of waiting threads</a:t>
+            </a:r>
+            <a:endParaRPr lang="en-US" dirty="0" smtClean="0"/>
+          </a:p>
+          <a:p>
+            <a:pPr lvl="1"/>
+            <a:r>
+              <a:rPr lang="en-US" dirty="0" smtClean="0"/>
+              <a:t>Array of semaphores</a:t>
+            </a:r>
+          </a:p>
+          <a:p>
+            <a:pPr lvl="2"/>
+            <a:r>
+              <a:rPr lang="en-US" dirty="0" smtClean="0"/>
+              <a:t>Name</a:t>
+            </a:r>
+          </a:p>
+          <a:p>
+            <a:pPr lvl="2"/>
+            <a:r>
+              <a:rPr lang="en-US" dirty="0" smtClean="0"/>
+              <a:t>Value</a:t>
+            </a:r>
+          </a:p>
+          <a:p>
+            <a:pPr lvl="2"/>
+            <a:r>
+              <a:rPr lang="en-US" dirty="0" smtClean="0"/>
+              <a:t>List of waiting threads</a:t>
+            </a:r>
+            <a:endParaRPr lang="en-US" dirty="0" smtClean="0"/>
           </a:p>
         </p:txBody>
       </p:sp>
     </p:spTree>
     <p:extLst>
       <p:ext uri="{BB962C8B-B14F-4D97-AF65-F5344CB8AC3E}">
-        <p14:creationId xmlns:p14="http://schemas.microsoft.com/office/powerpoint/2010/main" val="1355387551"/>
+        <p14:creationId xmlns:p14="http://schemas.microsoft.com/office/powerpoint/2010/main" val="899555419"/>
       </p:ext>
     </p:extLst>
   </p:cSld>
@@ -4345,12 +4641,14 @@
         </p:nvSpPr>
         <p:spPr/>
         <p:txBody>
-          <a:bodyPr/>
+          <a:bodyPr>
+            <a:normAutofit/>
+          </a:bodyPr>
           <a:lstStyle/>
           <a:p>
             <a:r>
               <a:rPr lang="en-US" dirty="0" smtClean="0"/>
-              <a:t>Concur – Deadlock Detection</a:t>
+              <a:t>Steps to Test &amp; Debug</a:t>
             </a:r>
             <a:endParaRPr lang="en-US" dirty="0"/>
           </a:p>
@@ -4368,19 +4666,113 @@
         </p:nvSpPr>
         <p:spPr/>
         <p:txBody>
-          <a:bodyPr/>
+          <a:bodyPr>
+            <a:normAutofit fontScale="92500" lnSpcReduction="10000"/>
+          </a:bodyPr>
           <a:lstStyle/>
           <a:p>
             <a:r>
               <a:rPr lang="en-US" dirty="0" smtClean="0"/>
-              <a:t>Thread, lock, and semaphore status is maintained throughout program execution</a:t>
+              <a:t>1.  Make project</a:t>
             </a:r>
           </a:p>
           <a:p>
             <a:r>
               <a:rPr lang="en-US" dirty="0" smtClean="0"/>
-              <a:t>States are written to the log file and show traceability</a:t>
-            </a:r>
+              <a:t>2.  Use Wrapper to execute multiple test runs</a:t>
+            </a:r>
+          </a:p>
+          <a:p>
+            <a:r>
+              <a:rPr lang="en-US" dirty="0" smtClean="0"/>
+              <a:t>3.  Notice status at end of each test run.   </a:t>
+            </a:r>
+          </a:p>
+          <a:p>
+            <a:pPr lvl="1"/>
+            <a:r>
+              <a:rPr lang="en-US" dirty="0" smtClean="0"/>
+              <a:t>(proceed to next step if run failed)</a:t>
+            </a:r>
+          </a:p>
+          <a:p>
+            <a:r>
+              <a:rPr lang="en-US" dirty="0" smtClean="0"/>
+              <a:t>4.  </a:t>
+            </a:r>
+            <a:r>
+              <a:rPr lang="en-US" dirty="0"/>
+              <a:t>Run Concur with same parameters as failed test run, but with logging turned on</a:t>
+            </a:r>
+          </a:p>
+          <a:p>
+            <a:pPr lvl="1"/>
+            <a:r>
+              <a:rPr lang="en-US" dirty="0"/>
+              <a:t>Use random mode for </a:t>
+            </a:r>
+            <a:r>
+              <a:rPr lang="en-US" dirty="0" smtClean="0"/>
+              <a:t>faster </a:t>
+            </a:r>
+            <a:r>
+              <a:rPr lang="en-US" dirty="0"/>
+              <a:t>results</a:t>
+            </a:r>
+          </a:p>
+          <a:p>
+            <a:pPr lvl="1"/>
+            <a:r>
+              <a:rPr lang="en-US" dirty="0"/>
+              <a:t>Use interactive mode to </a:t>
+            </a:r>
+            <a:r>
+              <a:rPr lang="en-US" dirty="0" smtClean="0"/>
+              <a:t>step </a:t>
+            </a:r>
+            <a:r>
+              <a:rPr lang="en-US" dirty="0"/>
+              <a:t>through execution and examine status in real time</a:t>
+            </a:r>
+          </a:p>
+          <a:p>
+            <a:r>
+              <a:rPr lang="en-US" dirty="0" smtClean="0"/>
+              <a:t>5.  </a:t>
+            </a:r>
+            <a:r>
+              <a:rPr lang="en-US" dirty="0"/>
+              <a:t>After run fails, examine log trail for specific error</a:t>
+            </a:r>
+          </a:p>
+          <a:p>
+            <a:r>
+              <a:rPr lang="en-US" dirty="0" smtClean="0"/>
+              <a:t>6.  Update solution with fix to error</a:t>
+            </a:r>
+            <a:endParaRPr lang="en-US" dirty="0"/>
+          </a:p>
+          <a:p>
+            <a:endParaRPr lang="en-US" dirty="0"/>
+          </a:p>
+          <a:p>
+            <a:r>
+              <a:rPr lang="en-US" dirty="0"/>
+              <a:t>Repeat steps </a:t>
+            </a:r>
+            <a:r>
+              <a:rPr lang="en-US" dirty="0" smtClean="0"/>
+              <a:t>4-6 </a:t>
+            </a:r>
+            <a:r>
+              <a:rPr lang="en-US" dirty="0"/>
+              <a:t>until bug is removed and test run passes.</a:t>
+            </a:r>
+          </a:p>
+          <a:p>
+            <a:endParaRPr lang="en-US" dirty="0" smtClean="0"/>
+          </a:p>
+          <a:p>
             <a:endParaRPr lang="en-US" dirty="0"/>
           </a:p>
         </p:txBody>
@@ -4388,7 +4780,7 @@
     </p:spTree>
     <p:extLst>
       <p:ext uri="{BB962C8B-B14F-4D97-AF65-F5344CB8AC3E}">
-        <p14:creationId xmlns:p14="http://schemas.microsoft.com/office/powerpoint/2010/main" val="1650327307"/>
+        <p14:creationId xmlns:p14="http://schemas.microsoft.com/office/powerpoint/2010/main" val="1223745600"/>
       </p:ext>
     </p:extLst>
   </p:cSld>
@@ -4434,14 +4826,12 @@
         </p:nvSpPr>
         <p:spPr/>
         <p:txBody>
-          <a:bodyPr>
-            <a:normAutofit fontScale="90000"/>
-          </a:bodyPr>
+          <a:bodyPr/>
           <a:lstStyle/>
           <a:p>
             <a:r>
               <a:rPr lang="en-US" dirty="0" smtClean="0"/>
-              <a:t>Concur – Controlled Thread Management</a:t>
+              <a:t>Demo</a:t>
             </a:r>
             <a:endParaRPr lang="en-US" dirty="0"/>
           </a:p>
@@ -4464,24 +4854,64 @@
           <a:p>
             <a:r>
               <a:rPr lang="en-US" dirty="0" smtClean="0"/>
-              <a:t>Scheduler only permits one thread to run at a time; the other threads wait until they’re signaled to wake up</a:t>
-            </a:r>
-          </a:p>
-          <a:p>
+              <a:t>1.  Run Wrapper that shows a failed test run.</a:t>
+            </a:r>
+          </a:p>
+          <a:p>
+            <a:r>
+              <a:rPr lang="en-US" dirty="0" smtClean="0"/>
+              <a:t>2.  Run Concur with same inputs from failed test run, but with Logging turned on.</a:t>
+            </a:r>
+          </a:p>
+          <a:p>
+            <a:r>
+              <a:rPr lang="en-US" dirty="0" smtClean="0"/>
+              <a:t>3.  After reproducing the failed test run, open the Log Trail to examine the error.</a:t>
+            </a:r>
+          </a:p>
+          <a:p>
+            <a:r>
+              <a:rPr lang="en-US" dirty="0"/>
+              <a:t>A</a:t>
+            </a:r>
+            <a:r>
+              <a:rPr lang="en-US" dirty="0" smtClean="0"/>
+              <a:t>dditional steps for the user:</a:t>
+            </a:r>
+          </a:p>
+          <a:p>
+            <a:r>
+              <a:rPr lang="en-US" dirty="0" smtClean="0"/>
+              <a:t>4.  Open </a:t>
+            </a:r>
             <a:r>
               <a:rPr lang="en-US" dirty="0" err="1" smtClean="0"/>
-              <a:t>Mutex</a:t>
+              <a:t>sections.c</a:t>
             </a:r>
             <a:r>
               <a:rPr lang="en-US" dirty="0" smtClean="0"/>
-              <a:t> lock/unlock:  next waiting thread to acquire lock is controlled</a:t>
+              <a:t> to see where error occurred.</a:t>
             </a:r>
           </a:p>
           <a:p>
             <a:r>
               <a:rPr lang="en-US" dirty="0" smtClean="0"/>
-              <a:t>Semaphore wait/signal:  next waiting thread to use semaphore is controlled</a:t>
-            </a:r>
+              <a:t>5.  Correct error and rerun Concur with same inputs.</a:t>
+            </a:r>
+          </a:p>
+          <a:p>
+            <a:r>
+              <a:rPr lang="en-US" dirty="0" smtClean="0"/>
+              <a:t>Additional things to demo:</a:t>
+            </a:r>
+          </a:p>
+          <a:p>
+            <a:r>
+              <a:rPr lang="en-US" dirty="0" smtClean="0"/>
+              <a:t>-  Interactive mode</a:t>
+            </a:r>
+          </a:p>
+          <a:p>
             <a:endParaRPr lang="en-US" dirty="0"/>
           </a:p>
         </p:txBody>
@@ -4489,7 +4919,7 @@
     </p:spTree>
     <p:extLst>
       <p:ext uri="{BB962C8B-B14F-4D97-AF65-F5344CB8AC3E}">
-        <p14:creationId xmlns:p14="http://schemas.microsoft.com/office/powerpoint/2010/main" val="2889591585"/>
+        <p14:creationId xmlns:p14="http://schemas.microsoft.com/office/powerpoint/2010/main" val="1837042302"/>
       </p:ext>
     </p:extLst>
   </p:cSld>
@@ -4535,14 +4965,12 @@
         </p:nvSpPr>
         <p:spPr/>
         <p:txBody>
-          <a:bodyPr>
-            <a:normAutofit fontScale="90000"/>
-          </a:bodyPr>
+          <a:bodyPr/>
           <a:lstStyle/>
           <a:p>
             <a:r>
               <a:rPr lang="en-US" dirty="0" smtClean="0"/>
-              <a:t>Concur – Increased Schedule Coverage</a:t>
+              <a:t>Testing &amp; Analysis</a:t>
             </a:r>
             <a:endParaRPr lang="en-US" dirty="0"/>
           </a:p>
@@ -4565,19 +4993,92 @@
           <a:p>
             <a:r>
               <a:rPr lang="en-US" dirty="0" smtClean="0"/>
-              <a:t>Wrapper – allows the user to run their program many times </a:t>
-            </a:r>
-          </a:p>
-          <a:p>
+              <a:t>Tested with </a:t>
+            </a:r>
             <a:r>
               <a:rPr lang="en-US" dirty="0" smtClean="0"/>
-              <a:t>A random mode increases schedule variety</a:t>
-            </a:r>
-          </a:p>
-          <a:p>
+              <a:t>four</a:t>
+            </a:r>
             <a:r>
               <a:rPr lang="en-US" dirty="0" smtClean="0"/>
-              <a:t>An interactive mode gives the use complete control over thread schedule, lock acquisition, and semaphore usage</a:t>
+              <a:t> </a:t>
+            </a:r>
+            <a:r>
+              <a:rPr lang="en-US" dirty="0" smtClean="0"/>
+              <a:t>student submissions from Fall 2011 for the Unisex Bathroom problem.</a:t>
+            </a:r>
+          </a:p>
+          <a:p>
+            <a:pPr lvl="1"/>
+            <a:r>
+              <a:rPr lang="en-US" dirty="0"/>
+              <a:t>s</a:t>
+            </a:r>
+            <a:r>
+              <a:rPr lang="en-US" dirty="0" smtClean="0"/>
+              <a:t>ections1.</a:t>
+            </a:r>
+            <a:r>
+              <a:rPr lang="en-US" dirty="0" smtClean="0"/>
+              <a:t>c – deadlock detected</a:t>
+            </a:r>
+            <a:endParaRPr lang="en-US" dirty="0" smtClean="0"/>
+          </a:p>
+          <a:p>
+            <a:pPr lvl="1"/>
+            <a:r>
+              <a:rPr lang="en-US" dirty="0"/>
+              <a:t>s</a:t>
+            </a:r>
+            <a:r>
+              <a:rPr lang="en-US" dirty="0" smtClean="0"/>
+              <a:t>ections2.</a:t>
+            </a:r>
+            <a:r>
+              <a:rPr lang="en-US" dirty="0" smtClean="0"/>
+              <a:t>c – programming error detected</a:t>
+            </a:r>
+            <a:endParaRPr lang="en-US" dirty="0" smtClean="0"/>
+          </a:p>
+          <a:p>
+            <a:pPr lvl="1"/>
+            <a:r>
+              <a:rPr lang="en-US" dirty="0"/>
+              <a:t>s</a:t>
+            </a:r>
+            <a:r>
+              <a:rPr lang="en-US" dirty="0" smtClean="0"/>
+              <a:t>ections3.</a:t>
+            </a:r>
+            <a:r>
+              <a:rPr lang="en-US" dirty="0" smtClean="0"/>
+              <a:t>c – no deadlock detected (but mutual exclusion </a:t>
+            </a:r>
+            <a:r>
+              <a:rPr lang="en-US" dirty="0" smtClean="0"/>
+              <a:t>violation existed) </a:t>
+            </a:r>
+            <a:endParaRPr lang="en-US" dirty="0" smtClean="0"/>
+          </a:p>
+          <a:p>
+            <a:pPr lvl="1"/>
+            <a:r>
+              <a:rPr lang="en-US" dirty="0"/>
+              <a:t>s</a:t>
+            </a:r>
+            <a:r>
+              <a:rPr lang="en-US" dirty="0" smtClean="0"/>
+              <a:t>ections4.</a:t>
+            </a:r>
+            <a:r>
+              <a:rPr lang="en-US" dirty="0" smtClean="0"/>
+              <a:t>c – deadlock detected</a:t>
+            </a:r>
+          </a:p>
+          <a:p>
+            <a:r>
+              <a:rPr lang="en-US" dirty="0" smtClean="0"/>
+              <a:t>Concur was successful at detecting deadlocks in test cases</a:t>
             </a:r>
             <a:endParaRPr lang="en-US" dirty="0"/>
           </a:p>
@@ -4586,7 +5087,7 @@
     </p:spTree>
     <p:extLst>
       <p:ext uri="{BB962C8B-B14F-4D97-AF65-F5344CB8AC3E}">
-        <p14:creationId xmlns:p14="http://schemas.microsoft.com/office/powerpoint/2010/main" val="3812929673"/>
+        <p14:creationId xmlns:p14="http://schemas.microsoft.com/office/powerpoint/2010/main" val="489042661"/>
       </p:ext>
     </p:extLst>
   </p:cSld>
@@ -4632,18 +5133,16 @@
         </p:nvSpPr>
         <p:spPr/>
         <p:txBody>
-          <a:bodyPr>
-            <a:normAutofit/>
-          </a:bodyPr>
+          <a:bodyPr/>
           <a:lstStyle/>
           <a:p>
             <a:r>
               <a:rPr lang="en-US" dirty="0" smtClean="0"/>
-              <a:t>Steps to </a:t>
+              <a:t>Concur – </a:t>
             </a:r>
             <a:r>
               <a:rPr lang="en-US" dirty="0" smtClean="0"/>
-              <a:t>Test &amp; Debug</a:t>
+              <a:t>Benefits</a:t>
             </a:r>
             <a:endParaRPr lang="en-US" dirty="0"/>
           </a:p>
@@ -4662,141 +5161,86 @@
         <p:spPr/>
         <p:txBody>
           <a:bodyPr>
-            <a:normAutofit fontScale="92500" lnSpcReduction="10000"/>
+            <a:normAutofit fontScale="92500"/>
           </a:bodyPr>
           <a:lstStyle/>
           <a:p>
             <a:r>
               <a:rPr lang="en-US" dirty="0" smtClean="0"/>
-              <a:t>1.  Make project</a:t>
-            </a:r>
+              <a:t>Deadlock detection:  If all active threads are blocked waiting for either a lock or semaphore, then a deadlock has occurred.</a:t>
+            </a:r>
+            <a:endParaRPr lang="en-US" dirty="0" smtClean="0"/>
           </a:p>
           <a:p>
             <a:r>
               <a:rPr lang="en-US" dirty="0" smtClean="0"/>
-              <a:t>2.  </a:t>
-            </a:r>
+              <a:t>Controlled environment:</a:t>
+            </a:r>
+          </a:p>
+          <a:p>
+            <a:pPr lvl="1"/>
             <a:r>
               <a:rPr lang="en-US" dirty="0" smtClean="0"/>
-              <a:t>Use Wrapper to execute multiple test runs</a:t>
-            </a:r>
-            <a:endParaRPr lang="en-US" dirty="0" smtClean="0"/>
-          </a:p>
-          <a:p>
+              <a:t>Only a single thread can run at once.</a:t>
+            </a:r>
+          </a:p>
+          <a:p>
+            <a:pPr lvl="1"/>
             <a:r>
               <a:rPr lang="en-US" dirty="0" smtClean="0"/>
-              <a:t>3.  Notice status </a:t>
-            </a:r>
+              <a:t>Next ready thread to run, next waiting thread to acquire lock or use semaphore is deterministic.</a:t>
+            </a:r>
+          </a:p>
+          <a:p>
             <a:r>
               <a:rPr lang="en-US" dirty="0" smtClean="0"/>
-              <a:t>at end of</a:t>
-            </a:r>
+              <a:t>Increased schedule coverage:</a:t>
+            </a:r>
+          </a:p>
+          <a:p>
+            <a:pPr lvl="1"/>
             <a:r>
               <a:rPr lang="en-US" dirty="0" smtClean="0"/>
-              <a:t> </a:t>
-            </a:r>
+              <a:t>Wrapper allows automated execution of randomly produced schedules</a:t>
+            </a:r>
+          </a:p>
+          <a:p>
+            <a:pPr lvl="1"/>
             <a:r>
               <a:rPr lang="en-US" dirty="0" smtClean="0"/>
-              <a:t>each test run</a:t>
+              <a:t>Interactive mode allows user to choose schedule</a:t>
+            </a:r>
+          </a:p>
+          <a:p>
+            <a:r>
+              <a:rPr lang="en-US" dirty="0"/>
+              <a:t>The framework, with minimal work of the instructor, can be used for a variety of synchronization exercises</a:t>
             </a:r>
             <a:r>
               <a:rPr lang="en-US" dirty="0" smtClean="0"/>
-              <a:t>.   </a:t>
-            </a:r>
-          </a:p>
-          <a:p>
-            <a:pPr lvl="1"/>
+              <a:t>.</a:t>
+            </a:r>
+          </a:p>
+          <a:p>
             <a:r>
               <a:rPr lang="en-US" dirty="0" smtClean="0"/>
-              <a:t>(proceed to next step if run failed)</a:t>
-            </a:r>
-          </a:p>
-          <a:p>
+              <a:t>The </a:t>
+            </a:r>
+            <a:r>
+              <a:rPr lang="en-US" dirty="0"/>
+              <a:t>library can be used for other multithreaded programs</a:t>
+            </a:r>
             <a:r>
               <a:rPr lang="en-US" dirty="0" smtClean="0"/>
-              <a:t>4.  </a:t>
-            </a:r>
-            <a:r>
-              <a:rPr lang="en-US" dirty="0"/>
-              <a:t>Run Concur with same parameters as failed test run, but with logging turned on</a:t>
-            </a:r>
-          </a:p>
-          <a:p>
-            <a:pPr lvl="1"/>
-            <a:r>
-              <a:rPr lang="en-US" dirty="0"/>
-              <a:t>Use random mode for </a:t>
-            </a:r>
-            <a:r>
-              <a:rPr lang="en-US" dirty="0" smtClean="0"/>
-              <a:t>faster </a:t>
-            </a:r>
-            <a:r>
-              <a:rPr lang="en-US" dirty="0"/>
-              <a:t>results</a:t>
-            </a:r>
-          </a:p>
-          <a:p>
-            <a:pPr lvl="1"/>
-            <a:r>
-              <a:rPr lang="en-US" dirty="0"/>
-              <a:t>Use interactive mode to </a:t>
-            </a:r>
-            <a:r>
-              <a:rPr lang="en-US" dirty="0" smtClean="0"/>
-              <a:t>step </a:t>
-            </a:r>
-            <a:r>
-              <a:rPr lang="en-US" dirty="0"/>
-              <a:t>through execution and examine status in real time</a:t>
-            </a:r>
-          </a:p>
-          <a:p>
-            <a:r>
-              <a:rPr lang="en-US" dirty="0" smtClean="0"/>
-              <a:t>5.  </a:t>
-            </a:r>
-            <a:r>
-              <a:rPr lang="en-US" dirty="0"/>
-              <a:t>After run fails, examine log trail for specific error</a:t>
-            </a:r>
-          </a:p>
-          <a:p>
-            <a:r>
-              <a:rPr lang="en-US" dirty="0" smtClean="0"/>
-              <a:t>6.  Update solution with fix to error</a:t>
-            </a:r>
-            <a:endParaRPr lang="en-US" dirty="0"/>
-          </a:p>
-          <a:p>
-            <a:endParaRPr lang="en-US" dirty="0"/>
-          </a:p>
-          <a:p>
-            <a:r>
-              <a:rPr lang="en-US" dirty="0"/>
-              <a:t>Repeat steps </a:t>
-            </a:r>
-            <a:r>
-              <a:rPr lang="en-US" dirty="0" smtClean="0"/>
-              <a:t>4-6 </a:t>
-            </a:r>
-            <a:r>
-              <a:rPr lang="en-US" dirty="0"/>
-              <a:t>until bug is removed and test run passes.</a:t>
-            </a:r>
-          </a:p>
-          <a:p>
-            <a:endParaRPr lang="en-US" dirty="0" smtClean="0"/>
-          </a:p>
-          <a:p>
-            <a:endParaRPr lang="en-US" dirty="0"/>
+              <a:t>.</a:t>
+            </a:r>
           </a:p>
         </p:txBody>
       </p:sp>
     </p:spTree>
     <p:extLst>
       <p:ext uri="{BB962C8B-B14F-4D97-AF65-F5344CB8AC3E}">
-        <p14:creationId xmlns:p14="http://schemas.microsoft.com/office/powerpoint/2010/main" val="1223745600"/>
+        <p14:creationId xmlns:p14="http://schemas.microsoft.com/office/powerpoint/2010/main" val="1650327307"/>
       </p:ext>
     </p:extLst>
   </p:cSld>
@@ -4847,7 +5291,7 @@
           <a:p>
             <a:r>
               <a:rPr lang="en-US" dirty="0" smtClean="0"/>
-              <a:t>Demo</a:t>
+              <a:t>Future Work</a:t>
             </a:r>
             <a:endParaRPr lang="en-US" dirty="0"/>
           </a:p>
@@ -4870,72 +5314,22 @@
           <a:p>
             <a:r>
               <a:rPr lang="en-US" dirty="0" smtClean="0"/>
-              <a:t>1.  Run Wrapper that shows a failed test run.</a:t>
+              <a:t>Improve performance</a:t>
             </a:r>
           </a:p>
           <a:p>
             <a:r>
               <a:rPr lang="en-US" dirty="0" smtClean="0"/>
-              <a:t>2.  Run Concur with same inputs from failed test run, but with Logging turned on.</a:t>
-            </a:r>
-          </a:p>
-          <a:p>
-            <a:r>
-              <a:rPr lang="en-US" dirty="0" smtClean="0"/>
-              <a:t>3.  After reproducing the failed test run, open the Log Trail to examine the error.</a:t>
-            </a:r>
-          </a:p>
-          <a:p>
-            <a:r>
-              <a:rPr lang="en-US" dirty="0"/>
-              <a:t>A</a:t>
-            </a:r>
-            <a:r>
-              <a:rPr lang="en-US" dirty="0" smtClean="0"/>
-              <a:t>dditional steps for the user:</a:t>
-            </a:r>
-          </a:p>
-          <a:p>
-            <a:r>
-              <a:rPr lang="en-US" dirty="0" smtClean="0"/>
-              <a:t>4.  Open </a:t>
-            </a:r>
-            <a:r>
-              <a:rPr lang="en-US" dirty="0" err="1" smtClean="0"/>
-              <a:t>sections.c</a:t>
-            </a:r>
-            <a:r>
-              <a:rPr lang="en-US" dirty="0" smtClean="0"/>
-              <a:t> to see where error occurred.</a:t>
-            </a:r>
-          </a:p>
-          <a:p>
-            <a:r>
-              <a:rPr lang="en-US" dirty="0" smtClean="0"/>
-              <a:t>5.  Correct error and rerun Concur with same inputs.</a:t>
-            </a:r>
-          </a:p>
-          <a:p>
-            <a:r>
-              <a:rPr lang="en-US" dirty="0" smtClean="0"/>
-              <a:t>Additional things to demo:</a:t>
-            </a:r>
-          </a:p>
-          <a:p>
-            <a:r>
-              <a:rPr lang="en-US" dirty="0" smtClean="0"/>
-              <a:t>-  Interactive mode</a:t>
-            </a:r>
-          </a:p>
-          <a:p>
-            <a:endParaRPr lang="en-US" dirty="0"/>
+              <a:t>Incorporate Checker for mutual exclusion violations</a:t>
+            </a:r>
+            <a:endParaRPr lang="en-US" dirty="0" smtClean="0"/>
           </a:p>
         </p:txBody>
       </p:sp>
     </p:spTree>
     <p:extLst>
       <p:ext uri="{BB962C8B-B14F-4D97-AF65-F5344CB8AC3E}">
-        <p14:creationId xmlns:p14="http://schemas.microsoft.com/office/powerpoint/2010/main" val="1837042302"/>
+        <p14:creationId xmlns:p14="http://schemas.microsoft.com/office/powerpoint/2010/main" val="4230760184"/>
       </p:ext>
     </p:extLst>
   </p:cSld>
@@ -4986,11 +5380,7 @@
           <a:p>
             <a:r>
               <a:rPr lang="en-US" dirty="0" smtClean="0"/>
-              <a:t>Testing </a:t>
-            </a:r>
-            <a:r>
-              <a:rPr lang="en-US" dirty="0" smtClean="0"/>
-              <a:t>&amp; Analysis</a:t>
+              <a:t>Summary</a:t>
             </a:r>
             <a:endParaRPr lang="en-US" dirty="0"/>
           </a:p>
@@ -5013,68 +5403,37 @@
           <a:p>
             <a:r>
               <a:rPr lang="en-US" dirty="0" smtClean="0"/>
-              <a:t>Tested </a:t>
-            </a:r>
+              <a:t>Concur helps students test &amp; debug multithreaded programs by providing an environment with:</a:t>
+            </a:r>
+          </a:p>
+          <a:p>
+            <a:pPr lvl="1"/>
             <a:r>
               <a:rPr lang="en-US" dirty="0" smtClean="0"/>
-              <a:t>with three </a:t>
-            </a:r>
+              <a:t>More deterministic thread management</a:t>
+            </a:r>
+          </a:p>
+          <a:p>
+            <a:pPr lvl="1"/>
             <a:r>
               <a:rPr lang="en-US" dirty="0" smtClean="0"/>
-              <a:t>student submissions from Fall 2011 </a:t>
-            </a:r>
+              <a:t>Deadlock detection</a:t>
+            </a:r>
+          </a:p>
+          <a:p>
+            <a:pPr lvl="1"/>
             <a:r>
               <a:rPr lang="en-US" dirty="0" smtClean="0"/>
-              <a:t>for </a:t>
-            </a:r>
-            <a:r>
-              <a:rPr lang="en-US" dirty="0" smtClean="0"/>
-              <a:t>the Unisex </a:t>
-            </a:r>
-            <a:r>
-              <a:rPr lang="en-US" dirty="0" smtClean="0"/>
-              <a:t>Bathroom problem.</a:t>
-            </a:r>
-          </a:p>
-          <a:p>
-            <a:r>
-              <a:rPr lang="en-US" dirty="0"/>
-              <a:t>s</a:t>
-            </a:r>
-            <a:r>
-              <a:rPr lang="en-US" dirty="0" smtClean="0"/>
-              <a:t>ections1.c</a:t>
-            </a:r>
-          </a:p>
-          <a:p>
-            <a:r>
-              <a:rPr lang="en-US" dirty="0"/>
-              <a:t>s</a:t>
-            </a:r>
-            <a:r>
-              <a:rPr lang="en-US" dirty="0" smtClean="0"/>
-              <a:t>ections2.c</a:t>
-            </a:r>
-          </a:p>
-          <a:p>
-            <a:r>
-              <a:rPr lang="en-US" dirty="0"/>
-              <a:t>s</a:t>
-            </a:r>
-            <a:r>
-              <a:rPr lang="en-US" dirty="0" smtClean="0"/>
-              <a:t>ections3.c</a:t>
-            </a:r>
-          </a:p>
-          <a:p>
-            <a:r>
-              <a:rPr lang="en-US" dirty="0"/>
-              <a:t>s</a:t>
-            </a:r>
-            <a:r>
-              <a:rPr lang="en-US" dirty="0" smtClean="0"/>
-              <a:t>ections4.c</a:t>
-            </a:r>
+              <a:t>Increased test case coverage</a:t>
+            </a:r>
+          </a:p>
+          <a:p>
+            <a:pPr marL="0" indent="0">
+              <a:buNone/>
+            </a:pPr>
+            <a:endParaRPr lang="en-US" dirty="0" smtClean="0"/>
+          </a:p>
+          <a:p>
             <a:endParaRPr lang="en-US" dirty="0"/>
           </a:p>
         </p:txBody>
@@ -5082,7 +5441,7 @@
     </p:spTree>
     <p:extLst>
       <p:ext uri="{BB962C8B-B14F-4D97-AF65-F5344CB8AC3E}">
-        <p14:creationId xmlns:p14="http://schemas.microsoft.com/office/powerpoint/2010/main" val="489042661"/>
+        <p14:creationId xmlns:p14="http://schemas.microsoft.com/office/powerpoint/2010/main" val="1047564871"/>
       </p:ext>
     </p:extLst>
   </p:cSld>
@@ -5133,7 +5492,7 @@
           <a:p>
             <a:r>
               <a:rPr lang="en-US" dirty="0" smtClean="0"/>
-              <a:t>Future Work</a:t>
+              <a:t>Questions &amp; Answers</a:t>
             </a:r>
             <a:endParaRPr lang="en-US" dirty="0"/>
           </a:p>
@@ -5154,96 +5513,14 @@
           <a:bodyPr/>
           <a:lstStyle/>
           <a:p>
-            <a:r>
-              <a:rPr lang="en-US" dirty="0" smtClean="0"/>
-              <a:t>Errors encountered and approach to address</a:t>
-            </a:r>
-          </a:p>
-          <a:p>
-            <a:pPr marL="182880" lvl="1"/>
-            <a:r>
-              <a:rPr lang="en-US" sz="2400" dirty="0"/>
-              <a:t>Outstanding Errors</a:t>
-            </a:r>
-          </a:p>
-          <a:p>
-            <a:r>
-              <a:rPr lang="en-US" dirty="0" smtClean="0"/>
-              <a:t>Pros/cons of design/implementation</a:t>
-            </a:r>
-          </a:p>
-          <a:p>
-            <a:r>
-              <a:rPr lang="en-US" dirty="0" smtClean="0"/>
-              <a:t>Questions to answer:</a:t>
-            </a:r>
-          </a:p>
-          <a:p>
-            <a:pPr lvl="1"/>
-            <a:r>
-              <a:rPr lang="en-US" dirty="0"/>
-              <a:t>Verification:  </a:t>
-            </a:r>
-            <a:r>
-              <a:rPr lang="en-US" dirty="0" smtClean="0"/>
-              <a:t>Does </a:t>
-            </a:r>
-            <a:r>
-              <a:rPr lang="en-US" dirty="0"/>
-              <a:t>the system satisfy the functional requirements?</a:t>
-            </a:r>
-            <a:endParaRPr lang="en-US" dirty="0" smtClean="0"/>
-          </a:p>
-          <a:p>
-            <a:pPr lvl="1"/>
-            <a:endParaRPr lang="en-US" dirty="0"/>
-          </a:p>
-          <a:p>
-            <a:pPr lvl="1"/>
-            <a:r>
-              <a:rPr lang="en-US" dirty="0" smtClean="0"/>
-              <a:t>Validation</a:t>
-            </a:r>
-            <a:r>
-              <a:rPr lang="en-US" dirty="0"/>
-              <a:t>:  Does the system meet the customer’s needs</a:t>
-            </a:r>
-            <a:r>
-              <a:rPr lang="en-US" dirty="0" smtClean="0"/>
-              <a:t>?</a:t>
-            </a:r>
-          </a:p>
-          <a:p>
-            <a:pPr lvl="2"/>
-            <a:r>
-              <a:rPr lang="en-US" dirty="0" smtClean="0"/>
-              <a:t>Does the system help the user find concurrency errors?</a:t>
-            </a:r>
-          </a:p>
-          <a:p>
-            <a:pPr lvl="2"/>
-            <a:r>
-              <a:rPr lang="en-US" dirty="0" smtClean="0"/>
-              <a:t>Does the system allow the user to reproduce test run results?</a:t>
-            </a:r>
-          </a:p>
-          <a:p>
-            <a:pPr lvl="2"/>
-            <a:r>
-              <a:rPr lang="en-US" dirty="0" smtClean="0"/>
-              <a:t>Does the system help the user debug the application?</a:t>
-            </a:r>
-          </a:p>
-          <a:p>
-            <a:pPr lvl="2"/>
-            <a:endParaRPr lang="en-US" dirty="0" smtClean="0"/>
+            <a:endParaRPr lang="en-US"/>
           </a:p>
         </p:txBody>
       </p:sp>
     </p:spTree>
     <p:extLst>
       <p:ext uri="{BB962C8B-B14F-4D97-AF65-F5344CB8AC3E}">
-        <p14:creationId xmlns:p14="http://schemas.microsoft.com/office/powerpoint/2010/main" val="4230760184"/>
+        <p14:creationId xmlns:p14="http://schemas.microsoft.com/office/powerpoint/2010/main" val="1057507752"/>
       </p:ext>
     </p:extLst>
   </p:cSld>
@@ -5287,69 +5564,21 @@
             <p:ph type="title"/>
           </p:nvPr>
         </p:nvSpPr>
-        <p:spPr/>
+        <p:spPr>
+          <a:xfrm>
+            <a:off x="457200" y="2176803"/>
+            <a:ext cx="8229600" cy="990600"/>
+          </a:xfrm>
+        </p:spPr>
         <p:txBody>
           <a:bodyPr/>
           <a:lstStyle/>
           <a:p>
+            <a:pPr algn="ctr"/>
             <a:r>
               <a:rPr lang="en-US" dirty="0" smtClean="0"/>
-              <a:t>Summary</a:t>
-            </a:r>
-            <a:endParaRPr lang="en-US" dirty="0"/>
-          </a:p>
-        </p:txBody>
-      </p:sp>
-      <p:sp>
-        <p:nvSpPr>
-          <p:cNvPr id="3" name="Content Placeholder 2"/>
-          <p:cNvSpPr>
-            <a:spLocks noGrp="1"/>
-          </p:cNvSpPr>
-          <p:nvPr>
-            <p:ph idx="1"/>
-          </p:nvPr>
-        </p:nvSpPr>
-        <p:spPr/>
-        <p:txBody>
-          <a:bodyPr/>
-          <a:lstStyle/>
-          <a:p>
-            <a:r>
-              <a:rPr lang="en-US" dirty="0" smtClean="0"/>
-              <a:t>Concur helps students test &amp; debug multithreaded programs by providing an environment with:</a:t>
-            </a:r>
-          </a:p>
-          <a:p>
-            <a:pPr lvl="1"/>
-            <a:r>
-              <a:rPr lang="en-US" dirty="0" smtClean="0"/>
-              <a:t>More deterministic thread management</a:t>
-            </a:r>
-          </a:p>
-          <a:p>
-            <a:pPr lvl="1"/>
-            <a:r>
-              <a:rPr lang="en-US" dirty="0" smtClean="0"/>
-              <a:t>Deadlock detection</a:t>
-            </a:r>
-            <a:endParaRPr lang="en-US" dirty="0" smtClean="0"/>
-          </a:p>
-          <a:p>
-            <a:pPr lvl="1"/>
-            <a:r>
-              <a:rPr lang="en-US" dirty="0" smtClean="0"/>
-              <a:t>Increased test case coverage</a:t>
-            </a:r>
-            <a:endParaRPr lang="en-US" dirty="0" smtClean="0"/>
-          </a:p>
-          <a:p>
-            <a:pPr marL="0" indent="0">
-              <a:buNone/>
-            </a:pPr>
-            <a:endParaRPr lang="en-US" dirty="0" smtClean="0"/>
-          </a:p>
-          <a:p>
+              <a:t>Backup Slides Beyond this Point</a:t>
+            </a:r>
             <a:endParaRPr lang="en-US" dirty="0"/>
           </a:p>
         </p:txBody>
@@ -5357,7 +5586,7 @@
     </p:spTree>
     <p:extLst>
       <p:ext uri="{BB962C8B-B14F-4D97-AF65-F5344CB8AC3E}">
-        <p14:creationId xmlns:p14="http://schemas.microsoft.com/office/powerpoint/2010/main" val="1047564871"/>
+        <p14:creationId xmlns:p14="http://schemas.microsoft.com/office/powerpoint/2010/main" val="1023839591"/>
       </p:ext>
     </p:extLst>
   </p:cSld>
@@ -5408,7 +5637,7 @@
           <a:p>
             <a:r>
               <a:rPr lang="en-US" dirty="0" smtClean="0"/>
-              <a:t>Questions &amp; Answers</a:t>
+              <a:t>Requirements – 1 of 2</a:t>
             </a:r>
             <a:endParaRPr lang="en-US" dirty="0"/>
           </a:p>
@@ -5429,14 +5658,427 @@
           <a:bodyPr/>
           <a:lstStyle/>
           <a:p>
-            <a:endParaRPr lang="en-US"/>
+            <a:pPr marL="182880" lvl="1"/>
+            <a:r>
+              <a:rPr lang="en-US" sz="2400" dirty="0" smtClean="0"/>
+              <a:t>Functional </a:t>
+            </a:r>
+            <a:r>
+              <a:rPr lang="en-US" sz="2400" dirty="0"/>
+              <a:t>Requirements</a:t>
+            </a:r>
+          </a:p>
+          <a:p>
+            <a:endParaRPr lang="en-US" dirty="0" smtClean="0"/>
+          </a:p>
+          <a:p>
+            <a:endParaRPr lang="en-US" dirty="0"/>
+          </a:p>
+          <a:p>
+            <a:endParaRPr lang="en-US" dirty="0" smtClean="0"/>
+          </a:p>
+          <a:p>
+            <a:endParaRPr lang="en-US" dirty="0"/>
+          </a:p>
+          <a:p>
+            <a:endParaRPr lang="en-US" dirty="0" smtClean="0"/>
+          </a:p>
+          <a:p>
+            <a:pPr marL="0" indent="0">
+              <a:buNone/>
+            </a:pPr>
+            <a:endParaRPr lang="en-US" dirty="0" smtClean="0"/>
           </a:p>
         </p:txBody>
       </p:sp>
+      <p:graphicFrame>
+        <p:nvGraphicFramePr>
+          <p:cNvPr id="4" name="Table 3"/>
+          <p:cNvGraphicFramePr>
+            <a:graphicFrameLocks noGrp="1"/>
+          </p:cNvGraphicFramePr>
+          <p:nvPr>
+            <p:extLst>
+              <p:ext uri="{D42A27DB-BD31-4B8C-83A1-F6EECF244321}">
+                <p14:modId xmlns:p14="http://schemas.microsoft.com/office/powerpoint/2010/main" val="42365621"/>
+              </p:ext>
+            </p:extLst>
+          </p:nvPr>
+        </p:nvGraphicFramePr>
+        <p:xfrm>
+          <a:off x="457200" y="2349577"/>
+          <a:ext cx="8229600" cy="3521591"/>
+        </p:xfrm>
+        <a:graphic>
+          <a:graphicData uri="http://schemas.openxmlformats.org/drawingml/2006/table">
+            <a:tbl>
+              <a:tblPr firstRow="1" bandRow="1">
+                <a:tableStyleId>{5C22544A-7EE6-4342-B048-85BDC9FD1C3A}</a:tableStyleId>
+              </a:tblPr>
+              <a:tblGrid>
+                <a:gridCol w="710783"/>
+                <a:gridCol w="3435910"/>
+                <a:gridCol w="4082907"/>
+              </a:tblGrid>
+              <a:tr h="473591">
+                <a:tc>
+                  <a:txBody>
+                    <a:bodyPr/>
+                    <a:lstStyle/>
+                    <a:p>
+                      <a:pPr algn="ctr"/>
+                      <a:r>
+                        <a:rPr lang="en-US" sz="1600" dirty="0" smtClean="0"/>
+                        <a:t>ID</a:t>
+                      </a:r>
+                      <a:endParaRPr lang="en-US" sz="1600" dirty="0"/>
+                    </a:p>
+                  </a:txBody>
+                  <a:tcPr/>
+                </a:tc>
+                <a:tc>
+                  <a:txBody>
+                    <a:bodyPr/>
+                    <a:lstStyle/>
+                    <a:p>
+                      <a:pPr algn="ctr"/>
+                      <a:r>
+                        <a:rPr lang="en-US" sz="1600" dirty="0" smtClean="0"/>
+                        <a:t>Title</a:t>
+                      </a:r>
+                      <a:endParaRPr lang="en-US" sz="1600" dirty="0"/>
+                    </a:p>
+                  </a:txBody>
+                  <a:tcPr/>
+                </a:tc>
+                <a:tc>
+                  <a:txBody>
+                    <a:bodyPr/>
+                    <a:lstStyle/>
+                    <a:p>
+                      <a:pPr algn="ctr"/>
+                      <a:r>
+                        <a:rPr lang="en-US" sz="1600" dirty="0" smtClean="0"/>
+                        <a:t>Description</a:t>
+                      </a:r>
+                      <a:endParaRPr lang="en-US" sz="1600" dirty="0"/>
+                    </a:p>
+                  </a:txBody>
+                  <a:tcPr/>
+                </a:tc>
+              </a:tr>
+              <a:tr h="473591">
+                <a:tc>
+                  <a:txBody>
+                    <a:bodyPr/>
+                    <a:lstStyle/>
+                    <a:p>
+                      <a:r>
+                        <a:rPr lang="en-US" sz="1600" dirty="0" smtClean="0"/>
+                        <a:t>F01</a:t>
+                      </a:r>
+                      <a:endParaRPr lang="en-US" sz="1600" dirty="0"/>
+                    </a:p>
+                  </a:txBody>
+                  <a:tcPr/>
+                </a:tc>
+                <a:tc>
+                  <a:txBody>
+                    <a:bodyPr/>
+                    <a:lstStyle/>
+                    <a:p>
+                      <a:r>
+                        <a:rPr lang="en-US" sz="1600" dirty="0" smtClean="0"/>
+                        <a:t>Random mode for thread</a:t>
+                      </a:r>
+                      <a:r>
+                        <a:rPr lang="en-US" sz="1600" baseline="0" dirty="0" smtClean="0"/>
+                        <a:t> selection</a:t>
+                      </a:r>
+                      <a:endParaRPr lang="en-US" sz="1600" dirty="0"/>
+                    </a:p>
+                  </a:txBody>
+                  <a:tcPr/>
+                </a:tc>
+                <a:tc>
+                  <a:txBody>
+                    <a:bodyPr/>
+                    <a:lstStyle/>
+                    <a:p>
+                      <a:r>
+                        <a:rPr lang="en-US" sz="1600" kern="1200" dirty="0" smtClean="0">
+                          <a:solidFill>
+                            <a:schemeClr val="dk1"/>
+                          </a:solidFill>
+                          <a:effectLst/>
+                          <a:latin typeface="+mn-lt"/>
+                          <a:ea typeface="+mn-ea"/>
+                          <a:cs typeface="+mn-cs"/>
+                        </a:rPr>
+                        <a:t>Concur shall support a random mode for thread selection in which threads are automatically and randomly selected.</a:t>
+                      </a:r>
+                      <a:r>
+                        <a:rPr lang="en-US" sz="1600" dirty="0" smtClean="0">
+                          <a:effectLst/>
+                        </a:rPr>
+                        <a:t> </a:t>
+                      </a:r>
+                      <a:endParaRPr lang="en-US" sz="1600" dirty="0"/>
+                    </a:p>
+                  </a:txBody>
+                  <a:tcPr/>
+                </a:tc>
+              </a:tr>
+              <a:tr h="473591">
+                <a:tc>
+                  <a:txBody>
+                    <a:bodyPr/>
+                    <a:lstStyle/>
+                    <a:p>
+                      <a:r>
+                        <a:rPr lang="en-US" sz="1600" dirty="0" smtClean="0"/>
+                        <a:t>F02</a:t>
+                      </a:r>
+                      <a:endParaRPr lang="en-US" sz="1600" dirty="0"/>
+                    </a:p>
+                  </a:txBody>
+                  <a:tcPr/>
+                </a:tc>
+                <a:tc>
+                  <a:txBody>
+                    <a:bodyPr/>
+                    <a:lstStyle/>
+                    <a:p>
+                      <a:r>
+                        <a:rPr lang="en-US" sz="1600" dirty="0" smtClean="0"/>
+                        <a:t>Interactive mode for thread</a:t>
+                      </a:r>
+                      <a:r>
+                        <a:rPr lang="en-US" sz="1600" baseline="0" dirty="0" smtClean="0"/>
+                        <a:t> selection</a:t>
+                      </a:r>
+                      <a:endParaRPr lang="en-US" sz="1600" dirty="0"/>
+                    </a:p>
+                  </a:txBody>
+                  <a:tcPr/>
+                </a:tc>
+                <a:tc>
+                  <a:txBody>
+                    <a:bodyPr/>
+                    <a:lstStyle/>
+                    <a:p>
+                      <a:r>
+                        <a:rPr lang="en-US" sz="1600" kern="1200" dirty="0" smtClean="0">
+                          <a:solidFill>
+                            <a:schemeClr val="dk1"/>
+                          </a:solidFill>
+                          <a:effectLst/>
+                          <a:latin typeface="+mn-lt"/>
+                          <a:ea typeface="+mn-ea"/>
+                          <a:cs typeface="+mn-cs"/>
+                        </a:rPr>
+                        <a:t>Concur shall support an interactive mode for thread</a:t>
+                      </a:r>
+                      <a:r>
+                        <a:rPr lang="en-US" sz="1600" kern="1200" baseline="0" dirty="0" smtClean="0">
+                          <a:solidFill>
+                            <a:schemeClr val="dk1"/>
+                          </a:solidFill>
+                          <a:effectLst/>
+                          <a:latin typeface="+mn-lt"/>
+                          <a:ea typeface="+mn-ea"/>
+                          <a:cs typeface="+mn-cs"/>
+                        </a:rPr>
+                        <a:t> selection</a:t>
+                      </a:r>
+                      <a:r>
+                        <a:rPr lang="en-US" sz="1600" kern="1200" dirty="0" smtClean="0">
+                          <a:solidFill>
+                            <a:schemeClr val="dk1"/>
+                          </a:solidFill>
+                          <a:effectLst/>
+                          <a:latin typeface="+mn-lt"/>
+                          <a:ea typeface="+mn-ea"/>
+                          <a:cs typeface="+mn-cs"/>
+                        </a:rPr>
+                        <a:t> in which the user will choose which thread</a:t>
+                      </a:r>
+                      <a:r>
+                        <a:rPr lang="en-US" sz="1600" kern="1200" baseline="0" dirty="0" smtClean="0">
+                          <a:solidFill>
+                            <a:schemeClr val="dk1"/>
+                          </a:solidFill>
+                          <a:effectLst/>
+                          <a:latin typeface="+mn-lt"/>
+                          <a:ea typeface="+mn-ea"/>
+                          <a:cs typeface="+mn-cs"/>
+                        </a:rPr>
+                        <a:t> is selected</a:t>
+                      </a:r>
+                      <a:r>
+                        <a:rPr lang="en-US" sz="1600" kern="1200" dirty="0" smtClean="0">
+                          <a:solidFill>
+                            <a:schemeClr val="dk1"/>
+                          </a:solidFill>
+                          <a:effectLst/>
+                          <a:latin typeface="+mn-lt"/>
+                          <a:ea typeface="+mn-ea"/>
+                          <a:cs typeface="+mn-cs"/>
+                        </a:rPr>
+                        <a:t>.</a:t>
+                      </a:r>
+                      <a:endParaRPr lang="en-US" sz="1600" dirty="0"/>
+                    </a:p>
+                  </a:txBody>
+                  <a:tcPr/>
+                </a:tc>
+              </a:tr>
+              <a:tr h="473591">
+                <a:tc>
+                  <a:txBody>
+                    <a:bodyPr/>
+                    <a:lstStyle/>
+                    <a:p>
+                      <a:r>
+                        <a:rPr lang="en-US" sz="1600" dirty="0" smtClean="0"/>
+                        <a:t>F03</a:t>
+                      </a:r>
+                      <a:endParaRPr lang="en-US" sz="1600" dirty="0"/>
+                    </a:p>
+                  </a:txBody>
+                  <a:tcPr/>
+                </a:tc>
+                <a:tc>
+                  <a:txBody>
+                    <a:bodyPr/>
+                    <a:lstStyle/>
+                    <a:p>
+                      <a:r>
+                        <a:rPr lang="en-US" sz="1600" dirty="0" smtClean="0"/>
+                        <a:t>Log trail</a:t>
+                      </a:r>
+                      <a:endParaRPr lang="en-US" sz="1600" dirty="0"/>
+                    </a:p>
+                  </a:txBody>
+                  <a:tcPr/>
+                </a:tc>
+                <a:tc>
+                  <a:txBody>
+                    <a:bodyPr/>
+                    <a:lstStyle/>
+                    <a:p>
+                      <a:r>
+                        <a:rPr lang="en-US" sz="1600" kern="1200" dirty="0" smtClean="0">
+                          <a:solidFill>
+                            <a:schemeClr val="dk1"/>
+                          </a:solidFill>
+                          <a:effectLst/>
+                          <a:latin typeface="+mn-lt"/>
+                          <a:ea typeface="+mn-ea"/>
+                          <a:cs typeface="+mn-cs"/>
+                        </a:rPr>
+                        <a:t>Concur shall provide information regarding</a:t>
+                      </a:r>
+                      <a:r>
+                        <a:rPr lang="en-US" sz="1600" kern="1200" baseline="0" dirty="0" smtClean="0">
+                          <a:solidFill>
+                            <a:schemeClr val="dk1"/>
+                          </a:solidFill>
+                          <a:effectLst/>
+                          <a:latin typeface="+mn-lt"/>
+                          <a:ea typeface="+mn-ea"/>
+                          <a:cs typeface="+mn-cs"/>
+                        </a:rPr>
+                        <a:t> program execution</a:t>
+                      </a:r>
+                      <a:r>
+                        <a:rPr lang="en-US" sz="1600" kern="1200" dirty="0" smtClean="0">
+                          <a:solidFill>
+                            <a:schemeClr val="dk1"/>
+                          </a:solidFill>
+                          <a:effectLst/>
+                          <a:latin typeface="+mn-lt"/>
+                          <a:ea typeface="+mn-ea"/>
+                          <a:cs typeface="+mn-cs"/>
+                        </a:rPr>
+                        <a:t>.</a:t>
+                      </a:r>
+                      <a:endParaRPr lang="en-US" sz="1600" dirty="0"/>
+                    </a:p>
+                  </a:txBody>
+                  <a:tcPr/>
+                </a:tc>
+              </a:tr>
+              <a:tr h="473591">
+                <a:tc>
+                  <a:txBody>
+                    <a:bodyPr/>
+                    <a:lstStyle/>
+                    <a:p>
+                      <a:r>
+                        <a:rPr lang="en-US" sz="1600" dirty="0" smtClean="0"/>
+                        <a:t>F04</a:t>
+                      </a:r>
+                      <a:endParaRPr lang="en-US" sz="1600" dirty="0"/>
+                    </a:p>
+                  </a:txBody>
+                  <a:tcPr/>
+                </a:tc>
+                <a:tc>
+                  <a:txBody>
+                    <a:bodyPr/>
+                    <a:lstStyle/>
+                    <a:p>
+                      <a:r>
+                        <a:rPr lang="en-US" sz="1600" dirty="0" smtClean="0"/>
+                        <a:t>Thread,</a:t>
+                      </a:r>
+                      <a:r>
+                        <a:rPr lang="en-US" sz="1600" baseline="0" dirty="0" smtClean="0"/>
+                        <a:t> lock, and semaphore status</a:t>
+                      </a:r>
+                      <a:endParaRPr lang="en-US" sz="1600" dirty="0"/>
+                    </a:p>
+                  </a:txBody>
+                  <a:tcPr/>
+                </a:tc>
+                <a:tc>
+                  <a:txBody>
+                    <a:bodyPr/>
+                    <a:lstStyle/>
+                    <a:p>
+                      <a:r>
+                        <a:rPr lang="en-US" sz="1600" kern="1200" dirty="0" smtClean="0">
+                          <a:solidFill>
+                            <a:schemeClr val="dk1"/>
+                          </a:solidFill>
+                          <a:effectLst/>
+                          <a:latin typeface="+mn-lt"/>
+                          <a:ea typeface="+mn-ea"/>
+                          <a:cs typeface="+mn-cs"/>
+                        </a:rPr>
+                        <a:t>Concur shall provide current state of each thread, lock, and semaphore when in interactive mode.</a:t>
+                      </a:r>
+                      <a:r>
+                        <a:rPr lang="en-US" sz="1600" dirty="0" smtClean="0">
+                          <a:effectLst/>
+                        </a:rPr>
+                        <a:t> </a:t>
+                      </a:r>
+                      <a:endParaRPr lang="en-US" sz="1600" dirty="0"/>
+                    </a:p>
+                  </a:txBody>
+                  <a:tcPr/>
+                </a:tc>
+              </a:tr>
+            </a:tbl>
+          </a:graphicData>
+        </a:graphic>
+      </p:graphicFrame>
     </p:spTree>
     <p:extLst>
       <p:ext uri="{BB962C8B-B14F-4D97-AF65-F5344CB8AC3E}">
-        <p14:creationId xmlns:p14="http://schemas.microsoft.com/office/powerpoint/2010/main" val="1057507752"/>
+        <p14:creationId xmlns:p14="http://schemas.microsoft.com/office/powerpoint/2010/main" val="3574104351"/>
       </p:ext>
     </p:extLst>
   </p:cSld>
@@ -5518,11 +6160,7 @@
             </a:r>
             <a:r>
               <a:rPr lang="en-US" dirty="0" smtClean="0"/>
-              <a:t>&amp; Solution</a:t>
-            </a:r>
-            <a:r>
-              <a:rPr lang="en-US" dirty="0" smtClean="0"/>
-              <a:t>		  3 </a:t>
+              <a:t>&amp; Solution		  3 </a:t>
             </a:r>
             <a:r>
               <a:rPr lang="en-US" dirty="0" err="1" smtClean="0"/>
@@ -5555,22 +6193,30 @@
           <a:p>
             <a:r>
               <a:rPr lang="en-US" dirty="0" smtClean="0"/>
-              <a:t>Test &amp; Analysis</a:t>
+              <a:t>Test &amp; Analysis	</a:t>
             </a:r>
             <a:r>
               <a:rPr lang="en-US" dirty="0" smtClean="0"/>
-              <a:t>			</a:t>
-            </a:r>
-            <a:r>
-              <a:rPr lang="en-US" dirty="0"/>
-              <a:t>	</a:t>
+              <a:t>			  3 </a:t>
+            </a:r>
+            <a:r>
+              <a:rPr lang="en-US" dirty="0" err="1" smtClean="0"/>
+              <a:t>mins</a:t>
             </a:r>
             <a:endParaRPr lang="en-US" dirty="0" smtClean="0"/>
           </a:p>
           <a:p>
             <a:r>
               <a:rPr lang="en-US" dirty="0" smtClean="0"/>
-              <a:t>Future Work</a:t>
+              <a:t>Future </a:t>
+            </a:r>
+            <a:r>
+              <a:rPr lang="en-US" dirty="0" smtClean="0"/>
+              <a:t>Work				  2 </a:t>
+            </a:r>
+            <a:r>
+              <a:rPr lang="en-US" dirty="0" err="1" smtClean="0"/>
+              <a:t>mins</a:t>
             </a:r>
             <a:endParaRPr lang="en-US" dirty="0" smtClean="0"/>
           </a:p>
@@ -5645,72 +6291,6 @@
             <p:ph type="title"/>
           </p:nvPr>
         </p:nvSpPr>
-        <p:spPr>
-          <a:xfrm>
-            <a:off x="457200" y="2176803"/>
-            <a:ext cx="8229600" cy="990600"/>
-          </a:xfrm>
-        </p:spPr>
-        <p:txBody>
-          <a:bodyPr/>
-          <a:lstStyle/>
-          <a:p>
-            <a:pPr algn="ctr"/>
-            <a:r>
-              <a:rPr lang="en-US" dirty="0" smtClean="0"/>
-              <a:t>Backup Slides Beyond this Point</a:t>
-            </a:r>
-            <a:endParaRPr lang="en-US" dirty="0"/>
-          </a:p>
-        </p:txBody>
-      </p:sp>
-    </p:spTree>
-    <p:extLst>
-      <p:ext uri="{BB962C8B-B14F-4D97-AF65-F5344CB8AC3E}">
-        <p14:creationId xmlns:p14="http://schemas.microsoft.com/office/powerpoint/2010/main" val="1023839591"/>
-      </p:ext>
-    </p:extLst>
-  </p:cSld>
-  <p:clrMapOvr>
-    <a:masterClrMapping/>
-  </p:clrMapOvr>
-  <p:timing>
-    <p:tnLst>
-      <p:par>
-        <p:cTn xmlns:p14="http://schemas.microsoft.com/office/powerpoint/2010/main" id="1" dur="indefinite" restart="never" nodeType="tmRoot"/>
-      </p:par>
-    </p:tnLst>
-  </p:timing>
-</p:sld>
-</file>
-
-<file path=ppt/slides/slide21.xml><?xml version="1.0" encoding="utf-8"?>
-<p:sld xmlns:a="http://schemas.openxmlformats.org/drawingml/2006/main" xmlns:r="http://schemas.openxmlformats.org/officeDocument/2006/relationships" xmlns:p="http://schemas.openxmlformats.org/presentationml/2006/main">
-  <p:cSld>
-    <p:spTree>
-      <p:nvGrpSpPr>
-        <p:cNvPr id="1" name=""/>
-        <p:cNvGrpSpPr/>
-        <p:nvPr/>
-      </p:nvGrpSpPr>
-      <p:grpSpPr>
-        <a:xfrm>
-          <a:off x="0" y="0"/>
-          <a:ext cx="0" cy="0"/>
-          <a:chOff x="0" y="0"/>
-          <a:chExt cx="0" cy="0"/>
-        </a:xfrm>
-      </p:grpSpPr>
-      <p:sp>
-        <p:nvSpPr>
-          <p:cNvPr id="2" name="Title 1"/>
-          <p:cNvSpPr>
-            <a:spLocks noGrp="1"/>
-          </p:cNvSpPr>
-          <p:nvPr>
-            <p:ph type="title"/>
-          </p:nvPr>
-        </p:nvSpPr>
         <p:spPr/>
         <p:txBody>
           <a:bodyPr/>
@@ -5718,503 +6298,7 @@
           <a:p>
             <a:r>
               <a:rPr lang="en-US" dirty="0" smtClean="0"/>
-              <a:t>Requirements – 1 of 2</a:t>
-            </a:r>
-            <a:endParaRPr lang="en-US" dirty="0"/>
-          </a:p>
-        </p:txBody>
-      </p:sp>
-      <p:sp>
-        <p:nvSpPr>
-          <p:cNvPr id="3" name="Content Placeholder 2"/>
-          <p:cNvSpPr>
-            <a:spLocks noGrp="1"/>
-          </p:cNvSpPr>
-          <p:nvPr>
-            <p:ph idx="1"/>
-          </p:nvPr>
-        </p:nvSpPr>
-        <p:spPr/>
-        <p:txBody>
-          <a:bodyPr/>
-          <a:lstStyle/>
-          <a:p>
-            <a:pPr marL="182880" lvl="1"/>
-            <a:r>
-              <a:rPr lang="en-US" sz="2400" dirty="0" smtClean="0"/>
-              <a:t>Functional </a:t>
-            </a:r>
-            <a:r>
-              <a:rPr lang="en-US" sz="2400" dirty="0"/>
-              <a:t>Requirements</a:t>
-            </a:r>
-          </a:p>
-          <a:p>
-            <a:endParaRPr lang="en-US" dirty="0" smtClean="0"/>
-          </a:p>
-          <a:p>
-            <a:endParaRPr lang="en-US" dirty="0"/>
-          </a:p>
-          <a:p>
-            <a:endParaRPr lang="en-US" dirty="0" smtClean="0"/>
-          </a:p>
-          <a:p>
-            <a:endParaRPr lang="en-US" dirty="0"/>
-          </a:p>
-          <a:p>
-            <a:endParaRPr lang="en-US" dirty="0" smtClean="0"/>
-          </a:p>
-          <a:p>
-            <a:pPr marL="0" indent="0">
-              <a:buNone/>
-            </a:pPr>
-            <a:endParaRPr lang="en-US" dirty="0" smtClean="0"/>
-          </a:p>
-        </p:txBody>
-      </p:sp>
-      <p:graphicFrame>
-        <p:nvGraphicFramePr>
-          <p:cNvPr id="4" name="Table 3"/>
-          <p:cNvGraphicFramePr>
-            <a:graphicFrameLocks noGrp="1"/>
-          </p:cNvGraphicFramePr>
-          <p:nvPr>
-            <p:extLst>
-              <p:ext uri="{D42A27DB-BD31-4B8C-83A1-F6EECF244321}">
-                <p14:modId xmlns:p14="http://schemas.microsoft.com/office/powerpoint/2010/main" val="42365621"/>
-              </p:ext>
-            </p:extLst>
-          </p:nvPr>
-        </p:nvGraphicFramePr>
-        <p:xfrm>
-          <a:off x="457200" y="2349577"/>
-          <a:ext cx="8229600" cy="3521591"/>
-        </p:xfrm>
-        <a:graphic>
-          <a:graphicData uri="http://schemas.openxmlformats.org/drawingml/2006/table">
-            <a:tbl>
-              <a:tblPr firstRow="1" bandRow="1">
-                <a:tableStyleId>{5C22544A-7EE6-4342-B048-85BDC9FD1C3A}</a:tableStyleId>
-              </a:tblPr>
-              <a:tblGrid>
-                <a:gridCol w="710783"/>
-                <a:gridCol w="3435910"/>
-                <a:gridCol w="4082907"/>
-              </a:tblGrid>
-              <a:tr h="473591">
-                <a:tc>
-                  <a:txBody>
-                    <a:bodyPr/>
-                    <a:lstStyle/>
-                    <a:p>
-                      <a:pPr algn="ctr"/>
-                      <a:r>
-                        <a:rPr lang="en-US" sz="1600" dirty="0" smtClean="0"/>
-                        <a:t>ID</a:t>
-                      </a:r>
-                      <a:endParaRPr lang="en-US" sz="1600" dirty="0"/>
-                    </a:p>
-                  </a:txBody>
-                  <a:tcPr/>
-                </a:tc>
-                <a:tc>
-                  <a:txBody>
-                    <a:bodyPr/>
-                    <a:lstStyle/>
-                    <a:p>
-                      <a:pPr algn="ctr"/>
-                      <a:r>
-                        <a:rPr lang="en-US" sz="1600" dirty="0" smtClean="0"/>
-                        <a:t>Title</a:t>
-                      </a:r>
-                      <a:endParaRPr lang="en-US" sz="1600" dirty="0"/>
-                    </a:p>
-                  </a:txBody>
-                  <a:tcPr/>
-                </a:tc>
-                <a:tc>
-                  <a:txBody>
-                    <a:bodyPr/>
-                    <a:lstStyle/>
-                    <a:p>
-                      <a:pPr algn="ctr"/>
-                      <a:r>
-                        <a:rPr lang="en-US" sz="1600" dirty="0" smtClean="0"/>
-                        <a:t>Description</a:t>
-                      </a:r>
-                      <a:endParaRPr lang="en-US" sz="1600" dirty="0"/>
-                    </a:p>
-                  </a:txBody>
-                  <a:tcPr/>
-                </a:tc>
-              </a:tr>
-              <a:tr h="473591">
-                <a:tc>
-                  <a:txBody>
-                    <a:bodyPr/>
-                    <a:lstStyle/>
-                    <a:p>
-                      <a:r>
-                        <a:rPr lang="en-US" sz="1600" dirty="0" smtClean="0"/>
-                        <a:t>F01</a:t>
-                      </a:r>
-                      <a:endParaRPr lang="en-US" sz="1600" dirty="0"/>
-                    </a:p>
-                  </a:txBody>
-                  <a:tcPr/>
-                </a:tc>
-                <a:tc>
-                  <a:txBody>
-                    <a:bodyPr/>
-                    <a:lstStyle/>
-                    <a:p>
-                      <a:r>
-                        <a:rPr lang="en-US" sz="1600" dirty="0" smtClean="0"/>
-                        <a:t>Random mode for thread</a:t>
-                      </a:r>
-                      <a:r>
-                        <a:rPr lang="en-US" sz="1600" baseline="0" dirty="0" smtClean="0"/>
-                        <a:t> selection</a:t>
-                      </a:r>
-                      <a:endParaRPr lang="en-US" sz="1600" dirty="0"/>
-                    </a:p>
-                  </a:txBody>
-                  <a:tcPr/>
-                </a:tc>
-                <a:tc>
-                  <a:txBody>
-                    <a:bodyPr/>
-                    <a:lstStyle/>
-                    <a:p>
-                      <a:r>
-                        <a:rPr lang="en-US" sz="1600" kern="1200" dirty="0" smtClean="0">
-                          <a:solidFill>
-                            <a:schemeClr val="dk1"/>
-                          </a:solidFill>
-                          <a:effectLst/>
-                          <a:latin typeface="+mn-lt"/>
-                          <a:ea typeface="+mn-ea"/>
-                          <a:cs typeface="+mn-cs"/>
-                        </a:rPr>
-                        <a:t>Concur shall support a random mode for thread selection in which threads are automatically and randomly selected.</a:t>
-                      </a:r>
-                      <a:r>
-                        <a:rPr lang="en-US" sz="1600" dirty="0" smtClean="0">
-                          <a:effectLst/>
-                        </a:rPr>
-                        <a:t> </a:t>
-                      </a:r>
-                      <a:endParaRPr lang="en-US" sz="1600" dirty="0"/>
-                    </a:p>
-                  </a:txBody>
-                  <a:tcPr/>
-                </a:tc>
-              </a:tr>
-              <a:tr h="473591">
-                <a:tc>
-                  <a:txBody>
-                    <a:bodyPr/>
-                    <a:lstStyle/>
-                    <a:p>
-                      <a:r>
-                        <a:rPr lang="en-US" sz="1600" dirty="0" smtClean="0"/>
-                        <a:t>F02</a:t>
-                      </a:r>
-                      <a:endParaRPr lang="en-US" sz="1600" dirty="0"/>
-                    </a:p>
-                  </a:txBody>
-                  <a:tcPr/>
-                </a:tc>
-                <a:tc>
-                  <a:txBody>
-                    <a:bodyPr/>
-                    <a:lstStyle/>
-                    <a:p>
-                      <a:r>
-                        <a:rPr lang="en-US" sz="1600" dirty="0" smtClean="0"/>
-                        <a:t>Interactive mode for thread</a:t>
-                      </a:r>
-                      <a:r>
-                        <a:rPr lang="en-US" sz="1600" baseline="0" dirty="0" smtClean="0"/>
-                        <a:t> selection</a:t>
-                      </a:r>
-                      <a:endParaRPr lang="en-US" sz="1600" dirty="0"/>
-                    </a:p>
-                  </a:txBody>
-                  <a:tcPr/>
-                </a:tc>
-                <a:tc>
-                  <a:txBody>
-                    <a:bodyPr/>
-                    <a:lstStyle/>
-                    <a:p>
-                      <a:r>
-                        <a:rPr lang="en-US" sz="1600" kern="1200" dirty="0" smtClean="0">
-                          <a:solidFill>
-                            <a:schemeClr val="dk1"/>
-                          </a:solidFill>
-                          <a:effectLst/>
-                          <a:latin typeface="+mn-lt"/>
-                          <a:ea typeface="+mn-ea"/>
-                          <a:cs typeface="+mn-cs"/>
-                        </a:rPr>
-                        <a:t>Concur shall support an interactive mode for thread</a:t>
-                      </a:r>
-                      <a:r>
-                        <a:rPr lang="en-US" sz="1600" kern="1200" baseline="0" dirty="0" smtClean="0">
-                          <a:solidFill>
-                            <a:schemeClr val="dk1"/>
-                          </a:solidFill>
-                          <a:effectLst/>
-                          <a:latin typeface="+mn-lt"/>
-                          <a:ea typeface="+mn-ea"/>
-                          <a:cs typeface="+mn-cs"/>
-                        </a:rPr>
-                        <a:t> selection</a:t>
-                      </a:r>
-                      <a:r>
-                        <a:rPr lang="en-US" sz="1600" kern="1200" dirty="0" smtClean="0">
-                          <a:solidFill>
-                            <a:schemeClr val="dk1"/>
-                          </a:solidFill>
-                          <a:effectLst/>
-                          <a:latin typeface="+mn-lt"/>
-                          <a:ea typeface="+mn-ea"/>
-                          <a:cs typeface="+mn-cs"/>
-                        </a:rPr>
-                        <a:t> in which the user will choose which thread</a:t>
-                      </a:r>
-                      <a:r>
-                        <a:rPr lang="en-US" sz="1600" kern="1200" baseline="0" dirty="0" smtClean="0">
-                          <a:solidFill>
-                            <a:schemeClr val="dk1"/>
-                          </a:solidFill>
-                          <a:effectLst/>
-                          <a:latin typeface="+mn-lt"/>
-                          <a:ea typeface="+mn-ea"/>
-                          <a:cs typeface="+mn-cs"/>
-                        </a:rPr>
-                        <a:t> is selected</a:t>
-                      </a:r>
-                      <a:r>
-                        <a:rPr lang="en-US" sz="1600" kern="1200" dirty="0" smtClean="0">
-                          <a:solidFill>
-                            <a:schemeClr val="dk1"/>
-                          </a:solidFill>
-                          <a:effectLst/>
-                          <a:latin typeface="+mn-lt"/>
-                          <a:ea typeface="+mn-ea"/>
-                          <a:cs typeface="+mn-cs"/>
-                        </a:rPr>
-                        <a:t>.</a:t>
-                      </a:r>
-                      <a:endParaRPr lang="en-US" sz="1600" dirty="0"/>
-                    </a:p>
-                  </a:txBody>
-                  <a:tcPr/>
-                </a:tc>
-              </a:tr>
-              <a:tr h="473591">
-                <a:tc>
-                  <a:txBody>
-                    <a:bodyPr/>
-                    <a:lstStyle/>
-                    <a:p>
-                      <a:r>
-                        <a:rPr lang="en-US" sz="1600" dirty="0" smtClean="0"/>
-                        <a:t>F03</a:t>
-                      </a:r>
-                      <a:endParaRPr lang="en-US" sz="1600" dirty="0"/>
-                    </a:p>
-                  </a:txBody>
-                  <a:tcPr/>
-                </a:tc>
-                <a:tc>
-                  <a:txBody>
-                    <a:bodyPr/>
-                    <a:lstStyle/>
-                    <a:p>
-                      <a:r>
-                        <a:rPr lang="en-US" sz="1600" dirty="0" smtClean="0"/>
-                        <a:t>Log trail</a:t>
-                      </a:r>
-                      <a:endParaRPr lang="en-US" sz="1600" dirty="0"/>
-                    </a:p>
-                  </a:txBody>
-                  <a:tcPr/>
-                </a:tc>
-                <a:tc>
-                  <a:txBody>
-                    <a:bodyPr/>
-                    <a:lstStyle/>
-                    <a:p>
-                      <a:r>
-                        <a:rPr lang="en-US" sz="1600" kern="1200" dirty="0" smtClean="0">
-                          <a:solidFill>
-                            <a:schemeClr val="dk1"/>
-                          </a:solidFill>
-                          <a:effectLst/>
-                          <a:latin typeface="+mn-lt"/>
-                          <a:ea typeface="+mn-ea"/>
-                          <a:cs typeface="+mn-cs"/>
-                        </a:rPr>
-                        <a:t>Concur shall provide information regarding</a:t>
-                      </a:r>
-                      <a:r>
-                        <a:rPr lang="en-US" sz="1600" kern="1200" baseline="0" dirty="0" smtClean="0">
-                          <a:solidFill>
-                            <a:schemeClr val="dk1"/>
-                          </a:solidFill>
-                          <a:effectLst/>
-                          <a:latin typeface="+mn-lt"/>
-                          <a:ea typeface="+mn-ea"/>
-                          <a:cs typeface="+mn-cs"/>
-                        </a:rPr>
-                        <a:t> program execution</a:t>
-                      </a:r>
-                      <a:r>
-                        <a:rPr lang="en-US" sz="1600" kern="1200" dirty="0" smtClean="0">
-                          <a:solidFill>
-                            <a:schemeClr val="dk1"/>
-                          </a:solidFill>
-                          <a:effectLst/>
-                          <a:latin typeface="+mn-lt"/>
-                          <a:ea typeface="+mn-ea"/>
-                          <a:cs typeface="+mn-cs"/>
-                        </a:rPr>
-                        <a:t>.</a:t>
-                      </a:r>
-                      <a:endParaRPr lang="en-US" sz="1600" dirty="0"/>
-                    </a:p>
-                  </a:txBody>
-                  <a:tcPr/>
-                </a:tc>
-              </a:tr>
-              <a:tr h="473591">
-                <a:tc>
-                  <a:txBody>
-                    <a:bodyPr/>
-                    <a:lstStyle/>
-                    <a:p>
-                      <a:r>
-                        <a:rPr lang="en-US" sz="1600" dirty="0" smtClean="0"/>
-                        <a:t>F04</a:t>
-                      </a:r>
-                      <a:endParaRPr lang="en-US" sz="1600" dirty="0"/>
-                    </a:p>
-                  </a:txBody>
-                  <a:tcPr/>
-                </a:tc>
-                <a:tc>
-                  <a:txBody>
-                    <a:bodyPr/>
-                    <a:lstStyle/>
-                    <a:p>
-                      <a:r>
-                        <a:rPr lang="en-US" sz="1600" dirty="0" smtClean="0"/>
-                        <a:t>Thread,</a:t>
-                      </a:r>
-                      <a:r>
-                        <a:rPr lang="en-US" sz="1600" baseline="0" dirty="0" smtClean="0"/>
-                        <a:t> lock, and semaphore status</a:t>
-                      </a:r>
-                      <a:endParaRPr lang="en-US" sz="1600" dirty="0"/>
-                    </a:p>
-                  </a:txBody>
-                  <a:tcPr/>
-                </a:tc>
-                <a:tc>
-                  <a:txBody>
-                    <a:bodyPr/>
-                    <a:lstStyle/>
-                    <a:p>
-                      <a:r>
-                        <a:rPr lang="en-US" sz="1600" kern="1200" dirty="0" smtClean="0">
-                          <a:solidFill>
-                            <a:schemeClr val="dk1"/>
-                          </a:solidFill>
-                          <a:effectLst/>
-                          <a:latin typeface="+mn-lt"/>
-                          <a:ea typeface="+mn-ea"/>
-                          <a:cs typeface="+mn-cs"/>
-                        </a:rPr>
-                        <a:t>Concur shall provide current state of each thread, lock, and semaphore when in interactive mode.</a:t>
-                      </a:r>
-                      <a:r>
-                        <a:rPr lang="en-US" sz="1600" dirty="0" smtClean="0">
-                          <a:effectLst/>
-                        </a:rPr>
-                        <a:t> </a:t>
-                      </a:r>
-                      <a:endParaRPr lang="en-US" sz="1600" dirty="0"/>
-                    </a:p>
-                  </a:txBody>
-                  <a:tcPr/>
-                </a:tc>
-              </a:tr>
-            </a:tbl>
-          </a:graphicData>
-        </a:graphic>
-      </p:graphicFrame>
-    </p:spTree>
-    <p:extLst>
-      <p:ext uri="{BB962C8B-B14F-4D97-AF65-F5344CB8AC3E}">
-        <p14:creationId xmlns:p14="http://schemas.microsoft.com/office/powerpoint/2010/main" val="3574104351"/>
-      </p:ext>
-    </p:extLst>
-  </p:cSld>
-  <p:clrMapOvr>
-    <a:masterClrMapping/>
-  </p:clrMapOvr>
-  <p:timing>
-    <p:tnLst>
-      <p:par>
-        <p:cTn xmlns:p14="http://schemas.microsoft.com/office/powerpoint/2010/main" id="1" dur="indefinite" restart="never" nodeType="tmRoot"/>
-      </p:par>
-    </p:tnLst>
-  </p:timing>
-</p:sld>
-</file>
-
-<file path=ppt/slides/slide22.xml><?xml version="1.0" encoding="utf-8"?>
-<p:sld xmlns:a="http://schemas.openxmlformats.org/drawingml/2006/main" xmlns:r="http://schemas.openxmlformats.org/officeDocument/2006/relationships" xmlns:p="http://schemas.openxmlformats.org/presentationml/2006/main">
-  <p:cSld>
-    <p:spTree>
-      <p:nvGrpSpPr>
-        <p:cNvPr id="1" name=""/>
-        <p:cNvGrpSpPr/>
-        <p:nvPr/>
-      </p:nvGrpSpPr>
-      <p:grpSpPr>
-        <a:xfrm>
-          <a:off x="0" y="0"/>
-          <a:ext cx="0" cy="0"/>
-          <a:chOff x="0" y="0"/>
-          <a:chExt cx="0" cy="0"/>
-        </a:xfrm>
-      </p:grpSpPr>
-      <p:sp>
-        <p:nvSpPr>
-          <p:cNvPr id="2" name="Title 1"/>
-          <p:cNvSpPr>
-            <a:spLocks noGrp="1"/>
-          </p:cNvSpPr>
-          <p:nvPr>
-            <p:ph type="title"/>
-          </p:nvPr>
-        </p:nvSpPr>
-        <p:spPr/>
-        <p:txBody>
-          <a:bodyPr/>
-          <a:lstStyle/>
-          <a:p>
-            <a:r>
-              <a:rPr lang="en-US" dirty="0" smtClean="0"/>
-              <a:t>Requirements </a:t>
-            </a:r>
-            <a:r>
-              <a:rPr lang="en-US" dirty="0" smtClean="0"/>
-              <a:t>– </a:t>
+              <a:t>Requirements – </a:t>
             </a:r>
             <a:r>
               <a:rPr lang="en-US" dirty="0"/>
@@ -6222,15 +6306,7 @@
             </a:r>
             <a:r>
               <a:rPr lang="en-US" dirty="0" smtClean="0"/>
-              <a:t> </a:t>
-            </a:r>
-            <a:r>
-              <a:rPr lang="en-US" dirty="0" smtClean="0"/>
-              <a:t>of </a:t>
-            </a:r>
-            <a:r>
-              <a:rPr lang="en-US" dirty="0" smtClean="0"/>
-              <a:t>2</a:t>
+              <a:t> of 2</a:t>
             </a:r>
             <a:endParaRPr lang="en-US" dirty="0"/>
           </a:p>
@@ -6543,7 +6619,7 @@
 </p:sld>
 </file>
 
-<file path=ppt/slides/slide23.xml><?xml version="1.0" encoding="utf-8"?>
+<file path=ppt/slides/slide21.xml><?xml version="1.0" encoding="utf-8"?>
 <p:sld xmlns:a="http://schemas.openxmlformats.org/drawingml/2006/main" xmlns:r="http://schemas.openxmlformats.org/officeDocument/2006/relationships" xmlns:p="http://schemas.openxmlformats.org/presentationml/2006/main">
   <p:cSld>
     <p:spTree>
@@ -7633,6 +7709,167 @@
     <p:extLst>
       <p:ext uri="{BB962C8B-B14F-4D97-AF65-F5344CB8AC3E}">
         <p14:creationId xmlns:p14="http://schemas.microsoft.com/office/powerpoint/2010/main" val="2962116097"/>
+      </p:ext>
+    </p:extLst>
+  </p:cSld>
+  <p:clrMapOvr>
+    <a:masterClrMapping/>
+  </p:clrMapOvr>
+  <p:timing>
+    <p:tnLst>
+      <p:par>
+        <p:cTn xmlns:p14="http://schemas.microsoft.com/office/powerpoint/2010/main" id="1" dur="indefinite" restart="never" nodeType="tmRoot"/>
+      </p:par>
+    </p:tnLst>
+  </p:timing>
+</p:sld>
+</file>
+
+<file path=ppt/slides/slide22.xml><?xml version="1.0" encoding="utf-8"?>
+<p:sld xmlns:a="http://schemas.openxmlformats.org/drawingml/2006/main" xmlns:r="http://schemas.openxmlformats.org/officeDocument/2006/relationships" xmlns:p="http://schemas.openxmlformats.org/presentationml/2006/main">
+  <p:cSld>
+    <p:spTree>
+      <p:nvGrpSpPr>
+        <p:cNvPr id="1" name=""/>
+        <p:cNvGrpSpPr/>
+        <p:nvPr/>
+      </p:nvGrpSpPr>
+      <p:grpSpPr>
+        <a:xfrm>
+          <a:off x="0" y="0"/>
+          <a:ext cx="0" cy="0"/>
+          <a:chOff x="0" y="0"/>
+          <a:chExt cx="0" cy="0"/>
+        </a:xfrm>
+      </p:grpSpPr>
+      <p:sp>
+        <p:nvSpPr>
+          <p:cNvPr id="2" name="Title 1"/>
+          <p:cNvSpPr>
+            <a:spLocks noGrp="1"/>
+          </p:cNvSpPr>
+          <p:nvPr>
+            <p:ph type="title"/>
+          </p:nvPr>
+        </p:nvSpPr>
+        <p:spPr/>
+        <p:txBody>
+          <a:bodyPr/>
+          <a:lstStyle/>
+          <a:p>
+            <a:r>
+              <a:rPr lang="en-US" dirty="0" smtClean="0"/>
+              <a:t>Future Work</a:t>
+            </a:r>
+            <a:endParaRPr lang="en-US" dirty="0"/>
+          </a:p>
+        </p:txBody>
+      </p:sp>
+      <p:sp>
+        <p:nvSpPr>
+          <p:cNvPr id="3" name="Content Placeholder 2"/>
+          <p:cNvSpPr>
+            <a:spLocks noGrp="1"/>
+          </p:cNvSpPr>
+          <p:nvPr>
+            <p:ph idx="1"/>
+          </p:nvPr>
+        </p:nvSpPr>
+        <p:spPr/>
+        <p:txBody>
+          <a:bodyPr/>
+          <a:lstStyle/>
+          <a:p>
+            <a:r>
+              <a:rPr lang="en-US" dirty="0" smtClean="0"/>
+              <a:t>Errors encountered and approach to address</a:t>
+            </a:r>
+          </a:p>
+          <a:p>
+            <a:pPr marL="182880" lvl="1"/>
+            <a:r>
+              <a:rPr lang="en-US" sz="2400" dirty="0"/>
+              <a:t>Outstanding Errors</a:t>
+            </a:r>
+          </a:p>
+          <a:p>
+            <a:r>
+              <a:rPr lang="en-US" dirty="0" smtClean="0"/>
+              <a:t>Pros/cons of design/implementation</a:t>
+            </a:r>
+          </a:p>
+          <a:p>
+            <a:r>
+              <a:rPr lang="en-US" dirty="0" smtClean="0"/>
+              <a:t>Questions to answer:</a:t>
+            </a:r>
+          </a:p>
+          <a:p>
+            <a:pPr lvl="1"/>
+            <a:r>
+              <a:rPr lang="en-US" dirty="0"/>
+              <a:t>Verification:  </a:t>
+            </a:r>
+            <a:r>
+              <a:rPr lang="en-US" dirty="0" smtClean="0"/>
+              <a:t>Does </a:t>
+            </a:r>
+            <a:r>
+              <a:rPr lang="en-US" dirty="0"/>
+              <a:t>the system satisfy the functional requirements?</a:t>
+            </a:r>
+            <a:endParaRPr lang="en-US" dirty="0" smtClean="0"/>
+          </a:p>
+          <a:p>
+            <a:pPr lvl="1"/>
+            <a:endParaRPr lang="en-US" dirty="0"/>
+          </a:p>
+          <a:p>
+            <a:pPr lvl="1"/>
+            <a:r>
+              <a:rPr lang="en-US" dirty="0" smtClean="0"/>
+              <a:t>Validation</a:t>
+            </a:r>
+            <a:r>
+              <a:rPr lang="en-US" dirty="0"/>
+              <a:t>:  Does the system meet the customer’s needs</a:t>
+            </a:r>
+            <a:r>
+              <a:rPr lang="en-US" dirty="0" smtClean="0"/>
+              <a:t>?</a:t>
+            </a:r>
+          </a:p>
+          <a:p>
+            <a:pPr lvl="2"/>
+            <a:r>
+              <a:rPr lang="en-US" dirty="0" smtClean="0"/>
+              <a:t>Does the system help the user find concurrency errors?</a:t>
+            </a:r>
+          </a:p>
+          <a:p>
+            <a:pPr lvl="2"/>
+            <a:r>
+              <a:rPr lang="en-US" dirty="0" smtClean="0"/>
+              <a:t>Does the system allow the user to reproduce test run results?</a:t>
+            </a:r>
+          </a:p>
+          <a:p>
+            <a:pPr lvl="2"/>
+            <a:r>
+              <a:rPr lang="en-US" dirty="0" smtClean="0"/>
+              <a:t>Does the system help the user debug the application?</a:t>
+            </a:r>
+          </a:p>
+          <a:p>
+            <a:pPr lvl="2"/>
+            <a:endParaRPr lang="en-US" dirty="0" smtClean="0"/>
+          </a:p>
+        </p:txBody>
+      </p:sp>
+    </p:spTree>
+    <p:extLst>
+      <p:ext uri="{BB962C8B-B14F-4D97-AF65-F5344CB8AC3E}">
+        <p14:creationId xmlns:p14="http://schemas.microsoft.com/office/powerpoint/2010/main" val="653325069"/>
       </p:ext>
     </p:extLst>
   </p:cSld>
@@ -8861,7 +9098,6 @@
                 <a:rPr lang="en-US" sz="1600" dirty="0" smtClean="0"/>
                 <a:t>Detect Deadlock</a:t>
               </a:r>
-              <a:endParaRPr lang="en-US" sz="1600" dirty="0" smtClean="0"/>
             </a:p>
           </p:txBody>
         </p:sp>
@@ -8901,95 +9137,349 @@
           </p:style>
         </p:cxnSp>
       </p:grpSp>
+      <p:sp>
+        <p:nvSpPr>
+          <p:cNvPr id="57" name="TextBox 56"/>
+          <p:cNvSpPr txBox="1"/>
+          <p:nvPr/>
+        </p:nvSpPr>
+        <p:spPr>
+          <a:xfrm>
+            <a:off x="4981742" y="5080865"/>
+            <a:ext cx="3705058" cy="1077218"/>
+          </a:xfrm>
+          <a:prstGeom prst="rect">
+            <a:avLst/>
+          </a:prstGeom>
+          <a:noFill/>
+        </p:spPr>
+        <p:txBody>
+          <a:bodyPr wrap="square" rtlCol="0">
+            <a:spAutoFit/>
+          </a:bodyPr>
+          <a:lstStyle/>
+          <a:p>
+            <a:r>
+              <a:rPr lang="en-US" sz="1600" dirty="0" smtClean="0"/>
+              <a:t>Challenges:</a:t>
+            </a:r>
+          </a:p>
+          <a:p>
+            <a:pPr marL="285750" indent="-285750">
+              <a:buFont typeface="Wingdings" charset="0"/>
+              <a:buChar char="à"/>
+            </a:pPr>
+            <a:r>
+              <a:rPr lang="en-US" sz="1600" dirty="0">
+                <a:sym typeface="Wingdings"/>
+              </a:rPr>
+              <a:t>i</a:t>
+            </a:r>
+            <a:r>
+              <a:rPr lang="en-US" sz="1600" dirty="0" smtClean="0">
+                <a:sym typeface="Wingdings"/>
+              </a:rPr>
+              <a:t>dentifying deadlocks</a:t>
+            </a:r>
+          </a:p>
+          <a:p>
+            <a:pPr marL="285750" indent="-285750">
+              <a:buFont typeface="Wingdings" charset="0"/>
+              <a:buChar char="à"/>
+            </a:pPr>
+            <a:r>
+              <a:rPr lang="en-US" sz="1600" dirty="0" smtClean="0">
+                <a:sym typeface="Wingdings"/>
+              </a:rPr>
+              <a:t>reproducing test runs</a:t>
+            </a:r>
+          </a:p>
+          <a:p>
+            <a:pPr marL="285750" indent="-285750">
+              <a:buFont typeface="Wingdings" charset="0"/>
+              <a:buChar char="à"/>
+            </a:pPr>
+            <a:r>
+              <a:rPr lang="en-US" sz="1600" dirty="0">
+                <a:sym typeface="Wingdings"/>
+              </a:rPr>
+              <a:t>a</a:t>
+            </a:r>
+            <a:r>
+              <a:rPr lang="en-US" sz="1600" dirty="0" smtClean="0">
+                <a:sym typeface="Wingdings"/>
+              </a:rPr>
+              <a:t>chieving high schedule coverage </a:t>
+            </a:r>
+          </a:p>
+        </p:txBody>
+      </p:sp>
       <p:grpSp>
         <p:nvGrpSpPr>
-          <p:cNvPr id="53" name="Group 52"/>
+          <p:cNvPr id="22" name="Group 21"/>
           <p:cNvGrpSpPr/>
           <p:nvPr/>
         </p:nvGrpSpPr>
         <p:grpSpPr>
           <a:xfrm>
-            <a:off x="4721063" y="1756128"/>
-            <a:ext cx="4098011" cy="2818406"/>
-            <a:chOff x="4721063" y="1550416"/>
-            <a:chExt cx="4098011" cy="2818406"/>
+            <a:off x="4721063" y="1792470"/>
+            <a:ext cx="4291186" cy="2797538"/>
+            <a:chOff x="4721063" y="1792470"/>
+            <a:chExt cx="4291186" cy="2797538"/>
           </a:xfrm>
         </p:grpSpPr>
         <p:grpSp>
           <p:nvGrpSpPr>
-            <p:cNvPr id="48" name="Group 47"/>
+            <p:cNvPr id="18" name="Group 17"/>
             <p:cNvGrpSpPr/>
             <p:nvPr/>
           </p:nvGrpSpPr>
           <p:grpSpPr>
             <a:xfrm>
-              <a:off x="4721063" y="1721177"/>
-              <a:ext cx="4098011" cy="2647645"/>
-              <a:chOff x="4875403" y="3837485"/>
-              <a:chExt cx="4098011" cy="2647645"/>
+              <a:off x="7462523" y="2041543"/>
+              <a:ext cx="1549726" cy="497409"/>
+              <a:chOff x="7336424" y="1834382"/>
+              <a:chExt cx="1752423" cy="497409"/>
             </a:xfrm>
           </p:grpSpPr>
-          <p:sp useBgFill="1">
-            <p:nvSpPr>
-              <p:cNvPr id="37" name="Rectangle 36"/>
-              <p:cNvSpPr/>
+          <p:grpSp>
+            <p:nvGrpSpPr>
+              <p:cNvPr id="13" name="Group 12"/>
+              <p:cNvGrpSpPr/>
               <p:nvPr/>
-            </p:nvSpPr>
-            <p:spPr>
+            </p:nvGrpSpPr>
+            <p:grpSpPr>
               <a:xfrm>
-                <a:off x="5582982" y="6199393"/>
-                <a:ext cx="1187087" cy="210498"/>
+                <a:off x="7360317" y="1834382"/>
+                <a:ext cx="1728530" cy="263907"/>
+                <a:chOff x="4887199" y="1766837"/>
+                <a:chExt cx="1728530" cy="263907"/>
               </a:xfrm>
-              <a:prstGeom prst="rect">
-                <a:avLst/>
-              </a:prstGeom>
-              <a:ln>
-                <a:noFill/>
-              </a:ln>
-              <a:effectLst/>
-            </p:spPr>
-            <p:style>
-              <a:lnRef idx="1">
-                <a:schemeClr val="accent1"/>
-              </a:lnRef>
-              <a:fillRef idx="3">
-                <a:schemeClr val="accent1"/>
-              </a:fillRef>
-              <a:effectRef idx="2">
-                <a:schemeClr val="accent1"/>
-              </a:effectRef>
-              <a:fontRef idx="minor">
-                <a:schemeClr val="lt1"/>
-              </a:fontRef>
-            </p:style>
-            <p:txBody>
-              <a:bodyPr rtlCol="0" anchor="t" anchorCtr="0"/>
-              <a:lstStyle/>
-              <a:p>
-                <a:r>
-                  <a:rPr lang="en-US" sz="1200" dirty="0">
+            </p:grpSpPr>
+            <p:sp useBgFill="1">
+              <p:nvSpPr>
+                <p:cNvPr id="37" name="Rectangle 36"/>
+                <p:cNvSpPr/>
+                <p:nvPr/>
+              </p:nvSpPr>
+              <p:spPr>
+                <a:xfrm>
+                  <a:off x="5428642" y="1766837"/>
+                  <a:ext cx="1187087" cy="210498"/>
+                </a:xfrm>
+                <a:prstGeom prst="rect">
+                  <a:avLst/>
+                </a:prstGeom>
+                <a:ln>
+                  <a:noFill/>
+                </a:ln>
+                <a:effectLst/>
+              </p:spPr>
+              <p:style>
+                <a:lnRef idx="1">
+                  <a:schemeClr val="accent1"/>
+                </a:lnRef>
+                <a:fillRef idx="3">
+                  <a:schemeClr val="accent1"/>
+                </a:fillRef>
+                <a:effectRef idx="2">
+                  <a:schemeClr val="accent1"/>
+                </a:effectRef>
+                <a:fontRef idx="minor">
+                  <a:schemeClr val="lt1"/>
+                </a:fontRef>
+              </p:style>
+              <p:txBody>
+                <a:bodyPr rtlCol="0" anchor="t" anchorCtr="0"/>
+                <a:lstStyle/>
+                <a:p>
+                  <a:r>
+                    <a:rPr lang="en-US" sz="1200" dirty="0">
+                      <a:solidFill>
+                        <a:srgbClr val="292934"/>
+                      </a:solidFill>
+                    </a:rPr>
+                    <a:t>r</a:t>
+                  </a:r>
+                  <a:r>
+                    <a:rPr lang="en-US" sz="1200" dirty="0" smtClean="0">
+                      <a:solidFill>
+                        <a:srgbClr val="292934"/>
+                      </a:solidFill>
+                    </a:rPr>
+                    <a:t>un test</a:t>
+                  </a:r>
+                  <a:endParaRPr lang="en-US" sz="1200" dirty="0">
                     <a:solidFill>
                       <a:srgbClr val="292934"/>
                     </a:solidFill>
-                  </a:rPr>
-                  <a:t>r</a:t>
-                </a:r>
-                <a:r>
-                  <a:rPr lang="en-US" sz="1200" dirty="0" smtClean="0">
+                  </a:endParaRPr>
+                </a:p>
+              </p:txBody>
+            </p:sp>
+            <p:cxnSp>
+              <p:nvCxnSpPr>
+                <p:cNvPr id="38" name="Curved Connector 37"/>
+                <p:cNvCxnSpPr/>
+                <p:nvPr/>
+              </p:nvCxnSpPr>
+              <p:spPr>
+                <a:xfrm flipV="1">
+                  <a:off x="4887199" y="1923923"/>
+                  <a:ext cx="564535" cy="106821"/>
+                </a:xfrm>
+                <a:prstGeom prst="curvedConnector3">
+                  <a:avLst>
+                    <a:gd name="adj1" fmla="val 50000"/>
+                  </a:avLst>
+                </a:prstGeom>
+                <a:ln>
+                  <a:tailEnd type="arrow"/>
+                </a:ln>
+              </p:spPr>
+              <p:style>
+                <a:lnRef idx="2">
+                  <a:schemeClr val="accent1"/>
+                </a:lnRef>
+                <a:fillRef idx="0">
+                  <a:schemeClr val="accent1"/>
+                </a:fillRef>
+                <a:effectRef idx="1">
+                  <a:schemeClr val="accent1"/>
+                </a:effectRef>
+                <a:fontRef idx="minor">
+                  <a:schemeClr val="tx1"/>
+                </a:fontRef>
+              </p:style>
+            </p:cxnSp>
+          </p:grpSp>
+          <p:grpSp>
+            <p:nvGrpSpPr>
+              <p:cNvPr id="10" name="Group 9"/>
+              <p:cNvGrpSpPr/>
+              <p:nvPr/>
+            </p:nvGrpSpPr>
+            <p:grpSpPr>
+              <a:xfrm>
+                <a:off x="7336424" y="2067884"/>
+                <a:ext cx="1728530" cy="263907"/>
+                <a:chOff x="6570829" y="1788667"/>
+                <a:chExt cx="1728530" cy="263907"/>
+              </a:xfrm>
+            </p:grpSpPr>
+            <p:sp useBgFill="1">
+              <p:nvSpPr>
+                <p:cNvPr id="43" name="Rectangle 42"/>
+                <p:cNvSpPr/>
+                <p:nvPr/>
+              </p:nvSpPr>
+              <p:spPr>
+                <a:xfrm>
+                  <a:off x="7112272" y="1788667"/>
+                  <a:ext cx="1187087" cy="210498"/>
+                </a:xfrm>
+                <a:prstGeom prst="rect">
+                  <a:avLst/>
+                </a:prstGeom>
+                <a:ln>
+                  <a:noFill/>
+                </a:ln>
+                <a:effectLst/>
+              </p:spPr>
+              <p:style>
+                <a:lnRef idx="1">
+                  <a:schemeClr val="accent1"/>
+                </a:lnRef>
+                <a:fillRef idx="3">
+                  <a:schemeClr val="accent1"/>
+                </a:fillRef>
+                <a:effectRef idx="2">
+                  <a:schemeClr val="accent1"/>
+                </a:effectRef>
+                <a:fontRef idx="minor">
+                  <a:schemeClr val="lt1"/>
+                </a:fontRef>
+              </p:style>
+              <p:txBody>
+                <a:bodyPr rtlCol="0" anchor="t" anchorCtr="0"/>
+                <a:lstStyle/>
+                <a:p>
+                  <a:r>
+                    <a:rPr lang="en-US" sz="1200" dirty="0">
+                      <a:solidFill>
+                        <a:srgbClr val="292934"/>
+                      </a:solidFill>
+                    </a:rPr>
+                    <a:t>u</a:t>
+                  </a:r>
+                  <a:r>
+                    <a:rPr lang="en-US" sz="1200" dirty="0" smtClean="0">
+                      <a:solidFill>
+                        <a:srgbClr val="292934"/>
+                      </a:solidFill>
+                    </a:rPr>
+                    <a:t>pdate code</a:t>
+                  </a:r>
+                  <a:endParaRPr lang="en-US" sz="1200" dirty="0">
                     <a:solidFill>
                       <a:srgbClr val="292934"/>
                     </a:solidFill>
-                  </a:rPr>
-                  <a:t>un test</a:t>
-                </a:r>
-                <a:endParaRPr lang="en-US" sz="1200" dirty="0">
-                  <a:solidFill>
-                    <a:srgbClr val="292934"/>
-                  </a:solidFill>
-                </a:endParaRPr>
-              </a:p>
-            </p:txBody>
-          </p:sp>
+                  </a:endParaRPr>
+                </a:p>
+              </p:txBody>
+            </p:sp>
+            <p:cxnSp>
+              <p:nvCxnSpPr>
+                <p:cNvPr id="44" name="Curved Connector 43"/>
+                <p:cNvCxnSpPr/>
+                <p:nvPr/>
+              </p:nvCxnSpPr>
+              <p:spPr>
+                <a:xfrm flipV="1">
+                  <a:off x="6570829" y="1945753"/>
+                  <a:ext cx="564535" cy="106821"/>
+                </a:xfrm>
+                <a:prstGeom prst="curvedConnector3">
+                  <a:avLst>
+                    <a:gd name="adj1" fmla="val 50000"/>
+                  </a:avLst>
+                </a:prstGeom>
+                <a:ln>
+                  <a:prstDash val="sysDot"/>
+                  <a:tailEnd type="arrow"/>
+                </a:ln>
+              </p:spPr>
+              <p:style>
+                <a:lnRef idx="2">
+                  <a:schemeClr val="accent1"/>
+                </a:lnRef>
+                <a:fillRef idx="0">
+                  <a:schemeClr val="accent1"/>
+                </a:fillRef>
+                <a:effectRef idx="1">
+                  <a:schemeClr val="accent1"/>
+                </a:effectRef>
+                <a:fontRef idx="minor">
+                  <a:schemeClr val="tx1"/>
+                </a:fontRef>
+              </p:style>
+            </p:cxnSp>
+          </p:grpSp>
+        </p:grpSp>
+        <p:grpSp>
+          <p:nvGrpSpPr>
+            <p:cNvPr id="5" name="Group 4"/>
+            <p:cNvGrpSpPr/>
+            <p:nvPr/>
+          </p:nvGrpSpPr>
+          <p:grpSpPr>
+            <a:xfrm>
+              <a:off x="4721063" y="2179457"/>
+              <a:ext cx="4098011" cy="2410551"/>
+              <a:chOff x="4721063" y="2062366"/>
+              <a:chExt cx="4098011" cy="2410551"/>
+            </a:xfrm>
+          </p:grpSpPr>
           <p:sp useBgFill="1">
             <p:nvSpPr>
               <p:cNvPr id="14" name="Oval 13"/>
@@ -8998,7 +9488,7 @@
             </p:nvSpPr>
             <p:spPr>
               <a:xfrm>
-                <a:off x="4875403" y="5329713"/>
+                <a:off x="4721063" y="3725355"/>
                 <a:ext cx="1230006" cy="747562"/>
               </a:xfrm>
               <a:prstGeom prst="ellipse">
@@ -9048,7 +9538,7 @@
             </p:nvSpPr>
             <p:spPr>
               <a:xfrm>
-                <a:off x="7743408" y="5246622"/>
+                <a:off x="7589068" y="3642264"/>
                 <a:ext cx="1230006" cy="747562"/>
               </a:xfrm>
               <a:prstGeom prst="ellipse">
@@ -9098,7 +9588,7 @@
             </p:nvSpPr>
             <p:spPr>
               <a:xfrm>
-                <a:off x="6285977" y="5246622"/>
+                <a:off x="6131637" y="3642264"/>
                 <a:ext cx="1230006" cy="747562"/>
               </a:xfrm>
               <a:prstGeom prst="ellipse">
@@ -9148,7 +9638,7 @@
             </p:nvSpPr>
             <p:spPr>
               <a:xfrm>
-                <a:off x="6155065" y="3837485"/>
+                <a:off x="6000725" y="2233127"/>
                 <a:ext cx="1230006" cy="747562"/>
               </a:xfrm>
               <a:prstGeom prst="ellipse">
@@ -9201,7 +9691,7 @@
             </p:nvCxnSpPr>
             <p:spPr>
               <a:xfrm rot="10800000" flipV="1">
-                <a:off x="5055533" y="4211265"/>
+                <a:off x="4901193" y="2606907"/>
                 <a:ext cx="1099532" cy="1227925"/>
               </a:xfrm>
               <a:prstGeom prst="curvedConnector2">
@@ -9237,7 +9727,7 @@
             </p:nvCxnSpPr>
             <p:spPr>
               <a:xfrm>
-                <a:off x="7385071" y="4211266"/>
+                <a:off x="7230731" y="2606908"/>
                 <a:ext cx="1408213" cy="1144834"/>
               </a:xfrm>
               <a:prstGeom prst="curvedConnector2">
@@ -9273,7 +9763,7 @@
             </p:nvCxnSpPr>
             <p:spPr>
               <a:xfrm rot="5400000" flipH="1" flipV="1">
-                <a:off x="5485728" y="4480247"/>
+                <a:off x="5331388" y="2875889"/>
                 <a:ext cx="854144" cy="844789"/>
               </a:xfrm>
               <a:prstGeom prst="curvedConnector3">
@@ -9312,7 +9802,7 @@
             </p:nvCxnSpPr>
             <p:spPr>
               <a:xfrm rot="16200000" flipV="1">
-                <a:off x="7396150" y="4284361"/>
+                <a:off x="7241810" y="2680003"/>
                 <a:ext cx="771053" cy="1153470"/>
               </a:xfrm>
               <a:prstGeom prst="curvedConnector3">
@@ -9351,7 +9841,7 @@
             </p:nvCxnSpPr>
             <p:spPr>
               <a:xfrm rot="5400000">
-                <a:off x="6232562" y="4818593"/>
+                <a:off x="6078222" y="3214235"/>
                 <a:ext cx="771053" cy="303961"/>
               </a:xfrm>
               <a:prstGeom prst="curvedConnector3">
@@ -9389,7 +9879,7 @@
             </p:nvCxnSpPr>
             <p:spPr>
               <a:xfrm rot="16200000" flipV="1">
-                <a:off x="6667435" y="4687681"/>
+                <a:off x="6513095" y="3083323"/>
                 <a:ext cx="771053" cy="565785"/>
               </a:xfrm>
               <a:prstGeom prst="curvedConnector3">
@@ -9417,59 +9907,20 @@
               </a:fontRef>
             </p:style>
           </p:cxnSp>
-          <p:cxnSp>
-            <p:nvCxnSpPr>
-              <p:cNvPr id="38" name="Curved Connector 37"/>
-              <p:cNvCxnSpPr/>
-              <p:nvPr/>
-            </p:nvCxnSpPr>
-            <p:spPr>
-              <a:xfrm flipV="1">
-                <a:off x="5041539" y="6356479"/>
-                <a:ext cx="564535" cy="106821"/>
-              </a:xfrm>
-              <a:prstGeom prst="curvedConnector3">
-                <a:avLst>
-                  <a:gd name="adj1" fmla="val 50000"/>
-                </a:avLst>
-              </a:prstGeom>
-              <a:ln>
-                <a:tailEnd type="arrow"/>
-              </a:ln>
-            </p:spPr>
-            <p:style>
-              <a:lnRef idx="2">
-                <a:schemeClr val="accent1"/>
-              </a:lnRef>
-              <a:fillRef idx="0">
-                <a:schemeClr val="accent1"/>
-              </a:fillRef>
-              <a:effectRef idx="1">
-                <a:schemeClr val="accent1"/>
-              </a:effectRef>
-              <a:fontRef idx="minor">
-                <a:schemeClr val="tx1"/>
-              </a:fontRef>
-            </p:style>
-          </p:cxnSp>
-          <p:sp useBgFill="1">
+          <p:sp>
             <p:nvSpPr>
-              <p:cNvPr id="43" name="Rectangle 42"/>
+              <p:cNvPr id="49" name="Oval 48"/>
               <p:cNvSpPr/>
               <p:nvPr/>
             </p:nvSpPr>
             <p:spPr>
               <a:xfrm>
-                <a:off x="7266612" y="6221223"/>
-                <a:ext cx="1187087" cy="210498"/>
+                <a:off x="5768803" y="2062366"/>
+                <a:ext cx="77063" cy="99567"/>
               </a:xfrm>
-              <a:prstGeom prst="rect">
+              <a:prstGeom prst="ellipse">
                 <a:avLst/>
               </a:prstGeom>
-              <a:ln>
-                <a:noFill/>
-              </a:ln>
-              <a:effectLst/>
             </p:spPr>
             <p:style>
               <a:lnRef idx="1">
@@ -9486,51 +9937,31 @@
               </a:fontRef>
             </p:style>
             <p:txBody>
-              <a:bodyPr rtlCol="0" anchor="t" anchorCtr="0"/>
+              <a:bodyPr rtlCol="0" anchor="ctr"/>
               <a:lstStyle/>
               <a:p>
-                <a:r>
-                  <a:rPr lang="en-US" sz="1200" dirty="0">
-                    <a:solidFill>
-                      <a:srgbClr val="292934"/>
-                    </a:solidFill>
-                  </a:rPr>
-                  <a:t>u</a:t>
-                </a:r>
-                <a:r>
-                  <a:rPr lang="en-US" sz="1200" dirty="0" smtClean="0">
-                    <a:solidFill>
-                      <a:srgbClr val="292934"/>
-                    </a:solidFill>
-                  </a:rPr>
-                  <a:t>pdate code</a:t>
-                </a:r>
-                <a:endParaRPr lang="en-US" sz="1200" dirty="0">
-                  <a:solidFill>
-                    <a:srgbClr val="292934"/>
-                  </a:solidFill>
-                </a:endParaRPr>
+                <a:pPr algn="ctr"/>
+                <a:endParaRPr lang="en-US"/>
               </a:p>
             </p:txBody>
           </p:sp>
           <p:cxnSp>
             <p:nvCxnSpPr>
-              <p:cNvPr id="44" name="Curved Connector 43"/>
-              <p:cNvCxnSpPr/>
+              <p:cNvPr id="51" name="Straight Arrow Connector 50"/>
+              <p:cNvCxnSpPr>
+                <a:stCxn id="49" idx="5"/>
+              </p:cNvCxnSpPr>
               <p:nvPr/>
             </p:nvCxnSpPr>
             <p:spPr>
-              <a:xfrm flipV="1">
-                <a:off x="6725169" y="6378309"/>
-                <a:ext cx="564535" cy="106821"/>
+              <a:xfrm>
+                <a:off x="5834580" y="2147352"/>
+                <a:ext cx="369675" cy="209834"/>
               </a:xfrm>
-              <a:prstGeom prst="curvedConnector3">
-                <a:avLst>
-                  <a:gd name="adj1" fmla="val 50000"/>
-                </a:avLst>
+              <a:prstGeom prst="straightConnector1">
+                <a:avLst/>
               </a:prstGeom>
               <a:ln>
-                <a:prstDash val="sysDot"/>
                 <a:tailEnd type="arrow"/>
               </a:ln>
             </p:spPr>
@@ -9552,162 +9983,35 @@
         </p:grpSp>
         <p:sp>
           <p:nvSpPr>
-            <p:cNvPr id="49" name="Oval 48"/>
-            <p:cNvSpPr/>
+            <p:cNvPr id="20" name="TextBox 19"/>
+            <p:cNvSpPr txBox="1"/>
             <p:nvPr/>
           </p:nvSpPr>
           <p:spPr>
             <a:xfrm>
-              <a:off x="5768803" y="1550416"/>
-              <a:ext cx="77063" cy="99567"/>
+              <a:off x="4901192" y="1792470"/>
+              <a:ext cx="2329539" cy="338554"/>
             </a:xfrm>
-            <a:prstGeom prst="ellipse">
+            <a:prstGeom prst="rect">
               <a:avLst/>
             </a:prstGeom>
+            <a:noFill/>
           </p:spPr>
-          <p:style>
-            <a:lnRef idx="1">
-              <a:schemeClr val="accent1"/>
-            </a:lnRef>
-            <a:fillRef idx="3">
-              <a:schemeClr val="accent1"/>
-            </a:fillRef>
-            <a:effectRef idx="2">
-              <a:schemeClr val="accent1"/>
-            </a:effectRef>
-            <a:fontRef idx="minor">
-              <a:schemeClr val="lt1"/>
-            </a:fontRef>
-          </p:style>
           <p:txBody>
-            <a:bodyPr rtlCol="0" anchor="ctr"/>
+            <a:bodyPr wrap="square" rtlCol="0">
+              <a:spAutoFit/>
+            </a:bodyPr>
             <a:lstStyle/>
             <a:p>
-              <a:pPr algn="ctr"/>
-              <a:endParaRPr lang="en-US"/>
+              <a:r>
+                <a:rPr lang="en-US" sz="1600" dirty="0" smtClean="0"/>
+                <a:t>Test Run States</a:t>
+              </a:r>
+              <a:endParaRPr lang="en-US" sz="1600" dirty="0"/>
             </a:p>
           </p:txBody>
         </p:sp>
-        <p:cxnSp>
-          <p:nvCxnSpPr>
-            <p:cNvPr id="51" name="Straight Arrow Connector 50"/>
-            <p:cNvCxnSpPr>
-              <a:stCxn id="49" idx="5"/>
-            </p:cNvCxnSpPr>
-            <p:nvPr/>
-          </p:nvCxnSpPr>
-          <p:spPr>
-            <a:xfrm>
-              <a:off x="5834580" y="1635402"/>
-              <a:ext cx="369675" cy="209834"/>
-            </a:xfrm>
-            <a:prstGeom prst="straightConnector1">
-              <a:avLst/>
-            </a:prstGeom>
-            <a:ln>
-              <a:tailEnd type="arrow"/>
-            </a:ln>
-          </p:spPr>
-          <p:style>
-            <a:lnRef idx="2">
-              <a:schemeClr val="accent1"/>
-            </a:lnRef>
-            <a:fillRef idx="0">
-              <a:schemeClr val="accent1"/>
-            </a:fillRef>
-            <a:effectRef idx="1">
-              <a:schemeClr val="accent1"/>
-            </a:effectRef>
-            <a:fontRef idx="minor">
-              <a:schemeClr val="tx1"/>
-            </a:fontRef>
-          </p:style>
-        </p:cxnSp>
       </p:grpSp>
-      <p:sp>
-        <p:nvSpPr>
-          <p:cNvPr id="57" name="TextBox 56"/>
-          <p:cNvSpPr txBox="1"/>
-          <p:nvPr/>
-        </p:nvSpPr>
-        <p:spPr>
-          <a:xfrm>
-            <a:off x="4981742" y="5161928"/>
-            <a:ext cx="3705058" cy="1323439"/>
-          </a:xfrm>
-          <a:prstGeom prst="rect">
-            <a:avLst/>
-          </a:prstGeom>
-          <a:noFill/>
-        </p:spPr>
-        <p:txBody>
-          <a:bodyPr wrap="square" rtlCol="0">
-            <a:spAutoFit/>
-          </a:bodyPr>
-          <a:lstStyle/>
-          <a:p>
-            <a:r>
-              <a:rPr lang="en-US" sz="1600" dirty="0" smtClean="0"/>
-              <a:t>Challenges:</a:t>
-            </a:r>
-          </a:p>
-          <a:p>
-            <a:pPr marL="285750" indent="-285750">
-              <a:buFont typeface="Wingdings" charset="0"/>
-              <a:buChar char="à"/>
-            </a:pPr>
-            <a:r>
-              <a:rPr lang="en-US" sz="1600" dirty="0">
-                <a:sym typeface="Wingdings"/>
-              </a:rPr>
-              <a:t>i</a:t>
-            </a:r>
-            <a:r>
-              <a:rPr lang="en-US" sz="1600" dirty="0" smtClean="0">
-                <a:sym typeface="Wingdings"/>
-              </a:rPr>
-              <a:t>dentifying deadlocks</a:t>
-            </a:r>
-          </a:p>
-          <a:p>
-            <a:pPr marL="285750" indent="-285750">
-              <a:buFont typeface="Wingdings" charset="0"/>
-              <a:buChar char="à"/>
-            </a:pPr>
-            <a:r>
-              <a:rPr lang="en-US" sz="1600" dirty="0" smtClean="0">
-                <a:sym typeface="Wingdings"/>
-              </a:rPr>
-              <a:t>reproducing test runs</a:t>
-            </a:r>
-          </a:p>
-          <a:p>
-            <a:pPr marL="285750" indent="-285750">
-              <a:buFont typeface="Wingdings" charset="0"/>
-              <a:buChar char="à"/>
-            </a:pPr>
-            <a:r>
-              <a:rPr lang="en-US" sz="1600" dirty="0">
-                <a:sym typeface="Wingdings"/>
-              </a:rPr>
-              <a:t>a</a:t>
-            </a:r>
-            <a:r>
-              <a:rPr lang="en-US" sz="1600" dirty="0" smtClean="0">
-                <a:sym typeface="Wingdings"/>
-              </a:rPr>
-              <a:t>chieving high schedule coverage </a:t>
-            </a:r>
-          </a:p>
-          <a:p>
-            <a:pPr marL="285750" indent="-285750">
-              <a:buFont typeface="Wingdings" charset="0"/>
-              <a:buChar char="à"/>
-            </a:pPr>
-            <a:endParaRPr lang="en-US" sz="1600" dirty="0"/>
-          </a:p>
-        </p:txBody>
-      </p:sp>
     </p:spTree>
     <p:extLst>
       <p:ext uri="{BB962C8B-B14F-4D97-AF65-F5344CB8AC3E}">
@@ -9765,25 +10069,39 @@
                                   </p:childTnLst>
                                 </p:cTn>
                               </p:par>
+                            </p:childTnLst>
+                          </p:cTn>
+                        </p:par>
+                      </p:childTnLst>
+                    </p:cTn>
+                  </p:par>
+                  <p:par>
+                    <p:cTn id="7" fill="hold">
+                      <p:stCondLst>
+                        <p:cond delay="indefinite"/>
+                      </p:stCondLst>
+                      <p:childTnLst>
+                        <p:par>
+                          <p:cTn id="8" fill="hold">
+                            <p:stCondLst>
+                              <p:cond delay="0"/>
+                            </p:stCondLst>
+                            <p:childTnLst>
                               <p:par>
-                                <p:cTn id="7" presetID="1" presetClass="entr" presetSubtype="0" fill="hold" grpId="0" nodeType="withEffect">
+                                <p:cTn id="9" presetID="1" presetClass="entr" presetSubtype="0" fill="hold" nodeType="clickEffect">
                                   <p:stCondLst>
                                     <p:cond delay="0"/>
                                   </p:stCondLst>
                                   <p:childTnLst>
                                     <p:set>
                                       <p:cBhvr>
-                                        <p:cTn id="8" dur="1" fill="hold">
+                                        <p:cTn id="10" dur="1" fill="hold">
                                           <p:stCondLst>
                                             <p:cond delay="0"/>
                                           </p:stCondLst>
                                         </p:cTn>
                                         <p:tgtEl>
-                                          <p:spTgt spid="3">
-                                            <p:txEl>
-                                              <p:pRg st="0" end="0"/>
-                                            </p:txEl>
-                                          </p:spTgt>
+                                          <p:spTgt spid="56"/>
                                         </p:tgtEl>
                                         <p:attrNameLst>
                                           <p:attrName>style.visibility</p:attrName>
@@ -9796,26 +10114,8 @@
                                   </p:childTnLst>
                                 </p:cTn>
                               </p:par>
-                            </p:childTnLst>
-                          </p:cTn>
-                        </p:par>
-                      </p:childTnLst>
-                    </p:cTn>
-                  </p:par>
-                  <p:par>
-                    <p:cTn id="9" fill="hold">
-                      <p:stCondLst>
-                        <p:cond delay="indefinite"/>
-                      </p:stCondLst>
-                      <p:childTnLst>
-                        <p:par>
-                          <p:cTn id="10" fill="hold">
-                            <p:stCondLst>
-                              <p:cond delay="0"/>
-                            </p:stCondLst>
-                            <p:childTnLst>
                               <p:par>
-                                <p:cTn id="11" presetID="1" presetClass="entr" presetSubtype="0" fill="hold" nodeType="clickEffect">
+                                <p:cTn id="11" presetID="1" presetClass="entr" presetSubtype="0" fill="hold" grpId="0" nodeType="withEffect">
                                   <p:stCondLst>
                                     <p:cond delay="0"/>
                                   </p:stCondLst>
@@ -9828,7 +10128,11 @@
                                           </p:stCondLst>
                                         </p:cTn>
                                         <p:tgtEl>
-                                          <p:spTgt spid="56"/>
+                                          <p:spTgt spid="3">
+                                            <p:txEl>
+                                              <p:pRg st="0" end="0"/>
+                                            </p:txEl>
+                                          </p:spTgt>
                                         </p:tgtEl>
                                         <p:attrNameLst>
                                           <p:attrName>style.visibility</p:attrName>
@@ -9873,7 +10177,7 @@
                                           </p:stCondLst>
                                         </p:cTn>
                                         <p:tgtEl>
-                                          <p:spTgt spid="53"/>
+                                          <p:spTgt spid="22"/>
                                         </p:tgtEl>
                                         <p:attrNameLst>
                                           <p:attrName>style.visibility</p:attrName>
@@ -10027,17 +10331,12 @@
               <a:rPr lang="en-US" dirty="0" smtClean="0"/>
               <a:t>Problem space:</a:t>
             </a:r>
-            <a:endParaRPr lang="en-US" dirty="0" smtClean="0"/>
           </a:p>
           <a:p>
             <a:pPr lvl="1"/>
             <a:r>
               <a:rPr lang="en-US" dirty="0" smtClean="0"/>
-              <a:t>Students have insufficient resources to adequately determine if their multithreaded program is free from deadlock and/or race conditions. </a:t>
-            </a:r>
-            <a:r>
-              <a:rPr lang="en-US" dirty="0" smtClean="0"/>
-              <a:t> Testing </a:t>
+              <a:t>Students have insufficient resources to adequately determine if their multithreaded program is free from deadlock and/or race conditions.  Testing </a:t>
             </a:r>
             <a:r>
               <a:rPr lang="en-US" dirty="0"/>
@@ -10077,7 +10376,6 @@
               <a:rPr lang="en-US" dirty="0" smtClean="0"/>
               <a:t>synchronization</a:t>
             </a:r>
-            <a:endParaRPr lang="en-US" dirty="0" smtClean="0"/>
           </a:p>
         </p:txBody>
       </p:sp>
@@ -10253,7 +10551,6 @@
               <a:rPr lang="en-US" dirty="0" smtClean="0"/>
               <a:t>present</a:t>
             </a:r>
-            <a:endParaRPr lang="en-US" dirty="0" smtClean="0"/>
           </a:p>
         </p:txBody>
       </p:sp>
@@ -11089,8 +11386,8 @@
         </p:nvSpPr>
         <p:spPr>
           <a:xfrm>
-            <a:off x="3530601" y="1937134"/>
-            <a:ext cx="1998134" cy="524933"/>
+            <a:off x="3530602" y="1937134"/>
+            <a:ext cx="1439332" cy="524933"/>
           </a:xfrm>
           <a:prstGeom prst="rect">
             <a:avLst/>
@@ -11116,97 +11413,32 @@
           <a:p>
             <a:pPr algn="ctr"/>
             <a:r>
-              <a:rPr lang="en-US" sz="1600" dirty="0" smtClean="0"/>
+              <a:rPr lang="en-US" sz="1200" dirty="0" smtClean="0"/>
               <a:t>Concur </a:t>
             </a:r>
           </a:p>
           <a:p>
             <a:pPr algn="ctr"/>
             <a:r>
-              <a:rPr lang="en-US" sz="1600" dirty="0" smtClean="0"/>
+              <a:rPr lang="en-US" sz="1200" dirty="0" smtClean="0"/>
               <a:t>Test Framework</a:t>
             </a:r>
-            <a:endParaRPr lang="en-US" sz="1600" dirty="0"/>
-          </a:p>
-        </p:txBody>
-      </p:sp>
-      <p:sp>
-        <p:nvSpPr>
-          <p:cNvPr id="8" name="Rectangle 7"/>
-          <p:cNvSpPr/>
-          <p:nvPr/>
-        </p:nvSpPr>
-        <p:spPr>
-          <a:xfrm>
-            <a:off x="4685548" y="3345794"/>
-            <a:ext cx="1225565" cy="524933"/>
-          </a:xfrm>
-          <a:prstGeom prst="rect">
-            <a:avLst/>
-          </a:prstGeom>
-        </p:spPr>
-        <p:style>
-          <a:lnRef idx="1">
-            <a:schemeClr val="accent1"/>
-          </a:lnRef>
-          <a:fillRef idx="3">
-            <a:schemeClr val="accent1"/>
-          </a:fillRef>
-          <a:effectRef idx="2">
-            <a:schemeClr val="accent1"/>
-          </a:effectRef>
-          <a:fontRef idx="minor">
-            <a:schemeClr val="lt1"/>
-          </a:fontRef>
-        </p:style>
-        <p:txBody>
-          <a:bodyPr rtlCol="0" anchor="ctr"/>
-          <a:lstStyle/>
-          <a:p>
-            <a:pPr algn="ctr"/>
-            <a:r>
-              <a:rPr lang="en-US" sz="1600" dirty="0" smtClean="0"/>
-              <a:t>Scheduler</a:t>
-            </a:r>
-          </a:p>
-          <a:p>
-            <a:pPr algn="ctr"/>
-            <a:r>
-              <a:rPr lang="en-US" sz="1400" dirty="0" err="1">
-                <a:solidFill>
-                  <a:srgbClr val="292934"/>
-                </a:solidFill>
-              </a:rPr>
-              <a:t>s</a:t>
-            </a:r>
-            <a:r>
-              <a:rPr lang="en-US" sz="1400" dirty="0" err="1" smtClean="0">
-                <a:solidFill>
-                  <a:srgbClr val="292934"/>
-                </a:solidFill>
-              </a:rPr>
-              <a:t>ched.cpp</a:t>
-            </a:r>
-            <a:endParaRPr lang="en-US" sz="1400" dirty="0">
-              <a:solidFill>
-                <a:srgbClr val="292934"/>
-              </a:solidFill>
-            </a:endParaRPr>
+            <a:endParaRPr lang="en-US" sz="1200" dirty="0"/>
           </a:p>
         </p:txBody>
       </p:sp>
       <p:grpSp>
         <p:nvGrpSpPr>
-          <p:cNvPr id="40" name="Group 39"/>
+          <p:cNvPr id="216" name="Group 215"/>
           <p:cNvGrpSpPr/>
           <p:nvPr/>
         </p:nvGrpSpPr>
         <p:grpSpPr>
           <a:xfrm>
-            <a:off x="4529669" y="2462066"/>
-            <a:ext cx="4355439" cy="1408661"/>
-            <a:chOff x="4529669" y="2462066"/>
-            <a:chExt cx="4355439" cy="1408661"/>
+            <a:off x="4250268" y="2462066"/>
+            <a:ext cx="4680866" cy="1408661"/>
+            <a:chOff x="4250268" y="2462066"/>
+            <a:chExt cx="4680866" cy="1408661"/>
           </a:xfrm>
         </p:grpSpPr>
         <p:sp>
@@ -11217,8 +11449,8 @@
           </p:nvSpPr>
           <p:spPr>
             <a:xfrm>
-              <a:off x="7594416" y="3345794"/>
-              <a:ext cx="1290692" cy="524933"/>
+              <a:off x="7775787" y="3345794"/>
+              <a:ext cx="1155347" cy="524933"/>
             </a:xfrm>
             <a:prstGeom prst="rect">
               <a:avLst/>
@@ -11244,14 +11476,14 @@
             <a:p>
               <a:pPr algn="ctr"/>
               <a:r>
-                <a:rPr lang="en-US" sz="1600" dirty="0" smtClean="0"/>
+                <a:rPr lang="en-US" sz="1200" dirty="0" smtClean="0"/>
                 <a:t>Wrapper</a:t>
               </a:r>
             </a:p>
             <a:p>
               <a:pPr algn="ctr"/>
               <a:r>
-                <a:rPr lang="en-US" sz="1400" dirty="0">
+                <a:rPr lang="en-US" sz="1200" dirty="0">
                   <a:solidFill>
                     <a:schemeClr val="tx1"/>
                   </a:solidFill>
@@ -11259,7 +11491,7 @@
                 <a:t>r</a:t>
               </a:r>
               <a:r>
-                <a:rPr lang="en-US" sz="1400" dirty="0" smtClean="0">
+                <a:rPr lang="en-US" sz="1200" dirty="0" smtClean="0">
                   <a:solidFill>
                     <a:schemeClr val="tx1"/>
                   </a:solidFill>
@@ -11267,14 +11499,14 @@
                 <a:t>un-</a:t>
               </a:r>
               <a:r>
-                <a:rPr lang="en-US" sz="1400" dirty="0" err="1" smtClean="0">
+                <a:rPr lang="en-US" sz="1200" dirty="0" err="1" smtClean="0">
                   <a:solidFill>
                     <a:schemeClr val="tx1"/>
                   </a:solidFill>
                 </a:rPr>
                 <a:t>concur.py</a:t>
               </a:r>
-              <a:endParaRPr lang="en-US" sz="1400" dirty="0">
+              <a:endParaRPr lang="en-US" sz="1200" dirty="0">
                 <a:solidFill>
                   <a:schemeClr val="tx1"/>
                 </a:solidFill>
@@ -11293,8 +11525,8 @@
           </p:nvCxnSpPr>
           <p:spPr>
             <a:xfrm rot="16200000" flipH="1">
-              <a:off x="5942852" y="1048883"/>
-              <a:ext cx="883727" cy="3710094"/>
+              <a:off x="5860001" y="852333"/>
+              <a:ext cx="883727" cy="4103193"/>
             </a:xfrm>
             <a:prstGeom prst="bentConnector3">
               <a:avLst/>
@@ -11319,66 +11551,30 @@
           </p:style>
         </p:cxnSp>
       </p:grpSp>
-      <p:cxnSp>
-        <p:nvCxnSpPr>
-          <p:cNvPr id="18" name="Elbow Connector 17"/>
-          <p:cNvCxnSpPr>
-            <a:stCxn id="3" idx="2"/>
-            <a:endCxn id="8" idx="0"/>
-          </p:cNvCxnSpPr>
-          <p:nvPr/>
-        </p:nvCxnSpPr>
-        <p:spPr>
-          <a:xfrm rot="16200000" flipH="1">
-            <a:off x="4472136" y="2519598"/>
-            <a:ext cx="883727" cy="768663"/>
-          </a:xfrm>
-          <a:prstGeom prst="bentConnector3">
-            <a:avLst/>
-          </a:prstGeom>
-          <a:ln>
-            <a:tailEnd type="arrow"/>
-          </a:ln>
-        </p:spPr>
-        <p:style>
-          <a:lnRef idx="2">
-            <a:schemeClr val="accent1"/>
-          </a:lnRef>
-          <a:fillRef idx="0">
-            <a:schemeClr val="accent1"/>
-          </a:fillRef>
-          <a:effectRef idx="1">
-            <a:schemeClr val="accent1"/>
-          </a:effectRef>
-          <a:fontRef idx="minor">
-            <a:schemeClr val="tx1"/>
-          </a:fontRef>
-        </p:style>
-      </p:cxnSp>
       <p:grpSp>
         <p:nvGrpSpPr>
-          <p:cNvPr id="39" name="Group 38"/>
+          <p:cNvPr id="201" name="Group 200"/>
           <p:cNvGrpSpPr/>
           <p:nvPr/>
         </p:nvGrpSpPr>
         <p:grpSpPr>
           <a:xfrm>
-            <a:off x="4529668" y="2462066"/>
-            <a:ext cx="2802712" cy="1399719"/>
-            <a:chOff x="4529668" y="2462066"/>
-            <a:chExt cx="2802712" cy="1399719"/>
+            <a:off x="1731928" y="2462067"/>
+            <a:ext cx="2518341" cy="1474933"/>
+            <a:chOff x="1681128" y="2462067"/>
+            <a:chExt cx="2518341" cy="1474933"/>
           </a:xfrm>
         </p:grpSpPr>
         <p:sp>
           <p:nvSpPr>
-            <p:cNvPr id="7" name="Rectangle 6"/>
+            <p:cNvPr id="6" name="Rectangle 5"/>
             <p:cNvSpPr/>
             <p:nvPr/>
           </p:nvSpPr>
           <p:spPr>
             <a:xfrm>
-              <a:off x="6224589" y="3336852"/>
-              <a:ext cx="1107791" cy="524933"/>
+              <a:off x="1681128" y="3345794"/>
+              <a:ext cx="1282205" cy="591206"/>
             </a:xfrm>
             <a:prstGeom prst="rect">
               <a:avLst/>
@@ -11404,29 +11600,21 @@
             <a:p>
               <a:pPr algn="ctr"/>
               <a:r>
-                <a:rPr lang="en-US" sz="1600" dirty="0" smtClean="0"/>
-                <a:t>Logging</a:t>
+                <a:rPr lang="en-US" sz="1200" dirty="0" smtClean="0"/>
+                <a:t>Instrumentation Tool</a:t>
               </a:r>
             </a:p>
             <a:p>
               <a:pPr algn="ctr"/>
               <a:r>
-                <a:rPr lang="en-US" sz="1400" dirty="0" err="1">
+                <a:rPr lang="en-US" sz="1200" dirty="0" smtClean="0">
                   <a:solidFill>
                     <a:srgbClr val="292934"/>
                   </a:solidFill>
                 </a:rPr>
-                <a:t>l</a:t>
+                <a:t>SUDS</a:t>
               </a:r>
-              <a:r>
-                <a:rPr lang="en-US" sz="1400" dirty="0" err="1" smtClean="0">
-                  <a:solidFill>
-                    <a:srgbClr val="292934"/>
-                  </a:solidFill>
-                </a:rPr>
-                <a:t>ogger.cpp</a:t>
-              </a:r>
-              <a:endParaRPr lang="en-US" sz="1400" dirty="0">
+              <a:endParaRPr lang="en-US" sz="1200" dirty="0">
                 <a:solidFill>
                   <a:srgbClr val="292934"/>
                 </a:solidFill>
@@ -11436,17 +11624,17 @@
         </p:sp>
         <p:cxnSp>
           <p:nvCxnSpPr>
-            <p:cNvPr id="21" name="Elbow Connector 20"/>
+            <p:cNvPr id="24" name="Elbow Connector 23"/>
             <p:cNvCxnSpPr>
               <a:stCxn id="3" idx="2"/>
-              <a:endCxn id="7" idx="0"/>
+              <a:endCxn id="6" idx="0"/>
             </p:cNvCxnSpPr>
             <p:nvPr/>
           </p:nvCxnSpPr>
           <p:spPr>
-            <a:xfrm rot="16200000" flipH="1">
-              <a:off x="5216684" y="1775050"/>
-              <a:ext cx="874785" cy="2248817"/>
+            <a:xfrm rot="5400000">
+              <a:off x="2818987" y="1965312"/>
+              <a:ext cx="883727" cy="1877237"/>
             </a:xfrm>
             <a:prstGeom prst="bentConnector3">
               <a:avLst>
@@ -11475,28 +11663,28 @@
       </p:grpSp>
       <p:grpSp>
         <p:nvGrpSpPr>
-          <p:cNvPr id="12" name="Group 11"/>
+          <p:cNvPr id="208" name="Group 207"/>
           <p:cNvGrpSpPr/>
           <p:nvPr/>
         </p:nvGrpSpPr>
         <p:grpSpPr>
           <a:xfrm>
-            <a:off x="2315496" y="2462067"/>
-            <a:ext cx="2214172" cy="1399716"/>
-            <a:chOff x="6759425" y="2449715"/>
-            <a:chExt cx="2214172" cy="1399716"/>
+            <a:off x="234172" y="2462068"/>
+            <a:ext cx="4016096" cy="2774416"/>
+            <a:chOff x="234172" y="2462068"/>
+            <a:chExt cx="4016096" cy="2774416"/>
           </a:xfrm>
         </p:grpSpPr>
         <p:sp>
           <p:nvSpPr>
-            <p:cNvPr id="6" name="Rectangle 5"/>
+            <p:cNvPr id="5" name="Rectangle 4"/>
             <p:cNvSpPr/>
             <p:nvPr/>
           </p:nvSpPr>
           <p:spPr>
             <a:xfrm>
-              <a:off x="6759425" y="3324499"/>
-              <a:ext cx="2054376" cy="524932"/>
+              <a:off x="234172" y="3324499"/>
+              <a:ext cx="1124529" cy="524933"/>
             </a:xfrm>
             <a:prstGeom prst="rect">
               <a:avLst/>
@@ -11522,21 +11710,136 @@
             <a:p>
               <a:pPr algn="ctr"/>
               <a:r>
-                <a:rPr lang="en-US" sz="1600" dirty="0" smtClean="0"/>
-                <a:t>Instrumentation Tool</a:t>
+                <a:rPr lang="en-US" sz="1200" dirty="0" smtClean="0"/>
+                <a:t>Multithreaded Application</a:t>
+              </a:r>
+              <a:endParaRPr lang="en-US" sz="1200" dirty="0"/>
+            </a:p>
+          </p:txBody>
+        </p:sp>
+        <p:sp>
+          <p:nvSpPr>
+            <p:cNvPr id="9" name="Rectangle 8"/>
+            <p:cNvSpPr/>
+            <p:nvPr/>
+          </p:nvSpPr>
+          <p:spPr>
+            <a:xfrm>
+              <a:off x="234173" y="4844171"/>
+              <a:ext cx="917294" cy="392313"/>
+            </a:xfrm>
+            <a:prstGeom prst="rect">
+              <a:avLst/>
+            </a:prstGeom>
+          </p:spPr>
+          <p:style>
+            <a:lnRef idx="1">
+              <a:schemeClr val="accent1"/>
+            </a:lnRef>
+            <a:fillRef idx="3">
+              <a:schemeClr val="accent1"/>
+            </a:fillRef>
+            <a:effectRef idx="2">
+              <a:schemeClr val="accent1"/>
+            </a:effectRef>
+            <a:fontRef idx="minor">
+              <a:schemeClr val="lt1"/>
+            </a:fontRef>
+          </p:style>
+          <p:txBody>
+            <a:bodyPr rtlCol="0" anchor="ctr"/>
+            <a:lstStyle/>
+            <a:p>
+              <a:pPr algn="ctr"/>
+              <a:r>
+                <a:rPr lang="en-US" sz="1200" dirty="0" smtClean="0"/>
+                <a:t>Driver</a:t>
               </a:r>
             </a:p>
             <a:p>
               <a:pPr algn="ctr"/>
               <a:r>
-                <a:rPr lang="en-US" sz="1400" dirty="0" smtClean="0">
+                <a:rPr lang="en-US" sz="1200" dirty="0" err="1">
                   <a:solidFill>
                     <a:srgbClr val="292934"/>
                   </a:solidFill>
                 </a:rPr>
-                <a:t>SUDS</a:t>
+                <a:t>m</a:t>
               </a:r>
-              <a:endParaRPr lang="en-US" sz="1400" dirty="0">
+              <a:r>
+                <a:rPr lang="en-US" sz="1200" dirty="0" err="1" smtClean="0">
+                  <a:solidFill>
+                    <a:srgbClr val="292934"/>
+                  </a:solidFill>
+                </a:rPr>
+                <a:t>ain.c</a:t>
+              </a:r>
+              <a:endParaRPr lang="en-US" sz="1200" dirty="0">
+                <a:solidFill>
+                  <a:srgbClr val="292934"/>
+                </a:solidFill>
+              </a:endParaRPr>
+            </a:p>
+          </p:txBody>
+        </p:sp>
+        <p:sp>
+          <p:nvSpPr>
+            <p:cNvPr id="10" name="Rectangle 9"/>
+            <p:cNvSpPr/>
+            <p:nvPr/>
+          </p:nvSpPr>
+          <p:spPr>
+            <a:xfrm>
+              <a:off x="234173" y="4103335"/>
+              <a:ext cx="917294" cy="452920"/>
+            </a:xfrm>
+            <a:prstGeom prst="rect">
+              <a:avLst/>
+            </a:prstGeom>
+          </p:spPr>
+          <p:style>
+            <a:lnRef idx="1">
+              <a:schemeClr val="accent1"/>
+            </a:lnRef>
+            <a:fillRef idx="3">
+              <a:schemeClr val="accent1"/>
+            </a:fillRef>
+            <a:effectRef idx="2">
+              <a:schemeClr val="accent1"/>
+            </a:effectRef>
+            <a:fontRef idx="minor">
+              <a:schemeClr val="lt1"/>
+            </a:fontRef>
+          </p:style>
+          <p:txBody>
+            <a:bodyPr rtlCol="0" anchor="ctr"/>
+            <a:lstStyle/>
+            <a:p>
+              <a:pPr algn="ctr"/>
+              <a:r>
+                <a:rPr lang="en-US" sz="1200" dirty="0" smtClean="0"/>
+                <a:t>Program</a:t>
+              </a:r>
+            </a:p>
+            <a:p>
+              <a:pPr algn="ctr"/>
+              <a:r>
+                <a:rPr lang="en-US" sz="1200" dirty="0" err="1">
+                  <a:solidFill>
+                    <a:srgbClr val="292934"/>
+                  </a:solidFill>
+                </a:rPr>
+                <a:t>s</a:t>
+              </a:r>
+              <a:r>
+                <a:rPr lang="en-US" sz="1200" dirty="0" err="1" smtClean="0">
+                  <a:solidFill>
+                    <a:srgbClr val="292934"/>
+                  </a:solidFill>
+                </a:rPr>
+                <a:t>ections.c</a:t>
+              </a:r>
+              <a:endParaRPr lang="en-US" sz="1200" dirty="0">
                 <a:solidFill>
                   <a:srgbClr val="292934"/>
                 </a:solidFill>
@@ -11546,17 +11849,17 @@
         </p:sp>
         <p:cxnSp>
           <p:nvCxnSpPr>
-            <p:cNvPr id="24" name="Elbow Connector 23"/>
+            <p:cNvPr id="15" name="Elbow Connector 14"/>
             <p:cNvCxnSpPr>
               <a:stCxn id="3" idx="2"/>
-              <a:endCxn id="6" idx="0"/>
+              <a:endCxn id="5" idx="0"/>
             </p:cNvCxnSpPr>
             <p:nvPr/>
           </p:nvCxnSpPr>
           <p:spPr>
             <a:xfrm rot="5400000">
-              <a:off x="7942713" y="2293615"/>
-              <a:ext cx="874784" cy="1186984"/>
+              <a:off x="2092137" y="1166368"/>
+              <a:ext cx="862432" cy="3453831"/>
             </a:xfrm>
             <a:prstGeom prst="bentConnector3">
               <a:avLst>
@@ -11582,300 +11885,823 @@
             </a:fontRef>
           </p:style>
         </p:cxnSp>
+        <p:cxnSp>
+          <p:nvCxnSpPr>
+            <p:cNvPr id="27" name="Elbow Connector 26"/>
+            <p:cNvCxnSpPr>
+              <a:stCxn id="5" idx="3"/>
+              <a:endCxn id="9" idx="3"/>
+            </p:cNvCxnSpPr>
+            <p:nvPr/>
+          </p:nvCxnSpPr>
+          <p:spPr>
+            <a:xfrm flipH="1">
+              <a:off x="1151467" y="3586966"/>
+              <a:ext cx="207234" cy="1453362"/>
+            </a:xfrm>
+            <a:prstGeom prst="bentConnector3">
+              <a:avLst>
+                <a:gd name="adj1" fmla="val -61283"/>
+              </a:avLst>
+            </a:prstGeom>
+            <a:ln>
+              <a:tailEnd type="arrow"/>
+            </a:ln>
+          </p:spPr>
+          <p:style>
+            <a:lnRef idx="2">
+              <a:schemeClr val="accent1"/>
+            </a:lnRef>
+            <a:fillRef idx="0">
+              <a:schemeClr val="accent1"/>
+            </a:fillRef>
+            <a:effectRef idx="1">
+              <a:schemeClr val="accent1"/>
+            </a:effectRef>
+            <a:fontRef idx="minor">
+              <a:schemeClr val="tx1"/>
+            </a:fontRef>
+          </p:style>
+        </p:cxnSp>
+        <p:cxnSp>
+          <p:nvCxnSpPr>
+            <p:cNvPr id="30" name="Elbow Connector 29"/>
+            <p:cNvCxnSpPr>
+              <a:stCxn id="5" idx="3"/>
+              <a:endCxn id="10" idx="3"/>
+            </p:cNvCxnSpPr>
+            <p:nvPr/>
+          </p:nvCxnSpPr>
+          <p:spPr>
+            <a:xfrm flipH="1">
+              <a:off x="1151467" y="3586966"/>
+              <a:ext cx="207234" cy="742829"/>
+            </a:xfrm>
+            <a:prstGeom prst="bentConnector3">
+              <a:avLst>
+                <a:gd name="adj1" fmla="val -61283"/>
+              </a:avLst>
+            </a:prstGeom>
+            <a:ln>
+              <a:tailEnd type="arrow"/>
+            </a:ln>
+          </p:spPr>
+          <p:style>
+            <a:lnRef idx="2">
+              <a:schemeClr val="accent1"/>
+            </a:lnRef>
+            <a:fillRef idx="0">
+              <a:schemeClr val="accent1"/>
+            </a:fillRef>
+            <a:effectRef idx="1">
+              <a:schemeClr val="accent1"/>
+            </a:effectRef>
+            <a:fontRef idx="minor">
+              <a:schemeClr val="tx1"/>
+            </a:fontRef>
+          </p:style>
+        </p:cxnSp>
       </p:grpSp>
       <p:grpSp>
         <p:nvGrpSpPr>
-          <p:cNvPr id="14" name="Group 13"/>
+          <p:cNvPr id="205" name="Group 204"/>
           <p:cNvGrpSpPr/>
           <p:nvPr/>
         </p:nvGrpSpPr>
         <p:grpSpPr>
           <a:xfrm>
-            <a:off x="152400" y="2462067"/>
-            <a:ext cx="4377268" cy="2809671"/>
-            <a:chOff x="1151467" y="2462067"/>
-            <a:chExt cx="4377268" cy="2809671"/>
+            <a:off x="3378551" y="2462067"/>
+            <a:ext cx="1044437" cy="3413801"/>
+            <a:chOff x="3490311" y="2462067"/>
+            <a:chExt cx="1044437" cy="3413801"/>
           </a:xfrm>
         </p:grpSpPr>
-        <p:grpSp>
-          <p:nvGrpSpPr>
-            <p:cNvPr id="11" name="Group 10"/>
-            <p:cNvGrpSpPr/>
+        <p:cxnSp>
+          <p:nvCxnSpPr>
+            <p:cNvPr id="18" name="Elbow Connector 17"/>
+            <p:cNvCxnSpPr>
+              <a:stCxn id="3" idx="2"/>
+              <a:endCxn id="8" idx="0"/>
+            </p:cNvCxnSpPr>
             <p:nvPr/>
-          </p:nvGrpSpPr>
-          <p:grpSpPr>
+          </p:nvCxnSpPr>
+          <p:spPr>
+            <a:xfrm rot="5400000">
+              <a:off x="3730175" y="2693622"/>
+              <a:ext cx="883728" cy="420618"/>
+            </a:xfrm>
+            <a:prstGeom prst="bentConnector3">
+              <a:avLst/>
+            </a:prstGeom>
+            <a:ln>
+              <a:tailEnd type="arrow"/>
+            </a:ln>
+          </p:spPr>
+          <p:style>
+            <a:lnRef idx="2">
+              <a:schemeClr val="accent1"/>
+            </a:lnRef>
+            <a:fillRef idx="0">
+              <a:schemeClr val="accent1"/>
+            </a:fillRef>
+            <a:effectRef idx="1">
+              <a:schemeClr val="accent1"/>
+            </a:effectRef>
+            <a:fontRef idx="minor">
+              <a:schemeClr val="tx1"/>
+            </a:fontRef>
+          </p:style>
+        </p:cxnSp>
+        <p:sp>
+          <p:nvSpPr>
+            <p:cNvPr id="8" name="Rectangle 7"/>
+            <p:cNvSpPr/>
+            <p:nvPr/>
+          </p:nvSpPr>
+          <p:spPr>
             <a:xfrm>
-              <a:off x="1151467" y="2462067"/>
-              <a:ext cx="4377268" cy="2809671"/>
-              <a:chOff x="1151467" y="2462067"/>
-              <a:chExt cx="4377268" cy="2809671"/>
+              <a:off x="3490312" y="3345795"/>
+              <a:ext cx="942835" cy="503638"/>
             </a:xfrm>
-          </p:grpSpPr>
-          <p:sp>
-            <p:nvSpPr>
-              <p:cNvPr id="5" name="Rectangle 4"/>
-              <p:cNvSpPr/>
-              <p:nvPr/>
-            </p:nvSpPr>
-            <p:spPr>
-              <a:xfrm>
-                <a:off x="1756190" y="3324499"/>
-                <a:ext cx="1230818" cy="524933"/>
-              </a:xfrm>
-              <a:prstGeom prst="rect">
-                <a:avLst/>
-              </a:prstGeom>
-            </p:spPr>
-            <p:style>
-              <a:lnRef idx="1">
-                <a:schemeClr val="accent1"/>
-              </a:lnRef>
-              <a:fillRef idx="3">
-                <a:schemeClr val="accent1"/>
-              </a:fillRef>
-              <a:effectRef idx="2">
-                <a:schemeClr val="accent1"/>
-              </a:effectRef>
-              <a:fontRef idx="minor">
-                <a:schemeClr val="lt1"/>
-              </a:fontRef>
-            </p:style>
-            <p:txBody>
-              <a:bodyPr rtlCol="0" anchor="ctr"/>
-              <a:lstStyle/>
-              <a:p>
-                <a:pPr algn="ctr"/>
-                <a:r>
-                  <a:rPr lang="en-US" sz="1600" dirty="0" smtClean="0"/>
-                  <a:t>Concur Application</a:t>
-                </a:r>
-                <a:endParaRPr lang="en-US" sz="1600" dirty="0"/>
-              </a:p>
-            </p:txBody>
-          </p:sp>
-          <p:sp>
-            <p:nvSpPr>
-              <p:cNvPr id="9" name="Rectangle 8"/>
-              <p:cNvSpPr/>
-              <p:nvPr/>
-            </p:nvSpPr>
-            <p:spPr>
-              <a:xfrm>
-                <a:off x="1151467" y="4734455"/>
-                <a:ext cx="956641" cy="524933"/>
-              </a:xfrm>
-              <a:prstGeom prst="rect">
-                <a:avLst/>
-              </a:prstGeom>
-            </p:spPr>
-            <p:style>
-              <a:lnRef idx="1">
-                <a:schemeClr val="accent1"/>
-              </a:lnRef>
-              <a:fillRef idx="3">
-                <a:schemeClr val="accent1"/>
-              </a:fillRef>
-              <a:effectRef idx="2">
-                <a:schemeClr val="accent1"/>
-              </a:effectRef>
-              <a:fontRef idx="minor">
-                <a:schemeClr val="lt1"/>
-              </a:fontRef>
-            </p:style>
-            <p:txBody>
-              <a:bodyPr rtlCol="0" anchor="ctr"/>
-              <a:lstStyle/>
-              <a:p>
-                <a:pPr algn="ctr"/>
-                <a:r>
-                  <a:rPr lang="en-US" sz="1600" dirty="0" smtClean="0"/>
-                  <a:t>Driver</a:t>
-                </a:r>
-              </a:p>
-              <a:p>
-                <a:pPr algn="ctr"/>
-                <a:r>
-                  <a:rPr lang="en-US" sz="1400" dirty="0" err="1">
-                    <a:solidFill>
-                      <a:srgbClr val="292934"/>
-                    </a:solidFill>
-                  </a:rPr>
-                  <a:t>m</a:t>
-                </a:r>
-                <a:r>
-                  <a:rPr lang="en-US" sz="1400" dirty="0" err="1" smtClean="0">
-                    <a:solidFill>
-                      <a:srgbClr val="292934"/>
-                    </a:solidFill>
-                  </a:rPr>
-                  <a:t>ain.c</a:t>
-                </a:r>
-                <a:endParaRPr lang="en-US" sz="1400" dirty="0">
+            <a:prstGeom prst="rect">
+              <a:avLst/>
+            </a:prstGeom>
+          </p:spPr>
+          <p:style>
+            <a:lnRef idx="1">
+              <a:schemeClr val="accent1"/>
+            </a:lnRef>
+            <a:fillRef idx="3">
+              <a:schemeClr val="accent1"/>
+            </a:fillRef>
+            <a:effectRef idx="2">
+              <a:schemeClr val="accent1"/>
+            </a:effectRef>
+            <a:fontRef idx="minor">
+              <a:schemeClr val="lt1"/>
+            </a:fontRef>
+          </p:style>
+          <p:txBody>
+            <a:bodyPr rtlCol="0" anchor="ctr"/>
+            <a:lstStyle/>
+            <a:p>
+              <a:pPr algn="ctr"/>
+              <a:r>
+                <a:rPr lang="en-US" sz="1200" dirty="0" smtClean="0"/>
+                <a:t>Scheduler</a:t>
+              </a:r>
+            </a:p>
+            <a:p>
+              <a:pPr algn="ctr"/>
+              <a:r>
+                <a:rPr lang="en-US" sz="1200" dirty="0" err="1">
                   <a:solidFill>
                     <a:srgbClr val="292934"/>
                   </a:solidFill>
-                </a:endParaRPr>
-              </a:p>
-            </p:txBody>
-          </p:sp>
-          <p:sp>
-            <p:nvSpPr>
-              <p:cNvPr id="10" name="Rectangle 9"/>
-              <p:cNvSpPr/>
-              <p:nvPr/>
-            </p:nvSpPr>
-            <p:spPr>
-              <a:xfrm>
-                <a:off x="2647140" y="4746805"/>
-                <a:ext cx="1124529" cy="524933"/>
-              </a:xfrm>
-              <a:prstGeom prst="rect">
-                <a:avLst/>
-              </a:prstGeom>
-            </p:spPr>
-            <p:style>
-              <a:lnRef idx="1">
-                <a:schemeClr val="accent1"/>
-              </a:lnRef>
-              <a:fillRef idx="3">
-                <a:schemeClr val="accent1"/>
-              </a:fillRef>
-              <a:effectRef idx="2">
-                <a:schemeClr val="accent1"/>
-              </a:effectRef>
-              <a:fontRef idx="minor">
-                <a:schemeClr val="lt1"/>
-              </a:fontRef>
-            </p:style>
-            <p:txBody>
-              <a:bodyPr rtlCol="0" anchor="ctr"/>
-              <a:lstStyle/>
-              <a:p>
-                <a:pPr algn="ctr"/>
-                <a:r>
-                  <a:rPr lang="en-US" sz="1600" dirty="0" smtClean="0"/>
-                  <a:t>Program</a:t>
-                </a:r>
-              </a:p>
-              <a:p>
-                <a:pPr algn="ctr"/>
-                <a:r>
-                  <a:rPr lang="en-US" sz="1400" dirty="0" err="1">
-                    <a:solidFill>
-                      <a:srgbClr val="292934"/>
-                    </a:solidFill>
-                  </a:rPr>
-                  <a:t>s</a:t>
-                </a:r>
-                <a:r>
-                  <a:rPr lang="en-US" sz="1400" dirty="0" err="1" smtClean="0">
-                    <a:solidFill>
-                      <a:srgbClr val="292934"/>
-                    </a:solidFill>
-                  </a:rPr>
-                  <a:t>ections.c</a:t>
-                </a:r>
-                <a:endParaRPr lang="en-US" sz="1400" dirty="0">
+                </a:rPr>
+                <a:t>s</a:t>
+              </a:r>
+              <a:r>
+                <a:rPr lang="en-US" sz="1200" dirty="0" err="1" smtClean="0">
                   <a:solidFill>
                     <a:srgbClr val="292934"/>
                   </a:solidFill>
-                </a:endParaRPr>
-              </a:p>
-            </p:txBody>
-          </p:sp>
-          <p:cxnSp>
-            <p:nvCxnSpPr>
-              <p:cNvPr id="15" name="Elbow Connector 14"/>
-              <p:cNvCxnSpPr>
-                <a:stCxn id="3" idx="2"/>
-                <a:endCxn id="5" idx="0"/>
-              </p:cNvCxnSpPr>
-              <p:nvPr/>
-            </p:nvCxnSpPr>
-            <p:spPr>
-              <a:xfrm rot="5400000">
-                <a:off x="3518951" y="1314715"/>
-                <a:ext cx="862432" cy="3157136"/>
-              </a:xfrm>
-              <a:prstGeom prst="bentConnector3">
-                <a:avLst>
-                  <a:gd name="adj1" fmla="val 50000"/>
-                </a:avLst>
-              </a:prstGeom>
-              <a:ln>
-                <a:tailEnd type="arrow"/>
-              </a:ln>
-            </p:spPr>
-            <p:style>
-              <a:lnRef idx="2">
-                <a:schemeClr val="accent1"/>
-              </a:lnRef>
-              <a:fillRef idx="0">
-                <a:schemeClr val="accent1"/>
-              </a:fillRef>
-              <a:effectRef idx="1">
-                <a:schemeClr val="accent1"/>
-              </a:effectRef>
-              <a:fontRef idx="minor">
-                <a:schemeClr val="tx1"/>
-              </a:fontRef>
-            </p:style>
-          </p:cxnSp>
-          <p:cxnSp>
-            <p:nvCxnSpPr>
-              <p:cNvPr id="27" name="Elbow Connector 26"/>
-              <p:cNvCxnSpPr>
-                <a:stCxn id="5" idx="2"/>
-                <a:endCxn id="9" idx="0"/>
-              </p:cNvCxnSpPr>
-              <p:nvPr/>
-            </p:nvCxnSpPr>
-            <p:spPr>
-              <a:xfrm rot="5400000">
-                <a:off x="1558183" y="3921038"/>
-                <a:ext cx="885023" cy="741811"/>
-              </a:xfrm>
-              <a:prstGeom prst="bentConnector3">
-                <a:avLst>
-                  <a:gd name="adj1" fmla="val 50000"/>
-                </a:avLst>
-              </a:prstGeom>
-              <a:ln>
-                <a:tailEnd type="arrow"/>
-              </a:ln>
-            </p:spPr>
-            <p:style>
-              <a:lnRef idx="2">
-                <a:schemeClr val="accent1"/>
-              </a:lnRef>
-              <a:fillRef idx="0">
-                <a:schemeClr val="accent1"/>
-              </a:fillRef>
-              <a:effectRef idx="1">
-                <a:schemeClr val="accent1"/>
-              </a:effectRef>
-              <a:fontRef idx="minor">
-                <a:schemeClr val="tx1"/>
-              </a:fontRef>
-            </p:style>
-          </p:cxnSp>
-        </p:grpSp>
+                </a:rPr>
+                <a:t>ched.cpp</a:t>
+              </a:r>
+              <a:endParaRPr lang="en-US" sz="1200" dirty="0">
+                <a:solidFill>
+                  <a:srgbClr val="292934"/>
+                </a:solidFill>
+              </a:endParaRPr>
+            </a:p>
+          </p:txBody>
+        </p:sp>
+        <p:sp>
+          <p:nvSpPr>
+            <p:cNvPr id="62" name="Rectangle 61"/>
+            <p:cNvSpPr/>
+            <p:nvPr/>
+          </p:nvSpPr>
+          <p:spPr>
+            <a:xfrm>
+              <a:off x="3490311" y="4104527"/>
+              <a:ext cx="1044437" cy="451728"/>
+            </a:xfrm>
+            <a:prstGeom prst="rect">
+              <a:avLst/>
+            </a:prstGeom>
+          </p:spPr>
+          <p:style>
+            <a:lnRef idx="1">
+              <a:schemeClr val="accent1"/>
+            </a:lnRef>
+            <a:fillRef idx="3">
+              <a:schemeClr val="accent1"/>
+            </a:fillRef>
+            <a:effectRef idx="2">
+              <a:schemeClr val="accent1"/>
+            </a:effectRef>
+            <a:fontRef idx="minor">
+              <a:schemeClr val="lt1"/>
+            </a:fontRef>
+          </p:style>
+          <p:txBody>
+            <a:bodyPr rtlCol="0" anchor="ctr"/>
+            <a:lstStyle/>
+            <a:p>
+              <a:pPr algn="ctr"/>
+              <a:r>
+                <a:rPr lang="en-US" sz="1200" dirty="0" smtClean="0"/>
+                <a:t>Thread State Mgmt.</a:t>
+              </a:r>
+            </a:p>
+          </p:txBody>
+        </p:sp>
+        <p:sp>
+          <p:nvSpPr>
+            <p:cNvPr id="63" name="Rectangle 62"/>
+            <p:cNvSpPr/>
+            <p:nvPr/>
+          </p:nvSpPr>
+          <p:spPr>
+            <a:xfrm>
+              <a:off x="3490314" y="4844171"/>
+              <a:ext cx="1044433" cy="392313"/>
+            </a:xfrm>
+            <a:prstGeom prst="rect">
+              <a:avLst/>
+            </a:prstGeom>
+          </p:spPr>
+          <p:style>
+            <a:lnRef idx="1">
+              <a:schemeClr val="accent1"/>
+            </a:lnRef>
+            <a:fillRef idx="3">
+              <a:schemeClr val="accent1"/>
+            </a:fillRef>
+            <a:effectRef idx="2">
+              <a:schemeClr val="accent1"/>
+            </a:effectRef>
+            <a:fontRef idx="minor">
+              <a:schemeClr val="lt1"/>
+            </a:fontRef>
+          </p:style>
+          <p:txBody>
+            <a:bodyPr rtlCol="0" anchor="ctr"/>
+            <a:lstStyle/>
+            <a:p>
+              <a:pPr algn="ctr"/>
+              <a:r>
+                <a:rPr lang="en-US" sz="1200" dirty="0" smtClean="0"/>
+                <a:t>Lock </a:t>
+              </a:r>
+            </a:p>
+            <a:p>
+              <a:pPr algn="ctr"/>
+              <a:r>
+                <a:rPr lang="en-US" sz="1200" dirty="0" smtClean="0"/>
+                <a:t>State Mgmt.</a:t>
+              </a:r>
+            </a:p>
+          </p:txBody>
+        </p:sp>
+        <p:sp>
+          <p:nvSpPr>
+            <p:cNvPr id="64" name="Rectangle 63"/>
+            <p:cNvSpPr/>
+            <p:nvPr/>
+          </p:nvSpPr>
+          <p:spPr>
+            <a:xfrm>
+              <a:off x="3507248" y="5450708"/>
+              <a:ext cx="1027500" cy="425160"/>
+            </a:xfrm>
+            <a:prstGeom prst="rect">
+              <a:avLst/>
+            </a:prstGeom>
+          </p:spPr>
+          <p:style>
+            <a:lnRef idx="1">
+              <a:schemeClr val="accent1"/>
+            </a:lnRef>
+            <a:fillRef idx="3">
+              <a:schemeClr val="accent1"/>
+            </a:fillRef>
+            <a:effectRef idx="2">
+              <a:schemeClr val="accent1"/>
+            </a:effectRef>
+            <a:fontRef idx="minor">
+              <a:schemeClr val="lt1"/>
+            </a:fontRef>
+          </p:style>
+          <p:txBody>
+            <a:bodyPr rtlCol="0" anchor="ctr"/>
+            <a:lstStyle/>
+            <a:p>
+              <a:pPr algn="ctr"/>
+              <a:r>
+                <a:rPr lang="en-US" sz="1200" dirty="0" smtClean="0"/>
+                <a:t>Semaphore State Mgmt.</a:t>
+              </a:r>
+            </a:p>
+          </p:txBody>
+        </p:sp>
         <p:cxnSp>
           <p:nvCxnSpPr>
-            <p:cNvPr id="30" name="Elbow Connector 29"/>
+            <p:cNvPr id="134" name="Elbow Connector 133"/>
             <p:cNvCxnSpPr>
-              <a:stCxn id="5" idx="2"/>
-              <a:endCxn id="10" idx="0"/>
+              <a:stCxn id="8" idx="3"/>
+              <a:endCxn id="62" idx="3"/>
+            </p:cNvCxnSpPr>
+            <p:nvPr/>
+          </p:nvCxnSpPr>
+          <p:spPr>
+            <a:xfrm>
+              <a:off x="4433147" y="3597614"/>
+              <a:ext cx="101601" cy="732777"/>
+            </a:xfrm>
+            <a:prstGeom prst="bentConnector3">
+              <a:avLst>
+                <a:gd name="adj1" fmla="val 324998"/>
+              </a:avLst>
+            </a:prstGeom>
+            <a:ln>
+              <a:tailEnd type="arrow"/>
+            </a:ln>
+          </p:spPr>
+          <p:style>
+            <a:lnRef idx="2">
+              <a:schemeClr val="accent1"/>
+            </a:lnRef>
+            <a:fillRef idx="0">
+              <a:schemeClr val="accent1"/>
+            </a:fillRef>
+            <a:effectRef idx="1">
+              <a:schemeClr val="accent1"/>
+            </a:effectRef>
+            <a:fontRef idx="minor">
+              <a:schemeClr val="tx1"/>
+            </a:fontRef>
+          </p:style>
+        </p:cxnSp>
+        <p:cxnSp>
+          <p:nvCxnSpPr>
+            <p:cNvPr id="138" name="Elbow Connector 137"/>
+            <p:cNvCxnSpPr>
+              <a:stCxn id="8" idx="3"/>
+              <a:endCxn id="63" idx="3"/>
+            </p:cNvCxnSpPr>
+            <p:nvPr/>
+          </p:nvCxnSpPr>
+          <p:spPr>
+            <a:xfrm>
+              <a:off x="4433147" y="3597614"/>
+              <a:ext cx="101600" cy="1442714"/>
+            </a:xfrm>
+            <a:prstGeom prst="bentConnector3">
+              <a:avLst>
+                <a:gd name="adj1" fmla="val 325000"/>
+              </a:avLst>
+            </a:prstGeom>
+            <a:ln>
+              <a:tailEnd type="arrow"/>
+            </a:ln>
+          </p:spPr>
+          <p:style>
+            <a:lnRef idx="2">
+              <a:schemeClr val="accent1"/>
+            </a:lnRef>
+            <a:fillRef idx="0">
+              <a:schemeClr val="accent1"/>
+            </a:fillRef>
+            <a:effectRef idx="1">
+              <a:schemeClr val="accent1"/>
+            </a:effectRef>
+            <a:fontRef idx="minor">
+              <a:schemeClr val="tx1"/>
+            </a:fontRef>
+          </p:style>
+        </p:cxnSp>
+        <p:cxnSp>
+          <p:nvCxnSpPr>
+            <p:cNvPr id="141" name="Elbow Connector 140"/>
+            <p:cNvCxnSpPr>
+              <a:stCxn id="8" idx="3"/>
+              <a:endCxn id="64" idx="3"/>
+            </p:cNvCxnSpPr>
+            <p:nvPr/>
+          </p:nvCxnSpPr>
+          <p:spPr>
+            <a:xfrm>
+              <a:off x="4433147" y="3597614"/>
+              <a:ext cx="101601" cy="2065674"/>
+            </a:xfrm>
+            <a:prstGeom prst="bentConnector3">
+              <a:avLst>
+                <a:gd name="adj1" fmla="val 321665"/>
+              </a:avLst>
+            </a:prstGeom>
+            <a:ln>
+              <a:tailEnd type="arrow"/>
+            </a:ln>
+          </p:spPr>
+          <p:style>
+            <a:lnRef idx="2">
+              <a:schemeClr val="accent1"/>
+            </a:lnRef>
+            <a:fillRef idx="0">
+              <a:schemeClr val="accent1"/>
+            </a:fillRef>
+            <a:effectRef idx="1">
+              <a:schemeClr val="accent1"/>
+            </a:effectRef>
+            <a:fontRef idx="minor">
+              <a:schemeClr val="tx1"/>
+            </a:fontRef>
+          </p:style>
+        </p:cxnSp>
+      </p:grpSp>
+      <p:grpSp>
+        <p:nvGrpSpPr>
+          <p:cNvPr id="206" name="Group 205"/>
+          <p:cNvGrpSpPr/>
+          <p:nvPr/>
+        </p:nvGrpSpPr>
+        <p:grpSpPr>
+          <a:xfrm>
+            <a:off x="4250267" y="2462067"/>
+            <a:ext cx="1583779" cy="2048856"/>
+            <a:chOff x="4443307" y="2462067"/>
+            <a:chExt cx="1583779" cy="2048856"/>
+          </a:xfrm>
+        </p:grpSpPr>
+        <p:cxnSp>
+          <p:nvCxnSpPr>
+            <p:cNvPr id="170" name="Elbow Connector 169"/>
+            <p:cNvCxnSpPr>
+              <a:stCxn id="3" idx="2"/>
+              <a:endCxn id="61" idx="0"/>
             </p:cNvCxnSpPr>
             <p:nvPr/>
           </p:nvCxnSpPr>
           <p:spPr>
             <a:xfrm rot="16200000" flipH="1">
-              <a:off x="2341816" y="3879215"/>
-              <a:ext cx="897373" cy="837806"/>
+              <a:off x="4568891" y="2336483"/>
+              <a:ext cx="883728" cy="1134895"/>
             </a:xfrm>
             <a:prstGeom prst="bentConnector3">
+              <a:avLst>
+                <a:gd name="adj1" fmla="val 50000"/>
+              </a:avLst>
+            </a:prstGeom>
+            <a:ln>
+              <a:tailEnd type="arrow"/>
+            </a:ln>
+          </p:spPr>
+          <p:style>
+            <a:lnRef idx="2">
+              <a:schemeClr val="accent1"/>
+            </a:lnRef>
+            <a:fillRef idx="0">
+              <a:schemeClr val="accent1"/>
+            </a:fillRef>
+            <a:effectRef idx="1">
+              <a:schemeClr val="accent1"/>
+            </a:effectRef>
+            <a:fontRef idx="minor">
+              <a:schemeClr val="tx1"/>
+            </a:fontRef>
+          </p:style>
+        </p:cxnSp>
+        <p:sp>
+          <p:nvSpPr>
+            <p:cNvPr id="61" name="Rectangle 60"/>
+            <p:cNvSpPr/>
+            <p:nvPr/>
+          </p:nvSpPr>
+          <p:spPr>
+            <a:xfrm>
+              <a:off x="5142020" y="3345795"/>
+              <a:ext cx="872366" cy="503637"/>
+            </a:xfrm>
+            <a:prstGeom prst="rect">
               <a:avLst/>
+            </a:prstGeom>
+          </p:spPr>
+          <p:style>
+            <a:lnRef idx="1">
+              <a:schemeClr val="accent1"/>
+            </a:lnRef>
+            <a:fillRef idx="3">
+              <a:schemeClr val="accent1"/>
+            </a:fillRef>
+            <a:effectRef idx="2">
+              <a:schemeClr val="accent1"/>
+            </a:effectRef>
+            <a:fontRef idx="minor">
+              <a:schemeClr val="lt1"/>
+            </a:fontRef>
+          </p:style>
+          <p:txBody>
+            <a:bodyPr rtlCol="0" anchor="ctr"/>
+            <a:lstStyle/>
+            <a:p>
+              <a:pPr algn="ctr"/>
+              <a:r>
+                <a:rPr lang="en-US" sz="1200" dirty="0" smtClean="0"/>
+                <a:t>Error Detection</a:t>
+              </a:r>
+            </a:p>
+          </p:txBody>
+        </p:sp>
+        <p:sp>
+          <p:nvSpPr>
+            <p:cNvPr id="83" name="Rectangle 82"/>
+            <p:cNvSpPr/>
+            <p:nvPr/>
+          </p:nvSpPr>
+          <p:spPr>
+            <a:xfrm>
+              <a:off x="5142020" y="4104527"/>
+              <a:ext cx="872366" cy="406396"/>
+            </a:xfrm>
+            <a:prstGeom prst="rect">
+              <a:avLst/>
+            </a:prstGeom>
+          </p:spPr>
+          <p:style>
+            <a:lnRef idx="1">
+              <a:schemeClr val="accent1"/>
+            </a:lnRef>
+            <a:fillRef idx="3">
+              <a:schemeClr val="accent1"/>
+            </a:fillRef>
+            <a:effectRef idx="2">
+              <a:schemeClr val="accent1"/>
+            </a:effectRef>
+            <a:fontRef idx="minor">
+              <a:schemeClr val="lt1"/>
+            </a:fontRef>
+          </p:style>
+          <p:txBody>
+            <a:bodyPr rtlCol="0" anchor="ctr"/>
+            <a:lstStyle/>
+            <a:p>
+              <a:pPr algn="ctr"/>
+              <a:r>
+                <a:rPr lang="en-US" sz="1200" dirty="0" smtClean="0"/>
+                <a:t>Deadlock</a:t>
+              </a:r>
+            </a:p>
+            <a:p>
+              <a:pPr algn="ctr"/>
+              <a:r>
+                <a:rPr lang="en-US" sz="1200" dirty="0" smtClean="0"/>
+                <a:t>Detection</a:t>
+              </a:r>
+            </a:p>
+          </p:txBody>
+        </p:sp>
+        <p:cxnSp>
+          <p:nvCxnSpPr>
+            <p:cNvPr id="175" name="Elbow Connector 174"/>
+            <p:cNvCxnSpPr>
+              <a:stCxn id="61" idx="3"/>
+              <a:endCxn id="83" idx="3"/>
+            </p:cNvCxnSpPr>
+            <p:nvPr/>
+          </p:nvCxnSpPr>
+          <p:spPr>
+            <a:xfrm>
+              <a:off x="6014386" y="3597614"/>
+              <a:ext cx="12700" cy="710111"/>
+            </a:xfrm>
+            <a:prstGeom prst="bentConnector3">
+              <a:avLst>
+                <a:gd name="adj1" fmla="val 1800000"/>
+              </a:avLst>
+            </a:prstGeom>
+            <a:ln>
+              <a:tailEnd type="arrow"/>
+            </a:ln>
+          </p:spPr>
+          <p:style>
+            <a:lnRef idx="2">
+              <a:schemeClr val="accent1"/>
+            </a:lnRef>
+            <a:fillRef idx="0">
+              <a:schemeClr val="accent1"/>
+            </a:fillRef>
+            <a:effectRef idx="1">
+              <a:schemeClr val="accent1"/>
+            </a:effectRef>
+            <a:fontRef idx="minor">
+              <a:schemeClr val="tx1"/>
+            </a:fontRef>
+          </p:style>
+        </p:cxnSp>
+      </p:grpSp>
+      <p:grpSp>
+        <p:nvGrpSpPr>
+          <p:cNvPr id="207" name="Group 206"/>
+          <p:cNvGrpSpPr/>
+          <p:nvPr/>
+        </p:nvGrpSpPr>
+        <p:grpSpPr>
+          <a:xfrm>
+            <a:off x="4250268" y="2462066"/>
+            <a:ext cx="3080418" cy="2048858"/>
+            <a:chOff x="4351868" y="2462066"/>
+            <a:chExt cx="3080418" cy="2048858"/>
+          </a:xfrm>
+        </p:grpSpPr>
+        <p:cxnSp>
+          <p:nvCxnSpPr>
+            <p:cNvPr id="191" name="Elbow Connector 190"/>
+            <p:cNvCxnSpPr>
+              <a:stCxn id="3" idx="2"/>
+              <a:endCxn id="7" idx="0"/>
+            </p:cNvCxnSpPr>
+            <p:nvPr/>
+          </p:nvCxnSpPr>
+          <p:spPr>
+            <a:xfrm rot="16200000" flipH="1">
+              <a:off x="5223668" y="1590266"/>
+              <a:ext cx="883729" cy="2627329"/>
+            </a:xfrm>
+            <a:prstGeom prst="bentConnector3">
+              <a:avLst>
+                <a:gd name="adj1" fmla="val 50000"/>
+              </a:avLst>
+            </a:prstGeom>
+            <a:ln>
+              <a:tailEnd type="arrow"/>
+            </a:ln>
+          </p:spPr>
+          <p:style>
+            <a:lnRef idx="2">
+              <a:schemeClr val="accent1"/>
+            </a:lnRef>
+            <a:fillRef idx="0">
+              <a:schemeClr val="accent1"/>
+            </a:fillRef>
+            <a:effectRef idx="1">
+              <a:schemeClr val="accent1"/>
+            </a:effectRef>
+            <a:fontRef idx="minor">
+              <a:schemeClr val="tx1"/>
+            </a:fontRef>
+          </p:style>
+        </p:cxnSp>
+        <p:sp>
+          <p:nvSpPr>
+            <p:cNvPr id="7" name="Rectangle 6"/>
+            <p:cNvSpPr/>
+            <p:nvPr/>
+          </p:nvSpPr>
+          <p:spPr>
+            <a:xfrm>
+              <a:off x="6526107" y="3345796"/>
+              <a:ext cx="906179" cy="503637"/>
+            </a:xfrm>
+            <a:prstGeom prst="rect">
+              <a:avLst/>
+            </a:prstGeom>
+          </p:spPr>
+          <p:style>
+            <a:lnRef idx="1">
+              <a:schemeClr val="accent1"/>
+            </a:lnRef>
+            <a:fillRef idx="3">
+              <a:schemeClr val="accent1"/>
+            </a:fillRef>
+            <a:effectRef idx="2">
+              <a:schemeClr val="accent1"/>
+            </a:effectRef>
+            <a:fontRef idx="minor">
+              <a:schemeClr val="lt1"/>
+            </a:fontRef>
+          </p:style>
+          <p:txBody>
+            <a:bodyPr rtlCol="0" anchor="ctr"/>
+            <a:lstStyle/>
+            <a:p>
+              <a:pPr algn="ctr"/>
+              <a:r>
+                <a:rPr lang="en-US" sz="1200" dirty="0" smtClean="0"/>
+                <a:t>Logging</a:t>
+              </a:r>
+            </a:p>
+            <a:p>
+              <a:pPr algn="ctr"/>
+              <a:r>
+                <a:rPr lang="en-US" sz="1200" dirty="0" err="1">
+                  <a:solidFill>
+                    <a:srgbClr val="292934"/>
+                  </a:solidFill>
+                </a:rPr>
+                <a:t>l</a:t>
+              </a:r>
+              <a:r>
+                <a:rPr lang="en-US" sz="1200" dirty="0" err="1" smtClean="0">
+                  <a:solidFill>
+                    <a:srgbClr val="292934"/>
+                  </a:solidFill>
+                </a:rPr>
+                <a:t>ogger.cpp</a:t>
+              </a:r>
+              <a:endParaRPr lang="en-US" sz="1200" dirty="0">
+                <a:solidFill>
+                  <a:srgbClr val="292934"/>
+                </a:solidFill>
+              </a:endParaRPr>
+            </a:p>
+          </p:txBody>
+        </p:sp>
+        <p:sp>
+          <p:nvSpPr>
+            <p:cNvPr id="51" name="Rectangle 50"/>
+            <p:cNvSpPr/>
+            <p:nvPr/>
+          </p:nvSpPr>
+          <p:spPr>
+            <a:xfrm>
+              <a:off x="6526107" y="4104528"/>
+              <a:ext cx="807562" cy="406396"/>
+            </a:xfrm>
+            <a:prstGeom prst="rect">
+              <a:avLst/>
+            </a:prstGeom>
+          </p:spPr>
+          <p:style>
+            <a:lnRef idx="1">
+              <a:schemeClr val="accent1"/>
+            </a:lnRef>
+            <a:fillRef idx="3">
+              <a:schemeClr val="accent1"/>
+            </a:fillRef>
+            <a:effectRef idx="2">
+              <a:schemeClr val="accent1"/>
+            </a:effectRef>
+            <a:fontRef idx="minor">
+              <a:schemeClr val="lt1"/>
+            </a:fontRef>
+          </p:style>
+          <p:txBody>
+            <a:bodyPr rtlCol="0" anchor="ctr"/>
+            <a:lstStyle/>
+            <a:p>
+              <a:pPr algn="ctr"/>
+              <a:r>
+                <a:rPr lang="en-US" sz="1200" dirty="0" smtClean="0"/>
+                <a:t>Log Trail</a:t>
+              </a:r>
+            </a:p>
+            <a:p>
+              <a:pPr algn="ctr"/>
+              <a:r>
+                <a:rPr lang="en-US" sz="1200" dirty="0" err="1">
+                  <a:solidFill>
+                    <a:schemeClr val="tx1"/>
+                  </a:solidFill>
+                </a:rPr>
+                <a:t>o</a:t>
+              </a:r>
+              <a:r>
+                <a:rPr lang="en-US" sz="1200" dirty="0" err="1" smtClean="0">
+                  <a:solidFill>
+                    <a:schemeClr val="tx1"/>
+                  </a:solidFill>
+                </a:rPr>
+                <a:t>utput.txt</a:t>
+              </a:r>
+              <a:endParaRPr lang="en-US" sz="1200" dirty="0" smtClean="0">
+                <a:solidFill>
+                  <a:schemeClr val="tx1"/>
+                </a:solidFill>
+              </a:endParaRPr>
+            </a:p>
+          </p:txBody>
+        </p:sp>
+        <p:cxnSp>
+          <p:nvCxnSpPr>
+            <p:cNvPr id="194" name="Elbow Connector 193"/>
+            <p:cNvCxnSpPr>
+              <a:stCxn id="7" idx="3"/>
+              <a:endCxn id="51" idx="3"/>
+            </p:cNvCxnSpPr>
+            <p:nvPr/>
+          </p:nvCxnSpPr>
+          <p:spPr>
+            <a:xfrm flipH="1">
+              <a:off x="7333669" y="3597615"/>
+              <a:ext cx="98617" cy="710111"/>
+            </a:xfrm>
+            <a:prstGeom prst="bentConnector3">
+              <a:avLst>
+                <a:gd name="adj1" fmla="val -169991"/>
+              </a:avLst>
             </a:prstGeom>
             <a:ln>
               <a:tailEnd type="arrow"/>
@@ -11941,7 +12767,7 @@
                                           </p:stCondLst>
                                         </p:cTn>
                                         <p:tgtEl>
-                                          <p:spTgt spid="14"/>
+                                          <p:spTgt spid="208"/>
                                         </p:tgtEl>
                                         <p:attrNameLst>
                                           <p:attrName>style.visibility</p:attrName>
@@ -11986,7 +12812,7 @@
                                           </p:stCondLst>
                                         </p:cTn>
                                         <p:tgtEl>
-                                          <p:spTgt spid="12"/>
+                                          <p:spTgt spid="201"/>
                                         </p:tgtEl>
                                         <p:attrNameLst>
                                           <p:attrName>style.visibility</p:attrName>
@@ -12018,7 +12844,7 @@
                             </p:stCondLst>
                             <p:childTnLst>
                               <p:par>
-                                <p:cTn id="13" presetID="1" presetClass="entr" presetSubtype="0" fill="hold" grpId="0" nodeType="clickEffect">
+                                <p:cTn id="13" presetID="1" presetClass="entr" presetSubtype="0" fill="hold" nodeType="clickEffect">
                                   <p:stCondLst>
                                     <p:cond delay="0"/>
                                   </p:stCondLst>
@@ -12031,34 +12857,7 @@
                                           </p:stCondLst>
                                         </p:cTn>
                                         <p:tgtEl>
-                                          <p:spTgt spid="8"/>
-                                        </p:tgtEl>
-                                        <p:attrNameLst>
-                                          <p:attrName>style.visibility</p:attrName>
-                                        </p:attrNameLst>
-                                      </p:cBhvr>
-                                      <p:to>
-                                        <p:strVal val="visible"/>
-                                      </p:to>
-                                    </p:set>
-                                  </p:childTnLst>
-                                </p:cTn>
-                              </p:par>
-                              <p:par>
-                                <p:cTn id="15" presetID="1" presetClass="entr" presetSubtype="0" fill="hold" nodeType="withEffect">
-                                  <p:stCondLst>
-                                    <p:cond delay="0"/>
-                                  </p:stCondLst>
-                                  <p:childTnLst>
-                                    <p:set>
-                                      <p:cBhvr>
-                                        <p:cTn id="16" dur="1" fill="hold">
-                                          <p:stCondLst>
-                                            <p:cond delay="0"/>
-                                          </p:stCondLst>
-                                        </p:cTn>
-                                        <p:tgtEl>
-                                          <p:spTgt spid="18"/>
+                                          <p:spTgt spid="205"/>
                                         </p:tgtEl>
                                         <p:attrNameLst>
                                           <p:attrName>style.visibility</p:attrName>
@@ -12078,32 +12877,32 @@
                     </p:cTn>
                   </p:par>
                   <p:par>
-                    <p:cTn id="17" fill="hold">
+                    <p:cTn id="15" fill="hold">
                       <p:stCondLst>
                         <p:cond delay="indefinite"/>
                       </p:stCondLst>
                       <p:childTnLst>
                         <p:par>
-                          <p:cTn id="18" fill="hold">
+                          <p:cTn id="16" fill="hold">
                             <p:stCondLst>
                               <p:cond delay="0"/>
                             </p:stCondLst>
                             <p:childTnLst>
                               <p:par>
-                                <p:cTn id="19" presetID="1" presetClass="entr" presetSubtype="0" fill="hold" nodeType="clickEffect">
+                                <p:cTn id="17" presetID="1" presetClass="entr" presetSubtype="0" fill="hold" nodeType="clickEffect">
                                   <p:stCondLst>
                                     <p:cond delay="0"/>
                                   </p:stCondLst>
                                   <p:childTnLst>
                                     <p:set>
                                       <p:cBhvr>
-                                        <p:cTn id="20" dur="1" fill="hold">
+                                        <p:cTn id="18" dur="1" fill="hold">
                                           <p:stCondLst>
                                             <p:cond delay="0"/>
                                           </p:stCondLst>
                                         </p:cTn>
                                         <p:tgtEl>
-                                          <p:spTgt spid="39"/>
+                                          <p:spTgt spid="206"/>
                                         </p:tgtEl>
                                         <p:attrNameLst>
                                           <p:attrName>style.visibility</p:attrName>
@@ -12123,32 +12922,77 @@
                     </p:cTn>
                   </p:par>
                   <p:par>
-                    <p:cTn id="21" fill="hold">
+                    <p:cTn id="19" fill="hold">
                       <p:stCondLst>
                         <p:cond delay="indefinite"/>
                       </p:stCondLst>
                       <p:childTnLst>
                         <p:par>
-                          <p:cTn id="22" fill="hold">
+                          <p:cTn id="20" fill="hold">
                             <p:stCondLst>
                               <p:cond delay="0"/>
                             </p:stCondLst>
                             <p:childTnLst>
                               <p:par>
-                                <p:cTn id="23" presetID="1" presetClass="entr" presetSubtype="0" fill="hold" nodeType="clickEffect">
+                                <p:cTn id="21" presetID="1" presetClass="entr" presetSubtype="0" fill="hold" nodeType="clickEffect">
                                   <p:stCondLst>
                                     <p:cond delay="0"/>
                                   </p:stCondLst>
                                   <p:childTnLst>
                                     <p:set>
                                       <p:cBhvr>
-                                        <p:cTn id="24" dur="1" fill="hold">
+                                        <p:cTn id="22" dur="1" fill="hold">
                                           <p:stCondLst>
                                             <p:cond delay="0"/>
                                           </p:stCondLst>
                                         </p:cTn>
                                         <p:tgtEl>
-                                          <p:spTgt spid="40"/>
+                                          <p:spTgt spid="207"/>
+                                        </p:tgtEl>
+                                        <p:attrNameLst>
+                                          <p:attrName>style.visibility</p:attrName>
+                                        </p:attrNameLst>
+                                      </p:cBhvr>
+                                      <p:to>
+                                        <p:strVal val="visible"/>
+                                      </p:to>
+                                    </p:set>
+                                  </p:childTnLst>
+                                </p:cTn>
+                              </p:par>
+                            </p:childTnLst>
+                          </p:cTn>
+                        </p:par>
+                      </p:childTnLst>
+                    </p:cTn>
+                  </p:par>
+                  <p:par>
+                    <p:cTn id="23" fill="hold">
+                      <p:stCondLst>
+                        <p:cond delay="indefinite"/>
+                      </p:stCondLst>
+                      <p:childTnLst>
+                        <p:par>
+                          <p:cTn id="24" fill="hold">
+                            <p:stCondLst>
+                              <p:cond delay="0"/>
+                            </p:stCondLst>
+                            <p:childTnLst>
+                              <p:par>
+                                <p:cTn id="25" presetID="1" presetClass="entr" presetSubtype="0" fill="hold" nodeType="clickEffect">
+                                  <p:stCondLst>
+                                    <p:cond delay="0"/>
+                                  </p:stCondLst>
+                                  <p:childTnLst>
+                                    <p:set>
+                                      <p:cBhvr>
+                                        <p:cTn id="26" dur="1" fill="hold">
+                                          <p:stCondLst>
+                                            <p:cond delay="0"/>
+                                          </p:stCondLst>
+                                        </p:cTn>
+                                        <p:tgtEl>
+                                          <p:spTgt spid="216"/>
                                         </p:tgtEl>
                                         <p:attrNameLst>
                                           <p:attrName>style.visibility</p:attrName>
@@ -12188,9 +13032,6 @@
         </p:cTn>
       </p:par>
     </p:tnLst>
-    <p:bldLst>
-      <p:bldP spid="8" grpId="0" animBg="1"/>
-    </p:bldLst>
   </p:timing>
 </p:sld>
 </file>
@@ -12212,6 +13053,270 @@
           <a:chExt cx="0" cy="0"/>
         </a:xfrm>
       </p:grpSpPr>
+      <p:cxnSp>
+        <p:nvCxnSpPr>
+          <p:cNvPr id="90" name="Straight Arrow Connector 89"/>
+          <p:cNvCxnSpPr>
+            <a:stCxn id="19" idx="4"/>
+            <a:endCxn id="131" idx="0"/>
+          </p:cNvCxnSpPr>
+          <p:nvPr/>
+        </p:nvCxnSpPr>
+        <p:spPr>
+          <a:xfrm rot="5400000">
+            <a:off x="5944049" y="5188406"/>
+            <a:ext cx="358987" cy="2"/>
+          </a:xfrm>
+          <a:prstGeom prst="bentConnector3">
+            <a:avLst>
+              <a:gd name="adj1" fmla="val 50000"/>
+            </a:avLst>
+          </a:prstGeom>
+          <a:ln>
+            <a:tailEnd type="arrow"/>
+          </a:ln>
+        </p:spPr>
+        <p:style>
+          <a:lnRef idx="2">
+            <a:schemeClr val="accent1"/>
+          </a:lnRef>
+          <a:fillRef idx="0">
+            <a:schemeClr val="accent1"/>
+          </a:fillRef>
+          <a:effectRef idx="1">
+            <a:schemeClr val="accent1"/>
+          </a:effectRef>
+          <a:fontRef idx="minor">
+            <a:schemeClr val="tx1"/>
+          </a:fontRef>
+        </p:style>
+      </p:cxnSp>
+      <p:graphicFrame>
+        <p:nvGraphicFramePr>
+          <p:cNvPr id="284" name="Table 283"/>
+          <p:cNvGraphicFramePr>
+            <a:graphicFrameLocks noGrp="1"/>
+          </p:cNvGraphicFramePr>
+          <p:nvPr>
+            <p:extLst>
+              <p:ext uri="{D42A27DB-BD31-4B8C-83A1-F6EECF244321}">
+                <p14:modId xmlns:p14="http://schemas.microsoft.com/office/powerpoint/2010/main" val="1728742832"/>
+              </p:ext>
+            </p:extLst>
+          </p:nvPr>
+        </p:nvGraphicFramePr>
+        <p:xfrm>
+          <a:off x="6153018" y="5029236"/>
+          <a:ext cx="1462460" cy="276047"/>
+        </p:xfrm>
+        <a:graphic>
+          <a:graphicData uri="http://schemas.openxmlformats.org/drawingml/2006/table">
+            <a:tbl>
+              <a:tblPr firstRow="1" bandRow="1">
+                <a:tableStyleId>{5C22544A-7EE6-4342-B048-85BDC9FD1C3A}</a:tableStyleId>
+              </a:tblPr>
+              <a:tblGrid>
+                <a:gridCol w="1462460"/>
+              </a:tblGrid>
+              <a:tr h="276047">
+                <a:tc>
+                  <a:txBody>
+                    <a:bodyPr/>
+                    <a:lstStyle/>
+                    <a:p>
+                      <a:pPr algn="l"/>
+                      <a:r>
+                        <a:rPr lang="en-US" sz="1000" b="0" dirty="0" smtClean="0">
+                          <a:solidFill>
+                            <a:srgbClr val="292934"/>
+                          </a:solidFill>
+                        </a:rPr>
+                        <a:t>mode=INTERACTIVE</a:t>
+                      </a:r>
+                      <a:endParaRPr lang="en-US" sz="1000" b="0" dirty="0">
+                        <a:solidFill>
+                          <a:srgbClr val="292934"/>
+                        </a:solidFill>
+                      </a:endParaRPr>
+                    </a:p>
+                  </a:txBody>
+                  <a:tcPr>
+                    <a:lnL w="12700" cap="flat" cmpd="sng" algn="ctr">
+                      <a:noFill/>
+                      <a:prstDash val="solid"/>
+                      <a:round/>
+                      <a:headEnd type="none" w="med" len="med"/>
+                      <a:tailEnd type="none" w="med" len="med"/>
+                    </a:lnL>
+                    <a:lnR w="12700" cap="flat" cmpd="sng" algn="ctr">
+                      <a:noFill/>
+                      <a:prstDash val="solid"/>
+                      <a:round/>
+                      <a:headEnd type="none" w="med" len="med"/>
+                      <a:tailEnd type="none" w="med" len="med"/>
+                    </a:lnR>
+                    <a:lnT w="12700" cap="flat" cmpd="sng" algn="ctr">
+                      <a:noFill/>
+                      <a:prstDash val="solid"/>
+                      <a:round/>
+                      <a:headEnd type="none" w="med" len="med"/>
+                      <a:tailEnd type="none" w="med" len="med"/>
+                    </a:lnT>
+                    <a:lnB w="12700" cap="flat" cmpd="sng" algn="ctr">
+                      <a:noFill/>
+                      <a:prstDash val="solid"/>
+                      <a:round/>
+                      <a:headEnd type="none" w="med" len="med"/>
+                      <a:tailEnd type="none" w="med" len="med"/>
+                    </a:lnB>
+                    <a:lnTlToBr w="12700" cmpd="sng">
+                      <a:noFill/>
+                      <a:prstDash val="solid"/>
+                    </a:lnTlToBr>
+                    <a:lnBlToTr w="12700" cmpd="sng">
+                      <a:noFill/>
+                      <a:prstDash val="solid"/>
+                    </a:lnBlToTr>
+                    <a:noFill/>
+                  </a:tcPr>
+                </a:tc>
+              </a:tr>
+            </a:tbl>
+          </a:graphicData>
+        </a:graphic>
+      </p:graphicFrame>
+      <p:cxnSp>
+        <p:nvCxnSpPr>
+          <p:cNvPr id="135" name="Straight Arrow Connector 89"/>
+          <p:cNvCxnSpPr>
+            <a:stCxn id="19" idx="6"/>
+            <a:endCxn id="132" idx="1"/>
+          </p:cNvCxnSpPr>
+          <p:nvPr/>
+        </p:nvCxnSpPr>
+        <p:spPr>
+          <a:xfrm>
+            <a:off x="6601909" y="4793014"/>
+            <a:ext cx="580005" cy="1676"/>
+          </a:xfrm>
+          <a:prstGeom prst="bentConnector3">
+            <a:avLst>
+              <a:gd name="adj1" fmla="val 50000"/>
+            </a:avLst>
+          </a:prstGeom>
+          <a:ln>
+            <a:tailEnd type="arrow"/>
+          </a:ln>
+        </p:spPr>
+        <p:style>
+          <a:lnRef idx="2">
+            <a:schemeClr val="accent1"/>
+          </a:lnRef>
+          <a:fillRef idx="0">
+            <a:schemeClr val="accent1"/>
+          </a:fillRef>
+          <a:effectRef idx="1">
+            <a:schemeClr val="accent1"/>
+          </a:effectRef>
+          <a:fontRef idx="minor">
+            <a:schemeClr val="tx1"/>
+          </a:fontRef>
+        </p:style>
+      </p:cxnSp>
+      <p:graphicFrame>
+        <p:nvGraphicFramePr>
+          <p:cNvPr id="280" name="Table 279"/>
+          <p:cNvGraphicFramePr>
+            <a:graphicFrameLocks noGrp="1"/>
+          </p:cNvGraphicFramePr>
+          <p:nvPr>
+            <p:extLst>
+              <p:ext uri="{D42A27DB-BD31-4B8C-83A1-F6EECF244321}">
+                <p14:modId xmlns:p14="http://schemas.microsoft.com/office/powerpoint/2010/main" val="595385293"/>
+              </p:ext>
+            </p:extLst>
+          </p:nvPr>
+        </p:nvGraphicFramePr>
+        <p:xfrm>
+          <a:off x="6525706" y="4529684"/>
+          <a:ext cx="626353" cy="276047"/>
+        </p:xfrm>
+        <a:graphic>
+          <a:graphicData uri="http://schemas.openxmlformats.org/drawingml/2006/table">
+            <a:tbl>
+              <a:tblPr firstRow="1" bandRow="1">
+                <a:tableStyleId>{5C22544A-7EE6-4342-B048-85BDC9FD1C3A}</a:tableStyleId>
+              </a:tblPr>
+              <a:tblGrid>
+                <a:gridCol w="626353"/>
+              </a:tblGrid>
+              <a:tr h="276047">
+                <a:tc>
+                  <a:txBody>
+                    <a:bodyPr/>
+                    <a:lstStyle/>
+                    <a:p>
+                      <a:pPr algn="ctr"/>
+                      <a:r>
+                        <a:rPr lang="en-US" sz="1000" b="0" dirty="0" smtClean="0">
+                          <a:solidFill>
+                            <a:srgbClr val="292934"/>
+                          </a:solidFill>
+                        </a:rPr>
+                        <a:t>log=ON</a:t>
+                      </a:r>
+                      <a:endParaRPr lang="en-US" sz="1000" b="0" dirty="0">
+                        <a:solidFill>
+                          <a:srgbClr val="292934"/>
+                        </a:solidFill>
+                      </a:endParaRPr>
+                    </a:p>
+                  </a:txBody>
+                  <a:tcPr>
+                    <a:lnL w="12700" cap="flat" cmpd="sng" algn="ctr">
+                      <a:noFill/>
+                      <a:prstDash val="solid"/>
+                      <a:round/>
+                      <a:headEnd type="none" w="med" len="med"/>
+                      <a:tailEnd type="none" w="med" len="med"/>
+                    </a:lnL>
+                    <a:lnR w="12700" cap="flat" cmpd="sng" algn="ctr">
+                      <a:noFill/>
+                      <a:prstDash val="solid"/>
+                      <a:round/>
+                      <a:headEnd type="none" w="med" len="med"/>
+                      <a:tailEnd type="none" w="med" len="med"/>
+                    </a:lnR>
+                    <a:lnT w="12700" cap="flat" cmpd="sng" algn="ctr">
+                      <a:noFill/>
+                      <a:prstDash val="solid"/>
+                      <a:round/>
+                      <a:headEnd type="none" w="med" len="med"/>
+                      <a:tailEnd type="none" w="med" len="med"/>
+                    </a:lnT>
+                    <a:lnB w="12700" cap="flat" cmpd="sng" algn="ctr">
+                      <a:noFill/>
+                      <a:prstDash val="solid"/>
+                      <a:round/>
+                      <a:headEnd type="none" w="med" len="med"/>
+                      <a:tailEnd type="none" w="med" len="med"/>
+                    </a:lnB>
+                    <a:lnTlToBr w="12700" cmpd="sng">
+                      <a:noFill/>
+                      <a:prstDash val="solid"/>
+                    </a:lnTlToBr>
+                    <a:lnBlToTr w="12700" cmpd="sng">
+                      <a:noFill/>
+                      <a:prstDash val="solid"/>
+                    </a:lnBlToTr>
+                    <a:noFill/>
+                  </a:tcPr>
+                </a:tc>
+              </a:tr>
+            </a:tbl>
+          </a:graphicData>
+        </a:graphic>
+      </p:graphicFrame>
       <p:sp>
         <p:nvSpPr>
           <p:cNvPr id="2" name="Title 1"/>
@@ -12229,126 +13334,2454 @@
           <a:p>
             <a:r>
               <a:rPr lang="en-US" dirty="0" smtClean="0"/>
-              <a:t>Concur – Scheduler</a:t>
+              <a:t>Data and Control Flow</a:t>
             </a:r>
             <a:endParaRPr lang="en-US" dirty="0"/>
+          </a:p>
+        </p:txBody>
+      </p:sp>
+      <p:graphicFrame>
+        <p:nvGraphicFramePr>
+          <p:cNvPr id="6" name="Table 5"/>
+          <p:cNvGraphicFramePr>
+            <a:graphicFrameLocks noGrp="1"/>
+          </p:cNvGraphicFramePr>
+          <p:nvPr>
+            <p:extLst>
+              <p:ext uri="{D42A27DB-BD31-4B8C-83A1-F6EECF244321}">
+                <p14:modId xmlns:p14="http://schemas.microsoft.com/office/powerpoint/2010/main" val="3988522718"/>
+              </p:ext>
+            </p:extLst>
+          </p:nvPr>
+        </p:nvGraphicFramePr>
+        <p:xfrm>
+          <a:off x="1176907" y="3581434"/>
+          <a:ext cx="905934" cy="370840"/>
+        </p:xfrm>
+        <a:graphic>
+          <a:graphicData uri="http://schemas.openxmlformats.org/drawingml/2006/table">
+            <a:tbl>
+              <a:tblPr firstRow="1" bandRow="1">
+                <a:tableStyleId>{5C22544A-7EE6-4342-B048-85BDC9FD1C3A}</a:tableStyleId>
+              </a:tblPr>
+              <a:tblGrid>
+                <a:gridCol w="905934"/>
+              </a:tblGrid>
+              <a:tr h="370840">
+                <a:tc>
+                  <a:txBody>
+                    <a:bodyPr/>
+                    <a:lstStyle/>
+                    <a:p>
+                      <a:pPr algn="ctr"/>
+                      <a:r>
+                        <a:rPr lang="en-US" sz="1200" b="0" dirty="0" err="1" smtClean="0">
+                          <a:solidFill>
+                            <a:srgbClr val="292934"/>
+                          </a:solidFill>
+                        </a:rPr>
+                        <a:t>sections.c</a:t>
+                      </a:r>
+                      <a:endParaRPr lang="en-US" sz="1200" b="0" dirty="0">
+                        <a:solidFill>
+                          <a:srgbClr val="292934"/>
+                        </a:solidFill>
+                      </a:endParaRPr>
+                    </a:p>
+                  </a:txBody>
+                  <a:tcPr>
+                    <a:lnT w="12700" cap="flat" cmpd="sng" algn="ctr">
+                      <a:solidFill>
+                        <a:scrgbClr r="0" g="0" b="0"/>
+                      </a:solidFill>
+                      <a:prstDash val="solid"/>
+                      <a:round/>
+                      <a:headEnd type="none" w="med" len="med"/>
+                      <a:tailEnd type="none" w="med" len="med"/>
+                    </a:lnT>
+                    <a:lnB w="12700" cap="flat" cmpd="sng" algn="ctr">
+                      <a:solidFill>
+                        <a:scrgbClr r="0" g="0" b="0"/>
+                      </a:solidFill>
+                      <a:prstDash val="solid"/>
+                      <a:round/>
+                      <a:headEnd type="none" w="med" len="med"/>
+                      <a:tailEnd type="none" w="med" len="med"/>
+                    </a:lnB>
+                    <a:noFill/>
+                  </a:tcPr>
+                </a:tc>
+              </a:tr>
+            </a:tbl>
+          </a:graphicData>
+        </a:graphic>
+      </p:graphicFrame>
+      <p:sp>
+        <p:nvSpPr>
+          <p:cNvPr id="8" name="Oval 7"/>
+          <p:cNvSpPr/>
+          <p:nvPr/>
+        </p:nvSpPr>
+        <p:spPr>
+          <a:xfrm>
+            <a:off x="2700914" y="2582368"/>
+            <a:ext cx="956733" cy="423333"/>
+          </a:xfrm>
+          <a:prstGeom prst="ellipse">
+            <a:avLst/>
+          </a:prstGeom>
+          <a:noFill/>
+          <a:ln>
+            <a:solidFill>
+              <a:srgbClr val="2F41FF"/>
+            </a:solidFill>
+          </a:ln>
+          <a:effectLst/>
+        </p:spPr>
+        <p:style>
+          <a:lnRef idx="1">
+            <a:schemeClr val="accent1"/>
+          </a:lnRef>
+          <a:fillRef idx="3">
+            <a:schemeClr val="accent1"/>
+          </a:fillRef>
+          <a:effectRef idx="2">
+            <a:schemeClr val="accent1"/>
+          </a:effectRef>
+          <a:fontRef idx="minor">
+            <a:schemeClr val="lt1"/>
+          </a:fontRef>
+        </p:style>
+        <p:txBody>
+          <a:bodyPr rtlCol="0" anchor="ctr"/>
+          <a:lstStyle/>
+          <a:p>
+            <a:pPr algn="ctr"/>
+            <a:r>
+              <a:rPr lang="en-US" sz="1200" dirty="0" smtClean="0">
+                <a:solidFill>
+                  <a:srgbClr val="292934"/>
+                </a:solidFill>
+              </a:rPr>
+              <a:t>SUDS</a:t>
+            </a:r>
+            <a:endParaRPr lang="en-US" sz="1200" dirty="0">
+              <a:solidFill>
+                <a:srgbClr val="292934"/>
+              </a:solidFill>
+            </a:endParaRPr>
+          </a:p>
+        </p:txBody>
+      </p:sp>
+      <p:graphicFrame>
+        <p:nvGraphicFramePr>
+          <p:cNvPr id="10" name="Table 9"/>
+          <p:cNvGraphicFramePr>
+            <a:graphicFrameLocks noGrp="1"/>
+          </p:cNvGraphicFramePr>
+          <p:nvPr>
+            <p:extLst>
+              <p:ext uri="{D42A27DB-BD31-4B8C-83A1-F6EECF244321}">
+                <p14:modId xmlns:p14="http://schemas.microsoft.com/office/powerpoint/2010/main" val="2223735151"/>
+              </p:ext>
+            </p:extLst>
+          </p:nvPr>
+        </p:nvGraphicFramePr>
+        <p:xfrm>
+          <a:off x="2523114" y="3581434"/>
+          <a:ext cx="1312335" cy="370840"/>
+        </p:xfrm>
+        <a:graphic>
+          <a:graphicData uri="http://schemas.openxmlformats.org/drawingml/2006/table">
+            <a:tbl>
+              <a:tblPr firstRow="1" bandRow="1">
+                <a:tableStyleId>{5C22544A-7EE6-4342-B048-85BDC9FD1C3A}</a:tableStyleId>
+              </a:tblPr>
+              <a:tblGrid>
+                <a:gridCol w="1312335"/>
+              </a:tblGrid>
+              <a:tr h="370840">
+                <a:tc>
+                  <a:txBody>
+                    <a:bodyPr/>
+                    <a:lstStyle/>
+                    <a:p>
+                      <a:pPr algn="ctr"/>
+                      <a:r>
+                        <a:rPr lang="en-US" sz="1200" b="0" dirty="0" err="1" smtClean="0">
+                          <a:solidFill>
+                            <a:srgbClr val="292934"/>
+                          </a:solidFill>
+                        </a:rPr>
+                        <a:t>sections.synch.c</a:t>
+                      </a:r>
+                      <a:endParaRPr lang="en-US" sz="1200" b="0" dirty="0">
+                        <a:solidFill>
+                          <a:srgbClr val="292934"/>
+                        </a:solidFill>
+                      </a:endParaRPr>
+                    </a:p>
+                  </a:txBody>
+                  <a:tcPr>
+                    <a:lnT w="12700" cap="flat" cmpd="sng" algn="ctr">
+                      <a:solidFill>
+                        <a:scrgbClr r="0" g="0" b="0"/>
+                      </a:solidFill>
+                      <a:prstDash val="solid"/>
+                      <a:round/>
+                      <a:headEnd type="none" w="med" len="med"/>
+                      <a:tailEnd type="none" w="med" len="med"/>
+                    </a:lnT>
+                    <a:lnB w="12700" cap="flat" cmpd="sng" algn="ctr">
+                      <a:solidFill>
+                        <a:scrgbClr r="0" g="0" b="0"/>
+                      </a:solidFill>
+                      <a:prstDash val="solid"/>
+                      <a:round/>
+                      <a:headEnd type="none" w="med" len="med"/>
+                      <a:tailEnd type="none" w="med" len="med"/>
+                    </a:lnB>
+                    <a:noFill/>
+                  </a:tcPr>
+                </a:tc>
+              </a:tr>
+            </a:tbl>
+          </a:graphicData>
+        </a:graphic>
+      </p:graphicFrame>
+      <p:cxnSp>
+        <p:nvCxnSpPr>
+          <p:cNvPr id="12" name="Straight Arrow Connector 11"/>
+          <p:cNvCxnSpPr>
+            <a:stCxn id="6" idx="0"/>
+            <a:endCxn id="8" idx="2"/>
+          </p:cNvCxnSpPr>
+          <p:nvPr/>
+        </p:nvCxnSpPr>
+        <p:spPr>
+          <a:xfrm flipV="1">
+            <a:off x="1629874" y="2794035"/>
+            <a:ext cx="1071040" cy="787399"/>
+          </a:xfrm>
+          <a:prstGeom prst="straightConnector1">
+            <a:avLst/>
+          </a:prstGeom>
+          <a:ln>
+            <a:solidFill>
+              <a:schemeClr val="bg1">
+                <a:lumMod val="50000"/>
+              </a:schemeClr>
+            </a:solidFill>
+            <a:prstDash val="dash"/>
+            <a:tailEnd type="arrow"/>
+          </a:ln>
+        </p:spPr>
+        <p:style>
+          <a:lnRef idx="2">
+            <a:schemeClr val="accent1"/>
+          </a:lnRef>
+          <a:fillRef idx="0">
+            <a:schemeClr val="accent1"/>
+          </a:fillRef>
+          <a:effectRef idx="1">
+            <a:schemeClr val="accent1"/>
+          </a:effectRef>
+          <a:fontRef idx="minor">
+            <a:schemeClr val="tx1"/>
+          </a:fontRef>
+        </p:style>
+      </p:cxnSp>
+      <p:cxnSp>
+        <p:nvCxnSpPr>
+          <p:cNvPr id="15" name="Straight Arrow Connector 14"/>
+          <p:cNvCxnSpPr>
+            <a:stCxn id="8" idx="4"/>
+            <a:endCxn id="10" idx="0"/>
+          </p:cNvCxnSpPr>
+          <p:nvPr/>
+        </p:nvCxnSpPr>
+        <p:spPr>
+          <a:xfrm>
+            <a:off x="3179281" y="3005701"/>
+            <a:ext cx="0" cy="575733"/>
+          </a:xfrm>
+          <a:prstGeom prst="straightConnector1">
+            <a:avLst/>
+          </a:prstGeom>
+          <a:ln>
+            <a:solidFill>
+              <a:schemeClr val="bg1">
+                <a:lumMod val="50000"/>
+              </a:schemeClr>
+            </a:solidFill>
+            <a:tailEnd type="arrow"/>
+          </a:ln>
+        </p:spPr>
+        <p:style>
+          <a:lnRef idx="2">
+            <a:schemeClr val="accent1"/>
+          </a:lnRef>
+          <a:fillRef idx="0">
+            <a:schemeClr val="accent1"/>
+          </a:fillRef>
+          <a:effectRef idx="1">
+            <a:schemeClr val="accent1"/>
+          </a:effectRef>
+          <a:fontRef idx="minor">
+            <a:schemeClr val="tx1"/>
+          </a:fontRef>
+        </p:style>
+      </p:cxnSp>
+      <p:graphicFrame>
+        <p:nvGraphicFramePr>
+          <p:cNvPr id="17" name="Table 16"/>
+          <p:cNvGraphicFramePr>
+            <a:graphicFrameLocks noGrp="1"/>
+          </p:cNvGraphicFramePr>
+          <p:nvPr>
+            <p:extLst>
+              <p:ext uri="{D42A27DB-BD31-4B8C-83A1-F6EECF244321}">
+                <p14:modId xmlns:p14="http://schemas.microsoft.com/office/powerpoint/2010/main" val="4153614226"/>
+              </p:ext>
+            </p:extLst>
+          </p:nvPr>
+        </p:nvGraphicFramePr>
+        <p:xfrm>
+          <a:off x="313265" y="3581433"/>
+          <a:ext cx="651933" cy="370840"/>
+        </p:xfrm>
+        <a:graphic>
+          <a:graphicData uri="http://schemas.openxmlformats.org/drawingml/2006/table">
+            <a:tbl>
+              <a:tblPr firstRow="1" bandRow="1">
+                <a:tableStyleId>{5C22544A-7EE6-4342-B048-85BDC9FD1C3A}</a:tableStyleId>
+              </a:tblPr>
+              <a:tblGrid>
+                <a:gridCol w="651933"/>
+              </a:tblGrid>
+              <a:tr h="370840">
+                <a:tc>
+                  <a:txBody>
+                    <a:bodyPr/>
+                    <a:lstStyle/>
+                    <a:p>
+                      <a:pPr algn="ctr"/>
+                      <a:r>
+                        <a:rPr lang="en-US" sz="1200" b="0" dirty="0" err="1" smtClean="0">
+                          <a:solidFill>
+                            <a:srgbClr val="292934"/>
+                          </a:solidFill>
+                        </a:rPr>
+                        <a:t>main.c</a:t>
+                      </a:r>
+                      <a:endParaRPr lang="en-US" sz="1200" b="0" dirty="0">
+                        <a:solidFill>
+                          <a:srgbClr val="292934"/>
+                        </a:solidFill>
+                      </a:endParaRPr>
+                    </a:p>
+                  </a:txBody>
+                  <a:tcPr>
+                    <a:lnT w="12700" cap="flat" cmpd="sng" algn="ctr">
+                      <a:solidFill>
+                        <a:scrgbClr r="0" g="0" b="0"/>
+                      </a:solidFill>
+                      <a:prstDash val="solid"/>
+                      <a:round/>
+                      <a:headEnd type="none" w="med" len="med"/>
+                      <a:tailEnd type="none" w="med" len="med"/>
+                    </a:lnT>
+                    <a:lnB w="12700" cap="flat" cmpd="sng" algn="ctr">
+                      <a:solidFill>
+                        <a:scrgbClr r="0" g="0" b="0"/>
+                      </a:solidFill>
+                      <a:prstDash val="solid"/>
+                      <a:round/>
+                      <a:headEnd type="none" w="med" len="med"/>
+                      <a:tailEnd type="none" w="med" len="med"/>
+                    </a:lnB>
+                    <a:noFill/>
+                  </a:tcPr>
+                </a:tc>
+              </a:tr>
+            </a:tbl>
+          </a:graphicData>
+        </a:graphic>
+      </p:graphicFrame>
+      <p:sp>
+        <p:nvSpPr>
+          <p:cNvPr id="19" name="Oval 18"/>
+          <p:cNvSpPr/>
+          <p:nvPr/>
+        </p:nvSpPr>
+        <p:spPr>
+          <a:xfrm>
+            <a:off x="5645176" y="4577114"/>
+            <a:ext cx="956733" cy="431800"/>
+          </a:xfrm>
+          <a:prstGeom prst="ellipse">
+            <a:avLst/>
+          </a:prstGeom>
+          <a:noFill/>
+          <a:ln>
+            <a:solidFill>
+              <a:srgbClr val="2F41FF"/>
+            </a:solidFill>
+          </a:ln>
+          <a:effectLst/>
+        </p:spPr>
+        <p:style>
+          <a:lnRef idx="1">
+            <a:schemeClr val="accent1"/>
+          </a:lnRef>
+          <a:fillRef idx="3">
+            <a:schemeClr val="accent1"/>
+          </a:fillRef>
+          <a:effectRef idx="2">
+            <a:schemeClr val="accent1"/>
+          </a:effectRef>
+          <a:fontRef idx="minor">
+            <a:schemeClr val="lt1"/>
+          </a:fontRef>
+        </p:style>
+        <p:txBody>
+          <a:bodyPr rtlCol="0" anchor="ctr"/>
+          <a:lstStyle/>
+          <a:p>
+            <a:pPr algn="ctr"/>
+            <a:r>
+              <a:rPr lang="en-US" sz="1200" dirty="0" smtClean="0">
+                <a:solidFill>
+                  <a:srgbClr val="292934"/>
+                </a:solidFill>
+              </a:rPr>
+              <a:t>Logger</a:t>
+            </a:r>
+            <a:endParaRPr lang="en-US" sz="1200" dirty="0">
+              <a:solidFill>
+                <a:srgbClr val="292934"/>
+              </a:solidFill>
+            </a:endParaRPr>
           </a:p>
         </p:txBody>
       </p:sp>
       <p:sp>
         <p:nvSpPr>
-          <p:cNvPr id="3" name="Content Placeholder 2"/>
-          <p:cNvSpPr>
-            <a:spLocks noGrp="1"/>
-          </p:cNvSpPr>
-          <p:nvPr>
-            <p:ph idx="1"/>
-          </p:nvPr>
+          <p:cNvPr id="21" name="Oval 20"/>
+          <p:cNvSpPr/>
+          <p:nvPr/>
         </p:nvSpPr>
-        <p:spPr/>
+        <p:spPr>
+          <a:xfrm>
+            <a:off x="1030819" y="5317105"/>
+            <a:ext cx="1136648" cy="448698"/>
+          </a:xfrm>
+          <a:prstGeom prst="ellipse">
+            <a:avLst/>
+          </a:prstGeom>
+          <a:noFill/>
+          <a:ln>
+            <a:solidFill>
+              <a:srgbClr val="2F41FF"/>
+            </a:solidFill>
+          </a:ln>
+          <a:effectLst/>
+        </p:spPr>
+        <p:style>
+          <a:lnRef idx="1">
+            <a:schemeClr val="accent1"/>
+          </a:lnRef>
+          <a:fillRef idx="3">
+            <a:schemeClr val="accent1"/>
+          </a:fillRef>
+          <a:effectRef idx="2">
+            <a:schemeClr val="accent1"/>
+          </a:effectRef>
+          <a:fontRef idx="minor">
+            <a:schemeClr val="lt1"/>
+          </a:fontRef>
+        </p:style>
         <p:txBody>
-          <a:bodyPr/>
+          <a:bodyPr rtlCol="0" anchor="ctr"/>
           <a:lstStyle/>
           <a:p>
-            <a:r>
-              <a:rPr lang="en-US" dirty="0" smtClean="0"/>
-              <a:t>Data structures</a:t>
-            </a:r>
-          </a:p>
-          <a:p>
-            <a:pPr lvl="1"/>
-            <a:r>
-              <a:rPr lang="en-US" dirty="0" smtClean="0"/>
-              <a:t>Thread[ ] </a:t>
-            </a:r>
-            <a:r>
-              <a:rPr lang="en-US" dirty="0" err="1" smtClean="0"/>
-              <a:t>threadArray</a:t>
-            </a:r>
-            <a:r>
-              <a:rPr lang="en-US" dirty="0" smtClean="0"/>
-              <a:t>;</a:t>
-            </a:r>
-          </a:p>
-          <a:p>
-            <a:pPr lvl="1"/>
-            <a:endParaRPr lang="en-US" dirty="0"/>
-          </a:p>
-          <a:p>
-            <a:pPr lvl="1"/>
-            <a:endParaRPr lang="en-US" dirty="0" smtClean="0"/>
-          </a:p>
-          <a:p>
-            <a:pPr lvl="1"/>
-            <a:r>
-              <a:rPr lang="en-US" dirty="0" smtClean="0"/>
-              <a:t>Lock[ ] </a:t>
-            </a:r>
-            <a:r>
-              <a:rPr lang="en-US" dirty="0" err="1" smtClean="0"/>
-              <a:t>lockArray</a:t>
-            </a:r>
-            <a:r>
-              <a:rPr lang="en-US" dirty="0" smtClean="0"/>
-              <a:t>;</a:t>
-            </a:r>
-          </a:p>
-          <a:p>
-            <a:pPr lvl="1"/>
-            <a:endParaRPr lang="en-US" dirty="0"/>
-          </a:p>
-          <a:p>
-            <a:pPr lvl="1"/>
-            <a:endParaRPr lang="en-US" dirty="0" smtClean="0"/>
-          </a:p>
-          <a:p>
-            <a:pPr lvl="1"/>
-            <a:r>
-              <a:rPr lang="en-US" dirty="0" smtClean="0"/>
-              <a:t>Semaphore[ ] </a:t>
-            </a:r>
-            <a:r>
-              <a:rPr lang="en-US" dirty="0" err="1" smtClean="0"/>
-              <a:t>semArray</a:t>
-            </a:r>
-            <a:r>
-              <a:rPr lang="en-US" dirty="0" smtClean="0"/>
-              <a:t>;</a:t>
-            </a:r>
-          </a:p>
-          <a:p>
-            <a:pPr lvl="1"/>
-            <a:endParaRPr lang="en-US" dirty="0" smtClean="0"/>
-          </a:p>
-          <a:p>
-            <a:pPr lvl="1"/>
-            <a:endParaRPr lang="en-US" dirty="0"/>
-          </a:p>
-          <a:p>
-            <a:pPr lvl="1"/>
-            <a:r>
-              <a:rPr lang="en-US" dirty="0" err="1" smtClean="0"/>
-              <a:t>ThreadNode</a:t>
-            </a:r>
-            <a:r>
-              <a:rPr lang="en-US" dirty="0" smtClean="0"/>
-              <a:t>* </a:t>
-            </a:r>
-            <a:r>
-              <a:rPr lang="en-US" dirty="0" err="1" smtClean="0"/>
-              <a:t>readyTheads</a:t>
-            </a:r>
-            <a:r>
-              <a:rPr lang="en-US" dirty="0" smtClean="0"/>
-              <a:t>;</a:t>
-            </a:r>
+            <a:pPr algn="ctr"/>
+            <a:r>
+              <a:rPr lang="en-US" sz="1200" dirty="0" smtClean="0">
+                <a:solidFill>
+                  <a:srgbClr val="292934"/>
+                </a:solidFill>
+              </a:rPr>
+              <a:t>Wrapper</a:t>
+            </a:r>
+            <a:endParaRPr lang="en-US" sz="1200" dirty="0">
+              <a:solidFill>
+                <a:srgbClr val="292934"/>
+              </a:solidFill>
+            </a:endParaRPr>
           </a:p>
         </p:txBody>
       </p:sp>
+      <p:sp>
+        <p:nvSpPr>
+          <p:cNvPr id="22" name="Oval 21"/>
+          <p:cNvSpPr/>
+          <p:nvPr/>
+        </p:nvSpPr>
+        <p:spPr>
+          <a:xfrm>
+            <a:off x="1030819" y="4577115"/>
+            <a:ext cx="1136648" cy="431798"/>
+          </a:xfrm>
+          <a:prstGeom prst="ellipse">
+            <a:avLst/>
+          </a:prstGeom>
+          <a:noFill/>
+          <a:ln>
+            <a:solidFill>
+              <a:srgbClr val="2F41FF"/>
+            </a:solidFill>
+          </a:ln>
+          <a:effectLst/>
+        </p:spPr>
+        <p:style>
+          <a:lnRef idx="1">
+            <a:schemeClr val="accent1"/>
+          </a:lnRef>
+          <a:fillRef idx="3">
+            <a:schemeClr val="accent1"/>
+          </a:fillRef>
+          <a:effectRef idx="2">
+            <a:schemeClr val="accent1"/>
+          </a:effectRef>
+          <a:fontRef idx="minor">
+            <a:schemeClr val="lt1"/>
+          </a:fontRef>
+        </p:style>
+        <p:txBody>
+          <a:bodyPr rtlCol="0" anchor="ctr"/>
+          <a:lstStyle/>
+          <a:p>
+            <a:pPr algn="ctr"/>
+            <a:r>
+              <a:rPr lang="en-US" sz="1200" dirty="0" smtClean="0">
+                <a:solidFill>
+                  <a:srgbClr val="292934"/>
+                </a:solidFill>
+              </a:rPr>
+              <a:t>Run</a:t>
+            </a:r>
+            <a:endParaRPr lang="en-US" sz="1200" dirty="0">
+              <a:solidFill>
+                <a:srgbClr val="292934"/>
+              </a:solidFill>
+            </a:endParaRPr>
+          </a:p>
+        </p:txBody>
+      </p:sp>
+      <p:sp>
+        <p:nvSpPr>
+          <p:cNvPr id="24" name="Oval 23"/>
+          <p:cNvSpPr/>
+          <p:nvPr/>
+        </p:nvSpPr>
+        <p:spPr>
+          <a:xfrm>
+            <a:off x="4131793" y="2582369"/>
+            <a:ext cx="1269999" cy="423332"/>
+          </a:xfrm>
+          <a:prstGeom prst="ellipse">
+            <a:avLst/>
+          </a:prstGeom>
+          <a:noFill/>
+          <a:ln>
+            <a:solidFill>
+              <a:srgbClr val="2F41FF"/>
+            </a:solidFill>
+          </a:ln>
+          <a:effectLst/>
+        </p:spPr>
+        <p:style>
+          <a:lnRef idx="1">
+            <a:schemeClr val="accent1"/>
+          </a:lnRef>
+          <a:fillRef idx="3">
+            <a:schemeClr val="accent1"/>
+          </a:fillRef>
+          <a:effectRef idx="2">
+            <a:schemeClr val="accent1"/>
+          </a:effectRef>
+          <a:fontRef idx="minor">
+            <a:schemeClr val="lt1"/>
+          </a:fontRef>
+        </p:style>
+        <p:txBody>
+          <a:bodyPr rtlCol="0" anchor="ctr"/>
+          <a:lstStyle/>
+          <a:p>
+            <a:pPr algn="ctr"/>
+            <a:r>
+              <a:rPr lang="en-US" sz="1200" dirty="0" smtClean="0">
+                <a:solidFill>
+                  <a:srgbClr val="292934"/>
+                </a:solidFill>
+              </a:rPr>
+              <a:t>Scheduler</a:t>
+            </a:r>
+            <a:endParaRPr lang="en-US" sz="1200" dirty="0">
+              <a:solidFill>
+                <a:srgbClr val="292934"/>
+              </a:solidFill>
+            </a:endParaRPr>
+          </a:p>
+        </p:txBody>
+      </p:sp>
+      <p:graphicFrame>
+        <p:nvGraphicFramePr>
+          <p:cNvPr id="26" name="Table 25"/>
+          <p:cNvGraphicFramePr>
+            <a:graphicFrameLocks noGrp="1"/>
+          </p:cNvGraphicFramePr>
+          <p:nvPr>
+            <p:extLst>
+              <p:ext uri="{D42A27DB-BD31-4B8C-83A1-F6EECF244321}">
+                <p14:modId xmlns:p14="http://schemas.microsoft.com/office/powerpoint/2010/main" val="2678209484"/>
+              </p:ext>
+            </p:extLst>
+          </p:nvPr>
+        </p:nvGraphicFramePr>
+        <p:xfrm>
+          <a:off x="6125696" y="3581434"/>
+          <a:ext cx="770464" cy="457200"/>
+        </p:xfrm>
+        <a:graphic>
+          <a:graphicData uri="http://schemas.openxmlformats.org/drawingml/2006/table">
+            <a:tbl>
+              <a:tblPr firstRow="1" bandRow="1">
+                <a:tableStyleId>{5C22544A-7EE6-4342-B048-85BDC9FD1C3A}</a:tableStyleId>
+              </a:tblPr>
+              <a:tblGrid>
+                <a:gridCol w="770464"/>
+              </a:tblGrid>
+              <a:tr h="450848">
+                <a:tc>
+                  <a:txBody>
+                    <a:bodyPr/>
+                    <a:lstStyle/>
+                    <a:p>
+                      <a:pPr algn="ctr"/>
+                      <a:r>
+                        <a:rPr lang="en-US" sz="1200" b="0" dirty="0" smtClean="0">
+                          <a:solidFill>
+                            <a:srgbClr val="292934"/>
+                          </a:solidFill>
+                        </a:rPr>
+                        <a:t>Thread</a:t>
+                      </a:r>
+                      <a:r>
+                        <a:rPr lang="en-US" sz="1200" b="0" baseline="0" dirty="0" smtClean="0">
+                          <a:solidFill>
+                            <a:srgbClr val="292934"/>
+                          </a:solidFill>
+                        </a:rPr>
+                        <a:t> </a:t>
+                      </a:r>
+                    </a:p>
+                    <a:p>
+                      <a:pPr algn="ctr"/>
+                      <a:r>
+                        <a:rPr lang="en-US" sz="1200" b="0" dirty="0" smtClean="0">
+                          <a:solidFill>
+                            <a:srgbClr val="292934"/>
+                          </a:solidFill>
+                        </a:rPr>
+                        <a:t>Status</a:t>
+                      </a:r>
+                      <a:endParaRPr lang="en-US" sz="1200" b="0" dirty="0">
+                        <a:solidFill>
+                          <a:srgbClr val="292934"/>
+                        </a:solidFill>
+                      </a:endParaRPr>
+                    </a:p>
+                  </a:txBody>
+                  <a:tcPr>
+                    <a:lnT w="12700" cap="flat" cmpd="sng" algn="ctr">
+                      <a:solidFill>
+                        <a:scrgbClr r="0" g="0" b="0"/>
+                      </a:solidFill>
+                      <a:prstDash val="solid"/>
+                      <a:round/>
+                      <a:headEnd type="none" w="med" len="med"/>
+                      <a:tailEnd type="none" w="med" len="med"/>
+                    </a:lnT>
+                    <a:lnB w="12700" cap="flat" cmpd="sng" algn="ctr">
+                      <a:solidFill>
+                        <a:scrgbClr r="0" g="0" b="0"/>
+                      </a:solidFill>
+                      <a:prstDash val="solid"/>
+                      <a:round/>
+                      <a:headEnd type="none" w="med" len="med"/>
+                      <a:tailEnd type="none" w="med" len="med"/>
+                    </a:lnB>
+                    <a:noFill/>
+                  </a:tcPr>
+                </a:tc>
+              </a:tr>
+            </a:tbl>
+          </a:graphicData>
+        </a:graphic>
+      </p:graphicFrame>
+      <p:sp>
+        <p:nvSpPr>
+          <p:cNvPr id="28" name="Oval 27"/>
+          <p:cNvSpPr/>
+          <p:nvPr/>
+        </p:nvSpPr>
+        <p:spPr>
+          <a:xfrm>
+            <a:off x="6811494" y="2582368"/>
+            <a:ext cx="1316568" cy="423333"/>
+          </a:xfrm>
+          <a:prstGeom prst="ellipse">
+            <a:avLst/>
+          </a:prstGeom>
+          <a:noFill/>
+          <a:ln>
+            <a:solidFill>
+              <a:srgbClr val="2F41FF"/>
+            </a:solidFill>
+          </a:ln>
+          <a:effectLst/>
+        </p:spPr>
+        <p:style>
+          <a:lnRef idx="1">
+            <a:schemeClr val="accent1"/>
+          </a:lnRef>
+          <a:fillRef idx="3">
+            <a:schemeClr val="accent1"/>
+          </a:fillRef>
+          <a:effectRef idx="2">
+            <a:schemeClr val="accent1"/>
+          </a:effectRef>
+          <a:fontRef idx="minor">
+            <a:schemeClr val="lt1"/>
+          </a:fontRef>
+        </p:style>
+        <p:txBody>
+          <a:bodyPr rtlCol="0" anchor="ctr"/>
+          <a:lstStyle/>
+          <a:p>
+            <a:pPr algn="ctr"/>
+            <a:r>
+              <a:rPr lang="en-US" sz="1200" dirty="0" smtClean="0">
+                <a:solidFill>
+                  <a:srgbClr val="292934"/>
+                </a:solidFill>
+              </a:rPr>
+              <a:t>Deadlock Detection</a:t>
+            </a:r>
+            <a:endParaRPr lang="en-US" sz="1200" dirty="0">
+              <a:solidFill>
+                <a:srgbClr val="292934"/>
+              </a:solidFill>
+            </a:endParaRPr>
+          </a:p>
+        </p:txBody>
+      </p:sp>
+      <p:graphicFrame>
+        <p:nvGraphicFramePr>
+          <p:cNvPr id="29" name="Table 28"/>
+          <p:cNvGraphicFramePr>
+            <a:graphicFrameLocks noGrp="1"/>
+          </p:cNvGraphicFramePr>
+          <p:nvPr>
+            <p:extLst>
+              <p:ext uri="{D42A27DB-BD31-4B8C-83A1-F6EECF244321}">
+                <p14:modId xmlns:p14="http://schemas.microsoft.com/office/powerpoint/2010/main" val="1793603675"/>
+              </p:ext>
+            </p:extLst>
+          </p:nvPr>
+        </p:nvGraphicFramePr>
+        <p:xfrm>
+          <a:off x="4406960" y="3581436"/>
+          <a:ext cx="719666" cy="457200"/>
+        </p:xfrm>
+        <a:graphic>
+          <a:graphicData uri="http://schemas.openxmlformats.org/drawingml/2006/table">
+            <a:tbl>
+              <a:tblPr firstRow="1" bandRow="1">
+                <a:tableStyleId>{5C22544A-7EE6-4342-B048-85BDC9FD1C3A}</a:tableStyleId>
+              </a:tblPr>
+              <a:tblGrid>
+                <a:gridCol w="719666"/>
+              </a:tblGrid>
+              <a:tr h="370840">
+                <a:tc>
+                  <a:txBody>
+                    <a:bodyPr/>
+                    <a:lstStyle/>
+                    <a:p>
+                      <a:pPr algn="ctr"/>
+                      <a:r>
+                        <a:rPr lang="en-US" sz="1200" b="0" dirty="0" smtClean="0">
+                          <a:solidFill>
+                            <a:srgbClr val="292934"/>
+                          </a:solidFill>
+                        </a:rPr>
+                        <a:t>Lock Status</a:t>
+                      </a:r>
+                      <a:endParaRPr lang="en-US" sz="1200" b="0" dirty="0">
+                        <a:solidFill>
+                          <a:srgbClr val="292934"/>
+                        </a:solidFill>
+                      </a:endParaRPr>
+                    </a:p>
+                  </a:txBody>
+                  <a:tcPr>
+                    <a:lnT w="12700" cap="flat" cmpd="sng" algn="ctr">
+                      <a:solidFill>
+                        <a:scrgbClr r="0" g="0" b="0"/>
+                      </a:solidFill>
+                      <a:prstDash val="solid"/>
+                      <a:round/>
+                      <a:headEnd type="none" w="med" len="med"/>
+                      <a:tailEnd type="none" w="med" len="med"/>
+                    </a:lnT>
+                    <a:lnB w="12700" cap="flat" cmpd="sng" algn="ctr">
+                      <a:solidFill>
+                        <a:scrgbClr r="0" g="0" b="0"/>
+                      </a:solidFill>
+                      <a:prstDash val="solid"/>
+                      <a:round/>
+                      <a:headEnd type="none" w="med" len="med"/>
+                      <a:tailEnd type="none" w="med" len="med"/>
+                    </a:lnB>
+                    <a:noFill/>
+                  </a:tcPr>
+                </a:tc>
+              </a:tr>
+            </a:tbl>
+          </a:graphicData>
+        </a:graphic>
+      </p:graphicFrame>
+      <p:graphicFrame>
+        <p:nvGraphicFramePr>
+          <p:cNvPr id="30" name="Table 29"/>
+          <p:cNvGraphicFramePr>
+            <a:graphicFrameLocks noGrp="1"/>
+          </p:cNvGraphicFramePr>
+          <p:nvPr>
+            <p:extLst>
+              <p:ext uri="{D42A27DB-BD31-4B8C-83A1-F6EECF244321}">
+                <p14:modId xmlns:p14="http://schemas.microsoft.com/office/powerpoint/2010/main" val="1637875606"/>
+              </p:ext>
+            </p:extLst>
+          </p:nvPr>
+        </p:nvGraphicFramePr>
+        <p:xfrm>
+          <a:off x="5300191" y="3581434"/>
+          <a:ext cx="694268" cy="457200"/>
+        </p:xfrm>
+        <a:graphic>
+          <a:graphicData uri="http://schemas.openxmlformats.org/drawingml/2006/table">
+            <a:tbl>
+              <a:tblPr firstRow="1" bandRow="1">
+                <a:tableStyleId>{5C22544A-7EE6-4342-B048-85BDC9FD1C3A}</a:tableStyleId>
+              </a:tblPr>
+              <a:tblGrid>
+                <a:gridCol w="694268"/>
+              </a:tblGrid>
+              <a:tr h="370840">
+                <a:tc>
+                  <a:txBody>
+                    <a:bodyPr/>
+                    <a:lstStyle/>
+                    <a:p>
+                      <a:pPr algn="ctr"/>
+                      <a:r>
+                        <a:rPr lang="en-US" sz="1200" b="0" dirty="0" smtClean="0">
+                          <a:solidFill>
+                            <a:srgbClr val="292934"/>
+                          </a:solidFill>
+                        </a:rPr>
+                        <a:t>Sem. </a:t>
+                      </a:r>
+                    </a:p>
+                    <a:p>
+                      <a:pPr algn="ctr"/>
+                      <a:r>
+                        <a:rPr lang="en-US" sz="1200" b="0" dirty="0" smtClean="0">
+                          <a:solidFill>
+                            <a:srgbClr val="292934"/>
+                          </a:solidFill>
+                        </a:rPr>
+                        <a:t>Status</a:t>
+                      </a:r>
+                      <a:endParaRPr lang="en-US" sz="1200" b="0" dirty="0">
+                        <a:solidFill>
+                          <a:srgbClr val="292934"/>
+                        </a:solidFill>
+                      </a:endParaRPr>
+                    </a:p>
+                  </a:txBody>
+                  <a:tcPr>
+                    <a:lnT w="12700" cap="flat" cmpd="sng" algn="ctr">
+                      <a:solidFill>
+                        <a:scrgbClr r="0" g="0" b="0"/>
+                      </a:solidFill>
+                      <a:prstDash val="solid"/>
+                      <a:round/>
+                      <a:headEnd type="none" w="med" len="med"/>
+                      <a:tailEnd type="none" w="med" len="med"/>
+                    </a:lnT>
+                    <a:lnB w="12700" cap="flat" cmpd="sng" algn="ctr">
+                      <a:solidFill>
+                        <a:scrgbClr r="0" g="0" b="0"/>
+                      </a:solidFill>
+                      <a:prstDash val="solid"/>
+                      <a:round/>
+                      <a:headEnd type="none" w="med" len="med"/>
+                      <a:tailEnd type="none" w="med" len="med"/>
+                    </a:lnB>
+                    <a:noFill/>
+                  </a:tcPr>
+                </a:tc>
+              </a:tr>
+            </a:tbl>
+          </a:graphicData>
+        </a:graphic>
+      </p:graphicFrame>
+      <p:graphicFrame>
+        <p:nvGraphicFramePr>
+          <p:cNvPr id="31" name="Table 30"/>
+          <p:cNvGraphicFramePr>
+            <a:graphicFrameLocks noGrp="1"/>
+          </p:cNvGraphicFramePr>
+          <p:nvPr>
+            <p:extLst>
+              <p:ext uri="{D42A27DB-BD31-4B8C-83A1-F6EECF244321}">
+                <p14:modId xmlns:p14="http://schemas.microsoft.com/office/powerpoint/2010/main" val="3364469006"/>
+              </p:ext>
+            </p:extLst>
+          </p:nvPr>
+        </p:nvGraphicFramePr>
+        <p:xfrm>
+          <a:off x="7105711" y="3581433"/>
+          <a:ext cx="728134" cy="457200"/>
+        </p:xfrm>
+        <a:graphic>
+          <a:graphicData uri="http://schemas.openxmlformats.org/drawingml/2006/table">
+            <a:tbl>
+              <a:tblPr firstRow="1" bandRow="1">
+                <a:tableStyleId>{5C22544A-7EE6-4342-B048-85BDC9FD1C3A}</a:tableStyleId>
+              </a:tblPr>
+              <a:tblGrid>
+                <a:gridCol w="728134"/>
+              </a:tblGrid>
+              <a:tr h="450847">
+                <a:tc>
+                  <a:txBody>
+                    <a:bodyPr/>
+                    <a:lstStyle/>
+                    <a:p>
+                      <a:pPr algn="ctr"/>
+                      <a:r>
+                        <a:rPr lang="en-US" sz="1200" b="0" dirty="0" smtClean="0">
+                          <a:solidFill>
+                            <a:srgbClr val="292934"/>
+                          </a:solidFill>
+                        </a:rPr>
+                        <a:t>Run </a:t>
+                      </a:r>
+                    </a:p>
+                    <a:p>
+                      <a:pPr algn="ctr"/>
+                      <a:r>
+                        <a:rPr lang="en-US" sz="1200" b="0" dirty="0" smtClean="0">
+                          <a:solidFill>
+                            <a:srgbClr val="292934"/>
+                          </a:solidFill>
+                        </a:rPr>
+                        <a:t>Result</a:t>
+                      </a:r>
+                      <a:endParaRPr lang="en-US" sz="1200" b="0" dirty="0">
+                        <a:solidFill>
+                          <a:srgbClr val="292934"/>
+                        </a:solidFill>
+                      </a:endParaRPr>
+                    </a:p>
+                  </a:txBody>
+                  <a:tcPr>
+                    <a:lnT w="12700" cap="flat" cmpd="sng" algn="ctr">
+                      <a:solidFill>
+                        <a:scrgbClr r="0" g="0" b="0"/>
+                      </a:solidFill>
+                      <a:prstDash val="solid"/>
+                      <a:round/>
+                      <a:headEnd type="none" w="med" len="med"/>
+                      <a:tailEnd type="none" w="med" len="med"/>
+                    </a:lnT>
+                    <a:lnB w="12700" cap="flat" cmpd="sng" algn="ctr">
+                      <a:solidFill>
+                        <a:scrgbClr r="0" g="0" b="0"/>
+                      </a:solidFill>
+                      <a:prstDash val="solid"/>
+                      <a:round/>
+                      <a:headEnd type="none" w="med" len="med"/>
+                      <a:tailEnd type="none" w="med" len="med"/>
+                    </a:lnB>
+                    <a:noFill/>
+                  </a:tcPr>
+                </a:tc>
+              </a:tr>
+            </a:tbl>
+          </a:graphicData>
+        </a:graphic>
+      </p:graphicFrame>
+      <p:cxnSp>
+        <p:nvCxnSpPr>
+          <p:cNvPr id="32" name="Straight Arrow Connector 31"/>
+          <p:cNvCxnSpPr>
+            <a:stCxn id="24" idx="4"/>
+            <a:endCxn id="26" idx="0"/>
+          </p:cNvCxnSpPr>
+          <p:nvPr/>
+        </p:nvCxnSpPr>
+        <p:spPr>
+          <a:xfrm rot="16200000" flipH="1">
+            <a:off x="5350994" y="2421499"/>
+            <a:ext cx="575733" cy="1744135"/>
+          </a:xfrm>
+          <a:prstGeom prst="bentConnector3">
+            <a:avLst>
+              <a:gd name="adj1" fmla="val 50000"/>
+            </a:avLst>
+          </a:prstGeom>
+          <a:ln>
+            <a:solidFill>
+              <a:schemeClr val="bg1">
+                <a:lumMod val="50000"/>
+              </a:schemeClr>
+            </a:solidFill>
+            <a:tailEnd type="arrow"/>
+          </a:ln>
+        </p:spPr>
+        <p:style>
+          <a:lnRef idx="2">
+            <a:schemeClr val="accent1"/>
+          </a:lnRef>
+          <a:fillRef idx="0">
+            <a:schemeClr val="accent1"/>
+          </a:fillRef>
+          <a:effectRef idx="1">
+            <a:schemeClr val="accent1"/>
+          </a:effectRef>
+          <a:fontRef idx="minor">
+            <a:schemeClr val="tx1"/>
+          </a:fontRef>
+        </p:style>
+      </p:cxnSp>
+      <p:cxnSp>
+        <p:nvCxnSpPr>
+          <p:cNvPr id="35" name="Straight Arrow Connector 34"/>
+          <p:cNvCxnSpPr>
+            <a:stCxn id="24" idx="4"/>
+            <a:endCxn id="29" idx="0"/>
+          </p:cNvCxnSpPr>
+          <p:nvPr/>
+        </p:nvCxnSpPr>
+        <p:spPr>
+          <a:xfrm rot="5400000">
+            <a:off x="4478926" y="3293568"/>
+            <a:ext cx="575735" cy="12700"/>
+          </a:xfrm>
+          <a:prstGeom prst="bentConnector3">
+            <a:avLst>
+              <a:gd name="adj1" fmla="val 50000"/>
+            </a:avLst>
+          </a:prstGeom>
+          <a:ln>
+            <a:solidFill>
+              <a:schemeClr val="bg1">
+                <a:lumMod val="50000"/>
+              </a:schemeClr>
+            </a:solidFill>
+            <a:tailEnd type="arrow"/>
+          </a:ln>
+        </p:spPr>
+        <p:style>
+          <a:lnRef idx="2">
+            <a:schemeClr val="accent1"/>
+          </a:lnRef>
+          <a:fillRef idx="0">
+            <a:schemeClr val="accent1"/>
+          </a:fillRef>
+          <a:effectRef idx="1">
+            <a:schemeClr val="accent1"/>
+          </a:effectRef>
+          <a:fontRef idx="minor">
+            <a:schemeClr val="tx1"/>
+          </a:fontRef>
+        </p:style>
+      </p:cxnSp>
+      <p:cxnSp>
+        <p:nvCxnSpPr>
+          <p:cNvPr id="38" name="Straight Arrow Connector 37"/>
+          <p:cNvCxnSpPr>
+            <a:stCxn id="24" idx="4"/>
+            <a:endCxn id="30" idx="0"/>
+          </p:cNvCxnSpPr>
+          <p:nvPr/>
+        </p:nvCxnSpPr>
+        <p:spPr>
+          <a:xfrm rot="16200000" flipH="1">
+            <a:off x="4919193" y="2853301"/>
+            <a:ext cx="575733" cy="880532"/>
+          </a:xfrm>
+          <a:prstGeom prst="bentConnector3">
+            <a:avLst>
+              <a:gd name="adj1" fmla="val 50000"/>
+            </a:avLst>
+          </a:prstGeom>
+          <a:ln>
+            <a:solidFill>
+              <a:schemeClr val="bg1">
+                <a:lumMod val="50000"/>
+              </a:schemeClr>
+            </a:solidFill>
+            <a:tailEnd type="arrow"/>
+          </a:ln>
+        </p:spPr>
+        <p:style>
+          <a:lnRef idx="2">
+            <a:schemeClr val="accent1"/>
+          </a:lnRef>
+          <a:fillRef idx="0">
+            <a:schemeClr val="accent1"/>
+          </a:fillRef>
+          <a:effectRef idx="1">
+            <a:schemeClr val="accent1"/>
+          </a:effectRef>
+          <a:fontRef idx="minor">
+            <a:schemeClr val="tx1"/>
+          </a:fontRef>
+        </p:style>
+      </p:cxnSp>
+      <p:cxnSp>
+        <p:nvCxnSpPr>
+          <p:cNvPr id="72" name="Straight Arrow Connector 71"/>
+          <p:cNvCxnSpPr>
+            <a:stCxn id="26" idx="0"/>
+            <a:endCxn id="28" idx="3"/>
+          </p:cNvCxnSpPr>
+          <p:nvPr/>
+        </p:nvCxnSpPr>
+        <p:spPr>
+          <a:xfrm flipV="1">
+            <a:off x="6510928" y="2943705"/>
+            <a:ext cx="493373" cy="637729"/>
+          </a:xfrm>
+          <a:prstGeom prst="straightConnector1">
+            <a:avLst/>
+          </a:prstGeom>
+          <a:ln>
+            <a:solidFill>
+              <a:schemeClr val="bg1">
+                <a:lumMod val="50000"/>
+              </a:schemeClr>
+            </a:solidFill>
+            <a:prstDash val="dash"/>
+            <a:tailEnd type="arrow"/>
+          </a:ln>
+        </p:spPr>
+        <p:style>
+          <a:lnRef idx="2">
+            <a:schemeClr val="accent1"/>
+          </a:lnRef>
+          <a:fillRef idx="0">
+            <a:schemeClr val="accent1"/>
+          </a:fillRef>
+          <a:effectRef idx="1">
+            <a:schemeClr val="accent1"/>
+          </a:effectRef>
+          <a:fontRef idx="minor">
+            <a:schemeClr val="tx1"/>
+          </a:fontRef>
+        </p:style>
+      </p:cxnSp>
+      <p:cxnSp>
+        <p:nvCxnSpPr>
+          <p:cNvPr id="75" name="Straight Arrow Connector 74"/>
+          <p:cNvCxnSpPr>
+            <a:stCxn id="24" idx="4"/>
+            <a:endCxn id="31" idx="0"/>
+          </p:cNvCxnSpPr>
+          <p:nvPr/>
+        </p:nvCxnSpPr>
+        <p:spPr>
+          <a:xfrm rot="16200000" flipH="1">
+            <a:off x="5830419" y="1942074"/>
+            <a:ext cx="575732" cy="2702985"/>
+          </a:xfrm>
+          <a:prstGeom prst="bentConnector3">
+            <a:avLst>
+              <a:gd name="adj1" fmla="val 50000"/>
+            </a:avLst>
+          </a:prstGeom>
+          <a:ln>
+            <a:solidFill>
+              <a:schemeClr val="bg1">
+                <a:lumMod val="50000"/>
+              </a:schemeClr>
+            </a:solidFill>
+            <a:tailEnd type="arrow"/>
+          </a:ln>
+        </p:spPr>
+        <p:style>
+          <a:lnRef idx="2">
+            <a:schemeClr val="accent1"/>
+          </a:lnRef>
+          <a:fillRef idx="0">
+            <a:schemeClr val="accent1"/>
+          </a:fillRef>
+          <a:effectRef idx="1">
+            <a:schemeClr val="accent1"/>
+          </a:effectRef>
+          <a:fontRef idx="minor">
+            <a:schemeClr val="tx1"/>
+          </a:fontRef>
+        </p:style>
+      </p:cxnSp>
+      <p:cxnSp>
+        <p:nvCxnSpPr>
+          <p:cNvPr id="78" name="Straight Arrow Connector 77"/>
+          <p:cNvCxnSpPr>
+            <a:stCxn id="29" idx="2"/>
+            <a:endCxn id="19" idx="0"/>
+          </p:cNvCxnSpPr>
+          <p:nvPr/>
+        </p:nvCxnSpPr>
+        <p:spPr>
+          <a:xfrm rot="16200000" flipH="1">
+            <a:off x="5175929" y="3629500"/>
+            <a:ext cx="538478" cy="1356750"/>
+          </a:xfrm>
+          <a:prstGeom prst="bentConnector3">
+            <a:avLst>
+              <a:gd name="adj1" fmla="val 50000"/>
+            </a:avLst>
+          </a:prstGeom>
+          <a:ln>
+            <a:solidFill>
+              <a:schemeClr val="bg1">
+                <a:lumMod val="50000"/>
+              </a:schemeClr>
+            </a:solidFill>
+            <a:prstDash val="dash"/>
+            <a:tailEnd type="arrow"/>
+          </a:ln>
+        </p:spPr>
+        <p:style>
+          <a:lnRef idx="2">
+            <a:schemeClr val="accent1"/>
+          </a:lnRef>
+          <a:fillRef idx="0">
+            <a:schemeClr val="accent1"/>
+          </a:fillRef>
+          <a:effectRef idx="1">
+            <a:schemeClr val="accent1"/>
+          </a:effectRef>
+          <a:fontRef idx="minor">
+            <a:schemeClr val="tx1"/>
+          </a:fontRef>
+        </p:style>
+      </p:cxnSp>
+      <p:cxnSp>
+        <p:nvCxnSpPr>
+          <p:cNvPr id="81" name="Straight Arrow Connector 80"/>
+          <p:cNvCxnSpPr>
+            <a:stCxn id="26" idx="2"/>
+            <a:endCxn id="19" idx="0"/>
+          </p:cNvCxnSpPr>
+          <p:nvPr/>
+        </p:nvCxnSpPr>
+        <p:spPr>
+          <a:xfrm rot="5400000">
+            <a:off x="6047996" y="4114182"/>
+            <a:ext cx="538480" cy="387385"/>
+          </a:xfrm>
+          <a:prstGeom prst="bentConnector3">
+            <a:avLst>
+              <a:gd name="adj1" fmla="val 50000"/>
+            </a:avLst>
+          </a:prstGeom>
+          <a:ln>
+            <a:solidFill>
+              <a:schemeClr val="bg1">
+                <a:lumMod val="50000"/>
+              </a:schemeClr>
+            </a:solidFill>
+            <a:prstDash val="dash"/>
+            <a:tailEnd type="arrow"/>
+          </a:ln>
+        </p:spPr>
+        <p:style>
+          <a:lnRef idx="2">
+            <a:schemeClr val="accent1"/>
+          </a:lnRef>
+          <a:fillRef idx="0">
+            <a:schemeClr val="accent1"/>
+          </a:fillRef>
+          <a:effectRef idx="1">
+            <a:schemeClr val="accent1"/>
+          </a:effectRef>
+          <a:fontRef idx="minor">
+            <a:schemeClr val="tx1"/>
+          </a:fontRef>
+        </p:style>
+      </p:cxnSp>
+      <p:cxnSp>
+        <p:nvCxnSpPr>
+          <p:cNvPr id="84" name="Straight Arrow Connector 83"/>
+          <p:cNvCxnSpPr>
+            <a:stCxn id="30" idx="2"/>
+            <a:endCxn id="19" idx="0"/>
+          </p:cNvCxnSpPr>
+          <p:nvPr/>
+        </p:nvCxnSpPr>
+        <p:spPr>
+          <a:xfrm rot="16200000" flipH="1">
+            <a:off x="5616194" y="4069765"/>
+            <a:ext cx="538480" cy="476218"/>
+          </a:xfrm>
+          <a:prstGeom prst="bentConnector3">
+            <a:avLst>
+              <a:gd name="adj1" fmla="val 50000"/>
+            </a:avLst>
+          </a:prstGeom>
+          <a:ln>
+            <a:solidFill>
+              <a:schemeClr val="bg1">
+                <a:lumMod val="50000"/>
+              </a:schemeClr>
+            </a:solidFill>
+            <a:prstDash val="dash"/>
+            <a:tailEnd type="arrow"/>
+          </a:ln>
+        </p:spPr>
+        <p:style>
+          <a:lnRef idx="2">
+            <a:schemeClr val="accent1"/>
+          </a:lnRef>
+          <a:fillRef idx="0">
+            <a:schemeClr val="accent1"/>
+          </a:fillRef>
+          <a:effectRef idx="1">
+            <a:schemeClr val="accent1"/>
+          </a:effectRef>
+          <a:fontRef idx="minor">
+            <a:schemeClr val="tx1"/>
+          </a:fontRef>
+        </p:style>
+      </p:cxnSp>
+      <p:cxnSp>
+        <p:nvCxnSpPr>
+          <p:cNvPr id="87" name="Straight Arrow Connector 86"/>
+          <p:cNvCxnSpPr>
+            <a:stCxn id="31" idx="2"/>
+            <a:endCxn id="19" idx="0"/>
+          </p:cNvCxnSpPr>
+          <p:nvPr/>
+        </p:nvCxnSpPr>
+        <p:spPr>
+          <a:xfrm rot="5400000">
+            <a:off x="6527421" y="3634756"/>
+            <a:ext cx="538481" cy="1346235"/>
+          </a:xfrm>
+          <a:prstGeom prst="bentConnector3">
+            <a:avLst>
+              <a:gd name="adj1" fmla="val 50000"/>
+            </a:avLst>
+          </a:prstGeom>
+          <a:ln>
+            <a:solidFill>
+              <a:schemeClr val="bg1">
+                <a:lumMod val="50000"/>
+              </a:schemeClr>
+            </a:solidFill>
+            <a:prstDash val="dash"/>
+            <a:tailEnd type="arrow"/>
+          </a:ln>
+        </p:spPr>
+        <p:style>
+          <a:lnRef idx="2">
+            <a:schemeClr val="accent1"/>
+          </a:lnRef>
+          <a:fillRef idx="0">
+            <a:schemeClr val="accent1"/>
+          </a:fillRef>
+          <a:effectRef idx="1">
+            <a:schemeClr val="accent1"/>
+          </a:effectRef>
+          <a:fontRef idx="minor">
+            <a:schemeClr val="tx1"/>
+          </a:fontRef>
+        </p:style>
+      </p:cxnSp>
+      <p:cxnSp>
+        <p:nvCxnSpPr>
+          <p:cNvPr id="113" name="Straight Arrow Connector 112"/>
+          <p:cNvCxnSpPr>
+            <a:stCxn id="28" idx="6"/>
+            <a:endCxn id="31" idx="3"/>
+          </p:cNvCxnSpPr>
+          <p:nvPr/>
+        </p:nvCxnSpPr>
+        <p:spPr>
+          <a:xfrm flipH="1">
+            <a:off x="7833845" y="2794035"/>
+            <a:ext cx="294217" cy="1015998"/>
+          </a:xfrm>
+          <a:prstGeom prst="bentConnector3">
+            <a:avLst>
+              <a:gd name="adj1" fmla="val -77698"/>
+            </a:avLst>
+          </a:prstGeom>
+          <a:ln>
+            <a:solidFill>
+              <a:schemeClr val="bg1">
+                <a:lumMod val="50000"/>
+              </a:schemeClr>
+            </a:solidFill>
+            <a:tailEnd type="arrow"/>
+          </a:ln>
+        </p:spPr>
+        <p:style>
+          <a:lnRef idx="2">
+            <a:schemeClr val="accent1"/>
+          </a:lnRef>
+          <a:fillRef idx="0">
+            <a:schemeClr val="accent1"/>
+          </a:fillRef>
+          <a:effectRef idx="1">
+            <a:schemeClr val="accent1"/>
+          </a:effectRef>
+          <a:fontRef idx="minor">
+            <a:schemeClr val="tx1"/>
+          </a:fontRef>
+        </p:style>
+      </p:cxnSp>
+      <p:graphicFrame>
+        <p:nvGraphicFramePr>
+          <p:cNvPr id="131" name="Table 130"/>
+          <p:cNvGraphicFramePr>
+            <a:graphicFrameLocks noGrp="1"/>
+          </p:cNvGraphicFramePr>
+          <p:nvPr>
+            <p:extLst>
+              <p:ext uri="{D42A27DB-BD31-4B8C-83A1-F6EECF244321}">
+                <p14:modId xmlns:p14="http://schemas.microsoft.com/office/powerpoint/2010/main" val="3589926138"/>
+              </p:ext>
+            </p:extLst>
+          </p:nvPr>
+        </p:nvGraphicFramePr>
+        <p:xfrm>
+          <a:off x="5757359" y="5367901"/>
+          <a:ext cx="732365" cy="347099"/>
+        </p:xfrm>
+        <a:graphic>
+          <a:graphicData uri="http://schemas.openxmlformats.org/drawingml/2006/table">
+            <a:tbl>
+              <a:tblPr firstRow="1" bandRow="1">
+                <a:tableStyleId>{5C22544A-7EE6-4342-B048-85BDC9FD1C3A}</a:tableStyleId>
+              </a:tblPr>
+              <a:tblGrid>
+                <a:gridCol w="732365"/>
+              </a:tblGrid>
+              <a:tr h="347099">
+                <a:tc>
+                  <a:txBody>
+                    <a:bodyPr/>
+                    <a:lstStyle/>
+                    <a:p>
+                      <a:pPr algn="ctr"/>
+                      <a:r>
+                        <a:rPr lang="en-US" sz="1200" b="0" dirty="0" smtClean="0">
+                          <a:solidFill>
+                            <a:srgbClr val="292934"/>
+                          </a:solidFill>
+                        </a:rPr>
+                        <a:t>console</a:t>
+                      </a:r>
+                      <a:endParaRPr lang="en-US" sz="1200" b="0" dirty="0">
+                        <a:solidFill>
+                          <a:srgbClr val="292934"/>
+                        </a:solidFill>
+                      </a:endParaRPr>
+                    </a:p>
+                  </a:txBody>
+                  <a:tcPr>
+                    <a:lnL w="12700" cap="flat" cmpd="sng" algn="ctr">
+                      <a:solidFill>
+                        <a:srgbClr val="292934"/>
+                      </a:solidFill>
+                      <a:prstDash val="solid"/>
+                      <a:round/>
+                      <a:headEnd type="none" w="med" len="med"/>
+                      <a:tailEnd type="none" w="med" len="med"/>
+                    </a:lnL>
+                    <a:lnR w="12700" cap="flat" cmpd="sng" algn="ctr">
+                      <a:solidFill>
+                        <a:srgbClr val="292934"/>
+                      </a:solidFill>
+                      <a:prstDash val="solid"/>
+                      <a:round/>
+                      <a:headEnd type="none" w="med" len="med"/>
+                      <a:tailEnd type="none" w="med" len="med"/>
+                    </a:lnR>
+                    <a:lnT w="12700" cap="flat" cmpd="sng" algn="ctr">
+                      <a:solidFill>
+                        <a:srgbClr val="292934"/>
+                      </a:solidFill>
+                      <a:prstDash val="solid"/>
+                      <a:round/>
+                      <a:headEnd type="none" w="med" len="med"/>
+                      <a:tailEnd type="none" w="med" len="med"/>
+                    </a:lnT>
+                    <a:lnB w="12700" cap="flat" cmpd="sng" algn="ctr">
+                      <a:solidFill>
+                        <a:srgbClr val="292934"/>
+                      </a:solidFill>
+                      <a:prstDash val="solid"/>
+                      <a:round/>
+                      <a:headEnd type="none" w="med" len="med"/>
+                      <a:tailEnd type="none" w="med" len="med"/>
+                    </a:lnB>
+                    <a:noFill/>
+                  </a:tcPr>
+                </a:tc>
+              </a:tr>
+            </a:tbl>
+          </a:graphicData>
+        </a:graphic>
+      </p:graphicFrame>
+      <p:graphicFrame>
+        <p:nvGraphicFramePr>
+          <p:cNvPr id="132" name="Table 131"/>
+          <p:cNvGraphicFramePr>
+            <a:graphicFrameLocks noGrp="1"/>
+          </p:cNvGraphicFramePr>
+          <p:nvPr>
+            <p:extLst>
+              <p:ext uri="{D42A27DB-BD31-4B8C-83A1-F6EECF244321}">
+                <p14:modId xmlns:p14="http://schemas.microsoft.com/office/powerpoint/2010/main" val="2956445967"/>
+              </p:ext>
+            </p:extLst>
+          </p:nvPr>
+        </p:nvGraphicFramePr>
+        <p:xfrm>
+          <a:off x="7181914" y="4656667"/>
+          <a:ext cx="829925" cy="276047"/>
+        </p:xfrm>
+        <a:graphic>
+          <a:graphicData uri="http://schemas.openxmlformats.org/drawingml/2006/table">
+            <a:tbl>
+              <a:tblPr firstRow="1" bandRow="1">
+                <a:tableStyleId>{5C22544A-7EE6-4342-B048-85BDC9FD1C3A}</a:tableStyleId>
+              </a:tblPr>
+              <a:tblGrid>
+                <a:gridCol w="829925"/>
+              </a:tblGrid>
+              <a:tr h="276047">
+                <a:tc>
+                  <a:txBody>
+                    <a:bodyPr/>
+                    <a:lstStyle/>
+                    <a:p>
+                      <a:pPr algn="ctr"/>
+                      <a:r>
+                        <a:rPr lang="en-US" sz="1200" b="0" dirty="0" err="1" smtClean="0">
+                          <a:solidFill>
+                            <a:srgbClr val="292934"/>
+                          </a:solidFill>
+                        </a:rPr>
+                        <a:t>output.txt</a:t>
+                      </a:r>
+                      <a:endParaRPr lang="en-US" sz="1200" b="0" dirty="0">
+                        <a:solidFill>
+                          <a:srgbClr val="292934"/>
+                        </a:solidFill>
+                      </a:endParaRPr>
+                    </a:p>
+                  </a:txBody>
+                  <a:tcPr>
+                    <a:lnL w="12700" cap="flat" cmpd="sng" algn="ctr">
+                      <a:noFill/>
+                      <a:prstDash val="solid"/>
+                      <a:round/>
+                      <a:headEnd type="none" w="med" len="med"/>
+                      <a:tailEnd type="none" w="med" len="med"/>
+                    </a:lnL>
+                    <a:lnR w="12700" cap="flat" cmpd="sng" algn="ctr">
+                      <a:noFill/>
+                      <a:prstDash val="solid"/>
+                      <a:round/>
+                      <a:headEnd type="none" w="med" len="med"/>
+                      <a:tailEnd type="none" w="med" len="med"/>
+                    </a:lnR>
+                    <a:lnT w="12700" cap="flat" cmpd="sng" algn="ctr">
+                      <a:solidFill>
+                        <a:srgbClr val="292934"/>
+                      </a:solidFill>
+                      <a:prstDash val="solid"/>
+                      <a:round/>
+                      <a:headEnd type="none" w="med" len="med"/>
+                      <a:tailEnd type="none" w="med" len="med"/>
+                    </a:lnT>
+                    <a:lnB w="12700" cap="flat" cmpd="sng" algn="ctr">
+                      <a:solidFill>
+                        <a:srgbClr val="292934"/>
+                      </a:solidFill>
+                      <a:prstDash val="solid"/>
+                      <a:round/>
+                      <a:headEnd type="none" w="med" len="med"/>
+                      <a:tailEnd type="none" w="med" len="med"/>
+                    </a:lnB>
+                    <a:lnTlToBr w="12700" cmpd="sng">
+                      <a:noFill/>
+                      <a:prstDash val="solid"/>
+                    </a:lnTlToBr>
+                    <a:lnBlToTr w="12700" cmpd="sng">
+                      <a:noFill/>
+                      <a:prstDash val="solid"/>
+                    </a:lnBlToTr>
+                    <a:noFill/>
+                  </a:tcPr>
+                </a:tc>
+              </a:tr>
+            </a:tbl>
+          </a:graphicData>
+        </a:graphic>
+      </p:graphicFrame>
+      <p:cxnSp>
+        <p:nvCxnSpPr>
+          <p:cNvPr id="146" name="Straight Arrow Connector 145"/>
+          <p:cNvCxnSpPr>
+            <a:stCxn id="10" idx="0"/>
+            <a:endCxn id="24" idx="3"/>
+          </p:cNvCxnSpPr>
+          <p:nvPr/>
+        </p:nvCxnSpPr>
+        <p:spPr>
+          <a:xfrm flipV="1">
+            <a:off x="3179281" y="2943705"/>
+            <a:ext cx="1138499" cy="637729"/>
+          </a:xfrm>
+          <a:prstGeom prst="straightConnector1">
+            <a:avLst/>
+          </a:prstGeom>
+          <a:ln>
+            <a:solidFill>
+              <a:schemeClr val="bg1">
+                <a:lumMod val="50000"/>
+              </a:schemeClr>
+            </a:solidFill>
+            <a:prstDash val="dash"/>
+            <a:tailEnd type="arrow"/>
+          </a:ln>
+        </p:spPr>
+        <p:style>
+          <a:lnRef idx="2">
+            <a:schemeClr val="accent1"/>
+          </a:lnRef>
+          <a:fillRef idx="0">
+            <a:schemeClr val="accent1"/>
+          </a:fillRef>
+          <a:effectRef idx="1">
+            <a:schemeClr val="accent1"/>
+          </a:effectRef>
+          <a:fontRef idx="minor">
+            <a:schemeClr val="tx1"/>
+          </a:fontRef>
+        </p:style>
+      </p:cxnSp>
+      <p:cxnSp>
+        <p:nvCxnSpPr>
+          <p:cNvPr id="231" name="Straight Arrow Connector 230"/>
+          <p:cNvCxnSpPr>
+            <a:stCxn id="17" idx="2"/>
+            <a:endCxn id="22" idx="0"/>
+          </p:cNvCxnSpPr>
+          <p:nvPr/>
+        </p:nvCxnSpPr>
+        <p:spPr>
+          <a:xfrm>
+            <a:off x="639231" y="3952273"/>
+            <a:ext cx="959912" cy="624842"/>
+          </a:xfrm>
+          <a:prstGeom prst="straightConnector1">
+            <a:avLst/>
+          </a:prstGeom>
+          <a:ln>
+            <a:solidFill>
+              <a:schemeClr val="bg1">
+                <a:lumMod val="50000"/>
+              </a:schemeClr>
+            </a:solidFill>
+            <a:prstDash val="dash"/>
+            <a:tailEnd type="arrow"/>
+          </a:ln>
+        </p:spPr>
+        <p:style>
+          <a:lnRef idx="2">
+            <a:schemeClr val="accent1"/>
+          </a:lnRef>
+          <a:fillRef idx="0">
+            <a:schemeClr val="accent1"/>
+          </a:fillRef>
+          <a:effectRef idx="1">
+            <a:schemeClr val="accent1"/>
+          </a:effectRef>
+          <a:fontRef idx="minor">
+            <a:schemeClr val="tx1"/>
+          </a:fontRef>
+        </p:style>
+      </p:cxnSp>
+      <p:cxnSp>
+        <p:nvCxnSpPr>
+          <p:cNvPr id="234" name="Straight Arrow Connector 233"/>
+          <p:cNvCxnSpPr>
+            <a:stCxn id="10" idx="2"/>
+            <a:endCxn id="22" idx="0"/>
+          </p:cNvCxnSpPr>
+          <p:nvPr/>
+        </p:nvCxnSpPr>
+        <p:spPr>
+          <a:xfrm flipH="1">
+            <a:off x="1599143" y="3952274"/>
+            <a:ext cx="1580138" cy="624841"/>
+          </a:xfrm>
+          <a:prstGeom prst="straightConnector1">
+            <a:avLst/>
+          </a:prstGeom>
+          <a:ln>
+            <a:solidFill>
+              <a:schemeClr val="bg1">
+                <a:lumMod val="50000"/>
+              </a:schemeClr>
+            </a:solidFill>
+            <a:prstDash val="dash"/>
+            <a:tailEnd type="arrow"/>
+          </a:ln>
+        </p:spPr>
+        <p:style>
+          <a:lnRef idx="2">
+            <a:schemeClr val="accent1"/>
+          </a:lnRef>
+          <a:fillRef idx="0">
+            <a:schemeClr val="accent1"/>
+          </a:fillRef>
+          <a:effectRef idx="1">
+            <a:schemeClr val="accent1"/>
+          </a:effectRef>
+          <a:fontRef idx="minor">
+            <a:schemeClr val="tx1"/>
+          </a:fontRef>
+        </p:style>
+      </p:cxnSp>
+      <p:graphicFrame>
+        <p:nvGraphicFramePr>
+          <p:cNvPr id="239" name="Table 238"/>
+          <p:cNvGraphicFramePr>
+            <a:graphicFrameLocks noGrp="1"/>
+          </p:cNvGraphicFramePr>
+          <p:nvPr>
+            <p:extLst>
+              <p:ext uri="{D42A27DB-BD31-4B8C-83A1-F6EECF244321}">
+                <p14:modId xmlns:p14="http://schemas.microsoft.com/office/powerpoint/2010/main" val="3125707392"/>
+              </p:ext>
+            </p:extLst>
+          </p:nvPr>
+        </p:nvGraphicFramePr>
+        <p:xfrm>
+          <a:off x="1263691" y="1856775"/>
+          <a:ext cx="732365" cy="279400"/>
+        </p:xfrm>
+        <a:graphic>
+          <a:graphicData uri="http://schemas.openxmlformats.org/drawingml/2006/table">
+            <a:tbl>
+              <a:tblPr firstRow="1" bandRow="1">
+                <a:tableStyleId>{5C22544A-7EE6-4342-B048-85BDC9FD1C3A}</a:tableStyleId>
+              </a:tblPr>
+              <a:tblGrid>
+                <a:gridCol w="732365"/>
+              </a:tblGrid>
+              <a:tr h="279400">
+                <a:tc>
+                  <a:txBody>
+                    <a:bodyPr/>
+                    <a:lstStyle/>
+                    <a:p>
+                      <a:pPr algn="ctr"/>
+                      <a:r>
+                        <a:rPr lang="en-US" sz="1200" b="0" dirty="0" smtClean="0">
+                          <a:solidFill>
+                            <a:srgbClr val="292934"/>
+                          </a:solidFill>
+                        </a:rPr>
+                        <a:t>Student</a:t>
+                      </a:r>
+                      <a:endParaRPr lang="en-US" sz="1200" b="0" dirty="0">
+                        <a:solidFill>
+                          <a:srgbClr val="292934"/>
+                        </a:solidFill>
+                      </a:endParaRPr>
+                    </a:p>
+                  </a:txBody>
+                  <a:tcPr>
+                    <a:lnL w="12700" cap="flat" cmpd="sng" algn="ctr">
+                      <a:solidFill>
+                        <a:srgbClr val="292934"/>
+                      </a:solidFill>
+                      <a:prstDash val="solid"/>
+                      <a:round/>
+                      <a:headEnd type="none" w="med" len="med"/>
+                      <a:tailEnd type="none" w="med" len="med"/>
+                    </a:lnL>
+                    <a:lnR w="12700" cap="flat" cmpd="sng" algn="ctr">
+                      <a:solidFill>
+                        <a:srgbClr val="292934"/>
+                      </a:solidFill>
+                      <a:prstDash val="solid"/>
+                      <a:round/>
+                      <a:headEnd type="none" w="med" len="med"/>
+                      <a:tailEnd type="none" w="med" len="med"/>
+                    </a:lnR>
+                    <a:lnT w="12700" cap="flat" cmpd="sng" algn="ctr">
+                      <a:solidFill>
+                        <a:srgbClr val="292934"/>
+                      </a:solidFill>
+                      <a:prstDash val="solid"/>
+                      <a:round/>
+                      <a:headEnd type="none" w="med" len="med"/>
+                      <a:tailEnd type="none" w="med" len="med"/>
+                    </a:lnT>
+                    <a:lnB w="12700" cap="flat" cmpd="sng" algn="ctr">
+                      <a:solidFill>
+                        <a:srgbClr val="292934"/>
+                      </a:solidFill>
+                      <a:prstDash val="solid"/>
+                      <a:round/>
+                      <a:headEnd type="none" w="med" len="med"/>
+                      <a:tailEnd type="none" w="med" len="med"/>
+                    </a:lnB>
+                    <a:noFill/>
+                  </a:tcPr>
+                </a:tc>
+              </a:tr>
+            </a:tbl>
+          </a:graphicData>
+        </a:graphic>
+      </p:graphicFrame>
+      <p:sp>
+        <p:nvSpPr>
+          <p:cNvPr id="240" name="Oval 239"/>
+          <p:cNvSpPr/>
+          <p:nvPr/>
+        </p:nvSpPr>
+        <p:spPr>
+          <a:xfrm>
+            <a:off x="990639" y="2523101"/>
+            <a:ext cx="1270041" cy="423333"/>
+          </a:xfrm>
+          <a:prstGeom prst="ellipse">
+            <a:avLst/>
+          </a:prstGeom>
+          <a:noFill/>
+          <a:ln>
+            <a:solidFill>
+              <a:srgbClr val="2F41FF"/>
+            </a:solidFill>
+          </a:ln>
+          <a:effectLst/>
+        </p:spPr>
+        <p:style>
+          <a:lnRef idx="1">
+            <a:schemeClr val="accent1"/>
+          </a:lnRef>
+          <a:fillRef idx="3">
+            <a:schemeClr val="accent1"/>
+          </a:fillRef>
+          <a:effectRef idx="2">
+            <a:schemeClr val="accent1"/>
+          </a:effectRef>
+          <a:fontRef idx="minor">
+            <a:schemeClr val="lt1"/>
+          </a:fontRef>
+        </p:style>
+        <p:txBody>
+          <a:bodyPr rtlCol="0" anchor="ctr"/>
+          <a:lstStyle/>
+          <a:p>
+            <a:pPr algn="ctr"/>
+            <a:r>
+              <a:rPr lang="en-US" sz="1200" dirty="0" smtClean="0">
+                <a:solidFill>
+                  <a:srgbClr val="292934"/>
+                </a:solidFill>
+              </a:rPr>
+              <a:t>Implement</a:t>
+            </a:r>
+            <a:endParaRPr lang="en-US" sz="1200" dirty="0">
+              <a:solidFill>
+                <a:srgbClr val="292934"/>
+              </a:solidFill>
+            </a:endParaRPr>
+          </a:p>
+        </p:txBody>
+      </p:sp>
+      <p:cxnSp>
+        <p:nvCxnSpPr>
+          <p:cNvPr id="241" name="Straight Arrow Connector 240"/>
+          <p:cNvCxnSpPr>
+            <a:stCxn id="239" idx="2"/>
+            <a:endCxn id="240" idx="0"/>
+          </p:cNvCxnSpPr>
+          <p:nvPr/>
+        </p:nvCxnSpPr>
+        <p:spPr>
+          <a:xfrm flipH="1">
+            <a:off x="1625660" y="2136175"/>
+            <a:ext cx="4213" cy="386926"/>
+          </a:xfrm>
+          <a:prstGeom prst="straightConnector1">
+            <a:avLst/>
+          </a:prstGeom>
+          <a:ln>
+            <a:solidFill>
+              <a:schemeClr val="bg1">
+                <a:lumMod val="50000"/>
+              </a:schemeClr>
+            </a:solidFill>
+            <a:tailEnd type="arrow"/>
+          </a:ln>
+        </p:spPr>
+        <p:style>
+          <a:lnRef idx="2">
+            <a:schemeClr val="accent1"/>
+          </a:lnRef>
+          <a:fillRef idx="0">
+            <a:schemeClr val="accent1"/>
+          </a:fillRef>
+          <a:effectRef idx="1">
+            <a:schemeClr val="accent1"/>
+          </a:effectRef>
+          <a:fontRef idx="minor">
+            <a:schemeClr val="tx1"/>
+          </a:fontRef>
+        </p:style>
+      </p:cxnSp>
+      <p:cxnSp>
+        <p:nvCxnSpPr>
+          <p:cNvPr id="245" name="Straight Arrow Connector 244"/>
+          <p:cNvCxnSpPr>
+            <a:stCxn id="240" idx="4"/>
+            <a:endCxn id="6" idx="0"/>
+          </p:cNvCxnSpPr>
+          <p:nvPr/>
+        </p:nvCxnSpPr>
+        <p:spPr>
+          <a:xfrm>
+            <a:off x="1625660" y="2946434"/>
+            <a:ext cx="4214" cy="635000"/>
+          </a:xfrm>
+          <a:prstGeom prst="straightConnector1">
+            <a:avLst/>
+          </a:prstGeom>
+          <a:ln>
+            <a:solidFill>
+              <a:schemeClr val="bg1">
+                <a:lumMod val="50000"/>
+              </a:schemeClr>
+            </a:solidFill>
+            <a:tailEnd type="arrow"/>
+          </a:ln>
+        </p:spPr>
+        <p:style>
+          <a:lnRef idx="2">
+            <a:schemeClr val="accent1"/>
+          </a:lnRef>
+          <a:fillRef idx="0">
+            <a:schemeClr val="accent1"/>
+          </a:fillRef>
+          <a:effectRef idx="1">
+            <a:schemeClr val="accent1"/>
+          </a:effectRef>
+          <a:fontRef idx="minor">
+            <a:schemeClr val="tx1"/>
+          </a:fontRef>
+        </p:style>
+      </p:cxnSp>
+      <p:cxnSp>
+        <p:nvCxnSpPr>
+          <p:cNvPr id="269" name="Straight Arrow Connector 89"/>
+          <p:cNvCxnSpPr>
+            <a:stCxn id="21" idx="6"/>
+            <a:endCxn id="131" idx="1"/>
+          </p:cNvCxnSpPr>
+          <p:nvPr/>
+        </p:nvCxnSpPr>
+        <p:spPr>
+          <a:xfrm flipV="1">
+            <a:off x="2167467" y="5541450"/>
+            <a:ext cx="3589892" cy="4"/>
+          </a:xfrm>
+          <a:prstGeom prst="bentConnector3">
+            <a:avLst>
+              <a:gd name="adj1" fmla="val 50000"/>
+            </a:avLst>
+          </a:prstGeom>
+          <a:ln>
+            <a:solidFill>
+              <a:schemeClr val="bg1">
+                <a:lumMod val="50000"/>
+              </a:schemeClr>
+            </a:solidFill>
+            <a:tailEnd type="arrow"/>
+          </a:ln>
+        </p:spPr>
+        <p:style>
+          <a:lnRef idx="2">
+            <a:schemeClr val="accent1"/>
+          </a:lnRef>
+          <a:fillRef idx="0">
+            <a:schemeClr val="accent1"/>
+          </a:fillRef>
+          <a:effectRef idx="1">
+            <a:schemeClr val="accent1"/>
+          </a:effectRef>
+          <a:fontRef idx="minor">
+            <a:schemeClr val="tx1"/>
+          </a:fontRef>
+        </p:style>
+      </p:cxnSp>
+      <p:cxnSp>
+        <p:nvCxnSpPr>
+          <p:cNvPr id="273" name="Straight Arrow Connector 272"/>
+          <p:cNvCxnSpPr>
+            <a:stCxn id="22" idx="4"/>
+            <a:endCxn id="21" idx="0"/>
+          </p:cNvCxnSpPr>
+          <p:nvPr/>
+        </p:nvCxnSpPr>
+        <p:spPr>
+          <a:xfrm>
+            <a:off x="1599143" y="5008913"/>
+            <a:ext cx="0" cy="308192"/>
+          </a:xfrm>
+          <a:prstGeom prst="straightConnector1">
+            <a:avLst/>
+          </a:prstGeom>
+          <a:ln>
+            <a:prstDash val="dash"/>
+            <a:tailEnd type="arrow"/>
+          </a:ln>
+        </p:spPr>
+        <p:style>
+          <a:lnRef idx="2">
+            <a:schemeClr val="accent1"/>
+          </a:lnRef>
+          <a:fillRef idx="0">
+            <a:schemeClr val="accent1"/>
+          </a:fillRef>
+          <a:effectRef idx="1">
+            <a:schemeClr val="accent1"/>
+          </a:effectRef>
+          <a:fontRef idx="minor">
+            <a:schemeClr val="tx1"/>
+          </a:fontRef>
+        </p:style>
+      </p:cxnSp>
+      <p:graphicFrame>
+        <p:nvGraphicFramePr>
+          <p:cNvPr id="279" name="Table 278"/>
+          <p:cNvGraphicFramePr>
+            <a:graphicFrameLocks noGrp="1"/>
+          </p:cNvGraphicFramePr>
+          <p:nvPr>
+            <p:extLst>
+              <p:ext uri="{D42A27DB-BD31-4B8C-83A1-F6EECF244321}">
+                <p14:modId xmlns:p14="http://schemas.microsoft.com/office/powerpoint/2010/main" val="741189104"/>
+              </p:ext>
+            </p:extLst>
+          </p:nvPr>
+        </p:nvGraphicFramePr>
+        <p:xfrm>
+          <a:off x="2349356" y="5287440"/>
+          <a:ext cx="1071177" cy="276047"/>
+        </p:xfrm>
+        <a:graphic>
+          <a:graphicData uri="http://schemas.openxmlformats.org/drawingml/2006/table">
+            <a:tbl>
+              <a:tblPr firstRow="1" bandRow="1">
+                <a:tableStyleId>{5C22544A-7EE6-4342-B048-85BDC9FD1C3A}</a:tableStyleId>
+              </a:tblPr>
+              <a:tblGrid>
+                <a:gridCol w="1071177"/>
+              </a:tblGrid>
+              <a:tr h="276047">
+                <a:tc>
+                  <a:txBody>
+                    <a:bodyPr/>
+                    <a:lstStyle/>
+                    <a:p>
+                      <a:pPr algn="ctr"/>
+                      <a:r>
+                        <a:rPr lang="en-US" sz="1000" b="0" dirty="0" smtClean="0">
+                          <a:solidFill>
+                            <a:srgbClr val="292934"/>
+                          </a:solidFill>
+                        </a:rPr>
+                        <a:t>test run result</a:t>
+                      </a:r>
+                      <a:endParaRPr lang="en-US" sz="1000" b="0" dirty="0">
+                        <a:solidFill>
+                          <a:srgbClr val="292934"/>
+                        </a:solidFill>
+                      </a:endParaRPr>
+                    </a:p>
+                  </a:txBody>
+                  <a:tcPr>
+                    <a:lnL w="12700" cap="flat" cmpd="sng" algn="ctr">
+                      <a:noFill/>
+                      <a:prstDash val="solid"/>
+                      <a:round/>
+                      <a:headEnd type="none" w="med" len="med"/>
+                      <a:tailEnd type="none" w="med" len="med"/>
+                    </a:lnL>
+                    <a:lnR w="12700" cap="flat" cmpd="sng" algn="ctr">
+                      <a:noFill/>
+                      <a:prstDash val="solid"/>
+                      <a:round/>
+                      <a:headEnd type="none" w="med" len="med"/>
+                      <a:tailEnd type="none" w="med" len="med"/>
+                    </a:lnR>
+                    <a:lnT w="12700" cap="flat" cmpd="sng" algn="ctr">
+                      <a:noFill/>
+                      <a:prstDash val="solid"/>
+                      <a:round/>
+                      <a:headEnd type="none" w="med" len="med"/>
+                      <a:tailEnd type="none" w="med" len="med"/>
+                    </a:lnT>
+                    <a:lnB w="12700" cap="flat" cmpd="sng" algn="ctr">
+                      <a:noFill/>
+                      <a:prstDash val="solid"/>
+                      <a:round/>
+                      <a:headEnd type="none" w="med" len="med"/>
+                      <a:tailEnd type="none" w="med" len="med"/>
+                    </a:lnB>
+                    <a:lnTlToBr w="12700" cmpd="sng">
+                      <a:noFill/>
+                      <a:prstDash val="solid"/>
+                    </a:lnTlToBr>
+                    <a:lnBlToTr w="12700" cmpd="sng">
+                      <a:noFill/>
+                      <a:prstDash val="solid"/>
+                    </a:lnBlToTr>
+                    <a:noFill/>
+                  </a:tcPr>
+                </a:tc>
+              </a:tr>
+            </a:tbl>
+          </a:graphicData>
+        </a:graphic>
+      </p:graphicFrame>
+      <p:graphicFrame>
+        <p:nvGraphicFramePr>
+          <p:cNvPr id="281" name="Table 280"/>
+          <p:cNvGraphicFramePr>
+            <a:graphicFrameLocks noGrp="1"/>
+          </p:cNvGraphicFramePr>
+          <p:nvPr>
+            <p:extLst>
+              <p:ext uri="{D42A27DB-BD31-4B8C-83A1-F6EECF244321}">
+                <p14:modId xmlns:p14="http://schemas.microsoft.com/office/powerpoint/2010/main" val="532333325"/>
+              </p:ext>
+            </p:extLst>
+          </p:nvPr>
+        </p:nvGraphicFramePr>
+        <p:xfrm>
+          <a:off x="8318354" y="2874026"/>
+          <a:ext cx="740976" cy="396240"/>
+        </p:xfrm>
+        <a:graphic>
+          <a:graphicData uri="http://schemas.openxmlformats.org/drawingml/2006/table">
+            <a:tbl>
+              <a:tblPr firstRow="1" bandRow="1">
+                <a:tableStyleId>{5C22544A-7EE6-4342-B048-85BDC9FD1C3A}</a:tableStyleId>
+              </a:tblPr>
+              <a:tblGrid>
+                <a:gridCol w="740976"/>
+              </a:tblGrid>
+              <a:tr h="385641">
+                <a:tc>
+                  <a:txBody>
+                    <a:bodyPr/>
+                    <a:lstStyle/>
+                    <a:p>
+                      <a:pPr algn="ctr"/>
+                      <a:r>
+                        <a:rPr lang="en-US" sz="1000" b="0" dirty="0" smtClean="0">
+                          <a:solidFill>
+                            <a:srgbClr val="292934"/>
+                          </a:solidFill>
+                        </a:rPr>
+                        <a:t>deadlock detected</a:t>
+                      </a:r>
+                      <a:endParaRPr lang="en-US" sz="1000" b="0" dirty="0">
+                        <a:solidFill>
+                          <a:srgbClr val="292934"/>
+                        </a:solidFill>
+                      </a:endParaRPr>
+                    </a:p>
+                  </a:txBody>
+                  <a:tcPr>
+                    <a:lnL w="12700" cap="flat" cmpd="sng" algn="ctr">
+                      <a:noFill/>
+                      <a:prstDash val="solid"/>
+                      <a:round/>
+                      <a:headEnd type="none" w="med" len="med"/>
+                      <a:tailEnd type="none" w="med" len="med"/>
+                    </a:lnL>
+                    <a:lnR w="12700" cap="flat" cmpd="sng" algn="ctr">
+                      <a:noFill/>
+                      <a:prstDash val="solid"/>
+                      <a:round/>
+                      <a:headEnd type="none" w="med" len="med"/>
+                      <a:tailEnd type="none" w="med" len="med"/>
+                    </a:lnR>
+                    <a:lnT w="12700" cap="flat" cmpd="sng" algn="ctr">
+                      <a:noFill/>
+                      <a:prstDash val="solid"/>
+                      <a:round/>
+                      <a:headEnd type="none" w="med" len="med"/>
+                      <a:tailEnd type="none" w="med" len="med"/>
+                    </a:lnT>
+                    <a:lnB w="12700" cap="flat" cmpd="sng" algn="ctr">
+                      <a:noFill/>
+                      <a:prstDash val="solid"/>
+                      <a:round/>
+                      <a:headEnd type="none" w="med" len="med"/>
+                      <a:tailEnd type="none" w="med" len="med"/>
+                    </a:lnB>
+                    <a:lnTlToBr w="12700" cmpd="sng">
+                      <a:noFill/>
+                      <a:prstDash val="solid"/>
+                    </a:lnTlToBr>
+                    <a:lnBlToTr w="12700" cmpd="sng">
+                      <a:noFill/>
+                      <a:prstDash val="solid"/>
+                    </a:lnBlToTr>
+                    <a:noFill/>
+                  </a:tcPr>
+                </a:tc>
+              </a:tr>
+            </a:tbl>
+          </a:graphicData>
+        </a:graphic>
+      </p:graphicFrame>
+      <p:graphicFrame>
+        <p:nvGraphicFramePr>
+          <p:cNvPr id="282" name="Table 281"/>
+          <p:cNvGraphicFramePr>
+            <a:graphicFrameLocks noGrp="1"/>
+          </p:cNvGraphicFramePr>
+          <p:nvPr>
+            <p:extLst>
+              <p:ext uri="{D42A27DB-BD31-4B8C-83A1-F6EECF244321}">
+                <p14:modId xmlns:p14="http://schemas.microsoft.com/office/powerpoint/2010/main" val="2475584844"/>
+              </p:ext>
+            </p:extLst>
+          </p:nvPr>
+        </p:nvGraphicFramePr>
+        <p:xfrm>
+          <a:off x="4783784" y="3017822"/>
+          <a:ext cx="635000" cy="276047"/>
+        </p:xfrm>
+        <a:graphic>
+          <a:graphicData uri="http://schemas.openxmlformats.org/drawingml/2006/table">
+            <a:tbl>
+              <a:tblPr firstRow="1" bandRow="1">
+                <a:tableStyleId>{5C22544A-7EE6-4342-B048-85BDC9FD1C3A}</a:tableStyleId>
+              </a:tblPr>
+              <a:tblGrid>
+                <a:gridCol w="635000"/>
+              </a:tblGrid>
+              <a:tr h="276047">
+                <a:tc>
+                  <a:txBody>
+                    <a:bodyPr/>
+                    <a:lstStyle/>
+                    <a:p>
+                      <a:pPr algn="ctr"/>
+                      <a:r>
+                        <a:rPr lang="en-US" sz="1000" b="0" dirty="0" smtClean="0">
+                          <a:solidFill>
+                            <a:srgbClr val="292934"/>
+                          </a:solidFill>
+                        </a:rPr>
+                        <a:t>update</a:t>
+                      </a:r>
+                      <a:endParaRPr lang="en-US" sz="1000" b="0" dirty="0">
+                        <a:solidFill>
+                          <a:srgbClr val="292934"/>
+                        </a:solidFill>
+                      </a:endParaRPr>
+                    </a:p>
+                  </a:txBody>
+                  <a:tcPr>
+                    <a:lnL w="12700" cap="flat" cmpd="sng" algn="ctr">
+                      <a:noFill/>
+                      <a:prstDash val="solid"/>
+                      <a:round/>
+                      <a:headEnd type="none" w="med" len="med"/>
+                      <a:tailEnd type="none" w="med" len="med"/>
+                    </a:lnL>
+                    <a:lnR w="12700" cap="flat" cmpd="sng" algn="ctr">
+                      <a:noFill/>
+                      <a:prstDash val="solid"/>
+                      <a:round/>
+                      <a:headEnd type="none" w="med" len="med"/>
+                      <a:tailEnd type="none" w="med" len="med"/>
+                    </a:lnR>
+                    <a:lnT w="12700" cap="flat" cmpd="sng" algn="ctr">
+                      <a:noFill/>
+                      <a:prstDash val="solid"/>
+                      <a:round/>
+                      <a:headEnd type="none" w="med" len="med"/>
+                      <a:tailEnd type="none" w="med" len="med"/>
+                    </a:lnT>
+                    <a:lnB w="12700" cap="flat" cmpd="sng" algn="ctr">
+                      <a:noFill/>
+                      <a:prstDash val="solid"/>
+                      <a:round/>
+                      <a:headEnd type="none" w="med" len="med"/>
+                      <a:tailEnd type="none" w="med" len="med"/>
+                    </a:lnB>
+                    <a:lnTlToBr w="12700" cmpd="sng">
+                      <a:noFill/>
+                      <a:prstDash val="solid"/>
+                    </a:lnTlToBr>
+                    <a:lnBlToTr w="12700" cmpd="sng">
+                      <a:noFill/>
+                      <a:prstDash val="solid"/>
+                    </a:lnBlToTr>
+                    <a:noFill/>
+                  </a:tcPr>
+                </a:tc>
+              </a:tr>
+            </a:tbl>
+          </a:graphicData>
+        </a:graphic>
+      </p:graphicFrame>
+      <p:graphicFrame>
+        <p:nvGraphicFramePr>
+          <p:cNvPr id="283" name="Table 282"/>
+          <p:cNvGraphicFramePr>
+            <a:graphicFrameLocks noGrp="1"/>
+          </p:cNvGraphicFramePr>
+          <p:nvPr>
+            <p:extLst>
+              <p:ext uri="{D42A27DB-BD31-4B8C-83A1-F6EECF244321}">
+                <p14:modId xmlns:p14="http://schemas.microsoft.com/office/powerpoint/2010/main" val="2436400304"/>
+              </p:ext>
+            </p:extLst>
+          </p:nvPr>
+        </p:nvGraphicFramePr>
+        <p:xfrm>
+          <a:off x="2315488" y="3037315"/>
+          <a:ext cx="880772" cy="396240"/>
+        </p:xfrm>
+        <a:graphic>
+          <a:graphicData uri="http://schemas.openxmlformats.org/drawingml/2006/table">
+            <a:tbl>
+              <a:tblPr firstRow="1" bandRow="1">
+                <a:tableStyleId>{5C22544A-7EE6-4342-B048-85BDC9FD1C3A}</a:tableStyleId>
+              </a:tblPr>
+              <a:tblGrid>
+                <a:gridCol w="880772"/>
+              </a:tblGrid>
+              <a:tr h="276047">
+                <a:tc>
+                  <a:txBody>
+                    <a:bodyPr/>
+                    <a:lstStyle/>
+                    <a:p>
+                      <a:pPr algn="r"/>
+                      <a:r>
+                        <a:rPr lang="en-US" sz="1000" b="0" dirty="0" smtClean="0">
+                          <a:solidFill>
+                            <a:srgbClr val="292934"/>
+                          </a:solidFill>
+                        </a:rPr>
+                        <a:t>add calls to scheduler</a:t>
+                      </a:r>
+                      <a:endParaRPr lang="en-US" sz="1000" b="0" dirty="0">
+                        <a:solidFill>
+                          <a:srgbClr val="292934"/>
+                        </a:solidFill>
+                      </a:endParaRPr>
+                    </a:p>
+                  </a:txBody>
+                  <a:tcPr>
+                    <a:lnL w="12700" cap="flat" cmpd="sng" algn="ctr">
+                      <a:noFill/>
+                      <a:prstDash val="solid"/>
+                      <a:round/>
+                      <a:headEnd type="none" w="med" len="med"/>
+                      <a:tailEnd type="none" w="med" len="med"/>
+                    </a:lnL>
+                    <a:lnR w="12700" cap="flat" cmpd="sng" algn="ctr">
+                      <a:noFill/>
+                      <a:prstDash val="solid"/>
+                      <a:round/>
+                      <a:headEnd type="none" w="med" len="med"/>
+                      <a:tailEnd type="none" w="med" len="med"/>
+                    </a:lnR>
+                    <a:lnT w="12700" cap="flat" cmpd="sng" algn="ctr">
+                      <a:noFill/>
+                      <a:prstDash val="solid"/>
+                      <a:round/>
+                      <a:headEnd type="none" w="med" len="med"/>
+                      <a:tailEnd type="none" w="med" len="med"/>
+                    </a:lnT>
+                    <a:lnB w="12700" cap="flat" cmpd="sng" algn="ctr">
+                      <a:noFill/>
+                      <a:prstDash val="solid"/>
+                      <a:round/>
+                      <a:headEnd type="none" w="med" len="med"/>
+                      <a:tailEnd type="none" w="med" len="med"/>
+                    </a:lnB>
+                    <a:lnTlToBr w="12700" cmpd="sng">
+                      <a:noFill/>
+                      <a:prstDash val="solid"/>
+                    </a:lnTlToBr>
+                    <a:lnBlToTr w="12700" cmpd="sng">
+                      <a:noFill/>
+                      <a:prstDash val="solid"/>
+                    </a:lnBlToTr>
+                    <a:noFill/>
+                  </a:tcPr>
+                </a:tc>
+              </a:tr>
+            </a:tbl>
+          </a:graphicData>
+        </a:graphic>
+      </p:graphicFrame>
     </p:spTree>
     <p:extLst>
       <p:ext uri="{BB962C8B-B14F-4D97-AF65-F5344CB8AC3E}">
-        <p14:creationId xmlns:p14="http://schemas.microsoft.com/office/powerpoint/2010/main" val="899555419"/>
+        <p14:creationId xmlns:p14="http://schemas.microsoft.com/office/powerpoint/2010/main" val="3002431716"/>
       </p:ext>
     </p:extLst>
   </p:cSld>
@@ -12399,7 +15832,7 @@
           <a:p>
             <a:r>
               <a:rPr lang="en-US" dirty="0" smtClean="0"/>
-              <a:t>Concur – Scheduler</a:t>
+              <a:t>Scheduler – Functions</a:t>
             </a:r>
             <a:endParaRPr lang="en-US" dirty="0"/>
           </a:p>
@@ -12417,12 +15850,24 @@
         </p:nvSpPr>
         <p:spPr/>
         <p:txBody>
-          <a:bodyPr/>
+          <a:bodyPr>
+            <a:normAutofit fontScale="85000" lnSpcReduction="20000"/>
+          </a:bodyPr>
           <a:lstStyle/>
           <a:p>
             <a:r>
               <a:rPr lang="en-US" dirty="0" smtClean="0"/>
-              <a:t>Functions called from </a:t>
+              <a:t>Only permits one thread to run at a time.  All other threads are forced to wait for a signal before proceeding. </a:t>
+            </a:r>
+          </a:p>
+          <a:p>
+            <a:r>
+              <a:rPr lang="en-US" dirty="0" smtClean="0"/>
+              <a:t>Functions </a:t>
+            </a:r>
+            <a:r>
+              <a:rPr lang="en-US" dirty="0" smtClean="0"/>
+              <a:t>called from </a:t>
             </a:r>
             <a:r>
               <a:rPr lang="en-US" dirty="0" err="1" smtClean="0"/>
@@ -12441,7 +15886,41 @@
             </a:r>
             <a:r>
               <a:rPr lang="en-US" dirty="0" smtClean="0"/>
-              <a:t>() – all threads pause (wait) except for one thread</a:t>
+              <a:t>(</a:t>
+            </a:r>
+            <a:r>
+              <a:rPr lang="en-US" dirty="0" smtClean="0"/>
+              <a:t>)</a:t>
+            </a:r>
+          </a:p>
+          <a:p>
+            <a:pPr lvl="2"/>
+            <a:r>
+              <a:rPr lang="en-US" dirty="0" smtClean="0"/>
+              <a:t>Called before </a:t>
+            </a:r>
+            <a:r>
+              <a:rPr lang="en-US" dirty="0" err="1" smtClean="0"/>
+              <a:t>entrySection</a:t>
+            </a:r>
+            <a:r>
+              <a:rPr lang="en-US" dirty="0" smtClean="0"/>
+              <a:t>()</a:t>
+            </a:r>
+          </a:p>
+          <a:p>
+            <a:pPr lvl="2"/>
+            <a:r>
+              <a:rPr lang="en-US" dirty="0"/>
+              <a:t>A</a:t>
+            </a:r>
+            <a:r>
+              <a:rPr lang="en-US" dirty="0" smtClean="0"/>
+              <a:t>ll </a:t>
+            </a:r>
+            <a:r>
+              <a:rPr lang="en-US" dirty="0" smtClean="0"/>
+              <a:t>threads pause (wait) except for one thread</a:t>
             </a:r>
           </a:p>
           <a:p>
@@ -12452,8 +15931,32 @@
             </a:r>
             <a:r>
               <a:rPr lang="en-US" dirty="0" smtClean="0"/>
-              <a:t>() – handles context switch; puts current thread to “sleep” and signals the next thread to run</a:t>
-            </a:r>
+              <a:t>(</a:t>
+            </a:r>
+            <a:r>
+              <a:rPr lang="en-US" dirty="0" smtClean="0"/>
+              <a:t>)</a:t>
+            </a:r>
+          </a:p>
+          <a:p>
+            <a:pPr lvl="2"/>
+            <a:r>
+              <a:rPr lang="en-US" dirty="0" smtClean="0"/>
+              <a:t>Called after every line in </a:t>
+            </a:r>
+            <a:r>
+              <a:rPr lang="en-US" dirty="0" err="1" smtClean="0"/>
+              <a:t>sections.c</a:t>
+            </a:r>
+            <a:endParaRPr lang="en-US" dirty="0" smtClean="0"/>
+          </a:p>
+          <a:p>
+            <a:pPr lvl="2"/>
+            <a:r>
+              <a:rPr lang="en-US" dirty="0" smtClean="0"/>
+              <a:t>Gets next thread to run; Signals next thread to wake up and lets current thread wait for next turn</a:t>
+            </a:r>
+            <a:endParaRPr lang="en-US" dirty="0" smtClean="0"/>
           </a:p>
           <a:p>
             <a:pPr lvl="1"/>
@@ -12463,7 +15966,22 @@
             </a:r>
             <a:r>
               <a:rPr lang="en-US" dirty="0" smtClean="0"/>
-              <a:t>() – sets a lock to a thread, or adds thread to waiting list</a:t>
+              <a:t>(</a:t>
+            </a:r>
+            <a:r>
+              <a:rPr lang="en-US" dirty="0" smtClean="0"/>
+              <a:t>)</a:t>
+            </a:r>
+          </a:p>
+          <a:p>
+            <a:pPr lvl="2"/>
+            <a:r>
+              <a:rPr lang="en-US" dirty="0" smtClean="0"/>
+              <a:t>If lock is available, set thread to holding, else add </a:t>
+            </a:r>
+            <a:r>
+              <a:rPr lang="en-US" dirty="0" smtClean="0"/>
+              <a:t>thread to waiting list</a:t>
             </a:r>
           </a:p>
           <a:p>
@@ -12474,7 +15992,34 @@
             </a:r>
             <a:r>
               <a:rPr lang="en-US" dirty="0" smtClean="0"/>
-              <a:t>() – releases lock; reassigns to a waiting thread</a:t>
+              <a:t>(</a:t>
+            </a:r>
+            <a:r>
+              <a:rPr lang="en-US" dirty="0" smtClean="0"/>
+              <a:t>)</a:t>
+            </a:r>
+          </a:p>
+          <a:p>
+            <a:pPr lvl="2"/>
+            <a:r>
+              <a:rPr lang="en-US" dirty="0" smtClean="0"/>
+              <a:t>R</a:t>
+            </a:r>
+            <a:r>
+              <a:rPr lang="en-US" dirty="0" smtClean="0"/>
+              <a:t>eleases </a:t>
+            </a:r>
+            <a:r>
+              <a:rPr lang="en-US" dirty="0" smtClean="0"/>
+              <a:t>lock; </a:t>
+            </a:r>
+            <a:r>
+              <a:rPr lang="en-US" dirty="0" smtClean="0"/>
+              <a:t>reassigns </a:t>
+            </a:r>
+            <a:r>
+              <a:rPr lang="en-US" dirty="0" smtClean="0"/>
+              <a:t>to a waiting thread</a:t>
             </a:r>
           </a:p>
           <a:p>
@@ -12485,8 +16030,20 @@
             </a:r>
             <a:r>
               <a:rPr lang="en-US" dirty="0" smtClean="0"/>
-              <a:t>() – uses semaphore or gets added to wait list</a:t>
-            </a:r>
+              <a:t>(</a:t>
+            </a:r>
+            <a:r>
+              <a:rPr lang="en-US" dirty="0" smtClean="0"/>
+              <a:t>)</a:t>
+            </a:r>
+          </a:p>
+          <a:p>
+            <a:pPr lvl="2"/>
+            <a:r>
+              <a:rPr lang="en-US" dirty="0" smtClean="0"/>
+              <a:t>If semaphore is available, use it, else add thread to waiting list</a:t>
+            </a:r>
+            <a:endParaRPr lang="en-US" dirty="0" smtClean="0"/>
           </a:p>
           <a:p>
             <a:pPr lvl="1"/>
@@ -12496,7 +16053,34 @@
             </a:r>
             <a:r>
               <a:rPr lang="en-US" dirty="0" smtClean="0"/>
-              <a:t>() – releases semaphore; reassigns to a waiting thread</a:t>
+              <a:t>(</a:t>
+            </a:r>
+            <a:r>
+              <a:rPr lang="en-US" dirty="0" smtClean="0"/>
+              <a:t>)</a:t>
+            </a:r>
+          </a:p>
+          <a:p>
+            <a:pPr lvl="2"/>
+            <a:r>
+              <a:rPr lang="en-US" dirty="0" smtClean="0"/>
+              <a:t>R</a:t>
+            </a:r>
+            <a:r>
+              <a:rPr lang="en-US" dirty="0" smtClean="0"/>
+              <a:t>eleases </a:t>
+            </a:r>
+            <a:r>
+              <a:rPr lang="en-US" dirty="0" smtClean="0"/>
+              <a:t>semaphore; </a:t>
+            </a:r>
+            <a:r>
+              <a:rPr lang="en-US" dirty="0" smtClean="0"/>
+              <a:t>reassigns </a:t>
+            </a:r>
+            <a:r>
+              <a:rPr lang="en-US" dirty="0" smtClean="0"/>
+              <a:t>to a waiting thread</a:t>
             </a:r>
             <a:endParaRPr lang="en-US" dirty="0"/>
           </a:p>

--- a/Documents/Concur_Presentation.pptx
+++ b/Documents/Concur_Presentation.pptx
@@ -16,7 +16,7 @@
     <p:sldId id="266" r:id="rId7"/>
     <p:sldId id="275" r:id="rId8"/>
     <p:sldId id="288" r:id="rId9"/>
-    <p:sldId id="287" r:id="rId10"/>
+    <p:sldId id="290" r:id="rId10"/>
     <p:sldId id="286" r:id="rId11"/>
     <p:sldId id="270" r:id="rId12"/>
     <p:sldId id="262" r:id="rId13"/>
@@ -546,7 +546,7 @@
           <a:p>
             <a:fld id="{7CBFEC62-47D8-AA45-80EB-A84698F32C4E}" type="slidenum">
               <a:rPr lang="en-US" smtClean="0"/>
-              <a:t>5</a:t>
+              <a:t>1</a:t>
             </a:fld>
             <a:endParaRPr lang="en-US"/>
           </a:p>
@@ -555,7 +555,259 @@
     </p:spTree>
     <p:extLst>
       <p:ext uri="{BB962C8B-B14F-4D97-AF65-F5344CB8AC3E}">
-        <p14:creationId xmlns:p14="http://schemas.microsoft.com/office/powerpoint/2010/main" val="2856214145"/>
+        <p14:creationId xmlns:p14="http://schemas.microsoft.com/office/powerpoint/2010/main" val="2851857050"/>
+      </p:ext>
+    </p:extLst>
+  </p:cSld>
+  <p:clrMapOvr>
+    <a:masterClrMapping/>
+  </p:clrMapOvr>
+</p:notes>
+</file>
+
+<file path=ppt/notesSlides/notesSlide10.xml><?xml version="1.0" encoding="utf-8"?>
+<p:notes xmlns:a="http://schemas.openxmlformats.org/drawingml/2006/main" xmlns:r="http://schemas.openxmlformats.org/officeDocument/2006/relationships" xmlns:p="http://schemas.openxmlformats.org/presentationml/2006/main">
+  <p:cSld>
+    <p:spTree>
+      <p:nvGrpSpPr>
+        <p:cNvPr id="1" name=""/>
+        <p:cNvGrpSpPr/>
+        <p:nvPr/>
+      </p:nvGrpSpPr>
+      <p:grpSpPr>
+        <a:xfrm>
+          <a:off x="0" y="0"/>
+          <a:ext cx="0" cy="0"/>
+          <a:chOff x="0" y="0"/>
+          <a:chExt cx="0" cy="0"/>
+        </a:xfrm>
+      </p:grpSpPr>
+      <p:sp>
+        <p:nvSpPr>
+          <p:cNvPr id="2" name="Slide Image Placeholder 1"/>
+          <p:cNvSpPr>
+            <a:spLocks noGrp="1" noRot="1" noChangeAspect="1"/>
+          </p:cNvSpPr>
+          <p:nvPr>
+            <p:ph type="sldImg"/>
+          </p:nvPr>
+        </p:nvSpPr>
+        <p:spPr/>
+      </p:sp>
+      <p:sp>
+        <p:nvSpPr>
+          <p:cNvPr id="3" name="Notes Placeholder 2"/>
+          <p:cNvSpPr>
+            <a:spLocks noGrp="1"/>
+          </p:cNvSpPr>
+          <p:nvPr>
+            <p:ph type="body" idx="1"/>
+          </p:nvPr>
+        </p:nvSpPr>
+        <p:spPr/>
+        <p:txBody>
+          <a:bodyPr/>
+          <a:lstStyle/>
+          <a:p>
+            <a:endParaRPr lang="en-US" dirty="0"/>
+          </a:p>
+        </p:txBody>
+      </p:sp>
+      <p:sp>
+        <p:nvSpPr>
+          <p:cNvPr id="4" name="Slide Number Placeholder 3"/>
+          <p:cNvSpPr>
+            <a:spLocks noGrp="1"/>
+          </p:cNvSpPr>
+          <p:nvPr>
+            <p:ph type="sldNum" sz="quarter" idx="10"/>
+          </p:nvPr>
+        </p:nvSpPr>
+        <p:spPr/>
+        <p:txBody>
+          <a:bodyPr/>
+          <a:lstStyle/>
+          <a:p>
+            <a:fld id="{7CBFEC62-47D8-AA45-80EB-A84698F32C4E}" type="slidenum">
+              <a:rPr lang="en-US" smtClean="0"/>
+              <a:t>13</a:t>
+            </a:fld>
+            <a:endParaRPr lang="en-US"/>
+          </a:p>
+        </p:txBody>
+      </p:sp>
+    </p:spTree>
+    <p:extLst>
+      <p:ext uri="{BB962C8B-B14F-4D97-AF65-F5344CB8AC3E}">
+        <p14:creationId xmlns:p14="http://schemas.microsoft.com/office/powerpoint/2010/main" val="81884851"/>
+      </p:ext>
+    </p:extLst>
+  </p:cSld>
+  <p:clrMapOvr>
+    <a:masterClrMapping/>
+  </p:clrMapOvr>
+</p:notes>
+</file>
+
+<file path=ppt/notesSlides/notesSlide11.xml><?xml version="1.0" encoding="utf-8"?>
+<p:notes xmlns:a="http://schemas.openxmlformats.org/drawingml/2006/main" xmlns:r="http://schemas.openxmlformats.org/officeDocument/2006/relationships" xmlns:p="http://schemas.openxmlformats.org/presentationml/2006/main">
+  <p:cSld>
+    <p:spTree>
+      <p:nvGrpSpPr>
+        <p:cNvPr id="1" name=""/>
+        <p:cNvGrpSpPr/>
+        <p:nvPr/>
+      </p:nvGrpSpPr>
+      <p:grpSpPr>
+        <a:xfrm>
+          <a:off x="0" y="0"/>
+          <a:ext cx="0" cy="0"/>
+          <a:chOff x="0" y="0"/>
+          <a:chExt cx="0" cy="0"/>
+        </a:xfrm>
+      </p:grpSpPr>
+      <p:sp>
+        <p:nvSpPr>
+          <p:cNvPr id="2" name="Slide Image Placeholder 1"/>
+          <p:cNvSpPr>
+            <a:spLocks noGrp="1" noRot="1" noChangeAspect="1"/>
+          </p:cNvSpPr>
+          <p:nvPr>
+            <p:ph type="sldImg"/>
+          </p:nvPr>
+        </p:nvSpPr>
+        <p:spPr/>
+      </p:sp>
+      <p:sp>
+        <p:nvSpPr>
+          <p:cNvPr id="3" name="Notes Placeholder 2"/>
+          <p:cNvSpPr>
+            <a:spLocks noGrp="1"/>
+          </p:cNvSpPr>
+          <p:nvPr>
+            <p:ph type="body" idx="1"/>
+          </p:nvPr>
+        </p:nvSpPr>
+        <p:spPr/>
+        <p:txBody>
+          <a:bodyPr/>
+          <a:lstStyle/>
+          <a:p>
+            <a:endParaRPr lang="en-US" dirty="0"/>
+          </a:p>
+        </p:txBody>
+      </p:sp>
+      <p:sp>
+        <p:nvSpPr>
+          <p:cNvPr id="4" name="Slide Number Placeholder 3"/>
+          <p:cNvSpPr>
+            <a:spLocks noGrp="1"/>
+          </p:cNvSpPr>
+          <p:nvPr>
+            <p:ph type="sldNum" sz="quarter" idx="10"/>
+          </p:nvPr>
+        </p:nvSpPr>
+        <p:spPr/>
+        <p:txBody>
+          <a:bodyPr/>
+          <a:lstStyle/>
+          <a:p>
+            <a:fld id="{7CBFEC62-47D8-AA45-80EB-A84698F32C4E}" type="slidenum">
+              <a:rPr lang="en-US" smtClean="0"/>
+              <a:t>19</a:t>
+            </a:fld>
+            <a:endParaRPr lang="en-US"/>
+          </a:p>
+        </p:txBody>
+      </p:sp>
+    </p:spTree>
+    <p:extLst>
+      <p:ext uri="{BB962C8B-B14F-4D97-AF65-F5344CB8AC3E}">
+        <p14:creationId xmlns:p14="http://schemas.microsoft.com/office/powerpoint/2010/main" val="1871693178"/>
+      </p:ext>
+    </p:extLst>
+  </p:cSld>
+  <p:clrMapOvr>
+    <a:masterClrMapping/>
+  </p:clrMapOvr>
+</p:notes>
+</file>
+
+<file path=ppt/notesSlides/notesSlide12.xml><?xml version="1.0" encoding="utf-8"?>
+<p:notes xmlns:a="http://schemas.openxmlformats.org/drawingml/2006/main" xmlns:r="http://schemas.openxmlformats.org/officeDocument/2006/relationships" xmlns:p="http://schemas.openxmlformats.org/presentationml/2006/main">
+  <p:cSld>
+    <p:spTree>
+      <p:nvGrpSpPr>
+        <p:cNvPr id="1" name=""/>
+        <p:cNvGrpSpPr/>
+        <p:nvPr/>
+      </p:nvGrpSpPr>
+      <p:grpSpPr>
+        <a:xfrm>
+          <a:off x="0" y="0"/>
+          <a:ext cx="0" cy="0"/>
+          <a:chOff x="0" y="0"/>
+          <a:chExt cx="0" cy="0"/>
+        </a:xfrm>
+      </p:grpSpPr>
+      <p:sp>
+        <p:nvSpPr>
+          <p:cNvPr id="2" name="Slide Image Placeholder 1"/>
+          <p:cNvSpPr>
+            <a:spLocks noGrp="1" noRot="1" noChangeAspect="1"/>
+          </p:cNvSpPr>
+          <p:nvPr>
+            <p:ph type="sldImg"/>
+          </p:nvPr>
+        </p:nvSpPr>
+        <p:spPr/>
+      </p:sp>
+      <p:sp>
+        <p:nvSpPr>
+          <p:cNvPr id="3" name="Notes Placeholder 2"/>
+          <p:cNvSpPr>
+            <a:spLocks noGrp="1"/>
+          </p:cNvSpPr>
+          <p:nvPr>
+            <p:ph type="body" idx="1"/>
+          </p:nvPr>
+        </p:nvSpPr>
+        <p:spPr/>
+        <p:txBody>
+          <a:bodyPr/>
+          <a:lstStyle/>
+          <a:p>
+            <a:endParaRPr lang="en-US" dirty="0"/>
+          </a:p>
+        </p:txBody>
+      </p:sp>
+      <p:sp>
+        <p:nvSpPr>
+          <p:cNvPr id="4" name="Slide Number Placeholder 3"/>
+          <p:cNvSpPr>
+            <a:spLocks noGrp="1"/>
+          </p:cNvSpPr>
+          <p:nvPr>
+            <p:ph type="sldNum" sz="quarter" idx="10"/>
+          </p:nvPr>
+        </p:nvSpPr>
+        <p:spPr/>
+        <p:txBody>
+          <a:bodyPr/>
+          <a:lstStyle/>
+          <a:p>
+            <a:fld id="{7CBFEC62-47D8-AA45-80EB-A84698F32C4E}" type="slidenum">
+              <a:rPr lang="en-US" smtClean="0"/>
+              <a:t>20</a:t>
+            </a:fld>
+            <a:endParaRPr lang="en-US"/>
+          </a:p>
+        </p:txBody>
+      </p:sp>
+    </p:spTree>
+    <p:extLst>
+      <p:ext uri="{BB962C8B-B14F-4D97-AF65-F5344CB8AC3E}">
+        <p14:creationId xmlns:p14="http://schemas.microsoft.com/office/powerpoint/2010/main" val="1871693178"/>
       </p:ext>
     </p:extLst>
   </p:cSld>
@@ -609,75 +861,7 @@
           <a:bodyPr/>
           <a:lstStyle/>
           <a:p>
-            <a:r>
-              <a:rPr lang="en-US" dirty="0" err="1" smtClean="0"/>
-              <a:t>sections.c</a:t>
-            </a:r>
-            <a:r>
-              <a:rPr lang="en-US" dirty="0" smtClean="0"/>
-              <a:t> – student’s solution implementation</a:t>
-            </a:r>
-          </a:p>
-          <a:p>
-            <a:r>
-              <a:rPr lang="en-US" dirty="0" err="1" smtClean="0"/>
-              <a:t>main.c</a:t>
-            </a:r>
-            <a:r>
-              <a:rPr lang="en-US" dirty="0" smtClean="0"/>
-              <a:t> – driver program</a:t>
-            </a:r>
-          </a:p>
-          <a:p>
-            <a:pPr marL="0" marR="0" indent="0" algn="l" defTabSz="457200" rtl="0" eaLnBrk="1" fontAlgn="auto" latinLnBrk="0" hangingPunct="1">
-              <a:lnSpc>
-                <a:spcPct val="100000"/>
-              </a:lnSpc>
-              <a:spcBef>
-                <a:spcPts val="0"/>
-              </a:spcBef>
-              <a:spcAft>
-                <a:spcPts val="0"/>
-              </a:spcAft>
-              <a:buClrTx/>
-              <a:buSzTx/>
-              <a:buFontTx/>
-              <a:buNone/>
-              <a:tabLst/>
-              <a:defRPr/>
-            </a:pPr>
-            <a:r>
-              <a:rPr lang="en-US" dirty="0" smtClean="0"/>
-              <a:t>SUDS – a C source code instrumentation tool that allows the programmer to direct how and where instrumentation is added to the program</a:t>
-            </a:r>
-          </a:p>
-          <a:p>
             <a:endParaRPr lang="en-US" dirty="0" smtClean="0"/>
-          </a:p>
-          <a:p>
-            <a:r>
-              <a:rPr lang="en-US" dirty="0" smtClean="0"/>
-              <a:t>Scheduler</a:t>
-            </a:r>
-            <a:r>
-              <a:rPr lang="en-US" baseline="0" dirty="0" smtClean="0"/>
-              <a:t> – along with the lock/semaphore routines, server as a library to control and debug multithreaded applications</a:t>
-            </a:r>
-            <a:endParaRPr lang="en-US" dirty="0" smtClean="0"/>
-          </a:p>
-          <a:p>
-            <a:r>
-              <a:rPr lang="en-US" dirty="0" smtClean="0"/>
-              <a:t>Wrapper – allows the user to the the program several times to enable several</a:t>
-            </a:r>
-            <a:r>
-              <a:rPr lang="en-US" baseline="0" dirty="0" smtClean="0"/>
-              <a:t> randomly produced schedules</a:t>
-            </a:r>
-            <a:endParaRPr lang="en-US" dirty="0" smtClean="0"/>
-          </a:p>
-          <a:p>
-            <a:endParaRPr lang="en-US" dirty="0"/>
           </a:p>
         </p:txBody>
       </p:sp>
@@ -698,7 +882,7 @@
           <a:p>
             <a:fld id="{7CBFEC62-47D8-AA45-80EB-A84698F32C4E}" type="slidenum">
               <a:rPr lang="en-US" smtClean="0"/>
-              <a:t>7</a:t>
+              <a:t>3</a:t>
             </a:fld>
             <a:endParaRPr lang="en-US"/>
           </a:p>
@@ -707,7 +891,7 @@
     </p:spTree>
     <p:extLst>
       <p:ext uri="{BB962C8B-B14F-4D97-AF65-F5344CB8AC3E}">
-        <p14:creationId xmlns:p14="http://schemas.microsoft.com/office/powerpoint/2010/main" val="2925395708"/>
+        <p14:creationId xmlns:p14="http://schemas.microsoft.com/office/powerpoint/2010/main" val="2503873888"/>
       </p:ext>
     </p:extLst>
   </p:cSld>
@@ -762,68 +946,29 @@
           <a:lstStyle/>
           <a:p>
             <a:r>
-              <a:rPr lang="en-US" dirty="0" err="1" smtClean="0"/>
-              <a:t>sections.c</a:t>
-            </a:r>
-            <a:r>
               <a:rPr lang="en-US" dirty="0" smtClean="0"/>
-              <a:t> – student’s solution implementation</a:t>
-            </a:r>
-          </a:p>
-          <a:p>
-            <a:r>
-              <a:rPr lang="en-US" dirty="0" err="1" smtClean="0"/>
-              <a:t>main.c</a:t>
-            </a:r>
+              <a:t>emphasize:  </a:t>
+            </a:r>
+          </a:p>
+          <a:p>
+            <a:pPr marL="171450" indent="-171450">
+              <a:buFontTx/>
+              <a:buChar char="-"/>
+            </a:pPr>
             <a:r>
               <a:rPr lang="en-US" dirty="0" smtClean="0"/>
-              <a:t> – driver program</a:t>
-            </a:r>
-          </a:p>
-          <a:p>
+              <a:t>run on multiple schedules</a:t>
+            </a:r>
+          </a:p>
+          <a:p>
+            <a:pPr marL="171450" indent="-171450">
+              <a:buFontTx/>
+              <a:buChar char="-"/>
+            </a:pPr>
             <a:r>
               <a:rPr lang="en-US" dirty="0" smtClean="0"/>
-              <a:t>Scheduler</a:t>
-            </a:r>
-          </a:p>
-          <a:p>
-            <a:pPr lvl="1"/>
-            <a:r>
-              <a:rPr lang="en-US" dirty="0" err="1" smtClean="0"/>
-              <a:t>sched.cpp</a:t>
-            </a:r>
-            <a:endParaRPr lang="en-US" dirty="0" smtClean="0"/>
-          </a:p>
-          <a:p>
-            <a:r>
-              <a:rPr lang="en-US" dirty="0" smtClean="0"/>
-              <a:t>Error Detection</a:t>
-            </a:r>
-          </a:p>
-          <a:p>
-            <a:pPr lvl="1"/>
-            <a:r>
-              <a:rPr lang="en-US" dirty="0" smtClean="0"/>
-              <a:t>Deadlock detection</a:t>
-            </a:r>
-          </a:p>
-          <a:p>
-            <a:r>
-              <a:rPr lang="en-US" dirty="0" smtClean="0"/>
-              <a:t>Logging</a:t>
-            </a:r>
-          </a:p>
-          <a:p>
-            <a:pPr lvl="1"/>
-            <a:endParaRPr lang="en-US" dirty="0" smtClean="0"/>
-          </a:p>
-          <a:p>
-            <a:r>
-              <a:rPr lang="en-US" dirty="0" smtClean="0"/>
-              <a:t>Wrapper</a:t>
-            </a:r>
-          </a:p>
-          <a:p>
+              <a:t>typically the OS scheduler doesn’t vary much in where context switches take place in the program</a:t>
+            </a:r>
             <a:endParaRPr lang="en-US" dirty="0"/>
           </a:p>
         </p:txBody>
@@ -845,7 +990,7 @@
           <a:p>
             <a:fld id="{7CBFEC62-47D8-AA45-80EB-A84698F32C4E}" type="slidenum">
               <a:rPr lang="en-US" smtClean="0"/>
-              <a:t>8</a:t>
+              <a:t>4</a:t>
             </a:fld>
             <a:endParaRPr lang="en-US"/>
           </a:p>
@@ -854,7 +999,7 @@
     </p:spTree>
     <p:extLst>
       <p:ext uri="{BB962C8B-B14F-4D97-AF65-F5344CB8AC3E}">
-        <p14:creationId xmlns:p14="http://schemas.microsoft.com/office/powerpoint/2010/main" val="489505825"/>
+        <p14:creationId xmlns:p14="http://schemas.microsoft.com/office/powerpoint/2010/main" val="4183042300"/>
       </p:ext>
     </p:extLst>
   </p:cSld>
@@ -929,7 +1074,7 @@
           <a:p>
             <a:fld id="{7CBFEC62-47D8-AA45-80EB-A84698F32C4E}" type="slidenum">
               <a:rPr lang="en-US" smtClean="0"/>
-              <a:t>19</a:t>
+              <a:t>5</a:t>
             </a:fld>
             <a:endParaRPr lang="en-US"/>
           </a:p>
@@ -938,7 +1083,7 @@
     </p:spTree>
     <p:extLst>
       <p:ext uri="{BB962C8B-B14F-4D97-AF65-F5344CB8AC3E}">
-        <p14:creationId xmlns:p14="http://schemas.microsoft.com/office/powerpoint/2010/main" val="1871693178"/>
+        <p14:creationId xmlns:p14="http://schemas.microsoft.com/office/powerpoint/2010/main" val="2856214145"/>
       </p:ext>
     </p:extLst>
   </p:cSld>
@@ -1013,7 +1158,7 @@
           <a:p>
             <a:fld id="{7CBFEC62-47D8-AA45-80EB-A84698F32C4E}" type="slidenum">
               <a:rPr lang="en-US" smtClean="0"/>
-              <a:t>20</a:t>
+              <a:t>6</a:t>
             </a:fld>
             <a:endParaRPr lang="en-US"/>
           </a:p>
@@ -1022,7 +1167,558 @@
     </p:spTree>
     <p:extLst>
       <p:ext uri="{BB962C8B-B14F-4D97-AF65-F5344CB8AC3E}">
-        <p14:creationId xmlns:p14="http://schemas.microsoft.com/office/powerpoint/2010/main" val="1871693178"/>
+        <p14:creationId xmlns:p14="http://schemas.microsoft.com/office/powerpoint/2010/main" val="2607280754"/>
+      </p:ext>
+    </p:extLst>
+  </p:cSld>
+  <p:clrMapOvr>
+    <a:masterClrMapping/>
+  </p:clrMapOvr>
+</p:notes>
+</file>
+
+<file path=ppt/notesSlides/notesSlide6.xml><?xml version="1.0" encoding="utf-8"?>
+<p:notes xmlns:a="http://schemas.openxmlformats.org/drawingml/2006/main" xmlns:r="http://schemas.openxmlformats.org/officeDocument/2006/relationships" xmlns:p="http://schemas.openxmlformats.org/presentationml/2006/main">
+  <p:cSld>
+    <p:spTree>
+      <p:nvGrpSpPr>
+        <p:cNvPr id="1" name=""/>
+        <p:cNvGrpSpPr/>
+        <p:nvPr/>
+      </p:nvGrpSpPr>
+      <p:grpSpPr>
+        <a:xfrm>
+          <a:off x="0" y="0"/>
+          <a:ext cx="0" cy="0"/>
+          <a:chOff x="0" y="0"/>
+          <a:chExt cx="0" cy="0"/>
+        </a:xfrm>
+      </p:grpSpPr>
+      <p:sp>
+        <p:nvSpPr>
+          <p:cNvPr id="2" name="Slide Image Placeholder 1"/>
+          <p:cNvSpPr>
+            <a:spLocks noGrp="1" noRot="1" noChangeAspect="1"/>
+          </p:cNvSpPr>
+          <p:nvPr>
+            <p:ph type="sldImg"/>
+          </p:nvPr>
+        </p:nvSpPr>
+        <p:spPr/>
+      </p:sp>
+      <p:sp>
+        <p:nvSpPr>
+          <p:cNvPr id="3" name="Notes Placeholder 2"/>
+          <p:cNvSpPr>
+            <a:spLocks noGrp="1"/>
+          </p:cNvSpPr>
+          <p:nvPr>
+            <p:ph type="body" idx="1"/>
+          </p:nvPr>
+        </p:nvSpPr>
+        <p:spPr/>
+        <p:txBody>
+          <a:bodyPr/>
+          <a:lstStyle/>
+          <a:p>
+            <a:r>
+              <a:rPr lang="en-US" dirty="0" smtClean="0"/>
+              <a:t>-  SUDS – adds </a:t>
+            </a:r>
+            <a:r>
+              <a:rPr lang="en-US" dirty="0" err="1" smtClean="0"/>
+              <a:t>invokeScheduler</a:t>
+            </a:r>
+            <a:r>
+              <a:rPr lang="en-US" baseline="0" dirty="0" smtClean="0"/>
+              <a:t> call after each statement increases </a:t>
+            </a:r>
+            <a:r>
+              <a:rPr lang="en-US" baseline="0" dirty="0" smtClean="0"/>
+              <a:t>craziness of </a:t>
+            </a:r>
+            <a:r>
+              <a:rPr lang="en-US" baseline="0" dirty="0" smtClean="0"/>
+              <a:t>the schedules</a:t>
+            </a:r>
+            <a:endParaRPr lang="en-US" dirty="0" smtClean="0"/>
+          </a:p>
+          <a:p>
+            <a:endParaRPr lang="en-US" dirty="0" smtClean="0"/>
+          </a:p>
+          <a:p>
+            <a:endParaRPr lang="en-US" dirty="0" smtClean="0"/>
+          </a:p>
+          <a:p>
+            <a:r>
+              <a:rPr lang="en-US" dirty="0" err="1" smtClean="0"/>
+              <a:t>sections.c</a:t>
+            </a:r>
+            <a:r>
+              <a:rPr lang="en-US" dirty="0" smtClean="0"/>
+              <a:t> – student’s solution implementation</a:t>
+            </a:r>
+          </a:p>
+          <a:p>
+            <a:r>
+              <a:rPr lang="en-US" dirty="0" err="1" smtClean="0"/>
+              <a:t>main.c</a:t>
+            </a:r>
+            <a:r>
+              <a:rPr lang="en-US" dirty="0" smtClean="0"/>
+              <a:t> – driver program</a:t>
+            </a:r>
+          </a:p>
+          <a:p>
+            <a:pPr marL="0" marR="0" indent="0" algn="l" defTabSz="457200" rtl="0" eaLnBrk="1" fontAlgn="auto" latinLnBrk="0" hangingPunct="1">
+              <a:lnSpc>
+                <a:spcPct val="100000"/>
+              </a:lnSpc>
+              <a:spcBef>
+                <a:spcPts val="0"/>
+              </a:spcBef>
+              <a:spcAft>
+                <a:spcPts val="0"/>
+              </a:spcAft>
+              <a:buClrTx/>
+              <a:buSzTx/>
+              <a:buFontTx/>
+              <a:buNone/>
+              <a:tabLst/>
+              <a:defRPr/>
+            </a:pPr>
+            <a:r>
+              <a:rPr lang="en-US" dirty="0" smtClean="0"/>
+              <a:t>SUDS – a C source code instrumentation tool that allows the programmer to direct how and where instrumentation is added to the program</a:t>
+            </a:r>
+          </a:p>
+          <a:p>
+            <a:endParaRPr lang="en-US" dirty="0" smtClean="0"/>
+          </a:p>
+          <a:p>
+            <a:r>
+              <a:rPr lang="en-US" dirty="0" smtClean="0"/>
+              <a:t>Scheduler</a:t>
+            </a:r>
+            <a:r>
+              <a:rPr lang="en-US" baseline="0" dirty="0" smtClean="0"/>
+              <a:t> – along with the lock/semaphore routines, server as a library to control and debug multithreaded applications</a:t>
+            </a:r>
+            <a:endParaRPr lang="en-US" dirty="0" smtClean="0"/>
+          </a:p>
+          <a:p>
+            <a:r>
+              <a:rPr lang="en-US" dirty="0" smtClean="0"/>
+              <a:t>Wrapper – allows the user to the the program several times to enable several</a:t>
+            </a:r>
+            <a:r>
+              <a:rPr lang="en-US" baseline="0" dirty="0" smtClean="0"/>
+              <a:t> randomly produced schedules</a:t>
+            </a:r>
+            <a:endParaRPr lang="en-US" dirty="0" smtClean="0"/>
+          </a:p>
+          <a:p>
+            <a:endParaRPr lang="en-US" dirty="0"/>
+          </a:p>
+        </p:txBody>
+      </p:sp>
+      <p:sp>
+        <p:nvSpPr>
+          <p:cNvPr id="4" name="Slide Number Placeholder 3"/>
+          <p:cNvSpPr>
+            <a:spLocks noGrp="1"/>
+          </p:cNvSpPr>
+          <p:nvPr>
+            <p:ph type="sldNum" sz="quarter" idx="10"/>
+          </p:nvPr>
+        </p:nvSpPr>
+        <p:spPr/>
+        <p:txBody>
+          <a:bodyPr/>
+          <a:lstStyle/>
+          <a:p>
+            <a:fld id="{7CBFEC62-47D8-AA45-80EB-A84698F32C4E}" type="slidenum">
+              <a:rPr lang="en-US" smtClean="0"/>
+              <a:t>7</a:t>
+            </a:fld>
+            <a:endParaRPr lang="en-US"/>
+          </a:p>
+        </p:txBody>
+      </p:sp>
+    </p:spTree>
+    <p:extLst>
+      <p:ext uri="{BB962C8B-B14F-4D97-AF65-F5344CB8AC3E}">
+        <p14:creationId xmlns:p14="http://schemas.microsoft.com/office/powerpoint/2010/main" val="2925395708"/>
+      </p:ext>
+    </p:extLst>
+  </p:cSld>
+  <p:clrMapOvr>
+    <a:masterClrMapping/>
+  </p:clrMapOvr>
+</p:notes>
+</file>
+
+<file path=ppt/notesSlides/notesSlide7.xml><?xml version="1.0" encoding="utf-8"?>
+<p:notes xmlns:a="http://schemas.openxmlformats.org/drawingml/2006/main" xmlns:r="http://schemas.openxmlformats.org/officeDocument/2006/relationships" xmlns:p="http://schemas.openxmlformats.org/presentationml/2006/main">
+  <p:cSld>
+    <p:spTree>
+      <p:nvGrpSpPr>
+        <p:cNvPr id="1" name=""/>
+        <p:cNvGrpSpPr/>
+        <p:nvPr/>
+      </p:nvGrpSpPr>
+      <p:grpSpPr>
+        <a:xfrm>
+          <a:off x="0" y="0"/>
+          <a:ext cx="0" cy="0"/>
+          <a:chOff x="0" y="0"/>
+          <a:chExt cx="0" cy="0"/>
+        </a:xfrm>
+      </p:grpSpPr>
+      <p:sp>
+        <p:nvSpPr>
+          <p:cNvPr id="2" name="Slide Image Placeholder 1"/>
+          <p:cNvSpPr>
+            <a:spLocks noGrp="1" noRot="1" noChangeAspect="1"/>
+          </p:cNvSpPr>
+          <p:nvPr>
+            <p:ph type="sldImg"/>
+          </p:nvPr>
+        </p:nvSpPr>
+        <p:spPr/>
+      </p:sp>
+      <p:sp>
+        <p:nvSpPr>
+          <p:cNvPr id="3" name="Notes Placeholder 2"/>
+          <p:cNvSpPr>
+            <a:spLocks noGrp="1"/>
+          </p:cNvSpPr>
+          <p:nvPr>
+            <p:ph type="body" idx="1"/>
+          </p:nvPr>
+        </p:nvSpPr>
+        <p:spPr/>
+        <p:txBody>
+          <a:bodyPr/>
+          <a:lstStyle/>
+          <a:p>
+            <a:r>
+              <a:rPr lang="en-US" dirty="0" smtClean="0"/>
+              <a:t>add backup slide showing partitions (e.g. library)</a:t>
+            </a:r>
+          </a:p>
+          <a:p>
+            <a:endParaRPr lang="en-US" dirty="0" smtClean="0"/>
+          </a:p>
+          <a:p>
+            <a:r>
+              <a:rPr lang="en-US" dirty="0" err="1" smtClean="0"/>
+              <a:t>sections.c</a:t>
+            </a:r>
+            <a:r>
+              <a:rPr lang="en-US" dirty="0" smtClean="0"/>
+              <a:t> – student’s solution implementation</a:t>
+            </a:r>
+          </a:p>
+          <a:p>
+            <a:r>
+              <a:rPr lang="en-US" dirty="0" err="1" smtClean="0"/>
+              <a:t>main.c</a:t>
+            </a:r>
+            <a:r>
+              <a:rPr lang="en-US" dirty="0" smtClean="0"/>
+              <a:t> – driver program</a:t>
+            </a:r>
+          </a:p>
+          <a:p>
+            <a:r>
+              <a:rPr lang="en-US" dirty="0" smtClean="0"/>
+              <a:t>Scheduler</a:t>
+            </a:r>
+          </a:p>
+          <a:p>
+            <a:pPr lvl="1"/>
+            <a:r>
+              <a:rPr lang="en-US" dirty="0" err="1" smtClean="0"/>
+              <a:t>sched.cpp</a:t>
+            </a:r>
+            <a:endParaRPr lang="en-US" dirty="0" smtClean="0"/>
+          </a:p>
+          <a:p>
+            <a:r>
+              <a:rPr lang="en-US" dirty="0" smtClean="0"/>
+              <a:t>Error Detection</a:t>
+            </a:r>
+          </a:p>
+          <a:p>
+            <a:pPr lvl="1"/>
+            <a:r>
+              <a:rPr lang="en-US" dirty="0" smtClean="0"/>
+              <a:t>Deadlock detection</a:t>
+            </a:r>
+          </a:p>
+          <a:p>
+            <a:r>
+              <a:rPr lang="en-US" dirty="0" smtClean="0"/>
+              <a:t>Logging</a:t>
+            </a:r>
+          </a:p>
+          <a:p>
+            <a:pPr lvl="1"/>
+            <a:endParaRPr lang="en-US" dirty="0" smtClean="0"/>
+          </a:p>
+          <a:p>
+            <a:r>
+              <a:rPr lang="en-US" dirty="0" smtClean="0"/>
+              <a:t>Wrapper</a:t>
+            </a:r>
+          </a:p>
+          <a:p>
+            <a:endParaRPr lang="en-US" dirty="0"/>
+          </a:p>
+        </p:txBody>
+      </p:sp>
+      <p:sp>
+        <p:nvSpPr>
+          <p:cNvPr id="4" name="Slide Number Placeholder 3"/>
+          <p:cNvSpPr>
+            <a:spLocks noGrp="1"/>
+          </p:cNvSpPr>
+          <p:nvPr>
+            <p:ph type="sldNum" sz="quarter" idx="10"/>
+          </p:nvPr>
+        </p:nvSpPr>
+        <p:spPr/>
+        <p:txBody>
+          <a:bodyPr/>
+          <a:lstStyle/>
+          <a:p>
+            <a:fld id="{7CBFEC62-47D8-AA45-80EB-A84698F32C4E}" type="slidenum">
+              <a:rPr lang="en-US" smtClean="0"/>
+              <a:t>8</a:t>
+            </a:fld>
+            <a:endParaRPr lang="en-US"/>
+          </a:p>
+        </p:txBody>
+      </p:sp>
+    </p:spTree>
+    <p:extLst>
+      <p:ext uri="{BB962C8B-B14F-4D97-AF65-F5344CB8AC3E}">
+        <p14:creationId xmlns:p14="http://schemas.microsoft.com/office/powerpoint/2010/main" val="489505825"/>
+      </p:ext>
+    </p:extLst>
+  </p:cSld>
+  <p:clrMapOvr>
+    <a:masterClrMapping/>
+  </p:clrMapOvr>
+</p:notes>
+</file>
+
+<file path=ppt/notesSlides/notesSlide8.xml><?xml version="1.0" encoding="utf-8"?>
+<p:notes xmlns:a="http://schemas.openxmlformats.org/drawingml/2006/main" xmlns:r="http://schemas.openxmlformats.org/officeDocument/2006/relationships" xmlns:p="http://schemas.openxmlformats.org/presentationml/2006/main">
+  <p:cSld>
+    <p:spTree>
+      <p:nvGrpSpPr>
+        <p:cNvPr id="1" name=""/>
+        <p:cNvGrpSpPr/>
+        <p:nvPr/>
+      </p:nvGrpSpPr>
+      <p:grpSpPr>
+        <a:xfrm>
+          <a:off x="0" y="0"/>
+          <a:ext cx="0" cy="0"/>
+          <a:chOff x="0" y="0"/>
+          <a:chExt cx="0" cy="0"/>
+        </a:xfrm>
+      </p:grpSpPr>
+      <p:sp>
+        <p:nvSpPr>
+          <p:cNvPr id="2" name="Slide Image Placeholder 1"/>
+          <p:cNvSpPr>
+            <a:spLocks noGrp="1" noRot="1" noChangeAspect="1"/>
+          </p:cNvSpPr>
+          <p:nvPr>
+            <p:ph type="sldImg"/>
+          </p:nvPr>
+        </p:nvSpPr>
+        <p:spPr/>
+      </p:sp>
+      <p:sp>
+        <p:nvSpPr>
+          <p:cNvPr id="3" name="Notes Placeholder 2"/>
+          <p:cNvSpPr>
+            <a:spLocks noGrp="1"/>
+          </p:cNvSpPr>
+          <p:nvPr>
+            <p:ph type="body" idx="1"/>
+          </p:nvPr>
+        </p:nvSpPr>
+        <p:spPr/>
+        <p:txBody>
+          <a:bodyPr/>
+          <a:lstStyle/>
+          <a:p>
+            <a:r>
+              <a:rPr lang="en-US" dirty="0" smtClean="0"/>
+              <a:t>-  random</a:t>
+            </a:r>
+            <a:r>
+              <a:rPr lang="en-US" baseline="0" dirty="0" smtClean="0"/>
+              <a:t> (exercise different schedules) and interactive mode (more controlled debugging experience &amp; instructor demo)</a:t>
+            </a:r>
+          </a:p>
+          <a:p>
+            <a:pPr marL="171450" indent="-171450">
+              <a:buFontTx/>
+              <a:buChar char="-"/>
+            </a:pPr>
+            <a:r>
+              <a:rPr lang="en-US" baseline="0" dirty="0" smtClean="0"/>
+              <a:t>less focus on functions</a:t>
+            </a:r>
+          </a:p>
+          <a:p>
+            <a:pPr marL="171450" indent="-171450">
+              <a:buFontTx/>
+              <a:buChar char="-"/>
+            </a:pPr>
+            <a:r>
+              <a:rPr lang="en-US" baseline="0" dirty="0" smtClean="0"/>
+              <a:t>mention </a:t>
+            </a:r>
+            <a:r>
+              <a:rPr lang="en-US" baseline="0" dirty="0" err="1" smtClean="0"/>
+              <a:t>pthread</a:t>
+            </a:r>
+            <a:r>
+              <a:rPr lang="en-US" baseline="0" dirty="0" smtClean="0"/>
+              <a:t> functions</a:t>
+            </a:r>
+          </a:p>
+          <a:p>
+            <a:pPr marL="171450" indent="-171450">
+              <a:buFontTx/>
+              <a:buChar char="-"/>
+            </a:pPr>
+            <a:r>
+              <a:rPr lang="en-US" baseline="0" dirty="0" smtClean="0"/>
+              <a:t>remove invoke scheduler &amp; initialize threads</a:t>
+            </a:r>
+            <a:endParaRPr lang="en-US" dirty="0"/>
+          </a:p>
+        </p:txBody>
+      </p:sp>
+      <p:sp>
+        <p:nvSpPr>
+          <p:cNvPr id="4" name="Slide Number Placeholder 3"/>
+          <p:cNvSpPr>
+            <a:spLocks noGrp="1"/>
+          </p:cNvSpPr>
+          <p:nvPr>
+            <p:ph type="sldNum" sz="quarter" idx="10"/>
+          </p:nvPr>
+        </p:nvSpPr>
+        <p:spPr/>
+        <p:txBody>
+          <a:bodyPr/>
+          <a:lstStyle/>
+          <a:p>
+            <a:fld id="{7CBFEC62-47D8-AA45-80EB-A84698F32C4E}" type="slidenum">
+              <a:rPr lang="en-US" smtClean="0"/>
+              <a:t>9</a:t>
+            </a:fld>
+            <a:endParaRPr lang="en-US"/>
+          </a:p>
+        </p:txBody>
+      </p:sp>
+    </p:spTree>
+    <p:extLst>
+      <p:ext uri="{BB962C8B-B14F-4D97-AF65-F5344CB8AC3E}">
+        <p14:creationId xmlns:p14="http://schemas.microsoft.com/office/powerpoint/2010/main" val="4164143179"/>
+      </p:ext>
+    </p:extLst>
+  </p:cSld>
+  <p:clrMapOvr>
+    <a:masterClrMapping/>
+  </p:clrMapOvr>
+</p:notes>
+</file>
+
+<file path=ppt/notesSlides/notesSlide9.xml><?xml version="1.0" encoding="utf-8"?>
+<p:notes xmlns:a="http://schemas.openxmlformats.org/drawingml/2006/main" xmlns:r="http://schemas.openxmlformats.org/officeDocument/2006/relationships" xmlns:p="http://schemas.openxmlformats.org/presentationml/2006/main">
+  <p:cSld>
+    <p:spTree>
+      <p:nvGrpSpPr>
+        <p:cNvPr id="1" name=""/>
+        <p:cNvGrpSpPr/>
+        <p:nvPr/>
+      </p:nvGrpSpPr>
+      <p:grpSpPr>
+        <a:xfrm>
+          <a:off x="0" y="0"/>
+          <a:ext cx="0" cy="0"/>
+          <a:chOff x="0" y="0"/>
+          <a:chExt cx="0" cy="0"/>
+        </a:xfrm>
+      </p:grpSpPr>
+      <p:sp>
+        <p:nvSpPr>
+          <p:cNvPr id="2" name="Slide Image Placeholder 1"/>
+          <p:cNvSpPr>
+            <a:spLocks noGrp="1" noRot="1" noChangeAspect="1"/>
+          </p:cNvSpPr>
+          <p:nvPr>
+            <p:ph type="sldImg"/>
+          </p:nvPr>
+        </p:nvSpPr>
+        <p:spPr/>
+      </p:sp>
+      <p:sp>
+        <p:nvSpPr>
+          <p:cNvPr id="3" name="Notes Placeholder 2"/>
+          <p:cNvSpPr>
+            <a:spLocks noGrp="1"/>
+          </p:cNvSpPr>
+          <p:nvPr>
+            <p:ph type="body" idx="1"/>
+          </p:nvPr>
+        </p:nvSpPr>
+        <p:spPr/>
+        <p:txBody>
+          <a:bodyPr/>
+          <a:lstStyle/>
+          <a:p>
+            <a:endParaRPr lang="en-US" dirty="0"/>
+          </a:p>
+        </p:txBody>
+      </p:sp>
+      <p:sp>
+        <p:nvSpPr>
+          <p:cNvPr id="4" name="Slide Number Placeholder 3"/>
+          <p:cNvSpPr>
+            <a:spLocks noGrp="1"/>
+          </p:cNvSpPr>
+          <p:nvPr>
+            <p:ph type="sldNum" sz="quarter" idx="10"/>
+          </p:nvPr>
+        </p:nvSpPr>
+        <p:spPr/>
+        <p:txBody>
+          <a:bodyPr/>
+          <a:lstStyle/>
+          <a:p>
+            <a:fld id="{7CBFEC62-47D8-AA45-80EB-A84698F32C4E}" type="slidenum">
+              <a:rPr lang="en-US" smtClean="0"/>
+              <a:t>11</a:t>
+            </a:fld>
+            <a:endParaRPr lang="en-US"/>
+          </a:p>
+        </p:txBody>
+      </p:sp>
+    </p:spTree>
+    <p:extLst>
+      <p:ext uri="{BB962C8B-B14F-4D97-AF65-F5344CB8AC3E}">
+        <p14:creationId xmlns:p14="http://schemas.microsoft.com/office/powerpoint/2010/main" val="3648962323"/>
       </p:ext>
     </p:extLst>
   </p:cSld>
@@ -1218,7 +1914,7 @@
           <a:bodyPr/>
           <a:lstStyle/>
           <a:p>
-            <a:fld id="{C8A432C8-69A7-458B-9684-2BFA64B31948}" type="datetime2">
+            <a:fld id="{F09FF0AF-D2C1-48E6-838D-34907CC7AAD3}" type="datetime2">
               <a:rPr lang="en-US" smtClean="0"/>
               <a:t>Wednesday, June 6, 12</a:t>
             </a:fld>
@@ -1420,7 +2116,7 @@
           <a:bodyPr/>
           <a:lstStyle/>
           <a:p>
-            <a:fld id="{8CC057FC-95B6-4D89-AFDA-ABA33EE921E5}" type="datetime2">
+            <a:fld id="{6E272829-C125-48EE-B9F1-150AD50C9F98}" type="datetime2">
               <a:rPr lang="en-US" smtClean="0"/>
               <a:t>Wednesday, June 6, 12</a:t>
             </a:fld>
@@ -1597,7 +2293,7 @@
           <a:bodyPr/>
           <a:lstStyle/>
           <a:p>
-            <a:fld id="{EC4549AC-EB31-477F-92A9-B1988E232878}" type="datetime2">
+            <a:fld id="{05341E2C-B9D9-45C2-B520-10A28977426A}" type="datetime2">
               <a:rPr lang="en-US" smtClean="0"/>
               <a:t>Wednesday, June 6, 12</a:t>
             </a:fld>
@@ -1764,7 +2460,7 @@
           <a:bodyPr/>
           <a:lstStyle/>
           <a:p>
-            <a:fld id="{6396A3A3-94A6-4E5B-AF39-173ACA3E61CC}" type="datetime2">
+            <a:fld id="{12925254-87A5-4CF0-99E8-AC8E68BF7E06}" type="datetime2">
               <a:rPr lang="en-US" smtClean="0"/>
               <a:t>Wednesday, June 6, 12</a:t>
             </a:fld>
@@ -2014,7 +2710,7 @@
           <a:bodyPr/>
           <a:lstStyle/>
           <a:p>
-            <a:fld id="{9933D019-A32C-4EAD-B8E6-DBDA699692FD}" type="datetime2">
+            <a:fld id="{DC2946C1-A293-479B-BDA5-001C778CB73D}" type="datetime2">
               <a:rPr lang="en-US" smtClean="0"/>
               <a:t>Wednesday, June 6, 12</a:t>
             </a:fld>
@@ -2334,7 +3030,7 @@
           <a:bodyPr/>
           <a:lstStyle/>
           <a:p>
-            <a:fld id="{CCEBA98F-560C-4997-81C4-81D4D9187EAB}" type="datetime2">
+            <a:fld id="{D1BA556C-EF54-4AA5-9DB7-CE7372A45079}" type="datetime2">
               <a:rPr lang="en-US" smtClean="0"/>
               <a:t>Wednesday, June 6, 12</a:t>
             </a:fld>
@@ -2802,7 +3498,7 @@
           <a:bodyPr/>
           <a:lstStyle/>
           <a:p>
-            <a:fld id="{150972B2-CA5C-437D-87D0-8081271A9E4B}" type="datetime2">
+            <a:fld id="{B78E10FB-3602-4C38-94EA-83110B555185}" type="datetime2">
               <a:rPr lang="en-US" smtClean="0"/>
               <a:t>Wednesday, June 6, 12</a:t>
             </a:fld>
@@ -2952,7 +3648,7 @@
           <a:bodyPr/>
           <a:lstStyle/>
           <a:p>
-            <a:fld id="{79CD4847-11EF-4466-A8AD-85CDB7B49118}" type="datetime2">
+            <a:fld id="{CE2B67B4-70E4-41D6-8604-8C58B39011FA}" type="datetime2">
               <a:rPr lang="en-US" smtClean="0"/>
               <a:t>Wednesday, June 6, 12</a:t>
             </a:fld>
@@ -3044,7 +3740,7 @@
           <a:bodyPr/>
           <a:lstStyle/>
           <a:p>
-            <a:fld id="{F168457A-3AB9-4880-8A0C-9F8524491207}" type="datetime2">
+            <a:fld id="{96C14349-F0F1-4B64-9196-E808C561C052}" type="datetime2">
               <a:rPr lang="en-US" smtClean="0"/>
               <a:t>Wednesday, June 6, 12</a:t>
             </a:fld>
@@ -3320,7 +4016,7 @@
           <a:bodyPr/>
           <a:lstStyle/>
           <a:p>
-            <a:fld id="{3FE976D3-5B7F-4300-ABED-C91F1B2AE209}" type="datetime2">
+            <a:fld id="{AEFF8DCA-800C-4A35-9DC7-25E631DA2DB6}" type="datetime2">
               <a:rPr lang="en-US" smtClean="0"/>
               <a:t>Wednesday, June 6, 12</a:t>
             </a:fld>
@@ -3627,7 +4323,7 @@
           <a:bodyPr/>
           <a:lstStyle/>
           <a:p>
-            <a:fld id="{EBDC1E59-17DD-41CE-97CA-624A472382D4}" type="datetime2">
+            <a:fld id="{A2A2C62E-D659-49D4-A739-4E48E87EAA9F}" type="datetime2">
               <a:rPr lang="en-US" smtClean="0"/>
               <a:t>Wednesday, June 6, 12</a:t>
             </a:fld>
@@ -3927,7 +4623,7 @@
             </a:lvl1pPr>
           </a:lstStyle>
           <a:p>
-            <a:fld id="{A80CB818-7379-467D-8E76-EF9D9074A26C}" type="datetime2">
+            <a:fld id="{1C925619-5C23-46BF-A87A-5AD00CBA1C66}" type="datetime2">
               <a:rPr lang="en-US" smtClean="0"/>
               <a:t>Wednesday, June 6, 12</a:t>
             </a:fld>
@@ -4027,7 +4723,7 @@
     <p:sldLayoutId id="2147483970" r:id="rId10"/>
     <p:sldLayoutId id="2147483971" r:id="rId11"/>
   </p:sldLayoutIdLst>
-  <p:hf sldNum="0" hdr="0" ftr="0" dt="0"/>
+  <p:hf hdr="0" ftr="0" dt="0"/>
   <p:txStyles>
     <p:titleStyle>
       <a:lvl1pPr algn="l" defTabSz="914400" rtl="0" eaLnBrk="1" latinLnBrk="0" hangingPunct="1">
@@ -4414,6 +5110,30 @@
           </a:p>
         </p:txBody>
       </p:sp>
+      <p:sp>
+        <p:nvSpPr>
+          <p:cNvPr id="4" name="Slide Number Placeholder 3"/>
+          <p:cNvSpPr>
+            <a:spLocks noGrp="1"/>
+          </p:cNvSpPr>
+          <p:nvPr>
+            <p:ph type="sldNum" sz="quarter" idx="12"/>
+          </p:nvPr>
+        </p:nvSpPr>
+        <p:spPr/>
+        <p:txBody>
+          <a:bodyPr/>
+          <a:lstStyle/>
+          <a:p>
+            <a:fld id="{0CFEC368-1D7A-4F81-ABF6-AE0E36BAF64C}" type="slidenum">
+              <a:rPr lang="en-US" smtClean="0"/>
+              <a:pPr/>
+              <a:t>1</a:t>
+            </a:fld>
+            <a:endParaRPr lang="en-US"/>
+          </a:p>
+        </p:txBody>
+      </p:sp>
     </p:spTree>
     <p:extLst>
       <p:ext uri="{BB962C8B-B14F-4D97-AF65-F5344CB8AC3E}">
@@ -4493,11 +5213,7 @@
           <a:p>
             <a:r>
               <a:rPr lang="en-US" dirty="0" smtClean="0"/>
-              <a:t>Data </a:t>
-            </a:r>
-            <a:r>
-              <a:rPr lang="en-US" dirty="0" smtClean="0"/>
-              <a:t>structures</a:t>
+              <a:t>Data structures</a:t>
             </a:r>
           </a:p>
           <a:p>
@@ -4559,7 +5275,6 @@
               <a:rPr lang="en-US" dirty="0" smtClean="0"/>
               <a:t>List of waiting threads</a:t>
             </a:r>
-            <a:endParaRPr lang="en-US" dirty="0" smtClean="0"/>
           </a:p>
           <a:p>
             <a:pPr lvl="1"/>
@@ -4588,7 +5303,30 @@
               <a:rPr lang="en-US" dirty="0" smtClean="0"/>
               <a:t>List of waiting threads</a:t>
             </a:r>
-            <a:endParaRPr lang="en-US" dirty="0" smtClean="0"/>
+          </a:p>
+        </p:txBody>
+      </p:sp>
+      <p:sp>
+        <p:nvSpPr>
+          <p:cNvPr id="4" name="Slide Number Placeholder 3"/>
+          <p:cNvSpPr>
+            <a:spLocks noGrp="1"/>
+          </p:cNvSpPr>
+          <p:nvPr>
+            <p:ph type="sldNum" sz="quarter" idx="12"/>
+          </p:nvPr>
+        </p:nvSpPr>
+        <p:spPr/>
+        <p:txBody>
+          <a:bodyPr/>
+          <a:lstStyle/>
+          <a:p>
+            <a:fld id="{0CFEC368-1D7A-4F81-ABF6-AE0E36BAF64C}" type="slidenum">
+              <a:rPr lang="en-US" smtClean="0"/>
+              <a:pPr/>
+              <a:t>10</a:t>
+            </a:fld>
+            <a:endParaRPr lang="en-US"/>
           </a:p>
         </p:txBody>
       </p:sp>
@@ -4683,22 +5421,59 @@
             </a:r>
           </a:p>
           <a:p>
+            <a:pPr lvl="1"/>
+            <a:r>
+              <a:rPr lang="en-US" dirty="0"/>
+              <a:t>Runs multiple random </a:t>
+            </a:r>
             <a:r>
               <a:rPr lang="en-US" dirty="0" smtClean="0"/>
-              <a:t>3.  Notice status at end of each test run.   </a:t>
-            </a:r>
+              <a:t>schedules</a:t>
+            </a:r>
+            <a:endParaRPr lang="en-US" dirty="0" smtClean="0"/>
+          </a:p>
+          <a:p>
+            <a:r>
+              <a:rPr lang="en-US" dirty="0" smtClean="0"/>
+              <a:t>3.  </a:t>
+            </a:r>
+            <a:r>
+              <a:rPr lang="en-US" dirty="0" smtClean="0"/>
+              <a:t>Observe</a:t>
+            </a:r>
+            <a:r>
+              <a:rPr lang="en-US" dirty="0" smtClean="0"/>
+              <a:t> </a:t>
+            </a:r>
+            <a:r>
+              <a:rPr lang="en-US" dirty="0" smtClean="0"/>
+              <a:t>status at end of each test </a:t>
+            </a:r>
+            <a:r>
+              <a:rPr lang="en-US" dirty="0" smtClean="0"/>
+              <a:t>run</a:t>
+            </a:r>
+            <a:endParaRPr lang="en-US" dirty="0" smtClean="0"/>
           </a:p>
           <a:p>
             <a:pPr lvl="1"/>
             <a:r>
               <a:rPr lang="en-US" dirty="0" smtClean="0"/>
-              <a:t>(proceed to next step if run failed)</a:t>
-            </a:r>
-          </a:p>
-          <a:p>
+              <a:t>(</a:t>
+            </a:r>
             <a:r>
               <a:rPr lang="en-US" dirty="0" smtClean="0"/>
-              <a:t>4.  </a:t>
+              <a:t>proceed to next step if run failed)</a:t>
+            </a:r>
+          </a:p>
+          <a:p>
+            <a:r>
+              <a:rPr lang="en-US" dirty="0" smtClean="0"/>
+              <a:t>4</a:t>
+            </a:r>
+            <a:r>
+              <a:rPr lang="en-US" dirty="0" smtClean="0"/>
+              <a:t>.  </a:t>
             </a:r>
             <a:r>
               <a:rPr lang="en-US" dirty="0"/>
@@ -4774,6 +5549,30 @@
           </a:p>
           <a:p>
             <a:endParaRPr lang="en-US" dirty="0"/>
+          </a:p>
+        </p:txBody>
+      </p:sp>
+      <p:sp>
+        <p:nvSpPr>
+          <p:cNvPr id="4" name="Slide Number Placeholder 3"/>
+          <p:cNvSpPr>
+            <a:spLocks noGrp="1"/>
+          </p:cNvSpPr>
+          <p:nvPr>
+            <p:ph type="sldNum" sz="quarter" idx="12"/>
+          </p:nvPr>
+        </p:nvSpPr>
+        <p:spPr/>
+        <p:txBody>
+          <a:bodyPr/>
+          <a:lstStyle/>
+          <a:p>
+            <a:fld id="{0CFEC368-1D7A-4F81-ABF6-AE0E36BAF64C}" type="slidenum">
+              <a:rPr lang="en-US" smtClean="0"/>
+              <a:pPr/>
+              <a:t>11</a:t>
+            </a:fld>
+            <a:endParaRPr lang="en-US"/>
           </a:p>
         </p:txBody>
       </p:sp>
@@ -4871,18 +5670,12 @@
           </a:p>
           <a:p>
             <a:r>
-              <a:rPr lang="en-US" dirty="0"/>
-              <a:t>A</a:t>
-            </a:r>
-            <a:r>
               <a:rPr lang="en-US" dirty="0" smtClean="0"/>
-              <a:t>dditional steps for the user:</a:t>
-            </a:r>
-          </a:p>
-          <a:p>
+              <a:t>4</a:t>
+            </a:r>
             <a:r>
               <a:rPr lang="en-US" dirty="0" smtClean="0"/>
-              <a:t>4.  Open </a:t>
+              <a:t>.  Open </a:t>
             </a:r>
             <a:r>
               <a:rPr lang="en-US" dirty="0" err="1" smtClean="0"/>
@@ -4890,29 +5683,62 @@
             </a:r>
             <a:r>
               <a:rPr lang="en-US" dirty="0" smtClean="0"/>
-              <a:t> to see where error occurred.</a:t>
-            </a:r>
-          </a:p>
-          <a:p>
+              <a:t> to see where error occurred</a:t>
+            </a:r>
             <a:r>
               <a:rPr lang="en-US" dirty="0" smtClean="0"/>
-              <a:t>5.  Correct error and rerun Concur with same inputs.</a:t>
+              <a:t>.</a:t>
             </a:r>
           </a:p>
           <a:p>
             <a:r>
               <a:rPr lang="en-US" dirty="0" smtClean="0"/>
-              <a:t>Additional things to demo:</a:t>
-            </a:r>
-          </a:p>
-          <a:p>
+              <a:t>Next </a:t>
+            </a:r>
+            <a:r>
+              <a:rPr lang="en-US" dirty="0"/>
+              <a:t>steps for the user</a:t>
+            </a:r>
             <a:r>
               <a:rPr lang="en-US" dirty="0" smtClean="0"/>
-              <a:t>-  Interactive mode</a:t>
-            </a:r>
-          </a:p>
-          <a:p>
-            <a:endParaRPr lang="en-US" dirty="0"/>
+              <a:t>:</a:t>
+            </a:r>
+            <a:endParaRPr lang="en-US" dirty="0" smtClean="0"/>
+          </a:p>
+          <a:p>
+            <a:r>
+              <a:rPr lang="en-US" dirty="0" smtClean="0"/>
+              <a:t>5.  Correct error and rerun Concur with same inputs</a:t>
+            </a:r>
+            <a:r>
+              <a:rPr lang="en-US" dirty="0" smtClean="0"/>
+              <a:t>.</a:t>
+            </a:r>
+            <a:endParaRPr lang="en-US" dirty="0" smtClean="0"/>
+          </a:p>
+        </p:txBody>
+      </p:sp>
+      <p:sp>
+        <p:nvSpPr>
+          <p:cNvPr id="4" name="Slide Number Placeholder 3"/>
+          <p:cNvSpPr>
+            <a:spLocks noGrp="1"/>
+          </p:cNvSpPr>
+          <p:nvPr>
+            <p:ph type="sldNum" sz="quarter" idx="12"/>
+          </p:nvPr>
+        </p:nvSpPr>
+        <p:spPr/>
+        <p:txBody>
+          <a:bodyPr/>
+          <a:lstStyle/>
+          <a:p>
+            <a:fld id="{0CFEC368-1D7A-4F81-ABF6-AE0E36BAF64C}" type="slidenum">
+              <a:rPr lang="en-US" smtClean="0"/>
+              <a:pPr/>
+              <a:t>12</a:t>
+            </a:fld>
+            <a:endParaRPr lang="en-US"/>
           </a:p>
         </p:txBody>
       </p:sp>
@@ -4986,99 +5812,780 @@
             <p:ph idx="1"/>
           </p:nvPr>
         </p:nvSpPr>
+        <p:spPr>
+          <a:xfrm>
+            <a:off x="457200" y="1600200"/>
+            <a:ext cx="8229600" cy="901700"/>
+          </a:xfrm>
+        </p:spPr>
+        <p:txBody>
+          <a:bodyPr/>
+          <a:lstStyle/>
+          <a:p>
+            <a:r>
+              <a:rPr lang="en-US" dirty="0" smtClean="0"/>
+              <a:t>Used Wrapper to test </a:t>
+            </a:r>
+            <a:r>
+              <a:rPr lang="en-US" dirty="0" smtClean="0"/>
+              <a:t>four student submissions from Fall 2011 for the Unisex Bathroom </a:t>
+            </a:r>
+            <a:r>
+              <a:rPr lang="en-US" dirty="0" smtClean="0"/>
+              <a:t>problem</a:t>
+            </a:r>
+          </a:p>
+        </p:txBody>
+      </p:sp>
+      <p:sp>
+        <p:nvSpPr>
+          <p:cNvPr id="4" name="Slide Number Placeholder 3"/>
+          <p:cNvSpPr>
+            <a:spLocks noGrp="1"/>
+          </p:cNvSpPr>
+          <p:nvPr>
+            <p:ph type="sldNum" sz="quarter" idx="12"/>
+          </p:nvPr>
+        </p:nvSpPr>
         <p:spPr/>
         <p:txBody>
           <a:bodyPr/>
           <a:lstStyle/>
           <a:p>
+            <a:fld id="{0CFEC368-1D7A-4F81-ABF6-AE0E36BAF64C}" type="slidenum">
+              <a:rPr lang="en-US" smtClean="0"/>
+              <a:pPr/>
+              <a:t>13</a:t>
+            </a:fld>
+            <a:endParaRPr lang="en-US"/>
+          </a:p>
+        </p:txBody>
+      </p:sp>
+      <p:graphicFrame>
+        <p:nvGraphicFramePr>
+          <p:cNvPr id="5" name="Table 4"/>
+          <p:cNvGraphicFramePr>
+            <a:graphicFrameLocks noGrp="1"/>
+          </p:cNvGraphicFramePr>
+          <p:nvPr>
+            <p:extLst>
+              <p:ext uri="{D42A27DB-BD31-4B8C-83A1-F6EECF244321}">
+                <p14:modId xmlns:p14="http://schemas.microsoft.com/office/powerpoint/2010/main" val="503047320"/>
+              </p:ext>
+            </p:extLst>
+          </p:nvPr>
+        </p:nvGraphicFramePr>
+        <p:xfrm>
+          <a:off x="596900" y="2540000"/>
+          <a:ext cx="7924800" cy="2768599"/>
+        </p:xfrm>
+        <a:graphic>
+          <a:graphicData uri="http://schemas.openxmlformats.org/drawingml/2006/table">
+            <a:tbl>
+              <a:tblPr firstRow="1" bandRow="1">
+                <a:tableStyleId>{5C22544A-7EE6-4342-B048-85BDC9FD1C3A}</a:tableStyleId>
+              </a:tblPr>
+              <a:tblGrid>
+                <a:gridCol w="1529685"/>
+                <a:gridCol w="1002207"/>
+                <a:gridCol w="1254325"/>
+                <a:gridCol w="941973"/>
+                <a:gridCol w="3196610"/>
+              </a:tblGrid>
+              <a:tr h="370840">
+                <a:tc rowSpan="2">
+                  <a:txBody>
+                    <a:bodyPr/>
+                    <a:lstStyle/>
+                    <a:p>
+                      <a:pPr algn="ctr"/>
+                      <a:r>
+                        <a:rPr lang="en-US" dirty="0" smtClean="0"/>
+                        <a:t>Test File</a:t>
+                      </a:r>
+                      <a:endParaRPr lang="en-US" dirty="0"/>
+                    </a:p>
+                  </a:txBody>
+                  <a:tcPr anchor="ctr"/>
+                </a:tc>
+                <a:tc gridSpan="3">
+                  <a:txBody>
+                    <a:bodyPr/>
+                    <a:lstStyle/>
+                    <a:p>
+                      <a:pPr algn="ctr"/>
+                      <a:r>
+                        <a:rPr lang="en-US" dirty="0" smtClean="0"/>
+                        <a:t>Wrapper Parameters</a:t>
+                      </a:r>
+                      <a:endParaRPr lang="en-US" dirty="0"/>
+                    </a:p>
+                  </a:txBody>
+                  <a:tcPr/>
+                </a:tc>
+                <a:tc hMerge="1">
+                  <a:txBody>
+                    <a:bodyPr/>
+                    <a:lstStyle/>
+                    <a:p>
+                      <a:endParaRPr lang="en-US" dirty="0"/>
+                    </a:p>
+                  </a:txBody>
+                  <a:tcPr/>
+                </a:tc>
+                <a:tc hMerge="1">
+                  <a:txBody>
+                    <a:bodyPr/>
+                    <a:lstStyle/>
+                    <a:p>
+                      <a:endParaRPr lang="en-US" dirty="0"/>
+                    </a:p>
+                  </a:txBody>
+                  <a:tcPr/>
+                </a:tc>
+                <a:tc rowSpan="2">
+                  <a:txBody>
+                    <a:bodyPr/>
+                    <a:lstStyle/>
+                    <a:p>
+                      <a:pPr algn="ctr"/>
+                      <a:r>
+                        <a:rPr lang="en-US" dirty="0" smtClean="0"/>
+                        <a:t>Result</a:t>
+                      </a:r>
+                      <a:endParaRPr lang="en-US" dirty="0"/>
+                    </a:p>
+                  </a:txBody>
+                  <a:tcPr anchor="ctr"/>
+                </a:tc>
+              </a:tr>
+              <a:tr h="370840">
+                <a:tc vMerge="1">
+                  <a:txBody>
+                    <a:bodyPr/>
+                    <a:lstStyle/>
+                    <a:p>
+                      <a:endParaRPr lang="en-US" dirty="0"/>
+                    </a:p>
+                  </a:txBody>
+                  <a:tcPr/>
+                </a:tc>
+                <a:tc>
+                  <a:txBody>
+                    <a:bodyPr/>
+                    <a:lstStyle/>
+                    <a:p>
+                      <a:pPr algn="ctr"/>
+                      <a:r>
+                        <a:rPr lang="en-US" dirty="0" smtClean="0"/>
+                        <a:t># Runs</a:t>
+                      </a:r>
+                      <a:endParaRPr lang="en-US" dirty="0"/>
+                    </a:p>
+                  </a:txBody>
+                  <a:tcPr/>
+                </a:tc>
+                <a:tc>
+                  <a:txBody>
+                    <a:bodyPr/>
+                    <a:lstStyle/>
+                    <a:p>
+                      <a:pPr algn="ctr"/>
+                      <a:r>
+                        <a:rPr lang="en-US" dirty="0" smtClean="0"/>
+                        <a:t># Threads</a:t>
+                      </a:r>
+                      <a:endParaRPr lang="en-US" dirty="0"/>
+                    </a:p>
+                  </a:txBody>
+                  <a:tcPr/>
+                </a:tc>
+                <a:tc>
+                  <a:txBody>
+                    <a:bodyPr/>
+                    <a:lstStyle/>
+                    <a:p>
+                      <a:pPr algn="ctr"/>
+                      <a:r>
+                        <a:rPr lang="en-US" dirty="0" smtClean="0"/>
+                        <a:t># Runs</a:t>
+                      </a:r>
+                      <a:endParaRPr lang="en-US" dirty="0"/>
+                    </a:p>
+                  </a:txBody>
+                  <a:tcPr/>
+                </a:tc>
+                <a:tc vMerge="1">
+                  <a:txBody>
+                    <a:bodyPr/>
+                    <a:lstStyle/>
+                    <a:p>
+                      <a:pPr algn="ctr"/>
+                      <a:endParaRPr lang="en-US" dirty="0"/>
+                    </a:p>
+                  </a:txBody>
+                  <a:tcPr/>
+                </a:tc>
+              </a:tr>
+              <a:tr h="370840">
+                <a:tc>
+                  <a:txBody>
+                    <a:bodyPr/>
+                    <a:lstStyle/>
+                    <a:p>
+                      <a:r>
+                        <a:rPr lang="en-US" dirty="0" smtClean="0"/>
+                        <a:t>sections1.c</a:t>
+                      </a:r>
+                      <a:endParaRPr lang="en-US" dirty="0"/>
+                    </a:p>
+                  </a:txBody>
+                  <a:tcPr/>
+                </a:tc>
+                <a:tc>
+                  <a:txBody>
+                    <a:bodyPr/>
+                    <a:lstStyle/>
+                    <a:p>
+                      <a:pPr algn="ctr"/>
+                      <a:r>
+                        <a:rPr lang="en-US" dirty="0" smtClean="0"/>
+                        <a:t>10</a:t>
+                      </a:r>
+                      <a:endParaRPr lang="en-US" dirty="0"/>
+                    </a:p>
+                  </a:txBody>
+                  <a:tcPr/>
+                </a:tc>
+                <a:tc>
+                  <a:txBody>
+                    <a:bodyPr/>
+                    <a:lstStyle/>
+                    <a:p>
+                      <a:pPr algn="ctr"/>
+                      <a:r>
+                        <a:rPr lang="en-US" dirty="0" smtClean="0"/>
+                        <a:t>5</a:t>
+                      </a:r>
+                      <a:endParaRPr lang="en-US" dirty="0"/>
+                    </a:p>
+                  </a:txBody>
+                  <a:tcPr/>
+                </a:tc>
+                <a:tc>
+                  <a:txBody>
+                    <a:bodyPr/>
+                    <a:lstStyle/>
+                    <a:p>
+                      <a:pPr algn="ctr"/>
+                      <a:r>
+                        <a:rPr lang="en-US" dirty="0" smtClean="0"/>
+                        <a:t>2</a:t>
+                      </a:r>
+                      <a:endParaRPr lang="en-US" dirty="0"/>
+                    </a:p>
+                  </a:txBody>
+                  <a:tcPr/>
+                </a:tc>
+                <a:tc>
+                  <a:txBody>
+                    <a:bodyPr/>
+                    <a:lstStyle/>
+                    <a:p>
+                      <a:pPr marL="0" marR="0" indent="0" algn="l" defTabSz="914400" rtl="0" eaLnBrk="1" fontAlgn="auto" latinLnBrk="0" hangingPunct="1">
+                        <a:lnSpc>
+                          <a:spcPct val="100000"/>
+                        </a:lnSpc>
+                        <a:spcBef>
+                          <a:spcPts val="0"/>
+                        </a:spcBef>
+                        <a:spcAft>
+                          <a:spcPts val="0"/>
+                        </a:spcAft>
+                        <a:buClrTx/>
+                        <a:buSzTx/>
+                        <a:buFontTx/>
+                        <a:buNone/>
+                        <a:tabLst/>
+                        <a:defRPr/>
+                      </a:pPr>
+                      <a:r>
+                        <a:rPr lang="en-US" dirty="0" smtClean="0"/>
+                        <a:t>Deadlock</a:t>
+                      </a:r>
+                      <a:r>
+                        <a:rPr lang="en-US" baseline="0" dirty="0" smtClean="0"/>
+                        <a:t> detected at 1</a:t>
+                      </a:r>
+                      <a:r>
+                        <a:rPr lang="en-US" baseline="30000" dirty="0" smtClean="0"/>
+                        <a:t>st</a:t>
+                      </a:r>
+                      <a:r>
+                        <a:rPr lang="en-US" baseline="0" dirty="0" smtClean="0"/>
+                        <a:t> run.</a:t>
+                      </a:r>
+                      <a:endParaRPr lang="en-US" dirty="0" smtClean="0"/>
+                    </a:p>
+                  </a:txBody>
+                  <a:tcPr/>
+                </a:tc>
+              </a:tr>
+              <a:tr h="370840">
+                <a:tc>
+                  <a:txBody>
+                    <a:bodyPr/>
+                    <a:lstStyle/>
+                    <a:p>
+                      <a:r>
+                        <a:rPr lang="en-US" dirty="0" smtClean="0"/>
+                        <a:t>sections2.c</a:t>
+                      </a:r>
+                      <a:endParaRPr lang="en-US" dirty="0"/>
+                    </a:p>
+                  </a:txBody>
+                  <a:tcPr/>
+                </a:tc>
+                <a:tc>
+                  <a:txBody>
+                    <a:bodyPr/>
+                    <a:lstStyle/>
+                    <a:p>
+                      <a:pPr algn="ctr"/>
+                      <a:r>
+                        <a:rPr lang="en-US" dirty="0" smtClean="0"/>
+                        <a:t>10</a:t>
+                      </a:r>
+                      <a:endParaRPr lang="en-US" dirty="0"/>
+                    </a:p>
+                  </a:txBody>
+                  <a:tcPr/>
+                </a:tc>
+                <a:tc>
+                  <a:txBody>
+                    <a:bodyPr/>
+                    <a:lstStyle/>
+                    <a:p>
+                      <a:pPr algn="ctr"/>
+                      <a:r>
+                        <a:rPr lang="en-US" dirty="0" smtClean="0"/>
+                        <a:t>5</a:t>
+                      </a:r>
+                      <a:endParaRPr lang="en-US" dirty="0"/>
+                    </a:p>
+                  </a:txBody>
+                  <a:tcPr/>
+                </a:tc>
+                <a:tc>
+                  <a:txBody>
+                    <a:bodyPr/>
+                    <a:lstStyle/>
+                    <a:p>
+                      <a:pPr algn="ctr"/>
+                      <a:r>
+                        <a:rPr lang="en-US" dirty="0" smtClean="0"/>
+                        <a:t>2</a:t>
+                      </a:r>
+                      <a:endParaRPr lang="en-US" dirty="0"/>
+                    </a:p>
+                  </a:txBody>
+                  <a:tcPr/>
+                </a:tc>
+                <a:tc>
+                  <a:txBody>
+                    <a:bodyPr/>
+                    <a:lstStyle/>
+                    <a:p>
+                      <a:r>
+                        <a:rPr lang="en-US" dirty="0" smtClean="0"/>
+                        <a:t>Programming error detected (infinite</a:t>
+                      </a:r>
+                      <a:r>
+                        <a:rPr lang="en-US" baseline="0" dirty="0" smtClean="0"/>
+                        <a:t> loop) due to improperly formed spinlock.</a:t>
+                      </a:r>
+                      <a:endParaRPr lang="en-US" dirty="0"/>
+                    </a:p>
+                  </a:txBody>
+                  <a:tcPr/>
+                </a:tc>
+              </a:tr>
+              <a:tr h="370840">
+                <a:tc>
+                  <a:txBody>
+                    <a:bodyPr/>
+                    <a:lstStyle/>
+                    <a:p>
+                      <a:r>
+                        <a:rPr lang="en-US" dirty="0" smtClean="0"/>
+                        <a:t>sections3.c</a:t>
+                      </a:r>
+                      <a:endParaRPr lang="en-US" dirty="0"/>
+                    </a:p>
+                  </a:txBody>
+                  <a:tcPr/>
+                </a:tc>
+                <a:tc>
+                  <a:txBody>
+                    <a:bodyPr/>
+                    <a:lstStyle/>
+                    <a:p>
+                      <a:pPr algn="ctr"/>
+                      <a:r>
+                        <a:rPr lang="en-US" dirty="0" smtClean="0"/>
+                        <a:t>100</a:t>
+                      </a:r>
+                      <a:endParaRPr lang="en-US" dirty="0"/>
+                    </a:p>
+                  </a:txBody>
+                  <a:tcPr/>
+                </a:tc>
+                <a:tc>
+                  <a:txBody>
+                    <a:bodyPr/>
+                    <a:lstStyle/>
+                    <a:p>
+                      <a:pPr algn="ctr"/>
+                      <a:r>
+                        <a:rPr lang="en-US" dirty="0" smtClean="0"/>
+                        <a:t>5</a:t>
+                      </a:r>
+                      <a:endParaRPr lang="en-US" dirty="0"/>
+                    </a:p>
+                  </a:txBody>
+                  <a:tcPr/>
+                </a:tc>
+                <a:tc>
+                  <a:txBody>
+                    <a:bodyPr/>
+                    <a:lstStyle/>
+                    <a:p>
+                      <a:pPr algn="ctr"/>
+                      <a:r>
+                        <a:rPr lang="en-US" dirty="0" smtClean="0"/>
+                        <a:t>2</a:t>
+                      </a:r>
+                      <a:endParaRPr lang="en-US" dirty="0"/>
+                    </a:p>
+                  </a:txBody>
+                  <a:tcPr/>
+                </a:tc>
+                <a:tc>
+                  <a:txBody>
+                    <a:bodyPr/>
+                    <a:lstStyle/>
+                    <a:p>
+                      <a:r>
+                        <a:rPr lang="en-US" dirty="0" smtClean="0"/>
+                        <a:t>No deadlock detected.</a:t>
+                      </a:r>
+                      <a:endParaRPr lang="en-US" dirty="0"/>
+                    </a:p>
+                  </a:txBody>
+                  <a:tcPr/>
+                </a:tc>
+              </a:tr>
+              <a:tr h="370840">
+                <a:tc>
+                  <a:txBody>
+                    <a:bodyPr/>
+                    <a:lstStyle/>
+                    <a:p>
+                      <a:r>
+                        <a:rPr lang="en-US" dirty="0" smtClean="0"/>
+                        <a:t>sections4.c</a:t>
+                      </a:r>
+                      <a:endParaRPr lang="en-US" dirty="0"/>
+                    </a:p>
+                  </a:txBody>
+                  <a:tcPr/>
+                </a:tc>
+                <a:tc>
+                  <a:txBody>
+                    <a:bodyPr/>
+                    <a:lstStyle/>
+                    <a:p>
+                      <a:pPr algn="ctr"/>
+                      <a:r>
+                        <a:rPr lang="en-US" dirty="0" smtClean="0"/>
+                        <a:t>10</a:t>
+                      </a:r>
+                      <a:endParaRPr lang="en-US" dirty="0"/>
+                    </a:p>
+                  </a:txBody>
+                  <a:tcPr/>
+                </a:tc>
+                <a:tc>
+                  <a:txBody>
+                    <a:bodyPr/>
+                    <a:lstStyle/>
+                    <a:p>
+                      <a:pPr algn="ctr"/>
+                      <a:r>
+                        <a:rPr lang="en-US" dirty="0" smtClean="0"/>
+                        <a:t>5</a:t>
+                      </a:r>
+                      <a:endParaRPr lang="en-US" dirty="0"/>
+                    </a:p>
+                  </a:txBody>
+                  <a:tcPr/>
+                </a:tc>
+                <a:tc>
+                  <a:txBody>
+                    <a:bodyPr/>
+                    <a:lstStyle/>
+                    <a:p>
+                      <a:pPr algn="ctr"/>
+                      <a:r>
+                        <a:rPr lang="en-US" dirty="0" smtClean="0"/>
+                        <a:t>2</a:t>
+                      </a:r>
+                      <a:endParaRPr lang="en-US" dirty="0"/>
+                    </a:p>
+                  </a:txBody>
+                  <a:tcPr/>
+                </a:tc>
+                <a:tc>
+                  <a:txBody>
+                    <a:bodyPr/>
+                    <a:lstStyle/>
+                    <a:p>
+                      <a:pPr marL="0" marR="0" indent="0" algn="l" defTabSz="914400" rtl="0" eaLnBrk="1" fontAlgn="auto" latinLnBrk="0" hangingPunct="1">
+                        <a:lnSpc>
+                          <a:spcPct val="100000"/>
+                        </a:lnSpc>
+                        <a:spcBef>
+                          <a:spcPts val="0"/>
+                        </a:spcBef>
+                        <a:spcAft>
+                          <a:spcPts val="0"/>
+                        </a:spcAft>
+                        <a:buClrTx/>
+                        <a:buSzTx/>
+                        <a:buFontTx/>
+                        <a:buNone/>
+                        <a:tabLst/>
+                        <a:defRPr/>
+                      </a:pPr>
+                      <a:r>
+                        <a:rPr lang="en-US" dirty="0" smtClean="0"/>
+                        <a:t>Deadlock</a:t>
+                      </a:r>
+                      <a:r>
+                        <a:rPr lang="en-US" baseline="0" dirty="0" smtClean="0"/>
+                        <a:t> detected at 1</a:t>
+                      </a:r>
+                      <a:r>
+                        <a:rPr lang="en-US" baseline="30000" dirty="0" smtClean="0"/>
+                        <a:t>st</a:t>
+                      </a:r>
+                      <a:r>
+                        <a:rPr lang="en-US" baseline="0" dirty="0" smtClean="0"/>
+                        <a:t> run.</a:t>
+                      </a:r>
+                      <a:endParaRPr lang="en-US" dirty="0" smtClean="0"/>
+                    </a:p>
+                  </a:txBody>
+                  <a:tcPr/>
+                </a:tc>
+              </a:tr>
+            </a:tbl>
+          </a:graphicData>
+        </a:graphic>
+      </p:graphicFrame>
+      <p:sp>
+        <p:nvSpPr>
+          <p:cNvPr id="6" name="Content Placeholder 2"/>
+          <p:cNvSpPr txBox="1">
+            <a:spLocks/>
+          </p:cNvSpPr>
+          <p:nvPr/>
+        </p:nvSpPr>
+        <p:spPr>
+          <a:xfrm>
+            <a:off x="596900" y="5537200"/>
+            <a:ext cx="8229600" cy="1041400"/>
+          </a:xfrm>
+          <a:prstGeom prst="rect">
+            <a:avLst/>
+          </a:prstGeom>
+        </p:spPr>
+        <p:txBody>
+          <a:bodyPr vert="horz" lIns="91440" tIns="45720" rIns="91440" bIns="45720" rtlCol="0">
+            <a:normAutofit/>
+          </a:bodyPr>
+          <a:lstStyle>
+            <a:lvl1pPr marL="182880" indent="-182880" algn="l" defTabSz="914400" rtl="0" eaLnBrk="1" latinLnBrk="0" hangingPunct="1">
+              <a:spcBef>
+                <a:spcPct val="20000"/>
+              </a:spcBef>
+              <a:buClr>
+                <a:schemeClr val="accent1"/>
+              </a:buClr>
+              <a:buSzPct val="85000"/>
+              <a:buFont typeface="Arial" pitchFamily="34" charset="0"/>
+              <a:buChar char="•"/>
+              <a:defRPr sz="2400" kern="1200">
+                <a:solidFill>
+                  <a:schemeClr val="tx1"/>
+                </a:solidFill>
+                <a:latin typeface="+mn-lt"/>
+                <a:ea typeface="+mn-ea"/>
+                <a:cs typeface="+mn-cs"/>
+              </a:defRPr>
+            </a:lvl1pPr>
+            <a:lvl2pPr marL="457200" indent="-182880" algn="l" defTabSz="914400" rtl="0" eaLnBrk="1" latinLnBrk="0" hangingPunct="1">
+              <a:spcBef>
+                <a:spcPct val="20000"/>
+              </a:spcBef>
+              <a:buClr>
+                <a:schemeClr val="accent1"/>
+              </a:buClr>
+              <a:buSzPct val="85000"/>
+              <a:buFont typeface="Arial" pitchFamily="34" charset="0"/>
+              <a:buChar char="•"/>
+              <a:defRPr sz="2000" kern="1200">
+                <a:solidFill>
+                  <a:schemeClr val="tx1"/>
+                </a:solidFill>
+                <a:latin typeface="+mn-lt"/>
+                <a:ea typeface="+mn-ea"/>
+                <a:cs typeface="+mn-cs"/>
+              </a:defRPr>
+            </a:lvl2pPr>
+            <a:lvl3pPr marL="731520" indent="-182880" algn="l" defTabSz="914400" rtl="0" eaLnBrk="1" latinLnBrk="0" hangingPunct="1">
+              <a:spcBef>
+                <a:spcPct val="20000"/>
+              </a:spcBef>
+              <a:buClr>
+                <a:schemeClr val="accent1"/>
+              </a:buClr>
+              <a:buSzPct val="90000"/>
+              <a:buFont typeface="Arial" pitchFamily="34" charset="0"/>
+              <a:buChar char="•"/>
+              <a:defRPr sz="1800" kern="1200">
+                <a:solidFill>
+                  <a:schemeClr val="tx1"/>
+                </a:solidFill>
+                <a:latin typeface="+mn-lt"/>
+                <a:ea typeface="+mn-ea"/>
+                <a:cs typeface="+mn-cs"/>
+              </a:defRPr>
+            </a:lvl3pPr>
+            <a:lvl4pPr marL="1005840" indent="-182880" algn="l" defTabSz="914400" rtl="0" eaLnBrk="1" latinLnBrk="0" hangingPunct="1">
+              <a:spcBef>
+                <a:spcPct val="20000"/>
+              </a:spcBef>
+              <a:buClr>
+                <a:schemeClr val="accent1"/>
+              </a:buClr>
+              <a:buFont typeface="Arial" pitchFamily="34" charset="0"/>
+              <a:buChar char="•"/>
+              <a:defRPr sz="1600" kern="1200">
+                <a:solidFill>
+                  <a:schemeClr val="tx1"/>
+                </a:solidFill>
+                <a:latin typeface="+mn-lt"/>
+                <a:ea typeface="+mn-ea"/>
+                <a:cs typeface="+mn-cs"/>
+              </a:defRPr>
+            </a:lvl4pPr>
+            <a:lvl5pPr marL="1188720" indent="-137160" algn="l" defTabSz="914400" rtl="0" eaLnBrk="1" latinLnBrk="0" hangingPunct="1">
+              <a:spcBef>
+                <a:spcPct val="20000"/>
+              </a:spcBef>
+              <a:buClr>
+                <a:schemeClr val="accent1"/>
+              </a:buClr>
+              <a:buSzPct val="100000"/>
+              <a:buFont typeface="Arial" pitchFamily="34" charset="0"/>
+              <a:buChar char="•"/>
+              <a:defRPr sz="1400" kern="1200" baseline="0">
+                <a:solidFill>
+                  <a:schemeClr val="tx1"/>
+                </a:solidFill>
+                <a:latin typeface="+mn-lt"/>
+                <a:ea typeface="+mn-ea"/>
+                <a:cs typeface="+mn-cs"/>
+              </a:defRPr>
+            </a:lvl5pPr>
+            <a:lvl6pPr marL="1371600" indent="-182880" algn="l" defTabSz="914400" rtl="0" eaLnBrk="1" latinLnBrk="0" hangingPunct="1">
+              <a:spcBef>
+                <a:spcPct val="20000"/>
+              </a:spcBef>
+              <a:buClr>
+                <a:schemeClr val="accent1"/>
+              </a:buClr>
+              <a:buFont typeface="Arial" pitchFamily="34" charset="0"/>
+              <a:buChar char="•"/>
+              <a:defRPr sz="1300" kern="1200">
+                <a:solidFill>
+                  <a:schemeClr val="tx1"/>
+                </a:solidFill>
+                <a:latin typeface="+mn-lt"/>
+                <a:ea typeface="+mn-ea"/>
+                <a:cs typeface="+mn-cs"/>
+              </a:defRPr>
+            </a:lvl6pPr>
+            <a:lvl7pPr marL="1554480" indent="-182880" algn="l" defTabSz="914400" rtl="0" eaLnBrk="1" latinLnBrk="0" hangingPunct="1">
+              <a:spcBef>
+                <a:spcPct val="20000"/>
+              </a:spcBef>
+              <a:buClr>
+                <a:schemeClr val="accent1"/>
+              </a:buClr>
+              <a:buFont typeface="Arial" pitchFamily="34" charset="0"/>
+              <a:buChar char="•"/>
+              <a:defRPr sz="1300" kern="1200">
+                <a:solidFill>
+                  <a:schemeClr val="tx1"/>
+                </a:solidFill>
+                <a:latin typeface="+mn-lt"/>
+                <a:ea typeface="+mn-ea"/>
+                <a:cs typeface="+mn-cs"/>
+              </a:defRPr>
+            </a:lvl7pPr>
+            <a:lvl8pPr marL="1737360" indent="-182880" algn="l" defTabSz="914400" rtl="0" eaLnBrk="1" latinLnBrk="0" hangingPunct="1">
+              <a:spcBef>
+                <a:spcPct val="20000"/>
+              </a:spcBef>
+              <a:buClr>
+                <a:schemeClr val="accent1"/>
+              </a:buClr>
+              <a:buFont typeface="Arial" pitchFamily="34" charset="0"/>
+              <a:buChar char="•"/>
+              <a:defRPr sz="1300" kern="1200">
+                <a:solidFill>
+                  <a:schemeClr val="tx1"/>
+                </a:solidFill>
+                <a:latin typeface="+mn-lt"/>
+                <a:ea typeface="+mn-ea"/>
+                <a:cs typeface="+mn-cs"/>
+              </a:defRPr>
+            </a:lvl8pPr>
+            <a:lvl9pPr marL="1920240" indent="-182880" algn="l" defTabSz="914400" rtl="0" eaLnBrk="1" latinLnBrk="0" hangingPunct="1">
+              <a:spcBef>
+                <a:spcPct val="20000"/>
+              </a:spcBef>
+              <a:buClr>
+                <a:schemeClr val="accent1"/>
+              </a:buClr>
+              <a:buFont typeface="Arial" pitchFamily="34" charset="0"/>
+              <a:buChar char="•"/>
+              <a:defRPr sz="1300" kern="1200">
+                <a:solidFill>
+                  <a:schemeClr val="tx1"/>
+                </a:solidFill>
+                <a:latin typeface="+mn-lt"/>
+                <a:ea typeface="+mn-ea"/>
+                <a:cs typeface="+mn-cs"/>
+              </a:defRPr>
+            </a:lvl9pPr>
+          </a:lstStyle>
+          <a:p>
             <a:r>
               <a:rPr lang="en-US" dirty="0" smtClean="0"/>
-              <a:t>Tested with </a:t>
-            </a:r>
-            <a:r>
-              <a:rPr lang="en-US" dirty="0" smtClean="0"/>
-              <a:t>four</a:t>
-            </a:r>
-            <a:r>
-              <a:rPr lang="en-US" dirty="0" smtClean="0"/>
-              <a:t> </a:t>
-            </a:r>
-            <a:r>
-              <a:rPr lang="en-US" dirty="0" smtClean="0"/>
-              <a:t>student submissions from Fall 2011 for the Unisex Bathroom problem.</a:t>
-            </a:r>
-          </a:p>
-          <a:p>
-            <a:pPr lvl="1"/>
-            <a:r>
-              <a:rPr lang="en-US" dirty="0"/>
-              <a:t>s</a:t>
-            </a:r>
-            <a:r>
-              <a:rPr lang="en-US" dirty="0" smtClean="0"/>
-              <a:t>ections1.</a:t>
-            </a:r>
-            <a:r>
-              <a:rPr lang="en-US" dirty="0" smtClean="0"/>
-              <a:t>c – deadlock detected</a:t>
-            </a:r>
-            <a:endParaRPr lang="en-US" dirty="0" smtClean="0"/>
-          </a:p>
-          <a:p>
-            <a:pPr lvl="1"/>
-            <a:r>
-              <a:rPr lang="en-US" dirty="0"/>
-              <a:t>s</a:t>
-            </a:r>
-            <a:r>
-              <a:rPr lang="en-US" dirty="0" smtClean="0"/>
-              <a:t>ections2.</a:t>
-            </a:r>
-            <a:r>
-              <a:rPr lang="en-US" dirty="0" smtClean="0"/>
-              <a:t>c – programming error detected</a:t>
-            </a:r>
-            <a:endParaRPr lang="en-US" dirty="0" smtClean="0"/>
-          </a:p>
-          <a:p>
-            <a:pPr lvl="1"/>
-            <a:r>
-              <a:rPr lang="en-US" dirty="0"/>
-              <a:t>s</a:t>
-            </a:r>
-            <a:r>
-              <a:rPr lang="en-US" dirty="0" smtClean="0"/>
-              <a:t>ections3.</a:t>
-            </a:r>
-            <a:r>
-              <a:rPr lang="en-US" dirty="0" smtClean="0"/>
-              <a:t>c – no deadlock detected (but mutual exclusion </a:t>
-            </a:r>
-            <a:r>
-              <a:rPr lang="en-US" dirty="0" smtClean="0"/>
-              <a:t>violation existed) </a:t>
-            </a:r>
-            <a:endParaRPr lang="en-US" dirty="0" smtClean="0"/>
-          </a:p>
-          <a:p>
-            <a:pPr lvl="1"/>
-            <a:r>
-              <a:rPr lang="en-US" dirty="0"/>
-              <a:t>s</a:t>
-            </a:r>
-            <a:r>
-              <a:rPr lang="en-US" dirty="0" smtClean="0"/>
-              <a:t>ections4.</a:t>
-            </a:r>
-            <a:r>
-              <a:rPr lang="en-US" dirty="0" smtClean="0"/>
-              <a:t>c – deadlock detected</a:t>
-            </a:r>
-          </a:p>
-          <a:p>
-            <a:r>
-              <a:rPr lang="en-US" dirty="0" smtClean="0"/>
-              <a:t>Concur was successful at detecting deadlocks in test cases</a:t>
+              <a:t>Concur was successful at detecting deadlocks in test cases and Wrapper supported many test runs.</a:t>
             </a:r>
             <a:endParaRPr lang="en-US" dirty="0"/>
           </a:p>
@@ -5138,11 +6645,7 @@
           <a:p>
             <a:r>
               <a:rPr lang="en-US" dirty="0" smtClean="0"/>
-              <a:t>Concur – </a:t>
-            </a:r>
-            <a:r>
-              <a:rPr lang="en-US" dirty="0" smtClean="0"/>
-              <a:t>Benefits</a:t>
+              <a:t>Concur – Benefits</a:t>
             </a:r>
             <a:endParaRPr lang="en-US" dirty="0"/>
           </a:p>
@@ -5169,7 +6672,6 @@
               <a:rPr lang="en-US" dirty="0" smtClean="0"/>
               <a:t>Deadlock detection:  If all active threads are blocked waiting for either a lock or semaphore, then a deadlock has occurred.</a:t>
             </a:r>
-            <a:endParaRPr lang="en-US" dirty="0" smtClean="0"/>
           </a:p>
           <a:p>
             <a:r>
@@ -5234,6 +6736,30 @@
               <a:rPr lang="en-US" dirty="0" smtClean="0"/>
               <a:t>.</a:t>
             </a:r>
+          </a:p>
+        </p:txBody>
+      </p:sp>
+      <p:sp>
+        <p:nvSpPr>
+          <p:cNvPr id="4" name="Slide Number Placeholder 3"/>
+          <p:cNvSpPr>
+            <a:spLocks noGrp="1"/>
+          </p:cNvSpPr>
+          <p:nvPr>
+            <p:ph type="sldNum" sz="quarter" idx="12"/>
+          </p:nvPr>
+        </p:nvSpPr>
+        <p:spPr/>
+        <p:txBody>
+          <a:bodyPr/>
+          <a:lstStyle/>
+          <a:p>
+            <a:fld id="{0CFEC368-1D7A-4F81-ABF6-AE0E36BAF64C}" type="slidenum">
+              <a:rPr lang="en-US" smtClean="0"/>
+              <a:pPr/>
+              <a:t>14</a:t>
+            </a:fld>
+            <a:endParaRPr lang="en-US"/>
           </a:p>
         </p:txBody>
       </p:sp>
@@ -5314,15 +6840,64 @@
           <a:p>
             <a:r>
               <a:rPr lang="en-US" dirty="0" smtClean="0"/>
-              <a:t>Improve performance</a:t>
-            </a:r>
-          </a:p>
-          <a:p>
+              <a:t>Improve </a:t>
+            </a:r>
             <a:r>
               <a:rPr lang="en-US" dirty="0" smtClean="0"/>
-              <a:t>Incorporate Checker for mutual exclusion violations</a:t>
+              <a:t>performance</a:t>
+            </a:r>
+          </a:p>
+          <a:p>
+            <a:pPr lvl="1"/>
+            <a:r>
+              <a:rPr lang="en-US" dirty="0" smtClean="0"/>
+              <a:t>E.g. Wrapper with 100 runs, 5 threads, 2 rounds took ≈ 45 </a:t>
+            </a:r>
+            <a:r>
+              <a:rPr lang="en-US" dirty="0" err="1" smtClean="0"/>
+              <a:t>mins</a:t>
             </a:r>
             <a:endParaRPr lang="en-US" dirty="0" smtClean="0"/>
+          </a:p>
+          <a:p>
+            <a:r>
+              <a:rPr lang="en-US" dirty="0" smtClean="0"/>
+              <a:t>Additional analysis to determine if more random schedule test runs is equivalent to higher confidence in error free program.</a:t>
+            </a:r>
+          </a:p>
+          <a:p>
+            <a:r>
+              <a:rPr lang="en-US" dirty="0" smtClean="0"/>
+              <a:t>Incorporate </a:t>
+            </a:r>
+            <a:r>
+              <a:rPr lang="en-US" dirty="0" smtClean="0"/>
+              <a:t>Checker for mutual exclusion violations</a:t>
+            </a:r>
+          </a:p>
+        </p:txBody>
+      </p:sp>
+      <p:sp>
+        <p:nvSpPr>
+          <p:cNvPr id="4" name="Slide Number Placeholder 3"/>
+          <p:cNvSpPr>
+            <a:spLocks noGrp="1"/>
+          </p:cNvSpPr>
+          <p:nvPr>
+            <p:ph type="sldNum" sz="quarter" idx="12"/>
+          </p:nvPr>
+        </p:nvSpPr>
+        <p:spPr/>
+        <p:txBody>
+          <a:bodyPr/>
+          <a:lstStyle/>
+          <a:p>
+            <a:fld id="{0CFEC368-1D7A-4F81-ABF6-AE0E36BAF64C}" type="slidenum">
+              <a:rPr lang="en-US" smtClean="0"/>
+              <a:pPr/>
+              <a:t>15</a:t>
+            </a:fld>
+            <a:endParaRPr lang="en-US"/>
           </a:p>
         </p:txBody>
       </p:sp>
@@ -5424,8 +6999,24 @@
             <a:pPr lvl="1"/>
             <a:r>
               <a:rPr lang="en-US" dirty="0" smtClean="0"/>
-              <a:t>Increased test case coverage</a:t>
-            </a:r>
+              <a:t>Increased </a:t>
+            </a:r>
+            <a:r>
+              <a:rPr lang="en-US" dirty="0" smtClean="0"/>
+              <a:t>multiple schedule</a:t>
+            </a:r>
+            <a:r>
+              <a:rPr lang="en-US" dirty="0" smtClean="0"/>
+              <a:t> coverage</a:t>
+            </a:r>
+          </a:p>
+          <a:p>
+            <a:pPr lvl="1"/>
+            <a:r>
+              <a:rPr lang="en-US" dirty="0" smtClean="0"/>
+              <a:t>Thread, lock, and semaphore status</a:t>
+            </a:r>
+            <a:endParaRPr lang="en-US" dirty="0" smtClean="0"/>
           </a:p>
           <a:p>
             <a:pPr marL="0" indent="0">
@@ -5435,6 +7026,30 @@
           </a:p>
           <a:p>
             <a:endParaRPr lang="en-US" dirty="0"/>
+          </a:p>
+        </p:txBody>
+      </p:sp>
+      <p:sp>
+        <p:nvSpPr>
+          <p:cNvPr id="4" name="Slide Number Placeholder 3"/>
+          <p:cNvSpPr>
+            <a:spLocks noGrp="1"/>
+          </p:cNvSpPr>
+          <p:nvPr>
+            <p:ph type="sldNum" sz="quarter" idx="12"/>
+          </p:nvPr>
+        </p:nvSpPr>
+        <p:spPr/>
+        <p:txBody>
+          <a:bodyPr/>
+          <a:lstStyle/>
+          <a:p>
+            <a:fld id="{0CFEC368-1D7A-4F81-ABF6-AE0E36BAF64C}" type="slidenum">
+              <a:rPr lang="en-US" smtClean="0"/>
+              <a:pPr/>
+              <a:t>16</a:t>
+            </a:fld>
+            <a:endParaRPr lang="en-US"/>
           </a:p>
         </p:txBody>
       </p:sp>
@@ -5513,6 +7128,30 @@
           <a:bodyPr/>
           <a:lstStyle/>
           <a:p>
+            <a:endParaRPr lang="en-US"/>
+          </a:p>
+        </p:txBody>
+      </p:sp>
+      <p:sp>
+        <p:nvSpPr>
+          <p:cNvPr id="4" name="Slide Number Placeholder 3"/>
+          <p:cNvSpPr>
+            <a:spLocks noGrp="1"/>
+          </p:cNvSpPr>
+          <p:nvPr>
+            <p:ph type="sldNum" sz="quarter" idx="12"/>
+          </p:nvPr>
+        </p:nvSpPr>
+        <p:spPr/>
+        <p:txBody>
+          <a:bodyPr/>
+          <a:lstStyle/>
+          <a:p>
+            <a:fld id="{0CFEC368-1D7A-4F81-ABF6-AE0E36BAF64C}" type="slidenum">
+              <a:rPr lang="en-US" smtClean="0"/>
+              <a:pPr/>
+              <a:t>17</a:t>
+            </a:fld>
             <a:endParaRPr lang="en-US"/>
           </a:p>
         </p:txBody>
@@ -5583,6 +7222,30 @@
           </a:p>
         </p:txBody>
       </p:sp>
+      <p:sp>
+        <p:nvSpPr>
+          <p:cNvPr id="3" name="Slide Number Placeholder 2"/>
+          <p:cNvSpPr>
+            <a:spLocks noGrp="1"/>
+          </p:cNvSpPr>
+          <p:nvPr>
+            <p:ph type="sldNum" sz="quarter" idx="12"/>
+          </p:nvPr>
+        </p:nvSpPr>
+        <p:spPr/>
+        <p:txBody>
+          <a:bodyPr/>
+          <a:lstStyle/>
+          <a:p>
+            <a:fld id="{0CFEC368-1D7A-4F81-ABF6-AE0E36BAF64C}" type="slidenum">
+              <a:rPr lang="en-US" smtClean="0"/>
+              <a:pPr/>
+              <a:t>18</a:t>
+            </a:fld>
+            <a:endParaRPr lang="en-US"/>
+          </a:p>
+        </p:txBody>
+      </p:sp>
     </p:spTree>
     <p:extLst>
       <p:ext uri="{BB962C8B-B14F-4D97-AF65-F5344CB8AC3E}">
@@ -6075,6 +7738,30 @@
           </a:graphicData>
         </a:graphic>
       </p:graphicFrame>
+      <p:sp>
+        <p:nvSpPr>
+          <p:cNvPr id="5" name="Slide Number Placeholder 4"/>
+          <p:cNvSpPr>
+            <a:spLocks noGrp="1"/>
+          </p:cNvSpPr>
+          <p:nvPr>
+            <p:ph type="sldNum" sz="quarter" idx="12"/>
+          </p:nvPr>
+        </p:nvSpPr>
+        <p:spPr/>
+        <p:txBody>
+          <a:bodyPr/>
+          <a:lstStyle/>
+          <a:p>
+            <a:fld id="{0CFEC368-1D7A-4F81-ABF6-AE0E36BAF64C}" type="slidenum">
+              <a:rPr lang="en-US" smtClean="0"/>
+              <a:pPr/>
+              <a:t>19</a:t>
+            </a:fld>
+            <a:endParaRPr lang="en-US"/>
+          </a:p>
+        </p:txBody>
+      </p:sp>
     </p:spTree>
     <p:extLst>
       <p:ext uri="{BB962C8B-B14F-4D97-AF65-F5344CB8AC3E}">
@@ -6152,15 +7839,19 @@
           <a:p>
             <a:r>
               <a:rPr lang="en-US" dirty="0" smtClean="0"/>
-              <a:t>Problem Space</a:t>
-            </a:r>
-            <a:r>
-              <a:rPr lang="en-US" dirty="0"/>
-              <a:t> </a:t>
+              <a:t>Problem &amp; Proposed Solution	</a:t>
             </a:r>
             <a:r>
               <a:rPr lang="en-US" dirty="0" smtClean="0"/>
-              <a:t>&amp; Solution		  3 </a:t>
+              <a:t>	</a:t>
+            </a:r>
+            <a:r>
+              <a:rPr lang="en-US" dirty="0" smtClean="0"/>
+              <a:t>  </a:t>
+            </a:r>
+            <a:r>
+              <a:rPr lang="en-US" dirty="0" smtClean="0"/>
+              <a:t>3 </a:t>
             </a:r>
             <a:r>
               <a:rPr lang="en-US" dirty="0" err="1" smtClean="0"/>
@@ -6193,11 +7884,7 @@
           <a:p>
             <a:r>
               <a:rPr lang="en-US" dirty="0" smtClean="0"/>
-              <a:t>Test &amp; Analysis	</a:t>
-            </a:r>
-            <a:r>
-              <a:rPr lang="en-US" dirty="0" smtClean="0"/>
-              <a:t>			  3 </a:t>
+              <a:t>Test &amp; Analysis				  3 </a:t>
             </a:r>
             <a:r>
               <a:rPr lang="en-US" dirty="0" err="1" smtClean="0"/>
@@ -6208,11 +7895,7 @@
           <a:p>
             <a:r>
               <a:rPr lang="en-US" dirty="0" smtClean="0"/>
-              <a:t>Future </a:t>
-            </a:r>
-            <a:r>
-              <a:rPr lang="en-US" dirty="0" smtClean="0"/>
-              <a:t>Work				  2 </a:t>
+              <a:t>Future Work				  2 </a:t>
             </a:r>
             <a:r>
               <a:rPr lang="en-US" dirty="0" err="1" smtClean="0"/>
@@ -6241,6 +7924,30 @@
               <a:t>mins</a:t>
             </a:r>
             <a:endParaRPr lang="en-US" dirty="0"/>
+          </a:p>
+        </p:txBody>
+      </p:sp>
+      <p:sp>
+        <p:nvSpPr>
+          <p:cNvPr id="4" name="Slide Number Placeholder 3"/>
+          <p:cNvSpPr>
+            <a:spLocks noGrp="1"/>
+          </p:cNvSpPr>
+          <p:nvPr>
+            <p:ph type="sldNum" sz="quarter" idx="12"/>
+          </p:nvPr>
+        </p:nvSpPr>
+        <p:spPr/>
+        <p:txBody>
+          <a:bodyPr/>
+          <a:lstStyle/>
+          <a:p>
+            <a:fld id="{0CFEC368-1D7A-4F81-ABF6-AE0E36BAF64C}" type="slidenum">
+              <a:rPr lang="en-US" smtClean="0"/>
+              <a:pPr/>
+              <a:t>2</a:t>
+            </a:fld>
+            <a:endParaRPr lang="en-US"/>
           </a:p>
         </p:txBody>
       </p:sp>
@@ -6599,6 +8306,30 @@
           </a:graphicData>
         </a:graphic>
       </p:graphicFrame>
+      <p:sp>
+        <p:nvSpPr>
+          <p:cNvPr id="4" name="Slide Number Placeholder 3"/>
+          <p:cNvSpPr>
+            <a:spLocks noGrp="1"/>
+          </p:cNvSpPr>
+          <p:nvPr>
+            <p:ph type="sldNum" sz="quarter" idx="12"/>
+          </p:nvPr>
+        </p:nvSpPr>
+        <p:spPr/>
+        <p:txBody>
+          <a:bodyPr/>
+          <a:lstStyle/>
+          <a:p>
+            <a:fld id="{0CFEC368-1D7A-4F81-ABF6-AE0E36BAF64C}" type="slidenum">
+              <a:rPr lang="en-US" smtClean="0"/>
+              <a:pPr/>
+              <a:t>20</a:t>
+            </a:fld>
+            <a:endParaRPr lang="en-US"/>
+          </a:p>
+        </p:txBody>
+      </p:sp>
     </p:spTree>
     <p:extLst>
       <p:ext uri="{BB962C8B-B14F-4D97-AF65-F5344CB8AC3E}">
@@ -7705,6 +9436,30 @@
           </a:graphicData>
         </a:graphic>
       </p:graphicFrame>
+      <p:sp>
+        <p:nvSpPr>
+          <p:cNvPr id="3" name="Slide Number Placeholder 2"/>
+          <p:cNvSpPr>
+            <a:spLocks noGrp="1"/>
+          </p:cNvSpPr>
+          <p:nvPr>
+            <p:ph type="sldNum" sz="quarter" idx="12"/>
+          </p:nvPr>
+        </p:nvSpPr>
+        <p:spPr/>
+        <p:txBody>
+          <a:bodyPr/>
+          <a:lstStyle/>
+          <a:p>
+            <a:fld id="{0CFEC368-1D7A-4F81-ABF6-AE0E36BAF64C}" type="slidenum">
+              <a:rPr lang="en-US" smtClean="0"/>
+              <a:pPr/>
+              <a:t>21</a:t>
+            </a:fld>
+            <a:endParaRPr lang="en-US"/>
+          </a:p>
+        </p:txBody>
+      </p:sp>
     </p:spTree>
     <p:extLst>
       <p:ext uri="{BB962C8B-B14F-4D97-AF65-F5344CB8AC3E}">
@@ -7863,6 +9618,30 @@
           <a:p>
             <a:pPr lvl="2"/>
             <a:endParaRPr lang="en-US" dirty="0" smtClean="0"/>
+          </a:p>
+        </p:txBody>
+      </p:sp>
+      <p:sp>
+        <p:nvSpPr>
+          <p:cNvPr id="4" name="Slide Number Placeholder 3"/>
+          <p:cNvSpPr>
+            <a:spLocks noGrp="1"/>
+          </p:cNvSpPr>
+          <p:nvPr>
+            <p:ph type="sldNum" sz="quarter" idx="12"/>
+          </p:nvPr>
+        </p:nvSpPr>
+        <p:spPr/>
+        <p:txBody>
+          <a:bodyPr/>
+          <a:lstStyle/>
+          <a:p>
+            <a:fld id="{0CFEC368-1D7A-4F81-ABF6-AE0E36BAF64C}" type="slidenum">
+              <a:rPr lang="en-US" smtClean="0"/>
+              <a:pPr/>
+              <a:t>22</a:t>
+            </a:fld>
+            <a:endParaRPr lang="en-US"/>
           </a:p>
         </p:txBody>
       </p:sp>
@@ -7936,7 +9715,7 @@
         </p:nvSpPr>
         <p:spPr>
           <a:xfrm>
-            <a:off x="1003199" y="2219875"/>
+            <a:off x="457200" y="1935623"/>
             <a:ext cx="2378364" cy="3347147"/>
           </a:xfrm>
           <a:prstGeom prst="rect">
@@ -8029,215 +9808,1098 @@
           </a:p>
         </p:txBody>
       </p:sp>
-      <p:sp useBgFill="1">
+      <p:sp>
         <p:nvSpPr>
-          <p:cNvPr id="9" name="Rectangle 8"/>
+          <p:cNvPr id="3" name="Slide Number Placeholder 2"/>
+          <p:cNvSpPr>
+            <a:spLocks noGrp="1"/>
+          </p:cNvSpPr>
+          <p:nvPr>
+            <p:ph type="sldNum" sz="quarter" idx="12"/>
+          </p:nvPr>
+        </p:nvSpPr>
+        <p:spPr/>
+        <p:txBody>
+          <a:bodyPr/>
+          <a:lstStyle/>
+          <a:p>
+            <a:fld id="{0CFEC368-1D7A-4F81-ABF6-AE0E36BAF64C}" type="slidenum">
+              <a:rPr lang="en-US" smtClean="0"/>
+              <a:pPr/>
+              <a:t>3</a:t>
+            </a:fld>
+            <a:endParaRPr lang="en-US"/>
+          </a:p>
+        </p:txBody>
+      </p:sp>
+      <p:grpSp>
+        <p:nvGrpSpPr>
+          <p:cNvPr id="23" name="Group 22"/>
+          <p:cNvGrpSpPr/>
+          <p:nvPr/>
+        </p:nvGrpSpPr>
+        <p:grpSpPr>
+          <a:xfrm>
+            <a:off x="3359365" y="1592531"/>
+            <a:ext cx="5276635" cy="4617769"/>
+            <a:chOff x="3359365" y="1592531"/>
+            <a:chExt cx="5276635" cy="4617769"/>
+          </a:xfrm>
+        </p:grpSpPr>
+        <p:sp useBgFill="1">
+          <p:nvSpPr>
+            <p:cNvPr id="9" name="Rectangle 8"/>
+            <p:cNvSpPr/>
+            <p:nvPr/>
+          </p:nvSpPr>
+          <p:spPr>
+            <a:xfrm>
+              <a:off x="3359365" y="1935623"/>
+              <a:ext cx="2895600" cy="4274677"/>
+            </a:xfrm>
+            <a:prstGeom prst="rect">
+              <a:avLst/>
+            </a:prstGeom>
+          </p:spPr>
+          <p:style>
+            <a:lnRef idx="1">
+              <a:schemeClr val="accent1"/>
+            </a:lnRef>
+            <a:fillRef idx="3">
+              <a:schemeClr val="accent1"/>
+            </a:fillRef>
+            <a:effectRef idx="2">
+              <a:schemeClr val="accent1"/>
+            </a:effectRef>
+            <a:fontRef idx="minor">
+              <a:schemeClr val="lt1"/>
+            </a:fontRef>
+          </p:style>
+          <p:txBody>
+            <a:bodyPr rtlCol="0" anchor="t" anchorCtr="0"/>
+            <a:lstStyle/>
+            <a:p>
+              <a:r>
+                <a:rPr lang="en-US" sz="1200" dirty="0" smtClean="0">
+                  <a:solidFill>
+                    <a:srgbClr val="292934"/>
+                  </a:solidFill>
+                </a:rPr>
+                <a:t>#include &lt;</a:t>
+              </a:r>
+              <a:r>
+                <a:rPr lang="en-US" sz="1200" dirty="0" err="1" smtClean="0">
+                  <a:solidFill>
+                    <a:srgbClr val="292934"/>
+                  </a:solidFill>
+                </a:rPr>
+                <a:t>pthread</a:t>
+              </a:r>
+              <a:r>
+                <a:rPr lang="en-US" sz="1200" dirty="0" err="1" smtClean="0">
+                  <a:solidFill>
+                    <a:srgbClr val="292934"/>
+                  </a:solidFill>
+                </a:rPr>
+                <a:t>.h</a:t>
+              </a:r>
+              <a:r>
+                <a:rPr lang="en-US" sz="1200" dirty="0">
+                  <a:solidFill>
+                    <a:srgbClr val="292934"/>
+                  </a:solidFill>
+                </a:rPr>
+                <a:t>&gt;</a:t>
+              </a:r>
+              <a:endParaRPr lang="en-US" sz="1200" dirty="0" smtClean="0">
+                <a:solidFill>
+                  <a:srgbClr val="292934"/>
+                </a:solidFill>
+              </a:endParaRPr>
+            </a:p>
+            <a:p>
+              <a:r>
+                <a:rPr lang="en-US" sz="1200" dirty="0" smtClean="0">
+                  <a:solidFill>
+                    <a:srgbClr val="292934"/>
+                  </a:solidFill>
+                </a:rPr>
+                <a:t>#include &lt;</a:t>
+              </a:r>
+              <a:r>
+                <a:rPr lang="en-US" sz="1200" dirty="0" err="1" smtClean="0">
+                  <a:solidFill>
+                    <a:srgbClr val="292934"/>
+                  </a:solidFill>
+                </a:rPr>
+                <a:t>semaphore.h</a:t>
+              </a:r>
+              <a:r>
+                <a:rPr lang="en-US" sz="1200" dirty="0" smtClean="0">
+                  <a:solidFill>
+                    <a:srgbClr val="292934"/>
+                  </a:solidFill>
+                </a:rPr>
+                <a:t>&gt;</a:t>
+              </a:r>
+            </a:p>
+            <a:p>
+              <a:endParaRPr lang="en-US" sz="1200" dirty="0" smtClean="0">
+                <a:solidFill>
+                  <a:srgbClr val="292934"/>
+                </a:solidFill>
+              </a:endParaRPr>
+            </a:p>
+            <a:p>
+              <a:r>
+                <a:rPr lang="en-US" sz="1200" dirty="0" smtClean="0">
+                  <a:solidFill>
+                    <a:srgbClr val="292934"/>
+                  </a:solidFill>
+                </a:rPr>
+                <a:t>/</a:t>
+              </a:r>
+              <a:r>
+                <a:rPr lang="en-US" sz="1200" dirty="0" smtClean="0">
+                  <a:solidFill>
+                    <a:srgbClr val="292934"/>
+                  </a:solidFill>
+                </a:rPr>
+                <a:t>/ global variables</a:t>
+              </a:r>
+            </a:p>
+            <a:p>
+              <a:r>
+                <a:rPr lang="en-US" sz="1200" dirty="0" err="1">
+                  <a:solidFill>
+                    <a:srgbClr val="292934"/>
+                  </a:solidFill>
+                </a:rPr>
+                <a:t>p</a:t>
+              </a:r>
+              <a:r>
+                <a:rPr lang="en-US" sz="1200" dirty="0" err="1" smtClean="0">
+                  <a:solidFill>
+                    <a:srgbClr val="292934"/>
+                  </a:solidFill>
+                </a:rPr>
+                <a:t>thread_mutex_t</a:t>
+              </a:r>
+              <a:r>
+                <a:rPr lang="en-US" sz="1200" dirty="0" smtClean="0">
+                  <a:solidFill>
+                    <a:srgbClr val="292934"/>
+                  </a:solidFill>
+                </a:rPr>
+                <a:t> </a:t>
+              </a:r>
+              <a:r>
+                <a:rPr lang="en-US" sz="1200" dirty="0" err="1" smtClean="0">
+                  <a:solidFill>
+                    <a:srgbClr val="292934"/>
+                  </a:solidFill>
+                </a:rPr>
+                <a:t>myLock</a:t>
+              </a:r>
+              <a:r>
+                <a:rPr lang="en-US" sz="1200" dirty="0" smtClean="0">
+                  <a:solidFill>
+                    <a:srgbClr val="292934"/>
+                  </a:solidFill>
+                </a:rPr>
+                <a:t>;</a:t>
+              </a:r>
+              <a:endParaRPr lang="en-US" sz="1200" dirty="0" smtClean="0">
+                <a:solidFill>
+                  <a:srgbClr val="292934"/>
+                </a:solidFill>
+              </a:endParaRPr>
+            </a:p>
+            <a:p>
+              <a:r>
+                <a:rPr lang="en-US" sz="1200" dirty="0" err="1">
+                  <a:solidFill>
+                    <a:srgbClr val="292934"/>
+                  </a:solidFill>
+                </a:rPr>
+                <a:t>s</a:t>
+              </a:r>
+              <a:r>
+                <a:rPr lang="en-US" sz="1200" dirty="0" err="1" smtClean="0">
+                  <a:solidFill>
+                    <a:srgbClr val="292934"/>
+                  </a:solidFill>
+                </a:rPr>
+                <a:t>em_t</a:t>
+              </a:r>
+              <a:r>
+                <a:rPr lang="en-US" sz="1200" dirty="0" smtClean="0">
+                  <a:solidFill>
+                    <a:srgbClr val="292934"/>
+                  </a:solidFill>
+                </a:rPr>
+                <a:t> </a:t>
+              </a:r>
+              <a:r>
+                <a:rPr lang="en-US" sz="1200" dirty="0" err="1" smtClean="0">
+                  <a:solidFill>
+                    <a:srgbClr val="292934"/>
+                  </a:solidFill>
+                </a:rPr>
+                <a:t>mySem</a:t>
+              </a:r>
+              <a:r>
+                <a:rPr lang="en-US" sz="1200" dirty="0">
+                  <a:solidFill>
+                    <a:srgbClr val="292934"/>
+                  </a:solidFill>
+                </a:rPr>
+                <a:t>;</a:t>
+              </a:r>
+              <a:endParaRPr lang="en-US" sz="1200" dirty="0" smtClean="0">
+                <a:solidFill>
+                  <a:srgbClr val="292934"/>
+                </a:solidFill>
+              </a:endParaRPr>
+            </a:p>
+            <a:p>
+              <a:endParaRPr lang="en-US" sz="1200" dirty="0">
+                <a:solidFill>
+                  <a:srgbClr val="292934"/>
+                </a:solidFill>
+              </a:endParaRPr>
+            </a:p>
+            <a:p>
+              <a:r>
+                <a:rPr lang="en-US" sz="1200" dirty="0" err="1" smtClean="0">
+                  <a:solidFill>
+                    <a:srgbClr val="292934"/>
+                  </a:solidFill>
+                </a:rPr>
+                <a:t>personEnterRestroom</a:t>
+              </a:r>
+              <a:r>
+                <a:rPr lang="en-US" sz="1200" dirty="0" smtClean="0">
+                  <a:solidFill>
+                    <a:srgbClr val="292934"/>
+                  </a:solidFill>
+                </a:rPr>
+                <a:t>() </a:t>
+              </a:r>
+              <a:r>
+                <a:rPr lang="en-US" sz="1200" dirty="0" smtClean="0">
+                  <a:solidFill>
+                    <a:srgbClr val="292934"/>
+                  </a:solidFill>
+                </a:rPr>
+                <a:t>{</a:t>
+              </a:r>
+            </a:p>
+            <a:p>
+              <a:r>
+                <a:rPr lang="en-US" sz="1200" dirty="0" smtClean="0">
+                  <a:solidFill>
+                    <a:srgbClr val="292934"/>
+                  </a:solidFill>
+                </a:rPr>
+                <a:t>     </a:t>
+              </a:r>
+              <a:r>
+                <a:rPr lang="en-US" sz="1200" dirty="0" err="1" smtClean="0">
+                  <a:solidFill>
+                    <a:srgbClr val="292934"/>
+                  </a:solidFill>
+                </a:rPr>
+                <a:t>pthread_mutex_lock</a:t>
+              </a:r>
+              <a:r>
+                <a:rPr lang="en-US" sz="1200" dirty="0" smtClean="0">
+                  <a:solidFill>
+                    <a:srgbClr val="292934"/>
+                  </a:solidFill>
+                </a:rPr>
+                <a:t> (&amp;</a:t>
+              </a:r>
+              <a:r>
+                <a:rPr lang="en-US" sz="1200" dirty="0" err="1" smtClean="0">
+                  <a:solidFill>
+                    <a:srgbClr val="292934"/>
+                  </a:solidFill>
+                </a:rPr>
+                <a:t>myLock</a:t>
+              </a:r>
+              <a:r>
+                <a:rPr lang="en-US" sz="1200" dirty="0" smtClean="0">
+                  <a:solidFill>
+                    <a:srgbClr val="292934"/>
+                  </a:solidFill>
+                </a:rPr>
+                <a:t>);</a:t>
+              </a:r>
+            </a:p>
+            <a:p>
+              <a:r>
+                <a:rPr lang="en-US" sz="1200" dirty="0" smtClean="0">
+                  <a:solidFill>
+                    <a:srgbClr val="292934"/>
+                  </a:solidFill>
+                </a:rPr>
+                <a:t>     </a:t>
+              </a:r>
+              <a:r>
+                <a:rPr lang="en-US" sz="1200" dirty="0" err="1" smtClean="0">
+                  <a:solidFill>
+                    <a:srgbClr val="292934"/>
+                  </a:solidFill>
+                </a:rPr>
+                <a:t>s</a:t>
+              </a:r>
+              <a:r>
+                <a:rPr lang="en-US" sz="1200" dirty="0" err="1" smtClean="0">
+                  <a:solidFill>
+                    <a:srgbClr val="292934"/>
+                  </a:solidFill>
+                </a:rPr>
+                <a:t>em_wait</a:t>
+              </a:r>
+              <a:r>
+                <a:rPr lang="en-US" sz="1200" dirty="0" smtClean="0">
+                  <a:solidFill>
+                    <a:srgbClr val="292934"/>
+                  </a:solidFill>
+                </a:rPr>
+                <a:t> (&amp;</a:t>
+              </a:r>
+              <a:r>
+                <a:rPr lang="en-US" sz="1200" dirty="0" err="1" smtClean="0">
+                  <a:solidFill>
+                    <a:srgbClr val="292934"/>
+                  </a:solidFill>
+                </a:rPr>
+                <a:t>mySem</a:t>
+              </a:r>
+              <a:r>
+                <a:rPr lang="en-US" sz="1200" dirty="0" smtClean="0">
+                  <a:solidFill>
+                    <a:srgbClr val="292934"/>
+                  </a:solidFill>
+                </a:rPr>
+                <a:t>);</a:t>
+              </a:r>
+            </a:p>
+            <a:p>
+              <a:r>
+                <a:rPr lang="en-US" sz="1200" dirty="0">
+                  <a:solidFill>
+                    <a:srgbClr val="292934"/>
+                  </a:solidFill>
+                </a:rPr>
+                <a:t> </a:t>
+              </a:r>
+              <a:r>
+                <a:rPr lang="en-US" sz="1200" dirty="0" smtClean="0">
+                  <a:solidFill>
+                    <a:srgbClr val="292934"/>
+                  </a:solidFill>
+                </a:rPr>
+                <a:t>    …</a:t>
+              </a:r>
+              <a:endParaRPr lang="en-US" sz="1200" dirty="0">
+                <a:solidFill>
+                  <a:srgbClr val="292934"/>
+                </a:solidFill>
+              </a:endParaRPr>
+            </a:p>
+            <a:p>
+              <a:r>
+                <a:rPr lang="en-US" sz="1200" dirty="0" smtClean="0">
+                  <a:solidFill>
+                    <a:srgbClr val="292934"/>
+                  </a:solidFill>
+                </a:rPr>
+                <a:t>}</a:t>
+              </a:r>
+              <a:endParaRPr lang="en-US" sz="1200" dirty="0" smtClean="0">
+                <a:solidFill>
+                  <a:srgbClr val="292934"/>
+                </a:solidFill>
+              </a:endParaRPr>
+            </a:p>
+            <a:p>
+              <a:endParaRPr lang="en-US" sz="1200" dirty="0" smtClean="0">
+                <a:solidFill>
+                  <a:srgbClr val="292934"/>
+                </a:solidFill>
+              </a:endParaRPr>
+            </a:p>
+            <a:p>
+              <a:r>
+                <a:rPr lang="en-US" sz="1200" dirty="0" err="1" smtClean="0">
+                  <a:solidFill>
+                    <a:srgbClr val="292934"/>
+                  </a:solidFill>
+                </a:rPr>
+                <a:t>personLeaveRestroom</a:t>
+              </a:r>
+              <a:r>
+                <a:rPr lang="en-US" sz="1200" dirty="0" smtClean="0">
+                  <a:solidFill>
+                    <a:srgbClr val="292934"/>
+                  </a:solidFill>
+                </a:rPr>
+                <a:t>() </a:t>
+              </a:r>
+              <a:r>
+                <a:rPr lang="en-US" sz="1200" dirty="0" smtClean="0">
+                  <a:solidFill>
+                    <a:srgbClr val="292934"/>
+                  </a:solidFill>
+                </a:rPr>
+                <a:t>{</a:t>
+              </a:r>
+            </a:p>
+            <a:p>
+              <a:r>
+                <a:rPr lang="en-US" sz="1200" dirty="0">
+                  <a:solidFill>
+                    <a:srgbClr val="292934"/>
+                  </a:solidFill>
+                </a:rPr>
+                <a:t> </a:t>
+              </a:r>
+              <a:r>
+                <a:rPr lang="en-US" sz="1200" dirty="0" smtClean="0">
+                  <a:solidFill>
+                    <a:srgbClr val="292934"/>
+                  </a:solidFill>
+                </a:rPr>
+                <a:t>    …</a:t>
+              </a:r>
+            </a:p>
+            <a:p>
+              <a:r>
+                <a:rPr lang="en-US" sz="1200" dirty="0" smtClean="0">
+                  <a:solidFill>
+                    <a:srgbClr val="292934"/>
+                  </a:solidFill>
+                </a:rPr>
+                <a:t>     </a:t>
+              </a:r>
+              <a:r>
+                <a:rPr lang="en-US" sz="1200" dirty="0" err="1" smtClean="0">
+                  <a:solidFill>
+                    <a:srgbClr val="292934"/>
+                  </a:solidFill>
+                </a:rPr>
+                <a:t>s</a:t>
+              </a:r>
+              <a:r>
+                <a:rPr lang="en-US" sz="1200" dirty="0" err="1" smtClean="0">
+                  <a:solidFill>
+                    <a:srgbClr val="292934"/>
+                  </a:solidFill>
+                </a:rPr>
+                <a:t>em_post</a:t>
+              </a:r>
+              <a:r>
+                <a:rPr lang="en-US" sz="1200" dirty="0" smtClean="0">
+                  <a:solidFill>
+                    <a:srgbClr val="292934"/>
+                  </a:solidFill>
+                </a:rPr>
+                <a:t> (&amp;</a:t>
+              </a:r>
+              <a:r>
+                <a:rPr lang="en-US" sz="1200" dirty="0" err="1" smtClean="0">
+                  <a:solidFill>
+                    <a:srgbClr val="292934"/>
+                  </a:solidFill>
+                </a:rPr>
+                <a:t>mySem</a:t>
+              </a:r>
+              <a:r>
+                <a:rPr lang="en-US" sz="1200" dirty="0" smtClean="0">
+                  <a:solidFill>
+                    <a:srgbClr val="292934"/>
+                  </a:solidFill>
+                </a:rPr>
+                <a:t>);</a:t>
+              </a:r>
+              <a:endParaRPr lang="en-US" sz="1200" dirty="0">
+                <a:solidFill>
+                  <a:srgbClr val="292934"/>
+                </a:solidFill>
+              </a:endParaRPr>
+            </a:p>
+            <a:p>
+              <a:r>
+                <a:rPr lang="en-US" sz="1200" dirty="0" smtClean="0">
+                  <a:solidFill>
+                    <a:srgbClr val="292934"/>
+                  </a:solidFill>
+                </a:rPr>
+                <a:t>     </a:t>
+              </a:r>
+              <a:r>
+                <a:rPr lang="en-US" sz="1200" dirty="0" err="1" smtClean="0">
+                  <a:solidFill>
+                    <a:srgbClr val="292934"/>
+                  </a:solidFill>
+                </a:rPr>
+                <a:t>pthread_mutex_unlock</a:t>
+              </a:r>
+              <a:r>
+                <a:rPr lang="en-US" sz="1200" dirty="0" smtClean="0">
+                  <a:solidFill>
+                    <a:srgbClr val="292934"/>
+                  </a:solidFill>
+                </a:rPr>
+                <a:t> (&amp;</a:t>
+              </a:r>
+              <a:r>
+                <a:rPr lang="en-US" sz="1200" dirty="0" err="1" smtClean="0">
+                  <a:solidFill>
+                    <a:srgbClr val="292934"/>
+                  </a:solidFill>
+                </a:rPr>
+                <a:t>myLock</a:t>
+              </a:r>
+              <a:r>
+                <a:rPr lang="en-US" sz="1200" dirty="0" smtClean="0">
+                  <a:solidFill>
+                    <a:srgbClr val="292934"/>
+                  </a:solidFill>
+                </a:rPr>
+                <a:t>);</a:t>
+              </a:r>
+            </a:p>
+            <a:p>
+              <a:r>
+                <a:rPr lang="en-US" sz="1200" dirty="0" smtClean="0">
+                  <a:solidFill>
+                    <a:srgbClr val="292934"/>
+                  </a:solidFill>
+                </a:rPr>
+                <a:t>}</a:t>
+              </a:r>
+            </a:p>
+            <a:p>
+              <a:endParaRPr lang="en-US" sz="1200" dirty="0" smtClean="0">
+                <a:solidFill>
+                  <a:srgbClr val="292934"/>
+                </a:solidFill>
+              </a:endParaRPr>
+            </a:p>
+            <a:p>
+              <a:r>
+                <a:rPr lang="en-US" sz="1200" dirty="0" err="1">
+                  <a:solidFill>
+                    <a:srgbClr val="292934"/>
+                  </a:solidFill>
+                </a:rPr>
+                <a:t>personUseRestroom</a:t>
+              </a:r>
+              <a:r>
+                <a:rPr lang="en-US" sz="1200" dirty="0">
+                  <a:solidFill>
+                    <a:srgbClr val="292934"/>
+                  </a:solidFill>
+                </a:rPr>
+                <a:t>() {…</a:t>
+              </a:r>
+              <a:r>
+                <a:rPr lang="en-US" sz="1200" dirty="0" smtClean="0">
+                  <a:solidFill>
+                    <a:srgbClr val="292934"/>
+                  </a:solidFill>
+                </a:rPr>
+                <a:t>}</a:t>
+              </a:r>
+              <a:endParaRPr lang="en-US" sz="1200" dirty="0">
+                <a:solidFill>
+                  <a:srgbClr val="292934"/>
+                </a:solidFill>
+              </a:endParaRPr>
+            </a:p>
+            <a:p>
+              <a:endParaRPr lang="en-US" sz="1200" dirty="0" smtClean="0">
+                <a:solidFill>
+                  <a:srgbClr val="292934"/>
+                </a:solidFill>
+              </a:endParaRPr>
+            </a:p>
+            <a:p>
+              <a:r>
+                <a:rPr lang="en-US" sz="1200" dirty="0" err="1" smtClean="0">
+                  <a:solidFill>
+                    <a:srgbClr val="292934"/>
+                  </a:solidFill>
+                </a:rPr>
+                <a:t>personDrink</a:t>
+              </a:r>
+              <a:r>
+                <a:rPr lang="en-US" sz="1200" dirty="0">
+                  <a:solidFill>
+                    <a:srgbClr val="292934"/>
+                  </a:solidFill>
+                </a:rPr>
+                <a:t>() {…}</a:t>
+              </a:r>
+            </a:p>
+            <a:p>
+              <a:endParaRPr lang="en-US" sz="1200" dirty="0">
+                <a:solidFill>
+                  <a:srgbClr val="292934"/>
+                </a:solidFill>
+              </a:endParaRPr>
+            </a:p>
+          </p:txBody>
+        </p:sp>
+        <p:sp useBgFill="1">
+          <p:nvSpPr>
+            <p:cNvPr id="10" name="Rectangle 9"/>
+            <p:cNvSpPr/>
+            <p:nvPr/>
+          </p:nvSpPr>
+          <p:spPr>
+            <a:xfrm>
+              <a:off x="3359365" y="1592531"/>
+              <a:ext cx="815471" cy="343092"/>
+            </a:xfrm>
+            <a:prstGeom prst="rect">
+              <a:avLst/>
+            </a:prstGeom>
+            <a:ln>
+              <a:noFill/>
+            </a:ln>
+            <a:effectLst/>
+          </p:spPr>
+          <p:style>
+            <a:lnRef idx="1">
+              <a:schemeClr val="accent1"/>
+            </a:lnRef>
+            <a:fillRef idx="3">
+              <a:schemeClr val="accent1"/>
+            </a:fillRef>
+            <a:effectRef idx="2">
+              <a:schemeClr val="accent1"/>
+            </a:effectRef>
+            <a:fontRef idx="minor">
+              <a:schemeClr val="lt1"/>
+            </a:fontRef>
+          </p:style>
+          <p:txBody>
+            <a:bodyPr rtlCol="0" anchor="t" anchorCtr="0"/>
+            <a:lstStyle/>
+            <a:p>
+              <a:r>
+                <a:rPr lang="en-US" sz="1200" dirty="0" smtClean="0">
+                  <a:solidFill>
+                    <a:srgbClr val="292934"/>
+                  </a:solidFill>
+                </a:rPr>
+                <a:t>hw1</a:t>
+              </a:r>
+              <a:r>
+                <a:rPr lang="en-US" sz="1200" dirty="0" smtClean="0">
+                  <a:solidFill>
+                    <a:srgbClr val="292934"/>
+                  </a:solidFill>
+                </a:rPr>
+                <a:t>.cpp</a:t>
+              </a:r>
+              <a:endParaRPr lang="en-US" sz="1200" dirty="0">
+                <a:solidFill>
+                  <a:srgbClr val="292934"/>
+                </a:solidFill>
+              </a:endParaRPr>
+            </a:p>
+          </p:txBody>
+        </p:sp>
+        <p:sp useBgFill="1">
+          <p:nvSpPr>
+            <p:cNvPr id="8" name="Rectangle 7"/>
+            <p:cNvSpPr/>
+            <p:nvPr/>
+          </p:nvSpPr>
+          <p:spPr>
+            <a:xfrm>
+              <a:off x="6662700" y="3171364"/>
+              <a:ext cx="1508199" cy="322134"/>
+            </a:xfrm>
+            <a:prstGeom prst="rect">
+              <a:avLst/>
+            </a:prstGeom>
+            <a:ln>
+              <a:noFill/>
+            </a:ln>
+            <a:effectLst/>
+          </p:spPr>
+          <p:style>
+            <a:lnRef idx="1">
+              <a:schemeClr val="accent1"/>
+            </a:lnRef>
+            <a:fillRef idx="3">
+              <a:schemeClr val="accent1"/>
+            </a:fillRef>
+            <a:effectRef idx="2">
+              <a:schemeClr val="accent1"/>
+            </a:effectRef>
+            <a:fontRef idx="minor">
+              <a:schemeClr val="lt1"/>
+            </a:fontRef>
+          </p:style>
+          <p:txBody>
+            <a:bodyPr rtlCol="0" anchor="t" anchorCtr="0"/>
+            <a:lstStyle/>
+            <a:p>
+              <a:r>
+                <a:rPr lang="en-US" sz="1600" dirty="0" smtClean="0">
+                  <a:solidFill>
+                    <a:srgbClr val="292934"/>
+                  </a:solidFill>
+                </a:rPr>
+                <a:t>Entry section</a:t>
+              </a:r>
+              <a:endParaRPr lang="en-US" sz="1600" dirty="0">
+                <a:solidFill>
+                  <a:srgbClr val="292934"/>
+                </a:solidFill>
+              </a:endParaRPr>
+            </a:p>
+          </p:txBody>
+        </p:sp>
+        <p:sp useBgFill="1">
+          <p:nvSpPr>
+            <p:cNvPr id="11" name="Rectangle 10"/>
+            <p:cNvSpPr/>
+            <p:nvPr/>
+          </p:nvSpPr>
+          <p:spPr>
+            <a:xfrm>
+              <a:off x="6643650" y="4310127"/>
+              <a:ext cx="1508199" cy="322134"/>
+            </a:xfrm>
+            <a:prstGeom prst="rect">
+              <a:avLst/>
+            </a:prstGeom>
+            <a:ln>
+              <a:noFill/>
+            </a:ln>
+            <a:effectLst/>
+          </p:spPr>
+          <p:style>
+            <a:lnRef idx="1">
+              <a:schemeClr val="accent1"/>
+            </a:lnRef>
+            <a:fillRef idx="3">
+              <a:schemeClr val="accent1"/>
+            </a:fillRef>
+            <a:effectRef idx="2">
+              <a:schemeClr val="accent1"/>
+            </a:effectRef>
+            <a:fontRef idx="minor">
+              <a:schemeClr val="lt1"/>
+            </a:fontRef>
+          </p:style>
+          <p:txBody>
+            <a:bodyPr rtlCol="0" anchor="t" anchorCtr="0"/>
+            <a:lstStyle/>
+            <a:p>
+              <a:r>
+                <a:rPr lang="en-US" sz="1600" dirty="0" smtClean="0">
+                  <a:solidFill>
+                    <a:srgbClr val="292934"/>
+                  </a:solidFill>
+                </a:rPr>
+                <a:t>Exit section</a:t>
+              </a:r>
+              <a:endParaRPr lang="en-US" sz="1600" dirty="0">
+                <a:solidFill>
+                  <a:srgbClr val="292934"/>
+                </a:solidFill>
+              </a:endParaRPr>
+            </a:p>
+          </p:txBody>
+        </p:sp>
+        <p:sp useBgFill="1">
+          <p:nvSpPr>
+            <p:cNvPr id="12" name="Rectangle 11"/>
+            <p:cNvSpPr/>
+            <p:nvPr/>
+          </p:nvSpPr>
+          <p:spPr>
+            <a:xfrm>
+              <a:off x="6675400" y="5408382"/>
+              <a:ext cx="1508199" cy="322134"/>
+            </a:xfrm>
+            <a:prstGeom prst="rect">
+              <a:avLst/>
+            </a:prstGeom>
+            <a:ln>
+              <a:noFill/>
+            </a:ln>
+            <a:effectLst/>
+          </p:spPr>
+          <p:style>
+            <a:lnRef idx="1">
+              <a:schemeClr val="accent1"/>
+            </a:lnRef>
+            <a:fillRef idx="3">
+              <a:schemeClr val="accent1"/>
+            </a:fillRef>
+            <a:effectRef idx="2">
+              <a:schemeClr val="accent1"/>
+            </a:effectRef>
+            <a:fontRef idx="minor">
+              <a:schemeClr val="lt1"/>
+            </a:fontRef>
+          </p:style>
+          <p:txBody>
+            <a:bodyPr rtlCol="0" anchor="t" anchorCtr="0"/>
+            <a:lstStyle/>
+            <a:p>
+              <a:r>
+                <a:rPr lang="en-US" sz="1600" dirty="0" smtClean="0">
+                  <a:solidFill>
+                    <a:srgbClr val="292934"/>
+                  </a:solidFill>
+                </a:rPr>
+                <a:t>Critical section</a:t>
+              </a:r>
+              <a:endParaRPr lang="en-US" sz="1600" dirty="0">
+                <a:solidFill>
+                  <a:srgbClr val="292934"/>
+                </a:solidFill>
+              </a:endParaRPr>
+            </a:p>
+          </p:txBody>
+        </p:sp>
+        <p:sp useBgFill="1">
+          <p:nvSpPr>
+            <p:cNvPr id="13" name="Rectangle 12"/>
+            <p:cNvSpPr/>
+            <p:nvPr/>
+          </p:nvSpPr>
+          <p:spPr>
+            <a:xfrm>
+              <a:off x="6675400" y="5758732"/>
+              <a:ext cx="1960600" cy="322134"/>
+            </a:xfrm>
+            <a:prstGeom prst="rect">
+              <a:avLst/>
+            </a:prstGeom>
+            <a:ln>
+              <a:noFill/>
+            </a:ln>
+            <a:effectLst/>
+          </p:spPr>
+          <p:style>
+            <a:lnRef idx="1">
+              <a:schemeClr val="accent1"/>
+            </a:lnRef>
+            <a:fillRef idx="3">
+              <a:schemeClr val="accent1"/>
+            </a:fillRef>
+            <a:effectRef idx="2">
+              <a:schemeClr val="accent1"/>
+            </a:effectRef>
+            <a:fontRef idx="minor">
+              <a:schemeClr val="lt1"/>
+            </a:fontRef>
+          </p:style>
+          <p:txBody>
+            <a:bodyPr rtlCol="0" anchor="t" anchorCtr="0"/>
+            <a:lstStyle/>
+            <a:p>
+              <a:r>
+                <a:rPr lang="en-US" sz="1600" dirty="0" smtClean="0">
+                  <a:solidFill>
+                    <a:srgbClr val="292934"/>
+                  </a:solidFill>
+                </a:rPr>
+                <a:t>Remainder section</a:t>
+              </a:r>
+              <a:endParaRPr lang="en-US" sz="1600" dirty="0">
+                <a:solidFill>
+                  <a:srgbClr val="292934"/>
+                </a:solidFill>
+              </a:endParaRPr>
+            </a:p>
+          </p:txBody>
+        </p:sp>
+        <p:cxnSp>
+          <p:nvCxnSpPr>
+            <p:cNvPr id="6" name="Straight Arrow Connector 5"/>
+            <p:cNvCxnSpPr>
+              <a:stCxn id="8" idx="1"/>
+            </p:cNvCxnSpPr>
+            <p:nvPr/>
+          </p:nvCxnSpPr>
+          <p:spPr>
+            <a:xfrm flipH="1">
+              <a:off x="5334000" y="3332431"/>
+              <a:ext cx="1328700" cy="20369"/>
+            </a:xfrm>
+            <a:prstGeom prst="straightConnector1">
+              <a:avLst/>
+            </a:prstGeom>
+            <a:ln>
+              <a:solidFill>
+                <a:schemeClr val="tx1"/>
+              </a:solidFill>
+              <a:tailEnd type="arrow"/>
+            </a:ln>
+          </p:spPr>
+          <p:style>
+            <a:lnRef idx="2">
+              <a:schemeClr val="accent1"/>
+            </a:lnRef>
+            <a:fillRef idx="0">
+              <a:schemeClr val="accent1"/>
+            </a:fillRef>
+            <a:effectRef idx="1">
+              <a:schemeClr val="accent1"/>
+            </a:effectRef>
+            <a:fontRef idx="minor">
+              <a:schemeClr val="tx1"/>
+            </a:fontRef>
+          </p:style>
+        </p:cxnSp>
+        <p:cxnSp>
+          <p:nvCxnSpPr>
+            <p:cNvPr id="14" name="Straight Arrow Connector 13"/>
+            <p:cNvCxnSpPr>
+              <a:stCxn id="11" idx="1"/>
+            </p:cNvCxnSpPr>
+            <p:nvPr/>
+          </p:nvCxnSpPr>
+          <p:spPr>
+            <a:xfrm flipH="1">
+              <a:off x="5334000" y="4471194"/>
+              <a:ext cx="1309650" cy="0"/>
+            </a:xfrm>
+            <a:prstGeom prst="straightConnector1">
+              <a:avLst/>
+            </a:prstGeom>
+            <a:ln>
+              <a:solidFill>
+                <a:schemeClr val="tx1"/>
+              </a:solidFill>
+              <a:tailEnd type="arrow"/>
+            </a:ln>
+          </p:spPr>
+          <p:style>
+            <a:lnRef idx="2">
+              <a:schemeClr val="accent1"/>
+            </a:lnRef>
+            <a:fillRef idx="0">
+              <a:schemeClr val="accent1"/>
+            </a:fillRef>
+            <a:effectRef idx="1">
+              <a:schemeClr val="accent1"/>
+            </a:effectRef>
+            <a:fontRef idx="minor">
+              <a:schemeClr val="tx1"/>
+            </a:fontRef>
+          </p:style>
+        </p:cxnSp>
+        <p:cxnSp>
+          <p:nvCxnSpPr>
+            <p:cNvPr id="17" name="Straight Arrow Connector 16"/>
+            <p:cNvCxnSpPr>
+              <a:stCxn id="12" idx="1"/>
+            </p:cNvCxnSpPr>
+            <p:nvPr/>
+          </p:nvCxnSpPr>
+          <p:spPr>
+            <a:xfrm flipH="1">
+              <a:off x="5334000" y="5569449"/>
+              <a:ext cx="1341400" cy="0"/>
+            </a:xfrm>
+            <a:prstGeom prst="straightConnector1">
+              <a:avLst/>
+            </a:prstGeom>
+            <a:ln>
+              <a:solidFill>
+                <a:schemeClr val="tx1"/>
+              </a:solidFill>
+              <a:tailEnd type="arrow"/>
+            </a:ln>
+          </p:spPr>
+          <p:style>
+            <a:lnRef idx="2">
+              <a:schemeClr val="accent1"/>
+            </a:lnRef>
+            <a:fillRef idx="0">
+              <a:schemeClr val="accent1"/>
+            </a:fillRef>
+            <a:effectRef idx="1">
+              <a:schemeClr val="accent1"/>
+            </a:effectRef>
+            <a:fontRef idx="minor">
+              <a:schemeClr val="tx1"/>
+            </a:fontRef>
+          </p:style>
+        </p:cxnSp>
+        <p:cxnSp>
+          <p:nvCxnSpPr>
+            <p:cNvPr id="20" name="Straight Arrow Connector 19"/>
+            <p:cNvCxnSpPr>
+              <a:stCxn id="13" idx="1"/>
+            </p:cNvCxnSpPr>
+            <p:nvPr/>
+          </p:nvCxnSpPr>
+          <p:spPr>
+            <a:xfrm flipH="1">
+              <a:off x="5334000" y="5919799"/>
+              <a:ext cx="1341400" cy="0"/>
+            </a:xfrm>
+            <a:prstGeom prst="straightConnector1">
+              <a:avLst/>
+            </a:prstGeom>
+            <a:ln>
+              <a:solidFill>
+                <a:schemeClr val="tx1"/>
+              </a:solidFill>
+              <a:tailEnd type="arrow"/>
+            </a:ln>
+          </p:spPr>
+          <p:style>
+            <a:lnRef idx="2">
+              <a:schemeClr val="accent1"/>
+            </a:lnRef>
+            <a:fillRef idx="0">
+              <a:schemeClr val="accent1"/>
+            </a:fillRef>
+            <a:effectRef idx="1">
+              <a:schemeClr val="accent1"/>
+            </a:effectRef>
+            <a:fontRef idx="minor">
+              <a:schemeClr val="tx1"/>
+            </a:fontRef>
+          </p:style>
+        </p:cxnSp>
+      </p:grpSp>
+      <p:sp>
+        <p:nvSpPr>
+          <p:cNvPr id="25" name="10-Point Star 24"/>
           <p:cNvSpPr/>
           <p:nvPr/>
         </p:nvSpPr>
         <p:spPr>
           <a:xfrm>
-            <a:off x="4587801" y="2542009"/>
-            <a:ext cx="2378364" cy="2597782"/>
+            <a:off x="6615364" y="1592531"/>
+            <a:ext cx="1830136" cy="1112569"/>
           </a:xfrm>
-          <a:prstGeom prst="rect">
+          <a:prstGeom prst="star10">
             <a:avLst/>
           </a:prstGeom>
-        </p:spPr>
-        <p:style>
-          <a:lnRef idx="1">
-            <a:schemeClr val="accent1"/>
-          </a:lnRef>
-          <a:fillRef idx="3">
-            <a:schemeClr val="accent1"/>
-          </a:fillRef>
-          <a:effectRef idx="2">
-            <a:schemeClr val="accent1"/>
-          </a:effectRef>
-          <a:fontRef idx="minor">
-            <a:schemeClr val="lt1"/>
-          </a:fontRef>
-        </p:style>
-        <p:txBody>
-          <a:bodyPr rtlCol="0" anchor="t" anchorCtr="0"/>
-          <a:lstStyle/>
-          <a:p>
-            <a:r>
-              <a:rPr lang="en-US" sz="1200" dirty="0" smtClean="0">
-                <a:solidFill>
-                  <a:srgbClr val="292934"/>
-                </a:solidFill>
-              </a:rPr>
-              <a:t>// global variables</a:t>
-            </a:r>
-          </a:p>
-          <a:p>
-            <a:r>
-              <a:rPr lang="en-US" sz="1200" dirty="0">
-                <a:solidFill>
-                  <a:srgbClr val="292934"/>
-                </a:solidFill>
-              </a:rPr>
-              <a:t>l</a:t>
-            </a:r>
-            <a:r>
-              <a:rPr lang="en-US" sz="1200" dirty="0" smtClean="0">
-                <a:solidFill>
-                  <a:srgbClr val="292934"/>
-                </a:solidFill>
-              </a:rPr>
-              <a:t>ock…</a:t>
-            </a:r>
-          </a:p>
-          <a:p>
-            <a:r>
-              <a:rPr lang="en-US" sz="1200" dirty="0">
-                <a:solidFill>
-                  <a:srgbClr val="292934"/>
-                </a:solidFill>
-              </a:rPr>
-              <a:t>s</a:t>
-            </a:r>
-            <a:r>
-              <a:rPr lang="en-US" sz="1200" dirty="0" smtClean="0">
-                <a:solidFill>
-                  <a:srgbClr val="292934"/>
-                </a:solidFill>
-              </a:rPr>
-              <a:t>emaphore…</a:t>
-            </a:r>
-            <a:endParaRPr lang="en-US" sz="1200" dirty="0">
-              <a:solidFill>
-                <a:srgbClr val="292934"/>
-              </a:solidFill>
-            </a:endParaRPr>
-          </a:p>
-          <a:p>
-            <a:r>
-              <a:rPr lang="en-US" sz="1200" dirty="0" smtClean="0">
-                <a:solidFill>
-                  <a:srgbClr val="292934"/>
-                </a:solidFill>
-              </a:rPr>
-              <a:t>…</a:t>
-            </a:r>
-          </a:p>
-          <a:p>
-            <a:r>
-              <a:rPr lang="en-US" sz="1200" dirty="0" err="1" smtClean="0">
-                <a:solidFill>
-                  <a:srgbClr val="292934"/>
-                </a:solidFill>
-              </a:rPr>
-              <a:t>personDrink</a:t>
-            </a:r>
-            <a:r>
-              <a:rPr lang="en-US" sz="1200" dirty="0" smtClean="0">
-                <a:solidFill>
-                  <a:srgbClr val="292934"/>
-                </a:solidFill>
-              </a:rPr>
-              <a:t>() {…}</a:t>
-            </a:r>
-          </a:p>
-          <a:p>
-            <a:endParaRPr lang="en-US" sz="1200" dirty="0">
-              <a:solidFill>
-                <a:srgbClr val="292934"/>
-              </a:solidFill>
-            </a:endParaRPr>
-          </a:p>
-          <a:p>
-            <a:r>
-              <a:rPr lang="en-US" sz="1200" dirty="0" err="1" smtClean="0">
-                <a:solidFill>
-                  <a:srgbClr val="292934"/>
-                </a:solidFill>
-              </a:rPr>
-              <a:t>personEnterRestroom</a:t>
-            </a:r>
-            <a:r>
-              <a:rPr lang="en-US" sz="1200" dirty="0" smtClean="0">
-                <a:solidFill>
-                  <a:srgbClr val="292934"/>
-                </a:solidFill>
-              </a:rPr>
-              <a:t>() {…}</a:t>
-            </a:r>
-          </a:p>
-          <a:p>
-            <a:endParaRPr lang="en-US" sz="1200" dirty="0" smtClean="0">
-              <a:solidFill>
-                <a:srgbClr val="292934"/>
-              </a:solidFill>
-            </a:endParaRPr>
-          </a:p>
-          <a:p>
-            <a:r>
-              <a:rPr lang="en-US" sz="1200" dirty="0" err="1" smtClean="0">
-                <a:solidFill>
-                  <a:srgbClr val="292934"/>
-                </a:solidFill>
-              </a:rPr>
-              <a:t>personUseRestroom</a:t>
-            </a:r>
-            <a:r>
-              <a:rPr lang="en-US" sz="1200" dirty="0" smtClean="0">
-                <a:solidFill>
-                  <a:srgbClr val="292934"/>
-                </a:solidFill>
-              </a:rPr>
-              <a:t>() {…}</a:t>
-            </a:r>
-          </a:p>
-          <a:p>
-            <a:endParaRPr lang="en-US" sz="1200" dirty="0" smtClean="0">
-              <a:solidFill>
-                <a:srgbClr val="292934"/>
-              </a:solidFill>
-            </a:endParaRPr>
-          </a:p>
-          <a:p>
-            <a:r>
-              <a:rPr lang="en-US" sz="1200" dirty="0" err="1" smtClean="0">
-                <a:solidFill>
-                  <a:srgbClr val="292934"/>
-                </a:solidFill>
-              </a:rPr>
-              <a:t>personLeaveRestroom</a:t>
-            </a:r>
-            <a:r>
-              <a:rPr lang="en-US" sz="1200" dirty="0" smtClean="0">
-                <a:solidFill>
-                  <a:srgbClr val="292934"/>
-                </a:solidFill>
-              </a:rPr>
-              <a:t>() {…}</a:t>
-            </a:r>
-            <a:endParaRPr lang="en-US" sz="1200" dirty="0">
-              <a:solidFill>
-                <a:srgbClr val="292934"/>
-              </a:solidFill>
-            </a:endParaRPr>
-          </a:p>
-        </p:txBody>
-      </p:sp>
-      <p:sp useBgFill="1">
-        <p:nvSpPr>
-          <p:cNvPr id="10" name="Rectangle 9"/>
-          <p:cNvSpPr/>
-          <p:nvPr/>
-        </p:nvSpPr>
-        <p:spPr>
-          <a:xfrm>
-            <a:off x="4587801" y="2219875"/>
-            <a:ext cx="2378364" cy="322134"/>
-          </a:xfrm>
-          <a:prstGeom prst="rect">
-            <a:avLst/>
-          </a:prstGeom>
+          <a:noFill/>
           <a:ln>
-            <a:noFill/>
+            <a:solidFill>
+              <a:schemeClr val="accent1"/>
+            </a:solidFill>
           </a:ln>
           <a:effectLst/>
         </p:spPr>
@@ -8256,74 +10918,24 @@
           </a:fontRef>
         </p:style>
         <p:txBody>
-          <a:bodyPr rtlCol="0" anchor="t" anchorCtr="0"/>
+          <a:bodyPr rtlCol="0" anchor="ctr"/>
           <a:lstStyle/>
           <a:p>
-            <a:r>
-              <a:rPr lang="en-US" sz="1200" dirty="0" smtClean="0">
+            <a:pPr algn="ctr"/>
+            <a:r>
+              <a:rPr lang="en-US" dirty="0" smtClean="0">
                 <a:solidFill>
                   <a:srgbClr val="292934"/>
                 </a:solidFill>
+                <a:effectLst/>
               </a:rPr>
-              <a:t>hw.1.cpp</a:t>
-            </a:r>
-            <a:endParaRPr lang="en-US" sz="1200" dirty="0">
+              <a:t>Ready to test!</a:t>
+            </a:r>
+            <a:endParaRPr lang="en-US" dirty="0">
               <a:solidFill>
                 <a:srgbClr val="292934"/>
               </a:solidFill>
-            </a:endParaRPr>
-          </a:p>
-        </p:txBody>
-      </p:sp>
-      <p:sp useBgFill="1">
-        <p:nvSpPr>
-          <p:cNvPr id="15" name="Rectangle 14"/>
-          <p:cNvSpPr/>
-          <p:nvPr/>
-        </p:nvSpPr>
-        <p:spPr>
-          <a:xfrm>
-            <a:off x="4587801" y="5567022"/>
-            <a:ext cx="2378364" cy="322134"/>
-          </a:xfrm>
-          <a:prstGeom prst="rect">
-            <a:avLst/>
-          </a:prstGeom>
-          <a:ln>
-            <a:noFill/>
-          </a:ln>
-          <a:effectLst/>
-        </p:spPr>
-        <p:style>
-          <a:lnRef idx="1">
-            <a:schemeClr val="accent1"/>
-          </a:lnRef>
-          <a:fillRef idx="3">
-            <a:schemeClr val="accent1"/>
-          </a:fillRef>
-          <a:effectRef idx="2">
-            <a:schemeClr val="accent1"/>
-          </a:effectRef>
-          <a:fontRef idx="minor">
-            <a:schemeClr val="lt1"/>
-          </a:fontRef>
-        </p:style>
-        <p:txBody>
-          <a:bodyPr rtlCol="0" anchor="t" anchorCtr="0"/>
-          <a:lstStyle/>
-          <a:p>
-            <a:r>
-              <a:rPr lang="en-US" sz="1600" dirty="0" smtClean="0">
-                <a:solidFill>
-                  <a:srgbClr val="292934"/>
-                </a:solidFill>
-              </a:rPr>
-              <a:t>Ready to test!</a:t>
-            </a:r>
-            <a:endParaRPr lang="en-US" sz="1600" dirty="0">
-              <a:solidFill>
-                <a:srgbClr val="292934"/>
-              </a:solidFill>
+              <a:effectLst/>
             </a:endParaRPr>
           </a:p>
         </p:txBody>
@@ -8341,9 +10953,171 @@
   <p:timing>
     <p:tnLst>
       <p:par>
-        <p:cTn xmlns:p14="http://schemas.microsoft.com/office/powerpoint/2010/main" id="1" dur="indefinite" restart="never" nodeType="tmRoot"/>
+        <p:cTn xmlns:p14="http://schemas.microsoft.com/office/powerpoint/2010/main" id="1" dur="indefinite" restart="never" nodeType="tmRoot">
+          <p:childTnLst>
+            <p:seq concurrent="1" nextAc="seek">
+              <p:cTn id="2" dur="indefinite" nodeType="mainSeq">
+                <p:childTnLst>
+                  <p:par>
+                    <p:cTn id="3" fill="hold">
+                      <p:stCondLst>
+                        <p:cond delay="indefinite"/>
+                      </p:stCondLst>
+                      <p:childTnLst>
+                        <p:par>
+                          <p:cTn id="4" fill="hold">
+                            <p:stCondLst>
+                              <p:cond delay="0"/>
+                            </p:stCondLst>
+                            <p:childTnLst>
+                              <p:par>
+                                <p:cTn id="5" presetID="1" presetClass="entr" presetSubtype="0" fill="hold" grpId="0" nodeType="clickEffect">
+                                  <p:stCondLst>
+                                    <p:cond delay="0"/>
+                                  </p:stCondLst>
+                                  <p:childTnLst>
+                                    <p:set>
+                                      <p:cBhvr>
+                                        <p:cTn id="6" dur="1" fill="hold">
+                                          <p:stCondLst>
+                                            <p:cond delay="0"/>
+                                          </p:stCondLst>
+                                        </p:cTn>
+                                        <p:tgtEl>
+                                          <p:spTgt spid="4"/>
+                                        </p:tgtEl>
+                                        <p:attrNameLst>
+                                          <p:attrName>style.visibility</p:attrName>
+                                        </p:attrNameLst>
+                                      </p:cBhvr>
+                                      <p:to>
+                                        <p:strVal val="visible"/>
+                                      </p:to>
+                                    </p:set>
+                                  </p:childTnLst>
+                                </p:cTn>
+                              </p:par>
+                            </p:childTnLst>
+                          </p:cTn>
+                        </p:par>
+                      </p:childTnLst>
+                    </p:cTn>
+                  </p:par>
+                  <p:par>
+                    <p:cTn id="7" fill="hold">
+                      <p:stCondLst>
+                        <p:cond delay="indefinite"/>
+                      </p:stCondLst>
+                      <p:childTnLst>
+                        <p:par>
+                          <p:cTn id="8" fill="hold">
+                            <p:stCondLst>
+                              <p:cond delay="0"/>
+                            </p:stCondLst>
+                            <p:childTnLst>
+                              <p:par>
+                                <p:cTn id="9" presetID="1" presetClass="entr" presetSubtype="0" fill="hold" nodeType="clickEffect">
+                                  <p:stCondLst>
+                                    <p:cond delay="0"/>
+                                  </p:stCondLst>
+                                  <p:childTnLst>
+                                    <p:set>
+                                      <p:cBhvr>
+                                        <p:cTn id="10" dur="1" fill="hold">
+                                          <p:stCondLst>
+                                            <p:cond delay="0"/>
+                                          </p:stCondLst>
+                                        </p:cTn>
+                                        <p:tgtEl>
+                                          <p:spTgt spid="23"/>
+                                        </p:tgtEl>
+                                        <p:attrNameLst>
+                                          <p:attrName>style.visibility</p:attrName>
+                                        </p:attrNameLst>
+                                      </p:cBhvr>
+                                      <p:to>
+                                        <p:strVal val="visible"/>
+                                      </p:to>
+                                    </p:set>
+                                  </p:childTnLst>
+                                </p:cTn>
+                              </p:par>
+                            </p:childTnLst>
+                          </p:cTn>
+                        </p:par>
+                      </p:childTnLst>
+                    </p:cTn>
+                  </p:par>
+                  <p:par>
+                    <p:cTn id="11" fill="hold">
+                      <p:stCondLst>
+                        <p:cond delay="indefinite"/>
+                      </p:stCondLst>
+                      <p:childTnLst>
+                        <p:par>
+                          <p:cTn id="12" fill="hold">
+                            <p:stCondLst>
+                              <p:cond delay="0"/>
+                            </p:stCondLst>
+                            <p:childTnLst>
+                              <p:par>
+                                <p:cTn id="13" presetID="1" presetClass="entr" presetSubtype="0" fill="hold" grpId="0" nodeType="clickEffect">
+                                  <p:stCondLst>
+                                    <p:cond delay="0"/>
+                                  </p:stCondLst>
+                                  <p:childTnLst>
+                                    <p:set>
+                                      <p:cBhvr>
+                                        <p:cTn id="14" dur="1" fill="hold">
+                                          <p:stCondLst>
+                                            <p:cond delay="0"/>
+                                          </p:stCondLst>
+                                        </p:cTn>
+                                        <p:tgtEl>
+                                          <p:spTgt spid="25"/>
+                                        </p:tgtEl>
+                                        <p:attrNameLst>
+                                          <p:attrName>style.visibility</p:attrName>
+                                        </p:attrNameLst>
+                                      </p:cBhvr>
+                                      <p:to>
+                                        <p:strVal val="visible"/>
+                                      </p:to>
+                                    </p:set>
+                                  </p:childTnLst>
+                                </p:cTn>
+                              </p:par>
+                            </p:childTnLst>
+                          </p:cTn>
+                        </p:par>
+                      </p:childTnLst>
+                    </p:cTn>
+                  </p:par>
+                </p:childTnLst>
+              </p:cTn>
+              <p:prevCondLst>
+                <p:cond evt="onPrev" delay="0">
+                  <p:tgtEl>
+                    <p:sldTgt/>
+                  </p:tgtEl>
+                </p:cond>
+              </p:prevCondLst>
+              <p:nextCondLst>
+                <p:cond evt="onNext" delay="0">
+                  <p:tgtEl>
+                    <p:sldTgt/>
+                  </p:tgtEl>
+                </p:cond>
+              </p:nextCondLst>
+            </p:seq>
+          </p:childTnLst>
+        </p:cTn>
       </p:par>
     </p:tnLst>
+    <p:bldLst>
+      <p:bldP spid="4" grpId="0" animBg="1"/>
+      <p:bldP spid="25" grpId="0" animBg="1"/>
+    </p:bldLst>
   </p:timing>
 </p:sld>
 </file>
@@ -8427,7 +11201,7 @@
         </p:nvCxnSpPr>
         <p:spPr>
           <a:xfrm>
-            <a:off x="4569774" y="1721177"/>
+            <a:off x="4303074" y="1721177"/>
             <a:ext cx="11870" cy="4904506"/>
           </a:xfrm>
           <a:prstGeom prst="line">
@@ -8471,7 +11245,7 @@
           </p:nvSpPr>
           <p:spPr>
             <a:xfrm>
-              <a:off x="2682529" y="2968452"/>
+              <a:off x="2682529" y="3133552"/>
               <a:ext cx="1566767" cy="1015663"/>
             </a:xfrm>
             <a:prstGeom prst="rect">
@@ -8615,7 +11389,7 @@
                 <a:r>
                   <a:rPr lang="en-US" sz="1000" dirty="0">
                     <a:solidFill>
-                      <a:srgbClr val="FF0000"/>
+                      <a:schemeClr val="tx1"/>
                     </a:solidFill>
                   </a:rPr>
                   <a:t>Enter: 0 (female)</a:t>
@@ -8668,8 +11442,39 @@
                       <a:srgbClr val="FF0000"/>
                     </a:solidFill>
                   </a:rPr>
-                  <a:t>Enter: 3 (male)</a:t>
+                  <a:t>Enter: 3 (male</a:t>
                 </a:r>
+                <a:r>
+                  <a:rPr lang="en-US" sz="1000" dirty="0" smtClean="0">
+                    <a:solidFill>
+                      <a:srgbClr val="FF0000"/>
+                    </a:solidFill>
+                  </a:rPr>
+                  <a:t>)</a:t>
+                </a:r>
+              </a:p>
+              <a:p>
+                <a:r>
+                  <a:rPr lang="en-US" sz="1000" dirty="0">
+                    <a:solidFill>
+                      <a:srgbClr val="FF0000"/>
+                    </a:solidFill>
+                  </a:rPr>
+                  <a:t>Using: 1 (male</a:t>
+                </a:r>
+                <a:r>
+                  <a:rPr lang="en-US" sz="1000" dirty="0" smtClean="0">
+                    <a:solidFill>
+                      <a:srgbClr val="FF0000"/>
+                    </a:solidFill>
+                  </a:rPr>
+                  <a:t>)</a:t>
+                </a:r>
+                <a:endParaRPr lang="en-US" sz="1000" dirty="0">
+                  <a:solidFill>
+                    <a:srgbClr val="FF0000"/>
+                  </a:solidFill>
+                </a:endParaRPr>
               </a:p>
               <a:p>
                 <a:r>
@@ -8713,22 +11518,20 @@
               </a:p>
               <a:p>
                 <a:r>
-                  <a:rPr lang="en-US" sz="1000" dirty="0">
+                  <a:rPr lang="en-US" sz="1000" dirty="0" smtClean="0">
                     <a:solidFill>
                       <a:srgbClr val="292934"/>
                     </a:solidFill>
                   </a:rPr>
-                  <a:t>Using: 1 (male)</a:t>
+                  <a:t>Using</a:t>
                 </a:r>
-              </a:p>
-              <a:p>
                 <a:r>
                   <a:rPr lang="en-US" sz="1000" dirty="0">
                     <a:solidFill>
                       <a:srgbClr val="292934"/>
                     </a:solidFill>
                   </a:rPr>
-                  <a:t>Using: 3 (male)</a:t>
+                  <a:t>: 3 (male)</a:t>
                 </a:r>
               </a:p>
               <a:p>
@@ -8761,7 +11564,7 @@
             </p:nvSpPr>
             <p:spPr>
               <a:xfrm>
-                <a:off x="1543041" y="3032108"/>
+                <a:off x="1543041" y="3197208"/>
                 <a:ext cx="1139489" cy="901894"/>
               </a:xfrm>
               <a:prstGeom prst="rightBrace">
@@ -9145,7 +11948,7 @@
         </p:nvSpPr>
         <p:spPr>
           <a:xfrm>
-            <a:off x="4981742" y="5080865"/>
+            <a:off x="4689642" y="5055465"/>
             <a:ext cx="3705058" cy="1077218"/>
           </a:xfrm>
           <a:prstGeom prst="rect">
@@ -9203,269 +12006,58 @@
               <a:rPr lang="en-US" sz="1600" dirty="0">
                 <a:sym typeface="Wingdings"/>
               </a:rPr>
-              <a:t>a</a:t>
+              <a:t>r</a:t>
             </a:r>
             <a:r>
               <a:rPr lang="en-US" sz="1600" dirty="0" smtClean="0">
                 <a:sym typeface="Wingdings"/>
               </a:rPr>
-              <a:t>chieving high schedule coverage </a:t>
-            </a:r>
+              <a:t>unning on multiple schedules</a:t>
+            </a:r>
+            <a:endParaRPr lang="en-US" sz="1600" dirty="0" smtClean="0">
+              <a:sym typeface="Wingdings"/>
+            </a:endParaRPr>
+          </a:p>
+        </p:txBody>
+      </p:sp>
+      <p:sp>
+        <p:nvSpPr>
+          <p:cNvPr id="4" name="Slide Number Placeholder 3"/>
+          <p:cNvSpPr>
+            <a:spLocks noGrp="1"/>
+          </p:cNvSpPr>
+          <p:nvPr>
+            <p:ph type="sldNum" sz="quarter" idx="12"/>
+          </p:nvPr>
+        </p:nvSpPr>
+        <p:spPr/>
+        <p:txBody>
+          <a:bodyPr/>
+          <a:lstStyle/>
+          <a:p>
+            <a:fld id="{0CFEC368-1D7A-4F81-ABF6-AE0E36BAF64C}" type="slidenum">
+              <a:rPr lang="en-US" smtClean="0"/>
+              <a:pPr/>
+              <a:t>4</a:t>
+            </a:fld>
+            <a:endParaRPr lang="en-US"/>
           </a:p>
         </p:txBody>
       </p:sp>
       <p:grpSp>
         <p:nvGrpSpPr>
-          <p:cNvPr id="22" name="Group 21"/>
+          <p:cNvPr id="40" name="Group 39"/>
           <p:cNvGrpSpPr/>
           <p:nvPr/>
         </p:nvGrpSpPr>
         <p:grpSpPr>
           <a:xfrm>
-            <a:off x="4721063" y="1792470"/>
-            <a:ext cx="4291186" cy="2797538"/>
-            <a:chOff x="4721063" y="1792470"/>
-            <a:chExt cx="4291186" cy="2797538"/>
+            <a:off x="4454363" y="1633245"/>
+            <a:ext cx="4562150" cy="3020263"/>
+            <a:chOff x="4454363" y="1633245"/>
+            <a:chExt cx="4562150" cy="3020263"/>
           </a:xfrm>
         </p:grpSpPr>
-        <p:grpSp>
-          <p:nvGrpSpPr>
-            <p:cNvPr id="18" name="Group 17"/>
-            <p:cNvGrpSpPr/>
-            <p:nvPr/>
-          </p:nvGrpSpPr>
-          <p:grpSpPr>
-            <a:xfrm>
-              <a:off x="7462523" y="2041543"/>
-              <a:ext cx="1549726" cy="497409"/>
-              <a:chOff x="7336424" y="1834382"/>
-              <a:chExt cx="1752423" cy="497409"/>
-            </a:xfrm>
-          </p:grpSpPr>
-          <p:grpSp>
-            <p:nvGrpSpPr>
-              <p:cNvPr id="13" name="Group 12"/>
-              <p:cNvGrpSpPr/>
-              <p:nvPr/>
-            </p:nvGrpSpPr>
-            <p:grpSpPr>
-              <a:xfrm>
-                <a:off x="7360317" y="1834382"/>
-                <a:ext cx="1728530" cy="263907"/>
-                <a:chOff x="4887199" y="1766837"/>
-                <a:chExt cx="1728530" cy="263907"/>
-              </a:xfrm>
-            </p:grpSpPr>
-            <p:sp useBgFill="1">
-              <p:nvSpPr>
-                <p:cNvPr id="37" name="Rectangle 36"/>
-                <p:cNvSpPr/>
-                <p:nvPr/>
-              </p:nvSpPr>
-              <p:spPr>
-                <a:xfrm>
-                  <a:off x="5428642" y="1766837"/>
-                  <a:ext cx="1187087" cy="210498"/>
-                </a:xfrm>
-                <a:prstGeom prst="rect">
-                  <a:avLst/>
-                </a:prstGeom>
-                <a:ln>
-                  <a:noFill/>
-                </a:ln>
-                <a:effectLst/>
-              </p:spPr>
-              <p:style>
-                <a:lnRef idx="1">
-                  <a:schemeClr val="accent1"/>
-                </a:lnRef>
-                <a:fillRef idx="3">
-                  <a:schemeClr val="accent1"/>
-                </a:fillRef>
-                <a:effectRef idx="2">
-                  <a:schemeClr val="accent1"/>
-                </a:effectRef>
-                <a:fontRef idx="minor">
-                  <a:schemeClr val="lt1"/>
-                </a:fontRef>
-              </p:style>
-              <p:txBody>
-                <a:bodyPr rtlCol="0" anchor="t" anchorCtr="0"/>
-                <a:lstStyle/>
-                <a:p>
-                  <a:r>
-                    <a:rPr lang="en-US" sz="1200" dirty="0">
-                      <a:solidFill>
-                        <a:srgbClr val="292934"/>
-                      </a:solidFill>
-                    </a:rPr>
-                    <a:t>r</a:t>
-                  </a:r>
-                  <a:r>
-                    <a:rPr lang="en-US" sz="1200" dirty="0" smtClean="0">
-                      <a:solidFill>
-                        <a:srgbClr val="292934"/>
-                      </a:solidFill>
-                    </a:rPr>
-                    <a:t>un test</a:t>
-                  </a:r>
-                  <a:endParaRPr lang="en-US" sz="1200" dirty="0">
-                    <a:solidFill>
-                      <a:srgbClr val="292934"/>
-                    </a:solidFill>
-                  </a:endParaRPr>
-                </a:p>
-              </p:txBody>
-            </p:sp>
-            <p:cxnSp>
-              <p:nvCxnSpPr>
-                <p:cNvPr id="38" name="Curved Connector 37"/>
-                <p:cNvCxnSpPr/>
-                <p:nvPr/>
-              </p:nvCxnSpPr>
-              <p:spPr>
-                <a:xfrm flipV="1">
-                  <a:off x="4887199" y="1923923"/>
-                  <a:ext cx="564535" cy="106821"/>
-                </a:xfrm>
-                <a:prstGeom prst="curvedConnector3">
-                  <a:avLst>
-                    <a:gd name="adj1" fmla="val 50000"/>
-                  </a:avLst>
-                </a:prstGeom>
-                <a:ln>
-                  <a:tailEnd type="arrow"/>
-                </a:ln>
-              </p:spPr>
-              <p:style>
-                <a:lnRef idx="2">
-                  <a:schemeClr val="accent1"/>
-                </a:lnRef>
-                <a:fillRef idx="0">
-                  <a:schemeClr val="accent1"/>
-                </a:fillRef>
-                <a:effectRef idx="1">
-                  <a:schemeClr val="accent1"/>
-                </a:effectRef>
-                <a:fontRef idx="minor">
-                  <a:schemeClr val="tx1"/>
-                </a:fontRef>
-              </p:style>
-            </p:cxnSp>
-          </p:grpSp>
-          <p:grpSp>
-            <p:nvGrpSpPr>
-              <p:cNvPr id="10" name="Group 9"/>
-              <p:cNvGrpSpPr/>
-              <p:nvPr/>
-            </p:nvGrpSpPr>
-            <p:grpSpPr>
-              <a:xfrm>
-                <a:off x="7336424" y="2067884"/>
-                <a:ext cx="1728530" cy="263907"/>
-                <a:chOff x="6570829" y="1788667"/>
-                <a:chExt cx="1728530" cy="263907"/>
-              </a:xfrm>
-            </p:grpSpPr>
-            <p:sp useBgFill="1">
-              <p:nvSpPr>
-                <p:cNvPr id="43" name="Rectangle 42"/>
-                <p:cNvSpPr/>
-                <p:nvPr/>
-              </p:nvSpPr>
-              <p:spPr>
-                <a:xfrm>
-                  <a:off x="7112272" y="1788667"/>
-                  <a:ext cx="1187087" cy="210498"/>
-                </a:xfrm>
-                <a:prstGeom prst="rect">
-                  <a:avLst/>
-                </a:prstGeom>
-                <a:ln>
-                  <a:noFill/>
-                </a:ln>
-                <a:effectLst/>
-              </p:spPr>
-              <p:style>
-                <a:lnRef idx="1">
-                  <a:schemeClr val="accent1"/>
-                </a:lnRef>
-                <a:fillRef idx="3">
-                  <a:schemeClr val="accent1"/>
-                </a:fillRef>
-                <a:effectRef idx="2">
-                  <a:schemeClr val="accent1"/>
-                </a:effectRef>
-                <a:fontRef idx="minor">
-                  <a:schemeClr val="lt1"/>
-                </a:fontRef>
-              </p:style>
-              <p:txBody>
-                <a:bodyPr rtlCol="0" anchor="t" anchorCtr="0"/>
-                <a:lstStyle/>
-                <a:p>
-                  <a:r>
-                    <a:rPr lang="en-US" sz="1200" dirty="0">
-                      <a:solidFill>
-                        <a:srgbClr val="292934"/>
-                      </a:solidFill>
-                    </a:rPr>
-                    <a:t>u</a:t>
-                  </a:r>
-                  <a:r>
-                    <a:rPr lang="en-US" sz="1200" dirty="0" smtClean="0">
-                      <a:solidFill>
-                        <a:srgbClr val="292934"/>
-                      </a:solidFill>
-                    </a:rPr>
-                    <a:t>pdate code</a:t>
-                  </a:r>
-                  <a:endParaRPr lang="en-US" sz="1200" dirty="0">
-                    <a:solidFill>
-                      <a:srgbClr val="292934"/>
-                    </a:solidFill>
-                  </a:endParaRPr>
-                </a:p>
-              </p:txBody>
-            </p:sp>
-            <p:cxnSp>
-              <p:nvCxnSpPr>
-                <p:cNvPr id="44" name="Curved Connector 43"/>
-                <p:cNvCxnSpPr/>
-                <p:nvPr/>
-              </p:nvCxnSpPr>
-              <p:spPr>
-                <a:xfrm flipV="1">
-                  <a:off x="6570829" y="1945753"/>
-                  <a:ext cx="564535" cy="106821"/>
-                </a:xfrm>
-                <a:prstGeom prst="curvedConnector3">
-                  <a:avLst>
-                    <a:gd name="adj1" fmla="val 50000"/>
-                  </a:avLst>
-                </a:prstGeom>
-                <a:ln>
-                  <a:prstDash val="sysDot"/>
-                  <a:tailEnd type="arrow"/>
-                </a:ln>
-              </p:spPr>
-              <p:style>
-                <a:lnRef idx="2">
-                  <a:schemeClr val="accent1"/>
-                </a:lnRef>
-                <a:fillRef idx="0">
-                  <a:schemeClr val="accent1"/>
-                </a:fillRef>
-                <a:effectRef idx="1">
-                  <a:schemeClr val="accent1"/>
-                </a:effectRef>
-                <a:fontRef idx="minor">
-                  <a:schemeClr val="tx1"/>
-                </a:fontRef>
-              </p:style>
-            </p:cxnSp>
-          </p:grpSp>
-        </p:grpSp>
         <p:grpSp>
           <p:nvGrpSpPr>
             <p:cNvPr id="5" name="Group 4"/>
@@ -9474,10 +12066,10 @@
           </p:nvGrpSpPr>
           <p:grpSpPr>
             <a:xfrm>
-              <a:off x="4721063" y="2179457"/>
-              <a:ext cx="4098011" cy="2410551"/>
-              <a:chOff x="4721063" y="2062366"/>
-              <a:chExt cx="4098011" cy="2410551"/>
+              <a:off x="4454363" y="1987950"/>
+              <a:ext cx="4098011" cy="2665558"/>
+              <a:chOff x="4721063" y="1807359"/>
+              <a:chExt cx="4098011" cy="2665558"/>
             </a:xfrm>
           </p:grpSpPr>
           <p:sp useBgFill="1">
@@ -9914,9 +12506,9 @@
               <p:nvPr/>
             </p:nvSpPr>
             <p:spPr>
-              <a:xfrm>
-                <a:off x="5768803" y="2062366"/>
-                <a:ext cx="77063" cy="99567"/>
+              <a:xfrm flipV="1">
+                <a:off x="6413368" y="1807359"/>
+                <a:ext cx="96368" cy="107550"/>
               </a:xfrm>
               <a:prstGeom prst="ellipse">
                 <a:avLst/>
@@ -9949,14 +12541,15 @@
             <p:nvCxnSpPr>
               <p:cNvPr id="51" name="Straight Arrow Connector 50"/>
               <p:cNvCxnSpPr>
-                <a:stCxn id="49" idx="5"/>
+                <a:stCxn id="49" idx="7"/>
+                <a:endCxn id="17" idx="0"/>
               </p:cNvCxnSpPr>
               <p:nvPr/>
             </p:nvCxnSpPr>
             <p:spPr>
               <a:xfrm>
-                <a:off x="5834580" y="2147352"/>
-                <a:ext cx="369675" cy="209834"/>
+                <a:off x="6495623" y="1899159"/>
+                <a:ext cx="120105" cy="333968"/>
               </a:xfrm>
               <a:prstGeom prst="straightConnector1">
                 <a:avLst/>
@@ -9989,8 +12582,8 @@
           </p:nvSpPr>
           <p:spPr>
             <a:xfrm>
-              <a:off x="4901192" y="1792470"/>
-              <a:ext cx="2329539" cy="338554"/>
+              <a:off x="5209483" y="1633245"/>
+              <a:ext cx="1671169" cy="338554"/>
             </a:xfrm>
             <a:prstGeom prst="rect">
               <a:avLst/>
@@ -10005,12 +12598,297 @@
             <a:p>
               <a:r>
                 <a:rPr lang="en-US" sz="1600" dirty="0" smtClean="0"/>
-                <a:t>Test Run States</a:t>
+                <a:t>Test Run </a:t>
+              </a:r>
+              <a:r>
+                <a:rPr lang="en-US" sz="1600" dirty="0" smtClean="0"/>
+                <a:t>States</a:t>
               </a:r>
               <a:endParaRPr lang="en-US" sz="1600" dirty="0"/>
             </a:p>
           </p:txBody>
         </p:sp>
+        <p:grpSp>
+          <p:nvGrpSpPr>
+            <p:cNvPr id="28" name="Group 27"/>
+            <p:cNvGrpSpPr/>
+            <p:nvPr/>
+          </p:nvGrpSpPr>
+          <p:grpSpPr>
+            <a:xfrm>
+              <a:off x="7102652" y="1651000"/>
+              <a:ext cx="1913861" cy="899477"/>
+              <a:chOff x="6975652" y="1600200"/>
+              <a:chExt cx="1913861" cy="899477"/>
+            </a:xfrm>
+          </p:grpSpPr>
+          <p:grpSp>
+            <p:nvGrpSpPr>
+              <p:cNvPr id="13" name="Group 12"/>
+              <p:cNvGrpSpPr/>
+              <p:nvPr/>
+            </p:nvGrpSpPr>
+            <p:grpSpPr>
+              <a:xfrm>
+                <a:off x="6975652" y="1685942"/>
+                <a:ext cx="1901647" cy="540401"/>
+                <a:chOff x="4312759" y="1411236"/>
+                <a:chExt cx="2150377" cy="540401"/>
+              </a:xfrm>
+            </p:grpSpPr>
+            <p:sp useBgFill="1">
+              <p:nvSpPr>
+                <p:cNvPr id="37" name="Rectangle 36"/>
+                <p:cNvSpPr/>
+                <p:nvPr/>
+              </p:nvSpPr>
+              <p:spPr>
+                <a:xfrm>
+                  <a:off x="4312759" y="1411236"/>
+                  <a:ext cx="2150377" cy="540401"/>
+                </a:xfrm>
+                <a:prstGeom prst="rect">
+                  <a:avLst/>
+                </a:prstGeom>
+                <a:ln>
+                  <a:noFill/>
+                </a:ln>
+                <a:effectLst/>
+              </p:spPr>
+              <p:style>
+                <a:lnRef idx="1">
+                  <a:schemeClr val="accent1"/>
+                </a:lnRef>
+                <a:fillRef idx="3">
+                  <a:schemeClr val="accent1"/>
+                </a:fillRef>
+                <a:effectRef idx="2">
+                  <a:schemeClr val="accent1"/>
+                </a:effectRef>
+                <a:fontRef idx="minor">
+                  <a:schemeClr val="lt1"/>
+                </a:fontRef>
+              </p:style>
+              <p:txBody>
+                <a:bodyPr rtlCol="0" anchor="t" anchorCtr="0"/>
+                <a:lstStyle/>
+                <a:p>
+                  <a:pPr algn="ctr"/>
+                  <a:r>
+                    <a:rPr lang="en-US" sz="1200" dirty="0" smtClean="0">
+                      <a:solidFill>
+                        <a:srgbClr val="292934"/>
+                      </a:solidFill>
+                    </a:rPr>
+                    <a:t>                        run test </a:t>
+                  </a:r>
+                </a:p>
+                <a:p>
+                  <a:pPr algn="r"/>
+                  <a:r>
+                    <a:rPr lang="en-US" sz="1200" dirty="0" smtClean="0">
+                      <a:solidFill>
+                        <a:srgbClr val="292934"/>
+                      </a:solidFill>
+                    </a:rPr>
+                    <a:t>(dependent on schedule)</a:t>
+                  </a:r>
+                  <a:endParaRPr lang="en-US" sz="1200" dirty="0">
+                    <a:solidFill>
+                      <a:srgbClr val="292934"/>
+                    </a:solidFill>
+                  </a:endParaRPr>
+                </a:p>
+              </p:txBody>
+            </p:sp>
+            <p:cxnSp>
+              <p:nvCxnSpPr>
+                <p:cNvPr id="38" name="Curved Connector 37"/>
+                <p:cNvCxnSpPr/>
+                <p:nvPr/>
+              </p:nvCxnSpPr>
+              <p:spPr>
+                <a:xfrm flipV="1">
+                  <a:off x="4944648" y="1530223"/>
+                  <a:ext cx="564535" cy="106821"/>
+                </a:xfrm>
+                <a:prstGeom prst="curvedConnector3">
+                  <a:avLst>
+                    <a:gd name="adj1" fmla="val 50000"/>
+                  </a:avLst>
+                </a:prstGeom>
+                <a:ln>
+                  <a:tailEnd type="arrow"/>
+                </a:ln>
+              </p:spPr>
+              <p:style>
+                <a:lnRef idx="2">
+                  <a:schemeClr val="accent1"/>
+                </a:lnRef>
+                <a:fillRef idx="0">
+                  <a:schemeClr val="accent1"/>
+                </a:fillRef>
+                <a:effectRef idx="1">
+                  <a:schemeClr val="accent1"/>
+                </a:effectRef>
+                <a:fontRef idx="minor">
+                  <a:schemeClr val="tx1"/>
+                </a:fontRef>
+              </p:style>
+            </p:cxnSp>
+          </p:grpSp>
+          <p:grpSp>
+            <p:nvGrpSpPr>
+              <p:cNvPr id="10" name="Group 9"/>
+              <p:cNvGrpSpPr/>
+              <p:nvPr/>
+            </p:nvGrpSpPr>
+            <p:grpSpPr>
+              <a:xfrm>
+                <a:off x="7360919" y="2160745"/>
+                <a:ext cx="1528594" cy="263907"/>
+                <a:chOff x="6455941" y="1674367"/>
+                <a:chExt cx="1728530" cy="263907"/>
+              </a:xfrm>
+            </p:grpSpPr>
+            <p:sp useBgFill="1">
+              <p:nvSpPr>
+                <p:cNvPr id="43" name="Rectangle 42"/>
+                <p:cNvSpPr/>
+                <p:nvPr/>
+              </p:nvSpPr>
+              <p:spPr>
+                <a:xfrm>
+                  <a:off x="6997384" y="1674367"/>
+                  <a:ext cx="1187087" cy="210498"/>
+                </a:xfrm>
+                <a:prstGeom prst="rect">
+                  <a:avLst/>
+                </a:prstGeom>
+                <a:ln>
+                  <a:noFill/>
+                </a:ln>
+                <a:effectLst/>
+              </p:spPr>
+              <p:style>
+                <a:lnRef idx="1">
+                  <a:schemeClr val="accent1"/>
+                </a:lnRef>
+                <a:fillRef idx="3">
+                  <a:schemeClr val="accent1"/>
+                </a:fillRef>
+                <a:effectRef idx="2">
+                  <a:schemeClr val="accent1"/>
+                </a:effectRef>
+                <a:fontRef idx="minor">
+                  <a:schemeClr val="lt1"/>
+                </a:fontRef>
+              </p:style>
+              <p:txBody>
+                <a:bodyPr rtlCol="0" anchor="t" anchorCtr="0"/>
+                <a:lstStyle/>
+                <a:p>
+                  <a:r>
+                    <a:rPr lang="en-US" sz="1200" dirty="0">
+                      <a:solidFill>
+                        <a:srgbClr val="292934"/>
+                      </a:solidFill>
+                    </a:rPr>
+                    <a:t>u</a:t>
+                  </a:r>
+                  <a:r>
+                    <a:rPr lang="en-US" sz="1200" dirty="0" smtClean="0">
+                      <a:solidFill>
+                        <a:srgbClr val="292934"/>
+                      </a:solidFill>
+                    </a:rPr>
+                    <a:t>pdate code</a:t>
+                  </a:r>
+                  <a:endParaRPr lang="en-US" sz="1200" dirty="0">
+                    <a:solidFill>
+                      <a:srgbClr val="292934"/>
+                    </a:solidFill>
+                  </a:endParaRPr>
+                </a:p>
+              </p:txBody>
+            </p:sp>
+            <p:cxnSp>
+              <p:nvCxnSpPr>
+                <p:cNvPr id="44" name="Curved Connector 43"/>
+                <p:cNvCxnSpPr/>
+                <p:nvPr/>
+              </p:nvCxnSpPr>
+              <p:spPr>
+                <a:xfrm flipV="1">
+                  <a:off x="6455941" y="1831453"/>
+                  <a:ext cx="564535" cy="106821"/>
+                </a:xfrm>
+                <a:prstGeom prst="curvedConnector3">
+                  <a:avLst>
+                    <a:gd name="adj1" fmla="val 50000"/>
+                  </a:avLst>
+                </a:prstGeom>
+                <a:ln>
+                  <a:prstDash val="sysDot"/>
+                  <a:tailEnd type="arrow"/>
+                </a:ln>
+              </p:spPr>
+              <p:style>
+                <a:lnRef idx="2">
+                  <a:schemeClr val="accent1"/>
+                </a:lnRef>
+                <a:fillRef idx="0">
+                  <a:schemeClr val="accent1"/>
+                </a:fillRef>
+                <a:effectRef idx="1">
+                  <a:schemeClr val="accent1"/>
+                </a:effectRef>
+                <a:fontRef idx="minor">
+                  <a:schemeClr val="tx1"/>
+                </a:fontRef>
+              </p:style>
+            </p:cxnSp>
+          </p:grpSp>
+          <p:sp>
+            <p:nvSpPr>
+              <p:cNvPr id="23" name="Rectangle 22"/>
+              <p:cNvSpPr/>
+              <p:nvPr/>
+            </p:nvSpPr>
+            <p:spPr>
+              <a:xfrm>
+                <a:off x="7037901" y="1600200"/>
+                <a:ext cx="1838912" cy="899477"/>
+              </a:xfrm>
+              <a:prstGeom prst="rect">
+                <a:avLst/>
+              </a:prstGeom>
+              <a:noFill/>
+            </p:spPr>
+            <p:style>
+              <a:lnRef idx="1">
+                <a:schemeClr val="accent1"/>
+              </a:lnRef>
+              <a:fillRef idx="3">
+                <a:schemeClr val="accent1"/>
+              </a:fillRef>
+              <a:effectRef idx="2">
+                <a:schemeClr val="accent1"/>
+              </a:effectRef>
+              <a:fontRef idx="minor">
+                <a:schemeClr val="lt1"/>
+              </a:fontRef>
+            </p:style>
+            <p:txBody>
+              <a:bodyPr rtlCol="0" anchor="ctr"/>
+              <a:lstStyle/>
+              <a:p>
+                <a:pPr algn="ctr"/>
+                <a:endParaRPr lang="en-US"/>
+              </a:p>
+            </p:txBody>
+          </p:sp>
+        </p:grpSp>
       </p:grpSp>
     </p:spTree>
     <p:extLst>
@@ -10069,39 +12947,25 @@
                                   </p:childTnLst>
                                 </p:cTn>
                               </p:par>
-                            </p:childTnLst>
-                          </p:cTn>
-                        </p:par>
-                      </p:childTnLst>
-                    </p:cTn>
-                  </p:par>
-                  <p:par>
-                    <p:cTn id="7" fill="hold">
-                      <p:stCondLst>
-                        <p:cond delay="indefinite"/>
-                      </p:stCondLst>
-                      <p:childTnLst>
-                        <p:par>
-                          <p:cTn id="8" fill="hold">
-                            <p:stCondLst>
-                              <p:cond delay="0"/>
-                            </p:stCondLst>
-                            <p:childTnLst>
                               <p:par>
-                                <p:cTn id="9" presetID="1" presetClass="entr" presetSubtype="0" fill="hold" nodeType="clickEffect">
+                                <p:cTn id="7" presetID="1" presetClass="entr" presetSubtype="0" fill="hold" grpId="0" nodeType="withEffect">
                                   <p:stCondLst>
                                     <p:cond delay="0"/>
                                   </p:stCondLst>
                                   <p:childTnLst>
                                     <p:set>
                                       <p:cBhvr>
-                                        <p:cTn id="10" dur="1" fill="hold">
+                                        <p:cTn id="8" dur="1" fill="hold">
                                           <p:stCondLst>
                                             <p:cond delay="0"/>
                                           </p:stCondLst>
                                         </p:cTn>
                                         <p:tgtEl>
-                                          <p:spTgt spid="56"/>
+                                          <p:spTgt spid="3">
+                                            <p:txEl>
+                                              <p:pRg st="0" end="0"/>
+                                            </p:txEl>
+                                          </p:spTgt>
                                         </p:tgtEl>
                                         <p:attrNameLst>
                                           <p:attrName>style.visibility</p:attrName>
@@ -10114,8 +12978,26 @@
                                   </p:childTnLst>
                                 </p:cTn>
                               </p:par>
+                            </p:childTnLst>
+                          </p:cTn>
+                        </p:par>
+                      </p:childTnLst>
+                    </p:cTn>
+                  </p:par>
+                  <p:par>
+                    <p:cTn id="9" fill="hold">
+                      <p:stCondLst>
+                        <p:cond delay="indefinite"/>
+                      </p:stCondLst>
+                      <p:childTnLst>
+                        <p:par>
+                          <p:cTn id="10" fill="hold">
+                            <p:stCondLst>
+                              <p:cond delay="0"/>
+                            </p:stCondLst>
+                            <p:childTnLst>
                               <p:par>
-                                <p:cTn id="11" presetID="1" presetClass="entr" presetSubtype="0" fill="hold" grpId="0" nodeType="withEffect">
+                                <p:cTn id="11" presetID="1" presetClass="entr" presetSubtype="0" fill="hold" nodeType="clickEffect">
                                   <p:stCondLst>
                                     <p:cond delay="0"/>
                                   </p:stCondLst>
@@ -10128,11 +13010,7 @@
                                           </p:stCondLst>
                                         </p:cTn>
                                         <p:tgtEl>
-                                          <p:spTgt spid="3">
-                                            <p:txEl>
-                                              <p:pRg st="0" end="0"/>
-                                            </p:txEl>
-                                          </p:spTgt>
+                                          <p:spTgt spid="56"/>
                                         </p:tgtEl>
                                         <p:attrNameLst>
                                           <p:attrName>style.visibility</p:attrName>
@@ -10177,7 +13055,7 @@
                                           </p:stCondLst>
                                         </p:cTn>
                                         <p:tgtEl>
-                                          <p:spTgt spid="22"/>
+                                          <p:spTgt spid="40"/>
                                         </p:tgtEl>
                                         <p:attrNameLst>
                                           <p:attrName>style.visibility</p:attrName>
@@ -10304,7 +13182,11 @@
           <a:p>
             <a:r>
               <a:rPr lang="en-US" dirty="0" smtClean="0"/>
-              <a:t>Problem &amp; Proposed Solution</a:t>
+              <a:t>Problem &amp; </a:t>
+            </a:r>
+            <a:r>
+              <a:rPr lang="en-US" dirty="0" smtClean="0"/>
+              <a:t>Proposed Solution</a:t>
             </a:r>
             <a:endParaRPr lang="en-US" dirty="0"/>
           </a:p>
@@ -10329,18 +13211,39 @@
           <a:p>
             <a:r>
               <a:rPr lang="en-US" dirty="0" smtClean="0"/>
-              <a:t>Problem space:</a:t>
-            </a:r>
+              <a:t>Problem:</a:t>
+            </a:r>
+            <a:endParaRPr lang="en-US" dirty="0" smtClean="0"/>
           </a:p>
           <a:p>
             <a:pPr lvl="1"/>
             <a:r>
               <a:rPr lang="en-US" dirty="0" smtClean="0"/>
-              <a:t>Students have insufficient resources to adequately determine if their multithreaded program is free from deadlock and/or race conditions.  Testing </a:t>
+              <a:t>Students have insufficient resources to adequately determine if their multithreaded program is free from deadlock and/or race conditions.  </a:t>
+            </a:r>
+            <a:endParaRPr lang="en-US" dirty="0" smtClean="0"/>
+          </a:p>
+          <a:p>
+            <a:pPr lvl="1"/>
+            <a:r>
+              <a:rPr lang="en-US" dirty="0" smtClean="0"/>
+              <a:t>Testing </a:t>
             </a:r>
             <a:r>
               <a:rPr lang="en-US" dirty="0"/>
-              <a:t>alone is insufficient because many conditions require specific schedules that are not exercised.  This leads to the need of a tool that assists students in finding and removing synchronization bugs. </a:t>
+              <a:t>alone is insufficient because many conditions require specific schedules that are not exercised.  </a:t>
+            </a:r>
+            <a:endParaRPr lang="en-US" dirty="0" smtClean="0"/>
+          </a:p>
+          <a:p>
+            <a:pPr lvl="1"/>
+            <a:r>
+              <a:rPr lang="en-US" dirty="0" smtClean="0"/>
+              <a:t>This </a:t>
+            </a:r>
+            <a:r>
+              <a:rPr lang="en-US" dirty="0"/>
+              <a:t>leads to the need of a tool that assists students in finding and removing synchronization bugs. </a:t>
             </a:r>
             <a:endParaRPr lang="en-US" dirty="0" smtClean="0"/>
           </a:p>
@@ -10362,7 +13265,15 @@
             </a:r>
             <a:r>
               <a:rPr lang="en-US" dirty="0"/>
-              <a:t>a testing a debugging </a:t>
+              <a:t>a testing </a:t>
+            </a:r>
+            <a:r>
+              <a:rPr lang="en-US" dirty="0" smtClean="0"/>
+              <a:t>and </a:t>
+            </a:r>
+            <a:r>
+              <a:rPr lang="en-US" dirty="0"/>
+              <a:t>debugging </a:t>
             </a:r>
             <a:r>
               <a:rPr lang="en-US" dirty="0" smtClean="0"/>
@@ -10376,6 +13287,30 @@
               <a:rPr lang="en-US" dirty="0" smtClean="0"/>
               <a:t>synchronization</a:t>
             </a:r>
+          </a:p>
+        </p:txBody>
+      </p:sp>
+      <p:sp>
+        <p:nvSpPr>
+          <p:cNvPr id="4" name="Slide Number Placeholder 3"/>
+          <p:cNvSpPr>
+            <a:spLocks noGrp="1"/>
+          </p:cNvSpPr>
+          <p:nvPr>
+            <p:ph type="sldNum" sz="quarter" idx="12"/>
+          </p:nvPr>
+        </p:nvSpPr>
+        <p:spPr/>
+        <p:txBody>
+          <a:bodyPr/>
+          <a:lstStyle/>
+          <a:p>
+            <a:fld id="{0CFEC368-1D7A-4F81-ABF6-AE0E36BAF64C}" type="slidenum">
+              <a:rPr lang="en-US" smtClean="0"/>
+              <a:pPr/>
+              <a:t>5</a:t>
+            </a:fld>
+            <a:endParaRPr lang="en-US"/>
           </a:p>
         </p:txBody>
       </p:sp>
@@ -10563,7 +13498,7 @@
           <p:nvPr/>
         </p:nvPicPr>
         <p:blipFill rotWithShape="1">
-          <a:blip r:embed="rId2"/>
+          <a:blip r:embed="rId3"/>
           <a:srcRect b="4593"/>
           <a:stretch/>
         </p:blipFill>
@@ -10596,7 +13531,7 @@
         </p:spPr>
         <p:txBody>
           <a:bodyPr vert="horz" lIns="91440" tIns="45720" rIns="91440" bIns="45720" rtlCol="0">
-            <a:normAutofit/>
+            <a:normAutofit fontScale="92500" lnSpcReduction="10000"/>
           </a:bodyPr>
           <a:lstStyle>
             <a:lvl1pPr marL="182880" indent="-182880" algn="l" defTabSz="914400" rtl="0" eaLnBrk="1" latinLnBrk="0" hangingPunct="1">
@@ -10800,17 +13735,37 @@
             </a:r>
           </a:p>
           <a:p>
-            <a:pPr marL="274320" lvl="1" indent="0">
-              <a:buFont typeface="Arial" pitchFamily="34" charset="0"/>
-              <a:buNone/>
+            <a:pPr lvl="1">
+              <a:buFont typeface="Arial" charset="0"/>
+              <a:buChar char="•"/>
             </a:pPr>
             <a:r>
               <a:rPr lang="en-US" dirty="0" smtClean="0"/>
-              <a:t>*  Increased schedule coverage</a:t>
-            </a:r>
-          </a:p>
-          <a:p>
-            <a:endParaRPr lang="en-US" dirty="0"/>
+              <a:t>Increased </a:t>
+            </a:r>
+            <a:r>
+              <a:rPr lang="en-US" dirty="0" smtClean="0"/>
+              <a:t>varied schedule </a:t>
+            </a:r>
+            <a:r>
+              <a:rPr lang="en-US" dirty="0" smtClean="0"/>
+              <a:t>coverage</a:t>
+            </a:r>
+          </a:p>
+          <a:p>
+            <a:pPr lvl="1">
+              <a:buFont typeface="Arial" charset="0"/>
+              <a:buChar char="•"/>
+            </a:pPr>
+            <a:r>
+              <a:rPr lang="en-US" dirty="0" smtClean="0"/>
+              <a:t>Status of threads, locks, and </a:t>
+            </a:r>
+            <a:r>
+              <a:rPr lang="en-US" dirty="0" smtClean="0"/>
+              <a:t>semaphores</a:t>
+            </a:r>
+            <a:endParaRPr lang="en-US" dirty="0" smtClean="0"/>
           </a:p>
         </p:txBody>
       </p:sp>
@@ -11012,6 +13967,30 @@
               <a:rPr lang="en-US" dirty="0" smtClean="0"/>
               <a:t>:  A testing and debugging tool for multithreaded programs involving synchronization</a:t>
             </a:r>
+          </a:p>
+        </p:txBody>
+      </p:sp>
+      <p:sp>
+        <p:nvSpPr>
+          <p:cNvPr id="6" name="Slide Number Placeholder 5"/>
+          <p:cNvSpPr>
+            <a:spLocks noGrp="1"/>
+          </p:cNvSpPr>
+          <p:nvPr>
+            <p:ph type="sldNum" sz="quarter" idx="12"/>
+          </p:nvPr>
+        </p:nvSpPr>
+        <p:spPr/>
+        <p:txBody>
+          <a:bodyPr/>
+          <a:lstStyle/>
+          <a:p>
+            <a:fld id="{0CFEC368-1D7A-4F81-ABF6-AE0E36BAF64C}" type="slidenum">
+              <a:rPr lang="en-US" smtClean="0"/>
+              <a:pPr/>
+              <a:t>6</a:t>
+            </a:fld>
+            <a:endParaRPr lang="en-US"/>
           </a:p>
         </p:txBody>
       </p:sp>
@@ -12628,7 +15607,7 @@
           <p:spPr>
             <a:xfrm>
               <a:off x="6526107" y="4104528"/>
-              <a:ext cx="807562" cy="406396"/>
+              <a:ext cx="856870" cy="406396"/>
             </a:xfrm>
             <a:prstGeom prst="rect">
               <a:avLst/>
@@ -12695,12 +15674,12 @@
           </p:nvCxnSpPr>
           <p:spPr>
             <a:xfrm flipH="1">
-              <a:off x="7333669" y="3597615"/>
-              <a:ext cx="98617" cy="710111"/>
+              <a:off x="7382977" y="3597615"/>
+              <a:ext cx="49309" cy="710111"/>
             </a:xfrm>
             <a:prstGeom prst="bentConnector3">
               <a:avLst>
-                <a:gd name="adj1" fmla="val -169991"/>
+                <a:gd name="adj1" fmla="val -463607"/>
               </a:avLst>
             </a:prstGeom>
             <a:ln>
@@ -12723,6 +15702,30 @@
           </p:style>
         </p:cxnSp>
       </p:grpSp>
+      <p:sp>
+        <p:nvSpPr>
+          <p:cNvPr id="11" name="Slide Number Placeholder 10"/>
+          <p:cNvSpPr>
+            <a:spLocks noGrp="1"/>
+          </p:cNvSpPr>
+          <p:nvPr>
+            <p:ph type="sldNum" sz="quarter" idx="12"/>
+          </p:nvPr>
+        </p:nvSpPr>
+        <p:spPr/>
+        <p:txBody>
+          <a:bodyPr/>
+          <a:lstStyle/>
+          <a:p>
+            <a:fld id="{0CFEC368-1D7A-4F81-ABF6-AE0E36BAF64C}" type="slidenum">
+              <a:rPr lang="en-US" smtClean="0"/>
+              <a:pPr/>
+              <a:t>7</a:t>
+            </a:fld>
+            <a:endParaRPr lang="en-US"/>
+          </a:p>
+        </p:txBody>
+      </p:sp>
     </p:spTree>
     <p:extLst>
       <p:ext uri="{BB962C8B-B14F-4D97-AF65-F5344CB8AC3E}">
@@ -13064,7 +16067,7 @@
         </p:nvCxnSpPr>
         <p:spPr>
           <a:xfrm rot="5400000">
-            <a:off x="5944049" y="5188406"/>
+            <a:off x="5994849" y="5188406"/>
             <a:ext cx="358987" cy="2"/>
           </a:xfrm>
           <a:prstGeom prst="bentConnector3">
@@ -13100,13 +16103,13 @@
           <p:nvPr>
             <p:extLst>
               <p:ext uri="{D42A27DB-BD31-4B8C-83A1-F6EECF244321}">
-                <p14:modId xmlns:p14="http://schemas.microsoft.com/office/powerpoint/2010/main" val="1728742832"/>
+                <p14:modId xmlns:p14="http://schemas.microsoft.com/office/powerpoint/2010/main" val="1521337508"/>
               </p:ext>
             </p:extLst>
           </p:nvPr>
         </p:nvGraphicFramePr>
         <p:xfrm>
-          <a:off x="6153018" y="5029236"/>
+          <a:off x="6203818" y="5029236"/>
           <a:ext cx="1462460" cy="276047"/>
         </p:xfrm>
         <a:graphic>
@@ -13196,7 +16199,7 @@
         </p:nvCxnSpPr>
         <p:spPr>
           <a:xfrm>
-            <a:off x="6601909" y="4793014"/>
+            <a:off x="6652709" y="4793014"/>
             <a:ext cx="580005" cy="1676"/>
           </a:xfrm>
           <a:prstGeom prst="bentConnector3">
@@ -13232,13 +16235,13 @@
           <p:nvPr>
             <p:extLst>
               <p:ext uri="{D42A27DB-BD31-4B8C-83A1-F6EECF244321}">
-                <p14:modId xmlns:p14="http://schemas.microsoft.com/office/powerpoint/2010/main" val="595385293"/>
+                <p14:modId xmlns:p14="http://schemas.microsoft.com/office/powerpoint/2010/main" val="4211225031"/>
               </p:ext>
             </p:extLst>
           </p:nvPr>
         </p:nvGraphicFramePr>
         <p:xfrm>
-          <a:off x="6525706" y="4529684"/>
+          <a:off x="6576506" y="4529684"/>
           <a:ext cx="626353" cy="276047"/>
         </p:xfrm>
         <a:graphic>
@@ -13349,13 +16352,13 @@
           <p:nvPr>
             <p:extLst>
               <p:ext uri="{D42A27DB-BD31-4B8C-83A1-F6EECF244321}">
-                <p14:modId xmlns:p14="http://schemas.microsoft.com/office/powerpoint/2010/main" val="3988522718"/>
+                <p14:modId xmlns:p14="http://schemas.microsoft.com/office/powerpoint/2010/main" val="2042688089"/>
               </p:ext>
             </p:extLst>
           </p:nvPr>
         </p:nvGraphicFramePr>
         <p:xfrm>
-          <a:off x="1176907" y="3581434"/>
+          <a:off x="1443607" y="3581434"/>
           <a:ext cx="905934" cy="370840"/>
         </p:xfrm>
         <a:graphic>
@@ -13424,7 +16427,7 @@
         </p:nvSpPr>
         <p:spPr>
           <a:xfrm>
-            <a:off x="2700914" y="2582368"/>
+            <a:off x="2751714" y="2582368"/>
             <a:ext cx="956733" cy="423333"/>
           </a:xfrm>
           <a:prstGeom prst="ellipse">
@@ -13482,13 +16485,13 @@
           <p:nvPr>
             <p:extLst>
               <p:ext uri="{D42A27DB-BD31-4B8C-83A1-F6EECF244321}">
-                <p14:modId xmlns:p14="http://schemas.microsoft.com/office/powerpoint/2010/main" val="2223735151"/>
+                <p14:modId xmlns:p14="http://schemas.microsoft.com/office/powerpoint/2010/main" val="3033492746"/>
               </p:ext>
             </p:extLst>
           </p:nvPr>
         </p:nvGraphicFramePr>
         <p:xfrm>
-          <a:off x="2523114" y="3581434"/>
+          <a:off x="2573914" y="3581434"/>
           <a:ext cx="1312335" cy="370840"/>
         </p:xfrm>
         <a:graphic>
@@ -13560,8 +16563,8 @@
         </p:nvCxnSpPr>
         <p:spPr>
           <a:xfrm flipV="1">
-            <a:off x="1629874" y="2794035"/>
-            <a:ext cx="1071040" cy="787399"/>
+            <a:off x="1896574" y="2794035"/>
+            <a:ext cx="855140" cy="787399"/>
           </a:xfrm>
           <a:prstGeom prst="straightConnector1">
             <a:avLst/>
@@ -13602,7 +16605,7 @@
         </p:nvCxnSpPr>
         <p:spPr>
           <a:xfrm>
-            <a:off x="3179281" y="3005701"/>
+            <a:off x="3230081" y="3005701"/>
             <a:ext cx="0" cy="575733"/>
           </a:xfrm>
           <a:prstGeom prst="straightConnector1">
@@ -13641,13 +16644,13 @@
           <p:nvPr>
             <p:extLst>
               <p:ext uri="{D42A27DB-BD31-4B8C-83A1-F6EECF244321}">
-                <p14:modId xmlns:p14="http://schemas.microsoft.com/office/powerpoint/2010/main" val="4153614226"/>
+                <p14:modId xmlns:p14="http://schemas.microsoft.com/office/powerpoint/2010/main" val="3162726523"/>
               </p:ext>
             </p:extLst>
           </p:nvPr>
         </p:nvGraphicFramePr>
         <p:xfrm>
-          <a:off x="313265" y="3581433"/>
+          <a:off x="258233" y="3581433"/>
           <a:ext cx="651933" cy="370840"/>
         </p:xfrm>
         <a:graphic>
@@ -13716,7 +16719,7 @@
         </p:nvSpPr>
         <p:spPr>
           <a:xfrm>
-            <a:off x="5645176" y="4577114"/>
+            <a:off x="5695976" y="4577114"/>
             <a:ext cx="956733" cy="431800"/>
           </a:xfrm>
           <a:prstGeom prst="ellipse">
@@ -13773,7 +16776,7 @@
         </p:nvSpPr>
         <p:spPr>
           <a:xfrm>
-            <a:off x="1030819" y="5317105"/>
+            <a:off x="1081619" y="5317105"/>
             <a:ext cx="1136648" cy="448698"/>
           </a:xfrm>
           <a:prstGeom prst="ellipse">
@@ -13830,7 +16833,7 @@
         </p:nvSpPr>
         <p:spPr>
           <a:xfrm>
-            <a:off x="1030819" y="4577115"/>
+            <a:off x="1081619" y="4577115"/>
             <a:ext cx="1136648" cy="431798"/>
           </a:xfrm>
           <a:prstGeom prst="ellipse">
@@ -13887,7 +16890,7 @@
         </p:nvSpPr>
         <p:spPr>
           <a:xfrm>
-            <a:off x="4131793" y="2582369"/>
+            <a:off x="4182593" y="2582369"/>
             <a:ext cx="1269999" cy="423332"/>
           </a:xfrm>
           <a:prstGeom prst="ellipse">
@@ -13945,13 +16948,13 @@
           <p:nvPr>
             <p:extLst>
               <p:ext uri="{D42A27DB-BD31-4B8C-83A1-F6EECF244321}">
-                <p14:modId xmlns:p14="http://schemas.microsoft.com/office/powerpoint/2010/main" val="2678209484"/>
+                <p14:modId xmlns:p14="http://schemas.microsoft.com/office/powerpoint/2010/main" val="2598892491"/>
               </p:ext>
             </p:extLst>
           </p:nvPr>
         </p:nvGraphicFramePr>
         <p:xfrm>
-          <a:off x="6125696" y="3581434"/>
+          <a:off x="6176496" y="3581434"/>
           <a:ext cx="770464" cy="457200"/>
         </p:xfrm>
         <a:graphic>
@@ -14039,7 +17042,7 @@
         </p:nvSpPr>
         <p:spPr>
           <a:xfrm>
-            <a:off x="6811494" y="2582368"/>
+            <a:off x="6862294" y="2582368"/>
             <a:ext cx="1316568" cy="423333"/>
           </a:xfrm>
           <a:prstGeom prst="ellipse">
@@ -14097,13 +17100,13 @@
           <p:nvPr>
             <p:extLst>
               <p:ext uri="{D42A27DB-BD31-4B8C-83A1-F6EECF244321}">
-                <p14:modId xmlns:p14="http://schemas.microsoft.com/office/powerpoint/2010/main" val="1793603675"/>
+                <p14:modId xmlns:p14="http://schemas.microsoft.com/office/powerpoint/2010/main" val="631448002"/>
               </p:ext>
             </p:extLst>
           </p:nvPr>
         </p:nvGraphicFramePr>
         <p:xfrm>
-          <a:off x="4406960" y="3581436"/>
+          <a:off x="4457760" y="3581436"/>
           <a:ext cx="719666" cy="457200"/>
         </p:xfrm>
         <a:graphic>
@@ -14173,13 +17176,13 @@
           <p:nvPr>
             <p:extLst>
               <p:ext uri="{D42A27DB-BD31-4B8C-83A1-F6EECF244321}">
-                <p14:modId xmlns:p14="http://schemas.microsoft.com/office/powerpoint/2010/main" val="1637875606"/>
+                <p14:modId xmlns:p14="http://schemas.microsoft.com/office/powerpoint/2010/main" val="2746361811"/>
               </p:ext>
             </p:extLst>
           </p:nvPr>
         </p:nvGraphicFramePr>
         <p:xfrm>
-          <a:off x="5300191" y="3581434"/>
+          <a:off x="5350991" y="3581434"/>
           <a:ext cx="694268" cy="457200"/>
         </p:xfrm>
         <a:graphic>
@@ -14260,13 +17263,13 @@
           <p:nvPr>
             <p:extLst>
               <p:ext uri="{D42A27DB-BD31-4B8C-83A1-F6EECF244321}">
-                <p14:modId xmlns:p14="http://schemas.microsoft.com/office/powerpoint/2010/main" val="3364469006"/>
+                <p14:modId xmlns:p14="http://schemas.microsoft.com/office/powerpoint/2010/main" val="2461605333"/>
               </p:ext>
             </p:extLst>
           </p:nvPr>
         </p:nvGraphicFramePr>
         <p:xfrm>
-          <a:off x="7105711" y="3581433"/>
+          <a:off x="7156511" y="3581433"/>
           <a:ext cx="728134" cy="457200"/>
         </p:xfrm>
         <a:graphic>
@@ -14349,7 +17352,7 @@
         </p:nvCxnSpPr>
         <p:spPr>
           <a:xfrm rot="16200000" flipH="1">
-            <a:off x="5350994" y="2421499"/>
+            <a:off x="5401794" y="2421499"/>
             <a:ext cx="575733" cy="1744135"/>
           </a:xfrm>
           <a:prstGeom prst="bentConnector3">
@@ -14392,7 +17395,7 @@
         </p:nvCxnSpPr>
         <p:spPr>
           <a:xfrm rot="5400000">
-            <a:off x="4478926" y="3293568"/>
+            <a:off x="4529726" y="3293568"/>
             <a:ext cx="575735" cy="12700"/>
           </a:xfrm>
           <a:prstGeom prst="bentConnector3">
@@ -14435,7 +17438,7 @@
         </p:nvCxnSpPr>
         <p:spPr>
           <a:xfrm rot="16200000" flipH="1">
-            <a:off x="4919193" y="2853301"/>
+            <a:off x="4969993" y="2853301"/>
             <a:ext cx="575733" cy="880532"/>
           </a:xfrm>
           <a:prstGeom prst="bentConnector3">
@@ -14478,7 +17481,7 @@
         </p:nvCxnSpPr>
         <p:spPr>
           <a:xfrm flipV="1">
-            <a:off x="6510928" y="2943705"/>
+            <a:off x="6561728" y="2943705"/>
             <a:ext cx="493373" cy="637729"/>
           </a:xfrm>
           <a:prstGeom prst="straightConnector1">
@@ -14520,7 +17523,7 @@
         </p:nvCxnSpPr>
         <p:spPr>
           <a:xfrm rot="16200000" flipH="1">
-            <a:off x="5830419" y="1942074"/>
+            <a:off x="5881219" y="1942074"/>
             <a:ext cx="575732" cy="2702985"/>
           </a:xfrm>
           <a:prstGeom prst="bentConnector3">
@@ -14563,7 +17566,7 @@
         </p:nvCxnSpPr>
         <p:spPr>
           <a:xfrm rot="16200000" flipH="1">
-            <a:off x="5175929" y="3629500"/>
+            <a:off x="5226729" y="3629500"/>
             <a:ext cx="538478" cy="1356750"/>
           </a:xfrm>
           <a:prstGeom prst="bentConnector3">
@@ -14607,7 +17610,7 @@
         </p:nvCxnSpPr>
         <p:spPr>
           <a:xfrm rot="5400000">
-            <a:off x="6047996" y="4114182"/>
+            <a:off x="6098796" y="4114182"/>
             <a:ext cx="538480" cy="387385"/>
           </a:xfrm>
           <a:prstGeom prst="bentConnector3">
@@ -14651,7 +17654,7 @@
         </p:nvCxnSpPr>
         <p:spPr>
           <a:xfrm rot="16200000" flipH="1">
-            <a:off x="5616194" y="4069765"/>
+            <a:off x="5666994" y="4069765"/>
             <a:ext cx="538480" cy="476218"/>
           </a:xfrm>
           <a:prstGeom prst="bentConnector3">
@@ -14695,7 +17698,7 @@
         </p:nvCxnSpPr>
         <p:spPr>
           <a:xfrm rot="5400000">
-            <a:off x="6527421" y="3634756"/>
+            <a:off x="6578221" y="3634756"/>
             <a:ext cx="538481" cy="1346235"/>
           </a:xfrm>
           <a:prstGeom prst="bentConnector3">
@@ -14739,7 +17742,7 @@
         </p:nvCxnSpPr>
         <p:spPr>
           <a:xfrm flipH="1">
-            <a:off x="7833845" y="2794035"/>
+            <a:off x="7884645" y="2794035"/>
             <a:ext cx="294217" cy="1015998"/>
           </a:xfrm>
           <a:prstGeom prst="bentConnector3">
@@ -14780,13 +17783,13 @@
           <p:nvPr>
             <p:extLst>
               <p:ext uri="{D42A27DB-BD31-4B8C-83A1-F6EECF244321}">
-                <p14:modId xmlns:p14="http://schemas.microsoft.com/office/powerpoint/2010/main" val="3589926138"/>
+                <p14:modId xmlns:p14="http://schemas.microsoft.com/office/powerpoint/2010/main" val="311484744"/>
               </p:ext>
             </p:extLst>
           </p:nvPr>
         </p:nvGraphicFramePr>
         <p:xfrm>
-          <a:off x="5757359" y="5367901"/>
+          <a:off x="5808159" y="5367901"/>
           <a:ext cx="732365" cy="347099"/>
         </p:xfrm>
         <a:graphic>
@@ -14874,13 +17877,13 @@
           <p:nvPr>
             <p:extLst>
               <p:ext uri="{D42A27DB-BD31-4B8C-83A1-F6EECF244321}">
-                <p14:modId xmlns:p14="http://schemas.microsoft.com/office/powerpoint/2010/main" val="2956445967"/>
+                <p14:modId xmlns:p14="http://schemas.microsoft.com/office/powerpoint/2010/main" val="1841913572"/>
               </p:ext>
             </p:extLst>
           </p:nvPr>
         </p:nvGraphicFramePr>
         <p:xfrm>
-          <a:off x="7181914" y="4656667"/>
+          <a:off x="7232714" y="4656667"/>
           <a:ext cx="829925" cy="276047"/>
         </p:xfrm>
         <a:graphic>
@@ -14974,7 +17977,7 @@
         </p:nvCxnSpPr>
         <p:spPr>
           <a:xfrm flipV="1">
-            <a:off x="3179281" y="2943705"/>
+            <a:off x="3230081" y="2943705"/>
             <a:ext cx="1138499" cy="637729"/>
           </a:xfrm>
           <a:prstGeom prst="straightConnector1">
@@ -15016,8 +18019,8 @@
         </p:nvCxnSpPr>
         <p:spPr>
           <a:xfrm>
-            <a:off x="639231" y="3952273"/>
-            <a:ext cx="959912" cy="624842"/>
+            <a:off x="584199" y="3952273"/>
+            <a:ext cx="1065744" cy="624842"/>
           </a:xfrm>
           <a:prstGeom prst="straightConnector1">
             <a:avLst/>
@@ -15058,7 +18061,7 @@
         </p:nvCxnSpPr>
         <p:spPr>
           <a:xfrm flipH="1">
-            <a:off x="1599143" y="3952274"/>
+            <a:off x="1649943" y="3952274"/>
             <a:ext cx="1580138" cy="624841"/>
           </a:xfrm>
           <a:prstGeom prst="straightConnector1">
@@ -15098,13 +18101,13 @@
           <p:nvPr>
             <p:extLst>
               <p:ext uri="{D42A27DB-BD31-4B8C-83A1-F6EECF244321}">
-                <p14:modId xmlns:p14="http://schemas.microsoft.com/office/powerpoint/2010/main" val="3125707392"/>
+                <p14:modId xmlns:p14="http://schemas.microsoft.com/office/powerpoint/2010/main" val="3183160253"/>
               </p:ext>
             </p:extLst>
           </p:nvPr>
         </p:nvGraphicFramePr>
         <p:xfrm>
-          <a:off x="1263691" y="1856775"/>
+          <a:off x="1504991" y="1856775"/>
           <a:ext cx="732365" cy="279400"/>
         </p:xfrm>
         <a:graphic>
@@ -15191,8 +18194,8 @@
         </p:nvSpPr>
         <p:spPr>
           <a:xfrm>
-            <a:off x="990639" y="2523101"/>
-            <a:ext cx="1270041" cy="423333"/>
+            <a:off x="1231899" y="2523101"/>
+            <a:ext cx="1295482" cy="423333"/>
           </a:xfrm>
           <a:prstGeom prst="ellipse">
             <a:avLst/>
@@ -15250,9 +18253,9 @@
           <p:nvPr/>
         </p:nvCxnSpPr>
         <p:spPr>
-          <a:xfrm flipH="1">
-            <a:off x="1625660" y="2136175"/>
-            <a:ext cx="4213" cy="386926"/>
+          <a:xfrm>
+            <a:off x="1871173" y="2136175"/>
+            <a:ext cx="8467" cy="386926"/>
           </a:xfrm>
           <a:prstGeom prst="straightConnector1">
             <a:avLst/>
@@ -15292,8 +18295,8 @@
         </p:nvCxnSpPr>
         <p:spPr>
           <a:xfrm>
-            <a:off x="1625660" y="2946434"/>
-            <a:ext cx="4214" cy="635000"/>
+            <a:off x="1879640" y="2946434"/>
+            <a:ext cx="16934" cy="635000"/>
           </a:xfrm>
           <a:prstGeom prst="straightConnector1">
             <a:avLst/>
@@ -15333,7 +18336,7 @@
         </p:nvCxnSpPr>
         <p:spPr>
           <a:xfrm flipV="1">
-            <a:off x="2167467" y="5541450"/>
+            <a:off x="2218267" y="5541450"/>
             <a:ext cx="3589892" cy="4"/>
           </a:xfrm>
           <a:prstGeom prst="bentConnector3">
@@ -15376,7 +18379,7 @@
         </p:nvCxnSpPr>
         <p:spPr>
           <a:xfrm>
-            <a:off x="1599143" y="5008913"/>
+            <a:off x="1649943" y="5008913"/>
             <a:ext cx="0" cy="308192"/>
           </a:xfrm>
           <a:prstGeom prst="straightConnector1">
@@ -15411,13 +18414,13 @@
           <p:nvPr>
             <p:extLst>
               <p:ext uri="{D42A27DB-BD31-4B8C-83A1-F6EECF244321}">
-                <p14:modId xmlns:p14="http://schemas.microsoft.com/office/powerpoint/2010/main" val="741189104"/>
+                <p14:modId xmlns:p14="http://schemas.microsoft.com/office/powerpoint/2010/main" val="1835635715"/>
               </p:ext>
             </p:extLst>
           </p:nvPr>
         </p:nvGraphicFramePr>
         <p:xfrm>
-          <a:off x="2349356" y="5287440"/>
+          <a:off x="2400156" y="5287440"/>
           <a:ext cx="1071177" cy="276047"/>
         </p:xfrm>
         <a:graphic>
@@ -15505,13 +18508,13 @@
           <p:nvPr>
             <p:extLst>
               <p:ext uri="{D42A27DB-BD31-4B8C-83A1-F6EECF244321}">
-                <p14:modId xmlns:p14="http://schemas.microsoft.com/office/powerpoint/2010/main" val="532333325"/>
+                <p14:modId xmlns:p14="http://schemas.microsoft.com/office/powerpoint/2010/main" val="1282331820"/>
               </p:ext>
             </p:extLst>
           </p:nvPr>
         </p:nvGraphicFramePr>
         <p:xfrm>
-          <a:off x="8318354" y="2874026"/>
+          <a:off x="8369154" y="2874026"/>
           <a:ext cx="740976" cy="396240"/>
         </p:xfrm>
         <a:graphic>
@@ -15599,13 +18602,13 @@
           <p:nvPr>
             <p:extLst>
               <p:ext uri="{D42A27DB-BD31-4B8C-83A1-F6EECF244321}">
-                <p14:modId xmlns:p14="http://schemas.microsoft.com/office/powerpoint/2010/main" val="2475584844"/>
+                <p14:modId xmlns:p14="http://schemas.microsoft.com/office/powerpoint/2010/main" val="1927133201"/>
               </p:ext>
             </p:extLst>
           </p:nvPr>
         </p:nvGraphicFramePr>
         <p:xfrm>
-          <a:off x="4783784" y="3017822"/>
+          <a:off x="4834584" y="3017822"/>
           <a:ext cx="635000" cy="276047"/>
         </p:xfrm>
         <a:graphic>
@@ -15693,13 +18696,13 @@
           <p:nvPr>
             <p:extLst>
               <p:ext uri="{D42A27DB-BD31-4B8C-83A1-F6EECF244321}">
-                <p14:modId xmlns:p14="http://schemas.microsoft.com/office/powerpoint/2010/main" val="2436400304"/>
+                <p14:modId xmlns:p14="http://schemas.microsoft.com/office/powerpoint/2010/main" val="3487638699"/>
               </p:ext>
             </p:extLst>
           </p:nvPr>
         </p:nvGraphicFramePr>
         <p:xfrm>
-          <a:off x="2315488" y="3037315"/>
+          <a:off x="2366288" y="3037315"/>
           <a:ext cx="880772" cy="396240"/>
         </p:xfrm>
         <a:graphic>
@@ -15778,6 +18781,263 @@
           </a:graphicData>
         </a:graphic>
       </p:graphicFrame>
+      <p:sp>
+        <p:nvSpPr>
+          <p:cNvPr id="3" name="Slide Number Placeholder 2"/>
+          <p:cNvSpPr>
+            <a:spLocks noGrp="1"/>
+          </p:cNvSpPr>
+          <p:nvPr>
+            <p:ph type="sldNum" sz="quarter" idx="12"/>
+          </p:nvPr>
+        </p:nvSpPr>
+        <p:spPr/>
+        <p:txBody>
+          <a:bodyPr/>
+          <a:lstStyle/>
+          <a:p>
+            <a:fld id="{0CFEC368-1D7A-4F81-ABF6-AE0E36BAF64C}" type="slidenum">
+              <a:rPr lang="en-US" smtClean="0"/>
+              <a:pPr/>
+              <a:t>8</a:t>
+            </a:fld>
+            <a:endParaRPr lang="en-US"/>
+          </a:p>
+        </p:txBody>
+      </p:sp>
+      <p:sp>
+        <p:nvSpPr>
+          <p:cNvPr id="54" name="Oval 53"/>
+          <p:cNvSpPr/>
+          <p:nvPr/>
+        </p:nvSpPr>
+        <p:spPr>
+          <a:xfrm>
+            <a:off x="88899" y="2523101"/>
+            <a:ext cx="992720" cy="423333"/>
+          </a:xfrm>
+          <a:prstGeom prst="ellipse">
+            <a:avLst/>
+          </a:prstGeom>
+          <a:noFill/>
+          <a:ln>
+            <a:solidFill>
+              <a:srgbClr val="2F41FF"/>
+            </a:solidFill>
+          </a:ln>
+          <a:effectLst/>
+        </p:spPr>
+        <p:style>
+          <a:lnRef idx="1">
+            <a:schemeClr val="accent1"/>
+          </a:lnRef>
+          <a:fillRef idx="3">
+            <a:schemeClr val="accent1"/>
+          </a:fillRef>
+          <a:effectRef idx="2">
+            <a:schemeClr val="accent1"/>
+          </a:effectRef>
+          <a:fontRef idx="minor">
+            <a:schemeClr val="lt1"/>
+          </a:fontRef>
+        </p:style>
+        <p:txBody>
+          <a:bodyPr rtlCol="0" anchor="ctr"/>
+          <a:lstStyle/>
+          <a:p>
+            <a:pPr algn="ctr"/>
+            <a:r>
+              <a:rPr lang="en-US" sz="1200" dirty="0" smtClean="0">
+                <a:solidFill>
+                  <a:srgbClr val="292934"/>
+                </a:solidFill>
+              </a:rPr>
+              <a:t>Provide</a:t>
+            </a:r>
+            <a:endParaRPr lang="en-US" sz="1200" dirty="0">
+              <a:solidFill>
+                <a:srgbClr val="292934"/>
+              </a:solidFill>
+            </a:endParaRPr>
+          </a:p>
+        </p:txBody>
+      </p:sp>
+      <p:cxnSp>
+        <p:nvCxnSpPr>
+          <p:cNvPr id="55" name="Straight Arrow Connector 54"/>
+          <p:cNvCxnSpPr>
+            <a:stCxn id="54" idx="4"/>
+            <a:endCxn id="17" idx="0"/>
+          </p:cNvCxnSpPr>
+          <p:nvPr/>
+        </p:nvCxnSpPr>
+        <p:spPr>
+          <a:xfrm flipH="1">
+            <a:off x="584199" y="2946434"/>
+            <a:ext cx="1060" cy="634999"/>
+          </a:xfrm>
+          <a:prstGeom prst="straightConnector1">
+            <a:avLst/>
+          </a:prstGeom>
+          <a:ln>
+            <a:solidFill>
+              <a:schemeClr val="bg1">
+                <a:lumMod val="50000"/>
+              </a:schemeClr>
+            </a:solidFill>
+            <a:tailEnd type="arrow"/>
+          </a:ln>
+        </p:spPr>
+        <p:style>
+          <a:lnRef idx="2">
+            <a:schemeClr val="accent1"/>
+          </a:lnRef>
+          <a:fillRef idx="0">
+            <a:schemeClr val="accent1"/>
+          </a:fillRef>
+          <a:effectRef idx="1">
+            <a:schemeClr val="accent1"/>
+          </a:effectRef>
+          <a:fontRef idx="minor">
+            <a:schemeClr val="tx1"/>
+          </a:fontRef>
+        </p:style>
+      </p:cxnSp>
+      <p:graphicFrame>
+        <p:nvGraphicFramePr>
+          <p:cNvPr id="60" name="Table 59"/>
+          <p:cNvGraphicFramePr>
+            <a:graphicFrameLocks noGrp="1"/>
+          </p:cNvGraphicFramePr>
+          <p:nvPr>
+            <p:extLst>
+              <p:ext uri="{D42A27DB-BD31-4B8C-83A1-F6EECF244321}">
+                <p14:modId xmlns:p14="http://schemas.microsoft.com/office/powerpoint/2010/main" val="744653477"/>
+              </p:ext>
+            </p:extLst>
+          </p:nvPr>
+        </p:nvGraphicFramePr>
+        <p:xfrm>
+          <a:off x="151344" y="1856775"/>
+          <a:ext cx="841375" cy="279400"/>
+        </p:xfrm>
+        <a:graphic>
+          <a:graphicData uri="http://schemas.openxmlformats.org/drawingml/2006/table">
+            <a:tbl>
+              <a:tblPr firstRow="1" bandRow="1">
+                <a:tableStyleId>{5C22544A-7EE6-4342-B048-85BDC9FD1C3A}</a:tableStyleId>
+              </a:tblPr>
+              <a:tblGrid>
+                <a:gridCol w="841375"/>
+              </a:tblGrid>
+              <a:tr h="279400">
+                <a:tc>
+                  <a:txBody>
+                    <a:bodyPr/>
+                    <a:lstStyle/>
+                    <a:p>
+                      <a:pPr algn="ctr"/>
+                      <a:r>
+                        <a:rPr lang="en-US" sz="1200" b="0" dirty="0" smtClean="0">
+                          <a:solidFill>
+                            <a:srgbClr val="292934"/>
+                          </a:solidFill>
+                        </a:rPr>
+                        <a:t>Instructor</a:t>
+                      </a:r>
+                      <a:endParaRPr lang="en-US" sz="1200" b="0" dirty="0">
+                        <a:solidFill>
+                          <a:srgbClr val="292934"/>
+                        </a:solidFill>
+                      </a:endParaRPr>
+                    </a:p>
+                  </a:txBody>
+                  <a:tcPr>
+                    <a:lnL w="12700" cap="flat" cmpd="sng" algn="ctr">
+                      <a:solidFill>
+                        <a:srgbClr val="292934"/>
+                      </a:solidFill>
+                      <a:prstDash val="solid"/>
+                      <a:round/>
+                      <a:headEnd type="none" w="med" len="med"/>
+                      <a:tailEnd type="none" w="med" len="med"/>
+                    </a:lnL>
+                    <a:lnR w="12700" cap="flat" cmpd="sng" algn="ctr">
+                      <a:solidFill>
+                        <a:srgbClr val="292934"/>
+                      </a:solidFill>
+                      <a:prstDash val="solid"/>
+                      <a:round/>
+                      <a:headEnd type="none" w="med" len="med"/>
+                      <a:tailEnd type="none" w="med" len="med"/>
+                    </a:lnR>
+                    <a:lnT w="12700" cap="flat" cmpd="sng" algn="ctr">
+                      <a:solidFill>
+                        <a:srgbClr val="292934"/>
+                      </a:solidFill>
+                      <a:prstDash val="solid"/>
+                      <a:round/>
+                      <a:headEnd type="none" w="med" len="med"/>
+                      <a:tailEnd type="none" w="med" len="med"/>
+                    </a:lnT>
+                    <a:lnB w="12700" cap="flat" cmpd="sng" algn="ctr">
+                      <a:solidFill>
+                        <a:srgbClr val="292934"/>
+                      </a:solidFill>
+                      <a:prstDash val="solid"/>
+                      <a:round/>
+                      <a:headEnd type="none" w="med" len="med"/>
+                      <a:tailEnd type="none" w="med" len="med"/>
+                    </a:lnB>
+                    <a:noFill/>
+                  </a:tcPr>
+                </a:tc>
+              </a:tr>
+            </a:tbl>
+          </a:graphicData>
+        </a:graphic>
+      </p:graphicFrame>
+      <p:cxnSp>
+        <p:nvCxnSpPr>
+          <p:cNvPr id="61" name="Straight Arrow Connector 60"/>
+          <p:cNvCxnSpPr>
+            <a:stCxn id="60" idx="2"/>
+            <a:endCxn id="54" idx="0"/>
+          </p:cNvCxnSpPr>
+          <p:nvPr/>
+        </p:nvCxnSpPr>
+        <p:spPr>
+          <a:xfrm>
+            <a:off x="572031" y="2136175"/>
+            <a:ext cx="13228" cy="386926"/>
+          </a:xfrm>
+          <a:prstGeom prst="straightConnector1">
+            <a:avLst/>
+          </a:prstGeom>
+          <a:ln>
+            <a:solidFill>
+              <a:schemeClr val="bg1">
+                <a:lumMod val="50000"/>
+              </a:schemeClr>
+            </a:solidFill>
+            <a:tailEnd type="arrow"/>
+          </a:ln>
+        </p:spPr>
+        <p:style>
+          <a:lnRef idx="2">
+            <a:schemeClr val="accent1"/>
+          </a:lnRef>
+          <a:fillRef idx="0">
+            <a:schemeClr val="accent1"/>
+          </a:fillRef>
+          <a:effectRef idx="1">
+            <a:schemeClr val="accent1"/>
+          </a:effectRef>
+          <a:fontRef idx="minor">
+            <a:schemeClr val="tx1"/>
+          </a:fontRef>
+        </p:style>
+      </p:cxnSp>
     </p:spTree>
     <p:extLst>
       <p:ext uri="{BB962C8B-B14F-4D97-AF65-F5344CB8AC3E}">
@@ -15832,7 +19092,11 @@
           <a:p>
             <a:r>
               <a:rPr lang="en-US" dirty="0" smtClean="0"/>
-              <a:t>Scheduler – Functions</a:t>
+              <a:t>Scheduler – </a:t>
+            </a:r>
+            <a:r>
+              <a:rPr lang="en-US" dirty="0" smtClean="0"/>
+              <a:t>Key Features</a:t>
             </a:r>
             <a:endParaRPr lang="en-US" dirty="0"/>
           </a:p>
@@ -15851,7 +19115,7 @@
         <p:spPr/>
         <p:txBody>
           <a:bodyPr>
-            <a:normAutofit fontScale="85000" lnSpcReduction="20000"/>
+            <a:normAutofit fontScale="92500" lnSpcReduction="10000"/>
           </a:bodyPr>
           <a:lstStyle/>
           <a:p>
@@ -15859,49 +19123,41 @@
               <a:rPr lang="en-US" dirty="0" smtClean="0"/>
               <a:t>Only permits one thread to run at a time.  All other threads are forced to wait for a signal before proceeding. </a:t>
             </a:r>
+            <a:endParaRPr lang="en-US" dirty="0" smtClean="0"/>
           </a:p>
           <a:p>
             <a:r>
               <a:rPr lang="en-US" dirty="0" smtClean="0"/>
-              <a:t>Functions </a:t>
-            </a:r>
+              <a:t>Scheduler Modes:</a:t>
+            </a:r>
+          </a:p>
+          <a:p>
+            <a:pPr lvl="1"/>
             <a:r>
               <a:rPr lang="en-US" dirty="0" smtClean="0"/>
-              <a:t>called from </a:t>
-            </a:r>
+              <a:t>Random:  exercise different schedules</a:t>
+            </a:r>
+          </a:p>
+          <a:p>
+            <a:pPr lvl="1"/>
+            <a:r>
+              <a:rPr lang="en-US" dirty="0" smtClean="0"/>
+              <a:t>Interactive:  more controlled debugging experience &amp; instructor demo</a:t>
+            </a:r>
+            <a:endParaRPr lang="en-US" dirty="0" smtClean="0"/>
+          </a:p>
+          <a:p>
+            <a:r>
+              <a:rPr lang="en-US" dirty="0" smtClean="0"/>
+              <a:t>API (equivalent to POSIX lock and semaphore functions)</a:t>
+            </a:r>
+            <a:endParaRPr lang="en-US" dirty="0" smtClean="0"/>
+          </a:p>
+          <a:p>
+            <a:pPr lvl="1"/>
             <a:r>
               <a:rPr lang="en-US" dirty="0" err="1" smtClean="0"/>
-              <a:t>sections.c</a:t>
-            </a:r>
-            <a:r>
-              <a:rPr lang="en-US" dirty="0" smtClean="0"/>
-              <a:t> (student’s solution)</a:t>
-            </a:r>
-          </a:p>
-          <a:p>
-            <a:pPr lvl="1"/>
-            <a:r>
-              <a:rPr lang="en-US" dirty="0" err="1" smtClean="0"/>
-              <a:t>initializeThreads</a:t>
-            </a:r>
-            <a:r>
-              <a:rPr lang="en-US" dirty="0" smtClean="0"/>
-              <a:t>(</a:t>
-            </a:r>
-            <a:r>
-              <a:rPr lang="en-US" dirty="0" smtClean="0"/>
-              <a:t>)</a:t>
-            </a:r>
-          </a:p>
-          <a:p>
-            <a:pPr lvl="2"/>
-            <a:r>
-              <a:rPr lang="en-US" dirty="0" smtClean="0"/>
-              <a:t>Called before </a:t>
-            </a:r>
-            <a:r>
-              <a:rPr lang="en-US" dirty="0" err="1" smtClean="0"/>
-              <a:t>entrySection</a:t>
+              <a:t>mutexLock</a:t>
             </a:r>
             <a:r>
               <a:rPr lang="en-US" dirty="0" smtClean="0"/>
@@ -15911,77 +19167,8 @@
           <a:p>
             <a:pPr lvl="2"/>
             <a:r>
-              <a:rPr lang="en-US" dirty="0"/>
-              <a:t>A</a:t>
-            </a:r>
-            <a:r>
               <a:rPr lang="en-US" dirty="0" smtClean="0"/>
-              <a:t>ll </a:t>
-            </a:r>
-            <a:r>
-              <a:rPr lang="en-US" dirty="0" smtClean="0"/>
-              <a:t>threads pause (wait) except for one thread</a:t>
-            </a:r>
-          </a:p>
-          <a:p>
-            <a:pPr lvl="1"/>
-            <a:r>
-              <a:rPr lang="en-US" dirty="0" err="1" smtClean="0"/>
-              <a:t>invokeScheduler</a:t>
-            </a:r>
-            <a:r>
-              <a:rPr lang="en-US" dirty="0" smtClean="0"/>
-              <a:t>(</a:t>
-            </a:r>
-            <a:r>
-              <a:rPr lang="en-US" dirty="0" smtClean="0"/>
-              <a:t>)</a:t>
-            </a:r>
-          </a:p>
-          <a:p>
-            <a:pPr lvl="2"/>
-            <a:r>
-              <a:rPr lang="en-US" dirty="0" smtClean="0"/>
-              <a:t>Called after every line in </a:t>
-            </a:r>
-            <a:r>
-              <a:rPr lang="en-US" dirty="0" err="1" smtClean="0"/>
-              <a:t>sections.c</a:t>
-            </a:r>
-            <a:endParaRPr lang="en-US" dirty="0" smtClean="0"/>
-          </a:p>
-          <a:p>
-            <a:pPr lvl="2"/>
-            <a:r>
-              <a:rPr lang="en-US" dirty="0" smtClean="0"/>
-              <a:t>Gets next thread to run; Signals next thread to wake up and lets current thread wait for next turn</a:t>
-            </a:r>
-            <a:endParaRPr lang="en-US" dirty="0" smtClean="0"/>
-          </a:p>
-          <a:p>
-            <a:pPr lvl="1"/>
-            <a:r>
-              <a:rPr lang="en-US" dirty="0" err="1" smtClean="0"/>
-              <a:t>mutexLock</a:t>
-            </a:r>
-            <a:r>
-              <a:rPr lang="en-US" dirty="0" smtClean="0"/>
-              <a:t>(</a:t>
-            </a:r>
-            <a:r>
-              <a:rPr lang="en-US" dirty="0" smtClean="0"/>
-              <a:t>)</a:t>
-            </a:r>
-          </a:p>
-          <a:p>
-            <a:pPr lvl="2"/>
-            <a:r>
-              <a:rPr lang="en-US" dirty="0" smtClean="0"/>
-              <a:t>If lock is available, set thread to holding, else add </a:t>
-            </a:r>
-            <a:r>
-              <a:rPr lang="en-US" dirty="0" smtClean="0"/>
-              <a:t>thread to waiting list</a:t>
+              <a:t>If lock is available, set thread to holding, else add thread to waiting list</a:t>
             </a:r>
           </a:p>
           <a:p>
@@ -15992,34 +19179,14 @@
             </a:r>
             <a:r>
               <a:rPr lang="en-US" dirty="0" smtClean="0"/>
-              <a:t>(</a:t>
-            </a:r>
+              <a:t>()</a:t>
+            </a:r>
+          </a:p>
+          <a:p>
+            <a:pPr lvl="2"/>
             <a:r>
               <a:rPr lang="en-US" dirty="0" smtClean="0"/>
-              <a:t>)</a:t>
-            </a:r>
-          </a:p>
-          <a:p>
-            <a:pPr lvl="2"/>
-            <a:r>
-              <a:rPr lang="en-US" dirty="0" smtClean="0"/>
-              <a:t>R</a:t>
-            </a:r>
-            <a:r>
-              <a:rPr lang="en-US" dirty="0" smtClean="0"/>
-              <a:t>eleases </a:t>
-            </a:r>
-            <a:r>
-              <a:rPr lang="en-US" dirty="0" smtClean="0"/>
-              <a:t>lock; </a:t>
-            </a:r>
-            <a:r>
-              <a:rPr lang="en-US" dirty="0" smtClean="0"/>
-              <a:t>reassigns </a:t>
-            </a:r>
-            <a:r>
-              <a:rPr lang="en-US" dirty="0" smtClean="0"/>
-              <a:t>to a waiting thread</a:t>
+              <a:t>Releases lock; reassigns to a waiting thread</a:t>
             </a:r>
           </a:p>
           <a:p>
@@ -16030,11 +19197,7 @@
             </a:r>
             <a:r>
               <a:rPr lang="en-US" dirty="0" smtClean="0"/>
-              <a:t>(</a:t>
-            </a:r>
-            <a:r>
-              <a:rPr lang="en-US" dirty="0" smtClean="0"/>
-              <a:t>)</a:t>
+              <a:t>()</a:t>
             </a:r>
           </a:p>
           <a:p>
@@ -16043,7 +19206,6 @@
               <a:rPr lang="en-US" dirty="0" smtClean="0"/>
               <a:t>If semaphore is available, use it, else add thread to waiting list</a:t>
             </a:r>
-            <a:endParaRPr lang="en-US" dirty="0" smtClean="0"/>
           </a:p>
           <a:p>
             <a:pPr lvl="1"/>
@@ -16053,43 +19215,47 @@
             </a:r>
             <a:r>
               <a:rPr lang="en-US" dirty="0" smtClean="0"/>
-              <a:t>(</a:t>
-            </a:r>
+              <a:t>()</a:t>
+            </a:r>
+          </a:p>
+          <a:p>
+            <a:pPr lvl="2"/>
             <a:r>
               <a:rPr lang="en-US" dirty="0" smtClean="0"/>
-              <a:t>)</a:t>
-            </a:r>
-          </a:p>
-          <a:p>
-            <a:pPr lvl="2"/>
-            <a:r>
-              <a:rPr lang="en-US" dirty="0" smtClean="0"/>
-              <a:t>R</a:t>
-            </a:r>
-            <a:r>
-              <a:rPr lang="en-US" dirty="0" smtClean="0"/>
-              <a:t>eleases </a:t>
-            </a:r>
-            <a:r>
-              <a:rPr lang="en-US" dirty="0" smtClean="0"/>
-              <a:t>semaphore; </a:t>
-            </a:r>
-            <a:r>
-              <a:rPr lang="en-US" dirty="0" smtClean="0"/>
-              <a:t>reassigns </a:t>
-            </a:r>
-            <a:r>
-              <a:rPr lang="en-US" dirty="0" smtClean="0"/>
-              <a:t>to a waiting thread</a:t>
+              <a:t>Releases semaphore; reassigns to a waiting thread</a:t>
             </a:r>
             <a:endParaRPr lang="en-US" dirty="0"/>
+          </a:p>
+        </p:txBody>
+      </p:sp>
+      <p:sp>
+        <p:nvSpPr>
+          <p:cNvPr id="4" name="Slide Number Placeholder 3"/>
+          <p:cNvSpPr>
+            <a:spLocks noGrp="1"/>
+          </p:cNvSpPr>
+          <p:nvPr>
+            <p:ph type="sldNum" sz="quarter" idx="12"/>
+          </p:nvPr>
+        </p:nvSpPr>
+        <p:spPr/>
+        <p:txBody>
+          <a:bodyPr/>
+          <a:lstStyle/>
+          <a:p>
+            <a:fld id="{0CFEC368-1D7A-4F81-ABF6-AE0E36BAF64C}" type="slidenum">
+              <a:rPr lang="en-US" smtClean="0"/>
+              <a:pPr/>
+              <a:t>9</a:t>
+            </a:fld>
+            <a:endParaRPr lang="en-US"/>
           </a:p>
         </p:txBody>
       </p:sp>
     </p:spTree>
     <p:extLst>
       <p:ext uri="{BB962C8B-B14F-4D97-AF65-F5344CB8AC3E}">
-        <p14:creationId xmlns:p14="http://schemas.microsoft.com/office/powerpoint/2010/main" val="3518893149"/>
+        <p14:creationId xmlns:p14="http://schemas.microsoft.com/office/powerpoint/2010/main" val="1725708157"/>
       </p:ext>
     </p:extLst>
   </p:cSld>

--- a/Documents/Concur_Presentation.pptx
+++ b/Documents/Concur_Presentation.pptx
@@ -14,7 +14,7 @@
     <p:sldId id="281" r:id="rId5"/>
     <p:sldId id="259" r:id="rId6"/>
     <p:sldId id="266" r:id="rId7"/>
-    <p:sldId id="275" r:id="rId8"/>
+    <p:sldId id="291" r:id="rId8"/>
     <p:sldId id="288" r:id="rId9"/>
     <p:sldId id="290" r:id="rId10"/>
     <p:sldId id="286" r:id="rId11"/>
@@ -213,7 +213,7 @@
           <a:p>
             <a:fld id="{BE2663A9-2618-6649-B6E3-2D33878C5258}" type="datetimeFigureOut">
               <a:rPr lang="en-US" smtClean="0"/>
-              <a:t>6/6/12</a:t>
+              <a:t>6/7/12</a:t>
             </a:fld>
             <a:endParaRPr lang="en-US"/>
           </a:p>
@@ -1231,15 +1231,7 @@
             </a:r>
             <a:r>
               <a:rPr lang="en-US" baseline="0" dirty="0" smtClean="0"/>
-              <a:t> call after each statement increases </a:t>
-            </a:r>
-            <a:r>
-              <a:rPr lang="en-US" baseline="0" dirty="0" smtClean="0"/>
-              <a:t>craziness of </a:t>
-            </a:r>
-            <a:r>
-              <a:rPr lang="en-US" baseline="0" dirty="0" smtClean="0"/>
-              <a:t>the schedules</a:t>
+              <a:t> call after each statement increases craziness of the schedules</a:t>
             </a:r>
             <a:endParaRPr lang="en-US" dirty="0" smtClean="0"/>
           </a:p>
@@ -1916,7 +1908,7 @@
           <a:p>
             <a:fld id="{F09FF0AF-D2C1-48E6-838D-34907CC7AAD3}" type="datetime2">
               <a:rPr lang="en-US" smtClean="0"/>
-              <a:t>Wednesday, June 6, 12</a:t>
+              <a:t>Thursday, June 7, 12</a:t>
             </a:fld>
             <a:endParaRPr lang="en-US"/>
           </a:p>
@@ -2118,7 +2110,7 @@
           <a:p>
             <a:fld id="{6E272829-C125-48EE-B9F1-150AD50C9F98}" type="datetime2">
               <a:rPr lang="en-US" smtClean="0"/>
-              <a:t>Wednesday, June 6, 12</a:t>
+              <a:t>Thursday, June 7, 12</a:t>
             </a:fld>
             <a:endParaRPr lang="en-US"/>
           </a:p>
@@ -2295,7 +2287,7 @@
           <a:p>
             <a:fld id="{05341E2C-B9D9-45C2-B520-10A28977426A}" type="datetime2">
               <a:rPr lang="en-US" smtClean="0"/>
-              <a:t>Wednesday, June 6, 12</a:t>
+              <a:t>Thursday, June 7, 12</a:t>
             </a:fld>
             <a:endParaRPr lang="en-US"/>
           </a:p>
@@ -2462,7 +2454,7 @@
           <a:p>
             <a:fld id="{12925254-87A5-4CF0-99E8-AC8E68BF7E06}" type="datetime2">
               <a:rPr lang="en-US" smtClean="0"/>
-              <a:t>Wednesday, June 6, 12</a:t>
+              <a:t>Thursday, June 7, 12</a:t>
             </a:fld>
             <a:endParaRPr lang="en-US"/>
           </a:p>
@@ -2712,7 +2704,7 @@
           <a:p>
             <a:fld id="{DC2946C1-A293-479B-BDA5-001C778CB73D}" type="datetime2">
               <a:rPr lang="en-US" smtClean="0"/>
-              <a:t>Wednesday, June 6, 12</a:t>
+              <a:t>Thursday, June 7, 12</a:t>
             </a:fld>
             <a:endParaRPr lang="en-US"/>
           </a:p>
@@ -3032,7 +3024,7 @@
           <a:p>
             <a:fld id="{D1BA556C-EF54-4AA5-9DB7-CE7372A45079}" type="datetime2">
               <a:rPr lang="en-US" smtClean="0"/>
-              <a:t>Wednesday, June 6, 12</a:t>
+              <a:t>Thursday, June 7, 12</a:t>
             </a:fld>
             <a:endParaRPr lang="en-US"/>
           </a:p>
@@ -3500,7 +3492,7 @@
           <a:p>
             <a:fld id="{B78E10FB-3602-4C38-94EA-83110B555185}" type="datetime2">
               <a:rPr lang="en-US" smtClean="0"/>
-              <a:t>Wednesday, June 6, 12</a:t>
+              <a:t>Thursday, June 7, 12</a:t>
             </a:fld>
             <a:endParaRPr lang="en-US"/>
           </a:p>
@@ -3650,7 +3642,7 @@
           <a:p>
             <a:fld id="{CE2B67B4-70E4-41D6-8604-8C58B39011FA}" type="datetime2">
               <a:rPr lang="en-US" smtClean="0"/>
-              <a:t>Wednesday, June 6, 12</a:t>
+              <a:t>Thursday, June 7, 12</a:t>
             </a:fld>
             <a:endParaRPr lang="en-US"/>
           </a:p>
@@ -3742,7 +3734,7 @@
           <a:p>
             <a:fld id="{96C14349-F0F1-4B64-9196-E808C561C052}" type="datetime2">
               <a:rPr lang="en-US" smtClean="0"/>
-              <a:t>Wednesday, June 6, 12</a:t>
+              <a:t>Thursday, June 7, 12</a:t>
             </a:fld>
             <a:endParaRPr lang="en-US"/>
           </a:p>
@@ -4018,7 +4010,7 @@
           <a:p>
             <a:fld id="{AEFF8DCA-800C-4A35-9DC7-25E631DA2DB6}" type="datetime2">
               <a:rPr lang="en-US" smtClean="0"/>
-              <a:t>Wednesday, June 6, 12</a:t>
+              <a:t>Thursday, June 7, 12</a:t>
             </a:fld>
             <a:endParaRPr lang="en-US"/>
           </a:p>
@@ -4325,7 +4317,7 @@
           <a:p>
             <a:fld id="{A2A2C62E-D659-49D4-A739-4E48E87EAA9F}" type="datetime2">
               <a:rPr lang="en-US" smtClean="0"/>
-              <a:t>Wednesday, June 6, 12</a:t>
+              <a:t>Thursday, June 7, 12</a:t>
             </a:fld>
             <a:endParaRPr lang="en-US"/>
           </a:p>
@@ -4625,7 +4617,7 @@
           <a:p>
             <a:fld id="{1C925619-5C23-46BF-A87A-5AD00CBA1C66}" type="datetime2">
               <a:rPr lang="en-US" smtClean="0"/>
-              <a:t>Wednesday, June 6, 12</a:t>
+              <a:t>Thursday, June 7, 12</a:t>
             </a:fld>
             <a:endParaRPr lang="en-US" dirty="0"/>
           </a:p>
@@ -5430,50 +5422,24 @@
               <a:rPr lang="en-US" dirty="0" smtClean="0"/>
               <a:t>schedules</a:t>
             </a:r>
-            <a:endParaRPr lang="en-US" dirty="0" smtClean="0"/>
           </a:p>
           <a:p>
             <a:r>
               <a:rPr lang="en-US" dirty="0" smtClean="0"/>
-              <a:t>3.  </a:t>
-            </a:r>
+              <a:t>3.  Observe status at end of each test run</a:t>
+            </a:r>
+          </a:p>
+          <a:p>
+            <a:pPr lvl="1"/>
             <a:r>
               <a:rPr lang="en-US" dirty="0" smtClean="0"/>
-              <a:t>Observe</a:t>
-            </a:r>
+              <a:t>(proceed to next step if run failed)</a:t>
+            </a:r>
+          </a:p>
+          <a:p>
             <a:r>
               <a:rPr lang="en-US" dirty="0" smtClean="0"/>
-              <a:t> </a:t>
-            </a:r>
-            <a:r>
-              <a:rPr lang="en-US" dirty="0" smtClean="0"/>
-              <a:t>status at end of each test </a:t>
-            </a:r>
-            <a:r>
-              <a:rPr lang="en-US" dirty="0" smtClean="0"/>
-              <a:t>run</a:t>
-            </a:r>
-            <a:endParaRPr lang="en-US" dirty="0" smtClean="0"/>
-          </a:p>
-          <a:p>
-            <a:pPr lvl="1"/>
-            <a:r>
-              <a:rPr lang="en-US" dirty="0" smtClean="0"/>
-              <a:t>(</a:t>
-            </a:r>
-            <a:r>
-              <a:rPr lang="en-US" dirty="0" smtClean="0"/>
-              <a:t>proceed to next step if run failed)</a:t>
-            </a:r>
-          </a:p>
-          <a:p>
-            <a:r>
-              <a:rPr lang="en-US" dirty="0" smtClean="0"/>
-              <a:t>4</a:t>
-            </a:r>
-            <a:r>
-              <a:rPr lang="en-US" dirty="0" smtClean="0"/>
-              <a:t>.  </a:t>
+              <a:t>4.  </a:t>
             </a:r>
             <a:r>
               <a:rPr lang="en-US" dirty="0"/>
@@ -5671,11 +5637,7 @@
           <a:p>
             <a:r>
               <a:rPr lang="en-US" dirty="0" smtClean="0"/>
-              <a:t>4</a:t>
-            </a:r>
-            <a:r>
-              <a:rPr lang="en-US" dirty="0" smtClean="0"/>
-              <a:t>.  Open </a:t>
+              <a:t>4.  Open </a:t>
             </a:r>
             <a:r>
               <a:rPr lang="en-US" dirty="0" err="1" smtClean="0"/>
@@ -5683,11 +5645,7 @@
             </a:r>
             <a:r>
               <a:rPr lang="en-US" dirty="0" smtClean="0"/>
-              <a:t> to see where error occurred</a:t>
-            </a:r>
-            <a:r>
-              <a:rPr lang="en-US" dirty="0" smtClean="0"/>
-              <a:t>.</a:t>
+              <a:t> to see where error occurred.</a:t>
             </a:r>
           </a:p>
           <a:p>
@@ -5703,18 +5661,12 @@
               <a:rPr lang="en-US" dirty="0" smtClean="0"/>
               <a:t>:</a:t>
             </a:r>
-            <a:endParaRPr lang="en-US" dirty="0" smtClean="0"/>
           </a:p>
           <a:p>
             <a:r>
               <a:rPr lang="en-US" dirty="0" smtClean="0"/>
-              <a:t>5.  Correct error and rerun Concur with same inputs</a:t>
-            </a:r>
-            <a:r>
-              <a:rPr lang="en-US" dirty="0" smtClean="0"/>
-              <a:t>.</a:t>
-            </a:r>
-            <a:endParaRPr lang="en-US" dirty="0" smtClean="0"/>
+              <a:t>5.  Correct error and rerun Concur with same inputs.</a:t>
+            </a:r>
           </a:p>
         </p:txBody>
       </p:sp>
@@ -5824,15 +5776,7 @@
           <a:p>
             <a:r>
               <a:rPr lang="en-US" dirty="0" smtClean="0"/>
-              <a:t>Used Wrapper to test </a:t>
-            </a:r>
-            <a:r>
-              <a:rPr lang="en-US" dirty="0" smtClean="0"/>
-              <a:t>four student submissions from Fall 2011 for the Unisex Bathroom </a:t>
-            </a:r>
-            <a:r>
-              <a:rPr lang="en-US" dirty="0" smtClean="0"/>
-              <a:t>problem</a:t>
+              <a:t>Used Wrapper to test four student submissions from Fall 2011 for the Unisex Bathroom problem</a:t>
             </a:r>
           </a:p>
         </p:txBody>
@@ -6668,15 +6612,29 @@
           </a:bodyPr>
           <a:lstStyle/>
           <a:p>
+            <a:pPr marL="0" indent="0">
+              <a:buNone/>
+            </a:pPr>
             <a:r>
               <a:rPr lang="en-US" dirty="0" smtClean="0"/>
-              <a:t>Deadlock detection:  If all active threads are blocked waiting for either a lock or semaphore, then a deadlock has occurred.</a:t>
-            </a:r>
-          </a:p>
-          <a:p>
+              <a:t>+  Deadlock </a:t>
+            </a:r>
             <a:r>
               <a:rPr lang="en-US" dirty="0" smtClean="0"/>
-              <a:t>Controlled environment:</a:t>
+              <a:t>detection:  If all active threads are blocked waiting for either a lock or semaphore, then a deadlock has occurred.</a:t>
+            </a:r>
+          </a:p>
+          <a:p>
+            <a:pPr marL="0" indent="0">
+              <a:buNone/>
+            </a:pPr>
+            <a:r>
+              <a:rPr lang="en-US" dirty="0" smtClean="0"/>
+              <a:t>+  Controlled </a:t>
+            </a:r>
+            <a:r>
+              <a:rPr lang="en-US" dirty="0" smtClean="0"/>
+              <a:t>environment:</a:t>
             </a:r>
           </a:p>
           <a:p>
@@ -6694,9 +6652,16 @@
             </a:r>
           </a:p>
           <a:p>
+            <a:pPr marL="0" indent="0">
+              <a:buNone/>
+            </a:pPr>
             <a:r>
               <a:rPr lang="en-US" dirty="0" smtClean="0"/>
-              <a:t>Increased schedule coverage:</a:t>
+              <a:t>+  Increased </a:t>
+            </a:r>
+            <a:r>
+              <a:rPr lang="en-US" dirty="0" smtClean="0"/>
+              <a:t>schedule coverage:</a:t>
             </a:r>
           </a:p>
           <a:p>
@@ -6714,9 +6679,16 @@
             </a:r>
           </a:p>
           <a:p>
+            <a:pPr marL="0" indent="0">
+              <a:buNone/>
+            </a:pPr>
+            <a:r>
+              <a:rPr lang="en-US" dirty="0" smtClean="0"/>
+              <a:t>+  The </a:t>
+            </a:r>
             <a:r>
               <a:rPr lang="en-US" dirty="0"/>
-              <a:t>The framework, with minimal work of the instructor, can be used for a variety of synchronization exercises</a:t>
+              <a:t>framework, with minimal work of the instructor, can be used for a variety of synchronization exercises</a:t>
             </a:r>
             <a:r>
               <a:rPr lang="en-US" dirty="0" smtClean="0"/>
@@ -6724,9 +6696,12 @@
             </a:r>
           </a:p>
           <a:p>
+            <a:pPr marL="0" indent="0">
+              <a:buNone/>
+            </a:pPr>
             <a:r>
               <a:rPr lang="en-US" dirty="0" smtClean="0"/>
-              <a:t>The </a:t>
+              <a:t>+  The </a:t>
             </a:r>
             <a:r>
               <a:rPr lang="en-US" dirty="0"/>
@@ -6840,11 +6815,7 @@
           <a:p>
             <a:r>
               <a:rPr lang="en-US" dirty="0" smtClean="0"/>
-              <a:t>Improve </a:t>
-            </a:r>
-            <a:r>
-              <a:rPr lang="en-US" dirty="0" smtClean="0"/>
-              <a:t>performance</a:t>
+              <a:t>Improve performance</a:t>
             </a:r>
           </a:p>
           <a:p>
@@ -6868,11 +6839,7 @@
           <a:p>
             <a:r>
               <a:rPr lang="en-US" dirty="0" smtClean="0"/>
-              <a:t>Incorporate </a:t>
-            </a:r>
-            <a:r>
-              <a:rPr lang="en-US" dirty="0" smtClean="0"/>
-              <a:t>Checker for mutual exclusion violations</a:t>
+              <a:t>Incorporate Checker for mutual exclusion violations</a:t>
             </a:r>
           </a:p>
         </p:txBody>
@@ -6999,15 +6966,7 @@
             <a:pPr lvl="1"/>
             <a:r>
               <a:rPr lang="en-US" dirty="0" smtClean="0"/>
-              <a:t>Increased </a:t>
-            </a:r>
-            <a:r>
-              <a:rPr lang="en-US" dirty="0" smtClean="0"/>
-              <a:t>multiple schedule</a:t>
-            </a:r>
-            <a:r>
-              <a:rPr lang="en-US" dirty="0" smtClean="0"/>
-              <a:t> coverage</a:t>
+              <a:t>Increased multiple schedule coverage</a:t>
             </a:r>
           </a:p>
           <a:p>
@@ -7016,7 +6975,6 @@
               <a:rPr lang="en-US" dirty="0" smtClean="0"/>
               <a:t>Thread, lock, and semaphore status</a:t>
             </a:r>
-            <a:endParaRPr lang="en-US" dirty="0" smtClean="0"/>
           </a:p>
           <a:p>
             <a:pPr marL="0" indent="0">
@@ -7839,19 +7797,7 @@
           <a:p>
             <a:r>
               <a:rPr lang="en-US" dirty="0" smtClean="0"/>
-              <a:t>Problem &amp; Proposed Solution	</a:t>
-            </a:r>
-            <a:r>
-              <a:rPr lang="en-US" dirty="0" smtClean="0"/>
-              <a:t>	</a:t>
-            </a:r>
-            <a:r>
-              <a:rPr lang="en-US" dirty="0" smtClean="0"/>
-              <a:t>  </a:t>
-            </a:r>
-            <a:r>
-              <a:rPr lang="en-US" dirty="0" smtClean="0"/>
-              <a:t>3 </a:t>
+              <a:t>Problem &amp; Proposed Solution		  3 </a:t>
             </a:r>
             <a:r>
               <a:rPr lang="en-US" dirty="0" err="1" smtClean="0"/>
@@ -9893,15 +9839,7 @@
                     <a:srgbClr val="292934"/>
                   </a:solidFill>
                 </a:rPr>
-                <a:t>pthread</a:t>
-              </a:r>
-              <a:r>
-                <a:rPr lang="en-US" sz="1200" dirty="0" err="1" smtClean="0">
-                  <a:solidFill>
-                    <a:srgbClr val="292934"/>
-                  </a:solidFill>
-                </a:rPr>
-                <a:t>.h</a:t>
+                <a:t>pthread.h</a:t>
               </a:r>
               <a:r>
                 <a:rPr lang="en-US" sz="1200" dirty="0">
@@ -9957,15 +9895,7 @@
                     <a:srgbClr val="292934"/>
                   </a:solidFill>
                 </a:rPr>
-                <a:t>/</a:t>
-              </a:r>
-              <a:r>
-                <a:rPr lang="en-US" sz="1200" dirty="0" smtClean="0">
-                  <a:solidFill>
-                    <a:srgbClr val="292934"/>
-                  </a:solidFill>
-                </a:rPr>
-                <a:t>/ global variables</a:t>
+                <a:t>// global variables</a:t>
               </a:r>
             </a:p>
             <a:p>
@@ -10009,11 +9939,6 @@
                 </a:rPr>
                 <a:t>;</a:t>
               </a:r>
-              <a:endParaRPr lang="en-US" sz="1200" dirty="0" smtClean="0">
-                <a:solidFill>
-                  <a:srgbClr val="292934"/>
-                </a:solidFill>
-              </a:endParaRPr>
             </a:p>
             <a:p>
               <a:r>
@@ -10084,15 +10009,7 @@
                     <a:srgbClr val="292934"/>
                   </a:solidFill>
                 </a:rPr>
-                <a:t>() </a:t>
-              </a:r>
-              <a:r>
-                <a:rPr lang="en-US" sz="1200" dirty="0" smtClean="0">
-                  <a:solidFill>
-                    <a:srgbClr val="292934"/>
-                  </a:solidFill>
-                </a:rPr>
-                <a:t>{</a:t>
+                <a:t>() {</a:t>
               </a:r>
             </a:p>
             <a:p>
@@ -10152,15 +10069,7 @@
                     <a:srgbClr val="292934"/>
                   </a:solidFill>
                 </a:rPr>
-                <a:t>s</a:t>
-              </a:r>
-              <a:r>
-                <a:rPr lang="en-US" sz="1200" dirty="0" err="1" smtClean="0">
-                  <a:solidFill>
-                    <a:srgbClr val="292934"/>
-                  </a:solidFill>
-                </a:rPr>
-                <a:t>em_wait</a:t>
+                <a:t>sem_wait</a:t>
               </a:r>
               <a:r>
                 <a:rPr lang="en-US" sz="1200" dirty="0" smtClean="0">
@@ -10219,11 +10128,6 @@
                 </a:rPr>
                 <a:t>}</a:t>
               </a:r>
-              <a:endParaRPr lang="en-US" sz="1200" dirty="0" smtClean="0">
-                <a:solidFill>
-                  <a:srgbClr val="292934"/>
-                </a:solidFill>
-              </a:endParaRPr>
             </a:p>
             <a:p>
               <a:endParaRPr lang="en-US" sz="1200" dirty="0" smtClean="0">
@@ -10247,15 +10151,7 @@
                     <a:srgbClr val="292934"/>
                   </a:solidFill>
                 </a:rPr>
-                <a:t>() </a:t>
-              </a:r>
-              <a:r>
-                <a:rPr lang="en-US" sz="1200" dirty="0" smtClean="0">
-                  <a:solidFill>
-                    <a:srgbClr val="292934"/>
-                  </a:solidFill>
-                </a:rPr>
-                <a:t>{</a:t>
+                <a:t>() {</a:t>
               </a:r>
             </a:p>
             <a:p>
@@ -10291,15 +10187,7 @@
                     <a:srgbClr val="292934"/>
                   </a:solidFill>
                 </a:rPr>
-                <a:t>s</a:t>
-              </a:r>
-              <a:r>
-                <a:rPr lang="en-US" sz="1200" dirty="0" err="1" smtClean="0">
-                  <a:solidFill>
-                    <a:srgbClr val="292934"/>
-                  </a:solidFill>
-                </a:rPr>
-                <a:t>em_post</a:t>
+                <a:t>sem_post</a:t>
               </a:r>
               <a:r>
                 <a:rPr lang="en-US" sz="1200" dirty="0" smtClean="0">
@@ -10498,15 +10386,7 @@
                     <a:srgbClr val="292934"/>
                   </a:solidFill>
                 </a:rPr>
-                <a:t>hw1</a:t>
-              </a:r>
-              <a:r>
-                <a:rPr lang="en-US" sz="1200" dirty="0" smtClean="0">
-                  <a:solidFill>
-                    <a:srgbClr val="292934"/>
-                  </a:solidFill>
-                </a:rPr>
-                <a:t>.cpp</a:t>
+                <a:t>hw1.cpp</a:t>
               </a:r>
               <a:endParaRPr lang="en-US" sz="1200" dirty="0">
                 <a:solidFill>
@@ -12014,9 +11894,6 @@
               </a:rPr>
               <a:t>unning on multiple schedules</a:t>
             </a:r>
-            <a:endParaRPr lang="en-US" sz="1600" dirty="0" smtClean="0">
-              <a:sym typeface="Wingdings"/>
-            </a:endParaRPr>
           </a:p>
         </p:txBody>
       </p:sp>
@@ -12598,11 +12475,7 @@
             <a:p>
               <a:r>
                 <a:rPr lang="en-US" sz="1600" dirty="0" smtClean="0"/>
-                <a:t>Test Run </a:t>
-              </a:r>
-              <a:r>
-                <a:rPr lang="en-US" sz="1600" dirty="0" smtClean="0"/>
-                <a:t>States</a:t>
+                <a:t>Test Run States</a:t>
               </a:r>
               <a:endParaRPr lang="en-US" sz="1600" dirty="0"/>
             </a:p>
@@ -13182,11 +13055,7 @@
           <a:p>
             <a:r>
               <a:rPr lang="en-US" dirty="0" smtClean="0"/>
-              <a:t>Problem &amp; </a:t>
-            </a:r>
-            <a:r>
-              <a:rPr lang="en-US" dirty="0" smtClean="0"/>
-              <a:t>Proposed Solution</a:t>
+              <a:t>Problem &amp; Proposed Solution</a:t>
             </a:r>
             <a:endParaRPr lang="en-US" dirty="0"/>
           </a:p>
@@ -13213,7 +13082,6 @@
               <a:rPr lang="en-US" dirty="0" smtClean="0"/>
               <a:t>Problem:</a:t>
             </a:r>
-            <a:endParaRPr lang="en-US" dirty="0" smtClean="0"/>
           </a:p>
           <a:p>
             <a:pPr lvl="1"/>
@@ -13221,7 +13089,6 @@
               <a:rPr lang="en-US" dirty="0" smtClean="0"/>
               <a:t>Students have insufficient resources to adequately determine if their multithreaded program is free from deadlock and/or race conditions.  </a:t>
             </a:r>
-            <a:endParaRPr lang="en-US" dirty="0" smtClean="0"/>
           </a:p>
           <a:p>
             <a:pPr lvl="1"/>
@@ -13741,15 +13608,7 @@
             </a:pPr>
             <a:r>
               <a:rPr lang="en-US" dirty="0" smtClean="0"/>
-              <a:t>Increased </a:t>
-            </a:r>
-            <a:r>
-              <a:rPr lang="en-US" dirty="0" smtClean="0"/>
-              <a:t>varied schedule </a:t>
-            </a:r>
-            <a:r>
-              <a:rPr lang="en-US" dirty="0" smtClean="0"/>
-              <a:t>coverage</a:t>
+              <a:t>Increased varied schedule coverage</a:t>
             </a:r>
           </a:p>
           <a:p>
@@ -13759,13 +13618,8 @@
             </a:pPr>
             <a:r>
               <a:rPr lang="en-US" dirty="0" smtClean="0"/>
-              <a:t>Status of threads, locks, and </a:t>
-            </a:r>
-            <a:r>
-              <a:rPr lang="en-US" dirty="0" smtClean="0"/>
-              <a:t>semaphores</a:t>
-            </a:r>
-            <a:endParaRPr lang="en-US" dirty="0" smtClean="0"/>
+              <a:t>Status of threads, locks, and semaphores</a:t>
+            </a:r>
           </a:p>
         </p:txBody>
       </p:sp>
@@ -14365,12 +14219,17 @@
         </p:nvSpPr>
         <p:spPr>
           <a:xfrm>
-            <a:off x="3530602" y="1937134"/>
+            <a:off x="3832129" y="1869584"/>
             <a:ext cx="1439332" cy="524933"/>
           </a:xfrm>
           <a:prstGeom prst="rect">
             <a:avLst/>
           </a:prstGeom>
+          <a:ln w="76200" cmpd="tri">
+            <a:solidFill>
+              <a:schemeClr val="tx1"/>
+            </a:solidFill>
+          </a:ln>
         </p:spPr>
         <p:style>
           <a:lnRef idx="1">
@@ -14414,10 +14273,10 @@
         </p:nvGrpSpPr>
         <p:grpSpPr>
           <a:xfrm>
-            <a:off x="4250268" y="2462066"/>
-            <a:ext cx="4680866" cy="1408661"/>
-            <a:chOff x="4250268" y="2462066"/>
-            <a:chExt cx="4680866" cy="1408661"/>
+            <a:off x="4551796" y="2381006"/>
+            <a:ext cx="4271244" cy="1422171"/>
+            <a:chOff x="4659890" y="2448556"/>
+            <a:chExt cx="4271244" cy="1422171"/>
           </a:xfrm>
         </p:grpSpPr>
         <p:sp>
@@ -14434,6 +14293,11 @@
             <a:prstGeom prst="rect">
               <a:avLst/>
             </a:prstGeom>
+            <a:ln w="76200" cmpd="tri">
+              <a:solidFill>
+                <a:schemeClr val="tx1"/>
+              </a:solidFill>
+            </a:ln>
           </p:spPr>
           <p:style>
             <a:lnRef idx="1">
@@ -14504,8 +14368,8 @@
           </p:nvCxnSpPr>
           <p:spPr>
             <a:xfrm rot="16200000" flipH="1">
-              <a:off x="5860001" y="852333"/>
-              <a:ext cx="883727" cy="4103193"/>
+              <a:off x="6058057" y="1050389"/>
+              <a:ext cx="897237" cy="3693572"/>
             </a:xfrm>
             <a:prstGeom prst="bentConnector3">
               <a:avLst/>
@@ -14538,10 +14402,10 @@
         </p:nvGrpSpPr>
         <p:grpSpPr>
           <a:xfrm>
-            <a:off x="1731928" y="2462067"/>
-            <a:ext cx="2518341" cy="1474933"/>
-            <a:chOff x="1681128" y="2462067"/>
-            <a:chExt cx="2518341" cy="1474933"/>
+            <a:off x="2075770" y="2381007"/>
+            <a:ext cx="2476025" cy="1400872"/>
+            <a:chOff x="1659752" y="2448562"/>
+            <a:chExt cx="3153264" cy="1400870"/>
           </a:xfrm>
         </p:grpSpPr>
         <p:sp>
@@ -14552,12 +14416,17 @@
           </p:nvSpPr>
           <p:spPr>
             <a:xfrm>
-              <a:off x="1681128" y="3345794"/>
-              <a:ext cx="1282205" cy="591206"/>
+              <a:off x="1659752" y="3324499"/>
+              <a:ext cx="1600402" cy="524933"/>
             </a:xfrm>
             <a:prstGeom prst="rect">
               <a:avLst/>
             </a:prstGeom>
+            <a:ln w="19050">
+              <a:solidFill>
+                <a:schemeClr val="tx1"/>
+              </a:solidFill>
+            </a:ln>
           </p:spPr>
           <p:style>
             <a:lnRef idx="1">
@@ -14612,8 +14481,8 @@
           </p:nvCxnSpPr>
           <p:spPr>
             <a:xfrm rot="5400000">
-              <a:off x="2818987" y="1965312"/>
-              <a:ext cx="883727" cy="1877237"/>
+              <a:off x="3198516" y="1709999"/>
+              <a:ext cx="875937" cy="2353063"/>
             </a:xfrm>
             <a:prstGeom prst="bentConnector3">
               <a:avLst>
@@ -14648,10 +14517,10 @@
         </p:nvGrpSpPr>
         <p:grpSpPr>
           <a:xfrm>
-            <a:off x="234172" y="2462068"/>
-            <a:ext cx="4016096" cy="2774416"/>
-            <a:chOff x="234172" y="2462068"/>
-            <a:chExt cx="4016096" cy="2774416"/>
+            <a:off x="369292" y="2381007"/>
+            <a:ext cx="4182503" cy="3252652"/>
+            <a:chOff x="234172" y="2448557"/>
+            <a:chExt cx="4182503" cy="3252652"/>
           </a:xfrm>
         </p:grpSpPr>
         <p:sp>
@@ -14668,6 +14537,12 @@
             <a:prstGeom prst="rect">
               <a:avLst/>
             </a:prstGeom>
+            <a:ln w="19050" cap="flat">
+              <a:solidFill>
+                <a:schemeClr val="tx1"/>
+              </a:solidFill>
+              <a:prstDash val="solid"/>
+            </a:ln>
           </p:spPr>
           <p:style>
             <a:lnRef idx="1">
@@ -14704,12 +14579,17 @@
           </p:nvSpPr>
           <p:spPr>
             <a:xfrm>
-              <a:off x="234173" y="4844171"/>
-              <a:ext cx="917294" cy="392313"/>
+              <a:off x="234173" y="5160810"/>
+              <a:ext cx="917294" cy="540399"/>
             </a:xfrm>
             <a:prstGeom prst="rect">
               <a:avLst/>
             </a:prstGeom>
+            <a:ln w="19050">
+              <a:solidFill>
+                <a:schemeClr val="tx1"/>
+              </a:solidFill>
+            </a:ln>
           </p:spPr>
           <p:style>
             <a:lnRef idx="1">
@@ -14769,12 +14649,18 @@
           </p:nvSpPr>
           <p:spPr>
             <a:xfrm>
-              <a:off x="234173" y="4103335"/>
-              <a:ext cx="917294" cy="452920"/>
+              <a:off x="234173" y="4184394"/>
+              <a:ext cx="917294" cy="544097"/>
             </a:xfrm>
             <a:prstGeom prst="rect">
               <a:avLst/>
             </a:prstGeom>
+            <a:ln w="19050">
+              <a:solidFill>
+                <a:schemeClr val="tx1"/>
+              </a:solidFill>
+              <a:prstDash val="solid"/>
+            </a:ln>
           </p:spPr>
           <p:style>
             <a:lnRef idx="1">
@@ -14797,8 +14683,9 @@
               <a:pPr algn="ctr"/>
               <a:r>
                 <a:rPr lang="en-US" sz="1200" dirty="0" smtClean="0"/>
-                <a:t>Program</a:t>
+                <a:t>Solution</a:t>
               </a:r>
+              <a:endParaRPr lang="en-US" sz="1200" dirty="0" smtClean="0"/>
             </a:p>
             <a:p>
               <a:pPr algn="ctr"/>
@@ -14837,8 +14724,8 @@
           </p:nvCxnSpPr>
           <p:spPr>
             <a:xfrm rot="5400000">
-              <a:off x="2092137" y="1166368"/>
-              <a:ext cx="862432" cy="3453831"/>
+              <a:off x="2168585" y="1076409"/>
+              <a:ext cx="875942" cy="3620238"/>
             </a:xfrm>
             <a:prstGeom prst="bentConnector3">
               <a:avLst>
@@ -14876,11 +14763,11 @@
           <p:spPr>
             <a:xfrm flipH="1">
               <a:off x="1151467" y="3586966"/>
-              <a:ext cx="207234" cy="1453362"/>
+              <a:ext cx="207234" cy="1844044"/>
             </a:xfrm>
             <a:prstGeom prst="bentConnector3">
               <a:avLst>
-                <a:gd name="adj1" fmla="val -61283"/>
+                <a:gd name="adj1" fmla="val -110310"/>
               </a:avLst>
             </a:prstGeom>
             <a:ln>
@@ -14914,551 +14801,11 @@
           <p:spPr>
             <a:xfrm flipH="1">
               <a:off x="1151467" y="3586966"/>
-              <a:ext cx="207234" cy="742829"/>
+              <a:ext cx="207234" cy="869477"/>
             </a:xfrm>
             <a:prstGeom prst="bentConnector3">
               <a:avLst>
-                <a:gd name="adj1" fmla="val -61283"/>
-              </a:avLst>
-            </a:prstGeom>
-            <a:ln>
-              <a:tailEnd type="arrow"/>
-            </a:ln>
-          </p:spPr>
-          <p:style>
-            <a:lnRef idx="2">
-              <a:schemeClr val="accent1"/>
-            </a:lnRef>
-            <a:fillRef idx="0">
-              <a:schemeClr val="accent1"/>
-            </a:fillRef>
-            <a:effectRef idx="1">
-              <a:schemeClr val="accent1"/>
-            </a:effectRef>
-            <a:fontRef idx="minor">
-              <a:schemeClr val="tx1"/>
-            </a:fontRef>
-          </p:style>
-        </p:cxnSp>
-      </p:grpSp>
-      <p:grpSp>
-        <p:nvGrpSpPr>
-          <p:cNvPr id="205" name="Group 204"/>
-          <p:cNvGrpSpPr/>
-          <p:nvPr/>
-        </p:nvGrpSpPr>
-        <p:grpSpPr>
-          <a:xfrm>
-            <a:off x="3378551" y="2462067"/>
-            <a:ext cx="1044437" cy="3413801"/>
-            <a:chOff x="3490311" y="2462067"/>
-            <a:chExt cx="1044437" cy="3413801"/>
-          </a:xfrm>
-        </p:grpSpPr>
-        <p:cxnSp>
-          <p:nvCxnSpPr>
-            <p:cNvPr id="18" name="Elbow Connector 17"/>
-            <p:cNvCxnSpPr>
-              <a:stCxn id="3" idx="2"/>
-              <a:endCxn id="8" idx="0"/>
-            </p:cNvCxnSpPr>
-            <p:nvPr/>
-          </p:nvCxnSpPr>
-          <p:spPr>
-            <a:xfrm rot="5400000">
-              <a:off x="3730175" y="2693622"/>
-              <a:ext cx="883728" cy="420618"/>
-            </a:xfrm>
-            <a:prstGeom prst="bentConnector3">
-              <a:avLst/>
-            </a:prstGeom>
-            <a:ln>
-              <a:tailEnd type="arrow"/>
-            </a:ln>
-          </p:spPr>
-          <p:style>
-            <a:lnRef idx="2">
-              <a:schemeClr val="accent1"/>
-            </a:lnRef>
-            <a:fillRef idx="0">
-              <a:schemeClr val="accent1"/>
-            </a:fillRef>
-            <a:effectRef idx="1">
-              <a:schemeClr val="accent1"/>
-            </a:effectRef>
-            <a:fontRef idx="minor">
-              <a:schemeClr val="tx1"/>
-            </a:fontRef>
-          </p:style>
-        </p:cxnSp>
-        <p:sp>
-          <p:nvSpPr>
-            <p:cNvPr id="8" name="Rectangle 7"/>
-            <p:cNvSpPr/>
-            <p:nvPr/>
-          </p:nvSpPr>
-          <p:spPr>
-            <a:xfrm>
-              <a:off x="3490312" y="3345795"/>
-              <a:ext cx="942835" cy="503638"/>
-            </a:xfrm>
-            <a:prstGeom prst="rect">
-              <a:avLst/>
-            </a:prstGeom>
-          </p:spPr>
-          <p:style>
-            <a:lnRef idx="1">
-              <a:schemeClr val="accent1"/>
-            </a:lnRef>
-            <a:fillRef idx="3">
-              <a:schemeClr val="accent1"/>
-            </a:fillRef>
-            <a:effectRef idx="2">
-              <a:schemeClr val="accent1"/>
-            </a:effectRef>
-            <a:fontRef idx="minor">
-              <a:schemeClr val="lt1"/>
-            </a:fontRef>
-          </p:style>
-          <p:txBody>
-            <a:bodyPr rtlCol="0" anchor="ctr"/>
-            <a:lstStyle/>
-            <a:p>
-              <a:pPr algn="ctr"/>
-              <a:r>
-                <a:rPr lang="en-US" sz="1200" dirty="0" smtClean="0"/>
-                <a:t>Scheduler</a:t>
-              </a:r>
-            </a:p>
-            <a:p>
-              <a:pPr algn="ctr"/>
-              <a:r>
-                <a:rPr lang="en-US" sz="1200" dirty="0" err="1">
-                  <a:solidFill>
-                    <a:srgbClr val="292934"/>
-                  </a:solidFill>
-                </a:rPr>
-                <a:t>s</a:t>
-              </a:r>
-              <a:r>
-                <a:rPr lang="en-US" sz="1200" dirty="0" err="1" smtClean="0">
-                  <a:solidFill>
-                    <a:srgbClr val="292934"/>
-                  </a:solidFill>
-                </a:rPr>
-                <a:t>ched.cpp</a:t>
-              </a:r>
-              <a:endParaRPr lang="en-US" sz="1200" dirty="0">
-                <a:solidFill>
-                  <a:srgbClr val="292934"/>
-                </a:solidFill>
-              </a:endParaRPr>
-            </a:p>
-          </p:txBody>
-        </p:sp>
-        <p:sp>
-          <p:nvSpPr>
-            <p:cNvPr id="62" name="Rectangle 61"/>
-            <p:cNvSpPr/>
-            <p:nvPr/>
-          </p:nvSpPr>
-          <p:spPr>
-            <a:xfrm>
-              <a:off x="3490311" y="4104527"/>
-              <a:ext cx="1044437" cy="451728"/>
-            </a:xfrm>
-            <a:prstGeom prst="rect">
-              <a:avLst/>
-            </a:prstGeom>
-          </p:spPr>
-          <p:style>
-            <a:lnRef idx="1">
-              <a:schemeClr val="accent1"/>
-            </a:lnRef>
-            <a:fillRef idx="3">
-              <a:schemeClr val="accent1"/>
-            </a:fillRef>
-            <a:effectRef idx="2">
-              <a:schemeClr val="accent1"/>
-            </a:effectRef>
-            <a:fontRef idx="minor">
-              <a:schemeClr val="lt1"/>
-            </a:fontRef>
-          </p:style>
-          <p:txBody>
-            <a:bodyPr rtlCol="0" anchor="ctr"/>
-            <a:lstStyle/>
-            <a:p>
-              <a:pPr algn="ctr"/>
-              <a:r>
-                <a:rPr lang="en-US" sz="1200" dirty="0" smtClean="0"/>
-                <a:t>Thread State Mgmt.</a:t>
-              </a:r>
-            </a:p>
-          </p:txBody>
-        </p:sp>
-        <p:sp>
-          <p:nvSpPr>
-            <p:cNvPr id="63" name="Rectangle 62"/>
-            <p:cNvSpPr/>
-            <p:nvPr/>
-          </p:nvSpPr>
-          <p:spPr>
-            <a:xfrm>
-              <a:off x="3490314" y="4844171"/>
-              <a:ext cx="1044433" cy="392313"/>
-            </a:xfrm>
-            <a:prstGeom prst="rect">
-              <a:avLst/>
-            </a:prstGeom>
-          </p:spPr>
-          <p:style>
-            <a:lnRef idx="1">
-              <a:schemeClr val="accent1"/>
-            </a:lnRef>
-            <a:fillRef idx="3">
-              <a:schemeClr val="accent1"/>
-            </a:fillRef>
-            <a:effectRef idx="2">
-              <a:schemeClr val="accent1"/>
-            </a:effectRef>
-            <a:fontRef idx="minor">
-              <a:schemeClr val="lt1"/>
-            </a:fontRef>
-          </p:style>
-          <p:txBody>
-            <a:bodyPr rtlCol="0" anchor="ctr"/>
-            <a:lstStyle/>
-            <a:p>
-              <a:pPr algn="ctr"/>
-              <a:r>
-                <a:rPr lang="en-US" sz="1200" dirty="0" smtClean="0"/>
-                <a:t>Lock </a:t>
-              </a:r>
-            </a:p>
-            <a:p>
-              <a:pPr algn="ctr"/>
-              <a:r>
-                <a:rPr lang="en-US" sz="1200" dirty="0" smtClean="0"/>
-                <a:t>State Mgmt.</a:t>
-              </a:r>
-            </a:p>
-          </p:txBody>
-        </p:sp>
-        <p:sp>
-          <p:nvSpPr>
-            <p:cNvPr id="64" name="Rectangle 63"/>
-            <p:cNvSpPr/>
-            <p:nvPr/>
-          </p:nvSpPr>
-          <p:spPr>
-            <a:xfrm>
-              <a:off x="3507248" y="5450708"/>
-              <a:ext cx="1027500" cy="425160"/>
-            </a:xfrm>
-            <a:prstGeom prst="rect">
-              <a:avLst/>
-            </a:prstGeom>
-          </p:spPr>
-          <p:style>
-            <a:lnRef idx="1">
-              <a:schemeClr val="accent1"/>
-            </a:lnRef>
-            <a:fillRef idx="3">
-              <a:schemeClr val="accent1"/>
-            </a:fillRef>
-            <a:effectRef idx="2">
-              <a:schemeClr val="accent1"/>
-            </a:effectRef>
-            <a:fontRef idx="minor">
-              <a:schemeClr val="lt1"/>
-            </a:fontRef>
-          </p:style>
-          <p:txBody>
-            <a:bodyPr rtlCol="0" anchor="ctr"/>
-            <a:lstStyle/>
-            <a:p>
-              <a:pPr algn="ctr"/>
-              <a:r>
-                <a:rPr lang="en-US" sz="1200" dirty="0" smtClean="0"/>
-                <a:t>Semaphore State Mgmt.</a:t>
-              </a:r>
-            </a:p>
-          </p:txBody>
-        </p:sp>
-        <p:cxnSp>
-          <p:nvCxnSpPr>
-            <p:cNvPr id="134" name="Elbow Connector 133"/>
-            <p:cNvCxnSpPr>
-              <a:stCxn id="8" idx="3"/>
-              <a:endCxn id="62" idx="3"/>
-            </p:cNvCxnSpPr>
-            <p:nvPr/>
-          </p:nvCxnSpPr>
-          <p:spPr>
-            <a:xfrm>
-              <a:off x="4433147" y="3597614"/>
-              <a:ext cx="101601" cy="732777"/>
-            </a:xfrm>
-            <a:prstGeom prst="bentConnector3">
-              <a:avLst>
-                <a:gd name="adj1" fmla="val 324998"/>
-              </a:avLst>
-            </a:prstGeom>
-            <a:ln>
-              <a:tailEnd type="arrow"/>
-            </a:ln>
-          </p:spPr>
-          <p:style>
-            <a:lnRef idx="2">
-              <a:schemeClr val="accent1"/>
-            </a:lnRef>
-            <a:fillRef idx="0">
-              <a:schemeClr val="accent1"/>
-            </a:fillRef>
-            <a:effectRef idx="1">
-              <a:schemeClr val="accent1"/>
-            </a:effectRef>
-            <a:fontRef idx="minor">
-              <a:schemeClr val="tx1"/>
-            </a:fontRef>
-          </p:style>
-        </p:cxnSp>
-        <p:cxnSp>
-          <p:nvCxnSpPr>
-            <p:cNvPr id="138" name="Elbow Connector 137"/>
-            <p:cNvCxnSpPr>
-              <a:stCxn id="8" idx="3"/>
-              <a:endCxn id="63" idx="3"/>
-            </p:cNvCxnSpPr>
-            <p:nvPr/>
-          </p:nvCxnSpPr>
-          <p:spPr>
-            <a:xfrm>
-              <a:off x="4433147" y="3597614"/>
-              <a:ext cx="101600" cy="1442714"/>
-            </a:xfrm>
-            <a:prstGeom prst="bentConnector3">
-              <a:avLst>
-                <a:gd name="adj1" fmla="val 325000"/>
-              </a:avLst>
-            </a:prstGeom>
-            <a:ln>
-              <a:tailEnd type="arrow"/>
-            </a:ln>
-          </p:spPr>
-          <p:style>
-            <a:lnRef idx="2">
-              <a:schemeClr val="accent1"/>
-            </a:lnRef>
-            <a:fillRef idx="0">
-              <a:schemeClr val="accent1"/>
-            </a:fillRef>
-            <a:effectRef idx="1">
-              <a:schemeClr val="accent1"/>
-            </a:effectRef>
-            <a:fontRef idx="minor">
-              <a:schemeClr val="tx1"/>
-            </a:fontRef>
-          </p:style>
-        </p:cxnSp>
-        <p:cxnSp>
-          <p:nvCxnSpPr>
-            <p:cNvPr id="141" name="Elbow Connector 140"/>
-            <p:cNvCxnSpPr>
-              <a:stCxn id="8" idx="3"/>
-              <a:endCxn id="64" idx="3"/>
-            </p:cNvCxnSpPr>
-            <p:nvPr/>
-          </p:nvCxnSpPr>
-          <p:spPr>
-            <a:xfrm>
-              <a:off x="4433147" y="3597614"/>
-              <a:ext cx="101601" cy="2065674"/>
-            </a:xfrm>
-            <a:prstGeom prst="bentConnector3">
-              <a:avLst>
-                <a:gd name="adj1" fmla="val 321665"/>
-              </a:avLst>
-            </a:prstGeom>
-            <a:ln>
-              <a:tailEnd type="arrow"/>
-            </a:ln>
-          </p:spPr>
-          <p:style>
-            <a:lnRef idx="2">
-              <a:schemeClr val="accent1"/>
-            </a:lnRef>
-            <a:fillRef idx="0">
-              <a:schemeClr val="accent1"/>
-            </a:fillRef>
-            <a:effectRef idx="1">
-              <a:schemeClr val="accent1"/>
-            </a:effectRef>
-            <a:fontRef idx="minor">
-              <a:schemeClr val="tx1"/>
-            </a:fontRef>
-          </p:style>
-        </p:cxnSp>
-      </p:grpSp>
-      <p:grpSp>
-        <p:nvGrpSpPr>
-          <p:cNvPr id="206" name="Group 205"/>
-          <p:cNvGrpSpPr/>
-          <p:nvPr/>
-        </p:nvGrpSpPr>
-        <p:grpSpPr>
-          <a:xfrm>
-            <a:off x="4250267" y="2462067"/>
-            <a:ext cx="1583779" cy="2048856"/>
-            <a:chOff x="4443307" y="2462067"/>
-            <a:chExt cx="1583779" cy="2048856"/>
-          </a:xfrm>
-        </p:grpSpPr>
-        <p:cxnSp>
-          <p:nvCxnSpPr>
-            <p:cNvPr id="170" name="Elbow Connector 169"/>
-            <p:cNvCxnSpPr>
-              <a:stCxn id="3" idx="2"/>
-              <a:endCxn id="61" idx="0"/>
-            </p:cNvCxnSpPr>
-            <p:nvPr/>
-          </p:nvCxnSpPr>
-          <p:spPr>
-            <a:xfrm rot="16200000" flipH="1">
-              <a:off x="4568891" y="2336483"/>
-              <a:ext cx="883728" cy="1134895"/>
-            </a:xfrm>
-            <a:prstGeom prst="bentConnector3">
-              <a:avLst>
-                <a:gd name="adj1" fmla="val 50000"/>
-              </a:avLst>
-            </a:prstGeom>
-            <a:ln>
-              <a:tailEnd type="arrow"/>
-            </a:ln>
-          </p:spPr>
-          <p:style>
-            <a:lnRef idx="2">
-              <a:schemeClr val="accent1"/>
-            </a:lnRef>
-            <a:fillRef idx="0">
-              <a:schemeClr val="accent1"/>
-            </a:fillRef>
-            <a:effectRef idx="1">
-              <a:schemeClr val="accent1"/>
-            </a:effectRef>
-            <a:fontRef idx="minor">
-              <a:schemeClr val="tx1"/>
-            </a:fontRef>
-          </p:style>
-        </p:cxnSp>
-        <p:sp>
-          <p:nvSpPr>
-            <p:cNvPr id="61" name="Rectangle 60"/>
-            <p:cNvSpPr/>
-            <p:nvPr/>
-          </p:nvSpPr>
-          <p:spPr>
-            <a:xfrm>
-              <a:off x="5142020" y="3345795"/>
-              <a:ext cx="872366" cy="503637"/>
-            </a:xfrm>
-            <a:prstGeom prst="rect">
-              <a:avLst/>
-            </a:prstGeom>
-          </p:spPr>
-          <p:style>
-            <a:lnRef idx="1">
-              <a:schemeClr val="accent1"/>
-            </a:lnRef>
-            <a:fillRef idx="3">
-              <a:schemeClr val="accent1"/>
-            </a:fillRef>
-            <a:effectRef idx="2">
-              <a:schemeClr val="accent1"/>
-            </a:effectRef>
-            <a:fontRef idx="minor">
-              <a:schemeClr val="lt1"/>
-            </a:fontRef>
-          </p:style>
-          <p:txBody>
-            <a:bodyPr rtlCol="0" anchor="ctr"/>
-            <a:lstStyle/>
-            <a:p>
-              <a:pPr algn="ctr"/>
-              <a:r>
-                <a:rPr lang="en-US" sz="1200" dirty="0" smtClean="0"/>
-                <a:t>Error Detection</a:t>
-              </a:r>
-            </a:p>
-          </p:txBody>
-        </p:sp>
-        <p:sp>
-          <p:nvSpPr>
-            <p:cNvPr id="83" name="Rectangle 82"/>
-            <p:cNvSpPr/>
-            <p:nvPr/>
-          </p:nvSpPr>
-          <p:spPr>
-            <a:xfrm>
-              <a:off x="5142020" y="4104527"/>
-              <a:ext cx="872366" cy="406396"/>
-            </a:xfrm>
-            <a:prstGeom prst="rect">
-              <a:avLst/>
-            </a:prstGeom>
-          </p:spPr>
-          <p:style>
-            <a:lnRef idx="1">
-              <a:schemeClr val="accent1"/>
-            </a:lnRef>
-            <a:fillRef idx="3">
-              <a:schemeClr val="accent1"/>
-            </a:fillRef>
-            <a:effectRef idx="2">
-              <a:schemeClr val="accent1"/>
-            </a:effectRef>
-            <a:fontRef idx="minor">
-              <a:schemeClr val="lt1"/>
-            </a:fontRef>
-          </p:style>
-          <p:txBody>
-            <a:bodyPr rtlCol="0" anchor="ctr"/>
-            <a:lstStyle/>
-            <a:p>
-              <a:pPr algn="ctr"/>
-              <a:r>
-                <a:rPr lang="en-US" sz="1200" dirty="0" smtClean="0"/>
-                <a:t>Deadlock</a:t>
-              </a:r>
-            </a:p>
-            <a:p>
-              <a:pPr algn="ctr"/>
-              <a:r>
-                <a:rPr lang="en-US" sz="1200" dirty="0" smtClean="0"/>
-                <a:t>Detection</a:t>
-              </a:r>
-            </a:p>
-          </p:txBody>
-        </p:sp>
-        <p:cxnSp>
-          <p:nvCxnSpPr>
-            <p:cNvPr id="175" name="Elbow Connector 174"/>
-            <p:cNvCxnSpPr>
-              <a:stCxn id="61" idx="3"/>
-              <a:endCxn id="83" idx="3"/>
-            </p:cNvCxnSpPr>
-            <p:nvPr/>
-          </p:nvCxnSpPr>
-          <p:spPr>
-            <a:xfrm>
-              <a:off x="6014386" y="3597614"/>
-              <a:ext cx="12700" cy="710111"/>
-            </a:xfrm>
-            <a:prstGeom prst="bentConnector3">
-              <a:avLst>
-                <a:gd name="adj1" fmla="val 1800000"/>
+                <a:gd name="adj1" fmla="val -110310"/>
               </a:avLst>
             </a:prstGeom>
             <a:ln>
@@ -15489,10 +14836,10 @@
         </p:nvGrpSpPr>
         <p:grpSpPr>
           <a:xfrm>
-            <a:off x="4250268" y="2462066"/>
-            <a:ext cx="3080418" cy="2048858"/>
-            <a:chOff x="4351868" y="2462066"/>
-            <a:chExt cx="3080418" cy="2048858"/>
+            <a:off x="4551795" y="2381006"/>
+            <a:ext cx="2238700" cy="2463092"/>
+            <a:chOff x="5193586" y="2450720"/>
+            <a:chExt cx="2238700" cy="2463092"/>
           </a:xfrm>
         </p:grpSpPr>
         <p:cxnSp>
@@ -15506,8 +14853,8 @@
           </p:nvCxnSpPr>
           <p:spPr>
             <a:xfrm rot="16200000" flipH="1">
-              <a:off x="5223668" y="1590266"/>
-              <a:ext cx="883729" cy="2627329"/>
+              <a:off x="5638854" y="2005452"/>
+              <a:ext cx="895075" cy="1785611"/>
             </a:xfrm>
             <a:prstGeom prst="bentConnector3">
               <a:avLst>
@@ -15547,6 +14894,11 @@
             <a:prstGeom prst="rect">
               <a:avLst/>
             </a:prstGeom>
+            <a:ln w="76200" cmpd="tri">
+              <a:solidFill>
+                <a:schemeClr val="tx1"/>
+              </a:solidFill>
+            </a:ln>
           </p:spPr>
           <p:style>
             <a:lnRef idx="1">
@@ -15606,12 +14958,17 @@
           </p:nvSpPr>
           <p:spPr>
             <a:xfrm>
-              <a:off x="6526107" y="4104528"/>
-              <a:ext cx="856870" cy="406396"/>
+              <a:off x="6526107" y="4212608"/>
+              <a:ext cx="856870" cy="701204"/>
             </a:xfrm>
             <a:prstGeom prst="rect">
               <a:avLst/>
             </a:prstGeom>
+            <a:ln w="76200" cmpd="tri">
+              <a:solidFill>
+                <a:schemeClr val="tx1"/>
+              </a:solidFill>
+            </a:ln>
           </p:spPr>
           <p:style>
             <a:lnRef idx="1">
@@ -15675,7 +15032,7 @@
           <p:spPr>
             <a:xfrm flipH="1">
               <a:off x="7382977" y="3597615"/>
-              <a:ext cx="49309" cy="710111"/>
+              <a:ext cx="49309" cy="965595"/>
             </a:xfrm>
             <a:prstGeom prst="bentConnector3">
               <a:avLst>
@@ -15726,10 +15083,405 @@
           </a:p>
         </p:txBody>
       </p:sp>
+      <p:grpSp>
+        <p:nvGrpSpPr>
+          <p:cNvPr id="88" name="Group 87"/>
+          <p:cNvGrpSpPr/>
+          <p:nvPr/>
+        </p:nvGrpSpPr>
+        <p:grpSpPr>
+          <a:xfrm>
+            <a:off x="3980761" y="2381007"/>
+            <a:ext cx="1155348" cy="3347222"/>
+            <a:chOff x="4305049" y="2448557"/>
+            <a:chExt cx="1155348" cy="3347222"/>
+          </a:xfrm>
+        </p:grpSpPr>
+        <p:sp>
+          <p:nvSpPr>
+            <p:cNvPr id="8" name="Rectangle 7"/>
+            <p:cNvSpPr/>
+            <p:nvPr/>
+          </p:nvSpPr>
+          <p:spPr>
+            <a:xfrm>
+              <a:off x="4305049" y="3324499"/>
+              <a:ext cx="1142648" cy="524933"/>
+            </a:xfrm>
+            <a:prstGeom prst="rect">
+              <a:avLst/>
+            </a:prstGeom>
+            <a:ln w="76200" cmpd="tri">
+              <a:solidFill>
+                <a:schemeClr val="tx1"/>
+              </a:solidFill>
+              <a:prstDash val="solid"/>
+            </a:ln>
+          </p:spPr>
+          <p:style>
+            <a:lnRef idx="1">
+              <a:schemeClr val="accent1"/>
+            </a:lnRef>
+            <a:fillRef idx="3">
+              <a:schemeClr val="accent1"/>
+            </a:fillRef>
+            <a:effectRef idx="2">
+              <a:schemeClr val="accent1"/>
+            </a:effectRef>
+            <a:fontRef idx="minor">
+              <a:schemeClr val="lt1"/>
+            </a:fontRef>
+          </p:style>
+          <p:txBody>
+            <a:bodyPr rtlCol="0" anchor="ctr"/>
+            <a:lstStyle/>
+            <a:p>
+              <a:pPr algn="ctr"/>
+              <a:r>
+                <a:rPr lang="en-US" sz="1200" dirty="0" smtClean="0"/>
+                <a:t>Scheduler</a:t>
+              </a:r>
+            </a:p>
+            <a:p>
+              <a:pPr algn="ctr"/>
+              <a:r>
+                <a:rPr lang="en-US" sz="1200" dirty="0" err="1">
+                  <a:solidFill>
+                    <a:srgbClr val="292934"/>
+                  </a:solidFill>
+                </a:rPr>
+                <a:t>s</a:t>
+              </a:r>
+              <a:r>
+                <a:rPr lang="en-US" sz="1200" dirty="0" err="1" smtClean="0">
+                  <a:solidFill>
+                    <a:srgbClr val="292934"/>
+                  </a:solidFill>
+                </a:rPr>
+                <a:t>ched.cpp</a:t>
+              </a:r>
+              <a:endParaRPr lang="en-US" sz="1200" dirty="0">
+                <a:solidFill>
+                  <a:srgbClr val="292934"/>
+                </a:solidFill>
+              </a:endParaRPr>
+            </a:p>
+          </p:txBody>
+        </p:sp>
+        <p:sp>
+          <p:nvSpPr>
+            <p:cNvPr id="62" name="Rectangle 61"/>
+            <p:cNvSpPr/>
+            <p:nvPr/>
+          </p:nvSpPr>
+          <p:spPr>
+            <a:xfrm>
+              <a:off x="4305049" y="4196286"/>
+              <a:ext cx="1142648" cy="715362"/>
+            </a:xfrm>
+            <a:prstGeom prst="rect">
+              <a:avLst/>
+            </a:prstGeom>
+            <a:ln w="76200" cmpd="tri">
+              <a:solidFill>
+                <a:schemeClr val="tx1"/>
+              </a:solidFill>
+            </a:ln>
+          </p:spPr>
+          <p:style>
+            <a:lnRef idx="1">
+              <a:schemeClr val="accent1"/>
+            </a:lnRef>
+            <a:fillRef idx="3">
+              <a:schemeClr val="accent1"/>
+            </a:fillRef>
+            <a:effectRef idx="2">
+              <a:schemeClr val="accent1"/>
+            </a:effectRef>
+            <a:fontRef idx="minor">
+              <a:schemeClr val="lt1"/>
+            </a:fontRef>
+          </p:style>
+          <p:txBody>
+            <a:bodyPr rtlCol="0" anchor="ctr"/>
+            <a:lstStyle/>
+            <a:p>
+              <a:pPr algn="ctr"/>
+              <a:r>
+                <a:rPr lang="en-US" sz="1200" dirty="0" smtClean="0"/>
+                <a:t>Thread, Lock, &amp; Semaphore Management</a:t>
+              </a:r>
+              <a:endParaRPr lang="en-US" sz="1200" dirty="0" smtClean="0"/>
+            </a:p>
+          </p:txBody>
+        </p:sp>
+        <p:cxnSp>
+          <p:nvCxnSpPr>
+            <p:cNvPr id="134" name="Elbow Connector 133"/>
+            <p:cNvCxnSpPr>
+              <a:stCxn id="8" idx="3"/>
+              <a:endCxn id="62" idx="3"/>
+            </p:cNvCxnSpPr>
+            <p:nvPr/>
+          </p:nvCxnSpPr>
+          <p:spPr>
+            <a:xfrm>
+              <a:off x="5447697" y="3586966"/>
+              <a:ext cx="12700" cy="967001"/>
+            </a:xfrm>
+            <a:prstGeom prst="bentConnector3">
+              <a:avLst>
+                <a:gd name="adj1" fmla="val 1800000"/>
+              </a:avLst>
+            </a:prstGeom>
+            <a:ln>
+              <a:tailEnd type="arrow"/>
+            </a:ln>
+          </p:spPr>
+          <p:style>
+            <a:lnRef idx="2">
+              <a:schemeClr val="accent1"/>
+            </a:lnRef>
+            <a:fillRef idx="0">
+              <a:schemeClr val="accent1"/>
+            </a:fillRef>
+            <a:effectRef idx="1">
+              <a:schemeClr val="accent1"/>
+            </a:effectRef>
+            <a:fontRef idx="minor">
+              <a:schemeClr val="tx1"/>
+            </a:fontRef>
+          </p:style>
+        </p:cxnSp>
+        <p:sp>
+          <p:nvSpPr>
+            <p:cNvPr id="83" name="Rectangle 82"/>
+            <p:cNvSpPr/>
+            <p:nvPr/>
+          </p:nvSpPr>
+          <p:spPr>
+            <a:xfrm>
+              <a:off x="4305049" y="5258936"/>
+              <a:ext cx="1142648" cy="536843"/>
+            </a:xfrm>
+            <a:prstGeom prst="rect">
+              <a:avLst/>
+            </a:prstGeom>
+            <a:ln w="76200" cmpd="tri">
+              <a:solidFill>
+                <a:schemeClr val="tx1"/>
+              </a:solidFill>
+            </a:ln>
+          </p:spPr>
+          <p:style>
+            <a:lnRef idx="1">
+              <a:schemeClr val="accent1"/>
+            </a:lnRef>
+            <a:fillRef idx="3">
+              <a:schemeClr val="accent1"/>
+            </a:fillRef>
+            <a:effectRef idx="2">
+              <a:schemeClr val="accent1"/>
+            </a:effectRef>
+            <a:fontRef idx="minor">
+              <a:schemeClr val="lt1"/>
+            </a:fontRef>
+          </p:style>
+          <p:txBody>
+            <a:bodyPr rtlCol="0" anchor="ctr"/>
+            <a:lstStyle/>
+            <a:p>
+              <a:pPr algn="ctr"/>
+              <a:r>
+                <a:rPr lang="en-US" sz="1200" dirty="0" smtClean="0"/>
+                <a:t>Deadlock</a:t>
+              </a:r>
+            </a:p>
+            <a:p>
+              <a:pPr algn="ctr"/>
+              <a:r>
+                <a:rPr lang="en-US" sz="1200" dirty="0" smtClean="0"/>
+                <a:t>Detection</a:t>
+              </a:r>
+            </a:p>
+          </p:txBody>
+        </p:sp>
+        <p:cxnSp>
+          <p:nvCxnSpPr>
+            <p:cNvPr id="175" name="Elbow Connector 174"/>
+            <p:cNvCxnSpPr>
+              <a:stCxn id="8" idx="3"/>
+              <a:endCxn id="83" idx="3"/>
+            </p:cNvCxnSpPr>
+            <p:nvPr/>
+          </p:nvCxnSpPr>
+          <p:spPr>
+            <a:xfrm>
+              <a:off x="5447697" y="3586966"/>
+              <a:ext cx="12700" cy="1940392"/>
+            </a:xfrm>
+            <a:prstGeom prst="bentConnector3">
+              <a:avLst>
+                <a:gd name="adj1" fmla="val 1800000"/>
+              </a:avLst>
+            </a:prstGeom>
+            <a:ln>
+              <a:tailEnd type="arrow"/>
+            </a:ln>
+          </p:spPr>
+          <p:style>
+            <a:lnRef idx="2">
+              <a:schemeClr val="accent1"/>
+            </a:lnRef>
+            <a:fillRef idx="0">
+              <a:schemeClr val="accent1"/>
+            </a:fillRef>
+            <a:effectRef idx="1">
+              <a:schemeClr val="accent1"/>
+            </a:effectRef>
+            <a:fontRef idx="minor">
+              <a:schemeClr val="tx1"/>
+            </a:fontRef>
+          </p:style>
+        </p:cxnSp>
+        <p:cxnSp>
+          <p:nvCxnSpPr>
+            <p:cNvPr id="99" name="Elbow Connector 98"/>
+            <p:cNvCxnSpPr>
+              <a:stCxn id="3" idx="2"/>
+              <a:endCxn id="8" idx="0"/>
+            </p:cNvCxnSpPr>
+            <p:nvPr/>
+          </p:nvCxnSpPr>
+          <p:spPr>
+            <a:xfrm rot="16200000" flipH="1">
+              <a:off x="4438257" y="2886383"/>
+              <a:ext cx="875942" cy="290"/>
+            </a:xfrm>
+            <a:prstGeom prst="bentConnector3">
+              <a:avLst>
+                <a:gd name="adj1" fmla="val 50000"/>
+              </a:avLst>
+            </a:prstGeom>
+            <a:ln>
+              <a:tailEnd type="arrow"/>
+            </a:ln>
+          </p:spPr>
+          <p:style>
+            <a:lnRef idx="2">
+              <a:schemeClr val="accent1"/>
+            </a:lnRef>
+            <a:fillRef idx="0">
+              <a:schemeClr val="accent1"/>
+            </a:fillRef>
+            <a:effectRef idx="1">
+              <a:schemeClr val="accent1"/>
+            </a:effectRef>
+            <a:fontRef idx="minor">
+              <a:schemeClr val="tx1"/>
+            </a:fontRef>
+          </p:style>
+        </p:cxnSp>
+      </p:grpSp>
+      <p:sp>
+        <p:nvSpPr>
+          <p:cNvPr id="142" name="Rectangle 141"/>
+          <p:cNvSpPr/>
+          <p:nvPr/>
+        </p:nvSpPr>
+        <p:spPr>
+          <a:xfrm>
+            <a:off x="5769469" y="6147038"/>
+            <a:ext cx="1284897" cy="497653"/>
+          </a:xfrm>
+          <a:prstGeom prst="rect">
+            <a:avLst/>
+          </a:prstGeom>
+          <a:ln w="19050" cap="flat">
+            <a:solidFill>
+              <a:schemeClr val="tx1"/>
+            </a:solidFill>
+            <a:prstDash val="solid"/>
+          </a:ln>
+        </p:spPr>
+        <p:style>
+          <a:lnRef idx="1">
+            <a:schemeClr val="accent1"/>
+          </a:lnRef>
+          <a:fillRef idx="3">
+            <a:schemeClr val="accent1"/>
+          </a:fillRef>
+          <a:effectRef idx="2">
+            <a:schemeClr val="accent1"/>
+          </a:effectRef>
+          <a:fontRef idx="minor">
+            <a:schemeClr val="lt1"/>
+          </a:fontRef>
+        </p:style>
+        <p:txBody>
+          <a:bodyPr rtlCol="0" anchor="ctr"/>
+          <a:lstStyle/>
+          <a:p>
+            <a:pPr algn="ctr"/>
+            <a:r>
+              <a:rPr lang="en-US" sz="1200" dirty="0" smtClean="0"/>
+              <a:t>Existing Component</a:t>
+            </a:r>
+            <a:endParaRPr lang="en-US" sz="1200" dirty="0"/>
+          </a:p>
+        </p:txBody>
+      </p:sp>
+      <p:sp>
+        <p:nvSpPr>
+          <p:cNvPr id="150" name="Rectangle 149"/>
+          <p:cNvSpPr/>
+          <p:nvPr/>
+        </p:nvSpPr>
+        <p:spPr>
+          <a:xfrm>
+            <a:off x="7401819" y="6147038"/>
+            <a:ext cx="1421221" cy="470763"/>
+          </a:xfrm>
+          <a:prstGeom prst="rect">
+            <a:avLst/>
+          </a:prstGeom>
+          <a:ln w="76200" cmpd="tri">
+            <a:solidFill>
+              <a:schemeClr val="tx1"/>
+            </a:solidFill>
+          </a:ln>
+        </p:spPr>
+        <p:style>
+          <a:lnRef idx="1">
+            <a:schemeClr val="accent1"/>
+          </a:lnRef>
+          <a:fillRef idx="3">
+            <a:schemeClr val="accent1"/>
+          </a:fillRef>
+          <a:effectRef idx="2">
+            <a:schemeClr val="accent1"/>
+          </a:effectRef>
+          <a:fontRef idx="minor">
+            <a:schemeClr val="lt1"/>
+          </a:fontRef>
+        </p:style>
+        <p:txBody>
+          <a:bodyPr rtlCol="0" anchor="ctr"/>
+          <a:lstStyle/>
+          <a:p>
+            <a:pPr algn="ctr"/>
+            <a:r>
+              <a:rPr lang="en-US" sz="1200" dirty="0" smtClean="0"/>
+              <a:t>New Component</a:t>
+            </a:r>
+            <a:endParaRPr lang="en-US" sz="1200" dirty="0" smtClean="0"/>
+          </a:p>
+        </p:txBody>
+      </p:sp>
     </p:spTree>
     <p:extLst>
       <p:ext uri="{BB962C8B-B14F-4D97-AF65-F5344CB8AC3E}">
-        <p14:creationId xmlns:p14="http://schemas.microsoft.com/office/powerpoint/2010/main" val="204694368"/>
+        <p14:creationId xmlns:p14="http://schemas.microsoft.com/office/powerpoint/2010/main" val="3430522964"/>
       </p:ext>
     </p:extLst>
   </p:cSld>
@@ -15860,7 +15612,7 @@
                                           </p:stCondLst>
                                         </p:cTn>
                                         <p:tgtEl>
-                                          <p:spTgt spid="205"/>
+                                          <p:spTgt spid="88"/>
                                         </p:tgtEl>
                                         <p:attrNameLst>
                                           <p:attrName>style.visibility</p:attrName>
@@ -15905,7 +15657,7 @@
                                           </p:stCondLst>
                                         </p:cTn>
                                         <p:tgtEl>
-                                          <p:spTgt spid="206"/>
+                                          <p:spTgt spid="207"/>
                                         </p:tgtEl>
                                         <p:attrNameLst>
                                           <p:attrName>style.visibility</p:attrName>
@@ -15945,51 +15697,6 @@
                                     <p:set>
                                       <p:cBhvr>
                                         <p:cTn id="22" dur="1" fill="hold">
-                                          <p:stCondLst>
-                                            <p:cond delay="0"/>
-                                          </p:stCondLst>
-                                        </p:cTn>
-                                        <p:tgtEl>
-                                          <p:spTgt spid="207"/>
-                                        </p:tgtEl>
-                                        <p:attrNameLst>
-                                          <p:attrName>style.visibility</p:attrName>
-                                        </p:attrNameLst>
-                                      </p:cBhvr>
-                                      <p:to>
-                                        <p:strVal val="visible"/>
-                                      </p:to>
-                                    </p:set>
-                                  </p:childTnLst>
-                                </p:cTn>
-                              </p:par>
-                            </p:childTnLst>
-                          </p:cTn>
-                        </p:par>
-                      </p:childTnLst>
-                    </p:cTn>
-                  </p:par>
-                  <p:par>
-                    <p:cTn id="23" fill="hold">
-                      <p:stCondLst>
-                        <p:cond delay="indefinite"/>
-                      </p:stCondLst>
-                      <p:childTnLst>
-                        <p:par>
-                          <p:cTn id="24" fill="hold">
-                            <p:stCondLst>
-                              <p:cond delay="0"/>
-                            </p:stCondLst>
-                            <p:childTnLst>
-                              <p:par>
-                                <p:cTn id="25" presetID="1" presetClass="entr" presetSubtype="0" fill="hold" nodeType="clickEffect">
-                                  <p:stCondLst>
-                                    <p:cond delay="0"/>
-                                  </p:stCondLst>
-                                  <p:childTnLst>
-                                    <p:set>
-                                      <p:cBhvr>
-                                        <p:cTn id="26" dur="1" fill="hold">
                                           <p:stCondLst>
                                             <p:cond delay="0"/>
                                           </p:stCondLst>
@@ -19092,11 +18799,7 @@
           <a:p>
             <a:r>
               <a:rPr lang="en-US" dirty="0" smtClean="0"/>
-              <a:t>Scheduler – </a:t>
-            </a:r>
-            <a:r>
-              <a:rPr lang="en-US" dirty="0" smtClean="0"/>
-              <a:t>Key Features</a:t>
+              <a:t>Scheduler – Key Features</a:t>
             </a:r>
             <a:endParaRPr lang="en-US" dirty="0"/>
           </a:p>
@@ -19123,7 +18826,6 @@
               <a:rPr lang="en-US" dirty="0" smtClean="0"/>
               <a:t>Only permits one thread to run at a time.  All other threads are forced to wait for a signal before proceeding. </a:t>
             </a:r>
-            <a:endParaRPr lang="en-US" dirty="0" smtClean="0"/>
           </a:p>
           <a:p>
             <a:r>
@@ -19144,14 +18846,12 @@
               <a:rPr lang="en-US" dirty="0" smtClean="0"/>
               <a:t>Interactive:  more controlled debugging experience &amp; instructor demo</a:t>
             </a:r>
-            <a:endParaRPr lang="en-US" dirty="0" smtClean="0"/>
           </a:p>
           <a:p>
             <a:r>
               <a:rPr lang="en-US" dirty="0" smtClean="0"/>
               <a:t>API (equivalent to POSIX lock and semaphore functions)</a:t>
             </a:r>
-            <a:endParaRPr lang="en-US" dirty="0" smtClean="0"/>
           </a:p>
           <a:p>
             <a:pPr lvl="1"/>

--- a/Documents/Concur_Presentation.pptx
+++ b/Documents/Concur_Presentation.pptx
@@ -5,7 +5,7 @@
     <p:sldMasterId id="2147483960" r:id="rId1"/>
   </p:sldMasterIdLst>
   <p:notesMasterIdLst>
-    <p:notesMasterId r:id="rId24"/>
+    <p:notesMasterId r:id="rId29"/>
   </p:notesMasterIdLst>
   <p:sldIdLst>
     <p:sldId id="256" r:id="rId2"/>
@@ -26,10 +26,15 @@
     <p:sldId id="264" r:id="rId17"/>
     <p:sldId id="265" r:id="rId18"/>
     <p:sldId id="274" r:id="rId19"/>
-    <p:sldId id="276" r:id="rId20"/>
-    <p:sldId id="277" r:id="rId21"/>
-    <p:sldId id="285" r:id="rId22"/>
-    <p:sldId id="289" r:id="rId23"/>
+    <p:sldId id="292" r:id="rId20"/>
+    <p:sldId id="293" r:id="rId21"/>
+    <p:sldId id="294" r:id="rId22"/>
+    <p:sldId id="295" r:id="rId23"/>
+    <p:sldId id="296" r:id="rId24"/>
+    <p:sldId id="276" r:id="rId25"/>
+    <p:sldId id="277" r:id="rId26"/>
+    <p:sldId id="285" r:id="rId27"/>
+    <p:sldId id="289" r:id="rId28"/>
   </p:sldIdLst>
   <p:sldSz cx="9144000" cy="6858000" type="screen4x3"/>
   <p:notesSz cx="6858000" cy="9144000"/>
@@ -213,7 +218,7 @@
           <a:p>
             <a:fld id="{BE2663A9-2618-6649-B6E3-2D33878C5258}" type="datetimeFigureOut">
               <a:rPr lang="en-US" smtClean="0"/>
-              <a:t>6/7/12</a:t>
+              <a:t>6/8/12</a:t>
             </a:fld>
             <a:endParaRPr lang="en-US"/>
           </a:p>
@@ -609,7 +614,7 @@
           <a:bodyPr/>
           <a:lstStyle/>
           <a:p>
-            <a:endParaRPr lang="en-US" dirty="0"/>
+            <a:endParaRPr lang="en-US"/>
           </a:p>
         </p:txBody>
       </p:sp>
@@ -630,7 +635,7 @@
           <a:p>
             <a:fld id="{7CBFEC62-47D8-AA45-80EB-A84698F32C4E}" type="slidenum">
               <a:rPr lang="en-US" smtClean="0"/>
-              <a:t>13</a:t>
+              <a:t>10</a:t>
             </a:fld>
             <a:endParaRPr lang="en-US"/>
           </a:p>
@@ -639,7 +644,7 @@
     </p:spTree>
     <p:extLst>
       <p:ext uri="{BB962C8B-B14F-4D97-AF65-F5344CB8AC3E}">
-        <p14:creationId xmlns:p14="http://schemas.microsoft.com/office/powerpoint/2010/main" val="81884851"/>
+        <p14:creationId xmlns:p14="http://schemas.microsoft.com/office/powerpoint/2010/main" val="3579507155"/>
       </p:ext>
     </p:extLst>
   </p:cSld>
@@ -714,7 +719,7 @@
           <a:p>
             <a:fld id="{7CBFEC62-47D8-AA45-80EB-A84698F32C4E}" type="slidenum">
               <a:rPr lang="en-US" smtClean="0"/>
-              <a:t>19</a:t>
+              <a:t>11</a:t>
             </a:fld>
             <a:endParaRPr lang="en-US"/>
           </a:p>
@@ -723,7 +728,7 @@
     </p:spTree>
     <p:extLst>
       <p:ext uri="{BB962C8B-B14F-4D97-AF65-F5344CB8AC3E}">
-        <p14:creationId xmlns:p14="http://schemas.microsoft.com/office/powerpoint/2010/main" val="1871693178"/>
+        <p14:creationId xmlns:p14="http://schemas.microsoft.com/office/powerpoint/2010/main" val="3648962323"/>
       </p:ext>
     </p:extLst>
   </p:cSld>
@@ -777,7 +782,7 @@
           <a:bodyPr/>
           <a:lstStyle/>
           <a:p>
-            <a:endParaRPr lang="en-US" dirty="0"/>
+            <a:endParaRPr lang="en-US"/>
           </a:p>
         </p:txBody>
       </p:sp>
@@ -798,7 +803,595 @@
           <a:p>
             <a:fld id="{7CBFEC62-47D8-AA45-80EB-A84698F32C4E}" type="slidenum">
               <a:rPr lang="en-US" smtClean="0"/>
-              <a:t>20</a:t>
+              <a:t>12</a:t>
+            </a:fld>
+            <a:endParaRPr lang="en-US"/>
+          </a:p>
+        </p:txBody>
+      </p:sp>
+    </p:spTree>
+    <p:extLst>
+      <p:ext uri="{BB962C8B-B14F-4D97-AF65-F5344CB8AC3E}">
+        <p14:creationId xmlns:p14="http://schemas.microsoft.com/office/powerpoint/2010/main" val="4123846564"/>
+      </p:ext>
+    </p:extLst>
+  </p:cSld>
+  <p:clrMapOvr>
+    <a:masterClrMapping/>
+  </p:clrMapOvr>
+</p:notes>
+</file>
+
+<file path=ppt/notesSlides/notesSlide13.xml><?xml version="1.0" encoding="utf-8"?>
+<p:notes xmlns:a="http://schemas.openxmlformats.org/drawingml/2006/main" xmlns:r="http://schemas.openxmlformats.org/officeDocument/2006/relationships" xmlns:p="http://schemas.openxmlformats.org/presentationml/2006/main">
+  <p:cSld>
+    <p:spTree>
+      <p:nvGrpSpPr>
+        <p:cNvPr id="1" name=""/>
+        <p:cNvGrpSpPr/>
+        <p:nvPr/>
+      </p:nvGrpSpPr>
+      <p:grpSpPr>
+        <a:xfrm>
+          <a:off x="0" y="0"/>
+          <a:ext cx="0" cy="0"/>
+          <a:chOff x="0" y="0"/>
+          <a:chExt cx="0" cy="0"/>
+        </a:xfrm>
+      </p:grpSpPr>
+      <p:sp>
+        <p:nvSpPr>
+          <p:cNvPr id="2" name="Slide Image Placeholder 1"/>
+          <p:cNvSpPr>
+            <a:spLocks noGrp="1" noRot="1" noChangeAspect="1"/>
+          </p:cNvSpPr>
+          <p:nvPr>
+            <p:ph type="sldImg"/>
+          </p:nvPr>
+        </p:nvSpPr>
+        <p:spPr/>
+      </p:sp>
+      <p:sp>
+        <p:nvSpPr>
+          <p:cNvPr id="3" name="Notes Placeholder 2"/>
+          <p:cNvSpPr>
+            <a:spLocks noGrp="1"/>
+          </p:cNvSpPr>
+          <p:nvPr>
+            <p:ph type="body" idx="1"/>
+          </p:nvPr>
+        </p:nvSpPr>
+        <p:spPr/>
+        <p:txBody>
+          <a:bodyPr/>
+          <a:lstStyle/>
+          <a:p>
+            <a:endParaRPr lang="en-US" dirty="0"/>
+          </a:p>
+        </p:txBody>
+      </p:sp>
+      <p:sp>
+        <p:nvSpPr>
+          <p:cNvPr id="4" name="Slide Number Placeholder 3"/>
+          <p:cNvSpPr>
+            <a:spLocks noGrp="1"/>
+          </p:cNvSpPr>
+          <p:nvPr>
+            <p:ph type="sldNum" sz="quarter" idx="10"/>
+          </p:nvPr>
+        </p:nvSpPr>
+        <p:spPr/>
+        <p:txBody>
+          <a:bodyPr/>
+          <a:lstStyle/>
+          <a:p>
+            <a:fld id="{7CBFEC62-47D8-AA45-80EB-A84698F32C4E}" type="slidenum">
+              <a:rPr lang="en-US" smtClean="0"/>
+              <a:t>13</a:t>
+            </a:fld>
+            <a:endParaRPr lang="en-US"/>
+          </a:p>
+        </p:txBody>
+      </p:sp>
+    </p:spTree>
+    <p:extLst>
+      <p:ext uri="{BB962C8B-B14F-4D97-AF65-F5344CB8AC3E}">
+        <p14:creationId xmlns:p14="http://schemas.microsoft.com/office/powerpoint/2010/main" val="81884851"/>
+      </p:ext>
+    </p:extLst>
+  </p:cSld>
+  <p:clrMapOvr>
+    <a:masterClrMapping/>
+  </p:clrMapOvr>
+</p:notes>
+</file>
+
+<file path=ppt/notesSlides/notesSlide14.xml><?xml version="1.0" encoding="utf-8"?>
+<p:notes xmlns:a="http://schemas.openxmlformats.org/drawingml/2006/main" xmlns:r="http://schemas.openxmlformats.org/officeDocument/2006/relationships" xmlns:p="http://schemas.openxmlformats.org/presentationml/2006/main">
+  <p:cSld>
+    <p:spTree>
+      <p:nvGrpSpPr>
+        <p:cNvPr id="1" name=""/>
+        <p:cNvGrpSpPr/>
+        <p:nvPr/>
+      </p:nvGrpSpPr>
+      <p:grpSpPr>
+        <a:xfrm>
+          <a:off x="0" y="0"/>
+          <a:ext cx="0" cy="0"/>
+          <a:chOff x="0" y="0"/>
+          <a:chExt cx="0" cy="0"/>
+        </a:xfrm>
+      </p:grpSpPr>
+      <p:sp>
+        <p:nvSpPr>
+          <p:cNvPr id="2" name="Slide Image Placeholder 1"/>
+          <p:cNvSpPr>
+            <a:spLocks noGrp="1" noRot="1" noChangeAspect="1"/>
+          </p:cNvSpPr>
+          <p:nvPr>
+            <p:ph type="sldImg"/>
+          </p:nvPr>
+        </p:nvSpPr>
+        <p:spPr/>
+      </p:sp>
+      <p:sp>
+        <p:nvSpPr>
+          <p:cNvPr id="3" name="Notes Placeholder 2"/>
+          <p:cNvSpPr>
+            <a:spLocks noGrp="1"/>
+          </p:cNvSpPr>
+          <p:nvPr>
+            <p:ph type="body" idx="1"/>
+          </p:nvPr>
+        </p:nvSpPr>
+        <p:spPr/>
+        <p:txBody>
+          <a:bodyPr/>
+          <a:lstStyle/>
+          <a:p>
+            <a:endParaRPr lang="en-US"/>
+          </a:p>
+        </p:txBody>
+      </p:sp>
+      <p:sp>
+        <p:nvSpPr>
+          <p:cNvPr id="4" name="Slide Number Placeholder 3"/>
+          <p:cNvSpPr>
+            <a:spLocks noGrp="1"/>
+          </p:cNvSpPr>
+          <p:nvPr>
+            <p:ph type="sldNum" sz="quarter" idx="10"/>
+          </p:nvPr>
+        </p:nvSpPr>
+        <p:spPr/>
+        <p:txBody>
+          <a:bodyPr/>
+          <a:lstStyle/>
+          <a:p>
+            <a:fld id="{7CBFEC62-47D8-AA45-80EB-A84698F32C4E}" type="slidenum">
+              <a:rPr lang="en-US" smtClean="0"/>
+              <a:t>14</a:t>
+            </a:fld>
+            <a:endParaRPr lang="en-US"/>
+          </a:p>
+        </p:txBody>
+      </p:sp>
+    </p:spTree>
+    <p:extLst>
+      <p:ext uri="{BB962C8B-B14F-4D97-AF65-F5344CB8AC3E}">
+        <p14:creationId xmlns:p14="http://schemas.microsoft.com/office/powerpoint/2010/main" val="1391299391"/>
+      </p:ext>
+    </p:extLst>
+  </p:cSld>
+  <p:clrMapOvr>
+    <a:masterClrMapping/>
+  </p:clrMapOvr>
+</p:notes>
+</file>
+
+<file path=ppt/notesSlides/notesSlide15.xml><?xml version="1.0" encoding="utf-8"?>
+<p:notes xmlns:a="http://schemas.openxmlformats.org/drawingml/2006/main" xmlns:r="http://schemas.openxmlformats.org/officeDocument/2006/relationships" xmlns:p="http://schemas.openxmlformats.org/presentationml/2006/main">
+  <p:cSld>
+    <p:spTree>
+      <p:nvGrpSpPr>
+        <p:cNvPr id="1" name=""/>
+        <p:cNvGrpSpPr/>
+        <p:nvPr/>
+      </p:nvGrpSpPr>
+      <p:grpSpPr>
+        <a:xfrm>
+          <a:off x="0" y="0"/>
+          <a:ext cx="0" cy="0"/>
+          <a:chOff x="0" y="0"/>
+          <a:chExt cx="0" cy="0"/>
+        </a:xfrm>
+      </p:grpSpPr>
+      <p:sp>
+        <p:nvSpPr>
+          <p:cNvPr id="2" name="Slide Image Placeholder 1"/>
+          <p:cNvSpPr>
+            <a:spLocks noGrp="1" noRot="1" noChangeAspect="1"/>
+          </p:cNvSpPr>
+          <p:nvPr>
+            <p:ph type="sldImg"/>
+          </p:nvPr>
+        </p:nvSpPr>
+        <p:spPr/>
+      </p:sp>
+      <p:sp>
+        <p:nvSpPr>
+          <p:cNvPr id="3" name="Notes Placeholder 2"/>
+          <p:cNvSpPr>
+            <a:spLocks noGrp="1"/>
+          </p:cNvSpPr>
+          <p:nvPr>
+            <p:ph type="body" idx="1"/>
+          </p:nvPr>
+        </p:nvSpPr>
+        <p:spPr/>
+        <p:txBody>
+          <a:bodyPr/>
+          <a:lstStyle/>
+          <a:p>
+            <a:endParaRPr lang="en-US"/>
+          </a:p>
+        </p:txBody>
+      </p:sp>
+      <p:sp>
+        <p:nvSpPr>
+          <p:cNvPr id="4" name="Slide Number Placeholder 3"/>
+          <p:cNvSpPr>
+            <a:spLocks noGrp="1"/>
+          </p:cNvSpPr>
+          <p:nvPr>
+            <p:ph type="sldNum" sz="quarter" idx="10"/>
+          </p:nvPr>
+        </p:nvSpPr>
+        <p:spPr/>
+        <p:txBody>
+          <a:bodyPr/>
+          <a:lstStyle/>
+          <a:p>
+            <a:fld id="{7CBFEC62-47D8-AA45-80EB-A84698F32C4E}" type="slidenum">
+              <a:rPr lang="en-US" smtClean="0"/>
+              <a:t>15</a:t>
+            </a:fld>
+            <a:endParaRPr lang="en-US"/>
+          </a:p>
+        </p:txBody>
+      </p:sp>
+    </p:spTree>
+    <p:extLst>
+      <p:ext uri="{BB962C8B-B14F-4D97-AF65-F5344CB8AC3E}">
+        <p14:creationId xmlns:p14="http://schemas.microsoft.com/office/powerpoint/2010/main" val="4205471989"/>
+      </p:ext>
+    </p:extLst>
+  </p:cSld>
+  <p:clrMapOvr>
+    <a:masterClrMapping/>
+  </p:clrMapOvr>
+</p:notes>
+</file>
+
+<file path=ppt/notesSlides/notesSlide16.xml><?xml version="1.0" encoding="utf-8"?>
+<p:notes xmlns:a="http://schemas.openxmlformats.org/drawingml/2006/main" xmlns:r="http://schemas.openxmlformats.org/officeDocument/2006/relationships" xmlns:p="http://schemas.openxmlformats.org/presentationml/2006/main">
+  <p:cSld>
+    <p:spTree>
+      <p:nvGrpSpPr>
+        <p:cNvPr id="1" name=""/>
+        <p:cNvGrpSpPr/>
+        <p:nvPr/>
+      </p:nvGrpSpPr>
+      <p:grpSpPr>
+        <a:xfrm>
+          <a:off x="0" y="0"/>
+          <a:ext cx="0" cy="0"/>
+          <a:chOff x="0" y="0"/>
+          <a:chExt cx="0" cy="0"/>
+        </a:xfrm>
+      </p:grpSpPr>
+      <p:sp>
+        <p:nvSpPr>
+          <p:cNvPr id="2" name="Slide Image Placeholder 1"/>
+          <p:cNvSpPr>
+            <a:spLocks noGrp="1" noRot="1" noChangeAspect="1"/>
+          </p:cNvSpPr>
+          <p:nvPr>
+            <p:ph type="sldImg"/>
+          </p:nvPr>
+        </p:nvSpPr>
+        <p:spPr/>
+      </p:sp>
+      <p:sp>
+        <p:nvSpPr>
+          <p:cNvPr id="3" name="Notes Placeholder 2"/>
+          <p:cNvSpPr>
+            <a:spLocks noGrp="1"/>
+          </p:cNvSpPr>
+          <p:nvPr>
+            <p:ph type="body" idx="1"/>
+          </p:nvPr>
+        </p:nvSpPr>
+        <p:spPr/>
+        <p:txBody>
+          <a:bodyPr/>
+          <a:lstStyle/>
+          <a:p>
+            <a:endParaRPr lang="en-US"/>
+          </a:p>
+        </p:txBody>
+      </p:sp>
+      <p:sp>
+        <p:nvSpPr>
+          <p:cNvPr id="4" name="Slide Number Placeholder 3"/>
+          <p:cNvSpPr>
+            <a:spLocks noGrp="1"/>
+          </p:cNvSpPr>
+          <p:nvPr>
+            <p:ph type="sldNum" sz="quarter" idx="10"/>
+          </p:nvPr>
+        </p:nvSpPr>
+        <p:spPr/>
+        <p:txBody>
+          <a:bodyPr/>
+          <a:lstStyle/>
+          <a:p>
+            <a:fld id="{7CBFEC62-47D8-AA45-80EB-A84698F32C4E}" type="slidenum">
+              <a:rPr lang="en-US" smtClean="0"/>
+              <a:t>16</a:t>
+            </a:fld>
+            <a:endParaRPr lang="en-US"/>
+          </a:p>
+        </p:txBody>
+      </p:sp>
+    </p:spTree>
+    <p:extLst>
+      <p:ext uri="{BB962C8B-B14F-4D97-AF65-F5344CB8AC3E}">
+        <p14:creationId xmlns:p14="http://schemas.microsoft.com/office/powerpoint/2010/main" val="3332888419"/>
+      </p:ext>
+    </p:extLst>
+  </p:cSld>
+  <p:clrMapOvr>
+    <a:masterClrMapping/>
+  </p:clrMapOvr>
+</p:notes>
+</file>
+
+<file path=ppt/notesSlides/notesSlide17.xml><?xml version="1.0" encoding="utf-8"?>
+<p:notes xmlns:a="http://schemas.openxmlformats.org/drawingml/2006/main" xmlns:r="http://schemas.openxmlformats.org/officeDocument/2006/relationships" xmlns:p="http://schemas.openxmlformats.org/presentationml/2006/main">
+  <p:cSld>
+    <p:spTree>
+      <p:nvGrpSpPr>
+        <p:cNvPr id="1" name=""/>
+        <p:cNvGrpSpPr/>
+        <p:nvPr/>
+      </p:nvGrpSpPr>
+      <p:grpSpPr>
+        <a:xfrm>
+          <a:off x="0" y="0"/>
+          <a:ext cx="0" cy="0"/>
+          <a:chOff x="0" y="0"/>
+          <a:chExt cx="0" cy="0"/>
+        </a:xfrm>
+      </p:grpSpPr>
+      <p:sp>
+        <p:nvSpPr>
+          <p:cNvPr id="2" name="Slide Image Placeholder 1"/>
+          <p:cNvSpPr>
+            <a:spLocks noGrp="1" noRot="1" noChangeAspect="1"/>
+          </p:cNvSpPr>
+          <p:nvPr>
+            <p:ph type="sldImg"/>
+          </p:nvPr>
+        </p:nvSpPr>
+        <p:spPr/>
+      </p:sp>
+      <p:sp>
+        <p:nvSpPr>
+          <p:cNvPr id="3" name="Notes Placeholder 2"/>
+          <p:cNvSpPr>
+            <a:spLocks noGrp="1"/>
+          </p:cNvSpPr>
+          <p:nvPr>
+            <p:ph type="body" idx="1"/>
+          </p:nvPr>
+        </p:nvSpPr>
+        <p:spPr/>
+        <p:txBody>
+          <a:bodyPr/>
+          <a:lstStyle/>
+          <a:p>
+            <a:endParaRPr lang="en-US"/>
+          </a:p>
+        </p:txBody>
+      </p:sp>
+      <p:sp>
+        <p:nvSpPr>
+          <p:cNvPr id="4" name="Slide Number Placeholder 3"/>
+          <p:cNvSpPr>
+            <a:spLocks noGrp="1"/>
+          </p:cNvSpPr>
+          <p:nvPr>
+            <p:ph type="sldNum" sz="quarter" idx="10"/>
+          </p:nvPr>
+        </p:nvSpPr>
+        <p:spPr/>
+        <p:txBody>
+          <a:bodyPr/>
+          <a:lstStyle/>
+          <a:p>
+            <a:fld id="{7CBFEC62-47D8-AA45-80EB-A84698F32C4E}" type="slidenum">
+              <a:rPr lang="en-US" smtClean="0"/>
+              <a:t>17</a:t>
+            </a:fld>
+            <a:endParaRPr lang="en-US"/>
+          </a:p>
+        </p:txBody>
+      </p:sp>
+    </p:spTree>
+    <p:extLst>
+      <p:ext uri="{BB962C8B-B14F-4D97-AF65-F5344CB8AC3E}">
+        <p14:creationId xmlns:p14="http://schemas.microsoft.com/office/powerpoint/2010/main" val="2808635347"/>
+      </p:ext>
+    </p:extLst>
+  </p:cSld>
+  <p:clrMapOvr>
+    <a:masterClrMapping/>
+  </p:clrMapOvr>
+</p:notes>
+</file>
+
+<file path=ppt/notesSlides/notesSlide18.xml><?xml version="1.0" encoding="utf-8"?>
+<p:notes xmlns:a="http://schemas.openxmlformats.org/drawingml/2006/main" xmlns:r="http://schemas.openxmlformats.org/officeDocument/2006/relationships" xmlns:p="http://schemas.openxmlformats.org/presentationml/2006/main">
+  <p:cSld>
+    <p:spTree>
+      <p:nvGrpSpPr>
+        <p:cNvPr id="1" name=""/>
+        <p:cNvGrpSpPr/>
+        <p:nvPr/>
+      </p:nvGrpSpPr>
+      <p:grpSpPr>
+        <a:xfrm>
+          <a:off x="0" y="0"/>
+          <a:ext cx="0" cy="0"/>
+          <a:chOff x="0" y="0"/>
+          <a:chExt cx="0" cy="0"/>
+        </a:xfrm>
+      </p:grpSpPr>
+      <p:sp>
+        <p:nvSpPr>
+          <p:cNvPr id="2" name="Slide Image Placeholder 1"/>
+          <p:cNvSpPr>
+            <a:spLocks noGrp="1" noRot="1" noChangeAspect="1"/>
+          </p:cNvSpPr>
+          <p:nvPr>
+            <p:ph type="sldImg"/>
+          </p:nvPr>
+        </p:nvSpPr>
+        <p:spPr/>
+      </p:sp>
+      <p:sp>
+        <p:nvSpPr>
+          <p:cNvPr id="3" name="Notes Placeholder 2"/>
+          <p:cNvSpPr>
+            <a:spLocks noGrp="1"/>
+          </p:cNvSpPr>
+          <p:nvPr>
+            <p:ph type="body" idx="1"/>
+          </p:nvPr>
+        </p:nvSpPr>
+        <p:spPr/>
+        <p:txBody>
+          <a:bodyPr/>
+          <a:lstStyle/>
+          <a:p>
+            <a:endParaRPr lang="en-US"/>
+          </a:p>
+        </p:txBody>
+      </p:sp>
+      <p:sp>
+        <p:nvSpPr>
+          <p:cNvPr id="4" name="Slide Number Placeholder 3"/>
+          <p:cNvSpPr>
+            <a:spLocks noGrp="1"/>
+          </p:cNvSpPr>
+          <p:nvPr>
+            <p:ph type="sldNum" sz="quarter" idx="10"/>
+          </p:nvPr>
+        </p:nvSpPr>
+        <p:spPr/>
+        <p:txBody>
+          <a:bodyPr/>
+          <a:lstStyle/>
+          <a:p>
+            <a:fld id="{7CBFEC62-47D8-AA45-80EB-A84698F32C4E}" type="slidenum">
+              <a:rPr lang="en-US" smtClean="0"/>
+              <a:t>18</a:t>
+            </a:fld>
+            <a:endParaRPr lang="en-US"/>
+          </a:p>
+        </p:txBody>
+      </p:sp>
+    </p:spTree>
+    <p:extLst>
+      <p:ext uri="{BB962C8B-B14F-4D97-AF65-F5344CB8AC3E}">
+        <p14:creationId xmlns:p14="http://schemas.microsoft.com/office/powerpoint/2010/main" val="3972454365"/>
+      </p:ext>
+    </p:extLst>
+  </p:cSld>
+  <p:clrMapOvr>
+    <a:masterClrMapping/>
+  </p:clrMapOvr>
+</p:notes>
+</file>
+
+<file path=ppt/notesSlides/notesSlide19.xml><?xml version="1.0" encoding="utf-8"?>
+<p:notes xmlns:a="http://schemas.openxmlformats.org/drawingml/2006/main" xmlns:r="http://schemas.openxmlformats.org/officeDocument/2006/relationships" xmlns:p="http://schemas.openxmlformats.org/presentationml/2006/main">
+  <p:cSld>
+    <p:spTree>
+      <p:nvGrpSpPr>
+        <p:cNvPr id="1" name=""/>
+        <p:cNvGrpSpPr/>
+        <p:nvPr/>
+      </p:nvGrpSpPr>
+      <p:grpSpPr>
+        <a:xfrm>
+          <a:off x="0" y="0"/>
+          <a:ext cx="0" cy="0"/>
+          <a:chOff x="0" y="0"/>
+          <a:chExt cx="0" cy="0"/>
+        </a:xfrm>
+      </p:grpSpPr>
+      <p:sp>
+        <p:nvSpPr>
+          <p:cNvPr id="2" name="Slide Image Placeholder 1"/>
+          <p:cNvSpPr>
+            <a:spLocks noGrp="1" noRot="1" noChangeAspect="1"/>
+          </p:cNvSpPr>
+          <p:nvPr>
+            <p:ph type="sldImg"/>
+          </p:nvPr>
+        </p:nvSpPr>
+        <p:spPr/>
+      </p:sp>
+      <p:sp>
+        <p:nvSpPr>
+          <p:cNvPr id="3" name="Notes Placeholder 2"/>
+          <p:cNvSpPr>
+            <a:spLocks noGrp="1"/>
+          </p:cNvSpPr>
+          <p:nvPr>
+            <p:ph type="body" idx="1"/>
+          </p:nvPr>
+        </p:nvSpPr>
+        <p:spPr/>
+        <p:txBody>
+          <a:bodyPr/>
+          <a:lstStyle/>
+          <a:p>
+            <a:endParaRPr lang="en-US" dirty="0"/>
+          </a:p>
+        </p:txBody>
+      </p:sp>
+      <p:sp>
+        <p:nvSpPr>
+          <p:cNvPr id="4" name="Slide Number Placeholder 3"/>
+          <p:cNvSpPr>
+            <a:spLocks noGrp="1"/>
+          </p:cNvSpPr>
+          <p:nvPr>
+            <p:ph type="sldNum" sz="quarter" idx="10"/>
+          </p:nvPr>
+        </p:nvSpPr>
+        <p:spPr/>
+        <p:txBody>
+          <a:bodyPr/>
+          <a:lstStyle/>
+          <a:p>
+            <a:fld id="{7CBFEC62-47D8-AA45-80EB-A84698F32C4E}" type="slidenum">
+              <a:rPr lang="en-US" smtClean="0"/>
+              <a:t>24</a:t>
             </a:fld>
             <a:endParaRPr lang="en-US"/>
           </a:p>
@@ -861,7 +1454,7 @@
           <a:bodyPr/>
           <a:lstStyle/>
           <a:p>
-            <a:endParaRPr lang="en-US" dirty="0" smtClean="0"/>
+            <a:endParaRPr lang="en-US"/>
           </a:p>
         </p:txBody>
       </p:sp>
@@ -882,7 +1475,7 @@
           <a:p>
             <a:fld id="{7CBFEC62-47D8-AA45-80EB-A84698F32C4E}" type="slidenum">
               <a:rPr lang="en-US" smtClean="0"/>
-              <a:t>3</a:t>
+              <a:t>2</a:t>
             </a:fld>
             <a:endParaRPr lang="en-US"/>
           </a:p>
@@ -891,7 +1484,259 @@
     </p:spTree>
     <p:extLst>
       <p:ext uri="{BB962C8B-B14F-4D97-AF65-F5344CB8AC3E}">
-        <p14:creationId xmlns:p14="http://schemas.microsoft.com/office/powerpoint/2010/main" val="2503873888"/>
+        <p14:creationId xmlns:p14="http://schemas.microsoft.com/office/powerpoint/2010/main" val="1333008855"/>
+      </p:ext>
+    </p:extLst>
+  </p:cSld>
+  <p:clrMapOvr>
+    <a:masterClrMapping/>
+  </p:clrMapOvr>
+</p:notes>
+</file>
+
+<file path=ppt/notesSlides/notesSlide20.xml><?xml version="1.0" encoding="utf-8"?>
+<p:notes xmlns:a="http://schemas.openxmlformats.org/drawingml/2006/main" xmlns:r="http://schemas.openxmlformats.org/officeDocument/2006/relationships" xmlns:p="http://schemas.openxmlformats.org/presentationml/2006/main">
+  <p:cSld>
+    <p:spTree>
+      <p:nvGrpSpPr>
+        <p:cNvPr id="1" name=""/>
+        <p:cNvGrpSpPr/>
+        <p:nvPr/>
+      </p:nvGrpSpPr>
+      <p:grpSpPr>
+        <a:xfrm>
+          <a:off x="0" y="0"/>
+          <a:ext cx="0" cy="0"/>
+          <a:chOff x="0" y="0"/>
+          <a:chExt cx="0" cy="0"/>
+        </a:xfrm>
+      </p:grpSpPr>
+      <p:sp>
+        <p:nvSpPr>
+          <p:cNvPr id="2" name="Slide Image Placeholder 1"/>
+          <p:cNvSpPr>
+            <a:spLocks noGrp="1" noRot="1" noChangeAspect="1"/>
+          </p:cNvSpPr>
+          <p:nvPr>
+            <p:ph type="sldImg"/>
+          </p:nvPr>
+        </p:nvSpPr>
+        <p:spPr/>
+      </p:sp>
+      <p:sp>
+        <p:nvSpPr>
+          <p:cNvPr id="3" name="Notes Placeholder 2"/>
+          <p:cNvSpPr>
+            <a:spLocks noGrp="1"/>
+          </p:cNvSpPr>
+          <p:nvPr>
+            <p:ph type="body" idx="1"/>
+          </p:nvPr>
+        </p:nvSpPr>
+        <p:spPr/>
+        <p:txBody>
+          <a:bodyPr/>
+          <a:lstStyle/>
+          <a:p>
+            <a:endParaRPr lang="en-US" dirty="0"/>
+          </a:p>
+        </p:txBody>
+      </p:sp>
+      <p:sp>
+        <p:nvSpPr>
+          <p:cNvPr id="4" name="Slide Number Placeholder 3"/>
+          <p:cNvSpPr>
+            <a:spLocks noGrp="1"/>
+          </p:cNvSpPr>
+          <p:nvPr>
+            <p:ph type="sldNum" sz="quarter" idx="10"/>
+          </p:nvPr>
+        </p:nvSpPr>
+        <p:spPr/>
+        <p:txBody>
+          <a:bodyPr/>
+          <a:lstStyle/>
+          <a:p>
+            <a:fld id="{7CBFEC62-47D8-AA45-80EB-A84698F32C4E}" type="slidenum">
+              <a:rPr lang="en-US" smtClean="0"/>
+              <a:t>25</a:t>
+            </a:fld>
+            <a:endParaRPr lang="en-US"/>
+          </a:p>
+        </p:txBody>
+      </p:sp>
+    </p:spTree>
+    <p:extLst>
+      <p:ext uri="{BB962C8B-B14F-4D97-AF65-F5344CB8AC3E}">
+        <p14:creationId xmlns:p14="http://schemas.microsoft.com/office/powerpoint/2010/main" val="1871693178"/>
+      </p:ext>
+    </p:extLst>
+  </p:cSld>
+  <p:clrMapOvr>
+    <a:masterClrMapping/>
+  </p:clrMapOvr>
+</p:notes>
+</file>
+
+<file path=ppt/notesSlides/notesSlide21.xml><?xml version="1.0" encoding="utf-8"?>
+<p:notes xmlns:a="http://schemas.openxmlformats.org/drawingml/2006/main" xmlns:r="http://schemas.openxmlformats.org/officeDocument/2006/relationships" xmlns:p="http://schemas.openxmlformats.org/presentationml/2006/main">
+  <p:cSld>
+    <p:spTree>
+      <p:nvGrpSpPr>
+        <p:cNvPr id="1" name=""/>
+        <p:cNvGrpSpPr/>
+        <p:nvPr/>
+      </p:nvGrpSpPr>
+      <p:grpSpPr>
+        <a:xfrm>
+          <a:off x="0" y="0"/>
+          <a:ext cx="0" cy="0"/>
+          <a:chOff x="0" y="0"/>
+          <a:chExt cx="0" cy="0"/>
+        </a:xfrm>
+      </p:grpSpPr>
+      <p:sp>
+        <p:nvSpPr>
+          <p:cNvPr id="2" name="Slide Image Placeholder 1"/>
+          <p:cNvSpPr>
+            <a:spLocks noGrp="1" noRot="1" noChangeAspect="1"/>
+          </p:cNvSpPr>
+          <p:nvPr>
+            <p:ph type="sldImg"/>
+          </p:nvPr>
+        </p:nvSpPr>
+        <p:spPr/>
+      </p:sp>
+      <p:sp>
+        <p:nvSpPr>
+          <p:cNvPr id="3" name="Notes Placeholder 2"/>
+          <p:cNvSpPr>
+            <a:spLocks noGrp="1"/>
+          </p:cNvSpPr>
+          <p:nvPr>
+            <p:ph type="body" idx="1"/>
+          </p:nvPr>
+        </p:nvSpPr>
+        <p:spPr/>
+        <p:txBody>
+          <a:bodyPr/>
+          <a:lstStyle/>
+          <a:p>
+            <a:endParaRPr lang="en-US"/>
+          </a:p>
+        </p:txBody>
+      </p:sp>
+      <p:sp>
+        <p:nvSpPr>
+          <p:cNvPr id="4" name="Slide Number Placeholder 3"/>
+          <p:cNvSpPr>
+            <a:spLocks noGrp="1"/>
+          </p:cNvSpPr>
+          <p:nvPr>
+            <p:ph type="sldNum" sz="quarter" idx="10"/>
+          </p:nvPr>
+        </p:nvSpPr>
+        <p:spPr/>
+        <p:txBody>
+          <a:bodyPr/>
+          <a:lstStyle/>
+          <a:p>
+            <a:fld id="{7CBFEC62-47D8-AA45-80EB-A84698F32C4E}" type="slidenum">
+              <a:rPr lang="en-US" smtClean="0"/>
+              <a:t>26</a:t>
+            </a:fld>
+            <a:endParaRPr lang="en-US"/>
+          </a:p>
+        </p:txBody>
+      </p:sp>
+    </p:spTree>
+    <p:extLst>
+      <p:ext uri="{BB962C8B-B14F-4D97-AF65-F5344CB8AC3E}">
+        <p14:creationId xmlns:p14="http://schemas.microsoft.com/office/powerpoint/2010/main" val="70059172"/>
+      </p:ext>
+    </p:extLst>
+  </p:cSld>
+  <p:clrMapOvr>
+    <a:masterClrMapping/>
+  </p:clrMapOvr>
+</p:notes>
+</file>
+
+<file path=ppt/notesSlides/notesSlide22.xml><?xml version="1.0" encoding="utf-8"?>
+<p:notes xmlns:a="http://schemas.openxmlformats.org/drawingml/2006/main" xmlns:r="http://schemas.openxmlformats.org/officeDocument/2006/relationships" xmlns:p="http://schemas.openxmlformats.org/presentationml/2006/main">
+  <p:cSld>
+    <p:spTree>
+      <p:nvGrpSpPr>
+        <p:cNvPr id="1" name=""/>
+        <p:cNvGrpSpPr/>
+        <p:nvPr/>
+      </p:nvGrpSpPr>
+      <p:grpSpPr>
+        <a:xfrm>
+          <a:off x="0" y="0"/>
+          <a:ext cx="0" cy="0"/>
+          <a:chOff x="0" y="0"/>
+          <a:chExt cx="0" cy="0"/>
+        </a:xfrm>
+      </p:grpSpPr>
+      <p:sp>
+        <p:nvSpPr>
+          <p:cNvPr id="2" name="Slide Image Placeholder 1"/>
+          <p:cNvSpPr>
+            <a:spLocks noGrp="1" noRot="1" noChangeAspect="1"/>
+          </p:cNvSpPr>
+          <p:nvPr>
+            <p:ph type="sldImg"/>
+          </p:nvPr>
+        </p:nvSpPr>
+        <p:spPr/>
+      </p:sp>
+      <p:sp>
+        <p:nvSpPr>
+          <p:cNvPr id="3" name="Notes Placeholder 2"/>
+          <p:cNvSpPr>
+            <a:spLocks noGrp="1"/>
+          </p:cNvSpPr>
+          <p:nvPr>
+            <p:ph type="body" idx="1"/>
+          </p:nvPr>
+        </p:nvSpPr>
+        <p:spPr/>
+        <p:txBody>
+          <a:bodyPr/>
+          <a:lstStyle/>
+          <a:p>
+            <a:endParaRPr lang="en-US"/>
+          </a:p>
+        </p:txBody>
+      </p:sp>
+      <p:sp>
+        <p:nvSpPr>
+          <p:cNvPr id="4" name="Slide Number Placeholder 3"/>
+          <p:cNvSpPr>
+            <a:spLocks noGrp="1"/>
+          </p:cNvSpPr>
+          <p:nvPr>
+            <p:ph type="sldNum" sz="quarter" idx="10"/>
+          </p:nvPr>
+        </p:nvSpPr>
+        <p:spPr/>
+        <p:txBody>
+          <a:bodyPr/>
+          <a:lstStyle/>
+          <a:p>
+            <a:fld id="{7CBFEC62-47D8-AA45-80EB-A84698F32C4E}" type="slidenum">
+              <a:rPr lang="en-US" smtClean="0"/>
+              <a:t>27</a:t>
+            </a:fld>
+            <a:endParaRPr lang="en-US"/>
+          </a:p>
+        </p:txBody>
+      </p:sp>
+    </p:spTree>
+    <p:extLst>
+      <p:ext uri="{BB962C8B-B14F-4D97-AF65-F5344CB8AC3E}">
+        <p14:creationId xmlns:p14="http://schemas.microsoft.com/office/powerpoint/2010/main" val="3884893395"/>
       </p:ext>
     </p:extLst>
   </p:cSld>
@@ -945,31 +1790,7 @@
           <a:bodyPr/>
           <a:lstStyle/>
           <a:p>
-            <a:r>
-              <a:rPr lang="en-US" dirty="0" smtClean="0"/>
-              <a:t>emphasize:  </a:t>
-            </a:r>
-          </a:p>
-          <a:p>
-            <a:pPr marL="171450" indent="-171450">
-              <a:buFontTx/>
-              <a:buChar char="-"/>
-            </a:pPr>
-            <a:r>
-              <a:rPr lang="en-US" dirty="0" smtClean="0"/>
-              <a:t>run on multiple schedules</a:t>
-            </a:r>
-          </a:p>
-          <a:p>
-            <a:pPr marL="171450" indent="-171450">
-              <a:buFontTx/>
-              <a:buChar char="-"/>
-            </a:pPr>
-            <a:r>
-              <a:rPr lang="en-US" dirty="0" smtClean="0"/>
-              <a:t>typically the OS scheduler doesn’t vary much in where context switches take place in the program</a:t>
-            </a:r>
-            <a:endParaRPr lang="en-US" dirty="0"/>
+            <a:endParaRPr lang="en-US" dirty="0" smtClean="0"/>
           </a:p>
         </p:txBody>
       </p:sp>
@@ -990,7 +1811,7 @@
           <a:p>
             <a:fld id="{7CBFEC62-47D8-AA45-80EB-A84698F32C4E}" type="slidenum">
               <a:rPr lang="en-US" smtClean="0"/>
-              <a:t>4</a:t>
+              <a:t>3</a:t>
             </a:fld>
             <a:endParaRPr lang="en-US"/>
           </a:p>
@@ -999,7 +1820,7 @@
     </p:spTree>
     <p:extLst>
       <p:ext uri="{BB962C8B-B14F-4D97-AF65-F5344CB8AC3E}">
-        <p14:creationId xmlns:p14="http://schemas.microsoft.com/office/powerpoint/2010/main" val="4183042300"/>
+        <p14:creationId xmlns:p14="http://schemas.microsoft.com/office/powerpoint/2010/main" val="2503873888"/>
       </p:ext>
     </p:extLst>
   </p:cSld>
@@ -1053,6 +1874,30 @@
           <a:bodyPr/>
           <a:lstStyle/>
           <a:p>
+            <a:r>
+              <a:rPr lang="en-US" dirty="0" smtClean="0"/>
+              <a:t>emphasize:  </a:t>
+            </a:r>
+          </a:p>
+          <a:p>
+            <a:pPr marL="171450" indent="-171450">
+              <a:buFontTx/>
+              <a:buChar char="-"/>
+            </a:pPr>
+            <a:r>
+              <a:rPr lang="en-US" dirty="0" smtClean="0"/>
+              <a:t>run on multiple schedules</a:t>
+            </a:r>
+          </a:p>
+          <a:p>
+            <a:pPr marL="171450" indent="-171450">
+              <a:buFontTx/>
+              <a:buChar char="-"/>
+            </a:pPr>
+            <a:r>
+              <a:rPr lang="en-US" dirty="0" smtClean="0"/>
+              <a:t>typically the OS scheduler doesn’t vary much in where context switches take place in the program</a:t>
+            </a:r>
             <a:endParaRPr lang="en-US" dirty="0"/>
           </a:p>
         </p:txBody>
@@ -1074,7 +1919,7 @@
           <a:p>
             <a:fld id="{7CBFEC62-47D8-AA45-80EB-A84698F32C4E}" type="slidenum">
               <a:rPr lang="en-US" smtClean="0"/>
-              <a:t>5</a:t>
+              <a:t>4</a:t>
             </a:fld>
             <a:endParaRPr lang="en-US"/>
           </a:p>
@@ -1083,7 +1928,7 @@
     </p:spTree>
     <p:extLst>
       <p:ext uri="{BB962C8B-B14F-4D97-AF65-F5344CB8AC3E}">
-        <p14:creationId xmlns:p14="http://schemas.microsoft.com/office/powerpoint/2010/main" val="2856214145"/>
+        <p14:creationId xmlns:p14="http://schemas.microsoft.com/office/powerpoint/2010/main" val="4183042300"/>
       </p:ext>
     </p:extLst>
   </p:cSld>
@@ -1158,7 +2003,7 @@
           <a:p>
             <a:fld id="{7CBFEC62-47D8-AA45-80EB-A84698F32C4E}" type="slidenum">
               <a:rPr lang="en-US" smtClean="0"/>
-              <a:t>6</a:t>
+              <a:t>5</a:t>
             </a:fld>
             <a:endParaRPr lang="en-US"/>
           </a:p>
@@ -1167,7 +2012,7 @@
     </p:spTree>
     <p:extLst>
       <p:ext uri="{BB962C8B-B14F-4D97-AF65-F5344CB8AC3E}">
-        <p14:creationId xmlns:p14="http://schemas.microsoft.com/office/powerpoint/2010/main" val="2607280754"/>
+        <p14:creationId xmlns:p14="http://schemas.microsoft.com/office/powerpoint/2010/main" val="2856214145"/>
       </p:ext>
     </p:extLst>
   </p:cSld>
@@ -1221,95 +2066,6 @@
           <a:bodyPr/>
           <a:lstStyle/>
           <a:p>
-            <a:r>
-              <a:rPr lang="en-US" dirty="0" smtClean="0"/>
-              <a:t>-  SUDS – adds </a:t>
-            </a:r>
-            <a:r>
-              <a:rPr lang="en-US" dirty="0" err="1" smtClean="0"/>
-              <a:t>invokeScheduler</a:t>
-            </a:r>
-            <a:r>
-              <a:rPr lang="en-US" baseline="0" dirty="0" smtClean="0"/>
-              <a:t> call after each statement increases craziness of the schedules</a:t>
-            </a:r>
-            <a:endParaRPr lang="en-US" dirty="0" smtClean="0"/>
-          </a:p>
-          <a:p>
-            <a:endParaRPr lang="en-US" dirty="0" smtClean="0"/>
-          </a:p>
-          <a:p>
-            <a:endParaRPr lang="en-US" dirty="0" smtClean="0"/>
-          </a:p>
-          <a:p>
-            <a:r>
-              <a:rPr lang="en-US" dirty="0" err="1" smtClean="0"/>
-              <a:t>sections.c</a:t>
-            </a:r>
-            <a:r>
-              <a:rPr lang="en-US" dirty="0" smtClean="0"/>
-              <a:t> – student’s solution implementation</a:t>
-            </a:r>
-          </a:p>
-          <a:p>
-            <a:r>
-              <a:rPr lang="en-US" dirty="0" err="1" smtClean="0"/>
-              <a:t>main.c</a:t>
-            </a:r>
-            <a:r>
-              <a:rPr lang="en-US" dirty="0" smtClean="0"/>
-              <a:t> – driver program</a:t>
-            </a:r>
-          </a:p>
-          <a:p>
-            <a:pPr marL="0" marR="0" indent="0" algn="l" defTabSz="457200" rtl="0" eaLnBrk="1" fontAlgn="auto" latinLnBrk="0" hangingPunct="1">
-              <a:lnSpc>
-                <a:spcPct val="100000"/>
-              </a:lnSpc>
-              <a:spcBef>
-                <a:spcPts val="0"/>
-              </a:spcBef>
-              <a:spcAft>
-                <a:spcPts val="0"/>
-              </a:spcAft>
-              <a:buClrTx/>
-              <a:buSzTx/>
-              <a:buFontTx/>
-              <a:buNone/>
-              <a:tabLst/>
-              <a:defRPr/>
-            </a:pPr>
-            <a:r>
-              <a:rPr lang="en-US" dirty="0" smtClean="0"/>
-              <a:t>SUDS – a C source code instrumentation tool that allows the programmer to direct how and where instrumentation is added to the program</a:t>
-            </a:r>
-          </a:p>
-          <a:p>
-            <a:endParaRPr lang="en-US" dirty="0" smtClean="0"/>
-          </a:p>
-          <a:p>
-            <a:r>
-              <a:rPr lang="en-US" dirty="0" smtClean="0"/>
-              <a:t>Scheduler</a:t>
-            </a:r>
-            <a:r>
-              <a:rPr lang="en-US" baseline="0" dirty="0" smtClean="0"/>
-              <a:t> – along with the lock/semaphore routines, server as a library to control and debug multithreaded applications</a:t>
-            </a:r>
-            <a:endParaRPr lang="en-US" dirty="0" smtClean="0"/>
-          </a:p>
-          <a:p>
-            <a:r>
-              <a:rPr lang="en-US" dirty="0" smtClean="0"/>
-              <a:t>Wrapper – allows the user to the the program several times to enable several</a:t>
-            </a:r>
-            <a:r>
-              <a:rPr lang="en-US" baseline="0" dirty="0" smtClean="0"/>
-              <a:t> randomly produced schedules</a:t>
-            </a:r>
-            <a:endParaRPr lang="en-US" dirty="0" smtClean="0"/>
-          </a:p>
-          <a:p>
             <a:endParaRPr lang="en-US" dirty="0"/>
           </a:p>
         </p:txBody>
@@ -1331,7 +2087,7 @@
           <a:p>
             <a:fld id="{7CBFEC62-47D8-AA45-80EB-A84698F32C4E}" type="slidenum">
               <a:rPr lang="en-US" smtClean="0"/>
-              <a:t>7</a:t>
+              <a:t>6</a:t>
             </a:fld>
             <a:endParaRPr lang="en-US"/>
           </a:p>
@@ -1340,7 +2096,7 @@
     </p:spTree>
     <p:extLst>
       <p:ext uri="{BB962C8B-B14F-4D97-AF65-F5344CB8AC3E}">
-        <p14:creationId xmlns:p14="http://schemas.microsoft.com/office/powerpoint/2010/main" val="2925395708"/>
+        <p14:creationId xmlns:p14="http://schemas.microsoft.com/office/powerpoint/2010/main" val="2607280754"/>
       </p:ext>
     </p:extLst>
   </p:cSld>
@@ -1396,8 +2152,20 @@
           <a:p>
             <a:r>
               <a:rPr lang="en-US" dirty="0" smtClean="0"/>
-              <a:t>add backup slide showing partitions (e.g. library)</a:t>
-            </a:r>
+              <a:t>-  SUDS – adds </a:t>
+            </a:r>
+            <a:r>
+              <a:rPr lang="en-US" dirty="0" err="1" smtClean="0"/>
+              <a:t>invokeScheduler</a:t>
+            </a:r>
+            <a:r>
+              <a:rPr lang="en-US" baseline="0" dirty="0" smtClean="0"/>
+              <a:t> call after each statement increases craziness of the schedules</a:t>
+            </a:r>
+            <a:endParaRPr lang="en-US" dirty="0" smtClean="0"/>
+          </a:p>
+          <a:p>
+            <a:endParaRPr lang="en-US" dirty="0" smtClean="0"/>
           </a:p>
           <a:p>
             <a:endParaRPr lang="en-US" dirty="0" smtClean="0"/>
@@ -1423,47 +2191,52 @@
             </a:r>
           </a:p>
           <a:p>
+            <a:pPr marL="0" marR="0" indent="0" algn="l" defTabSz="457200" rtl="0" eaLnBrk="1" fontAlgn="auto" latinLnBrk="0" hangingPunct="1">
+              <a:lnSpc>
+                <a:spcPct val="100000"/>
+              </a:lnSpc>
+              <a:spcBef>
+                <a:spcPts val="0"/>
+              </a:spcBef>
+              <a:spcAft>
+                <a:spcPts val="0"/>
+              </a:spcAft>
+              <a:buClrTx/>
+              <a:buSzTx/>
+              <a:buFontTx/>
+              <a:buNone/>
+              <a:tabLst/>
+              <a:defRPr/>
+            </a:pPr>
+            <a:r>
+              <a:rPr lang="en-US" dirty="0" smtClean="0"/>
+              <a:t>SUDS – a C source code instrumentation tool that allows the programmer to direct how and where instrumentation is added to the program</a:t>
+            </a:r>
+          </a:p>
+          <a:p>
+            <a:endParaRPr lang="en-US" dirty="0" smtClean="0"/>
+          </a:p>
+          <a:p>
             <a:r>
               <a:rPr lang="en-US" dirty="0" smtClean="0"/>
               <a:t>Scheduler</a:t>
             </a:r>
-          </a:p>
-          <a:p>
-            <a:pPr lvl="1"/>
-            <a:r>
-              <a:rPr lang="en-US" dirty="0" err="1" smtClean="0"/>
-              <a:t>sched.cpp</a:t>
+            <a:r>
+              <a:rPr lang="en-US" baseline="0" dirty="0" smtClean="0"/>
+              <a:t> – along with the lock/semaphore routines, server as a library to control and debug multithreaded applications</a:t>
             </a:r>
             <a:endParaRPr lang="en-US" dirty="0" smtClean="0"/>
           </a:p>
           <a:p>
             <a:r>
               <a:rPr lang="en-US" dirty="0" smtClean="0"/>
-              <a:t>Error Detection</a:t>
-            </a:r>
-          </a:p>
-          <a:p>
-            <a:pPr lvl="1"/>
-            <a:r>
-              <a:rPr lang="en-US" dirty="0" smtClean="0"/>
-              <a:t>Deadlock detection</a:t>
-            </a:r>
-          </a:p>
-          <a:p>
-            <a:r>
-              <a:rPr lang="en-US" dirty="0" smtClean="0"/>
-              <a:t>Logging</a:t>
-            </a:r>
-          </a:p>
-          <a:p>
-            <a:pPr lvl="1"/>
+              <a:t>Wrapper – allows the user to the the program several times to enable several</a:t>
+            </a:r>
+            <a:r>
+              <a:rPr lang="en-US" baseline="0" dirty="0" smtClean="0"/>
+              <a:t> randomly produced schedules</a:t>
+            </a:r>
             <a:endParaRPr lang="en-US" dirty="0" smtClean="0"/>
-          </a:p>
-          <a:p>
-            <a:r>
-              <a:rPr lang="en-US" dirty="0" smtClean="0"/>
-              <a:t>Wrapper</a:t>
-            </a:r>
           </a:p>
           <a:p>
             <a:endParaRPr lang="en-US" dirty="0"/>
@@ -1487,7 +2260,7 @@
           <a:p>
             <a:fld id="{7CBFEC62-47D8-AA45-80EB-A84698F32C4E}" type="slidenum">
               <a:rPr lang="en-US" smtClean="0"/>
-              <a:t>8</a:t>
+              <a:t>7</a:t>
             </a:fld>
             <a:endParaRPr lang="en-US"/>
           </a:p>
@@ -1496,7 +2269,7 @@
     </p:spTree>
     <p:extLst>
       <p:ext uri="{BB962C8B-B14F-4D97-AF65-F5344CB8AC3E}">
-        <p14:creationId xmlns:p14="http://schemas.microsoft.com/office/powerpoint/2010/main" val="489505825"/>
+        <p14:creationId xmlns:p14="http://schemas.microsoft.com/office/powerpoint/2010/main" val="2925395708"/>
       </p:ext>
     </p:extLst>
   </p:cSld>
@@ -1552,50 +2325,76 @@
           <a:p>
             <a:r>
               <a:rPr lang="en-US" dirty="0" smtClean="0"/>
-              <a:t>-  random</a:t>
-            </a:r>
-            <a:r>
-              <a:rPr lang="en-US" baseline="0" dirty="0" smtClean="0"/>
-              <a:t> (exercise different schedules) and interactive mode (more controlled debugging experience &amp; instructor demo)</a:t>
-            </a:r>
-          </a:p>
-          <a:p>
-            <a:pPr marL="171450" indent="-171450">
-              <a:buFontTx/>
-              <a:buChar char="-"/>
-            </a:pPr>
-            <a:r>
-              <a:rPr lang="en-US" baseline="0" dirty="0" smtClean="0"/>
-              <a:t>less focus on functions</a:t>
-            </a:r>
-          </a:p>
-          <a:p>
-            <a:pPr marL="171450" indent="-171450">
-              <a:buFontTx/>
-              <a:buChar char="-"/>
-            </a:pPr>
-            <a:r>
-              <a:rPr lang="en-US" baseline="0" dirty="0" smtClean="0"/>
-              <a:t>mention </a:t>
-            </a:r>
-            <a:r>
-              <a:rPr lang="en-US" baseline="0" dirty="0" err="1" smtClean="0"/>
-              <a:t>pthread</a:t>
-            </a:r>
-            <a:r>
-              <a:rPr lang="en-US" baseline="0" dirty="0" smtClean="0"/>
-              <a:t> functions</a:t>
-            </a:r>
-          </a:p>
-          <a:p>
-            <a:pPr marL="171450" indent="-171450">
-              <a:buFontTx/>
-              <a:buChar char="-"/>
-            </a:pPr>
-            <a:r>
-              <a:rPr lang="en-US" baseline="0" dirty="0" smtClean="0"/>
-              <a:t>remove invoke scheduler &amp; initialize threads</a:t>
-            </a:r>
+              <a:t>add backup slide showing partitions (e.g. library)</a:t>
+            </a:r>
+          </a:p>
+          <a:p>
+            <a:endParaRPr lang="en-US" dirty="0" smtClean="0"/>
+          </a:p>
+          <a:p>
+            <a:r>
+              <a:rPr lang="en-US" dirty="0" err="1" smtClean="0"/>
+              <a:t>sections.c</a:t>
+            </a:r>
+            <a:r>
+              <a:rPr lang="en-US" dirty="0" smtClean="0"/>
+              <a:t> – student’s solution implementation</a:t>
+            </a:r>
+          </a:p>
+          <a:p>
+            <a:r>
+              <a:rPr lang="en-US" dirty="0" err="1" smtClean="0"/>
+              <a:t>main.c</a:t>
+            </a:r>
+            <a:r>
+              <a:rPr lang="en-US" dirty="0" smtClean="0"/>
+              <a:t> – driver program</a:t>
+            </a:r>
+          </a:p>
+          <a:p>
+            <a:r>
+              <a:rPr lang="en-US" dirty="0" smtClean="0"/>
+              <a:t>Scheduler</a:t>
+            </a:r>
+          </a:p>
+          <a:p>
+            <a:pPr lvl="1"/>
+            <a:r>
+              <a:rPr lang="en-US" dirty="0" err="1" smtClean="0"/>
+              <a:t>sched.cpp</a:t>
+            </a:r>
+            <a:endParaRPr lang="en-US" dirty="0" smtClean="0"/>
+          </a:p>
+          <a:p>
+            <a:r>
+              <a:rPr lang="en-US" dirty="0" smtClean="0"/>
+              <a:t>Error Detection</a:t>
+            </a:r>
+          </a:p>
+          <a:p>
+            <a:pPr lvl="1"/>
+            <a:r>
+              <a:rPr lang="en-US" dirty="0" smtClean="0"/>
+              <a:t>Deadlock detection</a:t>
+            </a:r>
+          </a:p>
+          <a:p>
+            <a:r>
+              <a:rPr lang="en-US" dirty="0" smtClean="0"/>
+              <a:t>Logging</a:t>
+            </a:r>
+          </a:p>
+          <a:p>
+            <a:pPr lvl="1"/>
+            <a:endParaRPr lang="en-US" dirty="0" smtClean="0"/>
+          </a:p>
+          <a:p>
+            <a:r>
+              <a:rPr lang="en-US" dirty="0" smtClean="0"/>
+              <a:t>Wrapper</a:t>
+            </a:r>
+          </a:p>
+          <a:p>
             <a:endParaRPr lang="en-US" dirty="0"/>
           </a:p>
         </p:txBody>
@@ -1617,7 +2416,7 @@
           <a:p>
             <a:fld id="{7CBFEC62-47D8-AA45-80EB-A84698F32C4E}" type="slidenum">
               <a:rPr lang="en-US" smtClean="0"/>
-              <a:t>9</a:t>
+              <a:t>8</a:t>
             </a:fld>
             <a:endParaRPr lang="en-US"/>
           </a:p>
@@ -1626,7 +2425,7 @@
     </p:spTree>
     <p:extLst>
       <p:ext uri="{BB962C8B-B14F-4D97-AF65-F5344CB8AC3E}">
-        <p14:creationId xmlns:p14="http://schemas.microsoft.com/office/powerpoint/2010/main" val="4164143179"/>
+        <p14:creationId xmlns:p14="http://schemas.microsoft.com/office/powerpoint/2010/main" val="489505825"/>
       </p:ext>
     </p:extLst>
   </p:cSld>
@@ -1680,6 +2479,52 @@
           <a:bodyPr/>
           <a:lstStyle/>
           <a:p>
+            <a:r>
+              <a:rPr lang="en-US" dirty="0" smtClean="0"/>
+              <a:t>-  random</a:t>
+            </a:r>
+            <a:r>
+              <a:rPr lang="en-US" baseline="0" dirty="0" smtClean="0"/>
+              <a:t> (exercise different schedules) and interactive mode (more controlled debugging experience &amp; instructor demo)</a:t>
+            </a:r>
+          </a:p>
+          <a:p>
+            <a:pPr marL="171450" indent="-171450">
+              <a:buFontTx/>
+              <a:buChar char="-"/>
+            </a:pPr>
+            <a:r>
+              <a:rPr lang="en-US" baseline="0" dirty="0" smtClean="0"/>
+              <a:t>less focus on functions</a:t>
+            </a:r>
+          </a:p>
+          <a:p>
+            <a:pPr marL="171450" indent="-171450">
+              <a:buFontTx/>
+              <a:buChar char="-"/>
+            </a:pPr>
+            <a:r>
+              <a:rPr lang="en-US" baseline="0" dirty="0" smtClean="0"/>
+              <a:t>mention </a:t>
+            </a:r>
+            <a:r>
+              <a:rPr lang="en-US" baseline="0" dirty="0" err="1" smtClean="0"/>
+              <a:t>pthread</a:t>
+            </a:r>
+            <a:r>
+              <a:rPr lang="en-US" baseline="0" dirty="0" smtClean="0"/>
+              <a:t> functions</a:t>
+            </a:r>
+          </a:p>
+          <a:p>
+            <a:pPr marL="171450" indent="-171450">
+              <a:buFontTx/>
+              <a:buChar char="-"/>
+            </a:pPr>
+            <a:r>
+              <a:rPr lang="en-US" baseline="0" dirty="0" smtClean="0"/>
+              <a:t>remove invoke scheduler &amp; initialize threads</a:t>
+            </a:r>
             <a:endParaRPr lang="en-US" dirty="0"/>
           </a:p>
         </p:txBody>
@@ -1701,7 +2546,7 @@
           <a:p>
             <a:fld id="{7CBFEC62-47D8-AA45-80EB-A84698F32C4E}" type="slidenum">
               <a:rPr lang="en-US" smtClean="0"/>
-              <a:t>11</a:t>
+              <a:t>9</a:t>
             </a:fld>
             <a:endParaRPr lang="en-US"/>
           </a:p>
@@ -1710,7 +2555,7 @@
     </p:spTree>
     <p:extLst>
       <p:ext uri="{BB962C8B-B14F-4D97-AF65-F5344CB8AC3E}">
-        <p14:creationId xmlns:p14="http://schemas.microsoft.com/office/powerpoint/2010/main" val="3648962323"/>
+        <p14:creationId xmlns:p14="http://schemas.microsoft.com/office/powerpoint/2010/main" val="4164143179"/>
       </p:ext>
     </p:extLst>
   </p:cSld>
@@ -1908,7 +2753,7 @@
           <a:p>
             <a:fld id="{F09FF0AF-D2C1-48E6-838D-34907CC7AAD3}" type="datetime2">
               <a:rPr lang="en-US" smtClean="0"/>
-              <a:t>Thursday, June 7, 12</a:t>
+              <a:t>Friday, June 8, 12</a:t>
             </a:fld>
             <a:endParaRPr lang="en-US"/>
           </a:p>
@@ -2110,7 +2955,7 @@
           <a:p>
             <a:fld id="{6E272829-C125-48EE-B9F1-150AD50C9F98}" type="datetime2">
               <a:rPr lang="en-US" smtClean="0"/>
-              <a:t>Thursday, June 7, 12</a:t>
+              <a:t>Friday, June 8, 12</a:t>
             </a:fld>
             <a:endParaRPr lang="en-US"/>
           </a:p>
@@ -2287,7 +3132,7 @@
           <a:p>
             <a:fld id="{05341E2C-B9D9-45C2-B520-10A28977426A}" type="datetime2">
               <a:rPr lang="en-US" smtClean="0"/>
-              <a:t>Thursday, June 7, 12</a:t>
+              <a:t>Friday, June 8, 12</a:t>
             </a:fld>
             <a:endParaRPr lang="en-US"/>
           </a:p>
@@ -2454,7 +3299,7 @@
           <a:p>
             <a:fld id="{12925254-87A5-4CF0-99E8-AC8E68BF7E06}" type="datetime2">
               <a:rPr lang="en-US" smtClean="0"/>
-              <a:t>Thursday, June 7, 12</a:t>
+              <a:t>Friday, June 8, 12</a:t>
             </a:fld>
             <a:endParaRPr lang="en-US"/>
           </a:p>
@@ -2704,7 +3549,7 @@
           <a:p>
             <a:fld id="{DC2946C1-A293-479B-BDA5-001C778CB73D}" type="datetime2">
               <a:rPr lang="en-US" smtClean="0"/>
-              <a:t>Thursday, June 7, 12</a:t>
+              <a:t>Friday, June 8, 12</a:t>
             </a:fld>
             <a:endParaRPr lang="en-US"/>
           </a:p>
@@ -3024,7 +3869,7 @@
           <a:p>
             <a:fld id="{D1BA556C-EF54-4AA5-9DB7-CE7372A45079}" type="datetime2">
               <a:rPr lang="en-US" smtClean="0"/>
-              <a:t>Thursday, June 7, 12</a:t>
+              <a:t>Friday, June 8, 12</a:t>
             </a:fld>
             <a:endParaRPr lang="en-US"/>
           </a:p>
@@ -3492,7 +4337,7 @@
           <a:p>
             <a:fld id="{B78E10FB-3602-4C38-94EA-83110B555185}" type="datetime2">
               <a:rPr lang="en-US" smtClean="0"/>
-              <a:t>Thursday, June 7, 12</a:t>
+              <a:t>Friday, June 8, 12</a:t>
             </a:fld>
             <a:endParaRPr lang="en-US"/>
           </a:p>
@@ -3642,7 +4487,7 @@
           <a:p>
             <a:fld id="{CE2B67B4-70E4-41D6-8604-8C58B39011FA}" type="datetime2">
               <a:rPr lang="en-US" smtClean="0"/>
-              <a:t>Thursday, June 7, 12</a:t>
+              <a:t>Friday, June 8, 12</a:t>
             </a:fld>
             <a:endParaRPr lang="en-US"/>
           </a:p>
@@ -3734,7 +4579,7 @@
           <a:p>
             <a:fld id="{96C14349-F0F1-4B64-9196-E808C561C052}" type="datetime2">
               <a:rPr lang="en-US" smtClean="0"/>
-              <a:t>Thursday, June 7, 12</a:t>
+              <a:t>Friday, June 8, 12</a:t>
             </a:fld>
             <a:endParaRPr lang="en-US"/>
           </a:p>
@@ -4010,7 +4855,7 @@
           <a:p>
             <a:fld id="{AEFF8DCA-800C-4A35-9DC7-25E631DA2DB6}" type="datetime2">
               <a:rPr lang="en-US" smtClean="0"/>
-              <a:t>Thursday, June 7, 12</a:t>
+              <a:t>Friday, June 8, 12</a:t>
             </a:fld>
             <a:endParaRPr lang="en-US"/>
           </a:p>
@@ -4317,7 +5162,7 @@
           <a:p>
             <a:fld id="{A2A2C62E-D659-49D4-A739-4E48E87EAA9F}" type="datetime2">
               <a:rPr lang="en-US" smtClean="0"/>
-              <a:t>Thursday, June 7, 12</a:t>
+              <a:t>Friday, June 8, 12</a:t>
             </a:fld>
             <a:endParaRPr lang="en-US"/>
           </a:p>
@@ -4617,7 +5462,7 @@
           <a:p>
             <a:fld id="{1C925619-5C23-46BF-A87A-5AD00CBA1C66}" type="datetime2">
               <a:rPr lang="en-US" smtClean="0"/>
-              <a:t>Thursday, June 7, 12</a:t>
+              <a:t>Friday, June 8, 12</a:t>
             </a:fld>
             <a:endParaRPr lang="en-US" dirty="0"/>
           </a:p>
@@ -4715,6 +5560,13 @@
     <p:sldLayoutId id="2147483970" r:id="rId10"/>
     <p:sldLayoutId id="2147483971" r:id="rId11"/>
   </p:sldLayoutIdLst>
+  <p:timing>
+    <p:tnLst>
+      <p:par>
+        <p:cTn xmlns:p14="http://schemas.microsoft.com/office/powerpoint/2010/main" id="1" dur="indefinite" restart="never" nodeType="tmRoot"/>
+      </p:par>
+    </p:tnLst>
+  </p:timing>
   <p:hf hdr="0" ftr="0" dt="0"/>
   <p:txStyles>
     <p:titleStyle>
@@ -6617,11 +7469,7 @@
             </a:pPr>
             <a:r>
               <a:rPr lang="en-US" dirty="0" smtClean="0"/>
-              <a:t>+  Deadlock </a:t>
-            </a:r>
-            <a:r>
-              <a:rPr lang="en-US" dirty="0" smtClean="0"/>
-              <a:t>detection:  If all active threads are blocked waiting for either a lock or semaphore, then a deadlock has occurred.</a:t>
+              <a:t>+  Deadlock detection:  If all active threads are blocked waiting for either a lock or semaphore, then a deadlock has occurred.</a:t>
             </a:r>
           </a:p>
           <a:p>
@@ -6630,11 +7478,7 @@
             </a:pPr>
             <a:r>
               <a:rPr lang="en-US" dirty="0" smtClean="0"/>
-              <a:t>+  Controlled </a:t>
-            </a:r>
-            <a:r>
-              <a:rPr lang="en-US" dirty="0" smtClean="0"/>
-              <a:t>environment:</a:t>
+              <a:t>+  Controlled environment:</a:t>
             </a:r>
           </a:p>
           <a:p>
@@ -6657,11 +7501,7 @@
             </a:pPr>
             <a:r>
               <a:rPr lang="en-US" dirty="0" smtClean="0"/>
-              <a:t>+  Increased </a:t>
-            </a:r>
-            <a:r>
-              <a:rPr lang="en-US" dirty="0" smtClean="0"/>
-              <a:t>schedule coverage:</a:t>
+              <a:t>+  Increased schedule coverage:</a:t>
             </a:r>
           </a:p>
           <a:p>
@@ -7225,6 +8065,1968 @@
 </file>
 
 <file path=ppt/slides/slide19.xml><?xml version="1.0" encoding="utf-8"?>
+<p:sld xmlns:a="http://schemas.openxmlformats.org/drawingml/2006/main" xmlns:r="http://schemas.openxmlformats.org/officeDocument/2006/relationships" xmlns:p="http://schemas.openxmlformats.org/presentationml/2006/main">
+  <p:cSld>
+    <p:spTree>
+      <p:nvGrpSpPr>
+        <p:cNvPr id="1" name=""/>
+        <p:cNvGrpSpPr/>
+        <p:nvPr/>
+      </p:nvGrpSpPr>
+      <p:grpSpPr>
+        <a:xfrm>
+          <a:off x="0" y="0"/>
+          <a:ext cx="0" cy="0"/>
+          <a:chOff x="0" y="0"/>
+          <a:chExt cx="0" cy="0"/>
+        </a:xfrm>
+      </p:grpSpPr>
+      <p:sp>
+        <p:nvSpPr>
+          <p:cNvPr id="2" name="Title 1"/>
+          <p:cNvSpPr>
+            <a:spLocks noGrp="1"/>
+          </p:cNvSpPr>
+          <p:nvPr>
+            <p:ph type="title"/>
+          </p:nvPr>
+        </p:nvSpPr>
+        <p:spPr/>
+        <p:txBody>
+          <a:bodyPr/>
+          <a:lstStyle/>
+          <a:p>
+            <a:r>
+              <a:rPr lang="en-US" dirty="0" smtClean="0"/>
+              <a:t>1.</a:t>
+            </a:r>
+            <a:r>
+              <a:rPr lang="en-US" dirty="0" smtClean="0"/>
+              <a:t>  Make </a:t>
+            </a:r>
+            <a:r>
+              <a:rPr lang="en-US" dirty="0" smtClean="0"/>
+              <a:t>Project</a:t>
+            </a:r>
+            <a:endParaRPr lang="en-US" dirty="0"/>
+          </a:p>
+        </p:txBody>
+      </p:sp>
+      <p:sp>
+        <p:nvSpPr>
+          <p:cNvPr id="4" name="Slide Number Placeholder 3"/>
+          <p:cNvSpPr>
+            <a:spLocks noGrp="1"/>
+          </p:cNvSpPr>
+          <p:nvPr>
+            <p:ph type="sldNum" sz="quarter" idx="12"/>
+          </p:nvPr>
+        </p:nvSpPr>
+        <p:spPr/>
+        <p:txBody>
+          <a:bodyPr/>
+          <a:lstStyle/>
+          <a:p>
+            <a:fld id="{0CFEC368-1D7A-4F81-ABF6-AE0E36BAF64C}" type="slidenum">
+              <a:rPr lang="en-US" smtClean="0"/>
+              <a:pPr/>
+              <a:t>19</a:t>
+            </a:fld>
+            <a:endParaRPr lang="en-US"/>
+          </a:p>
+        </p:txBody>
+      </p:sp>
+      <p:pic>
+        <p:nvPicPr>
+          <p:cNvPr id="5" name="Picture 4" descr="concurDemo_make.png"/>
+          <p:cNvPicPr>
+            <a:picLocks noChangeAspect="1"/>
+          </p:cNvPicPr>
+          <p:nvPr/>
+        </p:nvPicPr>
+        <p:blipFill>
+          <a:blip r:embed="rId2">
+            <a:extLst>
+              <a:ext uri="{28A0092B-C50C-407E-A947-70E740481C1C}">
+                <a14:useLocalDpi xmlns:a14="http://schemas.microsoft.com/office/drawing/2010/main" val="0"/>
+              </a:ext>
+            </a:extLst>
+          </a:blip>
+          <a:stretch>
+            <a:fillRect/>
+          </a:stretch>
+        </p:blipFill>
+        <p:spPr>
+          <a:xfrm>
+            <a:off x="2088987" y="1523999"/>
+            <a:ext cx="6717221" cy="4920257"/>
+          </a:xfrm>
+          <a:prstGeom prst="rect">
+            <a:avLst/>
+          </a:prstGeom>
+          <a:ln>
+            <a:solidFill>
+              <a:schemeClr val="tx1"/>
+            </a:solidFill>
+          </a:ln>
+        </p:spPr>
+      </p:pic>
+      <p:sp>
+        <p:nvSpPr>
+          <p:cNvPr id="6" name="TextBox 5"/>
+          <p:cNvSpPr txBox="1"/>
+          <p:nvPr/>
+        </p:nvSpPr>
+        <p:spPr>
+          <a:xfrm>
+            <a:off x="279400" y="1608664"/>
+            <a:ext cx="1286933" cy="338554"/>
+          </a:xfrm>
+          <a:prstGeom prst="rect">
+            <a:avLst/>
+          </a:prstGeom>
+          <a:noFill/>
+        </p:spPr>
+        <p:txBody>
+          <a:bodyPr wrap="square" rtlCol="0">
+            <a:spAutoFit/>
+          </a:bodyPr>
+          <a:lstStyle/>
+          <a:p>
+            <a:pPr algn="r"/>
+            <a:r>
+              <a:rPr lang="en-US" sz="1600" dirty="0">
+                <a:solidFill>
+                  <a:srgbClr val="008000"/>
+                </a:solidFill>
+              </a:rPr>
+              <a:t>m</a:t>
+            </a:r>
+            <a:r>
+              <a:rPr lang="en-US" sz="1600" dirty="0" smtClean="0">
+                <a:solidFill>
+                  <a:srgbClr val="008000"/>
+                </a:solidFill>
+              </a:rPr>
+              <a:t>ake</a:t>
+            </a:r>
+            <a:r>
+              <a:rPr lang="en-US" sz="1600" dirty="0" smtClean="0"/>
+              <a:t> </a:t>
+            </a:r>
+            <a:r>
+              <a:rPr lang="en-US" sz="1600" dirty="0" smtClean="0">
+                <a:solidFill>
+                  <a:srgbClr val="008000"/>
+                </a:solidFill>
+              </a:rPr>
+              <a:t>clean</a:t>
+            </a:r>
+            <a:endParaRPr lang="en-US" sz="1600" dirty="0">
+              <a:solidFill>
+                <a:srgbClr val="008000"/>
+              </a:solidFill>
+            </a:endParaRPr>
+          </a:p>
+        </p:txBody>
+      </p:sp>
+      <p:cxnSp>
+        <p:nvCxnSpPr>
+          <p:cNvPr id="8" name="Straight Arrow Connector 7"/>
+          <p:cNvCxnSpPr/>
+          <p:nvPr/>
+        </p:nvCxnSpPr>
+        <p:spPr>
+          <a:xfrm>
+            <a:off x="1566333" y="1786408"/>
+            <a:ext cx="522654" cy="0"/>
+          </a:xfrm>
+          <a:prstGeom prst="straightConnector1">
+            <a:avLst/>
+          </a:prstGeom>
+          <a:ln>
+            <a:solidFill>
+              <a:schemeClr val="tx1"/>
+            </a:solidFill>
+            <a:tailEnd type="arrow"/>
+          </a:ln>
+        </p:spPr>
+        <p:style>
+          <a:lnRef idx="2">
+            <a:schemeClr val="accent1"/>
+          </a:lnRef>
+          <a:fillRef idx="0">
+            <a:schemeClr val="accent1"/>
+          </a:fillRef>
+          <a:effectRef idx="1">
+            <a:schemeClr val="accent1"/>
+          </a:effectRef>
+          <a:fontRef idx="minor">
+            <a:schemeClr val="tx1"/>
+          </a:fontRef>
+        </p:style>
+      </p:cxnSp>
+      <p:sp>
+        <p:nvSpPr>
+          <p:cNvPr id="10" name="TextBox 9"/>
+          <p:cNvSpPr txBox="1"/>
+          <p:nvPr/>
+        </p:nvSpPr>
+        <p:spPr>
+          <a:xfrm>
+            <a:off x="110067" y="4834463"/>
+            <a:ext cx="1456267" cy="338554"/>
+          </a:xfrm>
+          <a:prstGeom prst="rect">
+            <a:avLst/>
+          </a:prstGeom>
+          <a:noFill/>
+        </p:spPr>
+        <p:txBody>
+          <a:bodyPr wrap="square" rtlCol="0">
+            <a:spAutoFit/>
+          </a:bodyPr>
+          <a:lstStyle/>
+          <a:p>
+            <a:pPr algn="r"/>
+            <a:r>
+              <a:rPr lang="en-US" sz="1600" dirty="0">
+                <a:solidFill>
+                  <a:srgbClr val="008000"/>
+                </a:solidFill>
+              </a:rPr>
+              <a:t>i</a:t>
+            </a:r>
+            <a:r>
+              <a:rPr lang="en-US" sz="1600" dirty="0" smtClean="0">
+                <a:solidFill>
+                  <a:srgbClr val="008000"/>
+                </a:solidFill>
+              </a:rPr>
+              <a:t>nvoke SUDS</a:t>
+            </a:r>
+            <a:endParaRPr lang="en-US" sz="1600" dirty="0">
+              <a:solidFill>
+                <a:srgbClr val="008000"/>
+              </a:solidFill>
+            </a:endParaRPr>
+          </a:p>
+        </p:txBody>
+      </p:sp>
+      <p:cxnSp>
+        <p:nvCxnSpPr>
+          <p:cNvPr id="11" name="Straight Arrow Connector 10"/>
+          <p:cNvCxnSpPr/>
+          <p:nvPr/>
+        </p:nvCxnSpPr>
+        <p:spPr>
+          <a:xfrm>
+            <a:off x="1566333" y="5029141"/>
+            <a:ext cx="522654" cy="0"/>
+          </a:xfrm>
+          <a:prstGeom prst="straightConnector1">
+            <a:avLst/>
+          </a:prstGeom>
+          <a:ln>
+            <a:solidFill>
+              <a:schemeClr val="tx1"/>
+            </a:solidFill>
+            <a:tailEnd type="arrow"/>
+          </a:ln>
+        </p:spPr>
+        <p:style>
+          <a:lnRef idx="2">
+            <a:schemeClr val="accent1"/>
+          </a:lnRef>
+          <a:fillRef idx="0">
+            <a:schemeClr val="accent1"/>
+          </a:fillRef>
+          <a:effectRef idx="1">
+            <a:schemeClr val="accent1"/>
+          </a:effectRef>
+          <a:fontRef idx="minor">
+            <a:schemeClr val="tx1"/>
+          </a:fontRef>
+        </p:style>
+      </p:cxnSp>
+      <p:sp>
+        <p:nvSpPr>
+          <p:cNvPr id="13" name="TextBox 12"/>
+          <p:cNvSpPr txBox="1"/>
+          <p:nvPr/>
+        </p:nvSpPr>
+        <p:spPr>
+          <a:xfrm>
+            <a:off x="279400" y="2793999"/>
+            <a:ext cx="1286933" cy="338554"/>
+          </a:xfrm>
+          <a:prstGeom prst="rect">
+            <a:avLst/>
+          </a:prstGeom>
+          <a:noFill/>
+        </p:spPr>
+        <p:txBody>
+          <a:bodyPr wrap="square" rtlCol="0">
+            <a:spAutoFit/>
+          </a:bodyPr>
+          <a:lstStyle/>
+          <a:p>
+            <a:pPr algn="r"/>
+            <a:r>
+              <a:rPr lang="en-US" sz="1600" dirty="0">
+                <a:solidFill>
+                  <a:srgbClr val="008000"/>
+                </a:solidFill>
+              </a:rPr>
+              <a:t>m</a:t>
+            </a:r>
+            <a:r>
+              <a:rPr lang="en-US" sz="1600" dirty="0" smtClean="0">
+                <a:solidFill>
+                  <a:srgbClr val="008000"/>
+                </a:solidFill>
+              </a:rPr>
+              <a:t>ake</a:t>
+            </a:r>
+            <a:endParaRPr lang="en-US" sz="1600" dirty="0">
+              <a:solidFill>
+                <a:srgbClr val="008000"/>
+              </a:solidFill>
+            </a:endParaRPr>
+          </a:p>
+        </p:txBody>
+      </p:sp>
+      <p:cxnSp>
+        <p:nvCxnSpPr>
+          <p:cNvPr id="14" name="Straight Arrow Connector 13"/>
+          <p:cNvCxnSpPr/>
+          <p:nvPr/>
+        </p:nvCxnSpPr>
+        <p:spPr>
+          <a:xfrm>
+            <a:off x="1566333" y="2988677"/>
+            <a:ext cx="522654" cy="0"/>
+          </a:xfrm>
+          <a:prstGeom prst="straightConnector1">
+            <a:avLst/>
+          </a:prstGeom>
+          <a:ln>
+            <a:solidFill>
+              <a:schemeClr val="tx1"/>
+            </a:solidFill>
+            <a:tailEnd type="arrow"/>
+          </a:ln>
+        </p:spPr>
+        <p:style>
+          <a:lnRef idx="2">
+            <a:schemeClr val="accent1"/>
+          </a:lnRef>
+          <a:fillRef idx="0">
+            <a:schemeClr val="accent1"/>
+          </a:fillRef>
+          <a:effectRef idx="1">
+            <a:schemeClr val="accent1"/>
+          </a:effectRef>
+          <a:fontRef idx="minor">
+            <a:schemeClr val="tx1"/>
+          </a:fontRef>
+        </p:style>
+      </p:cxnSp>
+      <p:sp>
+        <p:nvSpPr>
+          <p:cNvPr id="19" name="TextBox 18"/>
+          <p:cNvSpPr txBox="1"/>
+          <p:nvPr/>
+        </p:nvSpPr>
+        <p:spPr>
+          <a:xfrm>
+            <a:off x="279399" y="5799667"/>
+            <a:ext cx="1261534" cy="338554"/>
+          </a:xfrm>
+          <a:prstGeom prst="rect">
+            <a:avLst/>
+          </a:prstGeom>
+          <a:noFill/>
+        </p:spPr>
+        <p:txBody>
+          <a:bodyPr wrap="square" rtlCol="0">
+            <a:spAutoFit/>
+          </a:bodyPr>
+          <a:lstStyle/>
+          <a:p>
+            <a:pPr algn="r"/>
+            <a:r>
+              <a:rPr lang="en-US" sz="1600" dirty="0">
+                <a:solidFill>
+                  <a:srgbClr val="008000"/>
+                </a:solidFill>
+              </a:rPr>
+              <a:t>p</a:t>
+            </a:r>
+            <a:r>
+              <a:rPr lang="en-US" sz="1600" dirty="0" smtClean="0">
+                <a:solidFill>
+                  <a:srgbClr val="008000"/>
+                </a:solidFill>
+              </a:rPr>
+              <a:t>roject files</a:t>
+            </a:r>
+            <a:endParaRPr lang="en-US" sz="1600" dirty="0">
+              <a:solidFill>
+                <a:srgbClr val="008000"/>
+              </a:solidFill>
+            </a:endParaRPr>
+          </a:p>
+        </p:txBody>
+      </p:sp>
+      <p:sp>
+        <p:nvSpPr>
+          <p:cNvPr id="20" name="Left Brace 19"/>
+          <p:cNvSpPr/>
+          <p:nvPr/>
+        </p:nvSpPr>
+        <p:spPr>
+          <a:xfrm>
+            <a:off x="1515521" y="5698063"/>
+            <a:ext cx="584200" cy="592670"/>
+          </a:xfrm>
+          <a:prstGeom prst="leftBrace">
+            <a:avLst/>
+          </a:prstGeom>
+          <a:ln>
+            <a:solidFill>
+              <a:schemeClr val="tx1"/>
+            </a:solidFill>
+          </a:ln>
+        </p:spPr>
+        <p:style>
+          <a:lnRef idx="2">
+            <a:schemeClr val="accent1"/>
+          </a:lnRef>
+          <a:fillRef idx="0">
+            <a:schemeClr val="accent1"/>
+          </a:fillRef>
+          <a:effectRef idx="1">
+            <a:schemeClr val="accent1"/>
+          </a:effectRef>
+          <a:fontRef idx="minor">
+            <a:schemeClr val="tx1"/>
+          </a:fontRef>
+        </p:style>
+        <p:txBody>
+          <a:bodyPr rtlCol="0" anchor="ctr"/>
+          <a:lstStyle/>
+          <a:p>
+            <a:pPr algn="ctr"/>
+            <a:endParaRPr lang="en-US"/>
+          </a:p>
+        </p:txBody>
+      </p:sp>
+    </p:spTree>
+    <p:extLst>
+      <p:ext uri="{BB962C8B-B14F-4D97-AF65-F5344CB8AC3E}">
+        <p14:creationId xmlns:p14="http://schemas.microsoft.com/office/powerpoint/2010/main" val="3900532876"/>
+      </p:ext>
+    </p:extLst>
+  </p:cSld>
+  <p:clrMapOvr>
+    <a:masterClrMapping/>
+  </p:clrMapOvr>
+  <p:timing>
+    <p:tnLst>
+      <p:par>
+        <p:cTn xmlns:p14="http://schemas.microsoft.com/office/powerpoint/2010/main" id="1" dur="indefinite" restart="never" nodeType="tmRoot"/>
+      </p:par>
+    </p:tnLst>
+  </p:timing>
+</p:sld>
+</file>
+
+<file path=ppt/slides/slide2.xml><?xml version="1.0" encoding="utf-8"?>
+<p:sld xmlns:a="http://schemas.openxmlformats.org/drawingml/2006/main" xmlns:r="http://schemas.openxmlformats.org/officeDocument/2006/relationships" xmlns:p="http://schemas.openxmlformats.org/presentationml/2006/main">
+  <p:cSld>
+    <p:spTree>
+      <p:nvGrpSpPr>
+        <p:cNvPr id="1" name=""/>
+        <p:cNvGrpSpPr/>
+        <p:nvPr/>
+      </p:nvGrpSpPr>
+      <p:grpSpPr>
+        <a:xfrm>
+          <a:off x="0" y="0"/>
+          <a:ext cx="0" cy="0"/>
+          <a:chOff x="0" y="0"/>
+          <a:chExt cx="0" cy="0"/>
+        </a:xfrm>
+      </p:grpSpPr>
+      <p:sp>
+        <p:nvSpPr>
+          <p:cNvPr id="2" name="Title 1"/>
+          <p:cNvSpPr>
+            <a:spLocks noGrp="1"/>
+          </p:cNvSpPr>
+          <p:nvPr>
+            <p:ph type="title"/>
+          </p:nvPr>
+        </p:nvSpPr>
+        <p:spPr/>
+        <p:txBody>
+          <a:bodyPr/>
+          <a:lstStyle/>
+          <a:p>
+            <a:r>
+              <a:rPr lang="en-US" dirty="0" smtClean="0"/>
+              <a:t>Overview</a:t>
+            </a:r>
+            <a:endParaRPr lang="en-US" dirty="0"/>
+          </a:p>
+        </p:txBody>
+      </p:sp>
+      <p:sp>
+        <p:nvSpPr>
+          <p:cNvPr id="3" name="Content Placeholder 2"/>
+          <p:cNvSpPr>
+            <a:spLocks noGrp="1"/>
+          </p:cNvSpPr>
+          <p:nvPr>
+            <p:ph idx="1"/>
+          </p:nvPr>
+        </p:nvSpPr>
+        <p:spPr/>
+        <p:txBody>
+          <a:bodyPr/>
+          <a:lstStyle/>
+          <a:p>
+            <a:r>
+              <a:rPr lang="en-US" dirty="0" smtClean="0"/>
+              <a:t>Problem &amp; Proposed Solution		  3 </a:t>
+            </a:r>
+            <a:r>
+              <a:rPr lang="en-US" dirty="0" err="1" smtClean="0"/>
+              <a:t>mins</a:t>
+            </a:r>
+            <a:endParaRPr lang="en-US" dirty="0" smtClean="0"/>
+          </a:p>
+          <a:p>
+            <a:r>
+              <a:rPr lang="en-US" dirty="0" smtClean="0"/>
+              <a:t>Design &amp; Implementation			  8 </a:t>
+            </a:r>
+            <a:r>
+              <a:rPr lang="en-US" dirty="0" err="1" smtClean="0"/>
+              <a:t>mins</a:t>
+            </a:r>
+            <a:endParaRPr lang="en-US" dirty="0" smtClean="0"/>
+          </a:p>
+          <a:p>
+            <a:r>
+              <a:rPr lang="en-US" dirty="0"/>
+              <a:t>Demo					  7 </a:t>
+            </a:r>
+            <a:r>
+              <a:rPr lang="en-US" dirty="0" err="1"/>
+              <a:t>mins</a:t>
+            </a:r>
+            <a:endParaRPr lang="en-US" dirty="0"/>
+          </a:p>
+          <a:p>
+            <a:r>
+              <a:rPr lang="en-US" dirty="0" smtClean="0"/>
+              <a:t>Test &amp; Analysis				  3 </a:t>
+            </a:r>
+            <a:r>
+              <a:rPr lang="en-US" dirty="0" err="1" smtClean="0"/>
+              <a:t>mins</a:t>
+            </a:r>
+            <a:endParaRPr lang="en-US" dirty="0" smtClean="0"/>
+          </a:p>
+          <a:p>
+            <a:r>
+              <a:rPr lang="en-US" dirty="0" smtClean="0"/>
+              <a:t>Future Work				  2 </a:t>
+            </a:r>
+            <a:r>
+              <a:rPr lang="en-US" dirty="0" err="1" smtClean="0"/>
+              <a:t>mins</a:t>
+            </a:r>
+            <a:endParaRPr lang="en-US" dirty="0" smtClean="0"/>
+          </a:p>
+          <a:p>
+            <a:r>
+              <a:rPr lang="en-US" dirty="0" smtClean="0"/>
+              <a:t>Summary					  2 </a:t>
+            </a:r>
+            <a:r>
+              <a:rPr lang="en-US" dirty="0" err="1" smtClean="0"/>
+              <a:t>mins</a:t>
+            </a:r>
+            <a:endParaRPr lang="en-US" dirty="0" smtClean="0"/>
+          </a:p>
+          <a:p>
+            <a:r>
+              <a:rPr lang="en-US" dirty="0" smtClean="0"/>
+              <a:t>Q&amp;A						  5 </a:t>
+            </a:r>
+            <a:r>
+              <a:rPr lang="en-US" dirty="0" err="1" smtClean="0"/>
+              <a:t>mins</a:t>
+            </a:r>
+            <a:endParaRPr lang="en-US" dirty="0"/>
+          </a:p>
+        </p:txBody>
+      </p:sp>
+      <p:sp>
+        <p:nvSpPr>
+          <p:cNvPr id="4" name="Slide Number Placeholder 3"/>
+          <p:cNvSpPr>
+            <a:spLocks noGrp="1"/>
+          </p:cNvSpPr>
+          <p:nvPr>
+            <p:ph type="sldNum" sz="quarter" idx="12"/>
+          </p:nvPr>
+        </p:nvSpPr>
+        <p:spPr/>
+        <p:txBody>
+          <a:bodyPr/>
+          <a:lstStyle/>
+          <a:p>
+            <a:fld id="{0CFEC368-1D7A-4F81-ABF6-AE0E36BAF64C}" type="slidenum">
+              <a:rPr lang="en-US" smtClean="0"/>
+              <a:pPr/>
+              <a:t>2</a:t>
+            </a:fld>
+            <a:endParaRPr lang="en-US"/>
+          </a:p>
+        </p:txBody>
+      </p:sp>
+    </p:spTree>
+    <p:extLst>
+      <p:ext uri="{BB962C8B-B14F-4D97-AF65-F5344CB8AC3E}">
+        <p14:creationId xmlns:p14="http://schemas.microsoft.com/office/powerpoint/2010/main" val="2081550029"/>
+      </p:ext>
+    </p:extLst>
+  </p:cSld>
+  <p:clrMapOvr>
+    <a:masterClrMapping/>
+  </p:clrMapOvr>
+  <p:timing>
+    <p:tnLst>
+      <p:par>
+        <p:cTn xmlns:p14="http://schemas.microsoft.com/office/powerpoint/2010/main" id="1" dur="indefinite" restart="never" nodeType="tmRoot"/>
+      </p:par>
+    </p:tnLst>
+  </p:timing>
+</p:sld>
+</file>
+
+<file path=ppt/slides/slide20.xml><?xml version="1.0" encoding="utf-8"?>
+<p:sld xmlns:a="http://schemas.openxmlformats.org/drawingml/2006/main" xmlns:r="http://schemas.openxmlformats.org/officeDocument/2006/relationships" xmlns:p="http://schemas.openxmlformats.org/presentationml/2006/main">
+  <p:cSld>
+    <p:spTree>
+      <p:nvGrpSpPr>
+        <p:cNvPr id="1" name=""/>
+        <p:cNvGrpSpPr/>
+        <p:nvPr/>
+      </p:nvGrpSpPr>
+      <p:grpSpPr>
+        <a:xfrm>
+          <a:off x="0" y="0"/>
+          <a:ext cx="0" cy="0"/>
+          <a:chOff x="0" y="0"/>
+          <a:chExt cx="0" cy="0"/>
+        </a:xfrm>
+      </p:grpSpPr>
+      <p:sp>
+        <p:nvSpPr>
+          <p:cNvPr id="2" name="Title 1"/>
+          <p:cNvSpPr>
+            <a:spLocks noGrp="1"/>
+          </p:cNvSpPr>
+          <p:nvPr>
+            <p:ph type="title"/>
+          </p:nvPr>
+        </p:nvSpPr>
+        <p:spPr/>
+        <p:txBody>
+          <a:bodyPr/>
+          <a:lstStyle/>
+          <a:p>
+            <a:r>
+              <a:rPr lang="en-US" dirty="0" smtClean="0"/>
+              <a:t>2.</a:t>
+            </a:r>
+            <a:r>
+              <a:rPr lang="en-US" dirty="0" smtClean="0"/>
+              <a:t>  Run </a:t>
+            </a:r>
+            <a:r>
+              <a:rPr lang="en-US" dirty="0" smtClean="0"/>
+              <a:t>Wrapper</a:t>
+            </a:r>
+            <a:endParaRPr lang="en-US" dirty="0"/>
+          </a:p>
+        </p:txBody>
+      </p:sp>
+      <p:sp>
+        <p:nvSpPr>
+          <p:cNvPr id="4" name="Slide Number Placeholder 3"/>
+          <p:cNvSpPr>
+            <a:spLocks noGrp="1"/>
+          </p:cNvSpPr>
+          <p:nvPr>
+            <p:ph type="sldNum" sz="quarter" idx="12"/>
+          </p:nvPr>
+        </p:nvSpPr>
+        <p:spPr/>
+        <p:txBody>
+          <a:bodyPr/>
+          <a:lstStyle/>
+          <a:p>
+            <a:fld id="{0CFEC368-1D7A-4F81-ABF6-AE0E36BAF64C}" type="slidenum">
+              <a:rPr lang="en-US" smtClean="0"/>
+              <a:pPr/>
+              <a:t>20</a:t>
+            </a:fld>
+            <a:endParaRPr lang="en-US"/>
+          </a:p>
+        </p:txBody>
+      </p:sp>
+      <p:pic>
+        <p:nvPicPr>
+          <p:cNvPr id="5" name="Picture 4" descr="concurDemo_wrapper.png"/>
+          <p:cNvPicPr>
+            <a:picLocks noChangeAspect="1"/>
+          </p:cNvPicPr>
+          <p:nvPr/>
+        </p:nvPicPr>
+        <p:blipFill>
+          <a:blip r:embed="rId2">
+            <a:extLst>
+              <a:ext uri="{28A0092B-C50C-407E-A947-70E740481C1C}">
+                <a14:useLocalDpi xmlns:a14="http://schemas.microsoft.com/office/drawing/2010/main" val="0"/>
+              </a:ext>
+            </a:extLst>
+          </a:blip>
+          <a:stretch>
+            <a:fillRect/>
+          </a:stretch>
+        </p:blipFill>
+        <p:spPr>
+          <a:xfrm>
+            <a:off x="1568995" y="2431920"/>
+            <a:ext cx="7480300" cy="1778000"/>
+          </a:xfrm>
+          <a:prstGeom prst="rect">
+            <a:avLst/>
+          </a:prstGeom>
+          <a:ln>
+            <a:solidFill>
+              <a:schemeClr val="tx1"/>
+            </a:solidFill>
+          </a:ln>
+        </p:spPr>
+      </p:pic>
+      <p:sp>
+        <p:nvSpPr>
+          <p:cNvPr id="6" name="TextBox 5"/>
+          <p:cNvSpPr txBox="1"/>
+          <p:nvPr/>
+        </p:nvSpPr>
+        <p:spPr>
+          <a:xfrm>
+            <a:off x="-50802" y="2683250"/>
+            <a:ext cx="1532466" cy="307777"/>
+          </a:xfrm>
+          <a:prstGeom prst="rect">
+            <a:avLst/>
+          </a:prstGeom>
+          <a:noFill/>
+        </p:spPr>
+        <p:txBody>
+          <a:bodyPr wrap="square" rtlCol="0">
+            <a:spAutoFit/>
+          </a:bodyPr>
+          <a:lstStyle/>
+          <a:p>
+            <a:pPr algn="r"/>
+            <a:r>
+              <a:rPr lang="en-US" sz="1400" dirty="0">
+                <a:solidFill>
+                  <a:srgbClr val="008000"/>
+                </a:solidFill>
+              </a:rPr>
+              <a:t>r</a:t>
+            </a:r>
+            <a:r>
+              <a:rPr lang="en-US" sz="1400" dirty="0" smtClean="0">
+                <a:solidFill>
+                  <a:srgbClr val="008000"/>
+                </a:solidFill>
+              </a:rPr>
+              <a:t>un python script</a:t>
+            </a:r>
+            <a:endParaRPr lang="en-US" sz="1400" dirty="0">
+              <a:solidFill>
+                <a:srgbClr val="008000"/>
+              </a:solidFill>
+            </a:endParaRPr>
+          </a:p>
+        </p:txBody>
+      </p:sp>
+      <p:cxnSp>
+        <p:nvCxnSpPr>
+          <p:cNvPr id="7" name="Straight Arrow Connector 6"/>
+          <p:cNvCxnSpPr>
+            <a:stCxn id="8" idx="3"/>
+          </p:cNvCxnSpPr>
+          <p:nvPr/>
+        </p:nvCxnSpPr>
+        <p:spPr>
+          <a:xfrm>
+            <a:off x="1286934" y="3234156"/>
+            <a:ext cx="277128" cy="0"/>
+          </a:xfrm>
+          <a:prstGeom prst="straightConnector1">
+            <a:avLst/>
+          </a:prstGeom>
+          <a:ln>
+            <a:solidFill>
+              <a:schemeClr val="tx1"/>
+            </a:solidFill>
+            <a:tailEnd type="arrow"/>
+          </a:ln>
+        </p:spPr>
+        <p:style>
+          <a:lnRef idx="2">
+            <a:schemeClr val="accent1"/>
+          </a:lnRef>
+          <a:fillRef idx="0">
+            <a:schemeClr val="accent1"/>
+          </a:fillRef>
+          <a:effectRef idx="1">
+            <a:schemeClr val="accent1"/>
+          </a:effectRef>
+          <a:fontRef idx="minor">
+            <a:schemeClr val="tx1"/>
+          </a:fontRef>
+        </p:style>
+      </p:cxnSp>
+      <p:sp>
+        <p:nvSpPr>
+          <p:cNvPr id="8" name="TextBox 7"/>
+          <p:cNvSpPr txBox="1"/>
+          <p:nvPr/>
+        </p:nvSpPr>
+        <p:spPr>
+          <a:xfrm>
+            <a:off x="0" y="3080267"/>
+            <a:ext cx="1286934" cy="307777"/>
+          </a:xfrm>
+          <a:prstGeom prst="rect">
+            <a:avLst/>
+          </a:prstGeom>
+          <a:noFill/>
+        </p:spPr>
+        <p:txBody>
+          <a:bodyPr wrap="square" rtlCol="0">
+            <a:spAutoFit/>
+          </a:bodyPr>
+          <a:lstStyle/>
+          <a:p>
+            <a:pPr algn="r"/>
+            <a:r>
+              <a:rPr lang="en-US" sz="1400" dirty="0">
+                <a:solidFill>
+                  <a:srgbClr val="008000"/>
+                </a:solidFill>
+              </a:rPr>
+              <a:t>i</a:t>
+            </a:r>
+            <a:r>
+              <a:rPr lang="en-US" sz="1400" dirty="0" smtClean="0">
+                <a:solidFill>
+                  <a:srgbClr val="008000"/>
+                </a:solidFill>
+              </a:rPr>
+              <a:t>nvoke concur</a:t>
+            </a:r>
+            <a:endParaRPr lang="en-US" sz="1400" dirty="0">
+              <a:solidFill>
+                <a:srgbClr val="008000"/>
+              </a:solidFill>
+            </a:endParaRPr>
+          </a:p>
+        </p:txBody>
+      </p:sp>
+      <p:cxnSp>
+        <p:nvCxnSpPr>
+          <p:cNvPr id="12" name="Straight Arrow Connector 11"/>
+          <p:cNvCxnSpPr/>
+          <p:nvPr/>
+        </p:nvCxnSpPr>
+        <p:spPr>
+          <a:xfrm>
+            <a:off x="1286928" y="3039409"/>
+            <a:ext cx="277128" cy="0"/>
+          </a:xfrm>
+          <a:prstGeom prst="straightConnector1">
+            <a:avLst/>
+          </a:prstGeom>
+          <a:ln>
+            <a:solidFill>
+              <a:schemeClr val="tx1"/>
+            </a:solidFill>
+            <a:tailEnd type="arrow"/>
+          </a:ln>
+        </p:spPr>
+        <p:style>
+          <a:lnRef idx="2">
+            <a:schemeClr val="accent1"/>
+          </a:lnRef>
+          <a:fillRef idx="0">
+            <a:schemeClr val="accent1"/>
+          </a:fillRef>
+          <a:effectRef idx="1">
+            <a:schemeClr val="accent1"/>
+          </a:effectRef>
+          <a:fontRef idx="minor">
+            <a:schemeClr val="tx1"/>
+          </a:fontRef>
+        </p:style>
+      </p:cxnSp>
+      <p:cxnSp>
+        <p:nvCxnSpPr>
+          <p:cNvPr id="13" name="Straight Arrow Connector 12"/>
+          <p:cNvCxnSpPr/>
+          <p:nvPr/>
+        </p:nvCxnSpPr>
+        <p:spPr>
+          <a:xfrm>
+            <a:off x="1312329" y="3725236"/>
+            <a:ext cx="277128" cy="1"/>
+          </a:xfrm>
+          <a:prstGeom prst="straightConnector1">
+            <a:avLst/>
+          </a:prstGeom>
+          <a:ln>
+            <a:solidFill>
+              <a:schemeClr val="tx1"/>
+            </a:solidFill>
+            <a:tailEnd type="arrow"/>
+          </a:ln>
+        </p:spPr>
+        <p:style>
+          <a:lnRef idx="2">
+            <a:schemeClr val="accent1"/>
+          </a:lnRef>
+          <a:fillRef idx="0">
+            <a:schemeClr val="accent1"/>
+          </a:fillRef>
+          <a:effectRef idx="1">
+            <a:schemeClr val="accent1"/>
+          </a:effectRef>
+          <a:fontRef idx="minor">
+            <a:schemeClr val="tx1"/>
+          </a:fontRef>
+        </p:style>
+      </p:cxnSp>
+      <p:sp>
+        <p:nvSpPr>
+          <p:cNvPr id="14" name="TextBox 13"/>
+          <p:cNvSpPr txBox="1"/>
+          <p:nvPr/>
+        </p:nvSpPr>
+        <p:spPr>
+          <a:xfrm>
+            <a:off x="25395" y="3571347"/>
+            <a:ext cx="1286934" cy="523220"/>
+          </a:xfrm>
+          <a:prstGeom prst="rect">
+            <a:avLst/>
+          </a:prstGeom>
+          <a:noFill/>
+        </p:spPr>
+        <p:txBody>
+          <a:bodyPr wrap="square" rtlCol="0">
+            <a:spAutoFit/>
+          </a:bodyPr>
+          <a:lstStyle/>
+          <a:p>
+            <a:pPr algn="r"/>
+            <a:r>
+              <a:rPr lang="en-US" sz="1400" dirty="0">
+                <a:solidFill>
+                  <a:srgbClr val="008000"/>
+                </a:solidFill>
+              </a:rPr>
+              <a:t>f</a:t>
+            </a:r>
+            <a:r>
+              <a:rPr lang="en-US" sz="1400" dirty="0" smtClean="0">
+                <a:solidFill>
+                  <a:srgbClr val="008000"/>
+                </a:solidFill>
+              </a:rPr>
+              <a:t>ailure encountered</a:t>
+            </a:r>
+            <a:endParaRPr lang="en-US" sz="1400" dirty="0">
+              <a:solidFill>
+                <a:srgbClr val="008000"/>
+              </a:solidFill>
+            </a:endParaRPr>
+          </a:p>
+        </p:txBody>
+      </p:sp>
+    </p:spTree>
+    <p:extLst>
+      <p:ext uri="{BB962C8B-B14F-4D97-AF65-F5344CB8AC3E}">
+        <p14:creationId xmlns:p14="http://schemas.microsoft.com/office/powerpoint/2010/main" val="4018297967"/>
+      </p:ext>
+    </p:extLst>
+  </p:cSld>
+  <p:clrMapOvr>
+    <a:masterClrMapping/>
+  </p:clrMapOvr>
+  <p:timing>
+    <p:tnLst>
+      <p:par>
+        <p:cTn xmlns:p14="http://schemas.microsoft.com/office/powerpoint/2010/main" id="1" dur="indefinite" restart="never" nodeType="tmRoot"/>
+      </p:par>
+    </p:tnLst>
+  </p:timing>
+</p:sld>
+</file>
+
+<file path=ppt/slides/slide21.xml><?xml version="1.0" encoding="utf-8"?>
+<p:sld xmlns:a="http://schemas.openxmlformats.org/drawingml/2006/main" xmlns:r="http://schemas.openxmlformats.org/officeDocument/2006/relationships" xmlns:p="http://schemas.openxmlformats.org/presentationml/2006/main">
+  <p:cSld>
+    <p:spTree>
+      <p:nvGrpSpPr>
+        <p:cNvPr id="1" name=""/>
+        <p:cNvGrpSpPr/>
+        <p:nvPr/>
+      </p:nvGrpSpPr>
+      <p:grpSpPr>
+        <a:xfrm>
+          <a:off x="0" y="0"/>
+          <a:ext cx="0" cy="0"/>
+          <a:chOff x="0" y="0"/>
+          <a:chExt cx="0" cy="0"/>
+        </a:xfrm>
+      </p:grpSpPr>
+      <p:sp>
+        <p:nvSpPr>
+          <p:cNvPr id="2" name="Title 1"/>
+          <p:cNvSpPr>
+            <a:spLocks noGrp="1"/>
+          </p:cNvSpPr>
+          <p:nvPr>
+            <p:ph type="title"/>
+          </p:nvPr>
+        </p:nvSpPr>
+        <p:spPr/>
+        <p:txBody>
+          <a:bodyPr/>
+          <a:lstStyle/>
+          <a:p>
+            <a:r>
+              <a:rPr lang="en-US" dirty="0" smtClean="0"/>
+              <a:t>3.</a:t>
+            </a:r>
+            <a:r>
+              <a:rPr lang="en-US" dirty="0" smtClean="0"/>
+              <a:t>  Run </a:t>
+            </a:r>
+            <a:r>
+              <a:rPr lang="en-US" dirty="0" smtClean="0"/>
+              <a:t>Concur</a:t>
+            </a:r>
+            <a:endParaRPr lang="en-US" dirty="0"/>
+          </a:p>
+        </p:txBody>
+      </p:sp>
+      <p:sp>
+        <p:nvSpPr>
+          <p:cNvPr id="4" name="Slide Number Placeholder 3"/>
+          <p:cNvSpPr>
+            <a:spLocks noGrp="1"/>
+          </p:cNvSpPr>
+          <p:nvPr>
+            <p:ph type="sldNum" sz="quarter" idx="12"/>
+          </p:nvPr>
+        </p:nvSpPr>
+        <p:spPr/>
+        <p:txBody>
+          <a:bodyPr/>
+          <a:lstStyle/>
+          <a:p>
+            <a:fld id="{0CFEC368-1D7A-4F81-ABF6-AE0E36BAF64C}" type="slidenum">
+              <a:rPr lang="en-US" smtClean="0"/>
+              <a:pPr/>
+              <a:t>21</a:t>
+            </a:fld>
+            <a:endParaRPr lang="en-US"/>
+          </a:p>
+        </p:txBody>
+      </p:sp>
+      <p:pic>
+        <p:nvPicPr>
+          <p:cNvPr id="3" name="Picture 2" descr="concurDemo_concur.png"/>
+          <p:cNvPicPr>
+            <a:picLocks noChangeAspect="1"/>
+          </p:cNvPicPr>
+          <p:nvPr/>
+        </p:nvPicPr>
+        <p:blipFill>
+          <a:blip r:embed="rId2">
+            <a:extLst>
+              <a:ext uri="{28A0092B-C50C-407E-A947-70E740481C1C}">
+                <a14:useLocalDpi xmlns:a14="http://schemas.microsoft.com/office/drawing/2010/main" val="0"/>
+              </a:ext>
+            </a:extLst>
+          </a:blip>
+          <a:stretch>
+            <a:fillRect/>
+          </a:stretch>
+        </p:blipFill>
+        <p:spPr>
+          <a:xfrm>
+            <a:off x="660400" y="1981200"/>
+            <a:ext cx="8255000" cy="2882900"/>
+          </a:xfrm>
+          <a:prstGeom prst="rect">
+            <a:avLst/>
+          </a:prstGeom>
+          <a:ln>
+            <a:solidFill>
+              <a:schemeClr val="tx1"/>
+            </a:solidFill>
+          </a:ln>
+        </p:spPr>
+      </p:pic>
+      <p:cxnSp>
+        <p:nvCxnSpPr>
+          <p:cNvPr id="5" name="Straight Arrow Connector 4"/>
+          <p:cNvCxnSpPr/>
+          <p:nvPr/>
+        </p:nvCxnSpPr>
+        <p:spPr>
+          <a:xfrm rot="10800000" flipV="1">
+            <a:off x="6908800" y="3809887"/>
+            <a:ext cx="338667" cy="1"/>
+          </a:xfrm>
+          <a:prstGeom prst="bentConnector3">
+            <a:avLst>
+              <a:gd name="adj1" fmla="val 50000"/>
+            </a:avLst>
+          </a:prstGeom>
+          <a:ln>
+            <a:solidFill>
+              <a:srgbClr val="FF0000"/>
+            </a:solidFill>
+            <a:tailEnd type="arrow"/>
+          </a:ln>
+        </p:spPr>
+        <p:style>
+          <a:lnRef idx="2">
+            <a:schemeClr val="accent1"/>
+          </a:lnRef>
+          <a:fillRef idx="0">
+            <a:schemeClr val="accent1"/>
+          </a:fillRef>
+          <a:effectRef idx="1">
+            <a:schemeClr val="accent1"/>
+          </a:effectRef>
+          <a:fontRef idx="minor">
+            <a:schemeClr val="tx1"/>
+          </a:fontRef>
+        </p:style>
+      </p:cxnSp>
+      <p:sp>
+        <p:nvSpPr>
+          <p:cNvPr id="6" name="TextBox 5"/>
+          <p:cNvSpPr txBox="1"/>
+          <p:nvPr/>
+        </p:nvSpPr>
+        <p:spPr>
+          <a:xfrm>
+            <a:off x="7247466" y="3630598"/>
+            <a:ext cx="1286934" cy="307777"/>
+          </a:xfrm>
+          <a:prstGeom prst="rect">
+            <a:avLst/>
+          </a:prstGeom>
+          <a:noFill/>
+        </p:spPr>
+        <p:txBody>
+          <a:bodyPr wrap="square" rtlCol="0">
+            <a:spAutoFit/>
+          </a:bodyPr>
+          <a:lstStyle/>
+          <a:p>
+            <a:pPr algn="r"/>
+            <a:r>
+              <a:rPr lang="en-US" sz="1400" dirty="0">
+                <a:solidFill>
+                  <a:srgbClr val="008000"/>
+                </a:solidFill>
+              </a:rPr>
+              <a:t>i</a:t>
+            </a:r>
+            <a:r>
+              <a:rPr lang="en-US" sz="1400" dirty="0" smtClean="0">
+                <a:solidFill>
+                  <a:srgbClr val="008000"/>
+                </a:solidFill>
+              </a:rPr>
+              <a:t>nvoke concur</a:t>
+            </a:r>
+            <a:endParaRPr lang="en-US" sz="1400" dirty="0">
+              <a:solidFill>
+                <a:srgbClr val="008000"/>
+              </a:solidFill>
+            </a:endParaRPr>
+          </a:p>
+        </p:txBody>
+      </p:sp>
+      <p:cxnSp>
+        <p:nvCxnSpPr>
+          <p:cNvPr id="14" name="Straight Arrow Connector 13"/>
+          <p:cNvCxnSpPr>
+            <a:stCxn id="15" idx="0"/>
+          </p:cNvCxnSpPr>
+          <p:nvPr/>
+        </p:nvCxnSpPr>
+        <p:spPr>
+          <a:xfrm flipV="1">
+            <a:off x="6460066" y="4461934"/>
+            <a:ext cx="0" cy="785800"/>
+          </a:xfrm>
+          <a:prstGeom prst="straightConnector1">
+            <a:avLst/>
+          </a:prstGeom>
+          <a:ln>
+            <a:solidFill>
+              <a:srgbClr val="FF0000"/>
+            </a:solidFill>
+            <a:tailEnd type="arrow"/>
+          </a:ln>
+        </p:spPr>
+        <p:style>
+          <a:lnRef idx="2">
+            <a:schemeClr val="accent1"/>
+          </a:lnRef>
+          <a:fillRef idx="0">
+            <a:schemeClr val="accent1"/>
+          </a:fillRef>
+          <a:effectRef idx="1">
+            <a:schemeClr val="accent1"/>
+          </a:effectRef>
+          <a:fontRef idx="minor">
+            <a:schemeClr val="tx1"/>
+          </a:fontRef>
+        </p:style>
+      </p:cxnSp>
+      <p:sp>
+        <p:nvSpPr>
+          <p:cNvPr id="15" name="TextBox 14"/>
+          <p:cNvSpPr txBox="1"/>
+          <p:nvPr/>
+        </p:nvSpPr>
+        <p:spPr>
+          <a:xfrm>
+            <a:off x="5452532" y="5247734"/>
+            <a:ext cx="2015067" cy="307777"/>
+          </a:xfrm>
+          <a:prstGeom prst="rect">
+            <a:avLst/>
+          </a:prstGeom>
+          <a:noFill/>
+        </p:spPr>
+        <p:txBody>
+          <a:bodyPr wrap="square" rtlCol="0">
+            <a:spAutoFit/>
+          </a:bodyPr>
+          <a:lstStyle/>
+          <a:p>
+            <a:pPr algn="ctr"/>
+            <a:r>
+              <a:rPr lang="en-US" sz="1400" dirty="0">
+                <a:solidFill>
+                  <a:srgbClr val="008000"/>
+                </a:solidFill>
+              </a:rPr>
+              <a:t>f</a:t>
+            </a:r>
+            <a:r>
+              <a:rPr lang="en-US" sz="1400" dirty="0" smtClean="0">
+                <a:solidFill>
+                  <a:srgbClr val="008000"/>
+                </a:solidFill>
+              </a:rPr>
+              <a:t>ailure reproduce</a:t>
+            </a:r>
+            <a:endParaRPr lang="en-US" sz="1400" dirty="0">
+              <a:solidFill>
+                <a:srgbClr val="008000"/>
+              </a:solidFill>
+            </a:endParaRPr>
+          </a:p>
+        </p:txBody>
+      </p:sp>
+    </p:spTree>
+    <p:extLst>
+      <p:ext uri="{BB962C8B-B14F-4D97-AF65-F5344CB8AC3E}">
+        <p14:creationId xmlns:p14="http://schemas.microsoft.com/office/powerpoint/2010/main" val="4018297967"/>
+      </p:ext>
+    </p:extLst>
+  </p:cSld>
+  <p:clrMapOvr>
+    <a:masterClrMapping/>
+  </p:clrMapOvr>
+  <p:timing>
+    <p:tnLst>
+      <p:par>
+        <p:cTn xmlns:p14="http://schemas.microsoft.com/office/powerpoint/2010/main" id="1" dur="indefinite" restart="never" nodeType="tmRoot"/>
+      </p:par>
+    </p:tnLst>
+  </p:timing>
+</p:sld>
+</file>
+
+<file path=ppt/slides/slide22.xml><?xml version="1.0" encoding="utf-8"?>
+<p:sld xmlns:a="http://schemas.openxmlformats.org/drawingml/2006/main" xmlns:r="http://schemas.openxmlformats.org/officeDocument/2006/relationships" xmlns:p="http://schemas.openxmlformats.org/presentationml/2006/main">
+  <p:cSld>
+    <p:spTree>
+      <p:nvGrpSpPr>
+        <p:cNvPr id="1" name=""/>
+        <p:cNvGrpSpPr/>
+        <p:nvPr/>
+      </p:nvGrpSpPr>
+      <p:grpSpPr>
+        <a:xfrm>
+          <a:off x="0" y="0"/>
+          <a:ext cx="0" cy="0"/>
+          <a:chOff x="0" y="0"/>
+          <a:chExt cx="0" cy="0"/>
+        </a:xfrm>
+      </p:grpSpPr>
+      <p:sp>
+        <p:nvSpPr>
+          <p:cNvPr id="2" name="Title 1"/>
+          <p:cNvSpPr>
+            <a:spLocks noGrp="1"/>
+          </p:cNvSpPr>
+          <p:nvPr>
+            <p:ph type="title"/>
+          </p:nvPr>
+        </p:nvSpPr>
+        <p:spPr>
+          <a:xfrm>
+            <a:off x="457199" y="533400"/>
+            <a:ext cx="3934083" cy="1506606"/>
+          </a:xfrm>
+        </p:spPr>
+        <p:txBody>
+          <a:bodyPr/>
+          <a:lstStyle/>
+          <a:p>
+            <a:r>
+              <a:rPr lang="en-US" dirty="0" smtClean="0"/>
+              <a:t>4.</a:t>
+            </a:r>
+            <a:r>
+              <a:rPr lang="en-US" dirty="0" smtClean="0"/>
+              <a:t>  Examine </a:t>
+            </a:r>
+            <a:br>
+              <a:rPr lang="en-US" dirty="0" smtClean="0"/>
+            </a:br>
+            <a:r>
+              <a:rPr lang="en-US" dirty="0" smtClean="0"/>
+              <a:t>Log </a:t>
+            </a:r>
+            <a:r>
+              <a:rPr lang="en-US" dirty="0" smtClean="0"/>
+              <a:t>Trail</a:t>
+            </a:r>
+            <a:endParaRPr lang="en-US" dirty="0"/>
+          </a:p>
+        </p:txBody>
+      </p:sp>
+      <p:sp>
+        <p:nvSpPr>
+          <p:cNvPr id="4" name="Slide Number Placeholder 3"/>
+          <p:cNvSpPr>
+            <a:spLocks noGrp="1"/>
+          </p:cNvSpPr>
+          <p:nvPr>
+            <p:ph type="sldNum" sz="quarter" idx="12"/>
+          </p:nvPr>
+        </p:nvSpPr>
+        <p:spPr/>
+        <p:txBody>
+          <a:bodyPr/>
+          <a:lstStyle/>
+          <a:p>
+            <a:fld id="{0CFEC368-1D7A-4F81-ABF6-AE0E36BAF64C}" type="slidenum">
+              <a:rPr lang="en-US" smtClean="0"/>
+              <a:pPr/>
+              <a:t>22</a:t>
+            </a:fld>
+            <a:endParaRPr lang="en-US"/>
+          </a:p>
+        </p:txBody>
+      </p:sp>
+      <p:pic>
+        <p:nvPicPr>
+          <p:cNvPr id="3" name="Picture 2" descr="concurDemo_logTrail.png"/>
+          <p:cNvPicPr>
+            <a:picLocks noChangeAspect="1"/>
+          </p:cNvPicPr>
+          <p:nvPr/>
+        </p:nvPicPr>
+        <p:blipFill>
+          <a:blip r:embed="rId2">
+            <a:extLst>
+              <a:ext uri="{28A0092B-C50C-407E-A947-70E740481C1C}">
+                <a14:useLocalDpi xmlns:a14="http://schemas.microsoft.com/office/drawing/2010/main" val="0"/>
+              </a:ext>
+            </a:extLst>
+          </a:blip>
+          <a:stretch>
+            <a:fillRect/>
+          </a:stretch>
+        </p:blipFill>
+        <p:spPr>
+          <a:xfrm>
+            <a:off x="4472347" y="607948"/>
+            <a:ext cx="4532890" cy="5952831"/>
+          </a:xfrm>
+          <a:prstGeom prst="rect">
+            <a:avLst/>
+          </a:prstGeom>
+          <a:ln>
+            <a:solidFill>
+              <a:schemeClr val="tx1"/>
+            </a:solidFill>
+          </a:ln>
+        </p:spPr>
+      </p:pic>
+      <p:cxnSp>
+        <p:nvCxnSpPr>
+          <p:cNvPr id="5" name="Straight Arrow Connector 4"/>
+          <p:cNvCxnSpPr>
+            <a:stCxn id="6" idx="3"/>
+          </p:cNvCxnSpPr>
+          <p:nvPr/>
+        </p:nvCxnSpPr>
+        <p:spPr>
+          <a:xfrm>
+            <a:off x="3488268" y="3454913"/>
+            <a:ext cx="984079" cy="53248"/>
+          </a:xfrm>
+          <a:prstGeom prst="straightConnector1">
+            <a:avLst/>
+          </a:prstGeom>
+          <a:ln>
+            <a:solidFill>
+              <a:schemeClr val="tx1"/>
+            </a:solidFill>
+            <a:tailEnd type="arrow"/>
+          </a:ln>
+        </p:spPr>
+        <p:style>
+          <a:lnRef idx="2">
+            <a:schemeClr val="accent1"/>
+          </a:lnRef>
+          <a:fillRef idx="0">
+            <a:schemeClr val="accent1"/>
+          </a:fillRef>
+          <a:effectRef idx="1">
+            <a:schemeClr val="accent1"/>
+          </a:effectRef>
+          <a:fontRef idx="minor">
+            <a:schemeClr val="tx1"/>
+          </a:fontRef>
+        </p:style>
+      </p:cxnSp>
+      <p:sp>
+        <p:nvSpPr>
+          <p:cNvPr id="6" name="TextBox 5"/>
+          <p:cNvSpPr txBox="1"/>
+          <p:nvPr/>
+        </p:nvSpPr>
+        <p:spPr>
+          <a:xfrm>
+            <a:off x="262467" y="3193303"/>
+            <a:ext cx="3225801" cy="523220"/>
+          </a:xfrm>
+          <a:prstGeom prst="rect">
+            <a:avLst/>
+          </a:prstGeom>
+          <a:noFill/>
+        </p:spPr>
+        <p:txBody>
+          <a:bodyPr wrap="square" rtlCol="0">
+            <a:spAutoFit/>
+          </a:bodyPr>
+          <a:lstStyle/>
+          <a:p>
+            <a:pPr algn="r"/>
+            <a:r>
+              <a:rPr lang="en-US" sz="1400" dirty="0" smtClean="0">
+                <a:solidFill>
+                  <a:srgbClr val="008000"/>
+                </a:solidFill>
+              </a:rPr>
+              <a:t>last statement executed is line 63 of </a:t>
+            </a:r>
+            <a:r>
+              <a:rPr lang="en-US" sz="1400" dirty="0" err="1" smtClean="0">
+                <a:solidFill>
+                  <a:srgbClr val="008000"/>
+                </a:solidFill>
+              </a:rPr>
+              <a:t>sections.c</a:t>
+            </a:r>
+            <a:r>
+              <a:rPr lang="en-US" sz="1400" dirty="0" smtClean="0">
+                <a:solidFill>
+                  <a:srgbClr val="008000"/>
+                </a:solidFill>
+              </a:rPr>
+              <a:t> made by thread 4 </a:t>
+            </a:r>
+            <a:endParaRPr lang="en-US" sz="1400" dirty="0">
+              <a:solidFill>
+                <a:srgbClr val="008000"/>
+              </a:solidFill>
+            </a:endParaRPr>
+          </a:p>
+        </p:txBody>
+      </p:sp>
+      <p:sp>
+        <p:nvSpPr>
+          <p:cNvPr id="18" name="TextBox 17"/>
+          <p:cNvSpPr txBox="1"/>
+          <p:nvPr/>
+        </p:nvSpPr>
+        <p:spPr>
+          <a:xfrm>
+            <a:off x="651939" y="4131614"/>
+            <a:ext cx="3225801" cy="307777"/>
+          </a:xfrm>
+          <a:prstGeom prst="rect">
+            <a:avLst/>
+          </a:prstGeom>
+          <a:noFill/>
+        </p:spPr>
+        <p:txBody>
+          <a:bodyPr wrap="square" rtlCol="0">
+            <a:spAutoFit/>
+          </a:bodyPr>
+          <a:lstStyle/>
+          <a:p>
+            <a:pPr algn="r"/>
+            <a:r>
+              <a:rPr lang="en-US" sz="1400" dirty="0">
+                <a:solidFill>
+                  <a:srgbClr val="008000"/>
+                </a:solidFill>
+              </a:rPr>
+              <a:t>s</a:t>
+            </a:r>
+            <a:r>
+              <a:rPr lang="en-US" sz="1400" dirty="0" smtClean="0">
+                <a:solidFill>
+                  <a:srgbClr val="008000"/>
+                </a:solidFill>
+              </a:rPr>
+              <a:t>tatus shows all threads blocked</a:t>
+            </a:r>
+            <a:endParaRPr lang="en-US" sz="1400" dirty="0">
+              <a:solidFill>
+                <a:srgbClr val="008000"/>
+              </a:solidFill>
+            </a:endParaRPr>
+          </a:p>
+        </p:txBody>
+      </p:sp>
+      <p:sp>
+        <p:nvSpPr>
+          <p:cNvPr id="19" name="Left Brace 18"/>
+          <p:cNvSpPr/>
+          <p:nvPr/>
+        </p:nvSpPr>
+        <p:spPr>
+          <a:xfrm>
+            <a:off x="3888147" y="3962396"/>
+            <a:ext cx="584200" cy="685804"/>
+          </a:xfrm>
+          <a:prstGeom prst="leftBrace">
+            <a:avLst/>
+          </a:prstGeom>
+          <a:ln>
+            <a:solidFill>
+              <a:schemeClr val="tx1"/>
+            </a:solidFill>
+          </a:ln>
+        </p:spPr>
+        <p:style>
+          <a:lnRef idx="2">
+            <a:schemeClr val="accent1"/>
+          </a:lnRef>
+          <a:fillRef idx="0">
+            <a:schemeClr val="accent1"/>
+          </a:fillRef>
+          <a:effectRef idx="1">
+            <a:schemeClr val="accent1"/>
+          </a:effectRef>
+          <a:fontRef idx="minor">
+            <a:schemeClr val="tx1"/>
+          </a:fontRef>
+        </p:style>
+        <p:txBody>
+          <a:bodyPr rtlCol="0" anchor="ctr"/>
+          <a:lstStyle/>
+          <a:p>
+            <a:pPr algn="ctr"/>
+            <a:endParaRPr lang="en-US"/>
+          </a:p>
+        </p:txBody>
+      </p:sp>
+      <p:cxnSp>
+        <p:nvCxnSpPr>
+          <p:cNvPr id="20" name="Straight Arrow Connector 19"/>
+          <p:cNvCxnSpPr/>
+          <p:nvPr/>
+        </p:nvCxnSpPr>
+        <p:spPr>
+          <a:xfrm>
+            <a:off x="3488268" y="6151147"/>
+            <a:ext cx="984079" cy="7081"/>
+          </a:xfrm>
+          <a:prstGeom prst="straightConnector1">
+            <a:avLst/>
+          </a:prstGeom>
+          <a:ln>
+            <a:solidFill>
+              <a:schemeClr val="tx1"/>
+            </a:solidFill>
+            <a:tailEnd type="arrow"/>
+          </a:ln>
+        </p:spPr>
+        <p:style>
+          <a:lnRef idx="2">
+            <a:schemeClr val="accent1"/>
+          </a:lnRef>
+          <a:fillRef idx="0">
+            <a:schemeClr val="accent1"/>
+          </a:fillRef>
+          <a:effectRef idx="1">
+            <a:schemeClr val="accent1"/>
+          </a:effectRef>
+          <a:fontRef idx="minor">
+            <a:schemeClr val="tx1"/>
+          </a:fontRef>
+        </p:style>
+      </p:cxnSp>
+      <p:sp>
+        <p:nvSpPr>
+          <p:cNvPr id="21" name="TextBox 20"/>
+          <p:cNvSpPr txBox="1"/>
+          <p:nvPr/>
+        </p:nvSpPr>
+        <p:spPr>
+          <a:xfrm>
+            <a:off x="262467" y="5970375"/>
+            <a:ext cx="3225801" cy="307777"/>
+          </a:xfrm>
+          <a:prstGeom prst="rect">
+            <a:avLst/>
+          </a:prstGeom>
+          <a:noFill/>
+        </p:spPr>
+        <p:txBody>
+          <a:bodyPr wrap="square" rtlCol="0">
+            <a:spAutoFit/>
+          </a:bodyPr>
+          <a:lstStyle/>
+          <a:p>
+            <a:pPr algn="r"/>
+            <a:r>
+              <a:rPr lang="en-US" sz="1400" dirty="0">
+                <a:solidFill>
+                  <a:srgbClr val="008000"/>
+                </a:solidFill>
+              </a:rPr>
+              <a:t>f</a:t>
+            </a:r>
+            <a:r>
+              <a:rPr lang="en-US" sz="1400" dirty="0" smtClean="0">
+                <a:solidFill>
+                  <a:srgbClr val="008000"/>
+                </a:solidFill>
+              </a:rPr>
+              <a:t>ailure due to deadlock</a:t>
+            </a:r>
+            <a:endParaRPr lang="en-US" sz="1400" dirty="0">
+              <a:solidFill>
+                <a:srgbClr val="008000"/>
+              </a:solidFill>
+            </a:endParaRPr>
+          </a:p>
+        </p:txBody>
+      </p:sp>
+    </p:spTree>
+    <p:extLst>
+      <p:ext uri="{BB962C8B-B14F-4D97-AF65-F5344CB8AC3E}">
+        <p14:creationId xmlns:p14="http://schemas.microsoft.com/office/powerpoint/2010/main" val="4018297967"/>
+      </p:ext>
+    </p:extLst>
+  </p:cSld>
+  <p:clrMapOvr>
+    <a:masterClrMapping/>
+  </p:clrMapOvr>
+  <p:timing>
+    <p:tnLst>
+      <p:par>
+        <p:cTn xmlns:p14="http://schemas.microsoft.com/office/powerpoint/2010/main" id="1" dur="indefinite" restart="never" nodeType="tmRoot"/>
+      </p:par>
+    </p:tnLst>
+  </p:timing>
+</p:sld>
+</file>
+
+<file path=ppt/slides/slide23.xml><?xml version="1.0" encoding="utf-8"?>
+<p:sld xmlns:a="http://schemas.openxmlformats.org/drawingml/2006/main" xmlns:r="http://schemas.openxmlformats.org/officeDocument/2006/relationships" xmlns:p="http://schemas.openxmlformats.org/presentationml/2006/main">
+  <p:cSld>
+    <p:spTree>
+      <p:nvGrpSpPr>
+        <p:cNvPr id="1" name=""/>
+        <p:cNvGrpSpPr/>
+        <p:nvPr/>
+      </p:nvGrpSpPr>
+      <p:grpSpPr>
+        <a:xfrm>
+          <a:off x="0" y="0"/>
+          <a:ext cx="0" cy="0"/>
+          <a:chOff x="0" y="0"/>
+          <a:chExt cx="0" cy="0"/>
+        </a:xfrm>
+      </p:grpSpPr>
+      <p:sp>
+        <p:nvSpPr>
+          <p:cNvPr id="2" name="Title 1"/>
+          <p:cNvSpPr>
+            <a:spLocks noGrp="1"/>
+          </p:cNvSpPr>
+          <p:nvPr>
+            <p:ph type="title"/>
+          </p:nvPr>
+        </p:nvSpPr>
+        <p:spPr/>
+        <p:txBody>
+          <a:bodyPr>
+            <a:normAutofit fontScale="90000"/>
+          </a:bodyPr>
+          <a:lstStyle/>
+          <a:p>
+            <a:r>
+              <a:rPr lang="en-US" dirty="0" smtClean="0"/>
+              <a:t>5.</a:t>
+            </a:r>
+            <a:r>
+              <a:rPr lang="en-US" dirty="0" smtClean="0"/>
+              <a:t>  Examine </a:t>
+            </a:r>
+            <a:br>
+              <a:rPr lang="en-US" dirty="0" smtClean="0"/>
+            </a:br>
+            <a:r>
+              <a:rPr lang="en-US" dirty="0" err="1" smtClean="0"/>
+              <a:t>sections.c</a:t>
+            </a:r>
+            <a:r>
+              <a:rPr lang="en-US" dirty="0" smtClean="0"/>
+              <a:t> </a:t>
+            </a:r>
+            <a:r>
+              <a:rPr lang="en-US" dirty="0"/>
+              <a:t>f</a:t>
+            </a:r>
+            <a:r>
+              <a:rPr lang="en-US" dirty="0" smtClean="0"/>
+              <a:t>ile</a:t>
+            </a:r>
+            <a:endParaRPr lang="en-US" dirty="0"/>
+          </a:p>
+        </p:txBody>
+      </p:sp>
+      <p:sp>
+        <p:nvSpPr>
+          <p:cNvPr id="4" name="Slide Number Placeholder 3"/>
+          <p:cNvSpPr>
+            <a:spLocks noGrp="1"/>
+          </p:cNvSpPr>
+          <p:nvPr>
+            <p:ph type="sldNum" sz="quarter" idx="12"/>
+          </p:nvPr>
+        </p:nvSpPr>
+        <p:spPr/>
+        <p:txBody>
+          <a:bodyPr/>
+          <a:lstStyle/>
+          <a:p>
+            <a:fld id="{0CFEC368-1D7A-4F81-ABF6-AE0E36BAF64C}" type="slidenum">
+              <a:rPr lang="en-US" smtClean="0"/>
+              <a:pPr/>
+              <a:t>23</a:t>
+            </a:fld>
+            <a:endParaRPr lang="en-US"/>
+          </a:p>
+        </p:txBody>
+      </p:sp>
+      <p:pic>
+        <p:nvPicPr>
+          <p:cNvPr id="3" name="Picture 2" descr="concurDemo_sections.png"/>
+          <p:cNvPicPr>
+            <a:picLocks noChangeAspect="1"/>
+          </p:cNvPicPr>
+          <p:nvPr/>
+        </p:nvPicPr>
+        <p:blipFill>
+          <a:blip r:embed="rId2">
+            <a:extLst>
+              <a:ext uri="{28A0092B-C50C-407E-A947-70E740481C1C}">
+                <a14:useLocalDpi xmlns:a14="http://schemas.microsoft.com/office/drawing/2010/main" val="0"/>
+              </a:ext>
+            </a:extLst>
+          </a:blip>
+          <a:stretch>
+            <a:fillRect/>
+          </a:stretch>
+        </p:blipFill>
+        <p:spPr>
+          <a:xfrm>
+            <a:off x="4418305" y="533400"/>
+            <a:ext cx="4448304" cy="6249913"/>
+          </a:xfrm>
+          <a:prstGeom prst="rect">
+            <a:avLst/>
+          </a:prstGeom>
+          <a:ln>
+            <a:solidFill>
+              <a:schemeClr val="tx1"/>
+            </a:solidFill>
+          </a:ln>
+        </p:spPr>
+      </p:pic>
+      <p:cxnSp>
+        <p:nvCxnSpPr>
+          <p:cNvPr id="5" name="Straight Arrow Connector 4"/>
+          <p:cNvCxnSpPr/>
+          <p:nvPr/>
+        </p:nvCxnSpPr>
+        <p:spPr>
+          <a:xfrm>
+            <a:off x="3434226" y="6031227"/>
+            <a:ext cx="984079" cy="0"/>
+          </a:xfrm>
+          <a:prstGeom prst="straightConnector1">
+            <a:avLst/>
+          </a:prstGeom>
+          <a:ln>
+            <a:solidFill>
+              <a:schemeClr val="tx1"/>
+            </a:solidFill>
+            <a:tailEnd type="arrow"/>
+          </a:ln>
+        </p:spPr>
+        <p:style>
+          <a:lnRef idx="2">
+            <a:schemeClr val="accent1"/>
+          </a:lnRef>
+          <a:fillRef idx="0">
+            <a:schemeClr val="accent1"/>
+          </a:fillRef>
+          <a:effectRef idx="1">
+            <a:schemeClr val="accent1"/>
+          </a:effectRef>
+          <a:fontRef idx="minor">
+            <a:schemeClr val="tx1"/>
+          </a:fontRef>
+        </p:style>
+      </p:cxnSp>
+      <p:sp>
+        <p:nvSpPr>
+          <p:cNvPr id="6" name="TextBox 5"/>
+          <p:cNvSpPr txBox="1"/>
+          <p:nvPr/>
+        </p:nvSpPr>
+        <p:spPr>
+          <a:xfrm>
+            <a:off x="208425" y="5843374"/>
+            <a:ext cx="3225801" cy="307777"/>
+          </a:xfrm>
+          <a:prstGeom prst="rect">
+            <a:avLst/>
+          </a:prstGeom>
+          <a:noFill/>
+        </p:spPr>
+        <p:txBody>
+          <a:bodyPr wrap="square" rtlCol="0">
+            <a:spAutoFit/>
+          </a:bodyPr>
+          <a:lstStyle/>
+          <a:p>
+            <a:pPr algn="r"/>
+            <a:r>
+              <a:rPr lang="en-US" sz="1400" dirty="0">
+                <a:solidFill>
+                  <a:srgbClr val="008000"/>
+                </a:solidFill>
+              </a:rPr>
+              <a:t>d</a:t>
+            </a:r>
+            <a:r>
+              <a:rPr lang="en-US" sz="1400" dirty="0" smtClean="0">
+                <a:solidFill>
+                  <a:srgbClr val="008000"/>
+                </a:solidFill>
+              </a:rPr>
+              <a:t>eadlock encountered at line 63</a:t>
+            </a:r>
+            <a:endParaRPr lang="en-US" sz="1400" dirty="0">
+              <a:solidFill>
+                <a:srgbClr val="008000"/>
+              </a:solidFill>
+            </a:endParaRPr>
+          </a:p>
+        </p:txBody>
+      </p:sp>
+    </p:spTree>
+    <p:extLst>
+      <p:ext uri="{BB962C8B-B14F-4D97-AF65-F5344CB8AC3E}">
+        <p14:creationId xmlns:p14="http://schemas.microsoft.com/office/powerpoint/2010/main" val="4018297967"/>
+      </p:ext>
+    </p:extLst>
+  </p:cSld>
+  <p:clrMapOvr>
+    <a:masterClrMapping/>
+  </p:clrMapOvr>
+  <p:timing>
+    <p:tnLst>
+      <p:par>
+        <p:cTn xmlns:p14="http://schemas.microsoft.com/office/powerpoint/2010/main" id="1" dur="indefinite" restart="never" nodeType="tmRoot"/>
+      </p:par>
+    </p:tnLst>
+  </p:timing>
+</p:sld>
+</file>
+
+<file path=ppt/slides/slide24.xml><?xml version="1.0" encoding="utf-8"?>
 <p:sld xmlns:a="http://schemas.openxmlformats.org/drawingml/2006/main" xmlns:r="http://schemas.openxmlformats.org/officeDocument/2006/relationships" xmlns:p="http://schemas.openxmlformats.org/presentationml/2006/main">
   <p:cSld>
     <p:spTree>
@@ -7714,7 +10516,7 @@
             <a:fld id="{0CFEC368-1D7A-4F81-ABF6-AE0E36BAF64C}" type="slidenum">
               <a:rPr lang="en-US" smtClean="0"/>
               <a:pPr/>
-              <a:t>19</a:t>
+              <a:t>24</a:t>
             </a:fld>
             <a:endParaRPr lang="en-US"/>
           </a:p>
@@ -7740,184 +10542,7 @@
 </p:sld>
 </file>
 
-<file path=ppt/slides/slide2.xml><?xml version="1.0" encoding="utf-8"?>
-<p:sld xmlns:a="http://schemas.openxmlformats.org/drawingml/2006/main" xmlns:r="http://schemas.openxmlformats.org/officeDocument/2006/relationships" xmlns:p="http://schemas.openxmlformats.org/presentationml/2006/main">
-  <p:cSld>
-    <p:spTree>
-      <p:nvGrpSpPr>
-        <p:cNvPr id="1" name=""/>
-        <p:cNvGrpSpPr/>
-        <p:nvPr/>
-      </p:nvGrpSpPr>
-      <p:grpSpPr>
-        <a:xfrm>
-          <a:off x="0" y="0"/>
-          <a:ext cx="0" cy="0"/>
-          <a:chOff x="0" y="0"/>
-          <a:chExt cx="0" cy="0"/>
-        </a:xfrm>
-      </p:grpSpPr>
-      <p:sp>
-        <p:nvSpPr>
-          <p:cNvPr id="2" name="Title 1"/>
-          <p:cNvSpPr>
-            <a:spLocks noGrp="1"/>
-          </p:cNvSpPr>
-          <p:nvPr>
-            <p:ph type="title"/>
-          </p:nvPr>
-        </p:nvSpPr>
-        <p:spPr/>
-        <p:txBody>
-          <a:bodyPr/>
-          <a:lstStyle/>
-          <a:p>
-            <a:r>
-              <a:rPr lang="en-US" dirty="0" smtClean="0"/>
-              <a:t>Overview</a:t>
-            </a:r>
-            <a:endParaRPr lang="en-US" dirty="0"/>
-          </a:p>
-        </p:txBody>
-      </p:sp>
-      <p:sp>
-        <p:nvSpPr>
-          <p:cNvPr id="3" name="Content Placeholder 2"/>
-          <p:cNvSpPr>
-            <a:spLocks noGrp="1"/>
-          </p:cNvSpPr>
-          <p:nvPr>
-            <p:ph idx="1"/>
-          </p:nvPr>
-        </p:nvSpPr>
-        <p:spPr/>
-        <p:txBody>
-          <a:bodyPr/>
-          <a:lstStyle/>
-          <a:p>
-            <a:r>
-              <a:rPr lang="en-US" dirty="0" smtClean="0"/>
-              <a:t>Problem &amp; Proposed Solution		  3 </a:t>
-            </a:r>
-            <a:r>
-              <a:rPr lang="en-US" dirty="0" err="1" smtClean="0"/>
-              <a:t>mins</a:t>
-            </a:r>
-            <a:endParaRPr lang="en-US" dirty="0" smtClean="0"/>
-          </a:p>
-          <a:p>
-            <a:r>
-              <a:rPr lang="en-US" dirty="0" smtClean="0"/>
-              <a:t>Design &amp; Implementation			  8 </a:t>
-            </a:r>
-            <a:r>
-              <a:rPr lang="en-US" dirty="0" err="1" smtClean="0"/>
-              <a:t>mins</a:t>
-            </a:r>
-            <a:endParaRPr lang="en-US" dirty="0" smtClean="0"/>
-          </a:p>
-          <a:p>
-            <a:r>
-              <a:rPr lang="en-US" dirty="0"/>
-              <a:t>Demo					  7 </a:t>
-            </a:r>
-            <a:r>
-              <a:rPr lang="en-US" dirty="0" err="1"/>
-              <a:t>mins</a:t>
-            </a:r>
-            <a:endParaRPr lang="en-US" dirty="0"/>
-          </a:p>
-          <a:p>
-            <a:r>
-              <a:rPr lang="en-US" dirty="0" smtClean="0"/>
-              <a:t>Test &amp; Analysis				  3 </a:t>
-            </a:r>
-            <a:r>
-              <a:rPr lang="en-US" dirty="0" err="1" smtClean="0"/>
-              <a:t>mins</a:t>
-            </a:r>
-            <a:endParaRPr lang="en-US" dirty="0" smtClean="0"/>
-          </a:p>
-          <a:p>
-            <a:r>
-              <a:rPr lang="en-US" dirty="0" smtClean="0"/>
-              <a:t>Future Work				  2 </a:t>
-            </a:r>
-            <a:r>
-              <a:rPr lang="en-US" dirty="0" err="1" smtClean="0"/>
-              <a:t>mins</a:t>
-            </a:r>
-            <a:endParaRPr lang="en-US" dirty="0" smtClean="0"/>
-          </a:p>
-          <a:p>
-            <a:r>
-              <a:rPr lang="en-US" dirty="0" smtClean="0"/>
-              <a:t>Summary					  2 </a:t>
-            </a:r>
-            <a:r>
-              <a:rPr lang="en-US" dirty="0" err="1" smtClean="0"/>
-              <a:t>mins</a:t>
-            </a:r>
-            <a:endParaRPr lang="en-US" dirty="0" smtClean="0"/>
-          </a:p>
-          <a:p>
-            <a:r>
-              <a:rPr lang="en-US" dirty="0" smtClean="0"/>
-              <a:t>Q&amp;A						  5 </a:t>
-            </a:r>
-            <a:r>
-              <a:rPr lang="en-US" dirty="0" err="1" smtClean="0"/>
-              <a:t>mins</a:t>
-            </a:r>
-            <a:endParaRPr lang="en-US" dirty="0"/>
-          </a:p>
-        </p:txBody>
-      </p:sp>
-      <p:sp>
-        <p:nvSpPr>
-          <p:cNvPr id="4" name="Slide Number Placeholder 3"/>
-          <p:cNvSpPr>
-            <a:spLocks noGrp="1"/>
-          </p:cNvSpPr>
-          <p:nvPr>
-            <p:ph type="sldNum" sz="quarter" idx="12"/>
-          </p:nvPr>
-        </p:nvSpPr>
-        <p:spPr/>
-        <p:txBody>
-          <a:bodyPr/>
-          <a:lstStyle/>
-          <a:p>
-            <a:fld id="{0CFEC368-1D7A-4F81-ABF6-AE0E36BAF64C}" type="slidenum">
-              <a:rPr lang="en-US" smtClean="0"/>
-              <a:pPr/>
-              <a:t>2</a:t>
-            </a:fld>
-            <a:endParaRPr lang="en-US"/>
-          </a:p>
-        </p:txBody>
-      </p:sp>
-    </p:spTree>
-    <p:extLst>
-      <p:ext uri="{BB962C8B-B14F-4D97-AF65-F5344CB8AC3E}">
-        <p14:creationId xmlns:p14="http://schemas.microsoft.com/office/powerpoint/2010/main" val="2081550029"/>
-      </p:ext>
-    </p:extLst>
-  </p:cSld>
-  <p:clrMapOvr>
-    <a:masterClrMapping/>
-  </p:clrMapOvr>
-  <p:timing>
-    <p:tnLst>
-      <p:par>
-        <p:cTn xmlns:p14="http://schemas.microsoft.com/office/powerpoint/2010/main" id="1" dur="indefinite" restart="never" nodeType="tmRoot"/>
-      </p:par>
-    </p:tnLst>
-  </p:timing>
-</p:sld>
-</file>
-
-<file path=ppt/slides/slide20.xml><?xml version="1.0" encoding="utf-8"?>
+<file path=ppt/slides/slide25.xml><?xml version="1.0" encoding="utf-8"?>
 <p:sld xmlns:a="http://schemas.openxmlformats.org/drawingml/2006/main" xmlns:r="http://schemas.openxmlformats.org/officeDocument/2006/relationships" xmlns:p="http://schemas.openxmlformats.org/presentationml/2006/main">
   <p:cSld>
     <p:spTree>
@@ -8270,7 +10895,7 @@
             <a:fld id="{0CFEC368-1D7A-4F81-ABF6-AE0E36BAF64C}" type="slidenum">
               <a:rPr lang="en-US" smtClean="0"/>
               <a:pPr/>
-              <a:t>20</a:t>
+              <a:t>25</a:t>
             </a:fld>
             <a:endParaRPr lang="en-US"/>
           </a:p>
@@ -8296,7 +10921,7 @@
 </p:sld>
 </file>
 
-<file path=ppt/slides/slide21.xml><?xml version="1.0" encoding="utf-8"?>
+<file path=ppt/slides/slide26.xml><?xml version="1.0" encoding="utf-8"?>
 <p:sld xmlns:a="http://schemas.openxmlformats.org/drawingml/2006/main" xmlns:r="http://schemas.openxmlformats.org/officeDocument/2006/relationships" xmlns:p="http://schemas.openxmlformats.org/presentationml/2006/main">
   <p:cSld>
     <p:spTree>
@@ -9400,7 +12025,7 @@
             <a:fld id="{0CFEC368-1D7A-4F81-ABF6-AE0E36BAF64C}" type="slidenum">
               <a:rPr lang="en-US" smtClean="0"/>
               <a:pPr/>
-              <a:t>21</a:t>
+              <a:t>26</a:t>
             </a:fld>
             <a:endParaRPr lang="en-US"/>
           </a:p>
@@ -9426,7 +12051,7 @@
 </p:sld>
 </file>
 
-<file path=ppt/slides/slide22.xml><?xml version="1.0" encoding="utf-8"?>
+<file path=ppt/slides/slide27.xml><?xml version="1.0" encoding="utf-8"?>
 <p:sld xmlns:a="http://schemas.openxmlformats.org/drawingml/2006/main" xmlns:r="http://schemas.openxmlformats.org/officeDocument/2006/relationships" xmlns:p="http://schemas.openxmlformats.org/presentationml/2006/main">
   <p:cSld>
     <p:spTree>
@@ -9585,7 +12210,7 @@
             <a:fld id="{0CFEC368-1D7A-4F81-ABF6-AE0E36BAF64C}" type="slidenum">
               <a:rPr lang="en-US" smtClean="0"/>
               <a:pPr/>
-              <a:t>22</a:t>
+              <a:t>27</a:t>
             </a:fld>
             <a:endParaRPr lang="en-US"/>
           </a:p>
@@ -10352,7 +12977,7 @@
           <p:spPr>
             <a:xfrm>
               <a:off x="3359365" y="1592531"/>
-              <a:ext cx="815471" cy="343092"/>
+              <a:ext cx="1167033" cy="343092"/>
             </a:xfrm>
             <a:prstGeom prst="rect">
               <a:avLst/>
@@ -10381,12 +13006,12 @@
             <a:lstStyle/>
             <a:p>
               <a:r>
-                <a:rPr lang="en-US" sz="1200" dirty="0" smtClean="0">
+                <a:rPr lang="en-US" sz="1200" dirty="0" err="1" smtClean="0">
                   <a:solidFill>
                     <a:srgbClr val="292934"/>
                   </a:solidFill>
                 </a:rPr>
-                <a:t>hw1.cpp</a:t>
+                <a:t>sections.c</a:t>
               </a:r>
               <a:endParaRPr lang="en-US" sz="1200" dirty="0">
                 <a:solidFill>
@@ -14685,7 +17310,6 @@
                 <a:rPr lang="en-US" sz="1200" dirty="0" smtClean="0"/>
                 <a:t>Solution</a:t>
               </a:r>
-              <a:endParaRPr lang="en-US" sz="1200" dirty="0" smtClean="0"/>
             </a:p>
             <a:p>
               <a:pPr algn="ctr"/>
@@ -15211,7 +17835,6 @@
                 <a:rPr lang="en-US" sz="1200" dirty="0" smtClean="0"/>
                 <a:t>Thread, Lock, &amp; Semaphore Management</a:t>
               </a:r>
-              <a:endParaRPr lang="en-US" sz="1200" dirty="0" smtClean="0"/>
             </a:p>
           </p:txBody>
         </p:sp>
@@ -15474,7 +18097,6 @@
               <a:rPr lang="en-US" sz="1200" dirty="0" smtClean="0"/>
               <a:t>New Component</a:t>
             </a:r>
-            <a:endParaRPr lang="en-US" sz="1200" dirty="0" smtClean="0"/>
           </a:p>
         </p:txBody>
       </p:sp>
